--- a/lec/anninbon11.pptx
+++ b/lec/anninbon11.pptx
@@ -5,10 +5,10 @@
     <p:sldMasterId id="2147483706" r:id="rId1"/>
   </p:sldMasterIdLst>
   <p:notesMasterIdLst>
-    <p:notesMasterId r:id="rId11"/>
+    <p:notesMasterId r:id="rId14"/>
   </p:notesMasterIdLst>
   <p:handoutMasterIdLst>
-    <p:handoutMasterId r:id="rId12"/>
+    <p:handoutMasterId r:id="rId15"/>
   </p:handoutMasterIdLst>
   <p:sldIdLst>
     <p:sldId id="552" r:id="rId2"/>
@@ -19,7 +19,10 @@
     <p:sldId id="655" r:id="rId7"/>
     <p:sldId id="656" r:id="rId8"/>
     <p:sldId id="657" r:id="rId9"/>
-    <p:sldId id="650" r:id="rId10"/>
+    <p:sldId id="658" r:id="rId10"/>
+    <p:sldId id="659" r:id="rId11"/>
+    <p:sldId id="660" r:id="rId12"/>
+    <p:sldId id="650" r:id="rId13"/>
   </p:sldIdLst>
   <p:sldSz cx="9144000" cy="6858000" type="screen4x3"/>
   <p:notesSz cx="7099300" cy="10234613"/>
@@ -161,6 +164,9 @@
             <p14:sldId id="655"/>
             <p14:sldId id="656"/>
             <p14:sldId id="657"/>
+            <p14:sldId id="658"/>
+            <p14:sldId id="659"/>
+            <p14:sldId id="660"/>
             <p14:sldId id="650"/>
           </p14:sldIdLst>
         </p14:section>
@@ -2396,7 +2402,7 @@
 </p:sld>
 </file>
 
-<file path=ppt/slides/slide2.xml><?xml version="1.0" encoding="utf-8"?>
+<file path=ppt/slides/slide10.xml><?xml version="1.0" encoding="utf-8"?>
 <p:sld xmlns:a="http://schemas.openxmlformats.org/drawingml/2006/main" xmlns:r="http://schemas.openxmlformats.org/officeDocument/2006/relationships" xmlns:p="http://schemas.openxmlformats.org/presentationml/2006/main">
   <p:cSld>
     <p:spTree>
@@ -2415,6 +2421,1385 @@
       </p:grpSpPr>
       <mc:AlternateContent xmlns:mc="http://schemas.openxmlformats.org/markup-compatibility/2006">
         <mc:Choice xmlns:a14="http://schemas.microsoft.com/office/drawing/2010/main" Requires="a14">
+          <p:sp>
+            <p:nvSpPr>
+              <p:cNvPr id="2" name="コンテンツ プレースホルダー 1">
+                <a:extLst>
+                  <a:ext uri="{FF2B5EF4-FFF2-40B4-BE49-F238E27FC236}">
+                    <a16:creationId xmlns:a16="http://schemas.microsoft.com/office/drawing/2014/main" id="{53A9E033-6E5B-4467-AECA-E408869BD664}"/>
+                  </a:ext>
+                </a:extLst>
+              </p:cNvPr>
+              <p:cNvSpPr>
+                <a:spLocks noGrp="1"/>
+              </p:cNvSpPr>
+              <p:nvPr>
+                <p:ph idx="1"/>
+              </p:nvPr>
+            </p:nvSpPr>
+            <p:spPr/>
+            <p:txBody>
+              <a:bodyPr/>
+              <a:lstStyle/>
+              <a:p>
+                <a:r>
+                  <a:rPr kumimoji="1" lang="ja-JP" altLang="en-US"/>
+                  <a:t>秘密分散の問題点</a:t>
+                </a:r>
+                <a:endParaRPr kumimoji="1" lang="en-US" altLang="ja-JP"/>
+              </a:p>
+              <a:p>
+                <a:pPr lvl="1"/>
+                <a:r>
+                  <a:rPr kumimoji="1" lang="ja-JP" altLang="en-US"/>
+                  <a:t>秘密分散で社長がある人にだけ嘘の値を教えていたら</a:t>
+                </a:r>
+                <a:endParaRPr kumimoji="1" lang="en-US" altLang="ja-JP"/>
+              </a:p>
+              <a:p>
+                <a:pPr lvl="2"/>
+                <a:r>
+                  <a:rPr kumimoji="1" lang="ja-JP" altLang="en-US"/>
+                  <a:t>その人は復元できない</a:t>
+                </a:r>
+                <a:endParaRPr kumimoji="1" lang="en-US" altLang="ja-JP"/>
+              </a:p>
+              <a:p>
+                <a:pPr lvl="2"/>
+                <a:r>
+                  <a:rPr kumimoji="1" lang="ja-JP" altLang="en-US"/>
+                  <a:t>正しい値をもらったか確認するには集まらなければならない</a:t>
+                </a:r>
+                <a:endParaRPr kumimoji="1" lang="en-US" altLang="ja-JP"/>
+              </a:p>
+              <a:p>
+                <a:r>
+                  <a:rPr kumimoji="1" lang="en-US" altLang="ja-JP"/>
+                  <a:t>VSS (Feldman)</a:t>
+                </a:r>
+              </a:p>
+              <a:p>
+                <a:pPr lvl="1"/>
+                <a:r>
+                  <a:rPr kumimoji="1" lang="ja-JP" altLang="en-US"/>
+                  <a:t>検証可能な秘密分散</a:t>
+                </a:r>
+                <a:endParaRPr kumimoji="1" lang="en-US" altLang="ja-JP"/>
+              </a:p>
+              <a:p>
+                <a:pPr lvl="1"/>
+                <a:r>
+                  <a:rPr kumimoji="1" lang="ja-JP" altLang="en-US"/>
+                  <a:t>秘密鍵</a:t>
+                </a:r>
+                <a14:m>
+                  <m:oMath xmlns:m="http://schemas.openxmlformats.org/officeDocument/2006/math">
+                    <m:r>
+                      <a:rPr kumimoji="1" lang="en-US" altLang="ja-JP" b="0" i="1" smtClean="0">
+                        <a:latin typeface="Cambria Math" panose="02040503050406030204" pitchFamily="18" charset="0"/>
+                      </a:rPr>
+                      <m:t>𝑠</m:t>
+                    </m:r>
+                  </m:oMath>
+                </a14:m>
+                <a:r>
+                  <a:rPr kumimoji="1" lang="ja-JP" altLang="en-US"/>
+                  <a:t>を</a:t>
+                </a:r>
+                <a14:m>
+                  <m:oMath xmlns:m="http://schemas.openxmlformats.org/officeDocument/2006/math">
+                    <m:sSub>
+                      <m:sSubPr>
+                        <m:ctrlPr>
+                          <a:rPr kumimoji="1" lang="en-US" altLang="ja-JP" b="0" i="1" smtClean="0">
+                            <a:latin typeface="Cambria Math" panose="02040503050406030204" pitchFamily="18" charset="0"/>
+                          </a:rPr>
+                        </m:ctrlPr>
+                      </m:sSubPr>
+                      <m:e>
+                        <m:r>
+                          <a:rPr kumimoji="1" lang="en-US" altLang="ja-JP" b="0" i="1" smtClean="0">
+                            <a:latin typeface="Cambria Math" panose="02040503050406030204" pitchFamily="18" charset="0"/>
+                          </a:rPr>
+                          <m:t>𝑠</m:t>
+                        </m:r>
+                      </m:e>
+                      <m:sub>
+                        <m:r>
+                          <a:rPr kumimoji="1" lang="en-US" altLang="ja-JP" b="0" i="1" smtClean="0">
+                            <a:latin typeface="Cambria Math" panose="02040503050406030204" pitchFamily="18" charset="0"/>
+                          </a:rPr>
+                          <m:t>1</m:t>
+                        </m:r>
+                      </m:sub>
+                    </m:sSub>
+                    <m:r>
+                      <a:rPr kumimoji="1" lang="en-US" altLang="ja-JP" b="0" i="1" smtClean="0">
+                        <a:latin typeface="Cambria Math" panose="02040503050406030204" pitchFamily="18" charset="0"/>
+                      </a:rPr>
+                      <m:t>,…,</m:t>
+                    </m:r>
+                    <m:sSub>
+                      <m:sSubPr>
+                        <m:ctrlPr>
+                          <a:rPr kumimoji="1" lang="en-US" altLang="ja-JP" b="0" i="1" smtClean="0">
+                            <a:latin typeface="Cambria Math" panose="02040503050406030204" pitchFamily="18" charset="0"/>
+                          </a:rPr>
+                        </m:ctrlPr>
+                      </m:sSubPr>
+                      <m:e>
+                        <m:r>
+                          <a:rPr kumimoji="1" lang="en-US" altLang="ja-JP" b="0" i="1" smtClean="0">
+                            <a:latin typeface="Cambria Math" panose="02040503050406030204" pitchFamily="18" charset="0"/>
+                          </a:rPr>
+                          <m:t>𝑠</m:t>
+                        </m:r>
+                      </m:e>
+                      <m:sub>
+                        <m:r>
+                          <a:rPr kumimoji="1" lang="en-US" altLang="ja-JP" b="0" i="1" smtClean="0">
+                            <a:latin typeface="Cambria Math" panose="02040503050406030204" pitchFamily="18" charset="0"/>
+                          </a:rPr>
+                          <m:t>𝑛</m:t>
+                        </m:r>
+                      </m:sub>
+                    </m:sSub>
+                  </m:oMath>
+                </a14:m>
+                <a:r>
+                  <a:rPr kumimoji="1" lang="ja-JP" altLang="en-US"/>
+                  <a:t>に秘密分散</a:t>
+                </a:r>
+                <a:endParaRPr kumimoji="1" lang="en-US" altLang="ja-JP"/>
+              </a:p>
+              <a:p>
+                <a:pPr lvl="1"/>
+                <a:r>
+                  <a:rPr kumimoji="1" lang="ja-JP" altLang="en-US"/>
+                  <a:t>楕円曲線の点</a:t>
+                </a:r>
+                <a:r>
+                  <a:rPr kumimoji="1" lang="en-US" altLang="ja-JP"/>
+                  <a:t>P</a:t>
+                </a:r>
+                <a:r>
+                  <a:rPr kumimoji="1" lang="ja-JP" altLang="en-US"/>
+                  <a:t>を公開</a:t>
+                </a:r>
+                <a14:m>
+                  <m:oMath xmlns:m="http://schemas.openxmlformats.org/officeDocument/2006/math">
+                    <m:r>
+                      <a:rPr kumimoji="1" lang="en-US" altLang="ja-JP" b="0" i="1" smtClean="0">
+                        <a:latin typeface="Cambria Math" panose="02040503050406030204" pitchFamily="18" charset="0"/>
+                      </a:rPr>
+                      <m:t>𝑠𝑃</m:t>
+                    </m:r>
+                    <m:r>
+                      <a:rPr kumimoji="1" lang="en-US" altLang="ja-JP" b="0" i="1" smtClean="0">
+                        <a:latin typeface="Cambria Math" panose="02040503050406030204" pitchFamily="18" charset="0"/>
+                      </a:rPr>
+                      <m:t>, </m:t>
+                    </m:r>
+                    <m:sSub>
+                      <m:sSubPr>
+                        <m:ctrlPr>
+                          <a:rPr kumimoji="1" lang="en-US" altLang="ja-JP" b="0" i="1" smtClean="0">
+                            <a:latin typeface="Cambria Math" panose="02040503050406030204" pitchFamily="18" charset="0"/>
+                          </a:rPr>
+                        </m:ctrlPr>
+                      </m:sSubPr>
+                      <m:e>
+                        <m:r>
+                          <a:rPr kumimoji="1" lang="en-US" altLang="ja-JP" b="0" i="1" smtClean="0">
+                            <a:latin typeface="Cambria Math" panose="02040503050406030204" pitchFamily="18" charset="0"/>
+                          </a:rPr>
+                          <m:t>𝑠</m:t>
+                        </m:r>
+                      </m:e>
+                      <m:sub>
+                        <m:r>
+                          <a:rPr kumimoji="1" lang="en-US" altLang="ja-JP" b="0" i="1" smtClean="0">
+                            <a:latin typeface="Cambria Math" panose="02040503050406030204" pitchFamily="18" charset="0"/>
+                          </a:rPr>
+                          <m:t>1</m:t>
+                        </m:r>
+                      </m:sub>
+                    </m:sSub>
+                    <m:r>
+                      <a:rPr kumimoji="1" lang="en-US" altLang="ja-JP" b="0" i="1" smtClean="0">
+                        <a:latin typeface="Cambria Math" panose="02040503050406030204" pitchFamily="18" charset="0"/>
+                      </a:rPr>
+                      <m:t>𝑃</m:t>
+                    </m:r>
+                    <m:r>
+                      <a:rPr kumimoji="1" lang="en-US" altLang="ja-JP" b="0" i="1" smtClean="0">
+                        <a:latin typeface="Cambria Math" panose="02040503050406030204" pitchFamily="18" charset="0"/>
+                      </a:rPr>
+                      <m:t>, …, </m:t>
+                    </m:r>
+                    <m:sSub>
+                      <m:sSubPr>
+                        <m:ctrlPr>
+                          <a:rPr kumimoji="1" lang="en-US" altLang="ja-JP" b="0" i="1" smtClean="0">
+                            <a:latin typeface="Cambria Math" panose="02040503050406030204" pitchFamily="18" charset="0"/>
+                          </a:rPr>
+                        </m:ctrlPr>
+                      </m:sSubPr>
+                      <m:e>
+                        <m:r>
+                          <a:rPr kumimoji="1" lang="en-US" altLang="ja-JP" b="0" i="1" smtClean="0">
+                            <a:latin typeface="Cambria Math" panose="02040503050406030204" pitchFamily="18" charset="0"/>
+                          </a:rPr>
+                          <m:t>𝑠</m:t>
+                        </m:r>
+                      </m:e>
+                      <m:sub>
+                        <m:r>
+                          <a:rPr kumimoji="1" lang="en-US" altLang="ja-JP" b="0" i="1" smtClean="0">
+                            <a:latin typeface="Cambria Math" panose="02040503050406030204" pitchFamily="18" charset="0"/>
+                          </a:rPr>
+                          <m:t>𝑛</m:t>
+                        </m:r>
+                      </m:sub>
+                    </m:sSub>
+                    <m:r>
+                      <a:rPr kumimoji="1" lang="en-US" altLang="ja-JP" b="0" i="1" smtClean="0">
+                        <a:latin typeface="Cambria Math" panose="02040503050406030204" pitchFamily="18" charset="0"/>
+                      </a:rPr>
+                      <m:t>𝑃</m:t>
+                    </m:r>
+                  </m:oMath>
+                </a14:m>
+                <a:r>
+                  <a:rPr kumimoji="1" lang="ja-JP" altLang="en-US"/>
+                  <a:t>も公開</a:t>
+                </a:r>
+                <a:endParaRPr kumimoji="1" lang="en-US" altLang="ja-JP"/>
+              </a:p>
+              <a:p>
+                <a:pPr lvl="2"/>
+                <a:r>
+                  <a:rPr kumimoji="1" lang="ja-JP" altLang="en-US"/>
+                  <a:t>各自は秘密鍵</a:t>
+                </a:r>
+                <a14:m>
+                  <m:oMath xmlns:m="http://schemas.openxmlformats.org/officeDocument/2006/math">
+                    <m:sSub>
+                      <m:sSubPr>
+                        <m:ctrlPr>
+                          <a:rPr kumimoji="1" lang="en-US" altLang="ja-JP" b="0" i="1" smtClean="0">
+                            <a:latin typeface="Cambria Math" panose="02040503050406030204" pitchFamily="18" charset="0"/>
+                          </a:rPr>
+                        </m:ctrlPr>
+                      </m:sSubPr>
+                      <m:e>
+                        <m:r>
+                          <a:rPr kumimoji="1" lang="en-US" altLang="ja-JP" b="0" i="1" smtClean="0">
+                            <a:latin typeface="Cambria Math" panose="02040503050406030204" pitchFamily="18" charset="0"/>
+                          </a:rPr>
+                          <m:t>𝑠</m:t>
+                        </m:r>
+                      </m:e>
+                      <m:sub>
+                        <m:r>
+                          <a:rPr kumimoji="1" lang="en-US" altLang="ja-JP" b="0" i="1" smtClean="0">
+                            <a:latin typeface="Cambria Math" panose="02040503050406030204" pitchFamily="18" charset="0"/>
+                          </a:rPr>
+                          <m:t>𝑖</m:t>
+                        </m:r>
+                      </m:sub>
+                    </m:sSub>
+                  </m:oMath>
+                </a14:m>
+                <a:r>
+                  <a:rPr kumimoji="1" lang="ja-JP" altLang="en-US"/>
+                  <a:t>と</a:t>
+                </a:r>
+                <a14:m>
+                  <m:oMath xmlns:m="http://schemas.openxmlformats.org/officeDocument/2006/math">
+                    <m:sSub>
+                      <m:sSubPr>
+                        <m:ctrlPr>
+                          <a:rPr kumimoji="1" lang="en-US" altLang="ja-JP" b="0" i="1" smtClean="0">
+                            <a:latin typeface="Cambria Math" panose="02040503050406030204" pitchFamily="18" charset="0"/>
+                          </a:rPr>
+                        </m:ctrlPr>
+                      </m:sSubPr>
+                      <m:e>
+                        <m:r>
+                          <a:rPr kumimoji="1" lang="en-US" altLang="ja-JP" b="0" i="1" smtClean="0">
+                            <a:latin typeface="Cambria Math" panose="02040503050406030204" pitchFamily="18" charset="0"/>
+                          </a:rPr>
+                          <m:t>𝑠</m:t>
+                        </m:r>
+                      </m:e>
+                      <m:sub>
+                        <m:r>
+                          <a:rPr kumimoji="1" lang="en-US" altLang="ja-JP" b="0" i="1" smtClean="0">
+                            <a:latin typeface="Cambria Math" panose="02040503050406030204" pitchFamily="18" charset="0"/>
+                          </a:rPr>
+                          <m:t>𝑖</m:t>
+                        </m:r>
+                      </m:sub>
+                    </m:sSub>
+                    <m:r>
+                      <a:rPr kumimoji="1" lang="en-US" altLang="ja-JP" b="0" i="1" smtClean="0">
+                        <a:latin typeface="Cambria Math" panose="02040503050406030204" pitchFamily="18" charset="0"/>
+                      </a:rPr>
+                      <m:t>𝑃</m:t>
+                    </m:r>
+                  </m:oMath>
+                </a14:m>
+                <a:r>
+                  <a:rPr kumimoji="1" lang="ja-JP" altLang="en-US"/>
+                  <a:t>の対応がとれていることを確認</a:t>
+                </a:r>
+                <a:endParaRPr kumimoji="1" lang="en-US" altLang="ja-JP"/>
+              </a:p>
+              <a:p>
+                <a:pPr lvl="2"/>
+                <a14:m>
+                  <m:oMath xmlns:m="http://schemas.openxmlformats.org/officeDocument/2006/math">
+                    <m:sSub>
+                      <m:sSubPr>
+                        <m:ctrlPr>
+                          <a:rPr kumimoji="1" lang="en-US" altLang="ja-JP" b="0" i="1" smtClean="0">
+                            <a:latin typeface="Cambria Math" panose="02040503050406030204" pitchFamily="18" charset="0"/>
+                          </a:rPr>
+                        </m:ctrlPr>
+                      </m:sSubPr>
+                      <m:e>
+                        <m:r>
+                          <a:rPr kumimoji="1" lang="en-US" altLang="ja-JP" b="0" i="1" smtClean="0">
+                            <a:latin typeface="Cambria Math" panose="02040503050406030204" pitchFamily="18" charset="0"/>
+                          </a:rPr>
+                          <m:t>𝑠</m:t>
+                        </m:r>
+                      </m:e>
+                      <m:sub>
+                        <m:r>
+                          <a:rPr kumimoji="1" lang="en-US" altLang="ja-JP" b="0" i="1" smtClean="0">
+                            <a:latin typeface="Cambria Math" panose="02040503050406030204" pitchFamily="18" charset="0"/>
+                          </a:rPr>
+                          <m:t>1</m:t>
+                        </m:r>
+                      </m:sub>
+                    </m:sSub>
+                    <m:r>
+                      <a:rPr kumimoji="1" lang="en-US" altLang="ja-JP" b="0" i="1" smtClean="0">
+                        <a:latin typeface="Cambria Math" panose="02040503050406030204" pitchFamily="18" charset="0"/>
+                      </a:rPr>
+                      <m:t>𝑃</m:t>
+                    </m:r>
+                    <m:r>
+                      <a:rPr kumimoji="1" lang="en-US" altLang="ja-JP" b="0" i="1" smtClean="0">
+                        <a:latin typeface="Cambria Math" panose="02040503050406030204" pitchFamily="18" charset="0"/>
+                      </a:rPr>
+                      <m:t>, …, </m:t>
+                    </m:r>
+                    <m:sSub>
+                      <m:sSubPr>
+                        <m:ctrlPr>
+                          <a:rPr kumimoji="1" lang="en-US" altLang="ja-JP" b="0" i="1" smtClean="0">
+                            <a:latin typeface="Cambria Math" panose="02040503050406030204" pitchFamily="18" charset="0"/>
+                          </a:rPr>
+                        </m:ctrlPr>
+                      </m:sSubPr>
+                      <m:e>
+                        <m:r>
+                          <a:rPr kumimoji="1" lang="en-US" altLang="ja-JP" b="0" i="1" smtClean="0">
+                            <a:latin typeface="Cambria Math" panose="02040503050406030204" pitchFamily="18" charset="0"/>
+                          </a:rPr>
+                          <m:t>𝑠</m:t>
+                        </m:r>
+                      </m:e>
+                      <m:sub>
+                        <m:r>
+                          <a:rPr kumimoji="1" lang="en-US" altLang="ja-JP" b="0" i="1" smtClean="0">
+                            <a:latin typeface="Cambria Math" panose="02040503050406030204" pitchFamily="18" charset="0"/>
+                          </a:rPr>
+                          <m:t>𝑛</m:t>
+                        </m:r>
+                      </m:sub>
+                    </m:sSub>
+                    <m:r>
+                      <a:rPr kumimoji="1" lang="en-US" altLang="ja-JP" b="0" i="1" smtClean="0">
+                        <a:latin typeface="Cambria Math" panose="02040503050406030204" pitchFamily="18" charset="0"/>
+                      </a:rPr>
+                      <m:t>𝑃</m:t>
+                    </m:r>
+                  </m:oMath>
+                </a14:m>
+                <a:r>
+                  <a:rPr kumimoji="1" lang="ja-JP" altLang="en-US"/>
+                  <a:t>から</a:t>
+                </a:r>
+                <a14:m>
+                  <m:oMath xmlns:m="http://schemas.openxmlformats.org/officeDocument/2006/math">
+                    <m:r>
+                      <a:rPr kumimoji="1" lang="en-US" altLang="ja-JP" b="0" i="1" smtClean="0">
+                        <a:latin typeface="Cambria Math" panose="02040503050406030204" pitchFamily="18" charset="0"/>
+                      </a:rPr>
+                      <m:t>𝑠𝑃</m:t>
+                    </m:r>
+                  </m:oMath>
+                </a14:m>
+                <a:r>
+                  <a:rPr kumimoji="1" lang="ja-JP" altLang="en-US"/>
+                  <a:t>を復元 </a:t>
+                </a:r>
+                <a:r>
+                  <a:rPr kumimoji="1" lang="en-US" altLang="ja-JP"/>
+                  <a:t>: </a:t>
+                </a:r>
+                <a:r>
+                  <a:rPr kumimoji="1" lang="ja-JP" altLang="en-US"/>
+                  <a:t>みなが同じ値を復元できたか確認</a:t>
+                </a:r>
+                <a:endParaRPr kumimoji="1" lang="en-US" altLang="ja-JP"/>
+              </a:p>
+            </p:txBody>
+          </p:sp>
+        </mc:Choice>
+        <mc:Fallback>
+          <p:sp>
+            <p:nvSpPr>
+              <p:cNvPr id="2" name="コンテンツ プレースホルダー 1">
+                <a:extLst>
+                  <a:ext uri="{FF2B5EF4-FFF2-40B4-BE49-F238E27FC236}">
+                    <a16:creationId xmlns:a16="http://schemas.microsoft.com/office/drawing/2014/main" id="{53A9E033-6E5B-4467-AECA-E408869BD664}"/>
+                  </a:ext>
+                </a:extLst>
+              </p:cNvPr>
+              <p:cNvSpPr>
+                <a:spLocks noGrp="1" noRot="1" noChangeAspect="1" noMove="1" noResize="1" noEditPoints="1" noAdjustHandles="1" noChangeArrowheads="1" noChangeShapeType="1" noTextEdit="1"/>
+              </p:cNvSpPr>
+              <p:nvPr>
+                <p:ph idx="1"/>
+              </p:nvPr>
+            </p:nvSpPr>
+            <p:spPr>
+              <a:blipFill>
+                <a:blip r:embed="rId2"/>
+                <a:stretch>
+                  <a:fillRect l="-1200" t="-1038" r="-467"/>
+                </a:stretch>
+              </a:blipFill>
+            </p:spPr>
+            <p:txBody>
+              <a:bodyPr/>
+              <a:lstStyle/>
+              <a:p>
+                <a:r>
+                  <a:rPr lang="ja-JP" altLang="en-US">
+                    <a:noFill/>
+                  </a:rPr>
+                  <a:t> </a:t>
+                </a:r>
+              </a:p>
+            </p:txBody>
+          </p:sp>
+        </mc:Fallback>
+      </mc:AlternateContent>
+      <p:sp>
+        <p:nvSpPr>
+          <p:cNvPr id="3" name="スライド番号プレースホルダー 2">
+            <a:extLst>
+              <a:ext uri="{FF2B5EF4-FFF2-40B4-BE49-F238E27FC236}">
+                <a16:creationId xmlns:a16="http://schemas.microsoft.com/office/drawing/2014/main" id="{7BE585F9-ED30-40B1-AD7F-09AD33A2CE56}"/>
+              </a:ext>
+            </a:extLst>
+          </p:cNvPr>
+          <p:cNvSpPr>
+            <a:spLocks noGrp="1"/>
+          </p:cNvSpPr>
+          <p:nvPr>
+            <p:ph type="sldNum" sz="quarter" idx="12"/>
+          </p:nvPr>
+        </p:nvSpPr>
+        <p:spPr/>
+        <p:txBody>
+          <a:bodyPr/>
+          <a:lstStyle/>
+          <a:p>
+            <a:pPr>
+              <a:defRPr/>
+            </a:pPr>
+            <a:r>
+              <a:rPr lang="en-US" altLang="ja-JP"/>
+              <a:t>    </a:t>
+            </a:r>
+            <a:fld id="{B2782DEB-472A-4FE5-AC34-C17109CF5A91}" type="slidenum">
+              <a:rPr lang="en-US" altLang="ja-JP" smtClean="0"/>
+              <a:pPr>
+                <a:defRPr/>
+              </a:pPr>
+              <a:t>10</a:t>
+            </a:fld>
+            <a:r>
+              <a:rPr lang="en-US" altLang="ja-JP"/>
+              <a:t> / 24</a:t>
+            </a:r>
+          </a:p>
+        </p:txBody>
+      </p:sp>
+      <p:sp>
+        <p:nvSpPr>
+          <p:cNvPr id="4" name="タイトル 3">
+            <a:extLst>
+              <a:ext uri="{FF2B5EF4-FFF2-40B4-BE49-F238E27FC236}">
+                <a16:creationId xmlns:a16="http://schemas.microsoft.com/office/drawing/2014/main" id="{DFAD724A-6326-4911-8DC3-6DC5519EE537}"/>
+              </a:ext>
+            </a:extLst>
+          </p:cNvPr>
+          <p:cNvSpPr>
+            <a:spLocks noGrp="1"/>
+          </p:cNvSpPr>
+          <p:nvPr>
+            <p:ph type="title"/>
+          </p:nvPr>
+        </p:nvSpPr>
+        <p:spPr/>
+        <p:txBody>
+          <a:bodyPr/>
+          <a:lstStyle/>
+          <a:p>
+            <a:r>
+              <a:rPr kumimoji="1" lang="en-US" altLang="ja-JP"/>
+              <a:t>VSS (</a:t>
+            </a:r>
+            <a:r>
+              <a:rPr lang="en-US" altLang="ja-JP"/>
+              <a:t>Verifiable Secret Sharing</a:t>
+            </a:r>
+            <a:r>
+              <a:rPr kumimoji="1" lang="en-US" altLang="ja-JP"/>
+              <a:t>)</a:t>
+            </a:r>
+            <a:endParaRPr kumimoji="1" lang="ja-JP" altLang="en-US"/>
+          </a:p>
+        </p:txBody>
+      </p:sp>
+    </p:spTree>
+    <p:extLst>
+      <p:ext uri="{BB962C8B-B14F-4D97-AF65-F5344CB8AC3E}">
+        <p14:creationId xmlns:p14="http://schemas.microsoft.com/office/powerpoint/2010/main" val="1426716896"/>
+      </p:ext>
+    </p:extLst>
+  </p:cSld>
+  <p:clrMapOvr>
+    <a:masterClrMapping/>
+  </p:clrMapOvr>
+</p:sld>
+</file>
+
+<file path=ppt/slides/slide11.xml><?xml version="1.0" encoding="utf-8"?>
+<p:sld xmlns:a="http://schemas.openxmlformats.org/drawingml/2006/main" xmlns:r="http://schemas.openxmlformats.org/officeDocument/2006/relationships" xmlns:p="http://schemas.openxmlformats.org/presentationml/2006/main">
+  <p:cSld>
+    <p:spTree>
+      <p:nvGrpSpPr>
+        <p:cNvPr id="1" name=""/>
+        <p:cNvGrpSpPr/>
+        <p:nvPr/>
+      </p:nvGrpSpPr>
+      <p:grpSpPr>
+        <a:xfrm>
+          <a:off x="0" y="0"/>
+          <a:ext cx="0" cy="0"/>
+          <a:chOff x="0" y="0"/>
+          <a:chExt cx="0" cy="0"/>
+        </a:xfrm>
+      </p:grpSpPr>
+      <mc:AlternateContent xmlns:mc="http://schemas.openxmlformats.org/markup-compatibility/2006">
+        <mc:Choice xmlns:a14="http://schemas.microsoft.com/office/drawing/2010/main" Requires="a14">
+          <p:sp>
+            <p:nvSpPr>
+              <p:cNvPr id="2" name="コンテンツ プレースホルダー 1">
+                <a:extLst>
+                  <a:ext uri="{FF2B5EF4-FFF2-40B4-BE49-F238E27FC236}">
+                    <a16:creationId xmlns:a16="http://schemas.microsoft.com/office/drawing/2014/main" id="{5CD1E499-F4B6-40C7-862A-439DC17CE7E6}"/>
+                  </a:ext>
+                </a:extLst>
+              </p:cNvPr>
+              <p:cNvSpPr>
+                <a:spLocks noGrp="1"/>
+              </p:cNvSpPr>
+              <p:nvPr>
+                <p:ph idx="1"/>
+              </p:nvPr>
+            </p:nvSpPr>
+            <p:spPr/>
+            <p:txBody>
+              <a:bodyPr/>
+              <a:lstStyle/>
+              <a:p>
+                <a:r>
+                  <a:rPr kumimoji="1" lang="ja-JP" altLang="en-US"/>
+                  <a:t>秘密分散は特定の人の秘密情報</a:t>
+                </a:r>
+                <a14:m>
+                  <m:oMath xmlns:m="http://schemas.openxmlformats.org/officeDocument/2006/math">
+                    <m:r>
+                      <a:rPr kumimoji="1" lang="en-US" altLang="ja-JP" b="0" i="1" smtClean="0">
+                        <a:latin typeface="Cambria Math" panose="02040503050406030204" pitchFamily="18" charset="0"/>
+                      </a:rPr>
+                      <m:t>𝑠</m:t>
+                    </m:r>
+                  </m:oMath>
+                </a14:m>
+                <a:r>
+                  <a:rPr kumimoji="1" lang="ja-JP" altLang="en-US"/>
+                  <a:t>を分散</a:t>
+                </a:r>
+                <a:endParaRPr kumimoji="1" lang="en-US" altLang="ja-JP"/>
+              </a:p>
+              <a:p>
+                <a:pPr lvl="1"/>
+                <a:r>
+                  <a:rPr kumimoji="1" lang="ja-JP" altLang="en-US"/>
+                  <a:t>情報を持つ人が強い</a:t>
+                </a:r>
+                <a:endParaRPr kumimoji="1" lang="en-US" altLang="ja-JP"/>
+              </a:p>
+              <a:p>
+                <a:r>
+                  <a:rPr lang="en-US" altLang="ja-JP"/>
+                  <a:t>DKG</a:t>
+                </a:r>
+              </a:p>
+              <a:p>
+                <a:pPr lvl="1"/>
+                <a:r>
+                  <a:rPr kumimoji="1" lang="ja-JP" altLang="en-US"/>
+                  <a:t>権力を分散する</a:t>
+                </a:r>
+                <a:r>
+                  <a:rPr kumimoji="1" lang="en-US" altLang="ja-JP"/>
+                  <a:t>(MPC</a:t>
+                </a:r>
+                <a:r>
+                  <a:rPr kumimoji="1" lang="ja-JP" altLang="en-US"/>
+                  <a:t>の一種</a:t>
+                </a:r>
+                <a:r>
+                  <a:rPr kumimoji="1" lang="en-US" altLang="ja-JP"/>
+                  <a:t>)</a:t>
+                </a:r>
+              </a:p>
+              <a:p>
+                <a:pPr lvl="1"/>
+                <a:r>
+                  <a:rPr kumimoji="1" lang="ja-JP" altLang="en-US"/>
+                  <a:t>それぞれが</a:t>
+                </a:r>
+                <a:r>
+                  <a:rPr kumimoji="1" lang="en-US" altLang="ja-JP"/>
+                  <a:t>VSS</a:t>
+                </a:r>
+                <a:r>
+                  <a:rPr kumimoji="1" lang="ja-JP" altLang="en-US"/>
+                  <a:t>を実行して自分の秘密情報を秘密分散</a:t>
+                </a:r>
+                <a:endParaRPr kumimoji="1" lang="en-US" altLang="ja-JP"/>
+              </a:p>
+              <a:p>
+                <a:pPr lvl="1"/>
+                <a:r>
+                  <a:rPr kumimoji="1" lang="ja-JP" altLang="en-US"/>
+                  <a:t>全員の秘密分散を集め</a:t>
+                </a:r>
+                <a:r>
+                  <a:rPr kumimoji="1" lang="en-US" altLang="ja-JP"/>
+                  <a:t>, </a:t>
+                </a:r>
+                <a:r>
+                  <a:rPr kumimoji="1" lang="ja-JP" altLang="en-US"/>
+                  <a:t>秘密情報の和を全体の秘密情報とする</a:t>
+                </a:r>
+                <a:endParaRPr kumimoji="1" lang="en-US" altLang="ja-JP"/>
+              </a:p>
+              <a:p>
+                <a:pPr lvl="2"/>
+                <a:r>
+                  <a:rPr kumimoji="1" lang="ja-JP" altLang="en-US"/>
+                  <a:t>安全性証明をつけるためにはもう少し複雑なプロトコル</a:t>
+                </a:r>
+                <a:endParaRPr kumimoji="1" lang="en-US" altLang="ja-JP"/>
+              </a:p>
+              <a:p>
+                <a:pPr lvl="2"/>
+                <a:r>
+                  <a:rPr kumimoji="1" lang="ja-JP" altLang="en-US"/>
+                  <a:t>ブロックチェーンなどの非中央集権的なネットワークで利用</a:t>
+                </a:r>
+              </a:p>
+            </p:txBody>
+          </p:sp>
+        </mc:Choice>
+        <mc:Fallback>
+          <p:sp>
+            <p:nvSpPr>
+              <p:cNvPr id="2" name="コンテンツ プレースホルダー 1">
+                <a:extLst>
+                  <a:ext uri="{FF2B5EF4-FFF2-40B4-BE49-F238E27FC236}">
+                    <a16:creationId xmlns:a16="http://schemas.microsoft.com/office/drawing/2014/main" id="{5CD1E499-F4B6-40C7-862A-439DC17CE7E6}"/>
+                  </a:ext>
+                </a:extLst>
+              </p:cNvPr>
+              <p:cNvSpPr>
+                <a:spLocks noGrp="1" noRot="1" noChangeAspect="1" noMove="1" noResize="1" noEditPoints="1" noAdjustHandles="1" noChangeArrowheads="1" noChangeShapeType="1" noTextEdit="1"/>
+              </p:cNvSpPr>
+              <p:nvPr>
+                <p:ph idx="1"/>
+              </p:nvPr>
+            </p:nvSpPr>
+            <p:spPr>
+              <a:blipFill>
+                <a:blip r:embed="rId2"/>
+                <a:stretch>
+                  <a:fillRect l="-1200" t="-1038" r="-467"/>
+                </a:stretch>
+              </a:blipFill>
+            </p:spPr>
+            <p:txBody>
+              <a:bodyPr/>
+              <a:lstStyle/>
+              <a:p>
+                <a:r>
+                  <a:rPr lang="ja-JP" altLang="en-US">
+                    <a:noFill/>
+                  </a:rPr>
+                  <a:t> </a:t>
+                </a:r>
+              </a:p>
+            </p:txBody>
+          </p:sp>
+        </mc:Fallback>
+      </mc:AlternateContent>
+      <p:sp>
+        <p:nvSpPr>
+          <p:cNvPr id="3" name="スライド番号プレースホルダー 2">
+            <a:extLst>
+              <a:ext uri="{FF2B5EF4-FFF2-40B4-BE49-F238E27FC236}">
+                <a16:creationId xmlns:a16="http://schemas.microsoft.com/office/drawing/2014/main" id="{C8AE709A-99E3-461B-A4C8-BC7C8065EBF1}"/>
+              </a:ext>
+            </a:extLst>
+          </p:cNvPr>
+          <p:cNvSpPr>
+            <a:spLocks noGrp="1"/>
+          </p:cNvSpPr>
+          <p:nvPr>
+            <p:ph type="sldNum" sz="quarter" idx="12"/>
+          </p:nvPr>
+        </p:nvSpPr>
+        <p:spPr/>
+        <p:txBody>
+          <a:bodyPr/>
+          <a:lstStyle/>
+          <a:p>
+            <a:pPr>
+              <a:defRPr/>
+            </a:pPr>
+            <a:r>
+              <a:rPr lang="en-US" altLang="ja-JP"/>
+              <a:t>    </a:t>
+            </a:r>
+            <a:fld id="{B2782DEB-472A-4FE5-AC34-C17109CF5A91}" type="slidenum">
+              <a:rPr lang="en-US" altLang="ja-JP" smtClean="0"/>
+              <a:pPr>
+                <a:defRPr/>
+              </a:pPr>
+              <a:t>11</a:t>
+            </a:fld>
+            <a:r>
+              <a:rPr lang="en-US" altLang="ja-JP"/>
+              <a:t> / 24</a:t>
+            </a:r>
+          </a:p>
+        </p:txBody>
+      </p:sp>
+      <p:sp>
+        <p:nvSpPr>
+          <p:cNvPr id="4" name="タイトル 3">
+            <a:extLst>
+              <a:ext uri="{FF2B5EF4-FFF2-40B4-BE49-F238E27FC236}">
+                <a16:creationId xmlns:a16="http://schemas.microsoft.com/office/drawing/2014/main" id="{4B8A6389-E8F7-4411-973D-5A5A7B4B9A23}"/>
+              </a:ext>
+            </a:extLst>
+          </p:cNvPr>
+          <p:cNvSpPr>
+            <a:spLocks noGrp="1"/>
+          </p:cNvSpPr>
+          <p:nvPr>
+            <p:ph type="title"/>
+          </p:nvPr>
+        </p:nvSpPr>
+        <p:spPr/>
+        <p:txBody>
+          <a:bodyPr/>
+          <a:lstStyle/>
+          <a:p>
+            <a:r>
+              <a:rPr kumimoji="1" lang="en-US" altLang="ja-JP"/>
+              <a:t>DKG (</a:t>
+            </a:r>
+            <a:r>
+              <a:rPr lang="en-US" altLang="ja-JP"/>
+              <a:t>Distributed Key Generation</a:t>
+            </a:r>
+            <a:r>
+              <a:rPr kumimoji="1" lang="en-US" altLang="ja-JP"/>
+              <a:t>)</a:t>
+            </a:r>
+            <a:endParaRPr kumimoji="1" lang="ja-JP" altLang="en-US"/>
+          </a:p>
+        </p:txBody>
+      </p:sp>
+    </p:spTree>
+    <p:extLst>
+      <p:ext uri="{BB962C8B-B14F-4D97-AF65-F5344CB8AC3E}">
+        <p14:creationId xmlns:p14="http://schemas.microsoft.com/office/powerpoint/2010/main" val="509982935"/>
+      </p:ext>
+    </p:extLst>
+  </p:cSld>
+  <p:clrMapOvr>
+    <a:masterClrMapping/>
+  </p:clrMapOvr>
+</p:sld>
+</file>
+
+<file path=ppt/slides/slide12.xml><?xml version="1.0" encoding="utf-8"?>
+<p:sld xmlns:a="http://schemas.openxmlformats.org/drawingml/2006/main" xmlns:r="http://schemas.openxmlformats.org/officeDocument/2006/relationships" xmlns:p="http://schemas.openxmlformats.org/presentationml/2006/main">
+  <p:cSld>
+    <p:spTree>
+      <p:nvGrpSpPr>
+        <p:cNvPr id="1" name=""/>
+        <p:cNvGrpSpPr/>
+        <p:nvPr/>
+      </p:nvGrpSpPr>
+      <p:grpSpPr>
+        <a:xfrm>
+          <a:off x="0" y="0"/>
+          <a:ext cx="0" cy="0"/>
+          <a:chOff x="0" y="0"/>
+          <a:chExt cx="0" cy="0"/>
+        </a:xfrm>
+      </p:grpSpPr>
+      <p:sp>
+        <p:nvSpPr>
+          <p:cNvPr id="2" name="コンテンツ プレースホルダー 1">
+            <a:extLst>
+              <a:ext uri="{FF2B5EF4-FFF2-40B4-BE49-F238E27FC236}">
+                <a16:creationId xmlns:a16="http://schemas.microsoft.com/office/drawing/2014/main" id="{216CA117-D0F0-4008-8340-3F6FB4B9B23E}"/>
+              </a:ext>
+            </a:extLst>
+          </p:cNvPr>
+          <p:cNvSpPr>
+            <a:spLocks noGrp="1"/>
+          </p:cNvSpPr>
+          <p:nvPr>
+            <p:ph idx="1"/>
+          </p:nvPr>
+        </p:nvSpPr>
+        <p:spPr/>
+        <p:txBody>
+          <a:bodyPr/>
+          <a:lstStyle/>
+          <a:p>
+            <a:endParaRPr kumimoji="1" lang="en-US" altLang="ja-JP"/>
+          </a:p>
+          <a:p>
+            <a:endParaRPr lang="en-US" altLang="ja-JP"/>
+          </a:p>
+          <a:p>
+            <a:endParaRPr kumimoji="1" lang="en-US" altLang="ja-JP"/>
+          </a:p>
+          <a:p>
+            <a:endParaRPr lang="en-US" altLang="ja-JP"/>
+          </a:p>
+          <a:p>
+            <a:endParaRPr kumimoji="1" lang="en-US" altLang="ja-JP"/>
+          </a:p>
+          <a:p>
+            <a:endParaRPr lang="en-US" altLang="ja-JP"/>
+          </a:p>
+          <a:p>
+            <a:endParaRPr kumimoji="1" lang="en-US" altLang="ja-JP"/>
+          </a:p>
+          <a:p>
+            <a:endParaRPr kumimoji="1" lang="en-US" altLang="ja-JP"/>
+          </a:p>
+          <a:p>
+            <a:r>
+              <a:rPr kumimoji="1" lang="ja-JP" altLang="en-US"/>
+              <a:t>暗号化通信が始まるまで</a:t>
+            </a:r>
+            <a:r>
+              <a:rPr lang="en-US" altLang="ja-JP"/>
+              <a:t>1</a:t>
+            </a:r>
+            <a:r>
+              <a:rPr kumimoji="1" lang="ja-JP" altLang="en-US"/>
+              <a:t>回やりとり</a:t>
+            </a:r>
+          </a:p>
+          <a:p>
+            <a:pPr lvl="1"/>
+            <a:r>
+              <a:rPr kumimoji="1" lang="en-US" altLang="ja-JP"/>
+              <a:t>Application data</a:t>
+            </a:r>
+            <a:r>
+              <a:rPr kumimoji="1" lang="ja-JP" altLang="en-US"/>
+              <a:t>が送信されるまでの通信回数も</a:t>
+            </a:r>
+            <a:r>
+              <a:rPr kumimoji="1" lang="en-US" altLang="ja-JP"/>
+              <a:t>1</a:t>
+            </a:r>
+            <a:r>
+              <a:rPr kumimoji="1" lang="ja-JP" altLang="en-US"/>
+              <a:t>回減</a:t>
+            </a:r>
+            <a:endParaRPr kumimoji="1" lang="en-US" altLang="ja-JP"/>
+          </a:p>
+          <a:p>
+            <a:pPr lvl="1"/>
+            <a:r>
+              <a:rPr lang="en-US" altLang="ja-JP"/>
+              <a:t>(option) PKS</a:t>
+            </a:r>
+            <a:r>
+              <a:rPr lang="ja-JP" altLang="en-US"/>
+              <a:t>があれば</a:t>
+            </a:r>
+            <a:r>
+              <a:rPr lang="en-US" altLang="ja-JP"/>
+              <a:t>0-RTT</a:t>
+            </a:r>
+            <a:r>
+              <a:rPr lang="ja-JP" altLang="en-US"/>
+              <a:t>で暗号化通信が始まるモードも</a:t>
+            </a:r>
+            <a:endParaRPr kumimoji="1" lang="ja-JP" altLang="en-US"/>
+          </a:p>
+        </p:txBody>
+      </p:sp>
+      <p:sp>
+        <p:nvSpPr>
+          <p:cNvPr id="3" name="スライド番号プレースホルダー 2">
+            <a:extLst>
+              <a:ext uri="{FF2B5EF4-FFF2-40B4-BE49-F238E27FC236}">
+                <a16:creationId xmlns:a16="http://schemas.microsoft.com/office/drawing/2014/main" id="{6D34FCEC-557F-41C7-A171-493F1A3170B4}"/>
+              </a:ext>
+            </a:extLst>
+          </p:cNvPr>
+          <p:cNvSpPr>
+            <a:spLocks noGrp="1"/>
+          </p:cNvSpPr>
+          <p:nvPr>
+            <p:ph type="sldNum" sz="quarter" idx="12"/>
+          </p:nvPr>
+        </p:nvSpPr>
+        <p:spPr/>
+        <p:txBody>
+          <a:bodyPr/>
+          <a:lstStyle/>
+          <a:p>
+            <a:pPr>
+              <a:defRPr/>
+            </a:pPr>
+            <a:r>
+              <a:rPr lang="en-US" altLang="ja-JP"/>
+              <a:t>    </a:t>
+            </a:r>
+            <a:fld id="{B2782DEB-472A-4FE5-AC34-C17109CF5A91}" type="slidenum">
+              <a:rPr lang="en-US" altLang="ja-JP" smtClean="0"/>
+              <a:pPr>
+                <a:defRPr/>
+              </a:pPr>
+              <a:t>12</a:t>
+            </a:fld>
+            <a:r>
+              <a:rPr lang="en-US" altLang="ja-JP"/>
+              <a:t> / 24</a:t>
+            </a:r>
+          </a:p>
+        </p:txBody>
+      </p:sp>
+      <p:sp>
+        <p:nvSpPr>
+          <p:cNvPr id="4" name="タイトル 3">
+            <a:extLst>
+              <a:ext uri="{FF2B5EF4-FFF2-40B4-BE49-F238E27FC236}">
+                <a16:creationId xmlns:a16="http://schemas.microsoft.com/office/drawing/2014/main" id="{62D5F864-7914-47BB-AF07-6FB0C2B11959}"/>
+              </a:ext>
+            </a:extLst>
+          </p:cNvPr>
+          <p:cNvSpPr>
+            <a:spLocks noGrp="1"/>
+          </p:cNvSpPr>
+          <p:nvPr>
+            <p:ph type="title"/>
+          </p:nvPr>
+        </p:nvSpPr>
+        <p:spPr/>
+        <p:txBody>
+          <a:bodyPr/>
+          <a:lstStyle/>
+          <a:p>
+            <a:r>
+              <a:rPr kumimoji="1" lang="en-US" altLang="ja-JP"/>
+              <a:t>TLS 1.3</a:t>
+            </a:r>
+            <a:r>
+              <a:rPr kumimoji="1" lang="ja-JP" altLang="en-US"/>
+              <a:t>の通信プロトコル</a:t>
+            </a:r>
+            <a:r>
+              <a:rPr kumimoji="1" lang="en-US" altLang="ja-JP"/>
+              <a:t>(</a:t>
+            </a:r>
+            <a:r>
+              <a:rPr kumimoji="1" lang="ja-JP" altLang="en-US"/>
+              <a:t>再掲</a:t>
+            </a:r>
+            <a:r>
+              <a:rPr kumimoji="1" lang="en-US" altLang="ja-JP"/>
+              <a:t>)</a:t>
+            </a:r>
+            <a:endParaRPr kumimoji="1" lang="ja-JP" altLang="en-US"/>
+          </a:p>
+        </p:txBody>
+      </p:sp>
+      <p:pic>
+        <p:nvPicPr>
+          <p:cNvPr id="6" name="図 5">
+            <a:extLst>
+              <a:ext uri="{FF2B5EF4-FFF2-40B4-BE49-F238E27FC236}">
+                <a16:creationId xmlns:a16="http://schemas.microsoft.com/office/drawing/2014/main" id="{48D32876-D17C-4BE9-852B-90CB96B4CEF3}"/>
+              </a:ext>
+            </a:extLst>
+          </p:cNvPr>
+          <p:cNvPicPr>
+            <a:picLocks noChangeAspect="1"/>
+          </p:cNvPicPr>
+          <p:nvPr/>
+        </p:nvPicPr>
+        <p:blipFill>
+          <a:blip r:embed="rId2"/>
+          <a:stretch>
+            <a:fillRect/>
+          </a:stretch>
+        </p:blipFill>
+        <p:spPr>
+          <a:xfrm>
+            <a:off x="35496" y="692696"/>
+            <a:ext cx="7499210" cy="4242974"/>
+          </a:xfrm>
+          <a:prstGeom prst="rect">
+            <a:avLst/>
+          </a:prstGeom>
+        </p:spPr>
+      </p:pic>
+      <p:sp>
+        <p:nvSpPr>
+          <p:cNvPr id="7" name="テキスト ボックス 6">
+            <a:extLst>
+              <a:ext uri="{FF2B5EF4-FFF2-40B4-BE49-F238E27FC236}">
+                <a16:creationId xmlns:a16="http://schemas.microsoft.com/office/drawing/2014/main" id="{80F6EB2F-57C8-4084-9153-29E660D9C924}"/>
+              </a:ext>
+            </a:extLst>
+          </p:cNvPr>
+          <p:cNvSpPr txBox="1"/>
+          <p:nvPr/>
+        </p:nvSpPr>
+        <p:spPr>
+          <a:xfrm>
+            <a:off x="6112400" y="671984"/>
+            <a:ext cx="1455848" cy="369332"/>
+          </a:xfrm>
+          <a:prstGeom prst="rect">
+            <a:avLst/>
+          </a:prstGeom>
+          <a:noFill/>
+          <a:ln w="19050" cap="rnd">
+            <a:noFill/>
+          </a:ln>
+        </p:spPr>
+        <p:txBody>
+          <a:bodyPr wrap="none" rtlCol="0">
+            <a:spAutoFit/>
+          </a:bodyPr>
+          <a:lstStyle/>
+          <a:p>
+            <a:r>
+              <a:rPr kumimoji="1" lang="ja-JP" altLang="en-US">
+                <a:latin typeface="游ゴシック" panose="020B0400000000000000" pitchFamily="50" charset="-128"/>
+                <a:ea typeface="游ゴシック" panose="020B0400000000000000" pitchFamily="50" charset="-128"/>
+                <a:cs typeface="Courier New" pitchFamily="49" charset="0"/>
+              </a:rPr>
+              <a:t>暗認本</a:t>
+            </a:r>
+            <a:r>
+              <a:rPr kumimoji="1" lang="en-US" altLang="ja-JP">
+                <a:latin typeface="游ゴシック" panose="020B0400000000000000" pitchFamily="50" charset="-128"/>
+                <a:ea typeface="游ゴシック" panose="020B0400000000000000" pitchFamily="50" charset="-128"/>
+                <a:cs typeface="Courier New" pitchFamily="49" charset="0"/>
+              </a:rPr>
+              <a:t>p.218</a:t>
+            </a:r>
+            <a:endParaRPr kumimoji="1" lang="ja-JP" altLang="en-US">
+              <a:latin typeface="游ゴシック" panose="020B0400000000000000" pitchFamily="50" charset="-128"/>
+              <a:ea typeface="游ゴシック" panose="020B0400000000000000" pitchFamily="50" charset="-128"/>
+              <a:cs typeface="Courier New" pitchFamily="49" charset="0"/>
+            </a:endParaRPr>
+          </a:p>
+        </p:txBody>
+      </p:sp>
+      <p:sp>
+        <p:nvSpPr>
+          <p:cNvPr id="8" name="テキスト ボックス 7">
+            <a:extLst>
+              <a:ext uri="{FF2B5EF4-FFF2-40B4-BE49-F238E27FC236}">
+                <a16:creationId xmlns:a16="http://schemas.microsoft.com/office/drawing/2014/main" id="{92BEA17F-48BC-4A12-9B1A-DA8B7A3173A7}"/>
+              </a:ext>
+            </a:extLst>
+          </p:cNvPr>
+          <p:cNvSpPr txBox="1"/>
+          <p:nvPr/>
+        </p:nvSpPr>
+        <p:spPr>
+          <a:xfrm>
+            <a:off x="7438465" y="1340768"/>
+            <a:ext cx="1721946" cy="646331"/>
+          </a:xfrm>
+          <a:prstGeom prst="rect">
+            <a:avLst/>
+          </a:prstGeom>
+          <a:noFill/>
+          <a:ln w="19050" cap="rnd">
+            <a:noFill/>
+          </a:ln>
+        </p:spPr>
+        <p:txBody>
+          <a:bodyPr wrap="none" rtlCol="0">
+            <a:spAutoFit/>
+          </a:bodyPr>
+          <a:lstStyle/>
+          <a:p>
+            <a:r>
+              <a:rPr kumimoji="1" lang="en-US" altLang="ja-JP">
+                <a:latin typeface="游ゴシック" panose="020B0400000000000000" pitchFamily="50" charset="-128"/>
+                <a:ea typeface="游ゴシック" panose="020B0400000000000000" pitchFamily="50" charset="-128"/>
+                <a:cs typeface="Courier New" pitchFamily="49" charset="0"/>
+              </a:rPr>
+              <a:t>KS : DH</a:t>
+            </a:r>
+            <a:r>
+              <a:rPr kumimoji="1" lang="ja-JP" altLang="en-US">
+                <a:latin typeface="游ゴシック" panose="020B0400000000000000" pitchFamily="50" charset="-128"/>
+                <a:ea typeface="游ゴシック" panose="020B0400000000000000" pitchFamily="50" charset="-128"/>
+                <a:cs typeface="Courier New" pitchFamily="49" charset="0"/>
+              </a:rPr>
+              <a:t>鍵共有</a:t>
+            </a:r>
+            <a:br>
+              <a:rPr kumimoji="1" lang="en-US" altLang="ja-JP">
+                <a:latin typeface="游ゴシック" panose="020B0400000000000000" pitchFamily="50" charset="-128"/>
+                <a:ea typeface="游ゴシック" panose="020B0400000000000000" pitchFamily="50" charset="-128"/>
+                <a:cs typeface="Courier New" pitchFamily="49" charset="0"/>
+              </a:rPr>
+            </a:br>
+            <a:r>
+              <a:rPr kumimoji="1" lang="ja-JP" altLang="en-US">
+                <a:latin typeface="游ゴシック" panose="020B0400000000000000" pitchFamily="50" charset="-128"/>
+                <a:ea typeface="游ゴシック" panose="020B0400000000000000" pitchFamily="50" charset="-128"/>
+                <a:cs typeface="Courier New" pitchFamily="49" charset="0"/>
+              </a:rPr>
+              <a:t>のための情報</a:t>
+            </a:r>
+          </a:p>
+        </p:txBody>
+      </p:sp>
+      <p:sp>
+        <p:nvSpPr>
+          <p:cNvPr id="9" name="テキスト ボックス 8">
+            <a:extLst>
+              <a:ext uri="{FF2B5EF4-FFF2-40B4-BE49-F238E27FC236}">
+                <a16:creationId xmlns:a16="http://schemas.microsoft.com/office/drawing/2014/main" id="{C94A47BF-5965-4CE8-B3E1-CD7F69226EFC}"/>
+              </a:ext>
+            </a:extLst>
+          </p:cNvPr>
+          <p:cNvSpPr txBox="1"/>
+          <p:nvPr/>
+        </p:nvSpPr>
+        <p:spPr>
+          <a:xfrm>
+            <a:off x="7438465" y="1937418"/>
+            <a:ext cx="1531188" cy="646331"/>
+          </a:xfrm>
+          <a:prstGeom prst="rect">
+            <a:avLst/>
+          </a:prstGeom>
+          <a:noFill/>
+          <a:ln w="19050" cap="rnd">
+            <a:noFill/>
+          </a:ln>
+        </p:spPr>
+        <p:txBody>
+          <a:bodyPr wrap="none" rtlCol="0">
+            <a:spAutoFit/>
+          </a:bodyPr>
+          <a:lstStyle/>
+          <a:p>
+            <a:r>
+              <a:rPr kumimoji="1" lang="en-US" altLang="ja-JP">
+                <a:latin typeface="游ゴシック" panose="020B0400000000000000" pitchFamily="50" charset="-128"/>
+                <a:ea typeface="游ゴシック" panose="020B0400000000000000" pitchFamily="50" charset="-128"/>
+                <a:cs typeface="Courier New" pitchFamily="49" charset="0"/>
+              </a:rPr>
+              <a:t>PKS</a:t>
+            </a:r>
+            <a:r>
+              <a:rPr lang="ja-JP" altLang="en-US">
+                <a:latin typeface="游ゴシック" panose="020B0400000000000000" pitchFamily="50" charset="-128"/>
+                <a:ea typeface="游ゴシック" panose="020B0400000000000000" pitchFamily="50" charset="-128"/>
+                <a:cs typeface="Courier New" pitchFamily="49" charset="0"/>
+              </a:rPr>
+              <a:t> </a:t>
+            </a:r>
+            <a:r>
+              <a:rPr lang="en-US" altLang="ja-JP">
+                <a:latin typeface="游ゴシック" panose="020B0400000000000000" pitchFamily="50" charset="-128"/>
+                <a:ea typeface="游ゴシック" panose="020B0400000000000000" pitchFamily="50" charset="-128"/>
+                <a:cs typeface="Courier New" pitchFamily="49" charset="0"/>
+              </a:rPr>
+              <a:t>:</a:t>
+            </a:r>
+            <a:r>
+              <a:rPr lang="ja-JP" altLang="en-US">
+                <a:latin typeface="游ゴシック" panose="020B0400000000000000" pitchFamily="50" charset="-128"/>
+                <a:ea typeface="游ゴシック" panose="020B0400000000000000" pitchFamily="50" charset="-128"/>
+                <a:cs typeface="Courier New" pitchFamily="49" charset="0"/>
+              </a:rPr>
+              <a:t> </a:t>
+            </a:r>
+            <a:r>
+              <a:rPr kumimoji="1" lang="ja-JP" altLang="en-US">
+                <a:latin typeface="游ゴシック" panose="020B0400000000000000" pitchFamily="50" charset="-128"/>
+                <a:ea typeface="游ゴシック" panose="020B0400000000000000" pitchFamily="50" charset="-128"/>
+                <a:cs typeface="Courier New" pitchFamily="49" charset="0"/>
+              </a:rPr>
+              <a:t>事前鍵</a:t>
+            </a:r>
+            <a:endParaRPr kumimoji="1" lang="en-US" altLang="ja-JP">
+              <a:latin typeface="游ゴシック" panose="020B0400000000000000" pitchFamily="50" charset="-128"/>
+              <a:ea typeface="游ゴシック" panose="020B0400000000000000" pitchFamily="50" charset="-128"/>
+              <a:cs typeface="Courier New" pitchFamily="49" charset="0"/>
+            </a:endParaRPr>
+          </a:p>
+          <a:p>
+            <a:r>
+              <a:rPr kumimoji="1" lang="ja-JP" altLang="en-US">
+                <a:latin typeface="游ゴシック" panose="020B0400000000000000" pitchFamily="50" charset="-128"/>
+                <a:ea typeface="游ゴシック" panose="020B0400000000000000" pitchFamily="50" charset="-128"/>
+                <a:cs typeface="Courier New" pitchFamily="49" charset="0"/>
+              </a:rPr>
+              <a:t>共有情報</a:t>
+            </a:r>
+          </a:p>
+        </p:txBody>
+      </p:sp>
+      <p:sp>
+        <p:nvSpPr>
+          <p:cNvPr id="10" name="テキスト ボックス 9">
+            <a:extLst>
+              <a:ext uri="{FF2B5EF4-FFF2-40B4-BE49-F238E27FC236}">
+                <a16:creationId xmlns:a16="http://schemas.microsoft.com/office/drawing/2014/main" id="{116A76C4-F321-400B-9F9D-776CE425A2EB}"/>
+              </a:ext>
+            </a:extLst>
+          </p:cNvPr>
+          <p:cNvSpPr txBox="1"/>
+          <p:nvPr/>
+        </p:nvSpPr>
+        <p:spPr>
+          <a:xfrm>
+            <a:off x="7506984" y="2534068"/>
+            <a:ext cx="1569660" cy="646331"/>
+          </a:xfrm>
+          <a:prstGeom prst="rect">
+            <a:avLst/>
+          </a:prstGeom>
+          <a:noFill/>
+          <a:ln w="19050" cap="rnd">
+            <a:noFill/>
+          </a:ln>
+        </p:spPr>
+        <p:txBody>
+          <a:bodyPr wrap="none" rtlCol="0">
+            <a:spAutoFit/>
+          </a:bodyPr>
+          <a:lstStyle/>
+          <a:p>
+            <a:r>
+              <a:rPr kumimoji="1" lang="ja-JP" altLang="en-US">
+                <a:latin typeface="游ゴシック" panose="020B0400000000000000" pitchFamily="50" charset="-128"/>
+                <a:ea typeface="游ゴシック" panose="020B0400000000000000" pitchFamily="50" charset="-128"/>
+                <a:cs typeface="Courier New" pitchFamily="49" charset="0"/>
+              </a:rPr>
+              <a:t>ここから</a:t>
+            </a:r>
+            <a:endParaRPr kumimoji="1" lang="en-US" altLang="ja-JP">
+              <a:latin typeface="游ゴシック" panose="020B0400000000000000" pitchFamily="50" charset="-128"/>
+              <a:ea typeface="游ゴシック" panose="020B0400000000000000" pitchFamily="50" charset="-128"/>
+              <a:cs typeface="Courier New" pitchFamily="49" charset="0"/>
+            </a:endParaRPr>
+          </a:p>
+          <a:p>
+            <a:r>
+              <a:rPr kumimoji="1" lang="ja-JP" altLang="en-US">
+                <a:latin typeface="游ゴシック" panose="020B0400000000000000" pitchFamily="50" charset="-128"/>
+                <a:ea typeface="游ゴシック" panose="020B0400000000000000" pitchFamily="50" charset="-128"/>
+                <a:cs typeface="Courier New" pitchFamily="49" charset="0"/>
+              </a:rPr>
+              <a:t>暗号化始まる</a:t>
+            </a:r>
+          </a:p>
+        </p:txBody>
+      </p:sp>
+    </p:spTree>
+    <p:extLst>
+      <p:ext uri="{BB962C8B-B14F-4D97-AF65-F5344CB8AC3E}">
+        <p14:creationId xmlns:p14="http://schemas.microsoft.com/office/powerpoint/2010/main" val="790664289"/>
+      </p:ext>
+    </p:extLst>
+  </p:cSld>
+  <p:clrMapOvr>
+    <a:masterClrMapping/>
+  </p:clrMapOvr>
+</p:sld>
+</file>
+
+<file path=ppt/slides/slide2.xml><?xml version="1.0" encoding="utf-8"?>
+<p:sld xmlns:a="http://schemas.openxmlformats.org/drawingml/2006/main" xmlns:r="http://schemas.openxmlformats.org/officeDocument/2006/relationships" xmlns:p="http://schemas.openxmlformats.org/presentationml/2006/main">
+  <p:cSld>
+    <p:spTree>
+      <p:nvGrpSpPr>
+        <p:cNvPr id="1" name=""/>
+        <p:cNvGrpSpPr/>
+        <p:nvPr/>
+      </p:nvGrpSpPr>
+      <p:grpSpPr>
+        <a:xfrm>
+          <a:off x="0" y="0"/>
+          <a:ext cx="0" cy="0"/>
+          <a:chOff x="0" y="0"/>
+          <a:chExt cx="0" cy="0"/>
+        </a:xfrm>
+      </p:grpSpPr>
+      <mc:AlternateContent xmlns:mc="http://schemas.openxmlformats.org/markup-compatibility/2006" xmlns:a14="http://schemas.microsoft.com/office/drawing/2010/main">
+        <mc:Choice Requires="a14">
           <p:sp>
             <p:nvSpPr>
               <p:cNvPr id="2" name="コンテンツ プレースホルダー 1">
@@ -3006,7 +4391,7 @@
             </p:txBody>
           </p:sp>
         </mc:Choice>
-        <mc:Fallback>
+        <mc:Fallback xmlns="">
           <p:sp>
             <p:nvSpPr>
               <p:cNvPr id="2" name="コンテンツ プレースホルダー 1">
@@ -3422,8 +4807,8 @@
           <a:chExt cx="0" cy="0"/>
         </a:xfrm>
       </p:grpSpPr>
-      <mc:AlternateContent xmlns:mc="http://schemas.openxmlformats.org/markup-compatibility/2006">
-        <mc:Choice xmlns:a14="http://schemas.microsoft.com/office/drawing/2010/main" Requires="a14">
+      <mc:AlternateContent xmlns:mc="http://schemas.openxmlformats.org/markup-compatibility/2006" xmlns:a14="http://schemas.microsoft.com/office/drawing/2010/main">
+        <mc:Choice Requires="a14">
           <p:sp>
             <p:nvSpPr>
               <p:cNvPr id="2" name="コンテンツ プレースホルダー 1">
@@ -4371,7 +5756,7 @@
             </p:txBody>
           </p:sp>
         </mc:Choice>
-        <mc:Fallback>
+        <mc:Fallback xmlns="">
           <p:sp>
             <p:nvSpPr>
               <p:cNvPr id="2" name="コンテンツ プレースホルダー 1">
@@ -5185,8 +6570,8 @@
           <a:chExt cx="0" cy="0"/>
         </a:xfrm>
       </p:grpSpPr>
-      <mc:AlternateContent xmlns:mc="http://schemas.openxmlformats.org/markup-compatibility/2006">
-        <mc:Choice xmlns:a14="http://schemas.microsoft.com/office/drawing/2010/main" Requires="a14">
+      <mc:AlternateContent xmlns:mc="http://schemas.openxmlformats.org/markup-compatibility/2006" xmlns:a14="http://schemas.microsoft.com/office/drawing/2010/main">
+        <mc:Choice Requires="a14">
           <p:sp>
             <p:nvSpPr>
               <p:cNvPr id="2" name="コンテンツ プレースホルダー 1">
@@ -5543,7 +6928,7 @@
             </p:txBody>
           </p:sp>
         </mc:Choice>
-        <mc:Fallback>
+        <mc:Fallback xmlns="">
           <p:sp>
             <p:nvSpPr>
               <p:cNvPr id="2" name="コンテンツ プレースホルダー 1">
@@ -5975,31 +7360,134 @@
           <a:chExt cx="0" cy="0"/>
         </a:xfrm>
       </p:grpSpPr>
-      <p:sp>
-        <p:nvSpPr>
-          <p:cNvPr id="2" name="コンテンツ プレースホルダー 1">
-            <a:extLst>
-              <a:ext uri="{FF2B5EF4-FFF2-40B4-BE49-F238E27FC236}">
-                <a16:creationId xmlns:a16="http://schemas.microsoft.com/office/drawing/2014/main" id="{D3EF9DF8-4306-43CF-B52C-26FC37CD54C9}"/>
-              </a:ext>
-            </a:extLst>
-          </p:cNvPr>
-          <p:cNvSpPr>
-            <a:spLocks noGrp="1"/>
-          </p:cNvSpPr>
-          <p:nvPr>
-            <p:ph idx="1"/>
-          </p:nvPr>
-        </p:nvSpPr>
-        <p:spPr/>
-        <p:txBody>
-          <a:bodyPr/>
-          <a:lstStyle/>
-          <a:p>
-            <a:endParaRPr kumimoji="1" lang="ja-JP" altLang="en-US"/>
-          </a:p>
-        </p:txBody>
-      </p:sp>
+      <mc:AlternateContent xmlns:mc="http://schemas.openxmlformats.org/markup-compatibility/2006">
+        <mc:Choice xmlns:a14="http://schemas.microsoft.com/office/drawing/2010/main" Requires="a14">
+          <p:sp>
+            <p:nvSpPr>
+              <p:cNvPr id="2" name="コンテンツ プレースホルダー 1">
+                <a:extLst>
+                  <a:ext uri="{FF2B5EF4-FFF2-40B4-BE49-F238E27FC236}">
+                    <a16:creationId xmlns:a16="http://schemas.microsoft.com/office/drawing/2014/main" id="{D3EF9DF8-4306-43CF-B52C-26FC37CD54C9}"/>
+                  </a:ext>
+                </a:extLst>
+              </p:cNvPr>
+              <p:cNvSpPr>
+                <a:spLocks noGrp="1"/>
+              </p:cNvSpPr>
+              <p:nvPr>
+                <p:ph idx="1"/>
+              </p:nvPr>
+            </p:nvSpPr>
+            <p:spPr/>
+            <p:txBody>
+              <a:bodyPr/>
+              <a:lstStyle/>
+              <a:p>
+                <a:r>
+                  <a:rPr kumimoji="1" lang="ja-JP" altLang="en-US"/>
+                  <a:t>秘密情報を複数のデータに分散させて管理</a:t>
+                </a:r>
+                <a:endParaRPr kumimoji="1" lang="en-US" altLang="ja-JP"/>
+              </a:p>
+              <a:p>
+                <a:pPr lvl="1"/>
+                <a:r>
+                  <a:rPr kumimoji="1" lang="ja-JP" altLang="en-US"/>
+                  <a:t>分散されたデータを集めると元の秘密情報に戻る</a:t>
+                </a:r>
+                <a:endParaRPr kumimoji="1" lang="en-US" altLang="ja-JP"/>
+              </a:p>
+              <a:p>
+                <a:pPr lvl="1"/>
+                <a:r>
+                  <a:rPr kumimoji="1" lang="ja-JP" altLang="en-US"/>
+                  <a:t>分散されたデータから元の情報は一切得られない</a:t>
+                </a:r>
+                <a:endParaRPr kumimoji="1" lang="en-US" altLang="ja-JP"/>
+              </a:p>
+              <a:p>
+                <a:r>
+                  <a:rPr lang="en-US" altLang="ja-JP"/>
+                  <a:t>2-of-2</a:t>
+                </a:r>
+                <a:r>
+                  <a:rPr lang="ja-JP" altLang="en-US"/>
+                  <a:t>秘密分散</a:t>
+                </a:r>
+                <a:endParaRPr lang="en-US" altLang="ja-JP"/>
+              </a:p>
+              <a:p>
+                <a:pPr lvl="1"/>
+                <a:r>
+                  <a:rPr kumimoji="1" lang="ja-JP" altLang="en-US"/>
+                  <a:t>データ</a:t>
+                </a:r>
+                <a14:m>
+                  <m:oMath xmlns:m="http://schemas.openxmlformats.org/officeDocument/2006/math">
+                    <m:r>
+                      <a:rPr kumimoji="1" lang="en-US" altLang="ja-JP" b="0" i="1" smtClean="0">
+                        <a:latin typeface="Cambria Math" panose="02040503050406030204" pitchFamily="18" charset="0"/>
+                      </a:rPr>
+                      <m:t>𝑠</m:t>
+                    </m:r>
+                  </m:oMath>
+                </a14:m>
+                <a:r>
+                  <a:rPr kumimoji="1" lang="ja-JP" altLang="en-US"/>
+                  <a:t>を</a:t>
+                </a:r>
+                <a:r>
+                  <a:rPr kumimoji="1" lang="en-US" altLang="ja-JP"/>
+                  <a:t>2</a:t>
+                </a:r>
+                <a:r>
+                  <a:rPr kumimoji="1" lang="ja-JP" altLang="en-US"/>
+                  <a:t>個に分散</a:t>
+                </a:r>
+              </a:p>
+            </p:txBody>
+          </p:sp>
+        </mc:Choice>
+        <mc:Fallback>
+          <p:sp>
+            <p:nvSpPr>
+              <p:cNvPr id="2" name="コンテンツ プレースホルダー 1">
+                <a:extLst>
+                  <a:ext uri="{FF2B5EF4-FFF2-40B4-BE49-F238E27FC236}">
+                    <a16:creationId xmlns:a16="http://schemas.microsoft.com/office/drawing/2014/main" id="{D3EF9DF8-4306-43CF-B52C-26FC37CD54C9}"/>
+                  </a:ext>
+                </a:extLst>
+              </p:cNvPr>
+              <p:cNvSpPr>
+                <a:spLocks noGrp="1" noRot="1" noChangeAspect="1" noMove="1" noResize="1" noEditPoints="1" noAdjustHandles="1" noChangeArrowheads="1" noChangeShapeType="1" noTextEdit="1"/>
+              </p:cNvSpPr>
+              <p:nvPr>
+                <p:ph idx="1"/>
+              </p:nvPr>
+            </p:nvSpPr>
+            <p:spPr>
+              <a:blipFill>
+                <a:blip r:embed="rId2"/>
+                <a:stretch>
+                  <a:fillRect l="-1200" t="-1038"/>
+                </a:stretch>
+              </a:blipFill>
+            </p:spPr>
+            <p:txBody>
+              <a:bodyPr/>
+              <a:lstStyle/>
+              <a:p>
+                <a:r>
+                  <a:rPr lang="ja-JP" altLang="en-US">
+                    <a:noFill/>
+                  </a:rPr>
+                  <a:t> </a:t>
+                </a:r>
+              </a:p>
+            </p:txBody>
+          </p:sp>
+        </mc:Fallback>
+      </mc:AlternateContent>
       <p:sp>
         <p:nvSpPr>
           <p:cNvPr id="3" name="スライド番号プレースホルダー 2">
@@ -6070,6 +7558,42 @@
           </a:p>
         </p:txBody>
       </p:sp>
+      <p:pic>
+        <p:nvPicPr>
+          <p:cNvPr id="6" name="図 5">
+            <a:extLst>
+              <a:ext uri="{FF2B5EF4-FFF2-40B4-BE49-F238E27FC236}">
+                <a16:creationId xmlns:a16="http://schemas.microsoft.com/office/drawing/2014/main" id="{E94F5992-2340-4CE0-B53E-F0F2D9EC4E06}"/>
+              </a:ext>
+            </a:extLst>
+          </p:cNvPr>
+          <p:cNvPicPr>
+            <a:picLocks noChangeAspect="1"/>
+          </p:cNvPicPr>
+          <p:nvPr/>
+        </p:nvPicPr>
+        <p:blipFill>
+          <a:blip r:embed="rId3">
+            <a:extLst>
+              <a:ext uri="{28A0092B-C50C-407E-A947-70E740481C1C}">
+                <a14:useLocalDpi xmlns:a14="http://schemas.microsoft.com/office/drawing/2010/main" val="0"/>
+              </a:ext>
+            </a:extLst>
+          </a:blip>
+          <a:stretch>
+            <a:fillRect/>
+          </a:stretch>
+        </p:blipFill>
+        <p:spPr>
+          <a:xfrm>
+            <a:off x="323528" y="3284984"/>
+            <a:ext cx="8341721" cy="2909176"/>
+          </a:xfrm>
+          <a:prstGeom prst="rect">
+            <a:avLst/>
+          </a:prstGeom>
+        </p:spPr>
+      </p:pic>
     </p:spTree>
     <p:extLst>
       <p:ext uri="{BB962C8B-B14F-4D97-AF65-F5344CB8AC3E}">
@@ -6105,7 +7629,7 @@
           <p:cNvPr id="2" name="コンテンツ プレースホルダー 1">
             <a:extLst>
               <a:ext uri="{FF2B5EF4-FFF2-40B4-BE49-F238E27FC236}">
-                <a16:creationId xmlns:a16="http://schemas.microsoft.com/office/drawing/2014/main" id="{216CA117-D0F0-4008-8340-3F6FB4B9B23E}"/>
+                <a16:creationId xmlns:a16="http://schemas.microsoft.com/office/drawing/2014/main" id="{09696239-D405-45B4-A581-78E32715D901}"/>
               </a:ext>
             </a:extLst>
           </p:cNvPr>
@@ -6121,80 +7645,57 @@
           <a:bodyPr/>
           <a:lstStyle/>
           <a:p>
+            <a:r>
+              <a:rPr kumimoji="1" lang="ja-JP" altLang="en-US"/>
+              <a:t>情報</a:t>
+            </a:r>
+            <a:r>
+              <a:rPr kumimoji="1" lang="en-US" altLang="ja-JP"/>
+              <a:t>s</a:t>
+            </a:r>
+            <a:r>
+              <a:rPr kumimoji="1" lang="ja-JP" altLang="en-US"/>
+              <a:t>を</a:t>
+            </a:r>
+            <a:r>
+              <a:rPr kumimoji="1" lang="en-US" altLang="ja-JP"/>
+              <a:t>n</a:t>
+            </a:r>
+            <a:r>
+              <a:rPr kumimoji="1" lang="ja-JP" altLang="en-US"/>
+              <a:t>人に分散 そのうち</a:t>
+            </a:r>
+            <a:r>
+              <a:rPr kumimoji="1" lang="en-US" altLang="ja-JP"/>
+              <a:t>k</a:t>
+            </a:r>
+            <a:r>
+              <a:rPr kumimoji="1" lang="ja-JP" altLang="en-US"/>
+              <a:t>個集まると復元可能</a:t>
+            </a:r>
             <a:endParaRPr kumimoji="1" lang="en-US" altLang="ja-JP"/>
           </a:p>
           <a:p>
-            <a:endParaRPr lang="en-US" altLang="ja-JP"/>
-          </a:p>
-          <a:p>
-            <a:endParaRPr kumimoji="1" lang="en-US" altLang="ja-JP"/>
-          </a:p>
-          <a:p>
-            <a:endParaRPr lang="en-US" altLang="ja-JP"/>
-          </a:p>
-          <a:p>
-            <a:endParaRPr kumimoji="1" lang="en-US" altLang="ja-JP"/>
-          </a:p>
-          <a:p>
-            <a:endParaRPr lang="en-US" altLang="ja-JP"/>
-          </a:p>
-          <a:p>
-            <a:endParaRPr kumimoji="1" lang="en-US" altLang="ja-JP"/>
-          </a:p>
-          <a:p>
-            <a:endParaRPr kumimoji="1" lang="en-US" altLang="ja-JP"/>
-          </a:p>
-          <a:p>
-            <a:r>
-              <a:rPr kumimoji="1" lang="ja-JP" altLang="en-US"/>
-              <a:t>暗号化通信が始まるまで</a:t>
-            </a:r>
+            <a:pPr lvl="1"/>
             <a:r>
               <a:rPr lang="en-US" altLang="ja-JP"/>
-              <a:t>1</a:t>
-            </a:r>
-            <a:r>
-              <a:rPr kumimoji="1" lang="ja-JP" altLang="en-US"/>
-              <a:t>回やりとり</a:t>
-            </a:r>
-          </a:p>
-          <a:p>
-            <a:pPr lvl="1"/>
-            <a:r>
-              <a:rPr kumimoji="1" lang="en-US" altLang="ja-JP"/>
-              <a:t>Application data</a:t>
-            </a:r>
-            <a:r>
-              <a:rPr kumimoji="1" lang="ja-JP" altLang="en-US"/>
-              <a:t>が送信されるまでの通信回数も</a:t>
-            </a:r>
-            <a:r>
-              <a:rPr kumimoji="1" lang="en-US" altLang="ja-JP"/>
-              <a:t>1</a:t>
-            </a:r>
-            <a:r>
-              <a:rPr kumimoji="1" lang="ja-JP" altLang="en-US"/>
-              <a:t>回減</a:t>
-            </a:r>
-            <a:endParaRPr kumimoji="1" lang="en-US" altLang="ja-JP"/>
-          </a:p>
-          <a:p>
-            <a:pPr lvl="1"/>
+              <a:t>2017</a:t>
+            </a:r>
+            <a:r>
+              <a:rPr lang="ja-JP" altLang="en-US"/>
+              <a:t>年に</a:t>
+            </a:r>
             <a:r>
               <a:rPr lang="en-US" altLang="ja-JP"/>
-              <a:t>(option) PKS</a:t>
+              <a:t>ISO/IEC 19592-2:2017</a:t>
             </a:r>
             <a:r>
               <a:rPr lang="ja-JP" altLang="en-US"/>
-              <a:t>があれば</a:t>
+              <a:t>として標準化</a:t>
             </a:r>
             <a:r>
               <a:rPr lang="en-US" altLang="ja-JP"/>
-              <a:t>0-RTT</a:t>
-            </a:r>
-            <a:r>
-              <a:rPr lang="ja-JP" altLang="en-US"/>
-              <a:t>で暗号化通信が始まるモードも</a:t>
+              <a:t> Shamir</a:t>
             </a:r>
             <a:endParaRPr kumimoji="1" lang="ja-JP" altLang="en-US"/>
           </a:p>
@@ -6205,7 +7706,7 @@
           <p:cNvPr id="3" name="スライド番号プレースホルダー 2">
             <a:extLst>
               <a:ext uri="{FF2B5EF4-FFF2-40B4-BE49-F238E27FC236}">
-                <a16:creationId xmlns:a16="http://schemas.microsoft.com/office/drawing/2014/main" id="{6D34FCEC-557F-41C7-A171-493F1A3170B4}"/>
+                <a16:creationId xmlns:a16="http://schemas.microsoft.com/office/drawing/2014/main" id="{6601D4CB-F505-4F42-9DDA-EC99B31E8950}"/>
               </a:ext>
             </a:extLst>
           </p:cNvPr>
@@ -6247,7 +7748,7 @@
           <p:cNvPr id="4" name="タイトル 3">
             <a:extLst>
               <a:ext uri="{FF2B5EF4-FFF2-40B4-BE49-F238E27FC236}">
-                <a16:creationId xmlns:a16="http://schemas.microsoft.com/office/drawing/2014/main" id="{62D5F864-7914-47BB-AF07-6FB0C2B11959}"/>
+                <a16:creationId xmlns:a16="http://schemas.microsoft.com/office/drawing/2014/main" id="{54B399F6-613E-4041-B222-FE3A512D11F1}"/>
               </a:ext>
             </a:extLst>
           </p:cNvPr>
@@ -6265,34 +7766,170 @@
           <a:p>
             <a:r>
               <a:rPr kumimoji="1" lang="en-US" altLang="ja-JP"/>
-              <a:t>TLS 1.3</a:t>
+              <a:t>k-of-n</a:t>
             </a:r>
             <a:r>
               <a:rPr kumimoji="1" lang="ja-JP" altLang="en-US"/>
-              <a:t>の通信プロトコル</a:t>
-            </a:r>
-            <a:r>
-              <a:rPr kumimoji="1" lang="en-US" altLang="ja-JP"/>
-              <a:t>(</a:t>
-            </a:r>
-            <a:r>
-              <a:rPr kumimoji="1" lang="ja-JP" altLang="en-US"/>
-              <a:t>再掲</a:t>
-            </a:r>
-            <a:r>
-              <a:rPr kumimoji="1" lang="en-US" altLang="ja-JP"/>
-              <a:t>)</a:t>
-            </a:r>
-            <a:endParaRPr kumimoji="1" lang="ja-JP" altLang="en-US"/>
+              <a:t>秘密分散</a:t>
+            </a:r>
           </a:p>
         </p:txBody>
       </p:sp>
+      <mc:AlternateContent xmlns:mc="http://schemas.openxmlformats.org/markup-compatibility/2006">
+        <mc:Choice xmlns:a14="http://schemas.microsoft.com/office/drawing/2010/main" Requires="a14">
+          <p:sp>
+            <p:nvSpPr>
+              <p:cNvPr id="9" name="テキスト ボックス 8">
+                <a:extLst>
+                  <a:ext uri="{FF2B5EF4-FFF2-40B4-BE49-F238E27FC236}">
+                    <a16:creationId xmlns:a16="http://schemas.microsoft.com/office/drawing/2014/main" id="{596262D4-EE20-462A-B520-6503640A99A2}"/>
+                  </a:ext>
+                </a:extLst>
+              </p:cNvPr>
+              <p:cNvSpPr txBox="1"/>
+              <p:nvPr/>
+            </p:nvSpPr>
+            <p:spPr>
+              <a:xfrm>
+                <a:off x="530376" y="5679790"/>
+                <a:ext cx="3753592" cy="369332"/>
+              </a:xfrm>
+              <a:prstGeom prst="rect">
+                <a:avLst/>
+              </a:prstGeom>
+              <a:noFill/>
+              <a:ln w="19050" cap="rnd">
+                <a:noFill/>
+              </a:ln>
+            </p:spPr>
+            <p:txBody>
+              <a:bodyPr wrap="none" rtlCol="0">
+                <a:spAutoFit/>
+              </a:bodyPr>
+              <a:lstStyle/>
+              <a:p>
+                <a14:m>
+                  <m:oMath xmlns:m="http://schemas.openxmlformats.org/officeDocument/2006/math">
+                    <m:r>
+                      <a:rPr kumimoji="1" lang="en-US" altLang="ja-JP" b="0" i="1" smtClean="0">
+                        <a:latin typeface="Cambria Math" panose="02040503050406030204" pitchFamily="18" charset="0"/>
+                        <a:ea typeface="游ゴシック" panose="020B0400000000000000" pitchFamily="50" charset="-128"/>
+                        <a:cs typeface="Courier New" pitchFamily="49" charset="0"/>
+                      </a:rPr>
+                      <m:t>𝑘</m:t>
+                    </m:r>
+                  </m:oMath>
+                </a14:m>
+                <a:r>
+                  <a:rPr kumimoji="1" lang="ja-JP" altLang="en-US">
+                    <a:latin typeface="游ゴシック" panose="020B0400000000000000" pitchFamily="50" charset="-128"/>
+                    <a:ea typeface="游ゴシック" panose="020B0400000000000000" pitchFamily="50" charset="-128"/>
+                    <a:cs typeface="Courier New" pitchFamily="49" charset="0"/>
+                  </a:rPr>
+                  <a:t>個の点を通る</a:t>
+                </a:r>
+                <a14:m>
+                  <m:oMath xmlns:m="http://schemas.openxmlformats.org/officeDocument/2006/math">
+                    <m:r>
+                      <a:rPr lang="en-US" altLang="ja-JP" i="1">
+                        <a:latin typeface="Cambria Math" panose="02040503050406030204" pitchFamily="18" charset="0"/>
+                        <a:ea typeface="游ゴシック" panose="020B0400000000000000" pitchFamily="50" charset="-128"/>
+                        <a:cs typeface="Courier New" pitchFamily="49" charset="0"/>
+                      </a:rPr>
+                      <m:t>𝑘</m:t>
+                    </m:r>
+                    <m:r>
+                      <a:rPr lang="en-US" altLang="ja-JP" i="1">
+                        <a:latin typeface="Cambria Math" panose="02040503050406030204" pitchFamily="18" charset="0"/>
+                        <a:ea typeface="游ゴシック" panose="020B0400000000000000" pitchFamily="50" charset="-128"/>
+                        <a:cs typeface="Courier New" pitchFamily="49" charset="0"/>
+                      </a:rPr>
+                      <m:t>−1</m:t>
+                    </m:r>
+                  </m:oMath>
+                </a14:m>
+                <a:r>
+                  <a:rPr lang="ja-JP" altLang="en-US">
+                    <a:latin typeface="游ゴシック" panose="020B0400000000000000" pitchFamily="50" charset="-128"/>
+                    <a:ea typeface="游ゴシック" panose="020B0400000000000000" pitchFamily="50" charset="-128"/>
+                    <a:cs typeface="Courier New" pitchFamily="49" charset="0"/>
+                  </a:rPr>
+                  <a:t>次多項式は</a:t>
+                </a:r>
+                <a:r>
+                  <a:rPr lang="en-US" altLang="ja-JP">
+                    <a:latin typeface="游ゴシック" panose="020B0400000000000000" pitchFamily="50" charset="-128"/>
+                    <a:ea typeface="游ゴシック" panose="020B0400000000000000" pitchFamily="50" charset="-128"/>
+                    <a:cs typeface="Courier New" pitchFamily="49" charset="0"/>
+                  </a:rPr>
+                  <a:t>1</a:t>
+                </a:r>
+                <a:r>
+                  <a:rPr lang="ja-JP" altLang="en-US">
+                    <a:latin typeface="游ゴシック" panose="020B0400000000000000" pitchFamily="50" charset="-128"/>
+                    <a:ea typeface="游ゴシック" panose="020B0400000000000000" pitchFamily="50" charset="-128"/>
+                    <a:cs typeface="Courier New" pitchFamily="49" charset="0"/>
+                  </a:rPr>
+                  <a:t>個</a:t>
+                </a:r>
+              </a:p>
+            </p:txBody>
+          </p:sp>
+        </mc:Choice>
+        <mc:Fallback>
+          <p:sp>
+            <p:nvSpPr>
+              <p:cNvPr id="9" name="テキスト ボックス 8">
+                <a:extLst>
+                  <a:ext uri="{FF2B5EF4-FFF2-40B4-BE49-F238E27FC236}">
+                    <a16:creationId xmlns:a16="http://schemas.microsoft.com/office/drawing/2014/main" id="{596262D4-EE20-462A-B520-6503640A99A2}"/>
+                  </a:ext>
+                </a:extLst>
+              </p:cNvPr>
+              <p:cNvSpPr txBox="1">
+                <a:spLocks noRot="1" noChangeAspect="1" noMove="1" noResize="1" noEditPoints="1" noAdjustHandles="1" noChangeArrowheads="1" noChangeShapeType="1" noTextEdit="1"/>
+              </p:cNvSpPr>
+              <p:nvPr/>
+            </p:nvSpPr>
+            <p:spPr>
+              <a:xfrm>
+                <a:off x="530376" y="5679790"/>
+                <a:ext cx="3753592" cy="369332"/>
+              </a:xfrm>
+              <a:prstGeom prst="rect">
+                <a:avLst/>
+              </a:prstGeom>
+              <a:blipFill>
+                <a:blip r:embed="rId2"/>
+                <a:stretch>
+                  <a:fillRect t="-8333" r="-974" b="-28333"/>
+                </a:stretch>
+              </a:blipFill>
+              <a:ln w="19050" cap="rnd">
+                <a:noFill/>
+              </a:ln>
+            </p:spPr>
+            <p:txBody>
+              <a:bodyPr/>
+              <a:lstStyle/>
+              <a:p>
+                <a:r>
+                  <a:rPr lang="ja-JP" altLang="en-US">
+                    <a:noFill/>
+                  </a:rPr>
+                  <a:t> </a:t>
+                </a:r>
+              </a:p>
+            </p:txBody>
+          </p:sp>
+        </mc:Fallback>
+      </mc:AlternateContent>
       <p:pic>
         <p:nvPicPr>
-          <p:cNvPr id="6" name="図 5">
+          <p:cNvPr id="8" name="図 7">
             <a:extLst>
               <a:ext uri="{FF2B5EF4-FFF2-40B4-BE49-F238E27FC236}">
-                <a16:creationId xmlns:a16="http://schemas.microsoft.com/office/drawing/2014/main" id="{48D32876-D17C-4BE9-852B-90CB96B4CEF3}"/>
+                <a16:creationId xmlns:a16="http://schemas.microsoft.com/office/drawing/2014/main" id="{C3B5EC10-316B-4437-A182-D794EEEC5F44}"/>
               </a:ext>
             </a:extLst>
           </p:cNvPr>
@@ -6302,291 +7939,61 @@
           <p:nvPr/>
         </p:nvPicPr>
         <p:blipFill>
-          <a:blip r:embed="rId2"/>
+          <a:blip r:embed="rId3"/>
           <a:stretch>
             <a:fillRect/>
           </a:stretch>
         </p:blipFill>
         <p:spPr>
           <a:xfrm>
-            <a:off x="35496" y="692696"/>
-            <a:ext cx="7499210" cy="4242974"/>
+            <a:off x="4283968" y="3319456"/>
+            <a:ext cx="4512137" cy="3180115"/>
           </a:xfrm>
           <a:prstGeom prst="rect">
             <a:avLst/>
           </a:prstGeom>
         </p:spPr>
       </p:pic>
-      <p:sp>
-        <p:nvSpPr>
-          <p:cNvPr id="7" name="テキスト ボックス 6">
+      <p:pic>
+        <p:nvPicPr>
+          <p:cNvPr id="6" name="図 5">
             <a:extLst>
               <a:ext uri="{FF2B5EF4-FFF2-40B4-BE49-F238E27FC236}">
-                <a16:creationId xmlns:a16="http://schemas.microsoft.com/office/drawing/2014/main" id="{80F6EB2F-57C8-4084-9153-29E660D9C924}"/>
+                <a16:creationId xmlns:a16="http://schemas.microsoft.com/office/drawing/2014/main" id="{A23729B2-43EB-4D28-929F-418B2707747A}"/>
               </a:ext>
             </a:extLst>
           </p:cNvPr>
-          <p:cNvSpPr txBox="1"/>
+          <p:cNvPicPr>
+            <a:picLocks noChangeAspect="1"/>
+          </p:cNvPicPr>
           <p:nvPr/>
-        </p:nvSpPr>
+        </p:nvPicPr>
+        <p:blipFill>
+          <a:blip r:embed="rId4">
+            <a:extLst>
+              <a:ext uri="{28A0092B-C50C-407E-A947-70E740481C1C}">
+                <a14:useLocalDpi xmlns:a14="http://schemas.microsoft.com/office/drawing/2010/main" val="0"/>
+              </a:ext>
+            </a:extLst>
+          </a:blip>
+          <a:stretch>
+            <a:fillRect/>
+          </a:stretch>
+        </p:blipFill>
         <p:spPr>
           <a:xfrm>
-            <a:off x="6112400" y="671984"/>
-            <a:ext cx="1455848" cy="369332"/>
+            <a:off x="35496" y="1844824"/>
+            <a:ext cx="4896544" cy="3011375"/>
           </a:xfrm>
           <a:prstGeom prst="rect">
             <a:avLst/>
           </a:prstGeom>
-          <a:noFill/>
-          <a:ln w="19050" cap="rnd">
-            <a:noFill/>
-          </a:ln>
         </p:spPr>
-        <p:txBody>
-          <a:bodyPr wrap="none" rtlCol="0">
-            <a:spAutoFit/>
-          </a:bodyPr>
-          <a:lstStyle/>
-          <a:p>
-            <a:r>
-              <a:rPr kumimoji="1" lang="ja-JP" altLang="en-US">
-                <a:latin typeface="游ゴシック" panose="020B0400000000000000" pitchFamily="50" charset="-128"/>
-                <a:ea typeface="游ゴシック" panose="020B0400000000000000" pitchFamily="50" charset="-128"/>
-                <a:cs typeface="Courier New" pitchFamily="49" charset="0"/>
-              </a:rPr>
-              <a:t>暗認本</a:t>
-            </a:r>
-            <a:r>
-              <a:rPr kumimoji="1" lang="en-US" altLang="ja-JP">
-                <a:latin typeface="游ゴシック" panose="020B0400000000000000" pitchFamily="50" charset="-128"/>
-                <a:ea typeface="游ゴシック" panose="020B0400000000000000" pitchFamily="50" charset="-128"/>
-                <a:cs typeface="Courier New" pitchFamily="49" charset="0"/>
-              </a:rPr>
-              <a:t>p.218</a:t>
-            </a:r>
-            <a:endParaRPr kumimoji="1" lang="ja-JP" altLang="en-US">
-              <a:latin typeface="游ゴシック" panose="020B0400000000000000" pitchFamily="50" charset="-128"/>
-              <a:ea typeface="游ゴシック" panose="020B0400000000000000" pitchFamily="50" charset="-128"/>
-              <a:cs typeface="Courier New" pitchFamily="49" charset="0"/>
-            </a:endParaRPr>
-          </a:p>
-        </p:txBody>
-      </p:sp>
-      <p:sp>
-        <p:nvSpPr>
-          <p:cNvPr id="8" name="テキスト ボックス 7">
-            <a:extLst>
-              <a:ext uri="{FF2B5EF4-FFF2-40B4-BE49-F238E27FC236}">
-                <a16:creationId xmlns:a16="http://schemas.microsoft.com/office/drawing/2014/main" id="{92BEA17F-48BC-4A12-9B1A-DA8B7A3173A7}"/>
-              </a:ext>
-            </a:extLst>
-          </p:cNvPr>
-          <p:cNvSpPr txBox="1"/>
-          <p:nvPr/>
-        </p:nvSpPr>
-        <p:spPr>
-          <a:xfrm>
-            <a:off x="7438465" y="1340768"/>
-            <a:ext cx="1721946" cy="646331"/>
-          </a:xfrm>
-          <a:prstGeom prst="rect">
-            <a:avLst/>
-          </a:prstGeom>
-          <a:noFill/>
-          <a:ln w="19050" cap="rnd">
-            <a:noFill/>
-          </a:ln>
-        </p:spPr>
-        <p:txBody>
-          <a:bodyPr wrap="none" rtlCol="0">
-            <a:spAutoFit/>
-          </a:bodyPr>
-          <a:lstStyle/>
-          <a:p>
-            <a:r>
-              <a:rPr kumimoji="1" lang="en-US" altLang="ja-JP">
-                <a:latin typeface="游ゴシック" panose="020B0400000000000000" pitchFamily="50" charset="-128"/>
-                <a:ea typeface="游ゴシック" panose="020B0400000000000000" pitchFamily="50" charset="-128"/>
-                <a:cs typeface="Courier New" pitchFamily="49" charset="0"/>
-              </a:rPr>
-              <a:t>KS : DH</a:t>
-            </a:r>
-            <a:r>
-              <a:rPr kumimoji="1" lang="ja-JP" altLang="en-US">
-                <a:latin typeface="游ゴシック" panose="020B0400000000000000" pitchFamily="50" charset="-128"/>
-                <a:ea typeface="游ゴシック" panose="020B0400000000000000" pitchFamily="50" charset="-128"/>
-                <a:cs typeface="Courier New" pitchFamily="49" charset="0"/>
-              </a:rPr>
-              <a:t>鍵共有</a:t>
-            </a:r>
-            <a:br>
-              <a:rPr kumimoji="1" lang="en-US" altLang="ja-JP">
-                <a:latin typeface="游ゴシック" panose="020B0400000000000000" pitchFamily="50" charset="-128"/>
-                <a:ea typeface="游ゴシック" panose="020B0400000000000000" pitchFamily="50" charset="-128"/>
-                <a:cs typeface="Courier New" pitchFamily="49" charset="0"/>
-              </a:rPr>
-            </a:br>
-            <a:r>
-              <a:rPr kumimoji="1" lang="ja-JP" altLang="en-US">
-                <a:latin typeface="游ゴシック" panose="020B0400000000000000" pitchFamily="50" charset="-128"/>
-                <a:ea typeface="游ゴシック" panose="020B0400000000000000" pitchFamily="50" charset="-128"/>
-                <a:cs typeface="Courier New" pitchFamily="49" charset="0"/>
-              </a:rPr>
-              <a:t>のための情報</a:t>
-            </a:r>
-          </a:p>
-        </p:txBody>
-      </p:sp>
-      <p:sp>
-        <p:nvSpPr>
-          <p:cNvPr id="9" name="テキスト ボックス 8">
-            <a:extLst>
-              <a:ext uri="{FF2B5EF4-FFF2-40B4-BE49-F238E27FC236}">
-                <a16:creationId xmlns:a16="http://schemas.microsoft.com/office/drawing/2014/main" id="{C94A47BF-5965-4CE8-B3E1-CD7F69226EFC}"/>
-              </a:ext>
-            </a:extLst>
-          </p:cNvPr>
-          <p:cNvSpPr txBox="1"/>
-          <p:nvPr/>
-        </p:nvSpPr>
-        <p:spPr>
-          <a:xfrm>
-            <a:off x="7438465" y="1937418"/>
-            <a:ext cx="1531188" cy="646331"/>
-          </a:xfrm>
-          <a:prstGeom prst="rect">
-            <a:avLst/>
-          </a:prstGeom>
-          <a:noFill/>
-          <a:ln w="19050" cap="rnd">
-            <a:noFill/>
-          </a:ln>
-        </p:spPr>
-        <p:txBody>
-          <a:bodyPr wrap="none" rtlCol="0">
-            <a:spAutoFit/>
-          </a:bodyPr>
-          <a:lstStyle/>
-          <a:p>
-            <a:r>
-              <a:rPr kumimoji="1" lang="en-US" altLang="ja-JP">
-                <a:latin typeface="游ゴシック" panose="020B0400000000000000" pitchFamily="50" charset="-128"/>
-                <a:ea typeface="游ゴシック" panose="020B0400000000000000" pitchFamily="50" charset="-128"/>
-                <a:cs typeface="Courier New" pitchFamily="49" charset="0"/>
-              </a:rPr>
-              <a:t>PKS</a:t>
-            </a:r>
-            <a:r>
-              <a:rPr lang="ja-JP" altLang="en-US">
-                <a:latin typeface="游ゴシック" panose="020B0400000000000000" pitchFamily="50" charset="-128"/>
-                <a:ea typeface="游ゴシック" panose="020B0400000000000000" pitchFamily="50" charset="-128"/>
-                <a:cs typeface="Courier New" pitchFamily="49" charset="0"/>
-              </a:rPr>
-              <a:t> </a:t>
-            </a:r>
-            <a:r>
-              <a:rPr lang="en-US" altLang="ja-JP">
-                <a:latin typeface="游ゴシック" panose="020B0400000000000000" pitchFamily="50" charset="-128"/>
-                <a:ea typeface="游ゴシック" panose="020B0400000000000000" pitchFamily="50" charset="-128"/>
-                <a:cs typeface="Courier New" pitchFamily="49" charset="0"/>
-              </a:rPr>
-              <a:t>:</a:t>
-            </a:r>
-            <a:r>
-              <a:rPr lang="ja-JP" altLang="en-US">
-                <a:latin typeface="游ゴシック" panose="020B0400000000000000" pitchFamily="50" charset="-128"/>
-                <a:ea typeface="游ゴシック" panose="020B0400000000000000" pitchFamily="50" charset="-128"/>
-                <a:cs typeface="Courier New" pitchFamily="49" charset="0"/>
-              </a:rPr>
-              <a:t> </a:t>
-            </a:r>
-            <a:r>
-              <a:rPr kumimoji="1" lang="ja-JP" altLang="en-US">
-                <a:latin typeface="游ゴシック" panose="020B0400000000000000" pitchFamily="50" charset="-128"/>
-                <a:ea typeface="游ゴシック" panose="020B0400000000000000" pitchFamily="50" charset="-128"/>
-                <a:cs typeface="Courier New" pitchFamily="49" charset="0"/>
-              </a:rPr>
-              <a:t>事前鍵</a:t>
-            </a:r>
-            <a:endParaRPr kumimoji="1" lang="en-US" altLang="ja-JP">
-              <a:latin typeface="游ゴシック" panose="020B0400000000000000" pitchFamily="50" charset="-128"/>
-              <a:ea typeface="游ゴシック" panose="020B0400000000000000" pitchFamily="50" charset="-128"/>
-              <a:cs typeface="Courier New" pitchFamily="49" charset="0"/>
-            </a:endParaRPr>
-          </a:p>
-          <a:p>
-            <a:r>
-              <a:rPr kumimoji="1" lang="ja-JP" altLang="en-US">
-                <a:latin typeface="游ゴシック" panose="020B0400000000000000" pitchFamily="50" charset="-128"/>
-                <a:ea typeface="游ゴシック" panose="020B0400000000000000" pitchFamily="50" charset="-128"/>
-                <a:cs typeface="Courier New" pitchFamily="49" charset="0"/>
-              </a:rPr>
-              <a:t>共有情報</a:t>
-            </a:r>
-          </a:p>
-        </p:txBody>
-      </p:sp>
-      <p:sp>
-        <p:nvSpPr>
-          <p:cNvPr id="10" name="テキスト ボックス 9">
-            <a:extLst>
-              <a:ext uri="{FF2B5EF4-FFF2-40B4-BE49-F238E27FC236}">
-                <a16:creationId xmlns:a16="http://schemas.microsoft.com/office/drawing/2014/main" id="{116A76C4-F321-400B-9F9D-776CE425A2EB}"/>
-              </a:ext>
-            </a:extLst>
-          </p:cNvPr>
-          <p:cNvSpPr txBox="1"/>
-          <p:nvPr/>
-        </p:nvSpPr>
-        <p:spPr>
-          <a:xfrm>
-            <a:off x="7506984" y="2534068"/>
-            <a:ext cx="1569660" cy="646331"/>
-          </a:xfrm>
-          <a:prstGeom prst="rect">
-            <a:avLst/>
-          </a:prstGeom>
-          <a:noFill/>
-          <a:ln w="19050" cap="rnd">
-            <a:noFill/>
-          </a:ln>
-        </p:spPr>
-        <p:txBody>
-          <a:bodyPr wrap="none" rtlCol="0">
-            <a:spAutoFit/>
-          </a:bodyPr>
-          <a:lstStyle/>
-          <a:p>
-            <a:r>
-              <a:rPr kumimoji="1" lang="ja-JP" altLang="en-US">
-                <a:latin typeface="游ゴシック" panose="020B0400000000000000" pitchFamily="50" charset="-128"/>
-                <a:ea typeface="游ゴシック" panose="020B0400000000000000" pitchFamily="50" charset="-128"/>
-                <a:cs typeface="Courier New" pitchFamily="49" charset="0"/>
-              </a:rPr>
-              <a:t>ここから</a:t>
-            </a:r>
-            <a:endParaRPr kumimoji="1" lang="en-US" altLang="ja-JP">
-              <a:latin typeface="游ゴシック" panose="020B0400000000000000" pitchFamily="50" charset="-128"/>
-              <a:ea typeface="游ゴシック" panose="020B0400000000000000" pitchFamily="50" charset="-128"/>
-              <a:cs typeface="Courier New" pitchFamily="49" charset="0"/>
-            </a:endParaRPr>
-          </a:p>
-          <a:p>
-            <a:r>
-              <a:rPr kumimoji="1" lang="ja-JP" altLang="en-US">
-                <a:latin typeface="游ゴシック" panose="020B0400000000000000" pitchFamily="50" charset="-128"/>
-                <a:ea typeface="游ゴシック" panose="020B0400000000000000" pitchFamily="50" charset="-128"/>
-                <a:cs typeface="Courier New" pitchFamily="49" charset="0"/>
-              </a:rPr>
-              <a:t>暗号化始まる</a:t>
-            </a:r>
-          </a:p>
-        </p:txBody>
-      </p:sp>
+      </p:pic>
     </p:spTree>
     <p:extLst>
       <p:ext uri="{BB962C8B-B14F-4D97-AF65-F5344CB8AC3E}">
-        <p14:creationId xmlns:p14="http://schemas.microsoft.com/office/powerpoint/2010/main" val="790664289"/>
+        <p14:creationId xmlns:p14="http://schemas.microsoft.com/office/powerpoint/2010/main" val="1359272761"/>
       </p:ext>
     </p:extLst>
   </p:cSld>

--- a/lec/anninbon11.pptx
+++ b/lec/anninbon11.pptx
@@ -13,16 +13,16 @@
   <p:sldIdLst>
     <p:sldId id="552" r:id="rId2"/>
     <p:sldId id="651" r:id="rId3"/>
-    <p:sldId id="652" r:id="rId4"/>
-    <p:sldId id="653" r:id="rId5"/>
-    <p:sldId id="654" r:id="rId6"/>
-    <p:sldId id="655" r:id="rId7"/>
-    <p:sldId id="656" r:id="rId8"/>
-    <p:sldId id="657" r:id="rId9"/>
-    <p:sldId id="658" r:id="rId10"/>
-    <p:sldId id="659" r:id="rId11"/>
-    <p:sldId id="660" r:id="rId12"/>
-    <p:sldId id="650" r:id="rId13"/>
+    <p:sldId id="654" r:id="rId4"/>
+    <p:sldId id="661" r:id="rId5"/>
+    <p:sldId id="652" r:id="rId6"/>
+    <p:sldId id="653" r:id="rId7"/>
+    <p:sldId id="655" r:id="rId8"/>
+    <p:sldId id="656" r:id="rId9"/>
+    <p:sldId id="657" r:id="rId10"/>
+    <p:sldId id="658" r:id="rId11"/>
+    <p:sldId id="659" r:id="rId12"/>
+    <p:sldId id="660" r:id="rId13"/>
   </p:sldIdLst>
   <p:sldSz cx="9144000" cy="6858000" type="screen4x3"/>
   <p:notesSz cx="7099300" cy="10234613"/>
@@ -158,16 +158,16 @@
           <p14:sldIdLst>
             <p14:sldId id="552"/>
             <p14:sldId id="651"/>
+            <p14:sldId id="654"/>
+            <p14:sldId id="661"/>
             <p14:sldId id="652"/>
             <p14:sldId id="653"/>
-            <p14:sldId id="654"/>
             <p14:sldId id="655"/>
             <p14:sldId id="656"/>
             <p14:sldId id="657"/>
             <p14:sldId id="658"/>
             <p14:sldId id="659"/>
             <p14:sldId id="660"/>
-            <p14:sldId id="650"/>
           </p14:sldIdLst>
         </p14:section>
       </p14:sectionLst>
@@ -934,6 +934,128 @@
     </a:lvl9pPr>
   </p:notesStyle>
 </p:notesMaster>
+</file>
+
+<file path=ppt/notesSlides/notesSlide1.xml><?xml version="1.0" encoding="utf-8"?>
+<p:notes xmlns:a="http://schemas.openxmlformats.org/drawingml/2006/main" xmlns:r="http://schemas.openxmlformats.org/officeDocument/2006/relationships" xmlns:p="http://schemas.openxmlformats.org/presentationml/2006/main">
+  <p:cSld>
+    <p:spTree>
+      <p:nvGrpSpPr>
+        <p:cNvPr id="1" name=""/>
+        <p:cNvGrpSpPr/>
+        <p:nvPr/>
+      </p:nvGrpSpPr>
+      <p:grpSpPr>
+        <a:xfrm>
+          <a:off x="0" y="0"/>
+          <a:ext cx="0" cy="0"/>
+          <a:chOff x="0" y="0"/>
+          <a:chExt cx="0" cy="0"/>
+        </a:xfrm>
+      </p:grpSpPr>
+      <p:sp>
+        <p:nvSpPr>
+          <p:cNvPr id="2" name="スライド イメージ プレースホルダー 1"/>
+          <p:cNvSpPr>
+            <a:spLocks noGrp="1" noRot="1" noChangeAspect="1"/>
+          </p:cNvSpPr>
+          <p:nvPr>
+            <p:ph type="sldImg"/>
+          </p:nvPr>
+        </p:nvSpPr>
+        <p:spPr/>
+      </p:sp>
+      <p:sp>
+        <p:nvSpPr>
+          <p:cNvPr id="3" name="ノート プレースホルダー 2"/>
+          <p:cNvSpPr>
+            <a:spLocks noGrp="1"/>
+          </p:cNvSpPr>
+          <p:nvPr>
+            <p:ph type="body" idx="1"/>
+          </p:nvPr>
+        </p:nvSpPr>
+        <p:spPr/>
+        <p:txBody>
+          <a:bodyPr/>
+          <a:lstStyle/>
+          <a:p>
+            <a:endParaRPr kumimoji="1" lang="ja-JP" altLang="en-US"/>
+          </a:p>
+        </p:txBody>
+      </p:sp>
+    </p:spTree>
+    <p:extLst>
+      <p:ext uri="{BB962C8B-B14F-4D97-AF65-F5344CB8AC3E}">
+        <p14:creationId xmlns:p14="http://schemas.microsoft.com/office/powerpoint/2010/main" val="3241255387"/>
+      </p:ext>
+    </p:extLst>
+  </p:cSld>
+  <p:clrMapOvr>
+    <a:masterClrMapping/>
+  </p:clrMapOvr>
+</p:notes>
+</file>
+
+<file path=ppt/notesSlides/notesSlide2.xml><?xml version="1.0" encoding="utf-8"?>
+<p:notes xmlns:a="http://schemas.openxmlformats.org/drawingml/2006/main" xmlns:r="http://schemas.openxmlformats.org/officeDocument/2006/relationships" xmlns:p="http://schemas.openxmlformats.org/presentationml/2006/main">
+  <p:cSld>
+    <p:spTree>
+      <p:nvGrpSpPr>
+        <p:cNvPr id="1" name=""/>
+        <p:cNvGrpSpPr/>
+        <p:nvPr/>
+      </p:nvGrpSpPr>
+      <p:grpSpPr>
+        <a:xfrm>
+          <a:off x="0" y="0"/>
+          <a:ext cx="0" cy="0"/>
+          <a:chOff x="0" y="0"/>
+          <a:chExt cx="0" cy="0"/>
+        </a:xfrm>
+      </p:grpSpPr>
+      <p:sp>
+        <p:nvSpPr>
+          <p:cNvPr id="2" name="スライド イメージ プレースホルダー 1"/>
+          <p:cNvSpPr>
+            <a:spLocks noGrp="1" noRot="1" noChangeAspect="1"/>
+          </p:cNvSpPr>
+          <p:nvPr>
+            <p:ph type="sldImg"/>
+          </p:nvPr>
+        </p:nvSpPr>
+        <p:spPr/>
+      </p:sp>
+      <p:sp>
+        <p:nvSpPr>
+          <p:cNvPr id="3" name="ノート プレースホルダー 2"/>
+          <p:cNvSpPr>
+            <a:spLocks noGrp="1"/>
+          </p:cNvSpPr>
+          <p:nvPr>
+            <p:ph type="body" idx="1"/>
+          </p:nvPr>
+        </p:nvSpPr>
+        <p:spPr/>
+        <p:txBody>
+          <a:bodyPr/>
+          <a:lstStyle/>
+          <a:p>
+            <a:endParaRPr kumimoji="1" lang="ja-JP" altLang="en-US"/>
+          </a:p>
+        </p:txBody>
+      </p:sp>
+    </p:spTree>
+    <p:extLst>
+      <p:ext uri="{BB962C8B-B14F-4D97-AF65-F5344CB8AC3E}">
+        <p14:creationId xmlns:p14="http://schemas.microsoft.com/office/powerpoint/2010/main" val="3608968422"/>
+      </p:ext>
+    </p:extLst>
+  </p:cSld>
+  <p:clrMapOvr>
+    <a:masterClrMapping/>
+  </p:clrMapOvr>
+</p:notes>
 </file>
 
 <file path=ppt/slideLayouts/slideLayout1.xml><?xml version="1.0" encoding="utf-8"?>
@@ -2419,8 +2541,404 @@
           <a:chExt cx="0" cy="0"/>
         </a:xfrm>
       </p:grpSpPr>
-      <mc:AlternateContent xmlns:mc="http://schemas.openxmlformats.org/markup-compatibility/2006">
-        <mc:Choice xmlns:a14="http://schemas.microsoft.com/office/drawing/2010/main" Requires="a14">
+      <p:sp>
+        <p:nvSpPr>
+          <p:cNvPr id="2" name="コンテンツ プレースホルダー 1">
+            <a:extLst>
+              <a:ext uri="{FF2B5EF4-FFF2-40B4-BE49-F238E27FC236}">
+                <a16:creationId xmlns:a16="http://schemas.microsoft.com/office/drawing/2014/main" id="{09696239-D405-45B4-A581-78E32715D901}"/>
+              </a:ext>
+            </a:extLst>
+          </p:cNvPr>
+          <p:cNvSpPr>
+            <a:spLocks noGrp="1"/>
+          </p:cNvSpPr>
+          <p:nvPr>
+            <p:ph idx="1"/>
+          </p:nvPr>
+        </p:nvSpPr>
+        <p:spPr/>
+        <p:txBody>
+          <a:bodyPr/>
+          <a:lstStyle/>
+          <a:p>
+            <a:r>
+              <a:rPr kumimoji="1" lang="ja-JP" altLang="en-US"/>
+              <a:t>情報</a:t>
+            </a:r>
+            <a:r>
+              <a:rPr kumimoji="1" lang="en-US" altLang="ja-JP"/>
+              <a:t>s</a:t>
+            </a:r>
+            <a:r>
+              <a:rPr kumimoji="1" lang="ja-JP" altLang="en-US"/>
+              <a:t>を</a:t>
+            </a:r>
+            <a:r>
+              <a:rPr kumimoji="1" lang="en-US" altLang="ja-JP"/>
+              <a:t>n</a:t>
+            </a:r>
+            <a:r>
+              <a:rPr kumimoji="1" lang="ja-JP" altLang="en-US"/>
+              <a:t>人に分散 そのうち</a:t>
+            </a:r>
+            <a:r>
+              <a:rPr kumimoji="1" lang="en-US" altLang="ja-JP"/>
+              <a:t>k</a:t>
+            </a:r>
+            <a:r>
+              <a:rPr kumimoji="1" lang="ja-JP" altLang="en-US"/>
+              <a:t>個集まると復元可能</a:t>
+            </a:r>
+            <a:endParaRPr kumimoji="1" lang="en-US" altLang="ja-JP"/>
+          </a:p>
+          <a:p>
+            <a:pPr lvl="1"/>
+            <a:r>
+              <a:rPr lang="en-US" altLang="ja-JP"/>
+              <a:t>2017</a:t>
+            </a:r>
+            <a:r>
+              <a:rPr lang="ja-JP" altLang="en-US"/>
+              <a:t>年に</a:t>
+            </a:r>
+            <a:r>
+              <a:rPr lang="en-US" altLang="ja-JP"/>
+              <a:t>ISO/IEC 19592-2:2017</a:t>
+            </a:r>
+            <a:r>
+              <a:rPr lang="ja-JP" altLang="en-US"/>
+              <a:t>として標準化</a:t>
+            </a:r>
+            <a:r>
+              <a:rPr lang="en-US" altLang="ja-JP"/>
+              <a:t> Shamir</a:t>
+            </a:r>
+            <a:endParaRPr kumimoji="1" lang="ja-JP" altLang="en-US"/>
+          </a:p>
+        </p:txBody>
+      </p:sp>
+      <p:sp>
+        <p:nvSpPr>
+          <p:cNvPr id="3" name="スライド番号プレースホルダー 2">
+            <a:extLst>
+              <a:ext uri="{FF2B5EF4-FFF2-40B4-BE49-F238E27FC236}">
+                <a16:creationId xmlns:a16="http://schemas.microsoft.com/office/drawing/2014/main" id="{6601D4CB-F505-4F42-9DDA-EC99B31E8950}"/>
+              </a:ext>
+            </a:extLst>
+          </p:cNvPr>
+          <p:cNvSpPr>
+            <a:spLocks noGrp="1"/>
+          </p:cNvSpPr>
+          <p:nvPr>
+            <p:ph type="sldNum" sz="quarter" idx="12"/>
+          </p:nvPr>
+        </p:nvSpPr>
+        <p:spPr/>
+        <p:txBody>
+          <a:bodyPr/>
+          <a:lstStyle/>
+          <a:p>
+            <a:pPr>
+              <a:defRPr/>
+            </a:pPr>
+            <a:r>
+              <a:rPr lang="en-US" altLang="ja-JP"/>
+              <a:t>    </a:t>
+            </a:r>
+            <a:fld id="{B2782DEB-472A-4FE5-AC34-C17109CF5A91}" type="slidenum">
+              <a:rPr lang="en-US" altLang="ja-JP" smtClean="0"/>
+              <a:pPr>
+                <a:defRPr/>
+              </a:pPr>
+              <a:t>10</a:t>
+            </a:fld>
+            <a:r>
+              <a:rPr lang="en-US" altLang="ja-JP"/>
+              <a:t> / 24</a:t>
+            </a:r>
+          </a:p>
+        </p:txBody>
+      </p:sp>
+      <p:sp>
+        <p:nvSpPr>
+          <p:cNvPr id="4" name="タイトル 3">
+            <a:extLst>
+              <a:ext uri="{FF2B5EF4-FFF2-40B4-BE49-F238E27FC236}">
+                <a16:creationId xmlns:a16="http://schemas.microsoft.com/office/drawing/2014/main" id="{54B399F6-613E-4041-B222-FE3A512D11F1}"/>
+              </a:ext>
+            </a:extLst>
+          </p:cNvPr>
+          <p:cNvSpPr>
+            <a:spLocks noGrp="1"/>
+          </p:cNvSpPr>
+          <p:nvPr>
+            <p:ph type="title"/>
+          </p:nvPr>
+        </p:nvSpPr>
+        <p:spPr/>
+        <p:txBody>
+          <a:bodyPr/>
+          <a:lstStyle/>
+          <a:p>
+            <a:r>
+              <a:rPr kumimoji="1" lang="en-US" altLang="ja-JP"/>
+              <a:t>k-of-n</a:t>
+            </a:r>
+            <a:r>
+              <a:rPr kumimoji="1" lang="ja-JP" altLang="en-US"/>
+              <a:t>秘密分散</a:t>
+            </a:r>
+          </a:p>
+        </p:txBody>
+      </p:sp>
+      <mc:AlternateContent xmlns:mc="http://schemas.openxmlformats.org/markup-compatibility/2006" xmlns:a14="http://schemas.microsoft.com/office/drawing/2010/main">
+        <mc:Choice Requires="a14">
+          <p:sp>
+            <p:nvSpPr>
+              <p:cNvPr id="9" name="テキスト ボックス 8">
+                <a:extLst>
+                  <a:ext uri="{FF2B5EF4-FFF2-40B4-BE49-F238E27FC236}">
+                    <a16:creationId xmlns:a16="http://schemas.microsoft.com/office/drawing/2014/main" id="{596262D4-EE20-462A-B520-6503640A99A2}"/>
+                  </a:ext>
+                </a:extLst>
+              </p:cNvPr>
+              <p:cNvSpPr txBox="1"/>
+              <p:nvPr/>
+            </p:nvSpPr>
+            <p:spPr>
+              <a:xfrm>
+                <a:off x="530376" y="5679790"/>
+                <a:ext cx="3753592" cy="369332"/>
+              </a:xfrm>
+              <a:prstGeom prst="rect">
+                <a:avLst/>
+              </a:prstGeom>
+              <a:noFill/>
+              <a:ln w="19050" cap="rnd">
+                <a:noFill/>
+              </a:ln>
+            </p:spPr>
+            <p:txBody>
+              <a:bodyPr wrap="none" rtlCol="0">
+                <a:spAutoFit/>
+              </a:bodyPr>
+              <a:lstStyle/>
+              <a:p>
+                <a14:m>
+                  <m:oMath xmlns:m="http://schemas.openxmlformats.org/officeDocument/2006/math">
+                    <m:r>
+                      <a:rPr kumimoji="1" lang="en-US" altLang="ja-JP" b="0" i="1" smtClean="0">
+                        <a:latin typeface="Cambria Math" panose="02040503050406030204" pitchFamily="18" charset="0"/>
+                        <a:ea typeface="游ゴシック" panose="020B0400000000000000" pitchFamily="50" charset="-128"/>
+                        <a:cs typeface="Courier New" pitchFamily="49" charset="0"/>
+                      </a:rPr>
+                      <m:t>𝑘</m:t>
+                    </m:r>
+                  </m:oMath>
+                </a14:m>
+                <a:r>
+                  <a:rPr kumimoji="1" lang="ja-JP" altLang="en-US">
+                    <a:latin typeface="游ゴシック" panose="020B0400000000000000" pitchFamily="50" charset="-128"/>
+                    <a:ea typeface="游ゴシック" panose="020B0400000000000000" pitchFamily="50" charset="-128"/>
+                    <a:cs typeface="Courier New" pitchFamily="49" charset="0"/>
+                  </a:rPr>
+                  <a:t>個の点を通る</a:t>
+                </a:r>
+                <a14:m>
+                  <m:oMath xmlns:m="http://schemas.openxmlformats.org/officeDocument/2006/math">
+                    <m:r>
+                      <a:rPr lang="en-US" altLang="ja-JP" i="1">
+                        <a:latin typeface="Cambria Math" panose="02040503050406030204" pitchFamily="18" charset="0"/>
+                        <a:ea typeface="游ゴシック" panose="020B0400000000000000" pitchFamily="50" charset="-128"/>
+                        <a:cs typeface="Courier New" pitchFamily="49" charset="0"/>
+                      </a:rPr>
+                      <m:t>𝑘</m:t>
+                    </m:r>
+                    <m:r>
+                      <a:rPr lang="en-US" altLang="ja-JP" i="1">
+                        <a:latin typeface="Cambria Math" panose="02040503050406030204" pitchFamily="18" charset="0"/>
+                        <a:ea typeface="游ゴシック" panose="020B0400000000000000" pitchFamily="50" charset="-128"/>
+                        <a:cs typeface="Courier New" pitchFamily="49" charset="0"/>
+                      </a:rPr>
+                      <m:t>−1</m:t>
+                    </m:r>
+                  </m:oMath>
+                </a14:m>
+                <a:r>
+                  <a:rPr lang="ja-JP" altLang="en-US">
+                    <a:latin typeface="游ゴシック" panose="020B0400000000000000" pitchFamily="50" charset="-128"/>
+                    <a:ea typeface="游ゴシック" panose="020B0400000000000000" pitchFamily="50" charset="-128"/>
+                    <a:cs typeface="Courier New" pitchFamily="49" charset="0"/>
+                  </a:rPr>
+                  <a:t>次多項式は</a:t>
+                </a:r>
+                <a:r>
+                  <a:rPr lang="en-US" altLang="ja-JP">
+                    <a:latin typeface="游ゴシック" panose="020B0400000000000000" pitchFamily="50" charset="-128"/>
+                    <a:ea typeface="游ゴシック" panose="020B0400000000000000" pitchFamily="50" charset="-128"/>
+                    <a:cs typeface="Courier New" pitchFamily="49" charset="0"/>
+                  </a:rPr>
+                  <a:t>1</a:t>
+                </a:r>
+                <a:r>
+                  <a:rPr lang="ja-JP" altLang="en-US">
+                    <a:latin typeface="游ゴシック" panose="020B0400000000000000" pitchFamily="50" charset="-128"/>
+                    <a:ea typeface="游ゴシック" panose="020B0400000000000000" pitchFamily="50" charset="-128"/>
+                    <a:cs typeface="Courier New" pitchFamily="49" charset="0"/>
+                  </a:rPr>
+                  <a:t>個</a:t>
+                </a:r>
+              </a:p>
+            </p:txBody>
+          </p:sp>
+        </mc:Choice>
+        <mc:Fallback xmlns="">
+          <p:sp>
+            <p:nvSpPr>
+              <p:cNvPr id="9" name="テキスト ボックス 8">
+                <a:extLst>
+                  <a:ext uri="{FF2B5EF4-FFF2-40B4-BE49-F238E27FC236}">
+                    <a16:creationId xmlns:a16="http://schemas.microsoft.com/office/drawing/2014/main" id="{596262D4-EE20-462A-B520-6503640A99A2}"/>
+                  </a:ext>
+                </a:extLst>
+              </p:cNvPr>
+              <p:cNvSpPr txBox="1">
+                <a:spLocks noRot="1" noChangeAspect="1" noMove="1" noResize="1" noEditPoints="1" noAdjustHandles="1" noChangeArrowheads="1" noChangeShapeType="1" noTextEdit="1"/>
+              </p:cNvSpPr>
+              <p:nvPr/>
+            </p:nvSpPr>
+            <p:spPr>
+              <a:xfrm>
+                <a:off x="530376" y="5679790"/>
+                <a:ext cx="3753592" cy="369332"/>
+              </a:xfrm>
+              <a:prstGeom prst="rect">
+                <a:avLst/>
+              </a:prstGeom>
+              <a:blipFill>
+                <a:blip r:embed="rId2"/>
+                <a:stretch>
+                  <a:fillRect t="-8333" r="-974" b="-28333"/>
+                </a:stretch>
+              </a:blipFill>
+              <a:ln w="19050" cap="rnd">
+                <a:noFill/>
+              </a:ln>
+            </p:spPr>
+            <p:txBody>
+              <a:bodyPr/>
+              <a:lstStyle/>
+              <a:p>
+                <a:r>
+                  <a:rPr lang="ja-JP" altLang="en-US">
+                    <a:noFill/>
+                  </a:rPr>
+                  <a:t> </a:t>
+                </a:r>
+              </a:p>
+            </p:txBody>
+          </p:sp>
+        </mc:Fallback>
+      </mc:AlternateContent>
+      <p:pic>
+        <p:nvPicPr>
+          <p:cNvPr id="8" name="図 7">
+            <a:extLst>
+              <a:ext uri="{FF2B5EF4-FFF2-40B4-BE49-F238E27FC236}">
+                <a16:creationId xmlns:a16="http://schemas.microsoft.com/office/drawing/2014/main" id="{C3B5EC10-316B-4437-A182-D794EEEC5F44}"/>
+              </a:ext>
+            </a:extLst>
+          </p:cNvPr>
+          <p:cNvPicPr>
+            <a:picLocks noChangeAspect="1"/>
+          </p:cNvPicPr>
+          <p:nvPr/>
+        </p:nvPicPr>
+        <p:blipFill>
+          <a:blip r:embed="rId3"/>
+          <a:stretch>
+            <a:fillRect/>
+          </a:stretch>
+        </p:blipFill>
+        <p:spPr>
+          <a:xfrm>
+            <a:off x="4283968" y="3319456"/>
+            <a:ext cx="4512137" cy="3180115"/>
+          </a:xfrm>
+          <a:prstGeom prst="rect">
+            <a:avLst/>
+          </a:prstGeom>
+        </p:spPr>
+      </p:pic>
+      <p:pic>
+        <p:nvPicPr>
+          <p:cNvPr id="6" name="図 5">
+            <a:extLst>
+              <a:ext uri="{FF2B5EF4-FFF2-40B4-BE49-F238E27FC236}">
+                <a16:creationId xmlns:a16="http://schemas.microsoft.com/office/drawing/2014/main" id="{A23729B2-43EB-4D28-929F-418B2707747A}"/>
+              </a:ext>
+            </a:extLst>
+          </p:cNvPr>
+          <p:cNvPicPr>
+            <a:picLocks noChangeAspect="1"/>
+          </p:cNvPicPr>
+          <p:nvPr/>
+        </p:nvPicPr>
+        <p:blipFill>
+          <a:blip r:embed="rId4">
+            <a:extLst>
+              <a:ext uri="{28A0092B-C50C-407E-A947-70E740481C1C}">
+                <a14:useLocalDpi xmlns:a14="http://schemas.microsoft.com/office/drawing/2010/main" val="0"/>
+              </a:ext>
+            </a:extLst>
+          </a:blip>
+          <a:stretch>
+            <a:fillRect/>
+          </a:stretch>
+        </p:blipFill>
+        <p:spPr>
+          <a:xfrm>
+            <a:off x="35496" y="1844824"/>
+            <a:ext cx="4896544" cy="3011375"/>
+          </a:xfrm>
+          <a:prstGeom prst="rect">
+            <a:avLst/>
+          </a:prstGeom>
+        </p:spPr>
+      </p:pic>
+    </p:spTree>
+    <p:extLst>
+      <p:ext uri="{BB962C8B-B14F-4D97-AF65-F5344CB8AC3E}">
+        <p14:creationId xmlns:p14="http://schemas.microsoft.com/office/powerpoint/2010/main" val="1359272761"/>
+      </p:ext>
+    </p:extLst>
+  </p:cSld>
+  <p:clrMapOvr>
+    <a:masterClrMapping/>
+  </p:clrMapOvr>
+</p:sld>
+</file>
+
+<file path=ppt/slides/slide11.xml><?xml version="1.0" encoding="utf-8"?>
+<p:sld xmlns:a="http://schemas.openxmlformats.org/drawingml/2006/main" xmlns:r="http://schemas.openxmlformats.org/officeDocument/2006/relationships" xmlns:p="http://schemas.openxmlformats.org/presentationml/2006/main">
+  <p:cSld>
+    <p:spTree>
+      <p:nvGrpSpPr>
+        <p:cNvPr id="1" name=""/>
+        <p:cNvGrpSpPr/>
+        <p:nvPr/>
+      </p:nvGrpSpPr>
+      <p:grpSpPr>
+        <a:xfrm>
+          <a:off x="0" y="0"/>
+          <a:ext cx="0" cy="0"/>
+          <a:chOff x="0" y="0"/>
+          <a:chExt cx="0" cy="0"/>
+        </a:xfrm>
+      </p:grpSpPr>
+      <mc:AlternateContent xmlns:mc="http://schemas.openxmlformats.org/markup-compatibility/2006" xmlns:a14="http://schemas.microsoft.com/office/drawing/2010/main">
+        <mc:Choice Requires="a14">
           <p:sp>
             <p:nvSpPr>
               <p:cNvPr id="2" name="コンテンツ プレースホルダー 1">
@@ -2861,7 +3379,7 @@
             </p:txBody>
           </p:sp>
         </mc:Choice>
-        <mc:Fallback>
+        <mc:Fallback xmlns="">
           <p:sp>
             <p:nvSpPr>
               <p:cNvPr id="2" name="コンテンツ プレースホルダー 1">
@@ -2934,7 +3452,7 @@
               <a:pPr>
                 <a:defRPr/>
               </a:pPr>
-              <a:t>10</a:t>
+              <a:t>11</a:t>
             </a:fld>
             <a:r>
               <a:rPr lang="en-US" altLang="ja-JP"/>
@@ -2993,7 +3511,7 @@
 </p:sld>
 </file>
 
-<file path=ppt/slides/slide11.xml><?xml version="1.0" encoding="utf-8"?>
+<file path=ppt/slides/slide12.xml><?xml version="1.0" encoding="utf-8"?>
 <p:sld xmlns:a="http://schemas.openxmlformats.org/drawingml/2006/main" xmlns:r="http://schemas.openxmlformats.org/officeDocument/2006/relationships" xmlns:p="http://schemas.openxmlformats.org/presentationml/2006/main">
   <p:cSld>
     <p:spTree>
@@ -3010,8 +3528,8 @@
           <a:chExt cx="0" cy="0"/>
         </a:xfrm>
       </p:grpSpPr>
-      <mc:AlternateContent xmlns:mc="http://schemas.openxmlformats.org/markup-compatibility/2006">
-        <mc:Choice xmlns:a14="http://schemas.microsoft.com/office/drawing/2010/main" Requires="a14">
+      <mc:AlternateContent xmlns:mc="http://schemas.openxmlformats.org/markup-compatibility/2006" xmlns:a14="http://schemas.microsoft.com/office/drawing/2010/main">
+        <mc:Choice Requires="a14">
           <p:sp>
             <p:nvSpPr>
               <p:cNvPr id="2" name="コンテンツ プレースホルダー 1">
@@ -3136,7 +3654,7 @@
             </p:txBody>
           </p:sp>
         </mc:Choice>
-        <mc:Fallback>
+        <mc:Fallback xmlns="">
           <p:sp>
             <p:nvSpPr>
               <p:cNvPr id="2" name="コンテンツ プレースホルダー 1">
@@ -3209,7 +3727,7 @@
               <a:pPr>
                 <a:defRPr/>
               </a:pPr>
-              <a:t>11</a:t>
+              <a:t>12</a:t>
             </a:fld>
             <a:r>
               <a:rPr lang="en-US" altLang="ja-JP"/>
@@ -3259,519 +3777,6 @@
     <p:extLst>
       <p:ext uri="{BB962C8B-B14F-4D97-AF65-F5344CB8AC3E}">
         <p14:creationId xmlns:p14="http://schemas.microsoft.com/office/powerpoint/2010/main" val="509982935"/>
-      </p:ext>
-    </p:extLst>
-  </p:cSld>
-  <p:clrMapOvr>
-    <a:masterClrMapping/>
-  </p:clrMapOvr>
-</p:sld>
-</file>
-
-<file path=ppt/slides/slide12.xml><?xml version="1.0" encoding="utf-8"?>
-<p:sld xmlns:a="http://schemas.openxmlformats.org/drawingml/2006/main" xmlns:r="http://schemas.openxmlformats.org/officeDocument/2006/relationships" xmlns:p="http://schemas.openxmlformats.org/presentationml/2006/main">
-  <p:cSld>
-    <p:spTree>
-      <p:nvGrpSpPr>
-        <p:cNvPr id="1" name=""/>
-        <p:cNvGrpSpPr/>
-        <p:nvPr/>
-      </p:nvGrpSpPr>
-      <p:grpSpPr>
-        <a:xfrm>
-          <a:off x="0" y="0"/>
-          <a:ext cx="0" cy="0"/>
-          <a:chOff x="0" y="0"/>
-          <a:chExt cx="0" cy="0"/>
-        </a:xfrm>
-      </p:grpSpPr>
-      <p:sp>
-        <p:nvSpPr>
-          <p:cNvPr id="2" name="コンテンツ プレースホルダー 1">
-            <a:extLst>
-              <a:ext uri="{FF2B5EF4-FFF2-40B4-BE49-F238E27FC236}">
-                <a16:creationId xmlns:a16="http://schemas.microsoft.com/office/drawing/2014/main" id="{216CA117-D0F0-4008-8340-3F6FB4B9B23E}"/>
-              </a:ext>
-            </a:extLst>
-          </p:cNvPr>
-          <p:cNvSpPr>
-            <a:spLocks noGrp="1"/>
-          </p:cNvSpPr>
-          <p:nvPr>
-            <p:ph idx="1"/>
-          </p:nvPr>
-        </p:nvSpPr>
-        <p:spPr/>
-        <p:txBody>
-          <a:bodyPr/>
-          <a:lstStyle/>
-          <a:p>
-            <a:endParaRPr kumimoji="1" lang="en-US" altLang="ja-JP"/>
-          </a:p>
-          <a:p>
-            <a:endParaRPr lang="en-US" altLang="ja-JP"/>
-          </a:p>
-          <a:p>
-            <a:endParaRPr kumimoji="1" lang="en-US" altLang="ja-JP"/>
-          </a:p>
-          <a:p>
-            <a:endParaRPr lang="en-US" altLang="ja-JP"/>
-          </a:p>
-          <a:p>
-            <a:endParaRPr kumimoji="1" lang="en-US" altLang="ja-JP"/>
-          </a:p>
-          <a:p>
-            <a:endParaRPr lang="en-US" altLang="ja-JP"/>
-          </a:p>
-          <a:p>
-            <a:endParaRPr kumimoji="1" lang="en-US" altLang="ja-JP"/>
-          </a:p>
-          <a:p>
-            <a:endParaRPr kumimoji="1" lang="en-US" altLang="ja-JP"/>
-          </a:p>
-          <a:p>
-            <a:r>
-              <a:rPr kumimoji="1" lang="ja-JP" altLang="en-US"/>
-              <a:t>暗号化通信が始まるまで</a:t>
-            </a:r>
-            <a:r>
-              <a:rPr lang="en-US" altLang="ja-JP"/>
-              <a:t>1</a:t>
-            </a:r>
-            <a:r>
-              <a:rPr kumimoji="1" lang="ja-JP" altLang="en-US"/>
-              <a:t>回やりとり</a:t>
-            </a:r>
-          </a:p>
-          <a:p>
-            <a:pPr lvl="1"/>
-            <a:r>
-              <a:rPr kumimoji="1" lang="en-US" altLang="ja-JP"/>
-              <a:t>Application data</a:t>
-            </a:r>
-            <a:r>
-              <a:rPr kumimoji="1" lang="ja-JP" altLang="en-US"/>
-              <a:t>が送信されるまでの通信回数も</a:t>
-            </a:r>
-            <a:r>
-              <a:rPr kumimoji="1" lang="en-US" altLang="ja-JP"/>
-              <a:t>1</a:t>
-            </a:r>
-            <a:r>
-              <a:rPr kumimoji="1" lang="ja-JP" altLang="en-US"/>
-              <a:t>回減</a:t>
-            </a:r>
-            <a:endParaRPr kumimoji="1" lang="en-US" altLang="ja-JP"/>
-          </a:p>
-          <a:p>
-            <a:pPr lvl="1"/>
-            <a:r>
-              <a:rPr lang="en-US" altLang="ja-JP"/>
-              <a:t>(option) PKS</a:t>
-            </a:r>
-            <a:r>
-              <a:rPr lang="ja-JP" altLang="en-US"/>
-              <a:t>があれば</a:t>
-            </a:r>
-            <a:r>
-              <a:rPr lang="en-US" altLang="ja-JP"/>
-              <a:t>0-RTT</a:t>
-            </a:r>
-            <a:r>
-              <a:rPr lang="ja-JP" altLang="en-US"/>
-              <a:t>で暗号化通信が始まるモードも</a:t>
-            </a:r>
-            <a:endParaRPr kumimoji="1" lang="ja-JP" altLang="en-US"/>
-          </a:p>
-        </p:txBody>
-      </p:sp>
-      <p:sp>
-        <p:nvSpPr>
-          <p:cNvPr id="3" name="スライド番号プレースホルダー 2">
-            <a:extLst>
-              <a:ext uri="{FF2B5EF4-FFF2-40B4-BE49-F238E27FC236}">
-                <a16:creationId xmlns:a16="http://schemas.microsoft.com/office/drawing/2014/main" id="{6D34FCEC-557F-41C7-A171-493F1A3170B4}"/>
-              </a:ext>
-            </a:extLst>
-          </p:cNvPr>
-          <p:cNvSpPr>
-            <a:spLocks noGrp="1"/>
-          </p:cNvSpPr>
-          <p:nvPr>
-            <p:ph type="sldNum" sz="quarter" idx="12"/>
-          </p:nvPr>
-        </p:nvSpPr>
-        <p:spPr/>
-        <p:txBody>
-          <a:bodyPr/>
-          <a:lstStyle/>
-          <a:p>
-            <a:pPr>
-              <a:defRPr/>
-            </a:pPr>
-            <a:r>
-              <a:rPr lang="en-US" altLang="ja-JP"/>
-              <a:t>    </a:t>
-            </a:r>
-            <a:fld id="{B2782DEB-472A-4FE5-AC34-C17109CF5A91}" type="slidenum">
-              <a:rPr lang="en-US" altLang="ja-JP" smtClean="0"/>
-              <a:pPr>
-                <a:defRPr/>
-              </a:pPr>
-              <a:t>12</a:t>
-            </a:fld>
-            <a:r>
-              <a:rPr lang="en-US" altLang="ja-JP"/>
-              <a:t> / 24</a:t>
-            </a:r>
-          </a:p>
-        </p:txBody>
-      </p:sp>
-      <p:sp>
-        <p:nvSpPr>
-          <p:cNvPr id="4" name="タイトル 3">
-            <a:extLst>
-              <a:ext uri="{FF2B5EF4-FFF2-40B4-BE49-F238E27FC236}">
-                <a16:creationId xmlns:a16="http://schemas.microsoft.com/office/drawing/2014/main" id="{62D5F864-7914-47BB-AF07-6FB0C2B11959}"/>
-              </a:ext>
-            </a:extLst>
-          </p:cNvPr>
-          <p:cNvSpPr>
-            <a:spLocks noGrp="1"/>
-          </p:cNvSpPr>
-          <p:nvPr>
-            <p:ph type="title"/>
-          </p:nvPr>
-        </p:nvSpPr>
-        <p:spPr/>
-        <p:txBody>
-          <a:bodyPr/>
-          <a:lstStyle/>
-          <a:p>
-            <a:r>
-              <a:rPr kumimoji="1" lang="en-US" altLang="ja-JP"/>
-              <a:t>TLS 1.3</a:t>
-            </a:r>
-            <a:r>
-              <a:rPr kumimoji="1" lang="ja-JP" altLang="en-US"/>
-              <a:t>の通信プロトコル</a:t>
-            </a:r>
-            <a:r>
-              <a:rPr kumimoji="1" lang="en-US" altLang="ja-JP"/>
-              <a:t>(</a:t>
-            </a:r>
-            <a:r>
-              <a:rPr kumimoji="1" lang="ja-JP" altLang="en-US"/>
-              <a:t>再掲</a:t>
-            </a:r>
-            <a:r>
-              <a:rPr kumimoji="1" lang="en-US" altLang="ja-JP"/>
-              <a:t>)</a:t>
-            </a:r>
-            <a:endParaRPr kumimoji="1" lang="ja-JP" altLang="en-US"/>
-          </a:p>
-        </p:txBody>
-      </p:sp>
-      <p:pic>
-        <p:nvPicPr>
-          <p:cNvPr id="6" name="図 5">
-            <a:extLst>
-              <a:ext uri="{FF2B5EF4-FFF2-40B4-BE49-F238E27FC236}">
-                <a16:creationId xmlns:a16="http://schemas.microsoft.com/office/drawing/2014/main" id="{48D32876-D17C-4BE9-852B-90CB96B4CEF3}"/>
-              </a:ext>
-            </a:extLst>
-          </p:cNvPr>
-          <p:cNvPicPr>
-            <a:picLocks noChangeAspect="1"/>
-          </p:cNvPicPr>
-          <p:nvPr/>
-        </p:nvPicPr>
-        <p:blipFill>
-          <a:blip r:embed="rId2"/>
-          <a:stretch>
-            <a:fillRect/>
-          </a:stretch>
-        </p:blipFill>
-        <p:spPr>
-          <a:xfrm>
-            <a:off x="35496" y="692696"/>
-            <a:ext cx="7499210" cy="4242974"/>
-          </a:xfrm>
-          <a:prstGeom prst="rect">
-            <a:avLst/>
-          </a:prstGeom>
-        </p:spPr>
-      </p:pic>
-      <p:sp>
-        <p:nvSpPr>
-          <p:cNvPr id="7" name="テキスト ボックス 6">
-            <a:extLst>
-              <a:ext uri="{FF2B5EF4-FFF2-40B4-BE49-F238E27FC236}">
-                <a16:creationId xmlns:a16="http://schemas.microsoft.com/office/drawing/2014/main" id="{80F6EB2F-57C8-4084-9153-29E660D9C924}"/>
-              </a:ext>
-            </a:extLst>
-          </p:cNvPr>
-          <p:cNvSpPr txBox="1"/>
-          <p:nvPr/>
-        </p:nvSpPr>
-        <p:spPr>
-          <a:xfrm>
-            <a:off x="6112400" y="671984"/>
-            <a:ext cx="1455848" cy="369332"/>
-          </a:xfrm>
-          <a:prstGeom prst="rect">
-            <a:avLst/>
-          </a:prstGeom>
-          <a:noFill/>
-          <a:ln w="19050" cap="rnd">
-            <a:noFill/>
-          </a:ln>
-        </p:spPr>
-        <p:txBody>
-          <a:bodyPr wrap="none" rtlCol="0">
-            <a:spAutoFit/>
-          </a:bodyPr>
-          <a:lstStyle/>
-          <a:p>
-            <a:r>
-              <a:rPr kumimoji="1" lang="ja-JP" altLang="en-US">
-                <a:latin typeface="游ゴシック" panose="020B0400000000000000" pitchFamily="50" charset="-128"/>
-                <a:ea typeface="游ゴシック" panose="020B0400000000000000" pitchFamily="50" charset="-128"/>
-                <a:cs typeface="Courier New" pitchFamily="49" charset="0"/>
-              </a:rPr>
-              <a:t>暗認本</a:t>
-            </a:r>
-            <a:r>
-              <a:rPr kumimoji="1" lang="en-US" altLang="ja-JP">
-                <a:latin typeface="游ゴシック" panose="020B0400000000000000" pitchFamily="50" charset="-128"/>
-                <a:ea typeface="游ゴシック" panose="020B0400000000000000" pitchFamily="50" charset="-128"/>
-                <a:cs typeface="Courier New" pitchFamily="49" charset="0"/>
-              </a:rPr>
-              <a:t>p.218</a:t>
-            </a:r>
-            <a:endParaRPr kumimoji="1" lang="ja-JP" altLang="en-US">
-              <a:latin typeface="游ゴシック" panose="020B0400000000000000" pitchFamily="50" charset="-128"/>
-              <a:ea typeface="游ゴシック" panose="020B0400000000000000" pitchFamily="50" charset="-128"/>
-              <a:cs typeface="Courier New" pitchFamily="49" charset="0"/>
-            </a:endParaRPr>
-          </a:p>
-        </p:txBody>
-      </p:sp>
-      <p:sp>
-        <p:nvSpPr>
-          <p:cNvPr id="8" name="テキスト ボックス 7">
-            <a:extLst>
-              <a:ext uri="{FF2B5EF4-FFF2-40B4-BE49-F238E27FC236}">
-                <a16:creationId xmlns:a16="http://schemas.microsoft.com/office/drawing/2014/main" id="{92BEA17F-48BC-4A12-9B1A-DA8B7A3173A7}"/>
-              </a:ext>
-            </a:extLst>
-          </p:cNvPr>
-          <p:cNvSpPr txBox="1"/>
-          <p:nvPr/>
-        </p:nvSpPr>
-        <p:spPr>
-          <a:xfrm>
-            <a:off x="7438465" y="1340768"/>
-            <a:ext cx="1721946" cy="646331"/>
-          </a:xfrm>
-          <a:prstGeom prst="rect">
-            <a:avLst/>
-          </a:prstGeom>
-          <a:noFill/>
-          <a:ln w="19050" cap="rnd">
-            <a:noFill/>
-          </a:ln>
-        </p:spPr>
-        <p:txBody>
-          <a:bodyPr wrap="none" rtlCol="0">
-            <a:spAutoFit/>
-          </a:bodyPr>
-          <a:lstStyle/>
-          <a:p>
-            <a:r>
-              <a:rPr kumimoji="1" lang="en-US" altLang="ja-JP">
-                <a:latin typeface="游ゴシック" panose="020B0400000000000000" pitchFamily="50" charset="-128"/>
-                <a:ea typeface="游ゴシック" panose="020B0400000000000000" pitchFamily="50" charset="-128"/>
-                <a:cs typeface="Courier New" pitchFamily="49" charset="0"/>
-              </a:rPr>
-              <a:t>KS : DH</a:t>
-            </a:r>
-            <a:r>
-              <a:rPr kumimoji="1" lang="ja-JP" altLang="en-US">
-                <a:latin typeface="游ゴシック" panose="020B0400000000000000" pitchFamily="50" charset="-128"/>
-                <a:ea typeface="游ゴシック" panose="020B0400000000000000" pitchFamily="50" charset="-128"/>
-                <a:cs typeface="Courier New" pitchFamily="49" charset="0"/>
-              </a:rPr>
-              <a:t>鍵共有</a:t>
-            </a:r>
-            <a:br>
-              <a:rPr kumimoji="1" lang="en-US" altLang="ja-JP">
-                <a:latin typeface="游ゴシック" panose="020B0400000000000000" pitchFamily="50" charset="-128"/>
-                <a:ea typeface="游ゴシック" panose="020B0400000000000000" pitchFamily="50" charset="-128"/>
-                <a:cs typeface="Courier New" pitchFamily="49" charset="0"/>
-              </a:rPr>
-            </a:br>
-            <a:r>
-              <a:rPr kumimoji="1" lang="ja-JP" altLang="en-US">
-                <a:latin typeface="游ゴシック" panose="020B0400000000000000" pitchFamily="50" charset="-128"/>
-                <a:ea typeface="游ゴシック" panose="020B0400000000000000" pitchFamily="50" charset="-128"/>
-                <a:cs typeface="Courier New" pitchFamily="49" charset="0"/>
-              </a:rPr>
-              <a:t>のための情報</a:t>
-            </a:r>
-          </a:p>
-        </p:txBody>
-      </p:sp>
-      <p:sp>
-        <p:nvSpPr>
-          <p:cNvPr id="9" name="テキスト ボックス 8">
-            <a:extLst>
-              <a:ext uri="{FF2B5EF4-FFF2-40B4-BE49-F238E27FC236}">
-                <a16:creationId xmlns:a16="http://schemas.microsoft.com/office/drawing/2014/main" id="{C94A47BF-5965-4CE8-B3E1-CD7F69226EFC}"/>
-              </a:ext>
-            </a:extLst>
-          </p:cNvPr>
-          <p:cNvSpPr txBox="1"/>
-          <p:nvPr/>
-        </p:nvSpPr>
-        <p:spPr>
-          <a:xfrm>
-            <a:off x="7438465" y="1937418"/>
-            <a:ext cx="1531188" cy="646331"/>
-          </a:xfrm>
-          <a:prstGeom prst="rect">
-            <a:avLst/>
-          </a:prstGeom>
-          <a:noFill/>
-          <a:ln w="19050" cap="rnd">
-            <a:noFill/>
-          </a:ln>
-        </p:spPr>
-        <p:txBody>
-          <a:bodyPr wrap="none" rtlCol="0">
-            <a:spAutoFit/>
-          </a:bodyPr>
-          <a:lstStyle/>
-          <a:p>
-            <a:r>
-              <a:rPr kumimoji="1" lang="en-US" altLang="ja-JP">
-                <a:latin typeface="游ゴシック" panose="020B0400000000000000" pitchFamily="50" charset="-128"/>
-                <a:ea typeface="游ゴシック" panose="020B0400000000000000" pitchFamily="50" charset="-128"/>
-                <a:cs typeface="Courier New" pitchFamily="49" charset="0"/>
-              </a:rPr>
-              <a:t>PKS</a:t>
-            </a:r>
-            <a:r>
-              <a:rPr lang="ja-JP" altLang="en-US">
-                <a:latin typeface="游ゴシック" panose="020B0400000000000000" pitchFamily="50" charset="-128"/>
-                <a:ea typeface="游ゴシック" panose="020B0400000000000000" pitchFamily="50" charset="-128"/>
-                <a:cs typeface="Courier New" pitchFamily="49" charset="0"/>
-              </a:rPr>
-              <a:t> </a:t>
-            </a:r>
-            <a:r>
-              <a:rPr lang="en-US" altLang="ja-JP">
-                <a:latin typeface="游ゴシック" panose="020B0400000000000000" pitchFamily="50" charset="-128"/>
-                <a:ea typeface="游ゴシック" panose="020B0400000000000000" pitchFamily="50" charset="-128"/>
-                <a:cs typeface="Courier New" pitchFamily="49" charset="0"/>
-              </a:rPr>
-              <a:t>:</a:t>
-            </a:r>
-            <a:r>
-              <a:rPr lang="ja-JP" altLang="en-US">
-                <a:latin typeface="游ゴシック" panose="020B0400000000000000" pitchFamily="50" charset="-128"/>
-                <a:ea typeface="游ゴシック" panose="020B0400000000000000" pitchFamily="50" charset="-128"/>
-                <a:cs typeface="Courier New" pitchFamily="49" charset="0"/>
-              </a:rPr>
-              <a:t> </a:t>
-            </a:r>
-            <a:r>
-              <a:rPr kumimoji="1" lang="ja-JP" altLang="en-US">
-                <a:latin typeface="游ゴシック" panose="020B0400000000000000" pitchFamily="50" charset="-128"/>
-                <a:ea typeface="游ゴシック" panose="020B0400000000000000" pitchFamily="50" charset="-128"/>
-                <a:cs typeface="Courier New" pitchFamily="49" charset="0"/>
-              </a:rPr>
-              <a:t>事前鍵</a:t>
-            </a:r>
-            <a:endParaRPr kumimoji="1" lang="en-US" altLang="ja-JP">
-              <a:latin typeface="游ゴシック" panose="020B0400000000000000" pitchFamily="50" charset="-128"/>
-              <a:ea typeface="游ゴシック" panose="020B0400000000000000" pitchFamily="50" charset="-128"/>
-              <a:cs typeface="Courier New" pitchFamily="49" charset="0"/>
-            </a:endParaRPr>
-          </a:p>
-          <a:p>
-            <a:r>
-              <a:rPr kumimoji="1" lang="ja-JP" altLang="en-US">
-                <a:latin typeface="游ゴシック" panose="020B0400000000000000" pitchFamily="50" charset="-128"/>
-                <a:ea typeface="游ゴシック" panose="020B0400000000000000" pitchFamily="50" charset="-128"/>
-                <a:cs typeface="Courier New" pitchFamily="49" charset="0"/>
-              </a:rPr>
-              <a:t>共有情報</a:t>
-            </a:r>
-          </a:p>
-        </p:txBody>
-      </p:sp>
-      <p:sp>
-        <p:nvSpPr>
-          <p:cNvPr id="10" name="テキスト ボックス 9">
-            <a:extLst>
-              <a:ext uri="{FF2B5EF4-FFF2-40B4-BE49-F238E27FC236}">
-                <a16:creationId xmlns:a16="http://schemas.microsoft.com/office/drawing/2014/main" id="{116A76C4-F321-400B-9F9D-776CE425A2EB}"/>
-              </a:ext>
-            </a:extLst>
-          </p:cNvPr>
-          <p:cNvSpPr txBox="1"/>
-          <p:nvPr/>
-        </p:nvSpPr>
-        <p:spPr>
-          <a:xfrm>
-            <a:off x="7506984" y="2534068"/>
-            <a:ext cx="1569660" cy="646331"/>
-          </a:xfrm>
-          <a:prstGeom prst="rect">
-            <a:avLst/>
-          </a:prstGeom>
-          <a:noFill/>
-          <a:ln w="19050" cap="rnd">
-            <a:noFill/>
-          </a:ln>
-        </p:spPr>
-        <p:txBody>
-          <a:bodyPr wrap="none" rtlCol="0">
-            <a:spAutoFit/>
-          </a:bodyPr>
-          <a:lstStyle/>
-          <a:p>
-            <a:r>
-              <a:rPr kumimoji="1" lang="ja-JP" altLang="en-US">
-                <a:latin typeface="游ゴシック" panose="020B0400000000000000" pitchFamily="50" charset="-128"/>
-                <a:ea typeface="游ゴシック" panose="020B0400000000000000" pitchFamily="50" charset="-128"/>
-                <a:cs typeface="Courier New" pitchFamily="49" charset="0"/>
-              </a:rPr>
-              <a:t>ここから</a:t>
-            </a:r>
-            <a:endParaRPr kumimoji="1" lang="en-US" altLang="ja-JP">
-              <a:latin typeface="游ゴシック" panose="020B0400000000000000" pitchFamily="50" charset="-128"/>
-              <a:ea typeface="游ゴシック" panose="020B0400000000000000" pitchFamily="50" charset="-128"/>
-              <a:cs typeface="Courier New" pitchFamily="49" charset="0"/>
-            </a:endParaRPr>
-          </a:p>
-          <a:p>
-            <a:r>
-              <a:rPr kumimoji="1" lang="ja-JP" altLang="en-US">
-                <a:latin typeface="游ゴシック" panose="020B0400000000000000" pitchFamily="50" charset="-128"/>
-                <a:ea typeface="游ゴシック" panose="020B0400000000000000" pitchFamily="50" charset="-128"/>
-                <a:cs typeface="Courier New" pitchFamily="49" charset="0"/>
-              </a:rPr>
-              <a:t>暗号化始まる</a:t>
-            </a:r>
-          </a:p>
-        </p:txBody>
-      </p:sp>
-    </p:spTree>
-    <p:extLst>
-      <p:ext uri="{BB962C8B-B14F-4D97-AF65-F5344CB8AC3E}">
-        <p14:creationId xmlns:p14="http://schemas.microsoft.com/office/powerpoint/2010/main" val="790664289"/>
       </p:ext>
     </p:extLst>
   </p:cSld>
@@ -4541,6 +4546,709 @@
           <p:cNvPr id="2" name="コンテンツ プレースホルダー 1">
             <a:extLst>
               <a:ext uri="{FF2B5EF4-FFF2-40B4-BE49-F238E27FC236}">
+                <a16:creationId xmlns:a16="http://schemas.microsoft.com/office/drawing/2014/main" id="{3C81F69C-EDBB-491D-89C9-8AB10738954A}"/>
+              </a:ext>
+            </a:extLst>
+          </p:cNvPr>
+          <p:cNvSpPr>
+            <a:spLocks noGrp="1"/>
+          </p:cNvSpPr>
+          <p:nvPr>
+            <p:ph idx="1"/>
+          </p:nvPr>
+        </p:nvSpPr>
+        <p:spPr/>
+        <p:txBody>
+          <a:bodyPr/>
+          <a:lstStyle/>
+          <a:p>
+            <a:r>
+              <a:rPr kumimoji="1" lang="ja-JP" altLang="en-US"/>
+              <a:t>画像のエッジ検出</a:t>
+            </a:r>
+            <a:r>
+              <a:rPr kumimoji="1" lang="en-US" altLang="ja-JP"/>
+              <a:t>(AHE)</a:t>
+            </a:r>
+          </a:p>
+          <a:p>
+            <a:pPr lvl="1"/>
+            <a:r>
+              <a:rPr kumimoji="1" lang="ja-JP" altLang="en-US"/>
+              <a:t>クライアントで撮った</a:t>
+            </a:r>
+            <a:r>
+              <a:rPr kumimoji="1" lang="en-US" altLang="ja-JP"/>
+              <a:t>2</a:t>
+            </a:r>
+            <a:r>
+              <a:rPr kumimoji="1" lang="ja-JP" altLang="en-US"/>
+              <a:t>値画像を暗号化してサーバに送信</a:t>
+            </a:r>
+            <a:endParaRPr kumimoji="1" lang="en-US" altLang="ja-JP"/>
+          </a:p>
+          <a:p>
+            <a:pPr lvl="1"/>
+            <a:r>
+              <a:rPr kumimoji="1" lang="ja-JP" altLang="en-US"/>
+              <a:t>サーバでエッジ強調処理をしてクライアントに渡して復号</a:t>
+            </a:r>
+            <a:endParaRPr kumimoji="1" lang="en-US" altLang="ja-JP"/>
+          </a:p>
+          <a:p>
+            <a:pPr lvl="1"/>
+            <a:r>
+              <a:rPr lang="en-US" altLang="ja-JP">
+                <a:hlinkClick r:id="rId3"/>
+              </a:rPr>
+              <a:t>https://github.com/herumi/ahe-demo</a:t>
+            </a:r>
+            <a:endParaRPr lang="en-US" altLang="ja-JP"/>
+          </a:p>
+          <a:p>
+            <a:r>
+              <a:rPr kumimoji="1" lang="ja-JP" altLang="en-US"/>
+              <a:t>クロス集計</a:t>
+            </a:r>
+            <a:r>
+              <a:rPr kumimoji="1" lang="en-US" altLang="ja-JP"/>
+              <a:t>(WebAssembly</a:t>
+            </a:r>
+            <a:r>
+              <a:rPr kumimoji="1" lang="ja-JP" altLang="en-US"/>
+              <a:t>で実装</a:t>
+            </a:r>
+            <a:r>
+              <a:rPr kumimoji="1" lang="en-US" altLang="ja-JP"/>
+              <a:t>)</a:t>
+            </a:r>
+          </a:p>
+          <a:p>
+            <a:pPr lvl="1"/>
+            <a:r>
+              <a:rPr kumimoji="1" lang="en-US" altLang="ja-JP">
+                <a:hlinkClick r:id="rId4"/>
+              </a:rPr>
+              <a:t>https://herumi.github.io/she-wasm/</a:t>
+            </a:r>
+            <a:endParaRPr kumimoji="1" lang="en-US" altLang="ja-JP"/>
+          </a:p>
+          <a:p>
+            <a:endParaRPr lang="en-US" altLang="ja-JP"/>
+          </a:p>
+          <a:p>
+            <a:pPr lvl="1"/>
+            <a:endParaRPr kumimoji="1" lang="ja-JP" altLang="en-US"/>
+          </a:p>
+        </p:txBody>
+      </p:sp>
+      <p:sp>
+        <p:nvSpPr>
+          <p:cNvPr id="3" name="スライド番号プレースホルダー 2">
+            <a:extLst>
+              <a:ext uri="{FF2B5EF4-FFF2-40B4-BE49-F238E27FC236}">
+                <a16:creationId xmlns:a16="http://schemas.microsoft.com/office/drawing/2014/main" id="{D383FC0C-4742-444D-9B65-9A9F0472EB3F}"/>
+              </a:ext>
+            </a:extLst>
+          </p:cNvPr>
+          <p:cNvSpPr>
+            <a:spLocks noGrp="1"/>
+          </p:cNvSpPr>
+          <p:nvPr>
+            <p:ph type="sldNum" sz="quarter" idx="12"/>
+          </p:nvPr>
+        </p:nvSpPr>
+        <p:spPr/>
+        <p:txBody>
+          <a:bodyPr/>
+          <a:lstStyle/>
+          <a:p>
+            <a:pPr>
+              <a:defRPr/>
+            </a:pPr>
+            <a:r>
+              <a:rPr lang="en-US" altLang="ja-JP"/>
+              <a:t>    </a:t>
+            </a:r>
+            <a:fld id="{B2782DEB-472A-4FE5-AC34-C17109CF5A91}" type="slidenum">
+              <a:rPr lang="en-US" altLang="ja-JP" smtClean="0"/>
+              <a:pPr>
+                <a:defRPr/>
+              </a:pPr>
+              <a:t>3</a:t>
+            </a:fld>
+            <a:r>
+              <a:rPr lang="en-US" altLang="ja-JP"/>
+              <a:t> / 24</a:t>
+            </a:r>
+          </a:p>
+        </p:txBody>
+      </p:sp>
+      <p:sp>
+        <p:nvSpPr>
+          <p:cNvPr id="4" name="タイトル 3">
+            <a:extLst>
+              <a:ext uri="{FF2B5EF4-FFF2-40B4-BE49-F238E27FC236}">
+                <a16:creationId xmlns:a16="http://schemas.microsoft.com/office/drawing/2014/main" id="{84236792-01A2-4393-A0EA-725B37BB31C3}"/>
+              </a:ext>
+            </a:extLst>
+          </p:cNvPr>
+          <p:cNvSpPr>
+            <a:spLocks noGrp="1"/>
+          </p:cNvSpPr>
+          <p:nvPr>
+            <p:ph type="title"/>
+          </p:nvPr>
+        </p:nvSpPr>
+        <p:spPr/>
+        <p:txBody>
+          <a:bodyPr/>
+          <a:lstStyle/>
+          <a:p>
+            <a:r>
+              <a:rPr kumimoji="1" lang="ja-JP" altLang="en-US"/>
+              <a:t>デモ</a:t>
+            </a:r>
+          </a:p>
+        </p:txBody>
+      </p:sp>
+      <p:pic>
+        <p:nvPicPr>
+          <p:cNvPr id="6" name="図 5">
+            <a:extLst>
+              <a:ext uri="{FF2B5EF4-FFF2-40B4-BE49-F238E27FC236}">
+                <a16:creationId xmlns:a16="http://schemas.microsoft.com/office/drawing/2014/main" id="{1AA4DE7A-A53E-4187-AF0A-91953F9EE8F3}"/>
+              </a:ext>
+            </a:extLst>
+          </p:cNvPr>
+          <p:cNvPicPr>
+            <a:picLocks noChangeAspect="1"/>
+          </p:cNvPicPr>
+          <p:nvPr/>
+        </p:nvPicPr>
+        <p:blipFill>
+          <a:blip r:embed="rId5">
+            <a:extLst>
+              <a:ext uri="{28A0092B-C50C-407E-A947-70E740481C1C}">
+                <a14:useLocalDpi xmlns:a14="http://schemas.microsoft.com/office/drawing/2010/main" val="0"/>
+              </a:ext>
+            </a:extLst>
+          </a:blip>
+          <a:stretch>
+            <a:fillRect/>
+          </a:stretch>
+        </p:blipFill>
+        <p:spPr>
+          <a:xfrm>
+            <a:off x="971600" y="3598164"/>
+            <a:ext cx="5688632" cy="3150079"/>
+          </a:xfrm>
+          <a:prstGeom prst="rect">
+            <a:avLst/>
+          </a:prstGeom>
+        </p:spPr>
+      </p:pic>
+    </p:spTree>
+    <p:extLst>
+      <p:ext uri="{BB962C8B-B14F-4D97-AF65-F5344CB8AC3E}">
+        <p14:creationId xmlns:p14="http://schemas.microsoft.com/office/powerpoint/2010/main" val="1193188017"/>
+      </p:ext>
+    </p:extLst>
+  </p:cSld>
+  <p:clrMapOvr>
+    <a:masterClrMapping/>
+  </p:clrMapOvr>
+</p:sld>
+</file>
+
+<file path=ppt/slides/slide4.xml><?xml version="1.0" encoding="utf-8"?>
+<p:sld xmlns:a="http://schemas.openxmlformats.org/drawingml/2006/main" xmlns:r="http://schemas.openxmlformats.org/officeDocument/2006/relationships" xmlns:p="http://schemas.openxmlformats.org/presentationml/2006/main">
+  <p:cSld>
+    <p:spTree>
+      <p:nvGrpSpPr>
+        <p:cNvPr id="1" name=""/>
+        <p:cNvGrpSpPr/>
+        <p:nvPr/>
+      </p:nvGrpSpPr>
+      <p:grpSpPr>
+        <a:xfrm>
+          <a:off x="0" y="0"/>
+          <a:ext cx="0" cy="0"/>
+          <a:chOff x="0" y="0"/>
+          <a:chExt cx="0" cy="0"/>
+        </a:xfrm>
+      </p:grpSpPr>
+      <mc:AlternateContent xmlns:mc="http://schemas.openxmlformats.org/markup-compatibility/2006">
+        <mc:Choice xmlns:a14="http://schemas.microsoft.com/office/drawing/2010/main" Requires="a14">
+          <p:sp>
+            <p:nvSpPr>
+              <p:cNvPr id="2" name="コンテンツ プレースホルダー 1">
+                <a:extLst>
+                  <a:ext uri="{FF2B5EF4-FFF2-40B4-BE49-F238E27FC236}">
+                    <a16:creationId xmlns:a16="http://schemas.microsoft.com/office/drawing/2014/main" id="{3C81F69C-EDBB-491D-89C9-8AB10738954A}"/>
+                  </a:ext>
+                </a:extLst>
+              </p:cNvPr>
+              <p:cNvSpPr>
+                <a:spLocks noGrp="1"/>
+              </p:cNvSpPr>
+              <p:nvPr>
+                <p:ph idx="1"/>
+              </p:nvPr>
+            </p:nvSpPr>
+            <p:spPr/>
+            <p:txBody>
+              <a:bodyPr/>
+              <a:lstStyle/>
+              <a:p>
+                <a:r>
+                  <a:rPr lang="ja-JP" altLang="en-US"/>
+                  <a:t>紛失通信</a:t>
+                </a:r>
+                <a:r>
+                  <a:rPr lang="en-US" altLang="ja-JP"/>
+                  <a:t>OT(Oblivious Transfer)</a:t>
+                </a:r>
+              </a:p>
+              <a:p>
+                <a:pPr lvl="1"/>
+                <a:r>
+                  <a:rPr lang="en-US" altLang="ja-JP">
+                    <a:hlinkClick r:id="rId3"/>
+                  </a:rPr>
+                  <a:t>https://ppdm.jp/ot/</a:t>
+                </a:r>
+                <a:endParaRPr lang="en-US" altLang="ja-JP"/>
+              </a:p>
+              <a:p>
+                <a:pPr lvl="1"/>
+                <a:r>
+                  <a:rPr lang="ja-JP" altLang="en-US"/>
+                  <a:t>円周率の</a:t>
+                </a:r>
+                <a:r>
+                  <a:rPr lang="en-US" altLang="ja-JP"/>
+                  <a:t>N</a:t>
+                </a:r>
+                <a:r>
+                  <a:rPr lang="ja-JP" altLang="en-US"/>
+                  <a:t>桁</a:t>
+                </a:r>
+                <a:r>
+                  <a:rPr lang="en-US" altLang="ja-JP"/>
+                  <a:t>(1&lt;N&lt;100</a:t>
+                </a:r>
+                <a:r>
+                  <a:rPr lang="ja-JP" altLang="en-US"/>
+                  <a:t>万</a:t>
+                </a:r>
+                <a:r>
+                  <a:rPr lang="en-US" altLang="ja-JP"/>
+                  <a:t>)</a:t>
+                </a:r>
+                <a:r>
+                  <a:rPr lang="ja-JP" altLang="en-US"/>
+                  <a:t>を</a:t>
+                </a:r>
+                <a:r>
+                  <a:rPr lang="en-US" altLang="ja-JP"/>
+                  <a:t>N</a:t>
+                </a:r>
+                <a:r>
+                  <a:rPr lang="ja-JP" altLang="en-US"/>
+                  <a:t>を隠して問い合わせる</a:t>
+                </a:r>
+                <a:endParaRPr lang="en-US" altLang="ja-JP"/>
+              </a:p>
+              <a:p>
+                <a:pPr lvl="2"/>
+                <a:r>
+                  <a:rPr lang="en-US" altLang="ja-JP"/>
+                  <a:t>https://ppdm.jp/ot/</a:t>
+                </a:r>
+              </a:p>
+              <a:p>
+                <a:pPr lvl="1"/>
+                <a:r>
+                  <a:rPr lang="ja-JP" altLang="en-US"/>
+                  <a:t>クライアント</a:t>
+                </a:r>
+                <a14:m>
+                  <m:oMath xmlns:m="http://schemas.openxmlformats.org/officeDocument/2006/math">
+                    <m:r>
+                      <a:rPr lang="en-US" altLang="ja-JP" b="0" i="1" smtClean="0">
+                        <a:latin typeface="Cambria Math" panose="02040503050406030204" pitchFamily="18" charset="0"/>
+                      </a:rPr>
+                      <m:t>𝐸𝑛𝑐</m:t>
+                    </m:r>
+                    <m:r>
+                      <a:rPr lang="en-US" altLang="ja-JP" b="0" i="1" smtClean="0">
+                        <a:latin typeface="Cambria Math" panose="02040503050406030204" pitchFamily="18" charset="0"/>
+                      </a:rPr>
+                      <m:t>(</m:t>
+                    </m:r>
+                    <m:r>
+                      <a:rPr lang="en-US" altLang="ja-JP" b="0" i="1" smtClean="0">
+                        <a:latin typeface="Cambria Math" panose="02040503050406030204" pitchFamily="18" charset="0"/>
+                      </a:rPr>
+                      <m:t>𝑚</m:t>
+                    </m:r>
+                    <m:r>
+                      <a:rPr lang="en-US" altLang="ja-JP" b="0" i="1" smtClean="0">
+                        <a:latin typeface="Cambria Math" panose="02040503050406030204" pitchFamily="18" charset="0"/>
+                      </a:rPr>
+                      <m:t>)</m:t>
+                    </m:r>
+                  </m:oMath>
+                </a14:m>
+                <a:endParaRPr lang="en-US" altLang="ja-JP"/>
+              </a:p>
+              <a:p>
+                <a:pPr lvl="1"/>
+                <a:r>
+                  <a:rPr lang="ja-JP" altLang="en-US"/>
+                  <a:t>サーバ</a:t>
+                </a:r>
+                <a14:m>
+                  <m:oMath xmlns:m="http://schemas.openxmlformats.org/officeDocument/2006/math">
+                    <m:r>
+                      <a:rPr lang="en-US" altLang="ja-JP" b="0" i="1" smtClean="0">
+                        <a:latin typeface="Cambria Math" panose="02040503050406030204" pitchFamily="18" charset="0"/>
+                      </a:rPr>
+                      <m:t>𝑇𝑎𝑏𝑙𝑒</m:t>
+                    </m:r>
+                    <m:d>
+                      <m:dPr>
+                        <m:begChr m:val="["/>
+                        <m:endChr m:val="]"/>
+                        <m:ctrlPr>
+                          <a:rPr lang="en-US" altLang="ja-JP" b="0" i="1" smtClean="0">
+                            <a:latin typeface="Cambria Math" panose="02040503050406030204" pitchFamily="18" charset="0"/>
+                          </a:rPr>
+                        </m:ctrlPr>
+                      </m:dPr>
+                      <m:e>
+                        <m:r>
+                          <a:rPr lang="en-US" altLang="ja-JP" b="0" i="1" smtClean="0">
+                            <a:latin typeface="Cambria Math" panose="02040503050406030204" pitchFamily="18" charset="0"/>
+                          </a:rPr>
+                          <m:t>𝐸𝑛𝑐</m:t>
+                        </m:r>
+                        <m:d>
+                          <m:dPr>
+                            <m:ctrlPr>
+                              <a:rPr lang="en-US" altLang="ja-JP" b="0" i="1" smtClean="0">
+                                <a:latin typeface="Cambria Math" panose="02040503050406030204" pitchFamily="18" charset="0"/>
+                              </a:rPr>
+                            </m:ctrlPr>
+                          </m:dPr>
+                          <m:e>
+                            <m:r>
+                              <a:rPr lang="en-US" altLang="ja-JP" b="0" i="1" smtClean="0">
+                                <a:latin typeface="Cambria Math" panose="02040503050406030204" pitchFamily="18" charset="0"/>
+                              </a:rPr>
+                              <m:t>𝑚</m:t>
+                            </m:r>
+                          </m:e>
+                        </m:d>
+                      </m:e>
+                    </m:d>
+                    <m:r>
+                      <a:rPr lang="en-US" altLang="ja-JP" b="0" i="1" smtClean="0">
+                        <a:latin typeface="Cambria Math" panose="02040503050406030204" pitchFamily="18" charset="0"/>
+                      </a:rPr>
+                      <m:t>=</m:t>
+                    </m:r>
+                    <m:r>
+                      <a:rPr lang="en-US" altLang="ja-JP" b="0" i="1" smtClean="0">
+                        <a:latin typeface="Cambria Math" panose="02040503050406030204" pitchFamily="18" charset="0"/>
+                      </a:rPr>
+                      <m:t>𝐸𝑛𝑐</m:t>
+                    </m:r>
+                    <m:r>
+                      <a:rPr lang="en-US" altLang="ja-JP" b="0" i="1" smtClean="0">
+                        <a:latin typeface="Cambria Math" panose="02040503050406030204" pitchFamily="18" charset="0"/>
+                      </a:rPr>
+                      <m:t>[</m:t>
+                    </m:r>
+                    <m:r>
+                      <a:rPr lang="en-US" altLang="ja-JP" b="0" i="1" smtClean="0">
+                        <a:latin typeface="Cambria Math" panose="02040503050406030204" pitchFamily="18" charset="0"/>
+                      </a:rPr>
+                      <m:t>𝑇𝑎𝑏𝑙𝑒</m:t>
+                    </m:r>
+                    <m:d>
+                      <m:dPr>
+                        <m:ctrlPr>
+                          <a:rPr lang="en-US" altLang="ja-JP" b="0" i="1" smtClean="0">
+                            <a:latin typeface="Cambria Math" panose="02040503050406030204" pitchFamily="18" charset="0"/>
+                          </a:rPr>
+                        </m:ctrlPr>
+                      </m:dPr>
+                      <m:e>
+                        <m:r>
+                          <a:rPr lang="en-US" altLang="ja-JP" b="0" i="1" smtClean="0">
+                            <a:latin typeface="Cambria Math" panose="02040503050406030204" pitchFamily="18" charset="0"/>
+                          </a:rPr>
+                          <m:t>𝑚</m:t>
+                        </m:r>
+                      </m:e>
+                    </m:d>
+                    <m:r>
+                      <a:rPr lang="en-US" altLang="ja-JP" b="0" i="1" smtClean="0">
+                        <a:latin typeface="Cambria Math" panose="02040503050406030204" pitchFamily="18" charset="0"/>
+                      </a:rPr>
+                      <m:t>]</m:t>
+                    </m:r>
+                  </m:oMath>
+                </a14:m>
+                <a:r>
+                  <a:rPr lang="ja-JP" altLang="en-US"/>
+                  <a:t>を返す</a:t>
+                </a:r>
+                <a:endParaRPr lang="en-US" altLang="ja-JP"/>
+              </a:p>
+              <a:p>
+                <a:endParaRPr lang="en-US" altLang="ja-JP"/>
+              </a:p>
+              <a:p>
+                <a:endParaRPr lang="en-US" altLang="ja-JP"/>
+              </a:p>
+              <a:p>
+                <a:r>
+                  <a:rPr lang="en-US" altLang="ja-JP"/>
+                  <a:t>FHE</a:t>
+                </a:r>
+                <a:r>
+                  <a:rPr lang="ja-JP" altLang="en-US"/>
+                  <a:t>の例</a:t>
+                </a:r>
+                <a:r>
+                  <a:rPr lang="en-US" altLang="ja-JP"/>
+                  <a:t>(</a:t>
+                </a:r>
+                <a:r>
+                  <a:rPr lang="ja-JP" altLang="en-US"/>
+                  <a:t>京都大学の松岡</a:t>
+                </a:r>
+                <a:r>
+                  <a:rPr lang="en-US" altLang="ja-JP"/>
+                  <a:t>-</a:t>
+                </a:r>
+                <a:r>
+                  <a:rPr lang="ja-JP" altLang="en-US"/>
+                  <a:t>伴野</a:t>
+                </a:r>
+                <a:r>
+                  <a:rPr lang="en-US" altLang="ja-JP"/>
+                  <a:t>-</a:t>
+                </a:r>
+                <a:r>
+                  <a:rPr lang="ja-JP" altLang="en-US"/>
+                  <a:t>松本さん</a:t>
+                </a:r>
+                <a:r>
+                  <a:rPr lang="en-US" altLang="ja-JP"/>
+                  <a:t>)</a:t>
+                </a:r>
+              </a:p>
+              <a:p>
+                <a:pPr lvl="1"/>
+                <a:r>
+                  <a:rPr lang="en-US" altLang="ja-JP"/>
+                  <a:t>FHE</a:t>
+                </a:r>
+                <a:r>
+                  <a:rPr lang="ja-JP" altLang="en-US"/>
+                  <a:t>を使って動作する</a:t>
+                </a:r>
+                <a:r>
+                  <a:rPr lang="en-US" altLang="ja-JP"/>
+                  <a:t>CPU</a:t>
+                </a:r>
+                <a:r>
+                  <a:rPr lang="ja-JP" altLang="en-US"/>
+                  <a:t>と</a:t>
+                </a:r>
+                <a:r>
+                  <a:rPr lang="en-US" altLang="ja-JP"/>
+                  <a:t>C</a:t>
+                </a:r>
+                <a:r>
+                  <a:rPr lang="ja-JP" altLang="en-US"/>
+                  <a:t>コンパイラ開発セット</a:t>
+                </a:r>
+                <a:endParaRPr lang="en-US" altLang="ja-JP"/>
+              </a:p>
+              <a:p>
+                <a:pPr lvl="1"/>
+                <a:r>
+                  <a:rPr lang="en-US" altLang="ja-JP">
+                    <a:hlinkClick r:id="rId4"/>
+                  </a:rPr>
+                  <a:t>https://virtualsecureplatform.github.io/</a:t>
+                </a:r>
+                <a:endParaRPr lang="en-US" altLang="ja-JP"/>
+              </a:p>
+              <a:p>
+                <a:endParaRPr lang="en-US" altLang="ja-JP"/>
+              </a:p>
+              <a:p>
+                <a:pPr lvl="1"/>
+                <a:endParaRPr kumimoji="1" lang="ja-JP" altLang="en-US"/>
+              </a:p>
+            </p:txBody>
+          </p:sp>
+        </mc:Choice>
+        <mc:Fallback>
+          <p:sp>
+            <p:nvSpPr>
+              <p:cNvPr id="2" name="コンテンツ プレースホルダー 1">
+                <a:extLst>
+                  <a:ext uri="{FF2B5EF4-FFF2-40B4-BE49-F238E27FC236}">
+                    <a16:creationId xmlns:a16="http://schemas.microsoft.com/office/drawing/2014/main" id="{3C81F69C-EDBB-491D-89C9-8AB10738954A}"/>
+                  </a:ext>
+                </a:extLst>
+              </p:cNvPr>
+              <p:cNvSpPr>
+                <a:spLocks noGrp="1" noRot="1" noChangeAspect="1" noMove="1" noResize="1" noEditPoints="1" noAdjustHandles="1" noChangeArrowheads="1" noChangeShapeType="1" noTextEdit="1"/>
+              </p:cNvSpPr>
+              <p:nvPr>
+                <p:ph idx="1"/>
+              </p:nvPr>
+            </p:nvSpPr>
+            <p:spPr>
+              <a:blipFill>
+                <a:blip r:embed="rId5"/>
+                <a:stretch>
+                  <a:fillRect l="-1200" t="-1454"/>
+                </a:stretch>
+              </a:blipFill>
+            </p:spPr>
+            <p:txBody>
+              <a:bodyPr/>
+              <a:lstStyle/>
+              <a:p>
+                <a:r>
+                  <a:rPr lang="ja-JP" altLang="en-US">
+                    <a:noFill/>
+                  </a:rPr>
+                  <a:t> </a:t>
+                </a:r>
+              </a:p>
+            </p:txBody>
+          </p:sp>
+        </mc:Fallback>
+      </mc:AlternateContent>
+      <p:sp>
+        <p:nvSpPr>
+          <p:cNvPr id="3" name="スライド番号プレースホルダー 2">
+            <a:extLst>
+              <a:ext uri="{FF2B5EF4-FFF2-40B4-BE49-F238E27FC236}">
+                <a16:creationId xmlns:a16="http://schemas.microsoft.com/office/drawing/2014/main" id="{D383FC0C-4742-444D-9B65-9A9F0472EB3F}"/>
+              </a:ext>
+            </a:extLst>
+          </p:cNvPr>
+          <p:cNvSpPr>
+            <a:spLocks noGrp="1"/>
+          </p:cNvSpPr>
+          <p:nvPr>
+            <p:ph type="sldNum" sz="quarter" idx="12"/>
+          </p:nvPr>
+        </p:nvSpPr>
+        <p:spPr/>
+        <p:txBody>
+          <a:bodyPr/>
+          <a:lstStyle/>
+          <a:p>
+            <a:pPr>
+              <a:defRPr/>
+            </a:pPr>
+            <a:r>
+              <a:rPr lang="en-US" altLang="ja-JP"/>
+              <a:t>    </a:t>
+            </a:r>
+            <a:fld id="{B2782DEB-472A-4FE5-AC34-C17109CF5A91}" type="slidenum">
+              <a:rPr lang="en-US" altLang="ja-JP" smtClean="0"/>
+              <a:pPr>
+                <a:defRPr/>
+              </a:pPr>
+              <a:t>4</a:t>
+            </a:fld>
+            <a:r>
+              <a:rPr lang="en-US" altLang="ja-JP"/>
+              <a:t> / 24</a:t>
+            </a:r>
+          </a:p>
+        </p:txBody>
+      </p:sp>
+      <p:sp>
+        <p:nvSpPr>
+          <p:cNvPr id="4" name="タイトル 3">
+            <a:extLst>
+              <a:ext uri="{FF2B5EF4-FFF2-40B4-BE49-F238E27FC236}">
+                <a16:creationId xmlns:a16="http://schemas.microsoft.com/office/drawing/2014/main" id="{84236792-01A2-4393-A0EA-725B37BB31C3}"/>
+              </a:ext>
+            </a:extLst>
+          </p:cNvPr>
+          <p:cNvSpPr>
+            <a:spLocks noGrp="1"/>
+          </p:cNvSpPr>
+          <p:nvPr>
+            <p:ph type="title"/>
+          </p:nvPr>
+        </p:nvSpPr>
+        <p:spPr/>
+        <p:txBody>
+          <a:bodyPr/>
+          <a:lstStyle/>
+          <a:p>
+            <a:r>
+              <a:rPr lang="en-US" altLang="ja-JP"/>
+              <a:t>L2HE, FHE</a:t>
+            </a:r>
+            <a:r>
+              <a:rPr kumimoji="1" lang="ja-JP" altLang="en-US"/>
+              <a:t>を使ったデモ</a:t>
+            </a:r>
+          </a:p>
+        </p:txBody>
+      </p:sp>
+    </p:spTree>
+    <p:extLst>
+      <p:ext uri="{BB962C8B-B14F-4D97-AF65-F5344CB8AC3E}">
+        <p14:creationId xmlns:p14="http://schemas.microsoft.com/office/powerpoint/2010/main" val="160386558"/>
+      </p:ext>
+    </p:extLst>
+  </p:cSld>
+  <p:clrMapOvr>
+    <a:masterClrMapping/>
+  </p:clrMapOvr>
+</p:sld>
+</file>
+
+<file path=ppt/slides/slide5.xml><?xml version="1.0" encoding="utf-8"?>
+<p:sld xmlns:a="http://schemas.openxmlformats.org/drawingml/2006/main" xmlns:r="http://schemas.openxmlformats.org/officeDocument/2006/relationships" xmlns:p="http://schemas.openxmlformats.org/presentationml/2006/main">
+  <p:cSld>
+    <p:spTree>
+      <p:nvGrpSpPr>
+        <p:cNvPr id="1" name=""/>
+        <p:cNvGrpSpPr/>
+        <p:nvPr/>
+      </p:nvGrpSpPr>
+      <p:grpSpPr>
+        <a:xfrm>
+          <a:off x="0" y="0"/>
+          <a:ext cx="0" cy="0"/>
+          <a:chOff x="0" y="0"/>
+          <a:chExt cx="0" cy="0"/>
+        </a:xfrm>
+      </p:grpSpPr>
+      <p:sp>
+        <p:nvSpPr>
+          <p:cNvPr id="2" name="コンテンツ プレースホルダー 1">
+            <a:extLst>
+              <a:ext uri="{FF2B5EF4-FFF2-40B4-BE49-F238E27FC236}">
                 <a16:creationId xmlns:a16="http://schemas.microsoft.com/office/drawing/2014/main" id="{F687D63B-B1B3-48BC-8ADA-4E02F6ADD987}"/>
               </a:ext>
             </a:extLst>
@@ -4699,7 +5407,7 @@
               <a:pPr>
                 <a:defRPr/>
               </a:pPr>
-              <a:t>3</a:t>
+              <a:t>5</a:t>
             </a:fld>
             <a:r>
               <a:rPr lang="en-US" altLang="ja-JP"/>
@@ -4790,7 +5498,7 @@
 </p:sld>
 </file>
 
-<file path=ppt/slides/slide4.xml><?xml version="1.0" encoding="utf-8"?>
+<file path=ppt/slides/slide6.xml><?xml version="1.0" encoding="utf-8"?>
 <p:sld xmlns:a="http://schemas.openxmlformats.org/drawingml/2006/main" xmlns:r="http://schemas.openxmlformats.org/officeDocument/2006/relationships" xmlns:p="http://schemas.openxmlformats.org/presentationml/2006/main">
   <p:cSld>
     <p:spTree>
@@ -5829,7 +6537,7 @@
               <a:pPr>
                 <a:defRPr/>
               </a:pPr>
-              <a:t>4</a:t>
+              <a:t>6</a:t>
             </a:fld>
             <a:r>
               <a:rPr lang="en-US" altLang="ja-JP"/>
@@ -6253,307 +6961,7 @@
 </p:sld>
 </file>
 
-<file path=ppt/slides/slide5.xml><?xml version="1.0" encoding="utf-8"?>
-<p:sld xmlns:a="http://schemas.openxmlformats.org/drawingml/2006/main" xmlns:r="http://schemas.openxmlformats.org/officeDocument/2006/relationships" xmlns:p="http://schemas.openxmlformats.org/presentationml/2006/main">
-  <p:cSld>
-    <p:spTree>
-      <p:nvGrpSpPr>
-        <p:cNvPr id="1" name=""/>
-        <p:cNvGrpSpPr/>
-        <p:nvPr/>
-      </p:nvGrpSpPr>
-      <p:grpSpPr>
-        <a:xfrm>
-          <a:off x="0" y="0"/>
-          <a:ext cx="0" cy="0"/>
-          <a:chOff x="0" y="0"/>
-          <a:chExt cx="0" cy="0"/>
-        </a:xfrm>
-      </p:grpSpPr>
-      <p:sp>
-        <p:nvSpPr>
-          <p:cNvPr id="2" name="コンテンツ プレースホルダー 1">
-            <a:extLst>
-              <a:ext uri="{FF2B5EF4-FFF2-40B4-BE49-F238E27FC236}">
-                <a16:creationId xmlns:a16="http://schemas.microsoft.com/office/drawing/2014/main" id="{3C81F69C-EDBB-491D-89C9-8AB10738954A}"/>
-              </a:ext>
-            </a:extLst>
-          </p:cNvPr>
-          <p:cNvSpPr>
-            <a:spLocks noGrp="1"/>
-          </p:cNvSpPr>
-          <p:nvPr>
-            <p:ph idx="1"/>
-          </p:nvPr>
-        </p:nvSpPr>
-        <p:spPr/>
-        <p:txBody>
-          <a:bodyPr/>
-          <a:lstStyle/>
-          <a:p>
-            <a:r>
-              <a:rPr kumimoji="1" lang="ja-JP" altLang="en-US"/>
-              <a:t>画像のエッジ検出</a:t>
-            </a:r>
-            <a:endParaRPr kumimoji="1" lang="en-US" altLang="ja-JP"/>
-          </a:p>
-          <a:p>
-            <a:pPr lvl="1"/>
-            <a:r>
-              <a:rPr kumimoji="1" lang="ja-JP" altLang="en-US"/>
-              <a:t>クライアントで撮った</a:t>
-            </a:r>
-            <a:r>
-              <a:rPr kumimoji="1" lang="en-US" altLang="ja-JP"/>
-              <a:t>2</a:t>
-            </a:r>
-            <a:r>
-              <a:rPr kumimoji="1" lang="ja-JP" altLang="en-US"/>
-              <a:t>値画像を暗号化してサーバに送信</a:t>
-            </a:r>
-            <a:endParaRPr kumimoji="1" lang="en-US" altLang="ja-JP"/>
-          </a:p>
-          <a:p>
-            <a:pPr lvl="1"/>
-            <a:r>
-              <a:rPr kumimoji="1" lang="ja-JP" altLang="en-US"/>
-              <a:t>サーバでエッジ強調処理をしてクライアントに戻す</a:t>
-            </a:r>
-            <a:endParaRPr kumimoji="1" lang="en-US" altLang="ja-JP"/>
-          </a:p>
-          <a:p>
-            <a:pPr lvl="1"/>
-            <a:r>
-              <a:rPr kumimoji="1" lang="ja-JP" altLang="en-US"/>
-              <a:t>クライアントで復号</a:t>
-            </a:r>
-            <a:endParaRPr kumimoji="1" lang="en-US" altLang="ja-JP"/>
-          </a:p>
-          <a:p>
-            <a:pPr lvl="1"/>
-            <a:r>
-              <a:rPr lang="en-US" altLang="ja-JP">
-                <a:hlinkClick r:id="rId2"/>
-              </a:rPr>
-              <a:t>https://github.com/herumi/ahe-demo</a:t>
-            </a:r>
-            <a:endParaRPr lang="en-US" altLang="ja-JP"/>
-          </a:p>
-          <a:p>
-            <a:r>
-              <a:rPr kumimoji="1" lang="ja-JP" altLang="en-US"/>
-              <a:t>クロス集計</a:t>
-            </a:r>
-            <a:r>
-              <a:rPr kumimoji="1" lang="en-US" altLang="ja-JP"/>
-              <a:t>(WebAssembly</a:t>
-            </a:r>
-            <a:r>
-              <a:rPr kumimoji="1" lang="ja-JP" altLang="en-US"/>
-              <a:t>で実装</a:t>
-            </a:r>
-            <a:r>
-              <a:rPr kumimoji="1" lang="en-US" altLang="ja-JP"/>
-              <a:t>)</a:t>
-            </a:r>
-          </a:p>
-          <a:p>
-            <a:pPr lvl="1"/>
-            <a:r>
-              <a:rPr kumimoji="1" lang="en-US" altLang="ja-JP">
-                <a:hlinkClick r:id="rId3"/>
-              </a:rPr>
-              <a:t>https://herumi.github.io/she-wasm/</a:t>
-            </a:r>
-            <a:endParaRPr kumimoji="1" lang="en-US" altLang="ja-JP"/>
-          </a:p>
-          <a:p>
-            <a:endParaRPr lang="en-US" altLang="ja-JP"/>
-          </a:p>
-          <a:p>
-            <a:endParaRPr lang="en-US" altLang="ja-JP"/>
-          </a:p>
-          <a:p>
-            <a:r>
-              <a:rPr lang="en-US" altLang="ja-JP"/>
-              <a:t>FHE</a:t>
-            </a:r>
-            <a:r>
-              <a:rPr lang="ja-JP" altLang="en-US"/>
-              <a:t>の例</a:t>
-            </a:r>
-            <a:r>
-              <a:rPr lang="en-US" altLang="ja-JP"/>
-              <a:t>(</a:t>
-            </a:r>
-            <a:r>
-              <a:rPr lang="ja-JP" altLang="en-US"/>
-              <a:t>京都大学の松岡</a:t>
-            </a:r>
-            <a:r>
-              <a:rPr lang="en-US" altLang="ja-JP"/>
-              <a:t>-</a:t>
-            </a:r>
-            <a:r>
-              <a:rPr lang="ja-JP" altLang="en-US"/>
-              <a:t>伴野</a:t>
-            </a:r>
-            <a:r>
-              <a:rPr lang="en-US" altLang="ja-JP"/>
-              <a:t>-</a:t>
-            </a:r>
-            <a:r>
-              <a:rPr lang="ja-JP" altLang="en-US"/>
-              <a:t>松本さん</a:t>
-            </a:r>
-            <a:r>
-              <a:rPr lang="en-US" altLang="ja-JP"/>
-              <a:t>)</a:t>
-            </a:r>
-          </a:p>
-          <a:p>
-            <a:pPr lvl="1"/>
-            <a:r>
-              <a:rPr lang="en-US" altLang="ja-JP"/>
-              <a:t>FHE</a:t>
-            </a:r>
-            <a:r>
-              <a:rPr lang="ja-JP" altLang="en-US"/>
-              <a:t>を使って動作する</a:t>
-            </a:r>
-            <a:r>
-              <a:rPr lang="en-US" altLang="ja-JP"/>
-              <a:t>CPU</a:t>
-            </a:r>
-            <a:r>
-              <a:rPr lang="ja-JP" altLang="en-US"/>
-              <a:t>と</a:t>
-            </a:r>
-            <a:r>
-              <a:rPr lang="en-US" altLang="ja-JP"/>
-              <a:t>C</a:t>
-            </a:r>
-            <a:r>
-              <a:rPr lang="ja-JP" altLang="en-US"/>
-              <a:t>コンパイラ開発セット</a:t>
-            </a:r>
-            <a:endParaRPr lang="en-US" altLang="ja-JP"/>
-          </a:p>
-          <a:p>
-            <a:pPr lvl="1"/>
-            <a:r>
-              <a:rPr lang="en-US" altLang="ja-JP">
-                <a:hlinkClick r:id="rId4"/>
-              </a:rPr>
-              <a:t>https://virtualsecureplatform.github.io/</a:t>
-            </a:r>
-            <a:endParaRPr lang="en-US" altLang="ja-JP"/>
-          </a:p>
-          <a:p>
-            <a:endParaRPr lang="en-US" altLang="ja-JP"/>
-          </a:p>
-          <a:p>
-            <a:pPr lvl="1"/>
-            <a:endParaRPr kumimoji="1" lang="ja-JP" altLang="en-US"/>
-          </a:p>
-        </p:txBody>
-      </p:sp>
-      <p:sp>
-        <p:nvSpPr>
-          <p:cNvPr id="3" name="スライド番号プレースホルダー 2">
-            <a:extLst>
-              <a:ext uri="{FF2B5EF4-FFF2-40B4-BE49-F238E27FC236}">
-                <a16:creationId xmlns:a16="http://schemas.microsoft.com/office/drawing/2014/main" id="{D383FC0C-4742-444D-9B65-9A9F0472EB3F}"/>
-              </a:ext>
-            </a:extLst>
-          </p:cNvPr>
-          <p:cNvSpPr>
-            <a:spLocks noGrp="1"/>
-          </p:cNvSpPr>
-          <p:nvPr>
-            <p:ph type="sldNum" sz="quarter" idx="12"/>
-          </p:nvPr>
-        </p:nvSpPr>
-        <p:spPr/>
-        <p:txBody>
-          <a:bodyPr/>
-          <a:lstStyle/>
-          <a:p>
-            <a:pPr>
-              <a:defRPr/>
-            </a:pPr>
-            <a:r>
-              <a:rPr lang="en-US" altLang="ja-JP"/>
-              <a:t>    </a:t>
-            </a:r>
-            <a:fld id="{B2782DEB-472A-4FE5-AC34-C17109CF5A91}" type="slidenum">
-              <a:rPr lang="en-US" altLang="ja-JP" smtClean="0"/>
-              <a:pPr>
-                <a:defRPr/>
-              </a:pPr>
-              <a:t>5</a:t>
-            </a:fld>
-            <a:r>
-              <a:rPr lang="en-US" altLang="ja-JP"/>
-              <a:t> / 24</a:t>
-            </a:r>
-          </a:p>
-        </p:txBody>
-      </p:sp>
-      <p:sp>
-        <p:nvSpPr>
-          <p:cNvPr id="4" name="タイトル 3">
-            <a:extLst>
-              <a:ext uri="{FF2B5EF4-FFF2-40B4-BE49-F238E27FC236}">
-                <a16:creationId xmlns:a16="http://schemas.microsoft.com/office/drawing/2014/main" id="{84236792-01A2-4393-A0EA-725B37BB31C3}"/>
-              </a:ext>
-            </a:extLst>
-          </p:cNvPr>
-          <p:cNvSpPr>
-            <a:spLocks noGrp="1"/>
-          </p:cNvSpPr>
-          <p:nvPr>
-            <p:ph type="title"/>
-          </p:nvPr>
-        </p:nvSpPr>
-        <p:spPr/>
-        <p:txBody>
-          <a:bodyPr/>
-          <a:lstStyle/>
-          <a:p>
-            <a:r>
-              <a:rPr lang="en-US" altLang="ja-JP"/>
-              <a:t>AHE</a:t>
-            </a:r>
-            <a:r>
-              <a:rPr kumimoji="1" lang="ja-JP" altLang="en-US"/>
-              <a:t>や</a:t>
-            </a:r>
-            <a:r>
-              <a:rPr lang="en-US" altLang="ja-JP"/>
-              <a:t>2LHE</a:t>
-            </a:r>
-            <a:r>
-              <a:rPr kumimoji="1" lang="ja-JP" altLang="en-US"/>
-              <a:t>を使ったデモ</a:t>
-            </a:r>
-          </a:p>
-        </p:txBody>
-      </p:sp>
-    </p:spTree>
-    <p:extLst>
-      <p:ext uri="{BB962C8B-B14F-4D97-AF65-F5344CB8AC3E}">
-        <p14:creationId xmlns:p14="http://schemas.microsoft.com/office/powerpoint/2010/main" val="1193188017"/>
-      </p:ext>
-    </p:extLst>
-  </p:cSld>
-  <p:clrMapOvr>
-    <a:masterClrMapping/>
-  </p:clrMapOvr>
-</p:sld>
-</file>
-
-<file path=ppt/slides/slide6.xml><?xml version="1.0" encoding="utf-8"?>
+<file path=ppt/slides/slide7.xml><?xml version="1.0" encoding="utf-8"?>
 <p:sld xmlns:a="http://schemas.openxmlformats.org/drawingml/2006/main" xmlns:r="http://schemas.openxmlformats.org/officeDocument/2006/relationships" xmlns:p="http://schemas.openxmlformats.org/presentationml/2006/main">
   <p:cSld>
     <p:spTree>
@@ -7001,7 +7409,7 @@
               <a:pPr>
                 <a:defRPr/>
               </a:pPr>
-              <a:t>6</a:t>
+              <a:t>7</a:t>
             </a:fld>
             <a:r>
               <a:rPr lang="en-US" altLang="ja-JP"/>
@@ -7087,7 +7495,7 @@
 </p:sld>
 </file>
 
-<file path=ppt/slides/slide7.xml><?xml version="1.0" encoding="utf-8"?>
+<file path=ppt/slides/slide8.xml><?xml version="1.0" encoding="utf-8"?>
 <p:sld xmlns:a="http://schemas.openxmlformats.org/drawingml/2006/main" xmlns:r="http://schemas.openxmlformats.org/officeDocument/2006/relationships" xmlns:p="http://schemas.openxmlformats.org/presentationml/2006/main">
   <p:cSld>
     <p:spTree>
@@ -7293,7 +7701,7 @@
               <a:pPr>
                 <a:defRPr/>
               </a:pPr>
-              <a:t>7</a:t>
+              <a:t>8</a:t>
             </a:fld>
             <a:r>
               <a:rPr lang="en-US" altLang="ja-JP"/>
@@ -7343,7 +7751,7 @@
 </p:sld>
 </file>
 
-<file path=ppt/slides/slide8.xml><?xml version="1.0" encoding="utf-8"?>
+<file path=ppt/slides/slide9.xml><?xml version="1.0" encoding="utf-8"?>
 <p:sld xmlns:a="http://schemas.openxmlformats.org/drawingml/2006/main" xmlns:r="http://schemas.openxmlformats.org/officeDocument/2006/relationships" xmlns:p="http://schemas.openxmlformats.org/presentationml/2006/main">
   <p:cSld>
     <p:spTree>
@@ -7360,8 +7768,8 @@
           <a:chExt cx="0" cy="0"/>
         </a:xfrm>
       </p:grpSpPr>
-      <mc:AlternateContent xmlns:mc="http://schemas.openxmlformats.org/markup-compatibility/2006">
-        <mc:Choice xmlns:a14="http://schemas.microsoft.com/office/drawing/2010/main" Requires="a14">
+      <mc:AlternateContent xmlns:mc="http://schemas.openxmlformats.org/markup-compatibility/2006" xmlns:a14="http://schemas.microsoft.com/office/drawing/2010/main">
+        <mc:Choice Requires="a14">
           <p:sp>
             <p:nvSpPr>
               <p:cNvPr id="2" name="コンテンツ プレースホルダー 1">
@@ -7448,7 +7856,7 @@
             </p:txBody>
           </p:sp>
         </mc:Choice>
-        <mc:Fallback>
+        <mc:Fallback xmlns="">
           <p:sp>
             <p:nvSpPr>
               <p:cNvPr id="2" name="コンテンツ プレースホルダー 1">
@@ -7521,7 +7929,7 @@
               <a:pPr>
                 <a:defRPr/>
               </a:pPr>
-              <a:t>8</a:t>
+              <a:t>9</a:t>
             </a:fld>
             <a:r>
               <a:rPr lang="en-US" altLang="ja-JP"/>
@@ -7598,402 +8006,6 @@
     <p:extLst>
       <p:ext uri="{BB962C8B-B14F-4D97-AF65-F5344CB8AC3E}">
         <p14:creationId xmlns:p14="http://schemas.microsoft.com/office/powerpoint/2010/main" val="2148382958"/>
-      </p:ext>
-    </p:extLst>
-  </p:cSld>
-  <p:clrMapOvr>
-    <a:masterClrMapping/>
-  </p:clrMapOvr>
-</p:sld>
-</file>
-
-<file path=ppt/slides/slide9.xml><?xml version="1.0" encoding="utf-8"?>
-<p:sld xmlns:a="http://schemas.openxmlformats.org/drawingml/2006/main" xmlns:r="http://schemas.openxmlformats.org/officeDocument/2006/relationships" xmlns:p="http://schemas.openxmlformats.org/presentationml/2006/main">
-  <p:cSld>
-    <p:spTree>
-      <p:nvGrpSpPr>
-        <p:cNvPr id="1" name=""/>
-        <p:cNvGrpSpPr/>
-        <p:nvPr/>
-      </p:nvGrpSpPr>
-      <p:grpSpPr>
-        <a:xfrm>
-          <a:off x="0" y="0"/>
-          <a:ext cx="0" cy="0"/>
-          <a:chOff x="0" y="0"/>
-          <a:chExt cx="0" cy="0"/>
-        </a:xfrm>
-      </p:grpSpPr>
-      <p:sp>
-        <p:nvSpPr>
-          <p:cNvPr id="2" name="コンテンツ プレースホルダー 1">
-            <a:extLst>
-              <a:ext uri="{FF2B5EF4-FFF2-40B4-BE49-F238E27FC236}">
-                <a16:creationId xmlns:a16="http://schemas.microsoft.com/office/drawing/2014/main" id="{09696239-D405-45B4-A581-78E32715D901}"/>
-              </a:ext>
-            </a:extLst>
-          </p:cNvPr>
-          <p:cNvSpPr>
-            <a:spLocks noGrp="1"/>
-          </p:cNvSpPr>
-          <p:nvPr>
-            <p:ph idx="1"/>
-          </p:nvPr>
-        </p:nvSpPr>
-        <p:spPr/>
-        <p:txBody>
-          <a:bodyPr/>
-          <a:lstStyle/>
-          <a:p>
-            <a:r>
-              <a:rPr kumimoji="1" lang="ja-JP" altLang="en-US"/>
-              <a:t>情報</a:t>
-            </a:r>
-            <a:r>
-              <a:rPr kumimoji="1" lang="en-US" altLang="ja-JP"/>
-              <a:t>s</a:t>
-            </a:r>
-            <a:r>
-              <a:rPr kumimoji="1" lang="ja-JP" altLang="en-US"/>
-              <a:t>を</a:t>
-            </a:r>
-            <a:r>
-              <a:rPr kumimoji="1" lang="en-US" altLang="ja-JP"/>
-              <a:t>n</a:t>
-            </a:r>
-            <a:r>
-              <a:rPr kumimoji="1" lang="ja-JP" altLang="en-US"/>
-              <a:t>人に分散 そのうち</a:t>
-            </a:r>
-            <a:r>
-              <a:rPr kumimoji="1" lang="en-US" altLang="ja-JP"/>
-              <a:t>k</a:t>
-            </a:r>
-            <a:r>
-              <a:rPr kumimoji="1" lang="ja-JP" altLang="en-US"/>
-              <a:t>個集まると復元可能</a:t>
-            </a:r>
-            <a:endParaRPr kumimoji="1" lang="en-US" altLang="ja-JP"/>
-          </a:p>
-          <a:p>
-            <a:pPr lvl="1"/>
-            <a:r>
-              <a:rPr lang="en-US" altLang="ja-JP"/>
-              <a:t>2017</a:t>
-            </a:r>
-            <a:r>
-              <a:rPr lang="ja-JP" altLang="en-US"/>
-              <a:t>年に</a:t>
-            </a:r>
-            <a:r>
-              <a:rPr lang="en-US" altLang="ja-JP"/>
-              <a:t>ISO/IEC 19592-2:2017</a:t>
-            </a:r>
-            <a:r>
-              <a:rPr lang="ja-JP" altLang="en-US"/>
-              <a:t>として標準化</a:t>
-            </a:r>
-            <a:r>
-              <a:rPr lang="en-US" altLang="ja-JP"/>
-              <a:t> Shamir</a:t>
-            </a:r>
-            <a:endParaRPr kumimoji="1" lang="ja-JP" altLang="en-US"/>
-          </a:p>
-        </p:txBody>
-      </p:sp>
-      <p:sp>
-        <p:nvSpPr>
-          <p:cNvPr id="3" name="スライド番号プレースホルダー 2">
-            <a:extLst>
-              <a:ext uri="{FF2B5EF4-FFF2-40B4-BE49-F238E27FC236}">
-                <a16:creationId xmlns:a16="http://schemas.microsoft.com/office/drawing/2014/main" id="{6601D4CB-F505-4F42-9DDA-EC99B31E8950}"/>
-              </a:ext>
-            </a:extLst>
-          </p:cNvPr>
-          <p:cNvSpPr>
-            <a:spLocks noGrp="1"/>
-          </p:cNvSpPr>
-          <p:nvPr>
-            <p:ph type="sldNum" sz="quarter" idx="12"/>
-          </p:nvPr>
-        </p:nvSpPr>
-        <p:spPr/>
-        <p:txBody>
-          <a:bodyPr/>
-          <a:lstStyle/>
-          <a:p>
-            <a:pPr>
-              <a:defRPr/>
-            </a:pPr>
-            <a:r>
-              <a:rPr lang="en-US" altLang="ja-JP"/>
-              <a:t>    </a:t>
-            </a:r>
-            <a:fld id="{B2782DEB-472A-4FE5-AC34-C17109CF5A91}" type="slidenum">
-              <a:rPr lang="en-US" altLang="ja-JP" smtClean="0"/>
-              <a:pPr>
-                <a:defRPr/>
-              </a:pPr>
-              <a:t>9</a:t>
-            </a:fld>
-            <a:r>
-              <a:rPr lang="en-US" altLang="ja-JP"/>
-              <a:t> / 24</a:t>
-            </a:r>
-          </a:p>
-        </p:txBody>
-      </p:sp>
-      <p:sp>
-        <p:nvSpPr>
-          <p:cNvPr id="4" name="タイトル 3">
-            <a:extLst>
-              <a:ext uri="{FF2B5EF4-FFF2-40B4-BE49-F238E27FC236}">
-                <a16:creationId xmlns:a16="http://schemas.microsoft.com/office/drawing/2014/main" id="{54B399F6-613E-4041-B222-FE3A512D11F1}"/>
-              </a:ext>
-            </a:extLst>
-          </p:cNvPr>
-          <p:cNvSpPr>
-            <a:spLocks noGrp="1"/>
-          </p:cNvSpPr>
-          <p:nvPr>
-            <p:ph type="title"/>
-          </p:nvPr>
-        </p:nvSpPr>
-        <p:spPr/>
-        <p:txBody>
-          <a:bodyPr/>
-          <a:lstStyle/>
-          <a:p>
-            <a:r>
-              <a:rPr kumimoji="1" lang="en-US" altLang="ja-JP"/>
-              <a:t>k-of-n</a:t>
-            </a:r>
-            <a:r>
-              <a:rPr kumimoji="1" lang="ja-JP" altLang="en-US"/>
-              <a:t>秘密分散</a:t>
-            </a:r>
-          </a:p>
-        </p:txBody>
-      </p:sp>
-      <mc:AlternateContent xmlns:mc="http://schemas.openxmlformats.org/markup-compatibility/2006">
-        <mc:Choice xmlns:a14="http://schemas.microsoft.com/office/drawing/2010/main" Requires="a14">
-          <p:sp>
-            <p:nvSpPr>
-              <p:cNvPr id="9" name="テキスト ボックス 8">
-                <a:extLst>
-                  <a:ext uri="{FF2B5EF4-FFF2-40B4-BE49-F238E27FC236}">
-                    <a16:creationId xmlns:a16="http://schemas.microsoft.com/office/drawing/2014/main" id="{596262D4-EE20-462A-B520-6503640A99A2}"/>
-                  </a:ext>
-                </a:extLst>
-              </p:cNvPr>
-              <p:cNvSpPr txBox="1"/>
-              <p:nvPr/>
-            </p:nvSpPr>
-            <p:spPr>
-              <a:xfrm>
-                <a:off x="530376" y="5679790"/>
-                <a:ext cx="3753592" cy="369332"/>
-              </a:xfrm>
-              <a:prstGeom prst="rect">
-                <a:avLst/>
-              </a:prstGeom>
-              <a:noFill/>
-              <a:ln w="19050" cap="rnd">
-                <a:noFill/>
-              </a:ln>
-            </p:spPr>
-            <p:txBody>
-              <a:bodyPr wrap="none" rtlCol="0">
-                <a:spAutoFit/>
-              </a:bodyPr>
-              <a:lstStyle/>
-              <a:p>
-                <a14:m>
-                  <m:oMath xmlns:m="http://schemas.openxmlformats.org/officeDocument/2006/math">
-                    <m:r>
-                      <a:rPr kumimoji="1" lang="en-US" altLang="ja-JP" b="0" i="1" smtClean="0">
-                        <a:latin typeface="Cambria Math" panose="02040503050406030204" pitchFamily="18" charset="0"/>
-                        <a:ea typeface="游ゴシック" panose="020B0400000000000000" pitchFamily="50" charset="-128"/>
-                        <a:cs typeface="Courier New" pitchFamily="49" charset="0"/>
-                      </a:rPr>
-                      <m:t>𝑘</m:t>
-                    </m:r>
-                  </m:oMath>
-                </a14:m>
-                <a:r>
-                  <a:rPr kumimoji="1" lang="ja-JP" altLang="en-US">
-                    <a:latin typeface="游ゴシック" panose="020B0400000000000000" pitchFamily="50" charset="-128"/>
-                    <a:ea typeface="游ゴシック" panose="020B0400000000000000" pitchFamily="50" charset="-128"/>
-                    <a:cs typeface="Courier New" pitchFamily="49" charset="0"/>
-                  </a:rPr>
-                  <a:t>個の点を通る</a:t>
-                </a:r>
-                <a14:m>
-                  <m:oMath xmlns:m="http://schemas.openxmlformats.org/officeDocument/2006/math">
-                    <m:r>
-                      <a:rPr lang="en-US" altLang="ja-JP" i="1">
-                        <a:latin typeface="Cambria Math" panose="02040503050406030204" pitchFamily="18" charset="0"/>
-                        <a:ea typeface="游ゴシック" panose="020B0400000000000000" pitchFamily="50" charset="-128"/>
-                        <a:cs typeface="Courier New" pitchFamily="49" charset="0"/>
-                      </a:rPr>
-                      <m:t>𝑘</m:t>
-                    </m:r>
-                    <m:r>
-                      <a:rPr lang="en-US" altLang="ja-JP" i="1">
-                        <a:latin typeface="Cambria Math" panose="02040503050406030204" pitchFamily="18" charset="0"/>
-                        <a:ea typeface="游ゴシック" panose="020B0400000000000000" pitchFamily="50" charset="-128"/>
-                        <a:cs typeface="Courier New" pitchFamily="49" charset="0"/>
-                      </a:rPr>
-                      <m:t>−1</m:t>
-                    </m:r>
-                  </m:oMath>
-                </a14:m>
-                <a:r>
-                  <a:rPr lang="ja-JP" altLang="en-US">
-                    <a:latin typeface="游ゴシック" panose="020B0400000000000000" pitchFamily="50" charset="-128"/>
-                    <a:ea typeface="游ゴシック" panose="020B0400000000000000" pitchFamily="50" charset="-128"/>
-                    <a:cs typeface="Courier New" pitchFamily="49" charset="0"/>
-                  </a:rPr>
-                  <a:t>次多項式は</a:t>
-                </a:r>
-                <a:r>
-                  <a:rPr lang="en-US" altLang="ja-JP">
-                    <a:latin typeface="游ゴシック" panose="020B0400000000000000" pitchFamily="50" charset="-128"/>
-                    <a:ea typeface="游ゴシック" panose="020B0400000000000000" pitchFamily="50" charset="-128"/>
-                    <a:cs typeface="Courier New" pitchFamily="49" charset="0"/>
-                  </a:rPr>
-                  <a:t>1</a:t>
-                </a:r>
-                <a:r>
-                  <a:rPr lang="ja-JP" altLang="en-US">
-                    <a:latin typeface="游ゴシック" panose="020B0400000000000000" pitchFamily="50" charset="-128"/>
-                    <a:ea typeface="游ゴシック" panose="020B0400000000000000" pitchFamily="50" charset="-128"/>
-                    <a:cs typeface="Courier New" pitchFamily="49" charset="0"/>
-                  </a:rPr>
-                  <a:t>個</a:t>
-                </a:r>
-              </a:p>
-            </p:txBody>
-          </p:sp>
-        </mc:Choice>
-        <mc:Fallback>
-          <p:sp>
-            <p:nvSpPr>
-              <p:cNvPr id="9" name="テキスト ボックス 8">
-                <a:extLst>
-                  <a:ext uri="{FF2B5EF4-FFF2-40B4-BE49-F238E27FC236}">
-                    <a16:creationId xmlns:a16="http://schemas.microsoft.com/office/drawing/2014/main" id="{596262D4-EE20-462A-B520-6503640A99A2}"/>
-                  </a:ext>
-                </a:extLst>
-              </p:cNvPr>
-              <p:cNvSpPr txBox="1">
-                <a:spLocks noRot="1" noChangeAspect="1" noMove="1" noResize="1" noEditPoints="1" noAdjustHandles="1" noChangeArrowheads="1" noChangeShapeType="1" noTextEdit="1"/>
-              </p:cNvSpPr>
-              <p:nvPr/>
-            </p:nvSpPr>
-            <p:spPr>
-              <a:xfrm>
-                <a:off x="530376" y="5679790"/>
-                <a:ext cx="3753592" cy="369332"/>
-              </a:xfrm>
-              <a:prstGeom prst="rect">
-                <a:avLst/>
-              </a:prstGeom>
-              <a:blipFill>
-                <a:blip r:embed="rId2"/>
-                <a:stretch>
-                  <a:fillRect t="-8333" r="-974" b="-28333"/>
-                </a:stretch>
-              </a:blipFill>
-              <a:ln w="19050" cap="rnd">
-                <a:noFill/>
-              </a:ln>
-            </p:spPr>
-            <p:txBody>
-              <a:bodyPr/>
-              <a:lstStyle/>
-              <a:p>
-                <a:r>
-                  <a:rPr lang="ja-JP" altLang="en-US">
-                    <a:noFill/>
-                  </a:rPr>
-                  <a:t> </a:t>
-                </a:r>
-              </a:p>
-            </p:txBody>
-          </p:sp>
-        </mc:Fallback>
-      </mc:AlternateContent>
-      <p:pic>
-        <p:nvPicPr>
-          <p:cNvPr id="8" name="図 7">
-            <a:extLst>
-              <a:ext uri="{FF2B5EF4-FFF2-40B4-BE49-F238E27FC236}">
-                <a16:creationId xmlns:a16="http://schemas.microsoft.com/office/drawing/2014/main" id="{C3B5EC10-316B-4437-A182-D794EEEC5F44}"/>
-              </a:ext>
-            </a:extLst>
-          </p:cNvPr>
-          <p:cNvPicPr>
-            <a:picLocks noChangeAspect="1"/>
-          </p:cNvPicPr>
-          <p:nvPr/>
-        </p:nvPicPr>
-        <p:blipFill>
-          <a:blip r:embed="rId3"/>
-          <a:stretch>
-            <a:fillRect/>
-          </a:stretch>
-        </p:blipFill>
-        <p:spPr>
-          <a:xfrm>
-            <a:off x="4283968" y="3319456"/>
-            <a:ext cx="4512137" cy="3180115"/>
-          </a:xfrm>
-          <a:prstGeom prst="rect">
-            <a:avLst/>
-          </a:prstGeom>
-        </p:spPr>
-      </p:pic>
-      <p:pic>
-        <p:nvPicPr>
-          <p:cNvPr id="6" name="図 5">
-            <a:extLst>
-              <a:ext uri="{FF2B5EF4-FFF2-40B4-BE49-F238E27FC236}">
-                <a16:creationId xmlns:a16="http://schemas.microsoft.com/office/drawing/2014/main" id="{A23729B2-43EB-4D28-929F-418B2707747A}"/>
-              </a:ext>
-            </a:extLst>
-          </p:cNvPr>
-          <p:cNvPicPr>
-            <a:picLocks noChangeAspect="1"/>
-          </p:cNvPicPr>
-          <p:nvPr/>
-        </p:nvPicPr>
-        <p:blipFill>
-          <a:blip r:embed="rId4">
-            <a:extLst>
-              <a:ext uri="{28A0092B-C50C-407E-A947-70E740481C1C}">
-                <a14:useLocalDpi xmlns:a14="http://schemas.microsoft.com/office/drawing/2010/main" val="0"/>
-              </a:ext>
-            </a:extLst>
-          </a:blip>
-          <a:stretch>
-            <a:fillRect/>
-          </a:stretch>
-        </p:blipFill>
-        <p:spPr>
-          <a:xfrm>
-            <a:off x="35496" y="1844824"/>
-            <a:ext cx="4896544" cy="3011375"/>
-          </a:xfrm>
-          <a:prstGeom prst="rect">
-            <a:avLst/>
-          </a:prstGeom>
-        </p:spPr>
-      </p:pic>
-    </p:spTree>
-    <p:extLst>
-      <p:ext uri="{BB962C8B-B14F-4D97-AF65-F5344CB8AC3E}">
-        <p14:creationId xmlns:p14="http://schemas.microsoft.com/office/powerpoint/2010/main" val="1359272761"/>
       </p:ext>
     </p:extLst>
   </p:cSld>

--- a/lec/anninbon11.pptx
+++ b/lec/anninbon11.pptx
@@ -5,10 +5,10 @@
     <p:sldMasterId id="2147483706" r:id="rId1"/>
   </p:sldMasterIdLst>
   <p:notesMasterIdLst>
-    <p:notesMasterId r:id="rId14"/>
+    <p:notesMasterId r:id="rId20"/>
   </p:notesMasterIdLst>
   <p:handoutMasterIdLst>
-    <p:handoutMasterId r:id="rId15"/>
+    <p:handoutMasterId r:id="rId21"/>
   </p:handoutMasterIdLst>
   <p:sldIdLst>
     <p:sldId id="552" r:id="rId2"/>
@@ -23,6 +23,12 @@
     <p:sldId id="658" r:id="rId11"/>
     <p:sldId id="659" r:id="rId12"/>
     <p:sldId id="660" r:id="rId13"/>
+    <p:sldId id="662" r:id="rId14"/>
+    <p:sldId id="663" r:id="rId15"/>
+    <p:sldId id="664" r:id="rId16"/>
+    <p:sldId id="665" r:id="rId17"/>
+    <p:sldId id="666" r:id="rId18"/>
+    <p:sldId id="667" r:id="rId19"/>
   </p:sldIdLst>
   <p:sldSz cx="9144000" cy="6858000" type="screen4x3"/>
   <p:notesSz cx="7099300" cy="10234613"/>
@@ -168,6 +174,12 @@
             <p14:sldId id="658"/>
             <p14:sldId id="659"/>
             <p14:sldId id="660"/>
+            <p14:sldId id="662"/>
+            <p14:sldId id="663"/>
+            <p14:sldId id="664"/>
+            <p14:sldId id="665"/>
+            <p14:sldId id="666"/>
+            <p14:sldId id="667"/>
           </p14:sldIdLst>
         </p14:section>
       </p14:sectionLst>
@@ -2937,8 +2949,8 @@
           <a:chExt cx="0" cy="0"/>
         </a:xfrm>
       </p:grpSpPr>
-      <mc:AlternateContent xmlns:mc="http://schemas.openxmlformats.org/markup-compatibility/2006" xmlns:a14="http://schemas.microsoft.com/office/drawing/2010/main">
-        <mc:Choice Requires="a14">
+      <mc:AlternateContent xmlns:mc="http://schemas.openxmlformats.org/markup-compatibility/2006">
+        <mc:Choice xmlns:a14="http://schemas.microsoft.com/office/drawing/2010/main" Requires="a14">
           <p:sp>
             <p:nvSpPr>
               <p:cNvPr id="2" name="コンテンツ プレースホルダー 1">
@@ -3276,6 +3288,14 @@
               </a:p>
               <a:p>
                 <a:pPr lvl="2"/>
+                <a:r>
+                  <a:rPr kumimoji="1" lang="en-US" altLang="ja-JP"/>
+                  <a:t>DLP</a:t>
+                </a:r>
+                <a:r>
+                  <a:rPr kumimoji="1" lang="ja-JP" altLang="en-US"/>
+                  <a:t>の困難性により</a:t>
+                </a:r>
                 <a14:m>
                   <m:oMath xmlns:m="http://schemas.openxmlformats.org/officeDocument/2006/math">
                     <m:sSub>
@@ -3299,6 +3319,82 @@
                           <a:rPr kumimoji="1" lang="en-US" altLang="ja-JP" b="0" i="1" smtClean="0">
                             <a:latin typeface="Cambria Math" panose="02040503050406030204" pitchFamily="18" charset="0"/>
                           </a:rPr>
+                          <m:t>𝑖</m:t>
+                        </m:r>
+                      </m:sub>
+                    </m:sSub>
+                    <m:r>
+                      <a:rPr kumimoji="1" lang="en-US" altLang="ja-JP" b="0" i="1" smtClean="0">
+                        <a:latin typeface="Cambria Math" panose="02040503050406030204" pitchFamily="18" charset="0"/>
+                      </a:rPr>
+                      <m:t>𝑃</m:t>
+                    </m:r>
+                  </m:oMath>
+                </a14:m>
+                <a:r>
+                  <a:rPr kumimoji="1" lang="ja-JP" altLang="en-US"/>
+                  <a:t>から</a:t>
+                </a:r>
+                <a14:m>
+                  <m:oMath xmlns:m="http://schemas.openxmlformats.org/officeDocument/2006/math">
+                    <m:sSub>
+                      <m:sSubPr>
+                        <m:ctrlPr>
+                          <a:rPr kumimoji="1" lang="en-US" altLang="ja-JP" b="0" i="1" smtClean="0">
+                            <a:latin typeface="Cambria Math" panose="02040503050406030204" pitchFamily="18" charset="0"/>
+                          </a:rPr>
+                        </m:ctrlPr>
+                      </m:sSubPr>
+                      <m:e>
+                        <m:r>
+                          <a:rPr kumimoji="1" lang="en-US" altLang="ja-JP" b="0" i="1" smtClean="0">
+                            <a:latin typeface="Cambria Math" panose="02040503050406030204" pitchFamily="18" charset="0"/>
+                          </a:rPr>
+                          <m:t>𝑠</m:t>
+                        </m:r>
+                      </m:e>
+                      <m:sub>
+                        <m:r>
+                          <a:rPr kumimoji="1" lang="en-US" altLang="ja-JP" b="0" i="1" smtClean="0">
+                            <a:latin typeface="Cambria Math" panose="02040503050406030204" pitchFamily="18" charset="0"/>
+                          </a:rPr>
+                          <m:t>𝑖</m:t>
+                        </m:r>
+                      </m:sub>
+                    </m:sSub>
+                  </m:oMath>
+                </a14:m>
+                <a:r>
+                  <a:rPr kumimoji="1" lang="ja-JP" altLang="en-US"/>
+                  <a:t>は分からない</a:t>
+                </a:r>
+                <a:endParaRPr kumimoji="1" lang="en-US" altLang="ja-JP"/>
+              </a:p>
+              <a:p>
+                <a:pPr lvl="2"/>
+                <a14:m>
+                  <m:oMath xmlns:m="http://schemas.openxmlformats.org/officeDocument/2006/math">
+                    <m:sSub>
+                      <m:sSubPr>
+                        <m:ctrlPr>
+                          <a:rPr kumimoji="1" lang="en-US" altLang="ja-JP" b="0" i="1" smtClean="0">
+                            <a:latin typeface="Cambria Math" panose="02040503050406030204" pitchFamily="18" charset="0"/>
+                          </a:rPr>
+                        </m:ctrlPr>
+                      </m:sSubPr>
+                      <m:e>
+                        <m:r>
+                          <a:rPr kumimoji="1" lang="en-US" altLang="ja-JP" b="0" i="1" smtClean="0">
+                            <a:latin typeface="Cambria Math" panose="02040503050406030204" pitchFamily="18" charset="0"/>
+                          </a:rPr>
+                          <m:t>𝑠</m:t>
+                        </m:r>
+                      </m:e>
+                      <m:sub>
+                        <m:r>
+                          <a:rPr kumimoji="1" lang="en-US" altLang="ja-JP" b="0" i="1" smtClean="0">
+                            <a:latin typeface="Cambria Math" panose="02040503050406030204" pitchFamily="18" charset="0"/>
+                          </a:rPr>
                           <m:t>1</m:t>
                         </m:r>
                       </m:sub>
@@ -3379,7 +3475,7 @@
             </p:txBody>
           </p:sp>
         </mc:Choice>
-        <mc:Fallback xmlns="">
+        <mc:Fallback>
           <p:sp>
             <p:nvSpPr>
               <p:cNvPr id="2" name="コンテンツ プレースホルダー 1">
@@ -3773,10 +3869,5114 @@
           </a:p>
         </p:txBody>
       </p:sp>
+      <p:pic>
+        <p:nvPicPr>
+          <p:cNvPr id="5" name="図 4">
+            <a:extLst>
+              <a:ext uri="{FF2B5EF4-FFF2-40B4-BE49-F238E27FC236}">
+                <a16:creationId xmlns:a16="http://schemas.microsoft.com/office/drawing/2014/main" id="{9E889CA6-80CA-4059-A6CF-45C6CCEEB8C9}"/>
+              </a:ext>
+            </a:extLst>
+          </p:cNvPr>
+          <p:cNvPicPr>
+            <a:picLocks noChangeAspect="1"/>
+          </p:cNvPicPr>
+          <p:nvPr/>
+        </p:nvPicPr>
+        <p:blipFill>
+          <a:blip r:embed="rId3"/>
+          <a:stretch>
+            <a:fillRect/>
+          </a:stretch>
+        </p:blipFill>
+        <p:spPr>
+          <a:xfrm>
+            <a:off x="467544" y="4725144"/>
+            <a:ext cx="7993583" cy="1541024"/>
+          </a:xfrm>
+          <a:prstGeom prst="rect">
+            <a:avLst/>
+          </a:prstGeom>
+        </p:spPr>
+      </p:pic>
     </p:spTree>
     <p:extLst>
       <p:ext uri="{BB962C8B-B14F-4D97-AF65-F5344CB8AC3E}">
         <p14:creationId xmlns:p14="http://schemas.microsoft.com/office/powerpoint/2010/main" val="509982935"/>
+      </p:ext>
+    </p:extLst>
+  </p:cSld>
+  <p:clrMapOvr>
+    <a:masterClrMapping/>
+  </p:clrMapOvr>
+</p:sld>
+</file>
+
+<file path=ppt/slides/slide13.xml><?xml version="1.0" encoding="utf-8"?>
+<p:sld xmlns:a="http://schemas.openxmlformats.org/drawingml/2006/main" xmlns:r="http://schemas.openxmlformats.org/officeDocument/2006/relationships" xmlns:p="http://schemas.openxmlformats.org/presentationml/2006/main">
+  <p:cSld>
+    <p:spTree>
+      <p:nvGrpSpPr>
+        <p:cNvPr id="1" name=""/>
+        <p:cNvGrpSpPr/>
+        <p:nvPr/>
+      </p:nvGrpSpPr>
+      <p:grpSpPr>
+        <a:xfrm>
+          <a:off x="0" y="0"/>
+          <a:ext cx="0" cy="0"/>
+          <a:chOff x="0" y="0"/>
+          <a:chExt cx="0" cy="0"/>
+        </a:xfrm>
+      </p:grpSpPr>
+      <mc:AlternateContent xmlns:mc="http://schemas.openxmlformats.org/markup-compatibility/2006">
+        <mc:Choice xmlns:a14="http://schemas.microsoft.com/office/drawing/2010/main" Requires="a14">
+          <p:sp>
+            <p:nvSpPr>
+              <p:cNvPr id="2" name="コンテンツ プレースホルダー 1">
+                <a:extLst>
+                  <a:ext uri="{FF2B5EF4-FFF2-40B4-BE49-F238E27FC236}">
+                    <a16:creationId xmlns:a16="http://schemas.microsoft.com/office/drawing/2014/main" id="{02E6E2D0-6016-4E44-B7D3-E0ED1666E649}"/>
+                  </a:ext>
+                </a:extLst>
+              </p:cNvPr>
+              <p:cNvSpPr>
+                <a:spLocks noGrp="1"/>
+              </p:cNvSpPr>
+              <p:nvPr>
+                <p:ph idx="1"/>
+              </p:nvPr>
+            </p:nvSpPr>
+            <p:spPr/>
+            <p:txBody>
+              <a:bodyPr/>
+              <a:lstStyle/>
+              <a:p>
+                <a:r>
+                  <a:rPr kumimoji="1" lang="en-US" altLang="ja-JP"/>
+                  <a:t>2</a:t>
+                </a:r>
+                <a:r>
+                  <a:rPr kumimoji="1" lang="ja-JP" altLang="en-US"/>
+                  <a:t>個のベクトルの外積</a:t>
+                </a:r>
+                <a:endParaRPr kumimoji="1" lang="en-US" altLang="ja-JP"/>
+              </a:p>
+              <a:p>
+                <a:pPr lvl="1"/>
+                <a14:m>
+                  <m:oMath xmlns:m="http://schemas.openxmlformats.org/officeDocument/2006/math">
+                    <m:r>
+                      <a:rPr kumimoji="1" lang="en-US" altLang="ja-JP" b="0" i="1" smtClean="0">
+                        <a:latin typeface="Cambria Math" panose="02040503050406030204" pitchFamily="18" charset="0"/>
+                      </a:rPr>
+                      <m:t>𝑥</m:t>
+                    </m:r>
+                    <m:r>
+                      <a:rPr kumimoji="1" lang="en-US" altLang="ja-JP" b="0" i="1" smtClean="0">
+                        <a:latin typeface="Cambria Math" panose="02040503050406030204" pitchFamily="18" charset="0"/>
+                      </a:rPr>
+                      <m:t>=</m:t>
+                    </m:r>
+                    <m:d>
+                      <m:dPr>
+                        <m:ctrlPr>
+                          <a:rPr kumimoji="1" lang="en-US" altLang="ja-JP" b="0" i="1" smtClean="0">
+                            <a:latin typeface="Cambria Math" panose="02040503050406030204" pitchFamily="18" charset="0"/>
+                          </a:rPr>
+                        </m:ctrlPr>
+                      </m:dPr>
+                      <m:e>
+                        <m:r>
+                          <a:rPr kumimoji="1" lang="en-US" altLang="ja-JP" b="0" i="1" smtClean="0">
+                            <a:latin typeface="Cambria Math" panose="02040503050406030204" pitchFamily="18" charset="0"/>
+                          </a:rPr>
+                          <m:t>𝑎</m:t>
+                        </m:r>
+                        <m:r>
+                          <a:rPr kumimoji="1" lang="en-US" altLang="ja-JP" b="0" i="1" smtClean="0">
+                            <a:latin typeface="Cambria Math" panose="02040503050406030204" pitchFamily="18" charset="0"/>
+                          </a:rPr>
+                          <m:t>,</m:t>
+                        </m:r>
+                        <m:r>
+                          <a:rPr kumimoji="1" lang="en-US" altLang="ja-JP" b="0" i="1" smtClean="0">
+                            <a:latin typeface="Cambria Math" panose="02040503050406030204" pitchFamily="18" charset="0"/>
+                          </a:rPr>
+                          <m:t>𝑏</m:t>
+                        </m:r>
+                      </m:e>
+                    </m:d>
+                    <m:r>
+                      <a:rPr kumimoji="1" lang="en-US" altLang="ja-JP" b="0" i="1" smtClean="0">
+                        <a:latin typeface="Cambria Math" panose="02040503050406030204" pitchFamily="18" charset="0"/>
+                      </a:rPr>
+                      <m:t>, </m:t>
+                    </m:r>
+                    <m:r>
+                      <a:rPr kumimoji="1" lang="en-US" altLang="ja-JP" b="0" i="1" smtClean="0">
+                        <a:latin typeface="Cambria Math" panose="02040503050406030204" pitchFamily="18" charset="0"/>
+                      </a:rPr>
+                      <m:t>𝑦</m:t>
+                    </m:r>
+                    <m:r>
+                      <a:rPr kumimoji="1" lang="en-US" altLang="ja-JP" b="0" i="1" smtClean="0">
+                        <a:latin typeface="Cambria Math" panose="02040503050406030204" pitchFamily="18" charset="0"/>
+                      </a:rPr>
+                      <m:t>=(</m:t>
+                    </m:r>
+                    <m:r>
+                      <a:rPr kumimoji="1" lang="en-US" altLang="ja-JP" b="0" i="1" smtClean="0">
+                        <a:latin typeface="Cambria Math" panose="02040503050406030204" pitchFamily="18" charset="0"/>
+                      </a:rPr>
+                      <m:t>𝑐</m:t>
+                    </m:r>
+                    <m:r>
+                      <a:rPr kumimoji="1" lang="en-US" altLang="ja-JP" b="0" i="1" smtClean="0">
+                        <a:latin typeface="Cambria Math" panose="02040503050406030204" pitchFamily="18" charset="0"/>
+                      </a:rPr>
+                      <m:t>,</m:t>
+                    </m:r>
+                    <m:r>
+                      <a:rPr kumimoji="1" lang="en-US" altLang="ja-JP" b="0" i="1" smtClean="0">
+                        <a:latin typeface="Cambria Math" panose="02040503050406030204" pitchFamily="18" charset="0"/>
+                      </a:rPr>
+                      <m:t>𝑑</m:t>
+                    </m:r>
+                    <m:r>
+                      <a:rPr kumimoji="1" lang="en-US" altLang="ja-JP" b="0" i="1" smtClean="0">
+                        <a:latin typeface="Cambria Math" panose="02040503050406030204" pitchFamily="18" charset="0"/>
+                      </a:rPr>
+                      <m:t>)</m:t>
+                    </m:r>
+                  </m:oMath>
+                </a14:m>
+                <a:r>
+                  <a:rPr kumimoji="1" lang="ja-JP" altLang="en-US"/>
+                  <a:t>に対して</a:t>
+                </a:r>
+                <a14:m>
+                  <m:oMath xmlns:m="http://schemas.openxmlformats.org/officeDocument/2006/math">
+                    <m:r>
+                      <a:rPr kumimoji="1" lang="en-US" altLang="ja-JP" b="0" i="1" smtClean="0">
+                        <a:latin typeface="Cambria Math" panose="02040503050406030204" pitchFamily="18" charset="0"/>
+                      </a:rPr>
+                      <m:t>𝑥</m:t>
+                    </m:r>
+                    <m:r>
+                      <a:rPr kumimoji="1" lang="en-US" altLang="ja-JP" b="0" i="1" smtClean="0">
+                        <a:latin typeface="Cambria Math" panose="02040503050406030204" pitchFamily="18" charset="0"/>
+                      </a:rPr>
+                      <m:t>×</m:t>
+                    </m:r>
+                    <m:r>
+                      <a:rPr kumimoji="1" lang="en-US" altLang="ja-JP" b="0" i="1" smtClean="0">
+                        <a:latin typeface="Cambria Math" panose="02040503050406030204" pitchFamily="18" charset="0"/>
+                      </a:rPr>
+                      <m:t>𝑦</m:t>
+                    </m:r>
+                    <m:r>
+                      <a:rPr kumimoji="1" lang="en-US" altLang="ja-JP" b="0" i="1" smtClean="0">
+                        <a:latin typeface="Cambria Math" panose="02040503050406030204" pitchFamily="18" charset="0"/>
+                      </a:rPr>
+                      <m:t>=</m:t>
+                    </m:r>
+                    <m:r>
+                      <a:rPr kumimoji="1" lang="en-US" altLang="ja-JP" b="0" i="1" smtClean="0">
+                        <a:latin typeface="Cambria Math" panose="02040503050406030204" pitchFamily="18" charset="0"/>
+                      </a:rPr>
+                      <m:t>𝑎𝑑</m:t>
+                    </m:r>
+                    <m:r>
+                      <a:rPr kumimoji="1" lang="en-US" altLang="ja-JP" b="0" i="1" smtClean="0">
+                        <a:latin typeface="Cambria Math" panose="02040503050406030204" pitchFamily="18" charset="0"/>
+                      </a:rPr>
+                      <m:t>−</m:t>
+                    </m:r>
+                    <m:r>
+                      <a:rPr kumimoji="1" lang="en-US" altLang="ja-JP" b="0" i="1" smtClean="0">
+                        <a:latin typeface="Cambria Math" panose="02040503050406030204" pitchFamily="18" charset="0"/>
+                      </a:rPr>
+                      <m:t>𝑏𝑐</m:t>
+                    </m:r>
+                  </m:oMath>
+                </a14:m>
+                <a:endParaRPr kumimoji="1" lang="en-US" altLang="ja-JP"/>
+              </a:p>
+              <a:p>
+                <a:r>
+                  <a:rPr kumimoji="1" lang="ja-JP" altLang="en-US"/>
+                  <a:t>楕円曲線</a:t>
+                </a:r>
+                <a:endParaRPr kumimoji="1" lang="en-US" altLang="ja-JP"/>
+              </a:p>
+              <a:p>
+                <a:pPr lvl="1"/>
+                <a:r>
+                  <a:rPr kumimoji="1" lang="ja-JP" altLang="en-US"/>
+                  <a:t>トーラス</a:t>
+                </a:r>
+                <a:r>
+                  <a:rPr kumimoji="1" lang="en-US" altLang="ja-JP"/>
+                  <a:t>(</a:t>
+                </a:r>
+                <a:r>
+                  <a:rPr kumimoji="1" lang="ja-JP" altLang="en-US"/>
+                  <a:t>長方形の向かい合う辺をつけたもの</a:t>
+                </a:r>
+                <a:r>
+                  <a:rPr kumimoji="1" lang="en-US" altLang="ja-JP"/>
+                  <a:t>)</a:t>
+                </a:r>
+              </a:p>
+              <a:p>
+                <a:pPr lvl="1"/>
+                <a:r>
+                  <a:rPr kumimoji="1" lang="ja-JP" altLang="en-US"/>
+                  <a:t>楕円曲線の点を</a:t>
+                </a:r>
+                <a:r>
+                  <a:rPr kumimoji="1" lang="en-US" altLang="ja-JP"/>
+                  <a:t>2</a:t>
+                </a:r>
+                <a:r>
+                  <a:rPr kumimoji="1" lang="ja-JP" altLang="en-US"/>
+                  <a:t>個の整数の組で表現</a:t>
+                </a:r>
+                <a:endParaRPr kumimoji="1" lang="en-US" altLang="ja-JP"/>
+              </a:p>
+              <a:p>
+                <a:pPr lvl="1"/>
+                <a14:m>
+                  <m:oMath xmlns:m="http://schemas.openxmlformats.org/officeDocument/2006/math">
+                    <m:r>
+                      <a:rPr kumimoji="1" lang="en-US" altLang="ja-JP" b="0" i="1" smtClean="0">
+                        <a:latin typeface="Cambria Math" panose="02040503050406030204" pitchFamily="18" charset="0"/>
+                      </a:rPr>
+                      <m:t>𝑃</m:t>
+                    </m:r>
+                    <m:r>
+                      <a:rPr kumimoji="1" lang="en-US" altLang="ja-JP" b="0" i="1" smtClean="0">
+                        <a:latin typeface="Cambria Math" panose="02040503050406030204" pitchFamily="18" charset="0"/>
+                      </a:rPr>
+                      <m:t>=</m:t>
+                    </m:r>
+                    <m:r>
+                      <a:rPr kumimoji="1" lang="en-US" altLang="ja-JP" b="0" i="1" smtClean="0">
+                        <a:latin typeface="Cambria Math" panose="02040503050406030204" pitchFamily="18" charset="0"/>
+                      </a:rPr>
+                      <m:t>𝑎</m:t>
+                    </m:r>
+                    <m:sSub>
+                      <m:sSubPr>
+                        <m:ctrlPr>
+                          <a:rPr kumimoji="1" lang="en-US" altLang="ja-JP" b="0" i="1" smtClean="0">
+                            <a:latin typeface="Cambria Math" panose="02040503050406030204" pitchFamily="18" charset="0"/>
+                          </a:rPr>
+                        </m:ctrlPr>
+                      </m:sSubPr>
+                      <m:e>
+                        <m:r>
+                          <a:rPr kumimoji="1" lang="en-US" altLang="ja-JP" b="0" i="1" smtClean="0">
+                            <a:latin typeface="Cambria Math" panose="02040503050406030204" pitchFamily="18" charset="0"/>
+                          </a:rPr>
+                          <m:t>𝑒</m:t>
+                        </m:r>
+                      </m:e>
+                      <m:sub>
+                        <m:r>
+                          <a:rPr kumimoji="1" lang="en-US" altLang="ja-JP" b="0" i="1" smtClean="0">
+                            <a:latin typeface="Cambria Math" panose="02040503050406030204" pitchFamily="18" charset="0"/>
+                          </a:rPr>
+                          <m:t>1</m:t>
+                        </m:r>
+                      </m:sub>
+                    </m:sSub>
+                    <m:r>
+                      <a:rPr kumimoji="1" lang="en-US" altLang="ja-JP" b="0" i="1" smtClean="0">
+                        <a:latin typeface="Cambria Math" panose="02040503050406030204" pitchFamily="18" charset="0"/>
+                      </a:rPr>
+                      <m:t>+</m:t>
+                    </m:r>
+                    <m:r>
+                      <a:rPr kumimoji="1" lang="en-US" altLang="ja-JP" b="0" i="1" smtClean="0">
+                        <a:latin typeface="Cambria Math" panose="02040503050406030204" pitchFamily="18" charset="0"/>
+                      </a:rPr>
+                      <m:t>𝑏</m:t>
+                    </m:r>
+                    <m:sSub>
+                      <m:sSubPr>
+                        <m:ctrlPr>
+                          <a:rPr kumimoji="1" lang="en-US" altLang="ja-JP" b="0" i="1" smtClean="0">
+                            <a:latin typeface="Cambria Math" panose="02040503050406030204" pitchFamily="18" charset="0"/>
+                          </a:rPr>
+                        </m:ctrlPr>
+                      </m:sSubPr>
+                      <m:e>
+                        <m:r>
+                          <a:rPr kumimoji="1" lang="en-US" altLang="ja-JP" b="0" i="1" smtClean="0">
+                            <a:latin typeface="Cambria Math" panose="02040503050406030204" pitchFamily="18" charset="0"/>
+                          </a:rPr>
+                          <m:t>𝑒</m:t>
+                        </m:r>
+                      </m:e>
+                      <m:sub>
+                        <m:r>
+                          <a:rPr kumimoji="1" lang="en-US" altLang="ja-JP" b="0" i="1" smtClean="0">
+                            <a:latin typeface="Cambria Math" panose="02040503050406030204" pitchFamily="18" charset="0"/>
+                          </a:rPr>
+                          <m:t>2</m:t>
+                        </m:r>
+                      </m:sub>
+                    </m:sSub>
+                    <m:r>
+                      <a:rPr kumimoji="1" lang="en-US" altLang="ja-JP" b="0" i="1" smtClean="0">
+                        <a:latin typeface="Cambria Math" panose="02040503050406030204" pitchFamily="18" charset="0"/>
+                      </a:rPr>
+                      <m:t>,</m:t>
+                    </m:r>
+                    <m:r>
+                      <a:rPr kumimoji="1" lang="en-US" altLang="ja-JP" b="0" i="1" smtClean="0">
+                        <a:latin typeface="Cambria Math" panose="02040503050406030204" pitchFamily="18" charset="0"/>
+                      </a:rPr>
+                      <m:t>𝑄</m:t>
+                    </m:r>
+                    <m:r>
+                      <a:rPr kumimoji="1" lang="en-US" altLang="ja-JP" b="0" i="1" smtClean="0">
+                        <a:latin typeface="Cambria Math" panose="02040503050406030204" pitchFamily="18" charset="0"/>
+                      </a:rPr>
+                      <m:t>=</m:t>
+                    </m:r>
+                    <m:r>
+                      <a:rPr kumimoji="1" lang="en-US" altLang="ja-JP" b="0" i="1" smtClean="0">
+                        <a:latin typeface="Cambria Math" panose="02040503050406030204" pitchFamily="18" charset="0"/>
+                      </a:rPr>
+                      <m:t>𝑐</m:t>
+                    </m:r>
+                    <m:sSub>
+                      <m:sSubPr>
+                        <m:ctrlPr>
+                          <a:rPr kumimoji="1" lang="en-US" altLang="ja-JP" b="0" i="1" smtClean="0">
+                            <a:latin typeface="Cambria Math" panose="02040503050406030204" pitchFamily="18" charset="0"/>
+                          </a:rPr>
+                        </m:ctrlPr>
+                      </m:sSubPr>
+                      <m:e>
+                        <m:r>
+                          <a:rPr kumimoji="1" lang="en-US" altLang="ja-JP" b="0" i="1" smtClean="0">
+                            <a:latin typeface="Cambria Math" panose="02040503050406030204" pitchFamily="18" charset="0"/>
+                          </a:rPr>
+                          <m:t>𝑒</m:t>
+                        </m:r>
+                      </m:e>
+                      <m:sub>
+                        <m:r>
+                          <a:rPr kumimoji="1" lang="en-US" altLang="ja-JP" b="0" i="1" smtClean="0">
+                            <a:latin typeface="Cambria Math" panose="02040503050406030204" pitchFamily="18" charset="0"/>
+                          </a:rPr>
+                          <m:t>1</m:t>
+                        </m:r>
+                      </m:sub>
+                    </m:sSub>
+                    <m:r>
+                      <a:rPr kumimoji="1" lang="en-US" altLang="ja-JP" b="0" i="1" smtClean="0">
+                        <a:latin typeface="Cambria Math" panose="02040503050406030204" pitchFamily="18" charset="0"/>
+                      </a:rPr>
+                      <m:t>+</m:t>
+                    </m:r>
+                    <m:r>
+                      <a:rPr kumimoji="1" lang="en-US" altLang="ja-JP" b="0" i="1" smtClean="0">
+                        <a:latin typeface="Cambria Math" panose="02040503050406030204" pitchFamily="18" charset="0"/>
+                      </a:rPr>
+                      <m:t>𝑑</m:t>
+                    </m:r>
+                    <m:sSub>
+                      <m:sSubPr>
+                        <m:ctrlPr>
+                          <a:rPr kumimoji="1" lang="en-US" altLang="ja-JP" b="0" i="1" smtClean="0">
+                            <a:latin typeface="Cambria Math" panose="02040503050406030204" pitchFamily="18" charset="0"/>
+                          </a:rPr>
+                        </m:ctrlPr>
+                      </m:sSubPr>
+                      <m:e>
+                        <m:r>
+                          <a:rPr kumimoji="1" lang="en-US" altLang="ja-JP" b="0" i="1" smtClean="0">
+                            <a:latin typeface="Cambria Math" panose="02040503050406030204" pitchFamily="18" charset="0"/>
+                          </a:rPr>
+                          <m:t>𝑒</m:t>
+                        </m:r>
+                      </m:e>
+                      <m:sub>
+                        <m:r>
+                          <a:rPr kumimoji="1" lang="en-US" altLang="ja-JP" b="0" i="1" smtClean="0">
+                            <a:latin typeface="Cambria Math" panose="02040503050406030204" pitchFamily="18" charset="0"/>
+                          </a:rPr>
+                          <m:t>2</m:t>
+                        </m:r>
+                      </m:sub>
+                    </m:sSub>
+                  </m:oMath>
+                </a14:m>
+                <a:endParaRPr kumimoji="1" lang="en-US" altLang="ja-JP"/>
+              </a:p>
+              <a:p>
+                <a14:m>
+                  <m:oMath xmlns:m="http://schemas.openxmlformats.org/officeDocument/2006/math">
+                    <m:r>
+                      <a:rPr kumimoji="1" lang="en-US" altLang="ja-JP" b="0" i="1" smtClean="0">
+                        <a:latin typeface="Cambria Math" panose="02040503050406030204" pitchFamily="18" charset="0"/>
+                      </a:rPr>
+                      <m:t>𝑃</m:t>
+                    </m:r>
+                  </m:oMath>
+                </a14:m>
+                <a:r>
+                  <a:rPr kumimoji="1" lang="ja-JP" altLang="en-US"/>
+                  <a:t>と</a:t>
+                </a:r>
+                <a14:m>
+                  <m:oMath xmlns:m="http://schemas.openxmlformats.org/officeDocument/2006/math">
+                    <m:r>
+                      <a:rPr kumimoji="1" lang="en-US" altLang="ja-JP" b="0" i="1" smtClean="0">
+                        <a:latin typeface="Cambria Math" panose="02040503050406030204" pitchFamily="18" charset="0"/>
+                      </a:rPr>
+                      <m:t>𝑄</m:t>
+                    </m:r>
+                  </m:oMath>
+                </a14:m>
+                <a:r>
+                  <a:rPr kumimoji="1" lang="ja-JP" altLang="en-US"/>
+                  <a:t>のペアリング</a:t>
+                </a:r>
+                <a14:m>
+                  <m:oMath xmlns:m="http://schemas.openxmlformats.org/officeDocument/2006/math">
+                    <m:r>
+                      <a:rPr kumimoji="1" lang="en-US" altLang="ja-JP" b="0" i="1" smtClean="0">
+                        <a:latin typeface="Cambria Math" panose="02040503050406030204" pitchFamily="18" charset="0"/>
+                      </a:rPr>
+                      <m:t>𝑒</m:t>
+                    </m:r>
+                    <m:r>
+                      <a:rPr kumimoji="1" lang="en-US" altLang="ja-JP" b="0" i="1" smtClean="0">
+                        <a:latin typeface="Cambria Math" panose="02040503050406030204" pitchFamily="18" charset="0"/>
+                      </a:rPr>
+                      <m:t>(</m:t>
+                    </m:r>
+                    <m:r>
+                      <a:rPr kumimoji="1" lang="en-US" altLang="ja-JP" b="0" i="1" smtClean="0">
+                        <a:latin typeface="Cambria Math" panose="02040503050406030204" pitchFamily="18" charset="0"/>
+                      </a:rPr>
+                      <m:t>𝑃</m:t>
+                    </m:r>
+                    <m:r>
+                      <a:rPr kumimoji="1" lang="en-US" altLang="ja-JP" b="0" i="1" smtClean="0">
+                        <a:latin typeface="Cambria Math" panose="02040503050406030204" pitchFamily="18" charset="0"/>
+                      </a:rPr>
+                      <m:t>,</m:t>
+                    </m:r>
+                    <m:r>
+                      <a:rPr kumimoji="1" lang="en-US" altLang="ja-JP" b="0" i="1" smtClean="0">
+                        <a:latin typeface="Cambria Math" panose="02040503050406030204" pitchFamily="18" charset="0"/>
+                      </a:rPr>
+                      <m:t>𝑄</m:t>
+                    </m:r>
+                    <m:r>
+                      <a:rPr kumimoji="1" lang="en-US" altLang="ja-JP" b="0" i="1" smtClean="0">
+                        <a:latin typeface="Cambria Math" panose="02040503050406030204" pitchFamily="18" charset="0"/>
+                      </a:rPr>
+                      <m:t>)</m:t>
+                    </m:r>
+                  </m:oMath>
+                </a14:m>
+                <a:endParaRPr kumimoji="1" lang="en-US" altLang="ja-JP"/>
+              </a:p>
+              <a:p>
+                <a:pPr lvl="1"/>
+                <a:r>
+                  <a:rPr kumimoji="1" lang="ja-JP" altLang="en-US"/>
+                  <a:t>点</a:t>
+                </a:r>
+                <a14:m>
+                  <m:oMath xmlns:m="http://schemas.openxmlformats.org/officeDocument/2006/math">
+                    <m:r>
+                      <a:rPr kumimoji="1" lang="en-US" altLang="ja-JP" b="0" i="1" smtClean="0">
+                        <a:latin typeface="Cambria Math" panose="02040503050406030204" pitchFamily="18" charset="0"/>
+                      </a:rPr>
+                      <m:t>𝑃</m:t>
+                    </m:r>
+                  </m:oMath>
+                </a14:m>
+                <a:r>
+                  <a:rPr kumimoji="1" lang="ja-JP" altLang="en-US"/>
+                  <a:t>と</a:t>
+                </a:r>
+                <a14:m>
+                  <m:oMath xmlns:m="http://schemas.openxmlformats.org/officeDocument/2006/math">
+                    <m:r>
+                      <a:rPr kumimoji="1" lang="en-US" altLang="ja-JP" b="0" i="1" smtClean="0">
+                        <a:latin typeface="Cambria Math" panose="02040503050406030204" pitchFamily="18" charset="0"/>
+                      </a:rPr>
+                      <m:t>𝑄</m:t>
+                    </m:r>
+                  </m:oMath>
+                </a14:m>
+                <a:r>
+                  <a:rPr kumimoji="1" lang="ja-JP" altLang="en-US"/>
+                  <a:t>の外積に相当するもの</a:t>
+                </a:r>
+                <a:endParaRPr kumimoji="1" lang="en-US" altLang="ja-JP"/>
+              </a:p>
+              <a:p>
+                <a:pPr lvl="1"/>
+                <a:r>
+                  <a:rPr kumimoji="1" lang="ja-JP" altLang="en-US"/>
+                  <a:t>値は有限体の拡大体の元</a:t>
+                </a:r>
+                <a:r>
+                  <a:rPr kumimoji="1" lang="en-US" altLang="ja-JP"/>
+                  <a:t>(</a:t>
+                </a:r>
+                <a:r>
+                  <a:rPr kumimoji="1" lang="ja-JP" altLang="en-US"/>
+                  <a:t>詳細略</a:t>
+                </a:r>
+                <a:r>
+                  <a:rPr kumimoji="1" lang="en-US" altLang="ja-JP"/>
+                  <a:t>)</a:t>
+                </a:r>
+              </a:p>
+              <a:p>
+                <a:pPr lvl="1"/>
+                <a:r>
+                  <a:rPr kumimoji="1" lang="ja-JP" altLang="en-US"/>
+                  <a:t>「</a:t>
+                </a:r>
+                <a14:m>
+                  <m:oMath xmlns:m="http://schemas.openxmlformats.org/officeDocument/2006/math">
+                    <m:r>
+                      <a:rPr kumimoji="1" lang="en-US" altLang="ja-JP" b="0" i="1" smtClean="0">
+                        <a:latin typeface="Cambria Math" panose="02040503050406030204" pitchFamily="18" charset="0"/>
+                      </a:rPr>
+                      <m:t>𝑃</m:t>
+                    </m:r>
+                    <m:r>
+                      <a:rPr kumimoji="1" lang="en-US" altLang="ja-JP" b="0" i="1" smtClean="0">
+                        <a:latin typeface="Cambria Math" panose="02040503050406030204" pitchFamily="18" charset="0"/>
+                      </a:rPr>
+                      <m:t>×</m:t>
+                    </m:r>
+                    <m:r>
+                      <a:rPr kumimoji="1" lang="en-US" altLang="ja-JP" b="0" i="1" smtClean="0">
+                        <a:latin typeface="Cambria Math" panose="02040503050406030204" pitchFamily="18" charset="0"/>
+                      </a:rPr>
+                      <m:t>𝑄</m:t>
+                    </m:r>
+                  </m:oMath>
+                </a14:m>
+                <a:r>
+                  <a:rPr kumimoji="1" lang="ja-JP" altLang="en-US"/>
+                  <a:t>」と書くことにする</a:t>
+                </a:r>
+                <a:r>
+                  <a:rPr kumimoji="1" lang="en-US" altLang="ja-JP"/>
+                  <a:t>(</a:t>
+                </a:r>
+                <a:r>
+                  <a:rPr kumimoji="1" lang="ja-JP" altLang="en-US"/>
+                  <a:t>ここだけの記法</a:t>
+                </a:r>
+                <a:r>
+                  <a:rPr kumimoji="1" lang="en-US" altLang="ja-JP"/>
+                  <a:t>)</a:t>
+                </a:r>
+              </a:p>
+              <a:p>
+                <a:pPr lvl="1"/>
+                <a14:m>
+                  <m:oMath xmlns:m="http://schemas.openxmlformats.org/officeDocument/2006/math">
+                    <m:d>
+                      <m:dPr>
+                        <m:ctrlPr>
+                          <a:rPr kumimoji="1" lang="en-US" altLang="ja-JP" b="0" i="1" smtClean="0">
+                            <a:latin typeface="Cambria Math" panose="02040503050406030204" pitchFamily="18" charset="0"/>
+                          </a:rPr>
+                        </m:ctrlPr>
+                      </m:dPr>
+                      <m:e>
+                        <m:r>
+                          <a:rPr kumimoji="1" lang="en-US" altLang="ja-JP" b="0" i="1" smtClean="0">
+                            <a:latin typeface="Cambria Math" panose="02040503050406030204" pitchFamily="18" charset="0"/>
+                          </a:rPr>
+                          <m:t>𝑛𝑃</m:t>
+                        </m:r>
+                      </m:e>
+                    </m:d>
+                    <m:r>
+                      <a:rPr kumimoji="1" lang="en-US" altLang="ja-JP" b="0" i="1" smtClean="0">
+                        <a:latin typeface="Cambria Math" panose="02040503050406030204" pitchFamily="18" charset="0"/>
+                      </a:rPr>
+                      <m:t>×</m:t>
+                    </m:r>
+                    <m:d>
+                      <m:dPr>
+                        <m:ctrlPr>
+                          <a:rPr kumimoji="1" lang="en-US" altLang="ja-JP" b="0" i="1" smtClean="0">
+                            <a:latin typeface="Cambria Math" panose="02040503050406030204" pitchFamily="18" charset="0"/>
+                          </a:rPr>
+                        </m:ctrlPr>
+                      </m:dPr>
+                      <m:e>
+                        <m:r>
+                          <a:rPr kumimoji="1" lang="en-US" altLang="ja-JP" b="0" i="1" smtClean="0">
+                            <a:latin typeface="Cambria Math" panose="02040503050406030204" pitchFamily="18" charset="0"/>
+                          </a:rPr>
+                          <m:t>𝑚𝑄</m:t>
+                        </m:r>
+                      </m:e>
+                    </m:d>
+                    <m:r>
+                      <a:rPr kumimoji="1" lang="en-US" altLang="ja-JP" b="0" i="1" smtClean="0">
+                        <a:latin typeface="Cambria Math" panose="02040503050406030204" pitchFamily="18" charset="0"/>
+                      </a:rPr>
+                      <m:t>=</m:t>
+                    </m:r>
+                    <m:r>
+                      <a:rPr kumimoji="1" lang="en-US" altLang="ja-JP" b="0" i="1" smtClean="0">
+                        <a:latin typeface="Cambria Math" panose="02040503050406030204" pitchFamily="18" charset="0"/>
+                      </a:rPr>
+                      <m:t>𝑛𝑚</m:t>
+                    </m:r>
+                    <m:r>
+                      <a:rPr kumimoji="1" lang="en-US" altLang="ja-JP" b="0" i="1" smtClean="0">
+                        <a:latin typeface="Cambria Math" panose="02040503050406030204" pitchFamily="18" charset="0"/>
+                      </a:rPr>
+                      <m:t>(</m:t>
+                    </m:r>
+                    <m:r>
+                      <a:rPr kumimoji="1" lang="en-US" altLang="ja-JP" b="0" i="1" smtClean="0">
+                        <a:latin typeface="Cambria Math" panose="02040503050406030204" pitchFamily="18" charset="0"/>
+                      </a:rPr>
+                      <m:t>𝑃</m:t>
+                    </m:r>
+                    <m:r>
+                      <a:rPr kumimoji="1" lang="en-US" altLang="ja-JP" b="0" i="1" smtClean="0">
+                        <a:latin typeface="Cambria Math" panose="02040503050406030204" pitchFamily="18" charset="0"/>
+                      </a:rPr>
+                      <m:t>×</m:t>
+                    </m:r>
+                    <m:r>
+                      <a:rPr kumimoji="1" lang="en-US" altLang="ja-JP" b="0" i="1" smtClean="0">
+                        <a:latin typeface="Cambria Math" panose="02040503050406030204" pitchFamily="18" charset="0"/>
+                      </a:rPr>
+                      <m:t>𝑄</m:t>
+                    </m:r>
+                    <m:r>
+                      <a:rPr kumimoji="1" lang="en-US" altLang="ja-JP" b="0" i="1" smtClean="0">
+                        <a:latin typeface="Cambria Math" panose="02040503050406030204" pitchFamily="18" charset="0"/>
+                      </a:rPr>
+                      <m:t>)</m:t>
+                    </m:r>
+                  </m:oMath>
+                </a14:m>
+                <a:endParaRPr kumimoji="1" lang="ja-JP" altLang="en-US"/>
+              </a:p>
+            </p:txBody>
+          </p:sp>
+        </mc:Choice>
+        <mc:Fallback>
+          <p:sp>
+            <p:nvSpPr>
+              <p:cNvPr id="2" name="コンテンツ プレースホルダー 1">
+                <a:extLst>
+                  <a:ext uri="{FF2B5EF4-FFF2-40B4-BE49-F238E27FC236}">
+                    <a16:creationId xmlns:a16="http://schemas.microsoft.com/office/drawing/2014/main" id="{02E6E2D0-6016-4E44-B7D3-E0ED1666E649}"/>
+                  </a:ext>
+                </a:extLst>
+              </p:cNvPr>
+              <p:cNvSpPr>
+                <a:spLocks noGrp="1" noRot="1" noChangeAspect="1" noMove="1" noResize="1" noEditPoints="1" noAdjustHandles="1" noChangeArrowheads="1" noChangeShapeType="1" noTextEdit="1"/>
+              </p:cNvSpPr>
+              <p:nvPr>
+                <p:ph idx="1"/>
+              </p:nvPr>
+            </p:nvSpPr>
+            <p:spPr>
+              <a:blipFill>
+                <a:blip r:embed="rId2"/>
+                <a:stretch>
+                  <a:fillRect l="-1200" t="-1454"/>
+                </a:stretch>
+              </a:blipFill>
+            </p:spPr>
+            <p:txBody>
+              <a:bodyPr/>
+              <a:lstStyle/>
+              <a:p>
+                <a:r>
+                  <a:rPr lang="ja-JP" altLang="en-US">
+                    <a:noFill/>
+                  </a:rPr>
+                  <a:t> </a:t>
+                </a:r>
+              </a:p>
+            </p:txBody>
+          </p:sp>
+        </mc:Fallback>
+      </mc:AlternateContent>
+      <p:sp>
+        <p:nvSpPr>
+          <p:cNvPr id="3" name="スライド番号プレースホルダー 2">
+            <a:extLst>
+              <a:ext uri="{FF2B5EF4-FFF2-40B4-BE49-F238E27FC236}">
+                <a16:creationId xmlns:a16="http://schemas.microsoft.com/office/drawing/2014/main" id="{1F069998-A276-404E-A45F-B1D9CF7055A8}"/>
+              </a:ext>
+            </a:extLst>
+          </p:cNvPr>
+          <p:cNvSpPr>
+            <a:spLocks noGrp="1"/>
+          </p:cNvSpPr>
+          <p:nvPr>
+            <p:ph type="sldNum" sz="quarter" idx="12"/>
+          </p:nvPr>
+        </p:nvSpPr>
+        <p:spPr/>
+        <p:txBody>
+          <a:bodyPr/>
+          <a:lstStyle/>
+          <a:p>
+            <a:pPr>
+              <a:defRPr/>
+            </a:pPr>
+            <a:r>
+              <a:rPr lang="en-US" altLang="ja-JP"/>
+              <a:t>    </a:t>
+            </a:r>
+            <a:fld id="{B2782DEB-472A-4FE5-AC34-C17109CF5A91}" type="slidenum">
+              <a:rPr lang="en-US" altLang="ja-JP" smtClean="0"/>
+              <a:pPr>
+                <a:defRPr/>
+              </a:pPr>
+              <a:t>13</a:t>
+            </a:fld>
+            <a:r>
+              <a:rPr lang="en-US" altLang="ja-JP"/>
+              <a:t> / 24</a:t>
+            </a:r>
+          </a:p>
+        </p:txBody>
+      </p:sp>
+      <p:sp>
+        <p:nvSpPr>
+          <p:cNvPr id="4" name="タイトル 3">
+            <a:extLst>
+              <a:ext uri="{FF2B5EF4-FFF2-40B4-BE49-F238E27FC236}">
+                <a16:creationId xmlns:a16="http://schemas.microsoft.com/office/drawing/2014/main" id="{98B15C88-7AD8-430D-A973-A8E709B54ADE}"/>
+              </a:ext>
+            </a:extLst>
+          </p:cNvPr>
+          <p:cNvSpPr>
+            <a:spLocks noGrp="1"/>
+          </p:cNvSpPr>
+          <p:nvPr>
+            <p:ph type="title"/>
+          </p:nvPr>
+        </p:nvSpPr>
+        <p:spPr/>
+        <p:txBody>
+          <a:bodyPr/>
+          <a:lstStyle/>
+          <a:p>
+            <a:r>
+              <a:rPr kumimoji="1" lang="ja-JP" altLang="en-US"/>
+              <a:t>ペアリング</a:t>
+            </a:r>
+          </a:p>
+        </p:txBody>
+      </p:sp>
+      <p:cxnSp>
+        <p:nvCxnSpPr>
+          <p:cNvPr id="5" name="直線矢印コネクタ 4">
+            <a:extLst>
+              <a:ext uri="{FF2B5EF4-FFF2-40B4-BE49-F238E27FC236}">
+                <a16:creationId xmlns:a16="http://schemas.microsoft.com/office/drawing/2014/main" id="{C550FA49-E2BA-4A7E-88BC-ED6343476051}"/>
+              </a:ext>
+            </a:extLst>
+          </p:cNvPr>
+          <p:cNvCxnSpPr>
+            <a:cxnSpLocks/>
+          </p:cNvCxnSpPr>
+          <p:nvPr/>
+        </p:nvCxnSpPr>
+        <p:spPr>
+          <a:xfrm>
+            <a:off x="7117946" y="2277116"/>
+            <a:ext cx="1054454" cy="247441"/>
+          </a:xfrm>
+          <a:prstGeom prst="straightConnector1">
+            <a:avLst/>
+          </a:prstGeom>
+          <a:ln w="12700">
+            <a:solidFill>
+              <a:schemeClr val="tx1"/>
+            </a:solidFill>
+            <a:tailEnd type="triangle"/>
+          </a:ln>
+        </p:spPr>
+        <p:style>
+          <a:lnRef idx="1">
+            <a:schemeClr val="accent1"/>
+          </a:lnRef>
+          <a:fillRef idx="0">
+            <a:schemeClr val="accent1"/>
+          </a:fillRef>
+          <a:effectRef idx="0">
+            <a:schemeClr val="accent1"/>
+          </a:effectRef>
+          <a:fontRef idx="minor">
+            <a:schemeClr val="tx1"/>
+          </a:fontRef>
+        </p:style>
+      </p:cxnSp>
+      <p:cxnSp>
+        <p:nvCxnSpPr>
+          <p:cNvPr id="7" name="直線矢印コネクタ 6">
+            <a:extLst>
+              <a:ext uri="{FF2B5EF4-FFF2-40B4-BE49-F238E27FC236}">
+                <a16:creationId xmlns:a16="http://schemas.microsoft.com/office/drawing/2014/main" id="{68D857A2-2800-4579-B445-063F5CBCECF1}"/>
+              </a:ext>
+            </a:extLst>
+          </p:cNvPr>
+          <p:cNvCxnSpPr>
+            <a:cxnSpLocks/>
+          </p:cNvCxnSpPr>
+          <p:nvPr/>
+        </p:nvCxnSpPr>
+        <p:spPr>
+          <a:xfrm flipV="1">
+            <a:off x="7123204" y="1917076"/>
+            <a:ext cx="1224136" cy="360040"/>
+          </a:xfrm>
+          <a:prstGeom prst="straightConnector1">
+            <a:avLst/>
+          </a:prstGeom>
+          <a:ln w="12700">
+            <a:solidFill>
+              <a:schemeClr val="tx1"/>
+            </a:solidFill>
+            <a:tailEnd type="triangle"/>
+          </a:ln>
+        </p:spPr>
+        <p:style>
+          <a:lnRef idx="1">
+            <a:schemeClr val="accent1"/>
+          </a:lnRef>
+          <a:fillRef idx="0">
+            <a:schemeClr val="accent1"/>
+          </a:fillRef>
+          <a:effectRef idx="0">
+            <a:schemeClr val="accent1"/>
+          </a:effectRef>
+          <a:fontRef idx="minor">
+            <a:schemeClr val="tx1"/>
+          </a:fontRef>
+        </p:style>
+      </p:cxnSp>
+      <mc:AlternateContent xmlns:mc="http://schemas.openxmlformats.org/markup-compatibility/2006">
+        <mc:Choice xmlns:a14="http://schemas.microsoft.com/office/drawing/2010/main" Requires="a14">
+          <p:sp>
+            <p:nvSpPr>
+              <p:cNvPr id="10" name="テキスト ボックス 9">
+                <a:extLst>
+                  <a:ext uri="{FF2B5EF4-FFF2-40B4-BE49-F238E27FC236}">
+                    <a16:creationId xmlns:a16="http://schemas.microsoft.com/office/drawing/2014/main" id="{5E310DB0-411B-466A-AB68-9DF55ABE5B62}"/>
+                  </a:ext>
+                </a:extLst>
+              </p:cNvPr>
+              <p:cNvSpPr txBox="1"/>
+              <p:nvPr/>
+            </p:nvSpPr>
+            <p:spPr>
+              <a:xfrm>
+                <a:off x="7746480" y="2607060"/>
+                <a:ext cx="1225079" cy="369332"/>
+              </a:xfrm>
+              <a:prstGeom prst="rect">
+                <a:avLst/>
+              </a:prstGeom>
+              <a:noFill/>
+              <a:ln w="19050" cap="rnd">
+                <a:noFill/>
+              </a:ln>
+            </p:spPr>
+            <p:txBody>
+              <a:bodyPr wrap="none" rtlCol="0">
+                <a:spAutoFit/>
+              </a:bodyPr>
+              <a:lstStyle/>
+              <a:p>
+                <a14:m>
+                  <m:oMathPara xmlns:m="http://schemas.openxmlformats.org/officeDocument/2006/math">
+                    <m:oMathParaPr>
+                      <m:jc m:val="centerGroup"/>
+                    </m:oMathParaPr>
+                    <m:oMath xmlns:m="http://schemas.openxmlformats.org/officeDocument/2006/math">
+                      <m:r>
+                        <a:rPr lang="en-US" altLang="ja-JP" b="0" i="1" smtClean="0">
+                          <a:latin typeface="Cambria Math" panose="02040503050406030204" pitchFamily="18" charset="0"/>
+                          <a:ea typeface="游ゴシック" panose="020B0400000000000000" pitchFamily="50" charset="-128"/>
+                          <a:cs typeface="Courier New" pitchFamily="49" charset="0"/>
+                        </a:rPr>
+                        <m:t>𝑥</m:t>
+                      </m:r>
+                      <m:r>
+                        <a:rPr lang="en-US" altLang="ja-JP" b="0" i="1" smtClean="0">
+                          <a:latin typeface="Cambria Math" panose="02040503050406030204" pitchFamily="18" charset="0"/>
+                          <a:ea typeface="游ゴシック" panose="020B0400000000000000" pitchFamily="50" charset="-128"/>
+                          <a:cs typeface="Courier New" pitchFamily="49" charset="0"/>
+                        </a:rPr>
+                        <m:t>=(</m:t>
+                      </m:r>
+                      <m:r>
+                        <a:rPr lang="en-US" altLang="ja-JP" b="0" i="1" smtClean="0">
+                          <a:latin typeface="Cambria Math" panose="02040503050406030204" pitchFamily="18" charset="0"/>
+                          <a:ea typeface="游ゴシック" panose="020B0400000000000000" pitchFamily="50" charset="-128"/>
+                          <a:cs typeface="Courier New" pitchFamily="49" charset="0"/>
+                        </a:rPr>
+                        <m:t>𝑎</m:t>
+                      </m:r>
+                      <m:r>
+                        <a:rPr lang="en-US" altLang="ja-JP" b="0" i="1" smtClean="0">
+                          <a:latin typeface="Cambria Math" panose="02040503050406030204" pitchFamily="18" charset="0"/>
+                          <a:ea typeface="游ゴシック" panose="020B0400000000000000" pitchFamily="50" charset="-128"/>
+                          <a:cs typeface="Courier New" pitchFamily="49" charset="0"/>
+                        </a:rPr>
+                        <m:t>,</m:t>
+                      </m:r>
+                      <m:r>
+                        <a:rPr lang="en-US" altLang="ja-JP" b="0" i="1" smtClean="0">
+                          <a:latin typeface="Cambria Math" panose="02040503050406030204" pitchFamily="18" charset="0"/>
+                          <a:ea typeface="游ゴシック" panose="020B0400000000000000" pitchFamily="50" charset="-128"/>
+                          <a:cs typeface="Courier New" pitchFamily="49" charset="0"/>
+                        </a:rPr>
+                        <m:t>𝑏</m:t>
+                      </m:r>
+                      <m:r>
+                        <a:rPr lang="en-US" altLang="ja-JP" b="0" i="1" smtClean="0">
+                          <a:latin typeface="Cambria Math" panose="02040503050406030204" pitchFamily="18" charset="0"/>
+                          <a:ea typeface="游ゴシック" panose="020B0400000000000000" pitchFamily="50" charset="-128"/>
+                          <a:cs typeface="Courier New" pitchFamily="49" charset="0"/>
+                        </a:rPr>
+                        <m:t>)</m:t>
+                      </m:r>
+                    </m:oMath>
+                  </m:oMathPara>
+                </a14:m>
+                <a:endParaRPr lang="ja-JP" altLang="en-US">
+                  <a:latin typeface="游ゴシック" panose="020B0400000000000000" pitchFamily="50" charset="-128"/>
+                  <a:ea typeface="游ゴシック" panose="020B0400000000000000" pitchFamily="50" charset="-128"/>
+                  <a:cs typeface="Courier New" pitchFamily="49" charset="0"/>
+                </a:endParaRPr>
+              </a:p>
+            </p:txBody>
+          </p:sp>
+        </mc:Choice>
+        <mc:Fallback>
+          <p:sp>
+            <p:nvSpPr>
+              <p:cNvPr id="10" name="テキスト ボックス 9">
+                <a:extLst>
+                  <a:ext uri="{FF2B5EF4-FFF2-40B4-BE49-F238E27FC236}">
+                    <a16:creationId xmlns:a16="http://schemas.microsoft.com/office/drawing/2014/main" id="{5E310DB0-411B-466A-AB68-9DF55ABE5B62}"/>
+                  </a:ext>
+                </a:extLst>
+              </p:cNvPr>
+              <p:cNvSpPr txBox="1">
+                <a:spLocks noRot="1" noChangeAspect="1" noMove="1" noResize="1" noEditPoints="1" noAdjustHandles="1" noChangeArrowheads="1" noChangeShapeType="1" noTextEdit="1"/>
+              </p:cNvSpPr>
+              <p:nvPr/>
+            </p:nvSpPr>
+            <p:spPr>
+              <a:xfrm>
+                <a:off x="7746480" y="2607060"/>
+                <a:ext cx="1225079" cy="369332"/>
+              </a:xfrm>
+              <a:prstGeom prst="rect">
+                <a:avLst/>
+              </a:prstGeom>
+              <a:blipFill>
+                <a:blip r:embed="rId3"/>
+                <a:stretch>
+                  <a:fillRect b="-13333"/>
+                </a:stretch>
+              </a:blipFill>
+              <a:ln w="19050" cap="rnd">
+                <a:noFill/>
+              </a:ln>
+            </p:spPr>
+            <p:txBody>
+              <a:bodyPr/>
+              <a:lstStyle/>
+              <a:p>
+                <a:r>
+                  <a:rPr lang="ja-JP" altLang="en-US">
+                    <a:noFill/>
+                  </a:rPr>
+                  <a:t> </a:t>
+                </a:r>
+              </a:p>
+            </p:txBody>
+          </p:sp>
+        </mc:Fallback>
+      </mc:AlternateContent>
+      <mc:AlternateContent xmlns:mc="http://schemas.openxmlformats.org/markup-compatibility/2006">
+        <mc:Choice xmlns:a14="http://schemas.microsoft.com/office/drawing/2010/main" Requires="a14">
+          <p:sp>
+            <p:nvSpPr>
+              <p:cNvPr id="11" name="テキスト ボックス 10">
+                <a:extLst>
+                  <a:ext uri="{FF2B5EF4-FFF2-40B4-BE49-F238E27FC236}">
+                    <a16:creationId xmlns:a16="http://schemas.microsoft.com/office/drawing/2014/main" id="{EE400866-F267-40DF-B8E0-57C53850217C}"/>
+                  </a:ext>
+                </a:extLst>
+              </p:cNvPr>
+              <p:cNvSpPr txBox="1"/>
+              <p:nvPr/>
+            </p:nvSpPr>
+            <p:spPr>
+              <a:xfrm>
+                <a:off x="7964158" y="1986953"/>
+                <a:ext cx="1217962" cy="369332"/>
+              </a:xfrm>
+              <a:prstGeom prst="rect">
+                <a:avLst/>
+              </a:prstGeom>
+              <a:noFill/>
+              <a:ln w="19050" cap="rnd">
+                <a:noFill/>
+              </a:ln>
+            </p:spPr>
+            <p:txBody>
+              <a:bodyPr wrap="none" rtlCol="0">
+                <a:spAutoFit/>
+              </a:bodyPr>
+              <a:lstStyle/>
+              <a:p>
+                <a14:m>
+                  <m:oMathPara xmlns:m="http://schemas.openxmlformats.org/officeDocument/2006/math">
+                    <m:oMathParaPr>
+                      <m:jc m:val="centerGroup"/>
+                    </m:oMathParaPr>
+                    <m:oMath xmlns:m="http://schemas.openxmlformats.org/officeDocument/2006/math">
+                      <m:r>
+                        <a:rPr lang="en-US" altLang="ja-JP" b="0" i="1" smtClean="0">
+                          <a:latin typeface="Cambria Math" panose="02040503050406030204" pitchFamily="18" charset="0"/>
+                          <a:ea typeface="游ゴシック" panose="020B0400000000000000" pitchFamily="50" charset="-128"/>
+                          <a:cs typeface="Courier New" pitchFamily="49" charset="0"/>
+                        </a:rPr>
+                        <m:t>𝑦</m:t>
+                      </m:r>
+                      <m:r>
+                        <a:rPr lang="en-US" altLang="ja-JP" b="0" i="1" smtClean="0">
+                          <a:latin typeface="Cambria Math" panose="02040503050406030204" pitchFamily="18" charset="0"/>
+                          <a:ea typeface="游ゴシック" panose="020B0400000000000000" pitchFamily="50" charset="-128"/>
+                          <a:cs typeface="Courier New" pitchFamily="49" charset="0"/>
+                        </a:rPr>
+                        <m:t>=(</m:t>
+                      </m:r>
+                      <m:r>
+                        <a:rPr lang="en-US" altLang="ja-JP" b="0" i="1" smtClean="0">
+                          <a:latin typeface="Cambria Math" panose="02040503050406030204" pitchFamily="18" charset="0"/>
+                          <a:ea typeface="游ゴシック" panose="020B0400000000000000" pitchFamily="50" charset="-128"/>
+                          <a:cs typeface="Courier New" pitchFamily="49" charset="0"/>
+                        </a:rPr>
+                        <m:t>𝑐</m:t>
+                      </m:r>
+                      <m:r>
+                        <a:rPr lang="en-US" altLang="ja-JP" b="0" i="1" smtClean="0">
+                          <a:latin typeface="Cambria Math" panose="02040503050406030204" pitchFamily="18" charset="0"/>
+                          <a:ea typeface="游ゴシック" panose="020B0400000000000000" pitchFamily="50" charset="-128"/>
+                          <a:cs typeface="Courier New" pitchFamily="49" charset="0"/>
+                        </a:rPr>
+                        <m:t>,</m:t>
+                      </m:r>
+                      <m:r>
+                        <a:rPr lang="en-US" altLang="ja-JP" b="0" i="1" smtClean="0">
+                          <a:latin typeface="Cambria Math" panose="02040503050406030204" pitchFamily="18" charset="0"/>
+                          <a:ea typeface="游ゴシック" panose="020B0400000000000000" pitchFamily="50" charset="-128"/>
+                          <a:cs typeface="Courier New" pitchFamily="49" charset="0"/>
+                        </a:rPr>
+                        <m:t>𝑑</m:t>
+                      </m:r>
+                      <m:r>
+                        <a:rPr lang="en-US" altLang="ja-JP" b="0" i="1" smtClean="0">
+                          <a:latin typeface="Cambria Math" panose="02040503050406030204" pitchFamily="18" charset="0"/>
+                          <a:ea typeface="游ゴシック" panose="020B0400000000000000" pitchFamily="50" charset="-128"/>
+                          <a:cs typeface="Courier New" pitchFamily="49" charset="0"/>
+                        </a:rPr>
+                        <m:t>)</m:t>
+                      </m:r>
+                    </m:oMath>
+                  </m:oMathPara>
+                </a14:m>
+                <a:endParaRPr lang="ja-JP" altLang="en-US">
+                  <a:latin typeface="游ゴシック" panose="020B0400000000000000" pitchFamily="50" charset="-128"/>
+                  <a:ea typeface="游ゴシック" panose="020B0400000000000000" pitchFamily="50" charset="-128"/>
+                  <a:cs typeface="Courier New" pitchFamily="49" charset="0"/>
+                </a:endParaRPr>
+              </a:p>
+            </p:txBody>
+          </p:sp>
+        </mc:Choice>
+        <mc:Fallback>
+          <p:sp>
+            <p:nvSpPr>
+              <p:cNvPr id="11" name="テキスト ボックス 10">
+                <a:extLst>
+                  <a:ext uri="{FF2B5EF4-FFF2-40B4-BE49-F238E27FC236}">
+                    <a16:creationId xmlns:a16="http://schemas.microsoft.com/office/drawing/2014/main" id="{EE400866-F267-40DF-B8E0-57C53850217C}"/>
+                  </a:ext>
+                </a:extLst>
+              </p:cNvPr>
+              <p:cNvSpPr txBox="1">
+                <a:spLocks noRot="1" noChangeAspect="1" noMove="1" noResize="1" noEditPoints="1" noAdjustHandles="1" noChangeArrowheads="1" noChangeShapeType="1" noTextEdit="1"/>
+              </p:cNvSpPr>
+              <p:nvPr/>
+            </p:nvSpPr>
+            <p:spPr>
+              <a:xfrm>
+                <a:off x="7964158" y="1986953"/>
+                <a:ext cx="1217962" cy="369332"/>
+              </a:xfrm>
+              <a:prstGeom prst="rect">
+                <a:avLst/>
+              </a:prstGeom>
+              <a:blipFill>
+                <a:blip r:embed="rId4"/>
+                <a:stretch>
+                  <a:fillRect b="-11475"/>
+                </a:stretch>
+              </a:blipFill>
+              <a:ln w="19050" cap="rnd">
+                <a:noFill/>
+              </a:ln>
+            </p:spPr>
+            <p:txBody>
+              <a:bodyPr/>
+              <a:lstStyle/>
+              <a:p>
+                <a:r>
+                  <a:rPr lang="ja-JP" altLang="en-US">
+                    <a:noFill/>
+                  </a:rPr>
+                  <a:t> </a:t>
+                </a:r>
+              </a:p>
+            </p:txBody>
+          </p:sp>
+        </mc:Fallback>
+      </mc:AlternateContent>
+      <p:cxnSp>
+        <p:nvCxnSpPr>
+          <p:cNvPr id="12" name="直線矢印コネクタ 11">
+            <a:extLst>
+              <a:ext uri="{FF2B5EF4-FFF2-40B4-BE49-F238E27FC236}">
+                <a16:creationId xmlns:a16="http://schemas.microsoft.com/office/drawing/2014/main" id="{579941FD-ABCC-48BF-AFAD-4B7635E252B1}"/>
+              </a:ext>
+            </a:extLst>
+          </p:cNvPr>
+          <p:cNvCxnSpPr>
+            <a:cxnSpLocks/>
+          </p:cNvCxnSpPr>
+          <p:nvPr/>
+        </p:nvCxnSpPr>
+        <p:spPr>
+          <a:xfrm flipV="1">
+            <a:off x="7123204" y="1416781"/>
+            <a:ext cx="0" cy="875040"/>
+          </a:xfrm>
+          <a:prstGeom prst="straightConnector1">
+            <a:avLst/>
+          </a:prstGeom>
+          <a:ln w="12700">
+            <a:solidFill>
+              <a:schemeClr val="tx1"/>
+            </a:solidFill>
+            <a:tailEnd type="triangle"/>
+          </a:ln>
+        </p:spPr>
+        <p:style>
+          <a:lnRef idx="1">
+            <a:schemeClr val="accent1"/>
+          </a:lnRef>
+          <a:fillRef idx="0">
+            <a:schemeClr val="accent1"/>
+          </a:fillRef>
+          <a:effectRef idx="0">
+            <a:schemeClr val="accent1"/>
+          </a:effectRef>
+          <a:fontRef idx="minor">
+            <a:schemeClr val="tx1"/>
+          </a:fontRef>
+        </p:style>
+      </p:cxnSp>
+      <mc:AlternateContent xmlns:mc="http://schemas.openxmlformats.org/markup-compatibility/2006">
+        <mc:Choice xmlns:a14="http://schemas.microsoft.com/office/drawing/2010/main" Requires="a14">
+          <p:sp>
+            <p:nvSpPr>
+              <p:cNvPr id="14" name="テキスト ボックス 13">
+                <a:extLst>
+                  <a:ext uri="{FF2B5EF4-FFF2-40B4-BE49-F238E27FC236}">
+                    <a16:creationId xmlns:a16="http://schemas.microsoft.com/office/drawing/2014/main" id="{DFFD7C48-D07E-4CDB-AB98-BC691D4C143F}"/>
+                  </a:ext>
+                </a:extLst>
+              </p:cNvPr>
+              <p:cNvSpPr txBox="1"/>
+              <p:nvPr/>
+            </p:nvSpPr>
+            <p:spPr>
+              <a:xfrm>
+                <a:off x="7199445" y="1099281"/>
+                <a:ext cx="1032847" cy="369332"/>
+              </a:xfrm>
+              <a:prstGeom prst="rect">
+                <a:avLst/>
+              </a:prstGeom>
+              <a:noFill/>
+              <a:ln w="19050" cap="rnd">
+                <a:noFill/>
+              </a:ln>
+            </p:spPr>
+            <p:txBody>
+              <a:bodyPr wrap="none" rtlCol="0">
+                <a:spAutoFit/>
+              </a:bodyPr>
+              <a:lstStyle/>
+              <a:p>
+                <a14:m>
+                  <m:oMathPara xmlns:m="http://schemas.openxmlformats.org/officeDocument/2006/math">
+                    <m:oMathParaPr>
+                      <m:jc m:val="centerGroup"/>
+                    </m:oMathParaPr>
+                    <m:oMath xmlns:m="http://schemas.openxmlformats.org/officeDocument/2006/math">
+                      <m:r>
+                        <a:rPr lang="en-US" altLang="ja-JP" b="0" i="1" smtClean="0">
+                          <a:latin typeface="Cambria Math" panose="02040503050406030204" pitchFamily="18" charset="0"/>
+                          <a:ea typeface="游ゴシック" panose="020B0400000000000000" pitchFamily="50" charset="-128"/>
+                          <a:cs typeface="Courier New" pitchFamily="49" charset="0"/>
+                        </a:rPr>
+                        <m:t>𝑎𝑑</m:t>
+                      </m:r>
+                      <m:r>
+                        <a:rPr lang="en-US" altLang="ja-JP" b="0" i="1" smtClean="0">
+                          <a:latin typeface="Cambria Math" panose="02040503050406030204" pitchFamily="18" charset="0"/>
+                          <a:ea typeface="游ゴシック" panose="020B0400000000000000" pitchFamily="50" charset="-128"/>
+                          <a:cs typeface="Courier New" pitchFamily="49" charset="0"/>
+                        </a:rPr>
+                        <m:t>−</m:t>
+                      </m:r>
+                      <m:r>
+                        <a:rPr lang="en-US" altLang="ja-JP" b="0" i="1" smtClean="0">
+                          <a:latin typeface="Cambria Math" panose="02040503050406030204" pitchFamily="18" charset="0"/>
+                          <a:ea typeface="游ゴシック" panose="020B0400000000000000" pitchFamily="50" charset="-128"/>
+                          <a:cs typeface="Courier New" pitchFamily="49" charset="0"/>
+                        </a:rPr>
+                        <m:t>𝑏𝑐</m:t>
+                      </m:r>
+                    </m:oMath>
+                  </m:oMathPara>
+                </a14:m>
+                <a:endParaRPr lang="ja-JP" altLang="en-US">
+                  <a:latin typeface="游ゴシック" panose="020B0400000000000000" pitchFamily="50" charset="-128"/>
+                  <a:ea typeface="游ゴシック" panose="020B0400000000000000" pitchFamily="50" charset="-128"/>
+                  <a:cs typeface="Courier New" pitchFamily="49" charset="0"/>
+                </a:endParaRPr>
+              </a:p>
+            </p:txBody>
+          </p:sp>
+        </mc:Choice>
+        <mc:Fallback>
+          <p:sp>
+            <p:nvSpPr>
+              <p:cNvPr id="14" name="テキスト ボックス 13">
+                <a:extLst>
+                  <a:ext uri="{FF2B5EF4-FFF2-40B4-BE49-F238E27FC236}">
+                    <a16:creationId xmlns:a16="http://schemas.microsoft.com/office/drawing/2014/main" id="{DFFD7C48-D07E-4CDB-AB98-BC691D4C143F}"/>
+                  </a:ext>
+                </a:extLst>
+              </p:cNvPr>
+              <p:cNvSpPr txBox="1">
+                <a:spLocks noRot="1" noChangeAspect="1" noMove="1" noResize="1" noEditPoints="1" noAdjustHandles="1" noChangeArrowheads="1" noChangeShapeType="1" noTextEdit="1"/>
+              </p:cNvSpPr>
+              <p:nvPr/>
+            </p:nvSpPr>
+            <p:spPr>
+              <a:xfrm>
+                <a:off x="7199445" y="1099281"/>
+                <a:ext cx="1032847" cy="369332"/>
+              </a:xfrm>
+              <a:prstGeom prst="rect">
+                <a:avLst/>
+              </a:prstGeom>
+              <a:blipFill>
+                <a:blip r:embed="rId5"/>
+                <a:stretch>
+                  <a:fillRect/>
+                </a:stretch>
+              </a:blipFill>
+              <a:ln w="19050" cap="rnd">
+                <a:noFill/>
+              </a:ln>
+            </p:spPr>
+            <p:txBody>
+              <a:bodyPr/>
+              <a:lstStyle/>
+              <a:p>
+                <a:r>
+                  <a:rPr lang="ja-JP" altLang="en-US">
+                    <a:noFill/>
+                  </a:rPr>
+                  <a:t> </a:t>
+                </a:r>
+              </a:p>
+            </p:txBody>
+          </p:sp>
+        </mc:Fallback>
+      </mc:AlternateContent>
+      <p:cxnSp>
+        <p:nvCxnSpPr>
+          <p:cNvPr id="23" name="直線矢印コネクタ 22">
+            <a:extLst>
+              <a:ext uri="{FF2B5EF4-FFF2-40B4-BE49-F238E27FC236}">
+                <a16:creationId xmlns:a16="http://schemas.microsoft.com/office/drawing/2014/main" id="{A5021A6A-3500-46BC-8213-2752663E3810}"/>
+              </a:ext>
+            </a:extLst>
+          </p:cNvPr>
+          <p:cNvCxnSpPr>
+            <a:cxnSpLocks/>
+          </p:cNvCxnSpPr>
+          <p:nvPr/>
+        </p:nvCxnSpPr>
+        <p:spPr>
+          <a:xfrm flipV="1">
+            <a:off x="5485124" y="4463475"/>
+            <a:ext cx="1800200" cy="405685"/>
+          </a:xfrm>
+          <a:prstGeom prst="straightConnector1">
+            <a:avLst/>
+          </a:prstGeom>
+          <a:ln w="12700">
+            <a:solidFill>
+              <a:schemeClr val="tx1"/>
+            </a:solidFill>
+            <a:tailEnd type="triangle"/>
+          </a:ln>
+        </p:spPr>
+        <p:style>
+          <a:lnRef idx="1">
+            <a:schemeClr val="accent1"/>
+          </a:lnRef>
+          <a:fillRef idx="0">
+            <a:schemeClr val="accent1"/>
+          </a:fillRef>
+          <a:effectRef idx="0">
+            <a:schemeClr val="accent1"/>
+          </a:effectRef>
+          <a:fontRef idx="minor">
+            <a:schemeClr val="tx1"/>
+          </a:fontRef>
+        </p:style>
+      </p:cxnSp>
+      <p:cxnSp>
+        <p:nvCxnSpPr>
+          <p:cNvPr id="26" name="直線矢印コネクタ 25">
+            <a:extLst>
+              <a:ext uri="{FF2B5EF4-FFF2-40B4-BE49-F238E27FC236}">
+                <a16:creationId xmlns:a16="http://schemas.microsoft.com/office/drawing/2014/main" id="{61BA699C-181F-4324-9704-7E31EEC2DE62}"/>
+              </a:ext>
+            </a:extLst>
+          </p:cNvPr>
+          <p:cNvCxnSpPr>
+            <a:cxnSpLocks/>
+          </p:cNvCxnSpPr>
+          <p:nvPr/>
+        </p:nvCxnSpPr>
+        <p:spPr>
+          <a:xfrm flipV="1">
+            <a:off x="5485124" y="4034112"/>
+            <a:ext cx="942499" cy="835048"/>
+          </a:xfrm>
+          <a:prstGeom prst="straightConnector1">
+            <a:avLst/>
+          </a:prstGeom>
+          <a:ln w="12700">
+            <a:solidFill>
+              <a:schemeClr val="tx1"/>
+            </a:solidFill>
+            <a:tailEnd type="triangle"/>
+          </a:ln>
+        </p:spPr>
+        <p:style>
+          <a:lnRef idx="1">
+            <a:schemeClr val="accent1"/>
+          </a:lnRef>
+          <a:fillRef idx="0">
+            <a:schemeClr val="accent1"/>
+          </a:fillRef>
+          <a:effectRef idx="0">
+            <a:schemeClr val="accent1"/>
+          </a:effectRef>
+          <a:fontRef idx="minor">
+            <a:schemeClr val="tx1"/>
+          </a:fontRef>
+        </p:style>
+      </p:cxnSp>
+      <p:sp>
+        <p:nvSpPr>
+          <p:cNvPr id="35" name="正方形/長方形 34">
+            <a:extLst>
+              <a:ext uri="{FF2B5EF4-FFF2-40B4-BE49-F238E27FC236}">
+                <a16:creationId xmlns:a16="http://schemas.microsoft.com/office/drawing/2014/main" id="{002A9DF8-90D5-4333-A0FE-B5A01F0A5A53}"/>
+              </a:ext>
+            </a:extLst>
+          </p:cNvPr>
+          <p:cNvSpPr/>
+          <p:nvPr/>
+        </p:nvSpPr>
+        <p:spPr>
+          <a:xfrm>
+            <a:off x="5485124" y="3126539"/>
+            <a:ext cx="3119324" cy="1732265"/>
+          </a:xfrm>
+          <a:prstGeom prst="rect">
+            <a:avLst/>
+          </a:prstGeom>
+          <a:ln>
+            <a:solidFill>
+              <a:schemeClr val="tx1"/>
+            </a:solidFill>
+          </a:ln>
+        </p:spPr>
+        <p:style>
+          <a:lnRef idx="1">
+            <a:schemeClr val="accent1"/>
+          </a:lnRef>
+          <a:fillRef idx="0">
+            <a:schemeClr val="accent1"/>
+          </a:fillRef>
+          <a:effectRef idx="0">
+            <a:schemeClr val="accent1"/>
+          </a:effectRef>
+          <a:fontRef idx="minor">
+            <a:schemeClr val="tx1"/>
+          </a:fontRef>
+        </p:style>
+        <p:txBody>
+          <a:bodyPr rtlCol="0" anchor="ctr"/>
+          <a:lstStyle/>
+          <a:p>
+            <a:pPr algn="ctr"/>
+            <a:endParaRPr kumimoji="1" lang="ja-JP" altLang="en-US" sz="2400"/>
+          </a:p>
+        </p:txBody>
+      </p:sp>
+      <mc:AlternateContent xmlns:mc="http://schemas.openxmlformats.org/markup-compatibility/2006">
+        <mc:Choice xmlns:a14="http://schemas.microsoft.com/office/drawing/2010/main" Requires="a14">
+          <p:sp>
+            <p:nvSpPr>
+              <p:cNvPr id="37" name="テキスト ボックス 36">
+                <a:extLst>
+                  <a:ext uri="{FF2B5EF4-FFF2-40B4-BE49-F238E27FC236}">
+                    <a16:creationId xmlns:a16="http://schemas.microsoft.com/office/drawing/2014/main" id="{7410583F-E694-480B-9678-E33A575AA53A}"/>
+                  </a:ext>
+                </a:extLst>
+              </p:cNvPr>
+              <p:cNvSpPr txBox="1"/>
+              <p:nvPr/>
+            </p:nvSpPr>
+            <p:spPr>
+              <a:xfrm>
+                <a:off x="7234750" y="4208072"/>
+                <a:ext cx="793294" cy="369332"/>
+              </a:xfrm>
+              <a:prstGeom prst="rect">
+                <a:avLst/>
+              </a:prstGeom>
+              <a:noFill/>
+              <a:ln w="19050" cap="rnd">
+                <a:noFill/>
+              </a:ln>
+            </p:spPr>
+            <p:txBody>
+              <a:bodyPr wrap="none" rtlCol="0">
+                <a:spAutoFit/>
+              </a:bodyPr>
+              <a:lstStyle/>
+              <a:p>
+                <a14:m>
+                  <m:oMathPara xmlns:m="http://schemas.openxmlformats.org/officeDocument/2006/math">
+                    <m:oMathParaPr>
+                      <m:jc m:val="centerGroup"/>
+                    </m:oMathParaPr>
+                    <m:oMath xmlns:m="http://schemas.openxmlformats.org/officeDocument/2006/math">
+                      <m:r>
+                        <a:rPr lang="en-US" altLang="ja-JP" b="0" i="1" smtClean="0">
+                          <a:latin typeface="Cambria Math" panose="02040503050406030204" pitchFamily="18" charset="0"/>
+                          <a:ea typeface="游ゴシック" panose="020B0400000000000000" pitchFamily="50" charset="-128"/>
+                          <a:cs typeface="Courier New" pitchFamily="49" charset="0"/>
+                        </a:rPr>
+                        <m:t>(</m:t>
+                      </m:r>
+                      <m:r>
+                        <a:rPr lang="en-US" altLang="ja-JP" b="0" i="1" smtClean="0">
+                          <a:latin typeface="Cambria Math" panose="02040503050406030204" pitchFamily="18" charset="0"/>
+                          <a:ea typeface="游ゴシック" panose="020B0400000000000000" pitchFamily="50" charset="-128"/>
+                          <a:cs typeface="Courier New" pitchFamily="49" charset="0"/>
+                        </a:rPr>
+                        <m:t>𝑎</m:t>
+                      </m:r>
+                      <m:r>
+                        <a:rPr lang="en-US" altLang="ja-JP" b="0" i="1" smtClean="0">
+                          <a:latin typeface="Cambria Math" panose="02040503050406030204" pitchFamily="18" charset="0"/>
+                          <a:ea typeface="游ゴシック" panose="020B0400000000000000" pitchFamily="50" charset="-128"/>
+                          <a:cs typeface="Courier New" pitchFamily="49" charset="0"/>
+                        </a:rPr>
+                        <m:t>,</m:t>
+                      </m:r>
+                      <m:r>
+                        <a:rPr lang="en-US" altLang="ja-JP" b="0" i="1" smtClean="0">
+                          <a:latin typeface="Cambria Math" panose="02040503050406030204" pitchFamily="18" charset="0"/>
+                          <a:ea typeface="游ゴシック" panose="020B0400000000000000" pitchFamily="50" charset="-128"/>
+                          <a:cs typeface="Courier New" pitchFamily="49" charset="0"/>
+                        </a:rPr>
+                        <m:t>𝑏</m:t>
+                      </m:r>
+                      <m:r>
+                        <a:rPr lang="en-US" altLang="ja-JP" b="0" i="1" smtClean="0">
+                          <a:latin typeface="Cambria Math" panose="02040503050406030204" pitchFamily="18" charset="0"/>
+                          <a:ea typeface="游ゴシック" panose="020B0400000000000000" pitchFamily="50" charset="-128"/>
+                          <a:cs typeface="Courier New" pitchFamily="49" charset="0"/>
+                        </a:rPr>
+                        <m:t>)</m:t>
+                      </m:r>
+                    </m:oMath>
+                  </m:oMathPara>
+                </a14:m>
+                <a:endParaRPr lang="ja-JP" altLang="en-US">
+                  <a:latin typeface="游ゴシック" panose="020B0400000000000000" pitchFamily="50" charset="-128"/>
+                  <a:ea typeface="游ゴシック" panose="020B0400000000000000" pitchFamily="50" charset="-128"/>
+                  <a:cs typeface="Courier New" pitchFamily="49" charset="0"/>
+                </a:endParaRPr>
+              </a:p>
+            </p:txBody>
+          </p:sp>
+        </mc:Choice>
+        <mc:Fallback>
+          <p:sp>
+            <p:nvSpPr>
+              <p:cNvPr id="37" name="テキスト ボックス 36">
+                <a:extLst>
+                  <a:ext uri="{FF2B5EF4-FFF2-40B4-BE49-F238E27FC236}">
+                    <a16:creationId xmlns:a16="http://schemas.microsoft.com/office/drawing/2014/main" id="{7410583F-E694-480B-9678-E33A575AA53A}"/>
+                  </a:ext>
+                </a:extLst>
+              </p:cNvPr>
+              <p:cNvSpPr txBox="1">
+                <a:spLocks noRot="1" noChangeAspect="1" noMove="1" noResize="1" noEditPoints="1" noAdjustHandles="1" noChangeArrowheads="1" noChangeShapeType="1" noTextEdit="1"/>
+              </p:cNvSpPr>
+              <p:nvPr/>
+            </p:nvSpPr>
+            <p:spPr>
+              <a:xfrm>
+                <a:off x="7234750" y="4208072"/>
+                <a:ext cx="793294" cy="369332"/>
+              </a:xfrm>
+              <a:prstGeom prst="rect">
+                <a:avLst/>
+              </a:prstGeom>
+              <a:blipFill>
+                <a:blip r:embed="rId6"/>
+                <a:stretch>
+                  <a:fillRect b="-13115"/>
+                </a:stretch>
+              </a:blipFill>
+              <a:ln w="19050" cap="rnd">
+                <a:noFill/>
+              </a:ln>
+            </p:spPr>
+            <p:txBody>
+              <a:bodyPr/>
+              <a:lstStyle/>
+              <a:p>
+                <a:r>
+                  <a:rPr lang="ja-JP" altLang="en-US">
+                    <a:noFill/>
+                  </a:rPr>
+                  <a:t> </a:t>
+                </a:r>
+              </a:p>
+            </p:txBody>
+          </p:sp>
+        </mc:Fallback>
+      </mc:AlternateContent>
+      <mc:AlternateContent xmlns:mc="http://schemas.openxmlformats.org/markup-compatibility/2006">
+        <mc:Choice xmlns:a14="http://schemas.microsoft.com/office/drawing/2010/main" Requires="a14">
+          <p:sp>
+            <p:nvSpPr>
+              <p:cNvPr id="38" name="テキスト ボックス 37">
+                <a:extLst>
+                  <a:ext uri="{FF2B5EF4-FFF2-40B4-BE49-F238E27FC236}">
+                    <a16:creationId xmlns:a16="http://schemas.microsoft.com/office/drawing/2014/main" id="{EC44E296-F003-47FB-96A0-7192B0B24179}"/>
+                  </a:ext>
+                </a:extLst>
+              </p:cNvPr>
+              <p:cNvSpPr txBox="1"/>
+              <p:nvPr/>
+            </p:nvSpPr>
+            <p:spPr>
+              <a:xfrm>
+                <a:off x="6101916" y="3577411"/>
+                <a:ext cx="782778" cy="369332"/>
+              </a:xfrm>
+              <a:prstGeom prst="rect">
+                <a:avLst/>
+              </a:prstGeom>
+              <a:noFill/>
+              <a:ln w="19050" cap="rnd">
+                <a:noFill/>
+              </a:ln>
+            </p:spPr>
+            <p:txBody>
+              <a:bodyPr wrap="none" rtlCol="0">
+                <a:spAutoFit/>
+              </a:bodyPr>
+              <a:lstStyle/>
+              <a:p>
+                <a14:m>
+                  <m:oMathPara xmlns:m="http://schemas.openxmlformats.org/officeDocument/2006/math">
+                    <m:oMathParaPr>
+                      <m:jc m:val="centerGroup"/>
+                    </m:oMathParaPr>
+                    <m:oMath xmlns:m="http://schemas.openxmlformats.org/officeDocument/2006/math">
+                      <m:r>
+                        <a:rPr lang="en-US" altLang="ja-JP" b="0" i="1" smtClean="0">
+                          <a:latin typeface="Cambria Math" panose="02040503050406030204" pitchFamily="18" charset="0"/>
+                          <a:ea typeface="游ゴシック" panose="020B0400000000000000" pitchFamily="50" charset="-128"/>
+                          <a:cs typeface="Courier New" pitchFamily="49" charset="0"/>
+                        </a:rPr>
+                        <m:t>(</m:t>
+                      </m:r>
+                      <m:r>
+                        <a:rPr lang="en-US" altLang="ja-JP" b="0" i="1" smtClean="0">
+                          <a:latin typeface="Cambria Math" panose="02040503050406030204" pitchFamily="18" charset="0"/>
+                          <a:ea typeface="游ゴシック" panose="020B0400000000000000" pitchFamily="50" charset="-128"/>
+                          <a:cs typeface="Courier New" pitchFamily="49" charset="0"/>
+                        </a:rPr>
+                        <m:t>𝑐</m:t>
+                      </m:r>
+                      <m:r>
+                        <a:rPr lang="en-US" altLang="ja-JP" b="0" i="1" smtClean="0">
+                          <a:latin typeface="Cambria Math" panose="02040503050406030204" pitchFamily="18" charset="0"/>
+                          <a:ea typeface="游ゴシック" panose="020B0400000000000000" pitchFamily="50" charset="-128"/>
+                          <a:cs typeface="Courier New" pitchFamily="49" charset="0"/>
+                        </a:rPr>
+                        <m:t>,</m:t>
+                      </m:r>
+                      <m:r>
+                        <a:rPr lang="en-US" altLang="ja-JP" b="0" i="1" smtClean="0">
+                          <a:latin typeface="Cambria Math" panose="02040503050406030204" pitchFamily="18" charset="0"/>
+                          <a:ea typeface="游ゴシック" panose="020B0400000000000000" pitchFamily="50" charset="-128"/>
+                          <a:cs typeface="Courier New" pitchFamily="49" charset="0"/>
+                        </a:rPr>
+                        <m:t>𝑑</m:t>
+                      </m:r>
+                      <m:r>
+                        <a:rPr lang="en-US" altLang="ja-JP" b="0" i="1" smtClean="0">
+                          <a:latin typeface="Cambria Math" panose="02040503050406030204" pitchFamily="18" charset="0"/>
+                          <a:ea typeface="游ゴシック" panose="020B0400000000000000" pitchFamily="50" charset="-128"/>
+                          <a:cs typeface="Courier New" pitchFamily="49" charset="0"/>
+                        </a:rPr>
+                        <m:t>)</m:t>
+                      </m:r>
+                    </m:oMath>
+                  </m:oMathPara>
+                </a14:m>
+                <a:endParaRPr lang="ja-JP" altLang="en-US">
+                  <a:latin typeface="游ゴシック" panose="020B0400000000000000" pitchFamily="50" charset="-128"/>
+                  <a:ea typeface="游ゴシック" panose="020B0400000000000000" pitchFamily="50" charset="-128"/>
+                  <a:cs typeface="Courier New" pitchFamily="49" charset="0"/>
+                </a:endParaRPr>
+              </a:p>
+            </p:txBody>
+          </p:sp>
+        </mc:Choice>
+        <mc:Fallback>
+          <p:sp>
+            <p:nvSpPr>
+              <p:cNvPr id="38" name="テキスト ボックス 37">
+                <a:extLst>
+                  <a:ext uri="{FF2B5EF4-FFF2-40B4-BE49-F238E27FC236}">
+                    <a16:creationId xmlns:a16="http://schemas.microsoft.com/office/drawing/2014/main" id="{EC44E296-F003-47FB-96A0-7192B0B24179}"/>
+                  </a:ext>
+                </a:extLst>
+              </p:cNvPr>
+              <p:cNvSpPr txBox="1">
+                <a:spLocks noRot="1" noChangeAspect="1" noMove="1" noResize="1" noEditPoints="1" noAdjustHandles="1" noChangeArrowheads="1" noChangeShapeType="1" noTextEdit="1"/>
+              </p:cNvSpPr>
+              <p:nvPr/>
+            </p:nvSpPr>
+            <p:spPr>
+              <a:xfrm>
+                <a:off x="6101916" y="3577411"/>
+                <a:ext cx="782778" cy="369332"/>
+              </a:xfrm>
+              <a:prstGeom prst="rect">
+                <a:avLst/>
+              </a:prstGeom>
+              <a:blipFill>
+                <a:blip r:embed="rId7"/>
+                <a:stretch>
+                  <a:fillRect b="-13333"/>
+                </a:stretch>
+              </a:blipFill>
+              <a:ln w="19050" cap="rnd">
+                <a:noFill/>
+              </a:ln>
+            </p:spPr>
+            <p:txBody>
+              <a:bodyPr/>
+              <a:lstStyle/>
+              <a:p>
+                <a:r>
+                  <a:rPr lang="ja-JP" altLang="en-US">
+                    <a:noFill/>
+                  </a:rPr>
+                  <a:t> </a:t>
+                </a:r>
+              </a:p>
+            </p:txBody>
+          </p:sp>
+        </mc:Fallback>
+      </mc:AlternateContent>
+      <p:cxnSp>
+        <p:nvCxnSpPr>
+          <p:cNvPr id="39" name="直線矢印コネクタ 38">
+            <a:extLst>
+              <a:ext uri="{FF2B5EF4-FFF2-40B4-BE49-F238E27FC236}">
+                <a16:creationId xmlns:a16="http://schemas.microsoft.com/office/drawing/2014/main" id="{240565B7-D05E-440D-BE78-3AAFBF3F66EC}"/>
+              </a:ext>
+            </a:extLst>
+          </p:cNvPr>
+          <p:cNvCxnSpPr>
+            <a:cxnSpLocks/>
+          </p:cNvCxnSpPr>
+          <p:nvPr/>
+        </p:nvCxnSpPr>
+        <p:spPr>
+          <a:xfrm>
+            <a:off x="5485124" y="4862444"/>
+            <a:ext cx="464392" cy="6715"/>
+          </a:xfrm>
+          <a:prstGeom prst="straightConnector1">
+            <a:avLst/>
+          </a:prstGeom>
+          <a:ln w="12700">
+            <a:solidFill>
+              <a:schemeClr val="tx1"/>
+            </a:solidFill>
+            <a:tailEnd type="triangle"/>
+          </a:ln>
+        </p:spPr>
+        <p:style>
+          <a:lnRef idx="1">
+            <a:schemeClr val="accent1"/>
+          </a:lnRef>
+          <a:fillRef idx="0">
+            <a:schemeClr val="accent1"/>
+          </a:fillRef>
+          <a:effectRef idx="0">
+            <a:schemeClr val="accent1"/>
+          </a:effectRef>
+          <a:fontRef idx="minor">
+            <a:schemeClr val="tx1"/>
+          </a:fontRef>
+        </p:style>
+      </p:cxnSp>
+      <p:cxnSp>
+        <p:nvCxnSpPr>
+          <p:cNvPr id="41" name="直線矢印コネクタ 40">
+            <a:extLst>
+              <a:ext uri="{FF2B5EF4-FFF2-40B4-BE49-F238E27FC236}">
+                <a16:creationId xmlns:a16="http://schemas.microsoft.com/office/drawing/2014/main" id="{1690036A-BF9C-4991-9F73-CFA666C6E9FC}"/>
+              </a:ext>
+            </a:extLst>
+          </p:cNvPr>
+          <p:cNvCxnSpPr>
+            <a:cxnSpLocks/>
+          </p:cNvCxnSpPr>
+          <p:nvPr/>
+        </p:nvCxnSpPr>
+        <p:spPr>
+          <a:xfrm flipV="1">
+            <a:off x="5489268" y="4392738"/>
+            <a:ext cx="0" cy="444157"/>
+          </a:xfrm>
+          <a:prstGeom prst="straightConnector1">
+            <a:avLst/>
+          </a:prstGeom>
+          <a:ln w="12700">
+            <a:solidFill>
+              <a:schemeClr val="tx1"/>
+            </a:solidFill>
+            <a:tailEnd type="triangle"/>
+          </a:ln>
+        </p:spPr>
+        <p:style>
+          <a:lnRef idx="1">
+            <a:schemeClr val="accent1"/>
+          </a:lnRef>
+          <a:fillRef idx="0">
+            <a:schemeClr val="accent1"/>
+          </a:fillRef>
+          <a:effectRef idx="0">
+            <a:schemeClr val="accent1"/>
+          </a:effectRef>
+          <a:fontRef idx="minor">
+            <a:schemeClr val="tx1"/>
+          </a:fontRef>
+        </p:style>
+      </p:cxnSp>
+    </p:spTree>
+    <p:extLst>
+      <p:ext uri="{BB962C8B-B14F-4D97-AF65-F5344CB8AC3E}">
+        <p14:creationId xmlns:p14="http://schemas.microsoft.com/office/powerpoint/2010/main" val="3838741678"/>
+      </p:ext>
+    </p:extLst>
+  </p:cSld>
+  <p:clrMapOvr>
+    <a:masterClrMapping/>
+  </p:clrMapOvr>
+</p:sld>
+</file>
+
+<file path=ppt/slides/slide14.xml><?xml version="1.0" encoding="utf-8"?>
+<p:sld xmlns:a="http://schemas.openxmlformats.org/drawingml/2006/main" xmlns:r="http://schemas.openxmlformats.org/officeDocument/2006/relationships" xmlns:p="http://schemas.openxmlformats.org/presentationml/2006/main">
+  <p:cSld>
+    <p:spTree>
+      <p:nvGrpSpPr>
+        <p:cNvPr id="1" name=""/>
+        <p:cNvGrpSpPr/>
+        <p:nvPr/>
+      </p:nvGrpSpPr>
+      <p:grpSpPr>
+        <a:xfrm>
+          <a:off x="0" y="0"/>
+          <a:ext cx="0" cy="0"/>
+          <a:chOff x="0" y="0"/>
+          <a:chExt cx="0" cy="0"/>
+        </a:xfrm>
+      </p:grpSpPr>
+      <mc:AlternateContent xmlns:mc="http://schemas.openxmlformats.org/markup-compatibility/2006">
+        <mc:Choice xmlns:a14="http://schemas.microsoft.com/office/drawing/2010/main" Requires="a14">
+          <p:sp>
+            <p:nvSpPr>
+              <p:cNvPr id="2" name="コンテンツ プレースホルダー 1">
+                <a:extLst>
+                  <a:ext uri="{FF2B5EF4-FFF2-40B4-BE49-F238E27FC236}">
+                    <a16:creationId xmlns:a16="http://schemas.microsoft.com/office/drawing/2014/main" id="{D3FC2296-8AB2-4B1A-AFCB-8FBD032C9D7F}"/>
+                  </a:ext>
+                </a:extLst>
+              </p:cNvPr>
+              <p:cNvSpPr>
+                <a:spLocks noGrp="1"/>
+              </p:cNvSpPr>
+              <p:nvPr>
+                <p:ph idx="1"/>
+              </p:nvPr>
+            </p:nvSpPr>
+            <p:spPr/>
+            <p:txBody>
+              <a:bodyPr/>
+              <a:lstStyle/>
+              <a:p>
+                <a:r>
+                  <a:rPr kumimoji="1" lang="ja-JP" altLang="en-US"/>
+                  <a:t>ペアリングを使った署名</a:t>
+                </a:r>
+                <a:endParaRPr kumimoji="1" lang="en-US" altLang="ja-JP"/>
+              </a:p>
+              <a:p>
+                <a:pPr lvl="1"/>
+                <a14:m>
+                  <m:oMath xmlns:m="http://schemas.openxmlformats.org/officeDocument/2006/math">
+                    <m:r>
+                      <a:rPr kumimoji="1" lang="en-US" altLang="ja-JP" b="0" i="1" smtClean="0">
+                        <a:latin typeface="Cambria Math" panose="02040503050406030204" pitchFamily="18" charset="0"/>
+                      </a:rPr>
+                      <m:t>𝑃</m:t>
+                    </m:r>
+                  </m:oMath>
+                </a14:m>
+                <a:r>
+                  <a:rPr kumimoji="1" lang="ja-JP" altLang="en-US"/>
+                  <a:t> </a:t>
+                </a:r>
+                <a:r>
+                  <a:rPr kumimoji="1" lang="en-US" altLang="ja-JP"/>
+                  <a:t>: </a:t>
+                </a:r>
+                <a:r>
+                  <a:rPr kumimoji="1" lang="ja-JP" altLang="en-US"/>
+                  <a:t>楕円曲線の点</a:t>
+                </a:r>
+                <a:endParaRPr kumimoji="1" lang="en-US" altLang="ja-JP"/>
+              </a:p>
+              <a:p>
+                <a:pPr lvl="1"/>
+                <a14:m>
+                  <m:oMath xmlns:m="http://schemas.openxmlformats.org/officeDocument/2006/math">
+                    <m:r>
+                      <a:rPr kumimoji="1" lang="en-US" altLang="ja-JP" b="0" i="1" smtClean="0">
+                        <a:latin typeface="Cambria Math" panose="02040503050406030204" pitchFamily="18" charset="0"/>
+                      </a:rPr>
+                      <m:t>𝐻</m:t>
+                    </m:r>
+                  </m:oMath>
+                </a14:m>
+                <a:r>
+                  <a:rPr kumimoji="1" lang="ja-JP" altLang="en-US"/>
+                  <a:t> </a:t>
+                </a:r>
+                <a:r>
+                  <a:rPr kumimoji="1" lang="en-US" altLang="ja-JP"/>
+                  <a:t>: </a:t>
+                </a:r>
+                <a:r>
+                  <a:rPr kumimoji="1" lang="ja-JP" altLang="en-US"/>
+                  <a:t>楕円曲線の点へのハッシュ関数</a:t>
+                </a:r>
+                <a:endParaRPr kumimoji="1" lang="en-US" altLang="ja-JP"/>
+              </a:p>
+              <a:p>
+                <a:r>
+                  <a:rPr kumimoji="1" lang="ja-JP" altLang="en-US"/>
+                  <a:t>鍵生成</a:t>
+                </a:r>
+                <a:endParaRPr kumimoji="1" lang="en-US" altLang="ja-JP"/>
+              </a:p>
+              <a:p>
+                <a:pPr lvl="1"/>
+                <a14:m>
+                  <m:oMath xmlns:m="http://schemas.openxmlformats.org/officeDocument/2006/math">
+                    <m:r>
+                      <a:rPr kumimoji="1" lang="en-US" altLang="ja-JP" b="0" i="1" smtClean="0">
+                        <a:latin typeface="Cambria Math" panose="02040503050406030204" pitchFamily="18" charset="0"/>
+                      </a:rPr>
+                      <m:t>𝑠</m:t>
+                    </m:r>
+                  </m:oMath>
+                </a14:m>
+                <a:r>
+                  <a:rPr kumimoji="1" lang="ja-JP" altLang="en-US"/>
+                  <a:t> </a:t>
+                </a:r>
+                <a:r>
+                  <a:rPr kumimoji="1" lang="en-US" altLang="ja-JP"/>
+                  <a:t>: </a:t>
+                </a:r>
+                <a:r>
+                  <a:rPr kumimoji="1" lang="ja-JP" altLang="en-US"/>
+                  <a:t>署名鍵</a:t>
+                </a:r>
+                <a:r>
+                  <a:rPr kumimoji="1" lang="en-US" altLang="ja-JP"/>
+                  <a:t>(</a:t>
+                </a:r>
+                <a:r>
+                  <a:rPr kumimoji="1" lang="ja-JP" altLang="en-US"/>
+                  <a:t>秘密鍵</a:t>
+                </a:r>
+                <a:r>
+                  <a:rPr kumimoji="1" lang="en-US" altLang="ja-JP"/>
+                  <a:t>), </a:t>
+                </a:r>
+                <a14:m>
+                  <m:oMath xmlns:m="http://schemas.openxmlformats.org/officeDocument/2006/math">
+                    <m:r>
+                      <a:rPr lang="en-US" altLang="ja-JP" i="1">
+                        <a:latin typeface="Cambria Math" panose="02040503050406030204" pitchFamily="18" charset="0"/>
+                      </a:rPr>
+                      <m:t>𝑄</m:t>
+                    </m:r>
+                    <m:r>
+                      <a:rPr lang="en-US" altLang="ja-JP" i="1">
+                        <a:latin typeface="Cambria Math" panose="02040503050406030204" pitchFamily="18" charset="0"/>
+                      </a:rPr>
+                      <m:t>=</m:t>
+                    </m:r>
+                    <m:r>
+                      <a:rPr kumimoji="1" lang="en-US" altLang="ja-JP" b="0" i="1" smtClean="0">
+                        <a:latin typeface="Cambria Math" panose="02040503050406030204" pitchFamily="18" charset="0"/>
+                      </a:rPr>
+                      <m:t>𝑠𝑃</m:t>
+                    </m:r>
+                  </m:oMath>
+                </a14:m>
+                <a:r>
+                  <a:rPr kumimoji="1" lang="ja-JP" altLang="en-US"/>
+                  <a:t> </a:t>
+                </a:r>
+                <a:r>
+                  <a:rPr kumimoji="1" lang="en-US" altLang="ja-JP"/>
+                  <a:t>: </a:t>
+                </a:r>
+                <a:r>
+                  <a:rPr kumimoji="1" lang="ja-JP" altLang="en-US"/>
+                  <a:t>検証鍵</a:t>
+                </a:r>
+                <a:r>
+                  <a:rPr kumimoji="1" lang="en-US" altLang="ja-JP"/>
+                  <a:t>(</a:t>
+                </a:r>
+                <a:r>
+                  <a:rPr kumimoji="1" lang="ja-JP" altLang="en-US"/>
+                  <a:t>公開鍵</a:t>
+                </a:r>
+                <a:r>
+                  <a:rPr kumimoji="1" lang="en-US" altLang="ja-JP"/>
+                  <a:t>)</a:t>
+                </a:r>
+              </a:p>
+              <a:p>
+                <a:r>
+                  <a:rPr kumimoji="1" lang="ja-JP" altLang="en-US"/>
+                  <a:t>署名</a:t>
+                </a:r>
+                <a:endParaRPr kumimoji="1" lang="en-US" altLang="ja-JP"/>
+              </a:p>
+              <a:p>
+                <a:pPr lvl="1"/>
+                <a14:m>
+                  <m:oMath xmlns:m="http://schemas.openxmlformats.org/officeDocument/2006/math">
+                    <m:r>
+                      <a:rPr kumimoji="1" lang="en-US" altLang="ja-JP" b="0" i="1" smtClean="0">
+                        <a:latin typeface="Cambria Math" panose="02040503050406030204" pitchFamily="18" charset="0"/>
+                      </a:rPr>
+                      <m:t>𝑚</m:t>
+                    </m:r>
+                  </m:oMath>
+                </a14:m>
+                <a:r>
+                  <a:rPr kumimoji="1" lang="ja-JP" altLang="en-US"/>
+                  <a:t> </a:t>
+                </a:r>
+                <a:r>
+                  <a:rPr kumimoji="1" lang="en-US" altLang="ja-JP"/>
+                  <a:t>: </a:t>
+                </a:r>
+                <a:r>
+                  <a:rPr kumimoji="1" lang="ja-JP" altLang="en-US"/>
+                  <a:t>メッセージ</a:t>
+                </a:r>
+                <a:r>
+                  <a:rPr kumimoji="1" lang="en-US" altLang="ja-JP"/>
+                  <a:t>, </a:t>
+                </a:r>
+                <a14:m>
+                  <m:oMath xmlns:m="http://schemas.openxmlformats.org/officeDocument/2006/math">
+                    <m:r>
+                      <a:rPr kumimoji="1" lang="en-US" altLang="ja-JP" b="0" i="1" smtClean="0">
+                        <a:latin typeface="Cambria Math" panose="02040503050406030204" pitchFamily="18" charset="0"/>
+                      </a:rPr>
+                      <m:t>𝜎</m:t>
+                    </m:r>
+                    <m:r>
+                      <a:rPr kumimoji="1" lang="en-US" altLang="ja-JP" b="0" i="1" smtClean="0">
+                        <a:latin typeface="Cambria Math" panose="02040503050406030204" pitchFamily="18" charset="0"/>
+                      </a:rPr>
+                      <m:t>=</m:t>
+                    </m:r>
+                    <m:r>
+                      <a:rPr kumimoji="1" lang="en-US" altLang="ja-JP" b="0" i="1" smtClean="0">
+                        <a:latin typeface="Cambria Math" panose="02040503050406030204" pitchFamily="18" charset="0"/>
+                      </a:rPr>
+                      <m:t>𝑠𝐻</m:t>
+                    </m:r>
+                    <m:r>
+                      <a:rPr kumimoji="1" lang="en-US" altLang="ja-JP" b="0" i="1" smtClean="0">
+                        <a:latin typeface="Cambria Math" panose="02040503050406030204" pitchFamily="18" charset="0"/>
+                      </a:rPr>
+                      <m:t>(</m:t>
+                    </m:r>
+                    <m:r>
+                      <a:rPr kumimoji="1" lang="en-US" altLang="ja-JP" b="0" i="1" smtClean="0">
+                        <a:latin typeface="Cambria Math" panose="02040503050406030204" pitchFamily="18" charset="0"/>
+                      </a:rPr>
+                      <m:t>𝑚</m:t>
+                    </m:r>
+                    <m:r>
+                      <a:rPr kumimoji="1" lang="en-US" altLang="ja-JP" b="0" i="1" smtClean="0">
+                        <a:latin typeface="Cambria Math" panose="02040503050406030204" pitchFamily="18" charset="0"/>
+                      </a:rPr>
+                      <m:t>)</m:t>
+                    </m:r>
+                  </m:oMath>
+                </a14:m>
+                <a:endParaRPr kumimoji="1" lang="en-US" altLang="ja-JP"/>
+              </a:p>
+              <a:p>
+                <a:r>
+                  <a:rPr kumimoji="1" lang="ja-JP" altLang="en-US"/>
+                  <a:t>検証</a:t>
+                </a:r>
+                <a:endParaRPr kumimoji="1" lang="en-US" altLang="ja-JP"/>
+              </a:p>
+              <a:p>
+                <a:pPr lvl="1"/>
+                <a:r>
+                  <a:rPr kumimoji="1" lang="ja-JP" altLang="en-US"/>
+                  <a:t>与えられた</a:t>
+                </a:r>
+                <a14:m>
+                  <m:oMath xmlns:m="http://schemas.openxmlformats.org/officeDocument/2006/math">
+                    <m:r>
+                      <a:rPr kumimoji="1" lang="en-US" altLang="ja-JP" b="0" i="1" smtClean="0">
+                        <a:latin typeface="Cambria Math" panose="02040503050406030204" pitchFamily="18" charset="0"/>
+                      </a:rPr>
+                      <m:t>(</m:t>
+                    </m:r>
+                    <m:r>
+                      <a:rPr kumimoji="1" lang="en-US" altLang="ja-JP" b="0" i="1" smtClean="0">
+                        <a:latin typeface="Cambria Math" panose="02040503050406030204" pitchFamily="18" charset="0"/>
+                      </a:rPr>
+                      <m:t>𝑚</m:t>
+                    </m:r>
+                    <m:r>
+                      <a:rPr kumimoji="1" lang="en-US" altLang="ja-JP" b="0" i="1" smtClean="0">
+                        <a:latin typeface="Cambria Math" panose="02040503050406030204" pitchFamily="18" charset="0"/>
+                      </a:rPr>
+                      <m:t>,</m:t>
+                    </m:r>
+                    <m:r>
+                      <a:rPr kumimoji="1" lang="en-US" altLang="ja-JP" b="0" i="1" smtClean="0">
+                        <a:latin typeface="Cambria Math" panose="02040503050406030204" pitchFamily="18" charset="0"/>
+                      </a:rPr>
+                      <m:t>𝜎</m:t>
+                    </m:r>
+                    <m:r>
+                      <a:rPr kumimoji="1" lang="en-US" altLang="ja-JP" b="0" i="1" smtClean="0">
+                        <a:latin typeface="Cambria Math" panose="02040503050406030204" pitchFamily="18" charset="0"/>
+                      </a:rPr>
+                      <m:t>)</m:t>
+                    </m:r>
+                  </m:oMath>
+                </a14:m>
+                <a:r>
+                  <a:rPr kumimoji="1" lang="ja-JP" altLang="en-US" b="0"/>
+                  <a:t>に対して「</a:t>
+                </a:r>
+                <a14:m>
+                  <m:oMath xmlns:m="http://schemas.openxmlformats.org/officeDocument/2006/math">
+                    <m:r>
+                      <a:rPr kumimoji="1" lang="en-US" altLang="ja-JP" b="0" i="1" smtClean="0">
+                        <a:latin typeface="Cambria Math" panose="02040503050406030204" pitchFamily="18" charset="0"/>
+                      </a:rPr>
+                      <m:t>𝐻</m:t>
+                    </m:r>
+                    <m:d>
+                      <m:dPr>
+                        <m:ctrlPr>
+                          <a:rPr kumimoji="1" lang="en-US" altLang="ja-JP" b="0" i="1" smtClean="0">
+                            <a:latin typeface="Cambria Math" panose="02040503050406030204" pitchFamily="18" charset="0"/>
+                          </a:rPr>
+                        </m:ctrlPr>
+                      </m:dPr>
+                      <m:e>
+                        <m:r>
+                          <a:rPr kumimoji="1" lang="en-US" altLang="ja-JP" b="0" i="1" smtClean="0">
+                            <a:latin typeface="Cambria Math" panose="02040503050406030204" pitchFamily="18" charset="0"/>
+                          </a:rPr>
+                          <m:t>𝑚</m:t>
+                        </m:r>
+                      </m:e>
+                    </m:d>
+                    <m:r>
+                      <a:rPr kumimoji="1" lang="en-US" altLang="ja-JP" b="0" i="1" smtClean="0">
+                        <a:latin typeface="Cambria Math" panose="02040503050406030204" pitchFamily="18" charset="0"/>
+                      </a:rPr>
+                      <m:t>×</m:t>
+                    </m:r>
+                    <m:r>
+                      <a:rPr kumimoji="1" lang="en-US" altLang="ja-JP" b="0" i="1" smtClean="0">
+                        <a:latin typeface="Cambria Math" panose="02040503050406030204" pitchFamily="18" charset="0"/>
+                      </a:rPr>
+                      <m:t>𝑄</m:t>
+                    </m:r>
+                    <m:r>
+                      <a:rPr kumimoji="1" lang="en-US" altLang="ja-JP" b="0" i="1" smtClean="0">
+                        <a:latin typeface="Cambria Math" panose="02040503050406030204" pitchFamily="18" charset="0"/>
+                      </a:rPr>
+                      <m:t>=</m:t>
+                    </m:r>
+                    <m:r>
+                      <a:rPr kumimoji="1" lang="en-US" altLang="ja-JP" b="0" i="1" smtClean="0">
+                        <a:latin typeface="Cambria Math" panose="02040503050406030204" pitchFamily="18" charset="0"/>
+                      </a:rPr>
+                      <m:t>𝜎</m:t>
+                    </m:r>
+                    <m:r>
+                      <a:rPr kumimoji="1" lang="en-US" altLang="ja-JP" b="0" i="1" smtClean="0">
+                        <a:latin typeface="Cambria Math" panose="02040503050406030204" pitchFamily="18" charset="0"/>
+                      </a:rPr>
+                      <m:t>×</m:t>
+                    </m:r>
+                    <m:r>
+                      <a:rPr kumimoji="1" lang="en-US" altLang="ja-JP" b="0" i="1" smtClean="0">
+                        <a:latin typeface="Cambria Math" panose="02040503050406030204" pitchFamily="18" charset="0"/>
+                      </a:rPr>
+                      <m:t>𝑃</m:t>
+                    </m:r>
+                  </m:oMath>
+                </a14:m>
+                <a:r>
+                  <a:rPr kumimoji="1" lang="ja-JP" altLang="en-US" b="0"/>
+                  <a:t>」なら受理</a:t>
+                </a:r>
+                <a:endParaRPr kumimoji="1" lang="en-US" altLang="ja-JP" b="0"/>
+              </a:p>
+              <a:p>
+                <a:pPr lvl="1"/>
+                <a:r>
+                  <a:rPr kumimoji="1" lang="ja-JP" altLang="en-US" b="0"/>
+                  <a:t>正しければ</a:t>
+                </a:r>
+                <a14:m>
+                  <m:oMath xmlns:m="http://schemas.openxmlformats.org/officeDocument/2006/math">
+                    <m:r>
+                      <a:rPr kumimoji="1" lang="en-US" altLang="ja-JP" b="0" i="1" smtClean="0">
+                        <a:latin typeface="Cambria Math" panose="02040503050406030204" pitchFamily="18" charset="0"/>
+                      </a:rPr>
+                      <m:t>𝐻</m:t>
+                    </m:r>
+                    <m:d>
+                      <m:dPr>
+                        <m:ctrlPr>
+                          <a:rPr kumimoji="1" lang="en-US" altLang="ja-JP" b="0" i="1" smtClean="0">
+                            <a:latin typeface="Cambria Math" panose="02040503050406030204" pitchFamily="18" charset="0"/>
+                          </a:rPr>
+                        </m:ctrlPr>
+                      </m:dPr>
+                      <m:e>
+                        <m:r>
+                          <a:rPr kumimoji="1" lang="en-US" altLang="ja-JP" b="0" i="1" smtClean="0">
+                            <a:latin typeface="Cambria Math" panose="02040503050406030204" pitchFamily="18" charset="0"/>
+                          </a:rPr>
+                          <m:t>𝑚</m:t>
+                        </m:r>
+                      </m:e>
+                    </m:d>
+                    <m:r>
+                      <a:rPr kumimoji="1" lang="en-US" altLang="ja-JP" b="0" i="1" smtClean="0">
+                        <a:latin typeface="Cambria Math" panose="02040503050406030204" pitchFamily="18" charset="0"/>
+                      </a:rPr>
+                      <m:t>×</m:t>
+                    </m:r>
+                    <m:d>
+                      <m:dPr>
+                        <m:ctrlPr>
+                          <a:rPr kumimoji="1" lang="en-US" altLang="ja-JP" b="0" i="1" smtClean="0">
+                            <a:latin typeface="Cambria Math" panose="02040503050406030204" pitchFamily="18" charset="0"/>
+                          </a:rPr>
+                        </m:ctrlPr>
+                      </m:dPr>
+                      <m:e>
+                        <m:r>
+                          <a:rPr kumimoji="1" lang="en-US" altLang="ja-JP" b="0" i="1" smtClean="0">
+                            <a:latin typeface="Cambria Math" panose="02040503050406030204" pitchFamily="18" charset="0"/>
+                          </a:rPr>
+                          <m:t>𝑠𝑃</m:t>
+                        </m:r>
+                      </m:e>
+                    </m:d>
+                    <m:r>
+                      <a:rPr kumimoji="1" lang="en-US" altLang="ja-JP" b="0" i="1" smtClean="0">
+                        <a:latin typeface="Cambria Math" panose="02040503050406030204" pitchFamily="18" charset="0"/>
+                      </a:rPr>
+                      <m:t>=</m:t>
+                    </m:r>
+                    <m:r>
+                      <a:rPr kumimoji="1" lang="en-US" altLang="ja-JP" b="0" i="1" smtClean="0">
+                        <a:latin typeface="Cambria Math" panose="02040503050406030204" pitchFamily="18" charset="0"/>
+                      </a:rPr>
+                      <m:t>𝑠</m:t>
+                    </m:r>
+                    <m:d>
+                      <m:dPr>
+                        <m:ctrlPr>
+                          <a:rPr kumimoji="1" lang="en-US" altLang="ja-JP" b="0" i="1" smtClean="0">
+                            <a:latin typeface="Cambria Math" panose="02040503050406030204" pitchFamily="18" charset="0"/>
+                          </a:rPr>
+                        </m:ctrlPr>
+                      </m:dPr>
+                      <m:e>
+                        <m:r>
+                          <a:rPr kumimoji="1" lang="en-US" altLang="ja-JP" b="0" i="1" smtClean="0">
+                            <a:latin typeface="Cambria Math" panose="02040503050406030204" pitchFamily="18" charset="0"/>
+                          </a:rPr>
+                          <m:t>𝐻</m:t>
+                        </m:r>
+                        <m:d>
+                          <m:dPr>
+                            <m:ctrlPr>
+                              <a:rPr kumimoji="1" lang="en-US" altLang="ja-JP" b="0" i="1" smtClean="0">
+                                <a:latin typeface="Cambria Math" panose="02040503050406030204" pitchFamily="18" charset="0"/>
+                              </a:rPr>
+                            </m:ctrlPr>
+                          </m:dPr>
+                          <m:e>
+                            <m:r>
+                              <a:rPr kumimoji="1" lang="en-US" altLang="ja-JP" b="0" i="1" smtClean="0">
+                                <a:latin typeface="Cambria Math" panose="02040503050406030204" pitchFamily="18" charset="0"/>
+                              </a:rPr>
+                              <m:t>𝑚</m:t>
+                            </m:r>
+                          </m:e>
+                        </m:d>
+                        <m:r>
+                          <a:rPr kumimoji="1" lang="en-US" altLang="ja-JP" b="0" i="1" smtClean="0">
+                            <a:latin typeface="Cambria Math" panose="02040503050406030204" pitchFamily="18" charset="0"/>
+                          </a:rPr>
+                          <m:t>×</m:t>
+                        </m:r>
+                        <m:r>
+                          <a:rPr kumimoji="1" lang="en-US" altLang="ja-JP" b="0" i="1" smtClean="0">
+                            <a:latin typeface="Cambria Math" panose="02040503050406030204" pitchFamily="18" charset="0"/>
+                          </a:rPr>
+                          <m:t>𝑃</m:t>
+                        </m:r>
+                      </m:e>
+                    </m:d>
+                    <m:r>
+                      <a:rPr kumimoji="1" lang="en-US" altLang="ja-JP" b="0" i="1" smtClean="0">
+                        <a:latin typeface="Cambria Math" panose="02040503050406030204" pitchFamily="18" charset="0"/>
+                      </a:rPr>
+                      <m:t>=</m:t>
+                    </m:r>
+                    <m:r>
+                      <a:rPr kumimoji="1" lang="en-US" altLang="ja-JP" b="0" i="1" smtClean="0">
+                        <a:latin typeface="Cambria Math" panose="02040503050406030204" pitchFamily="18" charset="0"/>
+                      </a:rPr>
+                      <m:t>𝜎</m:t>
+                    </m:r>
+                    <m:r>
+                      <a:rPr kumimoji="1" lang="en-US" altLang="ja-JP" b="0" i="1" smtClean="0">
+                        <a:latin typeface="Cambria Math" panose="02040503050406030204" pitchFamily="18" charset="0"/>
+                      </a:rPr>
+                      <m:t>×</m:t>
+                    </m:r>
+                    <m:r>
+                      <a:rPr kumimoji="1" lang="en-US" altLang="ja-JP" b="0" i="1" smtClean="0">
+                        <a:latin typeface="Cambria Math" panose="02040503050406030204" pitchFamily="18" charset="0"/>
+                      </a:rPr>
+                      <m:t>𝑃</m:t>
+                    </m:r>
+                  </m:oMath>
+                </a14:m>
+                <a:endParaRPr kumimoji="1" lang="en-US" altLang="ja-JP" b="0"/>
+              </a:p>
+              <a:p>
+                <a:r>
+                  <a:rPr lang="ja-JP" altLang="en-US"/>
+                  <a:t>特長</a:t>
+                </a:r>
+                <a:endParaRPr lang="en-US" altLang="ja-JP"/>
+              </a:p>
+              <a:p>
+                <a:pPr lvl="1"/>
+                <a:r>
+                  <a:rPr lang="en-US" altLang="ja-JP"/>
+                  <a:t>ECDSA</a:t>
+                </a:r>
+                <a:r>
+                  <a:rPr lang="ja-JP" altLang="en-US"/>
+                  <a:t>と違って乱数不要</a:t>
+                </a:r>
+                <a:endParaRPr kumimoji="1" lang="en-US" altLang="ja-JP" b="0"/>
+              </a:p>
+            </p:txBody>
+          </p:sp>
+        </mc:Choice>
+        <mc:Fallback>
+          <p:sp>
+            <p:nvSpPr>
+              <p:cNvPr id="2" name="コンテンツ プレースホルダー 1">
+                <a:extLst>
+                  <a:ext uri="{FF2B5EF4-FFF2-40B4-BE49-F238E27FC236}">
+                    <a16:creationId xmlns:a16="http://schemas.microsoft.com/office/drawing/2014/main" id="{D3FC2296-8AB2-4B1A-AFCB-8FBD032C9D7F}"/>
+                  </a:ext>
+                </a:extLst>
+              </p:cNvPr>
+              <p:cNvSpPr>
+                <a:spLocks noGrp="1" noRot="1" noChangeAspect="1" noMove="1" noResize="1" noEditPoints="1" noAdjustHandles="1" noChangeArrowheads="1" noChangeShapeType="1" noTextEdit="1"/>
+              </p:cNvSpPr>
+              <p:nvPr>
+                <p:ph idx="1"/>
+              </p:nvPr>
+            </p:nvSpPr>
+            <p:spPr>
+              <a:blipFill>
+                <a:blip r:embed="rId2"/>
+                <a:stretch>
+                  <a:fillRect l="-1200" t="-1038" b="-4361"/>
+                </a:stretch>
+              </a:blipFill>
+            </p:spPr>
+            <p:txBody>
+              <a:bodyPr/>
+              <a:lstStyle/>
+              <a:p>
+                <a:r>
+                  <a:rPr lang="ja-JP" altLang="en-US">
+                    <a:noFill/>
+                  </a:rPr>
+                  <a:t> </a:t>
+                </a:r>
+              </a:p>
+            </p:txBody>
+          </p:sp>
+        </mc:Fallback>
+      </mc:AlternateContent>
+      <p:sp>
+        <p:nvSpPr>
+          <p:cNvPr id="3" name="スライド番号プレースホルダー 2">
+            <a:extLst>
+              <a:ext uri="{FF2B5EF4-FFF2-40B4-BE49-F238E27FC236}">
+                <a16:creationId xmlns:a16="http://schemas.microsoft.com/office/drawing/2014/main" id="{D576DCF2-EAB1-4D8B-8B25-B43A1B18FC81}"/>
+              </a:ext>
+            </a:extLst>
+          </p:cNvPr>
+          <p:cNvSpPr>
+            <a:spLocks noGrp="1"/>
+          </p:cNvSpPr>
+          <p:nvPr>
+            <p:ph type="sldNum" sz="quarter" idx="12"/>
+          </p:nvPr>
+        </p:nvSpPr>
+        <p:spPr/>
+        <p:txBody>
+          <a:bodyPr/>
+          <a:lstStyle/>
+          <a:p>
+            <a:pPr>
+              <a:defRPr/>
+            </a:pPr>
+            <a:r>
+              <a:rPr lang="en-US" altLang="ja-JP"/>
+              <a:t>    </a:t>
+            </a:r>
+            <a:fld id="{B2782DEB-472A-4FE5-AC34-C17109CF5A91}" type="slidenum">
+              <a:rPr lang="en-US" altLang="ja-JP" smtClean="0"/>
+              <a:pPr>
+                <a:defRPr/>
+              </a:pPr>
+              <a:t>14</a:t>
+            </a:fld>
+            <a:r>
+              <a:rPr lang="en-US" altLang="ja-JP"/>
+              <a:t> / 24</a:t>
+            </a:r>
+          </a:p>
+        </p:txBody>
+      </p:sp>
+      <p:sp>
+        <p:nvSpPr>
+          <p:cNvPr id="4" name="タイトル 3">
+            <a:extLst>
+              <a:ext uri="{FF2B5EF4-FFF2-40B4-BE49-F238E27FC236}">
+                <a16:creationId xmlns:a16="http://schemas.microsoft.com/office/drawing/2014/main" id="{4CD96BA1-DE15-44F4-8A06-8BB00C3C31FC}"/>
+              </a:ext>
+            </a:extLst>
+          </p:cNvPr>
+          <p:cNvSpPr>
+            <a:spLocks noGrp="1"/>
+          </p:cNvSpPr>
+          <p:nvPr>
+            <p:ph type="title"/>
+          </p:nvPr>
+        </p:nvSpPr>
+        <p:spPr/>
+        <p:txBody>
+          <a:bodyPr/>
+          <a:lstStyle/>
+          <a:p>
+            <a:r>
+              <a:rPr kumimoji="1" lang="en-US" altLang="ja-JP"/>
+              <a:t>BLS</a:t>
+            </a:r>
+            <a:r>
+              <a:rPr kumimoji="1" lang="ja-JP" altLang="en-US"/>
+              <a:t>署名</a:t>
+            </a:r>
+          </a:p>
+        </p:txBody>
+      </p:sp>
+    </p:spTree>
+    <p:extLst>
+      <p:ext uri="{BB962C8B-B14F-4D97-AF65-F5344CB8AC3E}">
+        <p14:creationId xmlns:p14="http://schemas.microsoft.com/office/powerpoint/2010/main" val="1797596037"/>
+      </p:ext>
+    </p:extLst>
+  </p:cSld>
+  <p:clrMapOvr>
+    <a:masterClrMapping/>
+  </p:clrMapOvr>
+</p:sld>
+</file>
+
+<file path=ppt/slides/slide15.xml><?xml version="1.0" encoding="utf-8"?>
+<p:sld xmlns:a="http://schemas.openxmlformats.org/drawingml/2006/main" xmlns:r="http://schemas.openxmlformats.org/officeDocument/2006/relationships" xmlns:p="http://schemas.openxmlformats.org/presentationml/2006/main">
+  <p:cSld>
+    <p:spTree>
+      <p:nvGrpSpPr>
+        <p:cNvPr id="1" name=""/>
+        <p:cNvGrpSpPr/>
+        <p:nvPr/>
+      </p:nvGrpSpPr>
+      <p:grpSpPr>
+        <a:xfrm>
+          <a:off x="0" y="0"/>
+          <a:ext cx="0" cy="0"/>
+          <a:chOff x="0" y="0"/>
+          <a:chExt cx="0" cy="0"/>
+        </a:xfrm>
+      </p:grpSpPr>
+      <mc:AlternateContent xmlns:mc="http://schemas.openxmlformats.org/markup-compatibility/2006">
+        <mc:Choice xmlns:a14="http://schemas.microsoft.com/office/drawing/2010/main" Requires="a14">
+          <p:sp>
+            <p:nvSpPr>
+              <p:cNvPr id="2" name="コンテンツ プレースホルダー 1">
+                <a:extLst>
+                  <a:ext uri="{FF2B5EF4-FFF2-40B4-BE49-F238E27FC236}">
+                    <a16:creationId xmlns:a16="http://schemas.microsoft.com/office/drawing/2014/main" id="{CAB4A7F3-1F63-442F-8E37-D51B0CC7EFB2}"/>
+                  </a:ext>
+                </a:extLst>
+              </p:cNvPr>
+              <p:cNvSpPr>
+                <a:spLocks noGrp="1"/>
+              </p:cNvSpPr>
+              <p:nvPr>
+                <p:ph idx="1"/>
+              </p:nvPr>
+            </p:nvSpPr>
+            <p:spPr/>
+            <p:txBody>
+              <a:bodyPr/>
+              <a:lstStyle/>
+              <a:p>
+                <a:r>
+                  <a:rPr kumimoji="1" lang="ja-JP" altLang="en-US"/>
+                  <a:t>秘密分散と相性がよい</a:t>
+                </a:r>
+                <a:endParaRPr kumimoji="1" lang="en-US" altLang="ja-JP"/>
+              </a:p>
+              <a:p>
+                <a:pPr lvl="1"/>
+                <a:r>
+                  <a:rPr kumimoji="1" lang="ja-JP" altLang="en-US"/>
+                  <a:t>検証鍵</a:t>
+                </a:r>
+                <a:r>
+                  <a:rPr kumimoji="1" lang="en-US" altLang="ja-JP"/>
+                  <a:t>(</a:t>
+                </a:r>
+                <a:r>
+                  <a:rPr kumimoji="1" lang="ja-JP" altLang="en-US"/>
+                  <a:t>公開鍵</a:t>
+                </a:r>
+                <a:r>
+                  <a:rPr kumimoji="1" lang="en-US" altLang="ja-JP"/>
+                  <a:t>)</a:t>
+                </a:r>
+                <a:r>
+                  <a:rPr lang="ja-JP" altLang="en-US"/>
+                  <a:t>が</a:t>
+                </a:r>
+                <a14:m>
+                  <m:oMath xmlns:m="http://schemas.openxmlformats.org/officeDocument/2006/math">
+                    <m:r>
+                      <a:rPr kumimoji="1" lang="en-US" altLang="ja-JP" b="0" i="1" smtClean="0">
+                        <a:latin typeface="Cambria Math" panose="02040503050406030204" pitchFamily="18" charset="0"/>
+                      </a:rPr>
+                      <m:t>𝑠𝑃</m:t>
+                    </m:r>
+                  </m:oMath>
+                </a14:m>
+                <a:r>
+                  <a:rPr kumimoji="1" lang="en-US" altLang="ja-JP"/>
+                  <a:t>, </a:t>
+                </a:r>
+                <a:r>
+                  <a:rPr kumimoji="1" lang="ja-JP" altLang="en-US"/>
+                  <a:t>署名</a:t>
+                </a:r>
+                <a:r>
+                  <a:rPr lang="ja-JP" altLang="en-US"/>
+                  <a:t>が</a:t>
+                </a:r>
+                <a14:m>
+                  <m:oMath xmlns:m="http://schemas.openxmlformats.org/officeDocument/2006/math">
+                    <m:r>
+                      <a:rPr kumimoji="1" lang="en-US" altLang="ja-JP" b="0" i="1" smtClean="0">
+                        <a:latin typeface="Cambria Math" panose="02040503050406030204" pitchFamily="18" charset="0"/>
+                      </a:rPr>
+                      <m:t>𝑠𝐻</m:t>
+                    </m:r>
+                    <m:r>
+                      <a:rPr kumimoji="1" lang="en-US" altLang="ja-JP" b="0" i="1" smtClean="0">
+                        <a:latin typeface="Cambria Math" panose="02040503050406030204" pitchFamily="18" charset="0"/>
+                      </a:rPr>
+                      <m:t>(</m:t>
+                    </m:r>
+                    <m:r>
+                      <a:rPr kumimoji="1" lang="en-US" altLang="ja-JP" b="0" i="1" smtClean="0">
+                        <a:latin typeface="Cambria Math" panose="02040503050406030204" pitchFamily="18" charset="0"/>
+                      </a:rPr>
+                      <m:t>𝑚</m:t>
+                    </m:r>
+                    <m:r>
+                      <a:rPr kumimoji="1" lang="en-US" altLang="ja-JP" b="0" i="1" smtClean="0">
+                        <a:latin typeface="Cambria Math" panose="02040503050406030204" pitchFamily="18" charset="0"/>
+                      </a:rPr>
+                      <m:t>)</m:t>
+                    </m:r>
+                  </m:oMath>
+                </a14:m>
+                <a:r>
+                  <a:rPr kumimoji="1" lang="ja-JP" altLang="en-US"/>
+                  <a:t>で</a:t>
+                </a:r>
+                <a:br>
+                  <a:rPr kumimoji="1" lang="en-US" altLang="ja-JP"/>
+                </a:br>
+                <a:r>
+                  <a:rPr kumimoji="1" lang="ja-JP" altLang="en-US"/>
+                  <a:t>どちらも「秘密鍵 </a:t>
+                </a:r>
+                <a:r>
+                  <a:rPr kumimoji="1" lang="en-US" altLang="ja-JP"/>
+                  <a:t>x</a:t>
+                </a:r>
+                <a:r>
+                  <a:rPr kumimoji="1" lang="ja-JP" altLang="en-US"/>
+                  <a:t> 楕円曲線の点」の形</a:t>
+                </a:r>
+                <a:endParaRPr kumimoji="1" lang="en-US" altLang="ja-JP"/>
+              </a:p>
+              <a:p>
+                <a:r>
+                  <a:rPr kumimoji="1" lang="en-US" altLang="ja-JP"/>
+                  <a:t>BLS</a:t>
+                </a:r>
+                <a:r>
+                  <a:rPr kumimoji="1" lang="ja-JP" altLang="en-US"/>
+                  <a:t>署名を秘密分散と組み合わせると</a:t>
+                </a:r>
+                <a:endParaRPr kumimoji="1" lang="en-US" altLang="ja-JP"/>
+              </a:p>
+              <a:p>
+                <a:pPr lvl="1"/>
+                <a:r>
+                  <a:rPr kumimoji="1" lang="ja-JP" altLang="en-US"/>
+                  <a:t>秘密分散と異なり</a:t>
+                </a:r>
+                <a:r>
+                  <a:rPr kumimoji="1" lang="en-US" altLang="ja-JP"/>
+                  <a:t>(</a:t>
+                </a:r>
+                <a:r>
+                  <a:rPr kumimoji="1" lang="ja-JP" altLang="en-US"/>
+                  <a:t>秘密鍵は秘密のままなので</a:t>
+                </a:r>
+                <a:r>
+                  <a:rPr kumimoji="1" lang="en-US" altLang="ja-JP"/>
+                  <a:t>)</a:t>
+                </a:r>
+                <a:r>
+                  <a:rPr kumimoji="1" lang="ja-JP" altLang="en-US"/>
+                  <a:t>繰り返し利用可</a:t>
+                </a:r>
+                <a:endParaRPr kumimoji="1" lang="en-US" altLang="ja-JP"/>
+              </a:p>
+              <a:p>
+                <a:pPr lvl="1"/>
+                <a:r>
+                  <a:rPr lang="ja-JP" altLang="en-US"/>
+                  <a:t>ブロックチェーン系プロジェクトで利用</a:t>
+                </a:r>
+                <a:endParaRPr lang="en-US" altLang="ja-JP"/>
+              </a:p>
+              <a:p>
+                <a:pPr lvl="1"/>
+                <a:endParaRPr kumimoji="1" lang="ja-JP" altLang="en-US"/>
+              </a:p>
+            </p:txBody>
+          </p:sp>
+        </mc:Choice>
+        <mc:Fallback>
+          <p:sp>
+            <p:nvSpPr>
+              <p:cNvPr id="2" name="コンテンツ プレースホルダー 1">
+                <a:extLst>
+                  <a:ext uri="{FF2B5EF4-FFF2-40B4-BE49-F238E27FC236}">
+                    <a16:creationId xmlns:a16="http://schemas.microsoft.com/office/drawing/2014/main" id="{CAB4A7F3-1F63-442F-8E37-D51B0CC7EFB2}"/>
+                  </a:ext>
+                </a:extLst>
+              </p:cNvPr>
+              <p:cNvSpPr>
+                <a:spLocks noGrp="1" noRot="1" noChangeAspect="1" noMove="1" noResize="1" noEditPoints="1" noAdjustHandles="1" noChangeArrowheads="1" noChangeShapeType="1" noTextEdit="1"/>
+              </p:cNvSpPr>
+              <p:nvPr>
+                <p:ph idx="1"/>
+              </p:nvPr>
+            </p:nvSpPr>
+            <p:spPr>
+              <a:blipFill>
+                <a:blip r:embed="rId2"/>
+                <a:stretch>
+                  <a:fillRect l="-1200" t="-1038" r="-533"/>
+                </a:stretch>
+              </a:blipFill>
+            </p:spPr>
+            <p:txBody>
+              <a:bodyPr/>
+              <a:lstStyle/>
+              <a:p>
+                <a:r>
+                  <a:rPr lang="ja-JP" altLang="en-US">
+                    <a:noFill/>
+                  </a:rPr>
+                  <a:t> </a:t>
+                </a:r>
+              </a:p>
+            </p:txBody>
+          </p:sp>
+        </mc:Fallback>
+      </mc:AlternateContent>
+      <p:sp>
+        <p:nvSpPr>
+          <p:cNvPr id="3" name="スライド番号プレースホルダー 2">
+            <a:extLst>
+              <a:ext uri="{FF2B5EF4-FFF2-40B4-BE49-F238E27FC236}">
+                <a16:creationId xmlns:a16="http://schemas.microsoft.com/office/drawing/2014/main" id="{BADCE111-DBCC-4CC0-A6FF-7F1E83F2A08F}"/>
+              </a:ext>
+            </a:extLst>
+          </p:cNvPr>
+          <p:cNvSpPr>
+            <a:spLocks noGrp="1"/>
+          </p:cNvSpPr>
+          <p:nvPr>
+            <p:ph type="sldNum" sz="quarter" idx="12"/>
+          </p:nvPr>
+        </p:nvSpPr>
+        <p:spPr/>
+        <p:txBody>
+          <a:bodyPr/>
+          <a:lstStyle/>
+          <a:p>
+            <a:pPr>
+              <a:defRPr/>
+            </a:pPr>
+            <a:r>
+              <a:rPr lang="en-US" altLang="ja-JP"/>
+              <a:t>    </a:t>
+            </a:r>
+            <a:fld id="{B2782DEB-472A-4FE5-AC34-C17109CF5A91}" type="slidenum">
+              <a:rPr lang="en-US" altLang="ja-JP" smtClean="0"/>
+              <a:pPr>
+                <a:defRPr/>
+              </a:pPr>
+              <a:t>15</a:t>
+            </a:fld>
+            <a:r>
+              <a:rPr lang="en-US" altLang="ja-JP"/>
+              <a:t> / 24</a:t>
+            </a:r>
+          </a:p>
+        </p:txBody>
+      </p:sp>
+      <p:sp>
+        <p:nvSpPr>
+          <p:cNvPr id="4" name="タイトル 3">
+            <a:extLst>
+              <a:ext uri="{FF2B5EF4-FFF2-40B4-BE49-F238E27FC236}">
+                <a16:creationId xmlns:a16="http://schemas.microsoft.com/office/drawing/2014/main" id="{70D9DD0E-F740-4567-A9CB-E52ADAF112EC}"/>
+              </a:ext>
+            </a:extLst>
+          </p:cNvPr>
+          <p:cNvSpPr>
+            <a:spLocks noGrp="1"/>
+          </p:cNvSpPr>
+          <p:nvPr>
+            <p:ph type="title"/>
+          </p:nvPr>
+        </p:nvSpPr>
+        <p:spPr/>
+        <p:txBody>
+          <a:bodyPr/>
+          <a:lstStyle/>
+          <a:p>
+            <a:r>
+              <a:rPr kumimoji="1" lang="en-US" altLang="ja-JP"/>
+              <a:t>BLS</a:t>
+            </a:r>
+            <a:r>
+              <a:rPr kumimoji="1" lang="ja-JP" altLang="en-US"/>
+              <a:t>署名の特長</a:t>
+            </a:r>
+          </a:p>
+        </p:txBody>
+      </p:sp>
+      <p:pic>
+        <p:nvPicPr>
+          <p:cNvPr id="32" name="図 31">
+            <a:extLst>
+              <a:ext uri="{FF2B5EF4-FFF2-40B4-BE49-F238E27FC236}">
+                <a16:creationId xmlns:a16="http://schemas.microsoft.com/office/drawing/2014/main" id="{04E4DBAE-56DB-4A9C-A1EE-19A13DB9CA38}"/>
+              </a:ext>
+            </a:extLst>
+          </p:cNvPr>
+          <p:cNvPicPr>
+            <a:picLocks noChangeAspect="1"/>
+          </p:cNvPicPr>
+          <p:nvPr/>
+        </p:nvPicPr>
+        <p:blipFill>
+          <a:blip r:embed="rId3">
+            <a:extLst>
+              <a:ext uri="{28A0092B-C50C-407E-A947-70E740481C1C}">
+                <a14:useLocalDpi xmlns:a14="http://schemas.microsoft.com/office/drawing/2010/main" val="0"/>
+              </a:ext>
+            </a:extLst>
+          </a:blip>
+          <a:stretch>
+            <a:fillRect/>
+          </a:stretch>
+        </p:blipFill>
+        <p:spPr>
+          <a:xfrm>
+            <a:off x="1331640" y="3645024"/>
+            <a:ext cx="6134558" cy="3212975"/>
+          </a:xfrm>
+          <a:prstGeom prst="rect">
+            <a:avLst/>
+          </a:prstGeom>
+        </p:spPr>
+      </p:pic>
+    </p:spTree>
+    <p:extLst>
+      <p:ext uri="{BB962C8B-B14F-4D97-AF65-F5344CB8AC3E}">
+        <p14:creationId xmlns:p14="http://schemas.microsoft.com/office/powerpoint/2010/main" val="3009684808"/>
+      </p:ext>
+    </p:extLst>
+  </p:cSld>
+  <p:clrMapOvr>
+    <a:masterClrMapping/>
+  </p:clrMapOvr>
+</p:sld>
+</file>
+
+<file path=ppt/slides/slide16.xml><?xml version="1.0" encoding="utf-8"?>
+<p:sld xmlns:a="http://schemas.openxmlformats.org/drawingml/2006/main" xmlns:r="http://schemas.openxmlformats.org/officeDocument/2006/relationships" xmlns:p="http://schemas.openxmlformats.org/presentationml/2006/main">
+  <p:cSld>
+    <p:spTree>
+      <p:nvGrpSpPr>
+        <p:cNvPr id="1" name=""/>
+        <p:cNvGrpSpPr/>
+        <p:nvPr/>
+      </p:nvGrpSpPr>
+      <p:grpSpPr>
+        <a:xfrm>
+          <a:off x="0" y="0"/>
+          <a:ext cx="0" cy="0"/>
+          <a:chOff x="0" y="0"/>
+          <a:chExt cx="0" cy="0"/>
+        </a:xfrm>
+      </p:grpSpPr>
+      <p:sp>
+        <p:nvSpPr>
+          <p:cNvPr id="2" name="コンテンツ プレースホルダー 1">
+            <a:extLst>
+              <a:ext uri="{FF2B5EF4-FFF2-40B4-BE49-F238E27FC236}">
+                <a16:creationId xmlns:a16="http://schemas.microsoft.com/office/drawing/2014/main" id="{DA35C646-AC9E-4A16-A2E1-BDA4DE6EAD51}"/>
+              </a:ext>
+            </a:extLst>
+          </p:cNvPr>
+          <p:cNvSpPr>
+            <a:spLocks noGrp="1"/>
+          </p:cNvSpPr>
+          <p:nvPr>
+            <p:ph idx="1"/>
+          </p:nvPr>
+        </p:nvSpPr>
+        <p:spPr/>
+        <p:txBody>
+          <a:bodyPr/>
+          <a:lstStyle/>
+          <a:p>
+            <a:r>
+              <a:rPr kumimoji="1" lang="en-US" altLang="ja-JP"/>
+              <a:t>MPC</a:t>
+            </a:r>
+            <a:r>
+              <a:rPr kumimoji="1" lang="ja-JP" altLang="en-US"/>
+              <a:t>のうち</a:t>
+            </a:r>
+            <a:r>
+              <a:rPr kumimoji="1" lang="en-US" altLang="ja-JP"/>
+              <a:t>3</a:t>
+            </a:r>
+            <a:r>
+              <a:rPr kumimoji="1" lang="ja-JP" altLang="en-US"/>
+              <a:t>人で秘密計算するもの</a:t>
+            </a:r>
+            <a:endParaRPr kumimoji="1" lang="en-US" altLang="ja-JP"/>
+          </a:p>
+          <a:p>
+            <a:endParaRPr lang="en-US" altLang="ja-JP"/>
+          </a:p>
+          <a:p>
+            <a:endParaRPr kumimoji="1" lang="en-US" altLang="ja-JP"/>
+          </a:p>
+          <a:p>
+            <a:endParaRPr lang="en-US" altLang="ja-JP"/>
+          </a:p>
+          <a:p>
+            <a:endParaRPr kumimoji="1" lang="en-US" altLang="ja-JP"/>
+          </a:p>
+          <a:p>
+            <a:endParaRPr lang="en-US" altLang="ja-JP"/>
+          </a:p>
+          <a:p>
+            <a:pPr marL="0" indent="0">
+              <a:buNone/>
+            </a:pPr>
+            <a:endParaRPr kumimoji="1" lang="en-US" altLang="ja-JP"/>
+          </a:p>
+        </p:txBody>
+      </p:sp>
+      <p:sp>
+        <p:nvSpPr>
+          <p:cNvPr id="3" name="スライド番号プレースホルダー 2">
+            <a:extLst>
+              <a:ext uri="{FF2B5EF4-FFF2-40B4-BE49-F238E27FC236}">
+                <a16:creationId xmlns:a16="http://schemas.microsoft.com/office/drawing/2014/main" id="{4336D077-BE03-4F3C-B314-6DABB8904EDC}"/>
+              </a:ext>
+            </a:extLst>
+          </p:cNvPr>
+          <p:cNvSpPr>
+            <a:spLocks noGrp="1"/>
+          </p:cNvSpPr>
+          <p:nvPr>
+            <p:ph type="sldNum" sz="quarter" idx="12"/>
+          </p:nvPr>
+        </p:nvSpPr>
+        <p:spPr/>
+        <p:txBody>
+          <a:bodyPr/>
+          <a:lstStyle/>
+          <a:p>
+            <a:pPr>
+              <a:defRPr/>
+            </a:pPr>
+            <a:r>
+              <a:rPr lang="en-US" altLang="ja-JP"/>
+              <a:t>    </a:t>
+            </a:r>
+            <a:fld id="{B2782DEB-472A-4FE5-AC34-C17109CF5A91}" type="slidenum">
+              <a:rPr lang="en-US" altLang="ja-JP" smtClean="0"/>
+              <a:pPr>
+                <a:defRPr/>
+              </a:pPr>
+              <a:t>16</a:t>
+            </a:fld>
+            <a:r>
+              <a:rPr lang="en-US" altLang="ja-JP"/>
+              <a:t> / 24</a:t>
+            </a:r>
+          </a:p>
+        </p:txBody>
+      </p:sp>
+      <p:sp>
+        <p:nvSpPr>
+          <p:cNvPr id="4" name="タイトル 3">
+            <a:extLst>
+              <a:ext uri="{FF2B5EF4-FFF2-40B4-BE49-F238E27FC236}">
+                <a16:creationId xmlns:a16="http://schemas.microsoft.com/office/drawing/2014/main" id="{BAF2BA02-14F7-4181-BE9C-06E58C9F2DB0}"/>
+              </a:ext>
+            </a:extLst>
+          </p:cNvPr>
+          <p:cNvSpPr>
+            <a:spLocks noGrp="1"/>
+          </p:cNvSpPr>
+          <p:nvPr>
+            <p:ph type="title"/>
+          </p:nvPr>
+        </p:nvSpPr>
+        <p:spPr/>
+        <p:txBody>
+          <a:bodyPr/>
+          <a:lstStyle/>
+          <a:p>
+            <a:r>
+              <a:rPr kumimoji="1" lang="en-US" altLang="ja-JP"/>
+              <a:t>3PC(</a:t>
+            </a:r>
+            <a:r>
+              <a:rPr lang="en-US" altLang="ja-JP"/>
+              <a:t>Three-Party Computation)</a:t>
+            </a:r>
+            <a:endParaRPr kumimoji="1" lang="ja-JP" altLang="en-US"/>
+          </a:p>
+        </p:txBody>
+      </p:sp>
+      <p:pic>
+        <p:nvPicPr>
+          <p:cNvPr id="6" name="図 5">
+            <a:extLst>
+              <a:ext uri="{FF2B5EF4-FFF2-40B4-BE49-F238E27FC236}">
+                <a16:creationId xmlns:a16="http://schemas.microsoft.com/office/drawing/2014/main" id="{E430635A-3B21-4F6E-9472-3A29E1979D71}"/>
+              </a:ext>
+            </a:extLst>
+          </p:cNvPr>
+          <p:cNvPicPr>
+            <a:picLocks noChangeAspect="1"/>
+          </p:cNvPicPr>
+          <p:nvPr/>
+        </p:nvPicPr>
+        <p:blipFill>
+          <a:blip r:embed="rId2">
+            <a:extLst>
+              <a:ext uri="{28A0092B-C50C-407E-A947-70E740481C1C}">
+                <a14:useLocalDpi xmlns:a14="http://schemas.microsoft.com/office/drawing/2010/main" val="0"/>
+              </a:ext>
+            </a:extLst>
+          </a:blip>
+          <a:stretch>
+            <a:fillRect/>
+          </a:stretch>
+        </p:blipFill>
+        <p:spPr>
+          <a:xfrm>
+            <a:off x="1259632" y="1268760"/>
+            <a:ext cx="6376508" cy="3168352"/>
+          </a:xfrm>
+          <a:prstGeom prst="rect">
+            <a:avLst/>
+          </a:prstGeom>
+        </p:spPr>
+      </p:pic>
+    </p:spTree>
+    <p:extLst>
+      <p:ext uri="{BB962C8B-B14F-4D97-AF65-F5344CB8AC3E}">
+        <p14:creationId xmlns:p14="http://schemas.microsoft.com/office/powerpoint/2010/main" val="1489988083"/>
+      </p:ext>
+    </p:extLst>
+  </p:cSld>
+  <p:clrMapOvr>
+    <a:masterClrMapping/>
+  </p:clrMapOvr>
+</p:sld>
+</file>
+
+<file path=ppt/slides/slide17.xml><?xml version="1.0" encoding="utf-8"?>
+<p:sld xmlns:a="http://schemas.openxmlformats.org/drawingml/2006/main" xmlns:r="http://schemas.openxmlformats.org/officeDocument/2006/relationships" xmlns:p="http://schemas.openxmlformats.org/presentationml/2006/main">
+  <p:cSld>
+    <p:spTree>
+      <p:nvGrpSpPr>
+        <p:cNvPr id="1" name=""/>
+        <p:cNvGrpSpPr/>
+        <p:nvPr/>
+      </p:nvGrpSpPr>
+      <p:grpSpPr>
+        <a:xfrm>
+          <a:off x="0" y="0"/>
+          <a:ext cx="0" cy="0"/>
+          <a:chOff x="0" y="0"/>
+          <a:chExt cx="0" cy="0"/>
+        </a:xfrm>
+      </p:grpSpPr>
+      <mc:AlternateContent xmlns:mc="http://schemas.openxmlformats.org/markup-compatibility/2006">
+        <mc:Choice xmlns:a14="http://schemas.microsoft.com/office/drawing/2010/main" Requires="a14">
+          <p:sp>
+            <p:nvSpPr>
+              <p:cNvPr id="2" name="コンテンツ プレースホルダー 1">
+                <a:extLst>
+                  <a:ext uri="{FF2B5EF4-FFF2-40B4-BE49-F238E27FC236}">
+                    <a16:creationId xmlns:a16="http://schemas.microsoft.com/office/drawing/2014/main" id="{1EE3FA00-F4A4-455B-A72D-837B4F501061}"/>
+                  </a:ext>
+                </a:extLst>
+              </p:cNvPr>
+              <p:cNvSpPr>
+                <a:spLocks noGrp="1"/>
+              </p:cNvSpPr>
+              <p:nvPr>
+                <p:ph idx="1"/>
+              </p:nvPr>
+            </p:nvSpPr>
+            <p:spPr/>
+            <p:txBody>
+              <a:bodyPr/>
+              <a:lstStyle/>
+              <a:p>
+                <a:r>
+                  <a:rPr kumimoji="1" lang="ja-JP" altLang="en-US"/>
+                  <a:t>秘密情報</a:t>
+                </a:r>
+                <a14:m>
+                  <m:oMath xmlns:m="http://schemas.openxmlformats.org/officeDocument/2006/math">
+                    <m:r>
+                      <a:rPr kumimoji="1" lang="en-US" altLang="ja-JP" b="0" i="1" smtClean="0">
+                        <a:latin typeface="Cambria Math" panose="02040503050406030204" pitchFamily="18" charset="0"/>
+                      </a:rPr>
+                      <m:t>𝑠</m:t>
+                    </m:r>
+                  </m:oMath>
+                </a14:m>
+                <a:r>
+                  <a:rPr kumimoji="1" lang="ja-JP" altLang="en-US"/>
+                  <a:t>の</a:t>
+                </a:r>
+                <a:r>
+                  <a:rPr kumimoji="1" lang="en-US" altLang="ja-JP"/>
+                  <a:t>2-of-3</a:t>
+                </a:r>
+                <a:r>
+                  <a:rPr kumimoji="1" lang="ja-JP" altLang="en-US"/>
+                  <a:t>秘密分散</a:t>
+                </a:r>
+                <a:endParaRPr kumimoji="1" lang="en-US" altLang="ja-JP"/>
+              </a:p>
+              <a:p>
+                <a:pPr lvl="1"/>
+                <a:r>
+                  <a:rPr kumimoji="1" lang="ja-JP" altLang="en-US"/>
+                  <a:t>乱数</a:t>
+                </a:r>
+                <a14:m>
+                  <m:oMath xmlns:m="http://schemas.openxmlformats.org/officeDocument/2006/math">
+                    <m:sSub>
+                      <m:sSubPr>
+                        <m:ctrlPr>
+                          <a:rPr kumimoji="1" lang="en-US" altLang="ja-JP" b="0" i="1" smtClean="0">
+                            <a:latin typeface="Cambria Math" panose="02040503050406030204" pitchFamily="18" charset="0"/>
+                          </a:rPr>
+                        </m:ctrlPr>
+                      </m:sSubPr>
+                      <m:e>
+                        <m:r>
+                          <a:rPr kumimoji="1" lang="en-US" altLang="ja-JP" b="0" i="1" smtClean="0">
+                            <a:latin typeface="Cambria Math" panose="02040503050406030204" pitchFamily="18" charset="0"/>
+                          </a:rPr>
+                          <m:t>𝑠</m:t>
+                        </m:r>
+                      </m:e>
+                      <m:sub>
+                        <m:r>
+                          <a:rPr kumimoji="1" lang="en-US" altLang="ja-JP" b="0" i="1" smtClean="0">
+                            <a:latin typeface="Cambria Math" panose="02040503050406030204" pitchFamily="18" charset="0"/>
+                          </a:rPr>
+                          <m:t>1</m:t>
+                        </m:r>
+                      </m:sub>
+                    </m:sSub>
+                    <m:r>
+                      <a:rPr kumimoji="1" lang="en-US" altLang="ja-JP" b="0" i="1" smtClean="0">
+                        <a:latin typeface="Cambria Math" panose="02040503050406030204" pitchFamily="18" charset="0"/>
+                      </a:rPr>
+                      <m:t>,</m:t>
+                    </m:r>
+                    <m:sSub>
+                      <m:sSubPr>
+                        <m:ctrlPr>
+                          <a:rPr kumimoji="1" lang="en-US" altLang="ja-JP" b="0" i="1" smtClean="0">
+                            <a:latin typeface="Cambria Math" panose="02040503050406030204" pitchFamily="18" charset="0"/>
+                          </a:rPr>
+                        </m:ctrlPr>
+                      </m:sSubPr>
+                      <m:e>
+                        <m:r>
+                          <a:rPr kumimoji="1" lang="en-US" altLang="ja-JP" b="0" i="1" smtClean="0">
+                            <a:latin typeface="Cambria Math" panose="02040503050406030204" pitchFamily="18" charset="0"/>
+                          </a:rPr>
+                          <m:t>𝑠</m:t>
+                        </m:r>
+                      </m:e>
+                      <m:sub>
+                        <m:r>
+                          <a:rPr kumimoji="1" lang="en-US" altLang="ja-JP" b="0" i="1" smtClean="0">
+                            <a:latin typeface="Cambria Math" panose="02040503050406030204" pitchFamily="18" charset="0"/>
+                          </a:rPr>
+                          <m:t>2</m:t>
+                        </m:r>
+                      </m:sub>
+                    </m:sSub>
+                  </m:oMath>
+                </a14:m>
+                <a:r>
+                  <a:rPr kumimoji="1" lang="ja-JP" altLang="en-US"/>
+                  <a:t>を選び</a:t>
+                </a:r>
+                <a14:m>
+                  <m:oMath xmlns:m="http://schemas.openxmlformats.org/officeDocument/2006/math">
+                    <m:sSub>
+                      <m:sSubPr>
+                        <m:ctrlPr>
+                          <a:rPr kumimoji="1" lang="en-US" altLang="ja-JP" b="0" i="1" smtClean="0">
+                            <a:latin typeface="Cambria Math" panose="02040503050406030204" pitchFamily="18" charset="0"/>
+                          </a:rPr>
+                        </m:ctrlPr>
+                      </m:sSubPr>
+                      <m:e>
+                        <m:r>
+                          <a:rPr kumimoji="1" lang="en-US" altLang="ja-JP" b="0" i="1" smtClean="0">
+                            <a:latin typeface="Cambria Math" panose="02040503050406030204" pitchFamily="18" charset="0"/>
+                          </a:rPr>
+                          <m:t>𝑠</m:t>
+                        </m:r>
+                      </m:e>
+                      <m:sub>
+                        <m:r>
+                          <a:rPr kumimoji="1" lang="en-US" altLang="ja-JP" b="0" i="1" smtClean="0">
+                            <a:latin typeface="Cambria Math" panose="02040503050406030204" pitchFamily="18" charset="0"/>
+                          </a:rPr>
+                          <m:t>3</m:t>
+                        </m:r>
+                      </m:sub>
+                    </m:sSub>
+                    <m:r>
+                      <a:rPr kumimoji="1" lang="en-US" altLang="ja-JP" b="0" i="1" smtClean="0">
+                        <a:latin typeface="Cambria Math" panose="02040503050406030204" pitchFamily="18" charset="0"/>
+                      </a:rPr>
+                      <m:t>=</m:t>
+                    </m:r>
+                    <m:r>
+                      <a:rPr kumimoji="1" lang="en-US" altLang="ja-JP" b="0" i="1" smtClean="0">
+                        <a:latin typeface="Cambria Math" panose="02040503050406030204" pitchFamily="18" charset="0"/>
+                      </a:rPr>
+                      <m:t>𝑠</m:t>
+                    </m:r>
+                    <m:r>
+                      <a:rPr kumimoji="1" lang="en-US" altLang="ja-JP" b="0" i="1" smtClean="0">
+                        <a:latin typeface="Cambria Math" panose="02040503050406030204" pitchFamily="18" charset="0"/>
+                      </a:rPr>
+                      <m:t>−</m:t>
+                    </m:r>
+                    <m:sSub>
+                      <m:sSubPr>
+                        <m:ctrlPr>
+                          <a:rPr kumimoji="1" lang="en-US" altLang="ja-JP" b="0" i="1" smtClean="0">
+                            <a:latin typeface="Cambria Math" panose="02040503050406030204" pitchFamily="18" charset="0"/>
+                          </a:rPr>
+                        </m:ctrlPr>
+                      </m:sSubPr>
+                      <m:e>
+                        <m:r>
+                          <a:rPr kumimoji="1" lang="en-US" altLang="ja-JP" b="0" i="1" smtClean="0">
+                            <a:latin typeface="Cambria Math" panose="02040503050406030204" pitchFamily="18" charset="0"/>
+                          </a:rPr>
+                          <m:t>𝑠</m:t>
+                        </m:r>
+                      </m:e>
+                      <m:sub>
+                        <m:r>
+                          <a:rPr kumimoji="1" lang="en-US" altLang="ja-JP" b="0" i="1" smtClean="0">
+                            <a:latin typeface="Cambria Math" panose="02040503050406030204" pitchFamily="18" charset="0"/>
+                          </a:rPr>
+                          <m:t>1</m:t>
+                        </m:r>
+                      </m:sub>
+                    </m:sSub>
+                    <m:r>
+                      <a:rPr kumimoji="1" lang="en-US" altLang="ja-JP" b="0" i="1" smtClean="0">
+                        <a:latin typeface="Cambria Math" panose="02040503050406030204" pitchFamily="18" charset="0"/>
+                      </a:rPr>
+                      <m:t>−</m:t>
+                    </m:r>
+                    <m:sSub>
+                      <m:sSubPr>
+                        <m:ctrlPr>
+                          <a:rPr kumimoji="1" lang="en-US" altLang="ja-JP" b="0" i="1" smtClean="0">
+                            <a:latin typeface="Cambria Math" panose="02040503050406030204" pitchFamily="18" charset="0"/>
+                          </a:rPr>
+                        </m:ctrlPr>
+                      </m:sSubPr>
+                      <m:e>
+                        <m:r>
+                          <a:rPr kumimoji="1" lang="en-US" altLang="ja-JP" b="0" i="1" smtClean="0">
+                            <a:latin typeface="Cambria Math" panose="02040503050406030204" pitchFamily="18" charset="0"/>
+                          </a:rPr>
+                          <m:t>𝑠</m:t>
+                        </m:r>
+                      </m:e>
+                      <m:sub>
+                        <m:r>
+                          <a:rPr kumimoji="1" lang="en-US" altLang="ja-JP" b="0" i="1" smtClean="0">
+                            <a:latin typeface="Cambria Math" panose="02040503050406030204" pitchFamily="18" charset="0"/>
+                          </a:rPr>
+                          <m:t>2</m:t>
+                        </m:r>
+                      </m:sub>
+                    </m:sSub>
+                  </m:oMath>
+                </a14:m>
+                <a:r>
+                  <a:rPr kumimoji="1" lang="ja-JP" altLang="en-US"/>
+                  <a:t>とする</a:t>
+                </a:r>
+                <a:endParaRPr kumimoji="1" lang="en-US" altLang="ja-JP"/>
+              </a:p>
+              <a:p>
+                <a:pPr lvl="1"/>
+                <a:r>
+                  <a:rPr lang="en-US" altLang="ja-JP"/>
+                  <a:t>A, B, C</a:t>
+                </a:r>
+                <a:r>
+                  <a:rPr lang="ja-JP" altLang="en-US"/>
+                  <a:t>にそれぞれ</a:t>
+                </a:r>
+                <a14:m>
+                  <m:oMath xmlns:m="http://schemas.openxmlformats.org/officeDocument/2006/math">
+                    <m:d>
+                      <m:dPr>
+                        <m:ctrlPr>
+                          <a:rPr lang="en-US" altLang="ja-JP" b="0" i="1" smtClean="0">
+                            <a:latin typeface="Cambria Math" panose="02040503050406030204" pitchFamily="18" charset="0"/>
+                          </a:rPr>
+                        </m:ctrlPr>
+                      </m:dPr>
+                      <m:e>
+                        <m:sSub>
+                          <m:sSubPr>
+                            <m:ctrlPr>
+                              <a:rPr lang="en-US" altLang="ja-JP" b="0" i="1" smtClean="0">
+                                <a:latin typeface="Cambria Math" panose="02040503050406030204" pitchFamily="18" charset="0"/>
+                              </a:rPr>
+                            </m:ctrlPr>
+                          </m:sSubPr>
+                          <m:e>
+                            <m:r>
+                              <a:rPr lang="en-US" altLang="ja-JP" b="0" i="1" smtClean="0">
+                                <a:latin typeface="Cambria Math" panose="02040503050406030204" pitchFamily="18" charset="0"/>
+                              </a:rPr>
+                              <m:t>𝑠</m:t>
+                            </m:r>
+                          </m:e>
+                          <m:sub>
+                            <m:r>
+                              <a:rPr lang="en-US" altLang="ja-JP" b="0" i="1" smtClean="0">
+                                <a:latin typeface="Cambria Math" panose="02040503050406030204" pitchFamily="18" charset="0"/>
+                              </a:rPr>
+                              <m:t>1</m:t>
+                            </m:r>
+                          </m:sub>
+                        </m:sSub>
+                        <m:r>
+                          <a:rPr lang="en-US" altLang="ja-JP" b="0" i="1" smtClean="0">
+                            <a:latin typeface="Cambria Math" panose="02040503050406030204" pitchFamily="18" charset="0"/>
+                          </a:rPr>
+                          <m:t>,</m:t>
+                        </m:r>
+                        <m:sSub>
+                          <m:sSubPr>
+                            <m:ctrlPr>
+                              <a:rPr lang="en-US" altLang="ja-JP" b="0" i="1" smtClean="0">
+                                <a:latin typeface="Cambria Math" panose="02040503050406030204" pitchFamily="18" charset="0"/>
+                              </a:rPr>
+                            </m:ctrlPr>
+                          </m:sSubPr>
+                          <m:e>
+                            <m:r>
+                              <a:rPr lang="en-US" altLang="ja-JP" b="0" i="1" smtClean="0">
+                                <a:latin typeface="Cambria Math" panose="02040503050406030204" pitchFamily="18" charset="0"/>
+                              </a:rPr>
+                              <m:t>𝑠</m:t>
+                            </m:r>
+                          </m:e>
+                          <m:sub>
+                            <m:r>
+                              <a:rPr lang="en-US" altLang="ja-JP" b="0" i="1" smtClean="0">
+                                <a:latin typeface="Cambria Math" panose="02040503050406030204" pitchFamily="18" charset="0"/>
+                              </a:rPr>
+                              <m:t>2</m:t>
+                            </m:r>
+                          </m:sub>
+                        </m:sSub>
+                      </m:e>
+                    </m:d>
+                    <m:r>
+                      <a:rPr lang="en-US" altLang="ja-JP" b="0" i="1" smtClean="0">
+                        <a:latin typeface="Cambria Math" panose="02040503050406030204" pitchFamily="18" charset="0"/>
+                      </a:rPr>
+                      <m:t>,</m:t>
+                    </m:r>
+                    <m:d>
+                      <m:dPr>
+                        <m:ctrlPr>
+                          <a:rPr lang="en-US" altLang="ja-JP" b="0" i="1" smtClean="0">
+                            <a:latin typeface="Cambria Math" panose="02040503050406030204" pitchFamily="18" charset="0"/>
+                          </a:rPr>
+                        </m:ctrlPr>
+                      </m:dPr>
+                      <m:e>
+                        <m:sSub>
+                          <m:sSubPr>
+                            <m:ctrlPr>
+                              <a:rPr lang="en-US" altLang="ja-JP" b="0" i="1" smtClean="0">
+                                <a:latin typeface="Cambria Math" panose="02040503050406030204" pitchFamily="18" charset="0"/>
+                              </a:rPr>
+                            </m:ctrlPr>
+                          </m:sSubPr>
+                          <m:e>
+                            <m:r>
+                              <a:rPr lang="en-US" altLang="ja-JP" b="0" i="1" smtClean="0">
+                                <a:latin typeface="Cambria Math" panose="02040503050406030204" pitchFamily="18" charset="0"/>
+                              </a:rPr>
+                              <m:t>𝑠</m:t>
+                            </m:r>
+                          </m:e>
+                          <m:sub>
+                            <m:r>
+                              <a:rPr lang="en-US" altLang="ja-JP" b="0" i="1" smtClean="0">
+                                <a:latin typeface="Cambria Math" panose="02040503050406030204" pitchFamily="18" charset="0"/>
+                              </a:rPr>
+                              <m:t>2</m:t>
+                            </m:r>
+                          </m:sub>
+                        </m:sSub>
+                        <m:r>
+                          <a:rPr lang="en-US" altLang="ja-JP" b="0" i="1" smtClean="0">
+                            <a:latin typeface="Cambria Math" panose="02040503050406030204" pitchFamily="18" charset="0"/>
+                          </a:rPr>
+                          <m:t>,</m:t>
+                        </m:r>
+                        <m:sSub>
+                          <m:sSubPr>
+                            <m:ctrlPr>
+                              <a:rPr lang="en-US" altLang="ja-JP" b="0" i="1" smtClean="0">
+                                <a:latin typeface="Cambria Math" panose="02040503050406030204" pitchFamily="18" charset="0"/>
+                              </a:rPr>
+                            </m:ctrlPr>
+                          </m:sSubPr>
+                          <m:e>
+                            <m:r>
+                              <a:rPr lang="en-US" altLang="ja-JP" b="0" i="1" smtClean="0">
+                                <a:latin typeface="Cambria Math" panose="02040503050406030204" pitchFamily="18" charset="0"/>
+                              </a:rPr>
+                              <m:t>𝑠</m:t>
+                            </m:r>
+                          </m:e>
+                          <m:sub>
+                            <m:r>
+                              <a:rPr lang="en-US" altLang="ja-JP" b="0" i="1" smtClean="0">
+                                <a:latin typeface="Cambria Math" panose="02040503050406030204" pitchFamily="18" charset="0"/>
+                              </a:rPr>
+                              <m:t>3</m:t>
+                            </m:r>
+                          </m:sub>
+                        </m:sSub>
+                      </m:e>
+                    </m:d>
+                    <m:r>
+                      <a:rPr lang="en-US" altLang="ja-JP" b="0" i="1" smtClean="0">
+                        <a:latin typeface="Cambria Math" panose="02040503050406030204" pitchFamily="18" charset="0"/>
+                      </a:rPr>
+                      <m:t>,(</m:t>
+                    </m:r>
+                    <m:sSub>
+                      <m:sSubPr>
+                        <m:ctrlPr>
+                          <a:rPr lang="en-US" altLang="ja-JP" b="0" i="1" smtClean="0">
+                            <a:latin typeface="Cambria Math" panose="02040503050406030204" pitchFamily="18" charset="0"/>
+                          </a:rPr>
+                        </m:ctrlPr>
+                      </m:sSubPr>
+                      <m:e>
+                        <m:r>
+                          <a:rPr lang="en-US" altLang="ja-JP" b="0" i="1" smtClean="0">
+                            <a:latin typeface="Cambria Math" panose="02040503050406030204" pitchFamily="18" charset="0"/>
+                          </a:rPr>
+                          <m:t>𝑠</m:t>
+                        </m:r>
+                      </m:e>
+                      <m:sub>
+                        <m:r>
+                          <a:rPr lang="en-US" altLang="ja-JP" b="0" i="1" smtClean="0">
+                            <a:latin typeface="Cambria Math" panose="02040503050406030204" pitchFamily="18" charset="0"/>
+                          </a:rPr>
+                          <m:t>3</m:t>
+                        </m:r>
+                      </m:sub>
+                    </m:sSub>
+                    <m:r>
+                      <a:rPr lang="en-US" altLang="ja-JP" b="0" i="1" smtClean="0">
+                        <a:latin typeface="Cambria Math" panose="02040503050406030204" pitchFamily="18" charset="0"/>
+                      </a:rPr>
+                      <m:t>,</m:t>
+                    </m:r>
+                    <m:sSub>
+                      <m:sSubPr>
+                        <m:ctrlPr>
+                          <a:rPr lang="en-US" altLang="ja-JP" b="0" i="1" smtClean="0">
+                            <a:latin typeface="Cambria Math" panose="02040503050406030204" pitchFamily="18" charset="0"/>
+                          </a:rPr>
+                        </m:ctrlPr>
+                      </m:sSubPr>
+                      <m:e>
+                        <m:r>
+                          <a:rPr lang="en-US" altLang="ja-JP" b="0" i="1" smtClean="0">
+                            <a:latin typeface="Cambria Math" panose="02040503050406030204" pitchFamily="18" charset="0"/>
+                          </a:rPr>
+                          <m:t>𝑠</m:t>
+                        </m:r>
+                      </m:e>
+                      <m:sub>
+                        <m:r>
+                          <a:rPr lang="en-US" altLang="ja-JP" b="0" i="1" smtClean="0">
+                            <a:latin typeface="Cambria Math" panose="02040503050406030204" pitchFamily="18" charset="0"/>
+                          </a:rPr>
+                          <m:t>1</m:t>
+                        </m:r>
+                      </m:sub>
+                    </m:sSub>
+                    <m:r>
+                      <a:rPr lang="en-US" altLang="ja-JP" b="0" i="1" smtClean="0">
+                        <a:latin typeface="Cambria Math" panose="02040503050406030204" pitchFamily="18" charset="0"/>
+                      </a:rPr>
+                      <m:t>)</m:t>
+                    </m:r>
+                  </m:oMath>
+                </a14:m>
+                <a:r>
+                  <a:rPr kumimoji="1" lang="ja-JP" altLang="en-US"/>
+                  <a:t>を渡す</a:t>
+                </a:r>
+                <a:endParaRPr kumimoji="1" lang="en-US" altLang="ja-JP"/>
+              </a:p>
+              <a:p>
+                <a:pPr lvl="1"/>
+                <a:r>
+                  <a:rPr kumimoji="1" lang="ja-JP" altLang="en-US"/>
+                  <a:t>単独では</a:t>
+                </a:r>
+                <a14:m>
+                  <m:oMath xmlns:m="http://schemas.openxmlformats.org/officeDocument/2006/math">
+                    <m:r>
+                      <a:rPr kumimoji="1" lang="en-US" altLang="ja-JP" b="0" i="1" smtClean="0">
+                        <a:latin typeface="Cambria Math" panose="02040503050406030204" pitchFamily="18" charset="0"/>
+                      </a:rPr>
+                      <m:t>𝑠</m:t>
+                    </m:r>
+                  </m:oMath>
+                </a14:m>
+                <a:r>
+                  <a:rPr kumimoji="1" lang="ja-JP" altLang="en-US"/>
+                  <a:t>は分からない</a:t>
+                </a:r>
+                <a:endParaRPr kumimoji="1" lang="en-US" altLang="ja-JP"/>
+              </a:p>
+              <a:p>
+                <a:pPr lvl="1"/>
+                <a:r>
+                  <a:rPr kumimoji="1" lang="ja-JP" altLang="en-US"/>
+                  <a:t>二人集まると</a:t>
+                </a:r>
+                <a14:m>
+                  <m:oMath xmlns:m="http://schemas.openxmlformats.org/officeDocument/2006/math">
+                    <m:sSub>
+                      <m:sSubPr>
+                        <m:ctrlPr>
+                          <a:rPr kumimoji="1" lang="en-US" altLang="ja-JP" b="0" i="1" smtClean="0">
+                            <a:latin typeface="Cambria Math" panose="02040503050406030204" pitchFamily="18" charset="0"/>
+                          </a:rPr>
+                        </m:ctrlPr>
+                      </m:sSubPr>
+                      <m:e>
+                        <m:r>
+                          <a:rPr kumimoji="1" lang="en-US" altLang="ja-JP" b="0" i="1" smtClean="0">
+                            <a:latin typeface="Cambria Math" panose="02040503050406030204" pitchFamily="18" charset="0"/>
+                          </a:rPr>
+                          <m:t>𝑠</m:t>
+                        </m:r>
+                      </m:e>
+                      <m:sub>
+                        <m:r>
+                          <a:rPr kumimoji="1" lang="en-US" altLang="ja-JP" b="0" i="1" smtClean="0">
+                            <a:latin typeface="Cambria Math" panose="02040503050406030204" pitchFamily="18" charset="0"/>
+                          </a:rPr>
+                          <m:t>1</m:t>
+                        </m:r>
+                      </m:sub>
+                    </m:sSub>
+                    <m:r>
+                      <a:rPr kumimoji="1" lang="en-US" altLang="ja-JP" b="0" i="1" smtClean="0">
+                        <a:latin typeface="Cambria Math" panose="02040503050406030204" pitchFamily="18" charset="0"/>
+                      </a:rPr>
+                      <m:t>,</m:t>
+                    </m:r>
+                    <m:sSub>
+                      <m:sSubPr>
+                        <m:ctrlPr>
+                          <a:rPr kumimoji="1" lang="en-US" altLang="ja-JP" b="0" i="1" smtClean="0">
+                            <a:latin typeface="Cambria Math" panose="02040503050406030204" pitchFamily="18" charset="0"/>
+                          </a:rPr>
+                        </m:ctrlPr>
+                      </m:sSubPr>
+                      <m:e>
+                        <m:r>
+                          <a:rPr kumimoji="1" lang="en-US" altLang="ja-JP" b="0" i="1" smtClean="0">
+                            <a:latin typeface="Cambria Math" panose="02040503050406030204" pitchFamily="18" charset="0"/>
+                          </a:rPr>
+                          <m:t>𝑠</m:t>
+                        </m:r>
+                      </m:e>
+                      <m:sub>
+                        <m:r>
+                          <a:rPr kumimoji="1" lang="en-US" altLang="ja-JP" b="0" i="1" smtClean="0">
+                            <a:latin typeface="Cambria Math" panose="02040503050406030204" pitchFamily="18" charset="0"/>
+                          </a:rPr>
+                          <m:t>2</m:t>
+                        </m:r>
+                      </m:sub>
+                    </m:sSub>
+                    <m:r>
+                      <a:rPr kumimoji="1" lang="en-US" altLang="ja-JP" b="0" i="1" smtClean="0">
+                        <a:latin typeface="Cambria Math" panose="02040503050406030204" pitchFamily="18" charset="0"/>
+                      </a:rPr>
+                      <m:t>,</m:t>
+                    </m:r>
+                    <m:sSub>
+                      <m:sSubPr>
+                        <m:ctrlPr>
+                          <a:rPr kumimoji="1" lang="en-US" altLang="ja-JP" b="0" i="1" smtClean="0">
+                            <a:latin typeface="Cambria Math" panose="02040503050406030204" pitchFamily="18" charset="0"/>
+                          </a:rPr>
+                        </m:ctrlPr>
+                      </m:sSubPr>
+                      <m:e>
+                        <m:r>
+                          <a:rPr kumimoji="1" lang="en-US" altLang="ja-JP" b="0" i="1" smtClean="0">
+                            <a:latin typeface="Cambria Math" panose="02040503050406030204" pitchFamily="18" charset="0"/>
+                          </a:rPr>
+                          <m:t>𝑠</m:t>
+                        </m:r>
+                      </m:e>
+                      <m:sub>
+                        <m:r>
+                          <a:rPr kumimoji="1" lang="en-US" altLang="ja-JP" b="0" i="1" smtClean="0">
+                            <a:latin typeface="Cambria Math" panose="02040503050406030204" pitchFamily="18" charset="0"/>
+                          </a:rPr>
+                          <m:t>3</m:t>
+                        </m:r>
+                      </m:sub>
+                    </m:sSub>
+                  </m:oMath>
+                </a14:m>
+                <a:r>
+                  <a:rPr kumimoji="1" lang="ja-JP" altLang="en-US"/>
+                  <a:t>が揃うので</a:t>
+                </a:r>
+                <a14:m>
+                  <m:oMath xmlns:m="http://schemas.openxmlformats.org/officeDocument/2006/math">
+                    <m:r>
+                      <a:rPr kumimoji="1" lang="en-US" altLang="ja-JP" b="0" i="1" smtClean="0">
+                        <a:latin typeface="Cambria Math" panose="02040503050406030204" pitchFamily="18" charset="0"/>
+                      </a:rPr>
+                      <m:t>𝑠</m:t>
+                    </m:r>
+                    <m:r>
+                      <a:rPr kumimoji="1" lang="en-US" altLang="ja-JP" b="0" i="1" smtClean="0">
+                        <a:latin typeface="Cambria Math" panose="02040503050406030204" pitchFamily="18" charset="0"/>
+                      </a:rPr>
+                      <m:t>=</m:t>
+                    </m:r>
+                    <m:sSub>
+                      <m:sSubPr>
+                        <m:ctrlPr>
+                          <a:rPr kumimoji="1" lang="en-US" altLang="ja-JP" b="0" i="1" smtClean="0">
+                            <a:latin typeface="Cambria Math" panose="02040503050406030204" pitchFamily="18" charset="0"/>
+                          </a:rPr>
+                        </m:ctrlPr>
+                      </m:sSubPr>
+                      <m:e>
+                        <m:r>
+                          <a:rPr kumimoji="1" lang="en-US" altLang="ja-JP" b="0" i="1" smtClean="0">
+                            <a:latin typeface="Cambria Math" panose="02040503050406030204" pitchFamily="18" charset="0"/>
+                          </a:rPr>
+                          <m:t>𝑠</m:t>
+                        </m:r>
+                      </m:e>
+                      <m:sub>
+                        <m:r>
+                          <a:rPr kumimoji="1" lang="en-US" altLang="ja-JP" b="0" i="1" smtClean="0">
+                            <a:latin typeface="Cambria Math" panose="02040503050406030204" pitchFamily="18" charset="0"/>
+                          </a:rPr>
+                          <m:t>1</m:t>
+                        </m:r>
+                      </m:sub>
+                    </m:sSub>
+                    <m:r>
+                      <a:rPr kumimoji="1" lang="en-US" altLang="ja-JP" b="0" i="1" smtClean="0">
+                        <a:latin typeface="Cambria Math" panose="02040503050406030204" pitchFamily="18" charset="0"/>
+                      </a:rPr>
+                      <m:t>+</m:t>
+                    </m:r>
+                    <m:sSub>
+                      <m:sSubPr>
+                        <m:ctrlPr>
+                          <a:rPr kumimoji="1" lang="en-US" altLang="ja-JP" b="0" i="1" smtClean="0">
+                            <a:latin typeface="Cambria Math" panose="02040503050406030204" pitchFamily="18" charset="0"/>
+                          </a:rPr>
+                        </m:ctrlPr>
+                      </m:sSubPr>
+                      <m:e>
+                        <m:r>
+                          <a:rPr kumimoji="1" lang="en-US" altLang="ja-JP" b="0" i="1" smtClean="0">
+                            <a:latin typeface="Cambria Math" panose="02040503050406030204" pitchFamily="18" charset="0"/>
+                          </a:rPr>
+                          <m:t>𝑠</m:t>
+                        </m:r>
+                      </m:e>
+                      <m:sub>
+                        <m:r>
+                          <a:rPr kumimoji="1" lang="en-US" altLang="ja-JP" b="0" i="1" smtClean="0">
+                            <a:latin typeface="Cambria Math" panose="02040503050406030204" pitchFamily="18" charset="0"/>
+                          </a:rPr>
+                          <m:t>2</m:t>
+                        </m:r>
+                      </m:sub>
+                    </m:sSub>
+                    <m:r>
+                      <a:rPr kumimoji="1" lang="en-US" altLang="ja-JP" b="0" i="1" smtClean="0">
+                        <a:latin typeface="Cambria Math" panose="02040503050406030204" pitchFamily="18" charset="0"/>
+                      </a:rPr>
+                      <m:t>+</m:t>
+                    </m:r>
+                    <m:sSub>
+                      <m:sSubPr>
+                        <m:ctrlPr>
+                          <a:rPr kumimoji="1" lang="en-US" altLang="ja-JP" b="0" i="1" smtClean="0">
+                            <a:latin typeface="Cambria Math" panose="02040503050406030204" pitchFamily="18" charset="0"/>
+                          </a:rPr>
+                        </m:ctrlPr>
+                      </m:sSubPr>
+                      <m:e>
+                        <m:r>
+                          <a:rPr kumimoji="1" lang="en-US" altLang="ja-JP" b="0" i="1" smtClean="0">
+                            <a:latin typeface="Cambria Math" panose="02040503050406030204" pitchFamily="18" charset="0"/>
+                          </a:rPr>
+                          <m:t>𝑠</m:t>
+                        </m:r>
+                      </m:e>
+                      <m:sub>
+                        <m:r>
+                          <a:rPr kumimoji="1" lang="en-US" altLang="ja-JP" b="0" i="1" smtClean="0">
+                            <a:latin typeface="Cambria Math" panose="02040503050406030204" pitchFamily="18" charset="0"/>
+                          </a:rPr>
+                          <m:t>3</m:t>
+                        </m:r>
+                      </m:sub>
+                    </m:sSub>
+                  </m:oMath>
+                </a14:m>
+                <a:r>
+                  <a:rPr kumimoji="1" lang="ja-JP" altLang="en-US"/>
+                  <a:t>を復元可能</a:t>
+                </a:r>
+                <a:endParaRPr kumimoji="1" lang="en-US" altLang="ja-JP"/>
+              </a:p>
+              <a:p>
+                <a:r>
+                  <a:rPr kumimoji="1" lang="ja-JP" altLang="en-US"/>
+                  <a:t>秘密分散のまま加算</a:t>
+                </a:r>
+                <a:endParaRPr kumimoji="1" lang="en-US" altLang="ja-JP"/>
+              </a:p>
+              <a:p>
+                <a:pPr lvl="1"/>
+                <a:r>
+                  <a:rPr kumimoji="1" lang="ja-JP" altLang="en-US"/>
+                  <a:t>秘密情報</a:t>
+                </a:r>
+                <a14:m>
+                  <m:oMath xmlns:m="http://schemas.openxmlformats.org/officeDocument/2006/math">
+                    <m:r>
+                      <a:rPr kumimoji="1" lang="en-US" altLang="ja-JP" b="0" i="1" smtClean="0">
+                        <a:latin typeface="Cambria Math" panose="02040503050406030204" pitchFamily="18" charset="0"/>
+                      </a:rPr>
+                      <m:t>𝑠</m:t>
+                    </m:r>
+                    <m:r>
+                      <a:rPr kumimoji="1" lang="en-US" altLang="ja-JP" b="0" i="1" smtClean="0">
+                        <a:latin typeface="Cambria Math" panose="02040503050406030204" pitchFamily="18" charset="0"/>
+                      </a:rPr>
+                      <m:t>, </m:t>
+                    </m:r>
+                    <m:r>
+                      <a:rPr kumimoji="1" lang="en-US" altLang="ja-JP" b="0" i="1" smtClean="0">
+                        <a:latin typeface="Cambria Math" panose="02040503050406030204" pitchFamily="18" charset="0"/>
+                      </a:rPr>
+                      <m:t>𝑡</m:t>
+                    </m:r>
+                  </m:oMath>
+                </a14:m>
+                <a:r>
+                  <a:rPr kumimoji="1" lang="ja-JP" altLang="en-US"/>
+                  <a:t>が</a:t>
+                </a:r>
+                <a:r>
+                  <a:rPr kumimoji="1" lang="en-US" altLang="ja-JP"/>
+                  <a:t>A, B, C</a:t>
+                </a:r>
+                <a:r>
+                  <a:rPr kumimoji="1" lang="ja-JP" altLang="en-US"/>
+                  <a:t>に秘密分散されている</a:t>
+                </a:r>
+                <a:endParaRPr kumimoji="1" lang="en-US" altLang="ja-JP"/>
+              </a:p>
+              <a:p>
+                <a:pPr lvl="1"/>
+                <a:r>
+                  <a:rPr lang="en-US" altLang="ja-JP"/>
+                  <a:t>A : </a:t>
+                </a:r>
+                <a14:m>
+                  <m:oMath xmlns:m="http://schemas.openxmlformats.org/officeDocument/2006/math">
+                    <m:d>
+                      <m:dPr>
+                        <m:ctrlPr>
+                          <a:rPr lang="en-US" altLang="ja-JP" b="0" i="1" smtClean="0">
+                            <a:latin typeface="Cambria Math" panose="02040503050406030204" pitchFamily="18" charset="0"/>
+                          </a:rPr>
+                        </m:ctrlPr>
+                      </m:dPr>
+                      <m:e>
+                        <m:sSub>
+                          <m:sSubPr>
+                            <m:ctrlPr>
+                              <a:rPr lang="en-US" altLang="ja-JP" b="0" i="1" smtClean="0">
+                                <a:latin typeface="Cambria Math" panose="02040503050406030204" pitchFamily="18" charset="0"/>
+                              </a:rPr>
+                            </m:ctrlPr>
+                          </m:sSubPr>
+                          <m:e>
+                            <m:r>
+                              <a:rPr lang="en-US" altLang="ja-JP" b="0" i="1" smtClean="0">
+                                <a:latin typeface="Cambria Math" panose="02040503050406030204" pitchFamily="18" charset="0"/>
+                              </a:rPr>
+                              <m:t>𝑠</m:t>
+                            </m:r>
+                          </m:e>
+                          <m:sub>
+                            <m:r>
+                              <a:rPr lang="en-US" altLang="ja-JP" b="0" i="1" smtClean="0">
+                                <a:latin typeface="Cambria Math" panose="02040503050406030204" pitchFamily="18" charset="0"/>
+                              </a:rPr>
+                              <m:t>1</m:t>
+                            </m:r>
+                          </m:sub>
+                        </m:sSub>
+                        <m:r>
+                          <a:rPr lang="en-US" altLang="ja-JP" b="0" i="1" smtClean="0">
+                            <a:latin typeface="Cambria Math" panose="02040503050406030204" pitchFamily="18" charset="0"/>
+                          </a:rPr>
+                          <m:t>,</m:t>
+                        </m:r>
+                        <m:sSub>
+                          <m:sSubPr>
+                            <m:ctrlPr>
+                              <a:rPr lang="en-US" altLang="ja-JP" b="0" i="1" smtClean="0">
+                                <a:latin typeface="Cambria Math" panose="02040503050406030204" pitchFamily="18" charset="0"/>
+                              </a:rPr>
+                            </m:ctrlPr>
+                          </m:sSubPr>
+                          <m:e>
+                            <m:r>
+                              <a:rPr lang="en-US" altLang="ja-JP" b="0" i="1" smtClean="0">
+                                <a:latin typeface="Cambria Math" panose="02040503050406030204" pitchFamily="18" charset="0"/>
+                              </a:rPr>
+                              <m:t>𝑠</m:t>
+                            </m:r>
+                          </m:e>
+                          <m:sub>
+                            <m:r>
+                              <a:rPr lang="en-US" altLang="ja-JP" b="0" i="1" smtClean="0">
+                                <a:latin typeface="Cambria Math" panose="02040503050406030204" pitchFamily="18" charset="0"/>
+                              </a:rPr>
+                              <m:t>2</m:t>
+                            </m:r>
+                          </m:sub>
+                        </m:sSub>
+                      </m:e>
+                    </m:d>
+                    <m:r>
+                      <a:rPr lang="en-US" altLang="ja-JP" b="0" i="1" smtClean="0">
+                        <a:latin typeface="Cambria Math" panose="02040503050406030204" pitchFamily="18" charset="0"/>
+                      </a:rPr>
+                      <m:t>, </m:t>
+                    </m:r>
+                    <m:d>
+                      <m:dPr>
+                        <m:ctrlPr>
+                          <a:rPr lang="en-US" altLang="ja-JP" b="0" i="1" smtClean="0">
+                            <a:latin typeface="Cambria Math" panose="02040503050406030204" pitchFamily="18" charset="0"/>
+                          </a:rPr>
+                        </m:ctrlPr>
+                      </m:dPr>
+                      <m:e>
+                        <m:sSub>
+                          <m:sSubPr>
+                            <m:ctrlPr>
+                              <a:rPr lang="en-US" altLang="ja-JP" b="0" i="1" smtClean="0">
+                                <a:latin typeface="Cambria Math" panose="02040503050406030204" pitchFamily="18" charset="0"/>
+                              </a:rPr>
+                            </m:ctrlPr>
+                          </m:sSubPr>
+                          <m:e>
+                            <m:r>
+                              <a:rPr lang="en-US" altLang="ja-JP" b="0" i="1" smtClean="0">
+                                <a:latin typeface="Cambria Math" panose="02040503050406030204" pitchFamily="18" charset="0"/>
+                              </a:rPr>
+                              <m:t>𝑡</m:t>
+                            </m:r>
+                          </m:e>
+                          <m:sub>
+                            <m:r>
+                              <a:rPr lang="en-US" altLang="ja-JP" b="0" i="1" smtClean="0">
+                                <a:latin typeface="Cambria Math" panose="02040503050406030204" pitchFamily="18" charset="0"/>
+                              </a:rPr>
+                              <m:t>1</m:t>
+                            </m:r>
+                          </m:sub>
+                        </m:sSub>
+                        <m:r>
+                          <a:rPr lang="en-US" altLang="ja-JP" b="0" i="1" smtClean="0">
+                            <a:latin typeface="Cambria Math" panose="02040503050406030204" pitchFamily="18" charset="0"/>
+                          </a:rPr>
+                          <m:t>,</m:t>
+                        </m:r>
+                        <m:sSub>
+                          <m:sSubPr>
+                            <m:ctrlPr>
+                              <a:rPr lang="en-US" altLang="ja-JP" b="0" i="1" smtClean="0">
+                                <a:latin typeface="Cambria Math" panose="02040503050406030204" pitchFamily="18" charset="0"/>
+                              </a:rPr>
+                            </m:ctrlPr>
+                          </m:sSubPr>
+                          <m:e>
+                            <m:r>
+                              <a:rPr lang="en-US" altLang="ja-JP" b="0" i="1" smtClean="0">
+                                <a:latin typeface="Cambria Math" panose="02040503050406030204" pitchFamily="18" charset="0"/>
+                              </a:rPr>
+                              <m:t>𝑡</m:t>
+                            </m:r>
+                          </m:e>
+                          <m:sub>
+                            <m:r>
+                              <a:rPr lang="en-US" altLang="ja-JP" b="0" i="1" smtClean="0">
+                                <a:latin typeface="Cambria Math" panose="02040503050406030204" pitchFamily="18" charset="0"/>
+                              </a:rPr>
+                              <m:t>2</m:t>
+                            </m:r>
+                          </m:sub>
+                        </m:sSub>
+                      </m:e>
+                    </m:d>
+                  </m:oMath>
+                </a14:m>
+                <a:endParaRPr lang="en-US" altLang="ja-JP" b="0"/>
+              </a:p>
+              <a:p>
+                <a:pPr lvl="1"/>
+                <a:r>
+                  <a:rPr kumimoji="1" lang="en-US" altLang="ja-JP"/>
+                  <a:t>B : </a:t>
+                </a:r>
+                <a14:m>
+                  <m:oMath xmlns:m="http://schemas.openxmlformats.org/officeDocument/2006/math">
+                    <m:r>
+                      <a:rPr kumimoji="1" lang="en-US" altLang="ja-JP" b="0" i="1" smtClean="0">
+                        <a:latin typeface="Cambria Math" panose="02040503050406030204" pitchFamily="18" charset="0"/>
+                      </a:rPr>
+                      <m:t>(</m:t>
+                    </m:r>
+                    <m:sSub>
+                      <m:sSubPr>
+                        <m:ctrlPr>
+                          <a:rPr kumimoji="1" lang="en-US" altLang="ja-JP" b="0" i="1" smtClean="0">
+                            <a:latin typeface="Cambria Math" panose="02040503050406030204" pitchFamily="18" charset="0"/>
+                          </a:rPr>
+                        </m:ctrlPr>
+                      </m:sSubPr>
+                      <m:e>
+                        <m:r>
+                          <a:rPr kumimoji="1" lang="en-US" altLang="ja-JP" b="0" i="1" smtClean="0">
+                            <a:latin typeface="Cambria Math" panose="02040503050406030204" pitchFamily="18" charset="0"/>
+                          </a:rPr>
+                          <m:t>𝑠</m:t>
+                        </m:r>
+                      </m:e>
+                      <m:sub>
+                        <m:r>
+                          <a:rPr kumimoji="1" lang="en-US" altLang="ja-JP" b="0" i="1" smtClean="0">
+                            <a:latin typeface="Cambria Math" panose="02040503050406030204" pitchFamily="18" charset="0"/>
+                          </a:rPr>
+                          <m:t>2</m:t>
+                        </m:r>
+                      </m:sub>
+                    </m:sSub>
+                    <m:r>
+                      <a:rPr kumimoji="1" lang="en-US" altLang="ja-JP" b="0" i="1" smtClean="0">
+                        <a:latin typeface="Cambria Math" panose="02040503050406030204" pitchFamily="18" charset="0"/>
+                      </a:rPr>
+                      <m:t>,</m:t>
+                    </m:r>
+                    <m:sSub>
+                      <m:sSubPr>
+                        <m:ctrlPr>
+                          <a:rPr kumimoji="1" lang="en-US" altLang="ja-JP" b="0" i="1" smtClean="0">
+                            <a:latin typeface="Cambria Math" panose="02040503050406030204" pitchFamily="18" charset="0"/>
+                          </a:rPr>
+                        </m:ctrlPr>
+                      </m:sSubPr>
+                      <m:e>
+                        <m:r>
+                          <a:rPr kumimoji="1" lang="en-US" altLang="ja-JP" b="0" i="1" smtClean="0">
+                            <a:latin typeface="Cambria Math" panose="02040503050406030204" pitchFamily="18" charset="0"/>
+                          </a:rPr>
+                          <m:t>𝑠</m:t>
+                        </m:r>
+                      </m:e>
+                      <m:sub>
+                        <m:r>
+                          <a:rPr kumimoji="1" lang="en-US" altLang="ja-JP" b="0" i="1" smtClean="0">
+                            <a:latin typeface="Cambria Math" panose="02040503050406030204" pitchFamily="18" charset="0"/>
+                          </a:rPr>
+                          <m:t>3</m:t>
+                        </m:r>
+                      </m:sub>
+                    </m:sSub>
+                    <m:r>
+                      <a:rPr kumimoji="1" lang="en-US" altLang="ja-JP" b="0" i="1" smtClean="0">
+                        <a:latin typeface="Cambria Math" panose="02040503050406030204" pitchFamily="18" charset="0"/>
+                      </a:rPr>
+                      <m:t>)</m:t>
+                    </m:r>
+                  </m:oMath>
+                </a14:m>
+                <a:r>
+                  <a:rPr kumimoji="1" lang="en-US" altLang="ja-JP"/>
+                  <a:t>, </a:t>
+                </a:r>
+                <a14:m>
+                  <m:oMath xmlns:m="http://schemas.openxmlformats.org/officeDocument/2006/math">
+                    <m:r>
+                      <a:rPr kumimoji="1" lang="en-US" altLang="ja-JP" b="0" i="1" smtClean="0">
+                        <a:latin typeface="Cambria Math" panose="02040503050406030204" pitchFamily="18" charset="0"/>
+                      </a:rPr>
+                      <m:t>(</m:t>
+                    </m:r>
+                    <m:sSub>
+                      <m:sSubPr>
+                        <m:ctrlPr>
+                          <a:rPr kumimoji="1" lang="en-US" altLang="ja-JP" b="0" i="1" smtClean="0">
+                            <a:latin typeface="Cambria Math" panose="02040503050406030204" pitchFamily="18" charset="0"/>
+                          </a:rPr>
+                        </m:ctrlPr>
+                      </m:sSubPr>
+                      <m:e>
+                        <m:r>
+                          <a:rPr kumimoji="1" lang="en-US" altLang="ja-JP" b="0" i="1" smtClean="0">
+                            <a:latin typeface="Cambria Math" panose="02040503050406030204" pitchFamily="18" charset="0"/>
+                          </a:rPr>
+                          <m:t>𝑡</m:t>
+                        </m:r>
+                      </m:e>
+                      <m:sub>
+                        <m:r>
+                          <a:rPr kumimoji="1" lang="en-US" altLang="ja-JP" b="0" i="1" smtClean="0">
+                            <a:latin typeface="Cambria Math" panose="02040503050406030204" pitchFamily="18" charset="0"/>
+                          </a:rPr>
+                          <m:t>2</m:t>
+                        </m:r>
+                      </m:sub>
+                    </m:sSub>
+                    <m:r>
+                      <a:rPr kumimoji="1" lang="en-US" altLang="ja-JP" b="0" i="1" smtClean="0">
+                        <a:latin typeface="Cambria Math" panose="02040503050406030204" pitchFamily="18" charset="0"/>
+                      </a:rPr>
+                      <m:t>,</m:t>
+                    </m:r>
+                    <m:sSub>
+                      <m:sSubPr>
+                        <m:ctrlPr>
+                          <a:rPr kumimoji="1" lang="en-US" altLang="ja-JP" b="0" i="1" smtClean="0">
+                            <a:latin typeface="Cambria Math" panose="02040503050406030204" pitchFamily="18" charset="0"/>
+                          </a:rPr>
+                        </m:ctrlPr>
+                      </m:sSubPr>
+                      <m:e>
+                        <m:r>
+                          <a:rPr kumimoji="1" lang="en-US" altLang="ja-JP" b="0" i="1" smtClean="0">
+                            <a:latin typeface="Cambria Math" panose="02040503050406030204" pitchFamily="18" charset="0"/>
+                          </a:rPr>
+                          <m:t>𝑡</m:t>
+                        </m:r>
+                      </m:e>
+                      <m:sub>
+                        <m:r>
+                          <a:rPr kumimoji="1" lang="en-US" altLang="ja-JP" b="0" i="1" smtClean="0">
+                            <a:latin typeface="Cambria Math" panose="02040503050406030204" pitchFamily="18" charset="0"/>
+                          </a:rPr>
+                          <m:t>3</m:t>
+                        </m:r>
+                      </m:sub>
+                    </m:sSub>
+                    <m:r>
+                      <a:rPr kumimoji="1" lang="en-US" altLang="ja-JP" b="0" i="1" smtClean="0">
+                        <a:latin typeface="Cambria Math" panose="02040503050406030204" pitchFamily="18" charset="0"/>
+                      </a:rPr>
+                      <m:t>)</m:t>
+                    </m:r>
+                  </m:oMath>
+                </a14:m>
+                <a:endParaRPr kumimoji="1" lang="en-US" altLang="ja-JP"/>
+              </a:p>
+              <a:p>
+                <a:pPr lvl="1"/>
+                <a:r>
+                  <a:rPr kumimoji="1" lang="en-US" altLang="ja-JP"/>
+                  <a:t>C : </a:t>
+                </a:r>
+                <a14:m>
+                  <m:oMath xmlns:m="http://schemas.openxmlformats.org/officeDocument/2006/math">
+                    <m:r>
+                      <a:rPr kumimoji="1" lang="en-US" altLang="ja-JP" b="0" i="1" smtClean="0">
+                        <a:latin typeface="Cambria Math" panose="02040503050406030204" pitchFamily="18" charset="0"/>
+                      </a:rPr>
+                      <m:t>(</m:t>
+                    </m:r>
+                    <m:sSub>
+                      <m:sSubPr>
+                        <m:ctrlPr>
+                          <a:rPr kumimoji="1" lang="en-US" altLang="ja-JP" b="0" i="1" smtClean="0">
+                            <a:latin typeface="Cambria Math" panose="02040503050406030204" pitchFamily="18" charset="0"/>
+                          </a:rPr>
+                        </m:ctrlPr>
+                      </m:sSubPr>
+                      <m:e>
+                        <m:r>
+                          <a:rPr kumimoji="1" lang="en-US" altLang="ja-JP" b="0" i="1" smtClean="0">
+                            <a:latin typeface="Cambria Math" panose="02040503050406030204" pitchFamily="18" charset="0"/>
+                          </a:rPr>
+                          <m:t>𝑠</m:t>
+                        </m:r>
+                      </m:e>
+                      <m:sub>
+                        <m:r>
+                          <a:rPr kumimoji="1" lang="en-US" altLang="ja-JP" b="0" i="1" smtClean="0">
+                            <a:latin typeface="Cambria Math" panose="02040503050406030204" pitchFamily="18" charset="0"/>
+                          </a:rPr>
+                          <m:t>3</m:t>
+                        </m:r>
+                      </m:sub>
+                    </m:sSub>
+                    <m:r>
+                      <a:rPr kumimoji="1" lang="en-US" altLang="ja-JP" b="0" i="1" smtClean="0">
+                        <a:latin typeface="Cambria Math" panose="02040503050406030204" pitchFamily="18" charset="0"/>
+                      </a:rPr>
+                      <m:t>,</m:t>
+                    </m:r>
+                    <m:sSub>
+                      <m:sSubPr>
+                        <m:ctrlPr>
+                          <a:rPr kumimoji="1" lang="en-US" altLang="ja-JP" b="0" i="1" smtClean="0">
+                            <a:latin typeface="Cambria Math" panose="02040503050406030204" pitchFamily="18" charset="0"/>
+                          </a:rPr>
+                        </m:ctrlPr>
+                      </m:sSubPr>
+                      <m:e>
+                        <m:r>
+                          <a:rPr kumimoji="1" lang="en-US" altLang="ja-JP" b="0" i="1" smtClean="0">
+                            <a:latin typeface="Cambria Math" panose="02040503050406030204" pitchFamily="18" charset="0"/>
+                          </a:rPr>
+                          <m:t>𝑠</m:t>
+                        </m:r>
+                      </m:e>
+                      <m:sub>
+                        <m:r>
+                          <a:rPr kumimoji="1" lang="en-US" altLang="ja-JP" b="0" i="1" smtClean="0">
+                            <a:latin typeface="Cambria Math" panose="02040503050406030204" pitchFamily="18" charset="0"/>
+                          </a:rPr>
+                          <m:t>1</m:t>
+                        </m:r>
+                      </m:sub>
+                    </m:sSub>
+                    <m:r>
+                      <a:rPr kumimoji="1" lang="en-US" altLang="ja-JP" b="0" i="1" smtClean="0">
+                        <a:latin typeface="Cambria Math" panose="02040503050406030204" pitchFamily="18" charset="0"/>
+                      </a:rPr>
+                      <m:t>)</m:t>
+                    </m:r>
+                  </m:oMath>
+                </a14:m>
+                <a:r>
+                  <a:rPr kumimoji="1" lang="en-US" altLang="ja-JP"/>
+                  <a:t>, </a:t>
+                </a:r>
+                <a14:m>
+                  <m:oMath xmlns:m="http://schemas.openxmlformats.org/officeDocument/2006/math">
+                    <m:r>
+                      <a:rPr kumimoji="1" lang="en-US" altLang="ja-JP" b="0" i="1" smtClean="0">
+                        <a:latin typeface="Cambria Math" panose="02040503050406030204" pitchFamily="18" charset="0"/>
+                      </a:rPr>
+                      <m:t>(</m:t>
+                    </m:r>
+                    <m:sSub>
+                      <m:sSubPr>
+                        <m:ctrlPr>
+                          <a:rPr kumimoji="1" lang="en-US" altLang="ja-JP" b="0" i="1" smtClean="0">
+                            <a:latin typeface="Cambria Math" panose="02040503050406030204" pitchFamily="18" charset="0"/>
+                          </a:rPr>
+                        </m:ctrlPr>
+                      </m:sSubPr>
+                      <m:e>
+                        <m:r>
+                          <a:rPr kumimoji="1" lang="en-US" altLang="ja-JP" b="0" i="1" smtClean="0">
+                            <a:latin typeface="Cambria Math" panose="02040503050406030204" pitchFamily="18" charset="0"/>
+                          </a:rPr>
+                          <m:t>𝑡</m:t>
+                        </m:r>
+                      </m:e>
+                      <m:sub>
+                        <m:r>
+                          <a:rPr kumimoji="1" lang="en-US" altLang="ja-JP" b="0" i="1" smtClean="0">
+                            <a:latin typeface="Cambria Math" panose="02040503050406030204" pitchFamily="18" charset="0"/>
+                          </a:rPr>
+                          <m:t>3</m:t>
+                        </m:r>
+                      </m:sub>
+                    </m:sSub>
+                    <m:r>
+                      <a:rPr kumimoji="1" lang="en-US" altLang="ja-JP" b="0" i="1" smtClean="0">
+                        <a:latin typeface="Cambria Math" panose="02040503050406030204" pitchFamily="18" charset="0"/>
+                      </a:rPr>
+                      <m:t>,</m:t>
+                    </m:r>
+                    <m:sSub>
+                      <m:sSubPr>
+                        <m:ctrlPr>
+                          <a:rPr kumimoji="1" lang="en-US" altLang="ja-JP" b="0" i="1" smtClean="0">
+                            <a:latin typeface="Cambria Math" panose="02040503050406030204" pitchFamily="18" charset="0"/>
+                          </a:rPr>
+                        </m:ctrlPr>
+                      </m:sSubPr>
+                      <m:e>
+                        <m:r>
+                          <a:rPr kumimoji="1" lang="en-US" altLang="ja-JP" b="0" i="1" smtClean="0">
+                            <a:latin typeface="Cambria Math" panose="02040503050406030204" pitchFamily="18" charset="0"/>
+                          </a:rPr>
+                          <m:t>𝑡</m:t>
+                        </m:r>
+                      </m:e>
+                      <m:sub>
+                        <m:r>
+                          <a:rPr kumimoji="1" lang="en-US" altLang="ja-JP" b="0" i="1" smtClean="0">
+                            <a:latin typeface="Cambria Math" panose="02040503050406030204" pitchFamily="18" charset="0"/>
+                          </a:rPr>
+                          <m:t>1</m:t>
+                        </m:r>
+                      </m:sub>
+                    </m:sSub>
+                    <m:r>
+                      <a:rPr kumimoji="1" lang="en-US" altLang="ja-JP" b="0" i="1" smtClean="0">
+                        <a:latin typeface="Cambria Math" panose="02040503050406030204" pitchFamily="18" charset="0"/>
+                      </a:rPr>
+                      <m:t>)</m:t>
+                    </m:r>
+                  </m:oMath>
+                </a14:m>
+                <a:endParaRPr kumimoji="1" lang="en-US" altLang="ja-JP"/>
+              </a:p>
+              <a:p>
+                <a:pPr lvl="1"/>
+                <a:r>
+                  <a:rPr kumimoji="1" lang="ja-JP" altLang="en-US"/>
+                  <a:t>それぞれが分散された値のまま加算</a:t>
+                </a:r>
+                <a:endParaRPr kumimoji="1" lang="en-US" altLang="ja-JP"/>
+              </a:p>
+              <a:p>
+                <a:pPr lvl="1"/>
+                <a14:m>
+                  <m:oMath xmlns:m="http://schemas.openxmlformats.org/officeDocument/2006/math">
+                    <m:r>
+                      <a:rPr kumimoji="1" lang="en-US" altLang="ja-JP" b="0" i="1" smtClean="0">
+                        <a:latin typeface="Cambria Math" panose="02040503050406030204" pitchFamily="18" charset="0"/>
+                      </a:rPr>
+                      <m:t>𝐴</m:t>
+                    </m:r>
+                    <m:r>
+                      <a:rPr kumimoji="1" lang="en-US" altLang="ja-JP" b="0" i="1" smtClean="0">
+                        <a:latin typeface="Cambria Math" panose="02040503050406030204" pitchFamily="18" charset="0"/>
+                      </a:rPr>
+                      <m:t> :</m:t>
+                    </m:r>
+                    <m:d>
+                      <m:dPr>
+                        <m:ctrlPr>
+                          <a:rPr kumimoji="1" lang="en-US" altLang="ja-JP" b="0" i="1" smtClean="0">
+                            <a:latin typeface="Cambria Math" panose="02040503050406030204" pitchFamily="18" charset="0"/>
+                          </a:rPr>
+                        </m:ctrlPr>
+                      </m:dPr>
+                      <m:e>
+                        <m:sSub>
+                          <m:sSubPr>
+                            <m:ctrlPr>
+                              <a:rPr kumimoji="1" lang="en-US" altLang="ja-JP" b="0" i="1" smtClean="0">
+                                <a:latin typeface="Cambria Math" panose="02040503050406030204" pitchFamily="18" charset="0"/>
+                              </a:rPr>
+                            </m:ctrlPr>
+                          </m:sSubPr>
+                          <m:e>
+                            <m:r>
+                              <a:rPr kumimoji="1" lang="en-US" altLang="ja-JP" b="0" i="1" smtClean="0">
+                                <a:latin typeface="Cambria Math" panose="02040503050406030204" pitchFamily="18" charset="0"/>
+                              </a:rPr>
+                              <m:t>𝑠</m:t>
+                            </m:r>
+                          </m:e>
+                          <m:sub>
+                            <m:r>
+                              <a:rPr kumimoji="1" lang="en-US" altLang="ja-JP" b="0" i="1" smtClean="0">
+                                <a:latin typeface="Cambria Math" panose="02040503050406030204" pitchFamily="18" charset="0"/>
+                              </a:rPr>
+                              <m:t>1</m:t>
+                            </m:r>
+                          </m:sub>
+                        </m:sSub>
+                        <m:r>
+                          <a:rPr kumimoji="1" lang="en-US" altLang="ja-JP" b="0" i="1" smtClean="0">
+                            <a:latin typeface="Cambria Math" panose="02040503050406030204" pitchFamily="18" charset="0"/>
+                          </a:rPr>
+                          <m:t>+</m:t>
+                        </m:r>
+                        <m:sSub>
+                          <m:sSubPr>
+                            <m:ctrlPr>
+                              <a:rPr kumimoji="1" lang="en-US" altLang="ja-JP" b="0" i="1" smtClean="0">
+                                <a:latin typeface="Cambria Math" panose="02040503050406030204" pitchFamily="18" charset="0"/>
+                              </a:rPr>
+                            </m:ctrlPr>
+                          </m:sSubPr>
+                          <m:e>
+                            <m:r>
+                              <a:rPr kumimoji="1" lang="en-US" altLang="ja-JP" b="0" i="1" smtClean="0">
+                                <a:latin typeface="Cambria Math" panose="02040503050406030204" pitchFamily="18" charset="0"/>
+                              </a:rPr>
+                              <m:t>𝑡</m:t>
+                            </m:r>
+                          </m:e>
+                          <m:sub>
+                            <m:r>
+                              <a:rPr kumimoji="1" lang="en-US" altLang="ja-JP" b="0" i="1" smtClean="0">
+                                <a:latin typeface="Cambria Math" panose="02040503050406030204" pitchFamily="18" charset="0"/>
+                              </a:rPr>
+                              <m:t>1</m:t>
+                            </m:r>
+                          </m:sub>
+                        </m:sSub>
+                        <m:r>
+                          <a:rPr kumimoji="1" lang="en-US" altLang="ja-JP" b="0" i="1" smtClean="0">
+                            <a:latin typeface="Cambria Math" panose="02040503050406030204" pitchFamily="18" charset="0"/>
+                          </a:rPr>
+                          <m:t>,</m:t>
+                        </m:r>
+                        <m:sSub>
+                          <m:sSubPr>
+                            <m:ctrlPr>
+                              <a:rPr kumimoji="1" lang="en-US" altLang="ja-JP" b="0" i="1" smtClean="0">
+                                <a:latin typeface="Cambria Math" panose="02040503050406030204" pitchFamily="18" charset="0"/>
+                              </a:rPr>
+                            </m:ctrlPr>
+                          </m:sSubPr>
+                          <m:e>
+                            <m:r>
+                              <a:rPr kumimoji="1" lang="en-US" altLang="ja-JP" b="0" i="1" smtClean="0">
+                                <a:latin typeface="Cambria Math" panose="02040503050406030204" pitchFamily="18" charset="0"/>
+                              </a:rPr>
+                              <m:t>𝑠</m:t>
+                            </m:r>
+                          </m:e>
+                          <m:sub>
+                            <m:r>
+                              <a:rPr kumimoji="1" lang="en-US" altLang="ja-JP" b="0" i="1" smtClean="0">
+                                <a:latin typeface="Cambria Math" panose="02040503050406030204" pitchFamily="18" charset="0"/>
+                              </a:rPr>
+                              <m:t>2</m:t>
+                            </m:r>
+                          </m:sub>
+                        </m:sSub>
+                        <m:r>
+                          <a:rPr kumimoji="1" lang="en-US" altLang="ja-JP" b="0" i="1" smtClean="0">
+                            <a:latin typeface="Cambria Math" panose="02040503050406030204" pitchFamily="18" charset="0"/>
+                          </a:rPr>
+                          <m:t>+</m:t>
+                        </m:r>
+                        <m:sSub>
+                          <m:sSubPr>
+                            <m:ctrlPr>
+                              <a:rPr kumimoji="1" lang="en-US" altLang="ja-JP" b="0" i="1" smtClean="0">
+                                <a:latin typeface="Cambria Math" panose="02040503050406030204" pitchFamily="18" charset="0"/>
+                              </a:rPr>
+                            </m:ctrlPr>
+                          </m:sSubPr>
+                          <m:e>
+                            <m:r>
+                              <a:rPr kumimoji="1" lang="en-US" altLang="ja-JP" b="0" i="1" smtClean="0">
+                                <a:latin typeface="Cambria Math" panose="02040503050406030204" pitchFamily="18" charset="0"/>
+                              </a:rPr>
+                              <m:t>𝑡</m:t>
+                            </m:r>
+                          </m:e>
+                          <m:sub>
+                            <m:r>
+                              <a:rPr kumimoji="1" lang="en-US" altLang="ja-JP" b="0" i="1" smtClean="0">
+                                <a:latin typeface="Cambria Math" panose="02040503050406030204" pitchFamily="18" charset="0"/>
+                              </a:rPr>
+                              <m:t>2</m:t>
+                            </m:r>
+                          </m:sub>
+                        </m:sSub>
+                      </m:e>
+                    </m:d>
+                    <m:r>
+                      <a:rPr kumimoji="1" lang="en-US" altLang="ja-JP" b="0" i="1" smtClean="0">
+                        <a:latin typeface="Cambria Math" panose="02040503050406030204" pitchFamily="18" charset="0"/>
+                      </a:rPr>
+                      <m:t>, </m:t>
+                    </m:r>
+                    <m:r>
+                      <a:rPr kumimoji="1" lang="en-US" altLang="ja-JP" b="0" i="1" smtClean="0">
+                        <a:latin typeface="Cambria Math" panose="02040503050406030204" pitchFamily="18" charset="0"/>
+                      </a:rPr>
+                      <m:t>𝐵</m:t>
+                    </m:r>
+                    <m:r>
+                      <a:rPr kumimoji="1" lang="en-US" altLang="ja-JP" b="0" i="1" smtClean="0">
+                        <a:latin typeface="Cambria Math" panose="02040503050406030204" pitchFamily="18" charset="0"/>
+                      </a:rPr>
+                      <m:t>:</m:t>
+                    </m:r>
+                    <m:d>
+                      <m:dPr>
+                        <m:ctrlPr>
+                          <a:rPr kumimoji="1" lang="en-US" altLang="ja-JP" b="0" i="1" smtClean="0">
+                            <a:latin typeface="Cambria Math" panose="02040503050406030204" pitchFamily="18" charset="0"/>
+                          </a:rPr>
+                        </m:ctrlPr>
+                      </m:dPr>
+                      <m:e>
+                        <m:sSub>
+                          <m:sSubPr>
+                            <m:ctrlPr>
+                              <a:rPr kumimoji="1" lang="en-US" altLang="ja-JP" b="0" i="1" smtClean="0">
+                                <a:latin typeface="Cambria Math" panose="02040503050406030204" pitchFamily="18" charset="0"/>
+                              </a:rPr>
+                            </m:ctrlPr>
+                          </m:sSubPr>
+                          <m:e>
+                            <m:r>
+                              <a:rPr kumimoji="1" lang="en-US" altLang="ja-JP" b="0" i="1" smtClean="0">
+                                <a:latin typeface="Cambria Math" panose="02040503050406030204" pitchFamily="18" charset="0"/>
+                              </a:rPr>
+                              <m:t>𝑠</m:t>
+                            </m:r>
+                          </m:e>
+                          <m:sub>
+                            <m:r>
+                              <a:rPr kumimoji="1" lang="en-US" altLang="ja-JP" b="0" i="1" smtClean="0">
+                                <a:latin typeface="Cambria Math" panose="02040503050406030204" pitchFamily="18" charset="0"/>
+                              </a:rPr>
+                              <m:t>2</m:t>
+                            </m:r>
+                          </m:sub>
+                        </m:sSub>
+                        <m:r>
+                          <a:rPr kumimoji="1" lang="en-US" altLang="ja-JP" b="0" i="1" smtClean="0">
+                            <a:latin typeface="Cambria Math" panose="02040503050406030204" pitchFamily="18" charset="0"/>
+                          </a:rPr>
+                          <m:t>+</m:t>
+                        </m:r>
+                        <m:sSub>
+                          <m:sSubPr>
+                            <m:ctrlPr>
+                              <a:rPr kumimoji="1" lang="en-US" altLang="ja-JP" b="0" i="1" smtClean="0">
+                                <a:latin typeface="Cambria Math" panose="02040503050406030204" pitchFamily="18" charset="0"/>
+                              </a:rPr>
+                            </m:ctrlPr>
+                          </m:sSubPr>
+                          <m:e>
+                            <m:r>
+                              <a:rPr kumimoji="1" lang="en-US" altLang="ja-JP" b="0" i="1" smtClean="0">
+                                <a:latin typeface="Cambria Math" panose="02040503050406030204" pitchFamily="18" charset="0"/>
+                              </a:rPr>
+                              <m:t>𝑡</m:t>
+                            </m:r>
+                          </m:e>
+                          <m:sub>
+                            <m:r>
+                              <a:rPr kumimoji="1" lang="en-US" altLang="ja-JP" b="0" i="1" smtClean="0">
+                                <a:latin typeface="Cambria Math" panose="02040503050406030204" pitchFamily="18" charset="0"/>
+                              </a:rPr>
+                              <m:t>2</m:t>
+                            </m:r>
+                          </m:sub>
+                        </m:sSub>
+                        <m:r>
+                          <a:rPr kumimoji="1" lang="en-US" altLang="ja-JP" b="0" i="1" smtClean="0">
+                            <a:latin typeface="Cambria Math" panose="02040503050406030204" pitchFamily="18" charset="0"/>
+                          </a:rPr>
+                          <m:t>,</m:t>
+                        </m:r>
+                        <m:sSub>
+                          <m:sSubPr>
+                            <m:ctrlPr>
+                              <a:rPr kumimoji="1" lang="en-US" altLang="ja-JP" b="0" i="1" smtClean="0">
+                                <a:latin typeface="Cambria Math" panose="02040503050406030204" pitchFamily="18" charset="0"/>
+                              </a:rPr>
+                            </m:ctrlPr>
+                          </m:sSubPr>
+                          <m:e>
+                            <m:r>
+                              <a:rPr kumimoji="1" lang="en-US" altLang="ja-JP" b="0" i="1" smtClean="0">
+                                <a:latin typeface="Cambria Math" panose="02040503050406030204" pitchFamily="18" charset="0"/>
+                              </a:rPr>
+                              <m:t>𝑠</m:t>
+                            </m:r>
+                          </m:e>
+                          <m:sub>
+                            <m:r>
+                              <a:rPr kumimoji="1" lang="en-US" altLang="ja-JP" b="0" i="1" smtClean="0">
+                                <a:latin typeface="Cambria Math" panose="02040503050406030204" pitchFamily="18" charset="0"/>
+                              </a:rPr>
+                              <m:t>3</m:t>
+                            </m:r>
+                          </m:sub>
+                        </m:sSub>
+                        <m:r>
+                          <a:rPr kumimoji="1" lang="en-US" altLang="ja-JP" b="0" i="1" smtClean="0">
+                            <a:latin typeface="Cambria Math" panose="02040503050406030204" pitchFamily="18" charset="0"/>
+                          </a:rPr>
+                          <m:t>+</m:t>
+                        </m:r>
+                        <m:sSub>
+                          <m:sSubPr>
+                            <m:ctrlPr>
+                              <a:rPr kumimoji="1" lang="en-US" altLang="ja-JP" b="0" i="1" smtClean="0">
+                                <a:latin typeface="Cambria Math" panose="02040503050406030204" pitchFamily="18" charset="0"/>
+                              </a:rPr>
+                            </m:ctrlPr>
+                          </m:sSubPr>
+                          <m:e>
+                            <m:r>
+                              <a:rPr kumimoji="1" lang="en-US" altLang="ja-JP" b="0" i="1" smtClean="0">
+                                <a:latin typeface="Cambria Math" panose="02040503050406030204" pitchFamily="18" charset="0"/>
+                              </a:rPr>
+                              <m:t>𝑡</m:t>
+                            </m:r>
+                          </m:e>
+                          <m:sub>
+                            <m:r>
+                              <a:rPr kumimoji="1" lang="en-US" altLang="ja-JP" b="0" i="1" smtClean="0">
+                                <a:latin typeface="Cambria Math" panose="02040503050406030204" pitchFamily="18" charset="0"/>
+                              </a:rPr>
+                              <m:t>3</m:t>
+                            </m:r>
+                          </m:sub>
+                        </m:sSub>
+                      </m:e>
+                    </m:d>
+                    <m:r>
+                      <a:rPr kumimoji="1" lang="en-US" altLang="ja-JP" b="0" i="1" smtClean="0">
+                        <a:latin typeface="Cambria Math" panose="02040503050406030204" pitchFamily="18" charset="0"/>
+                      </a:rPr>
+                      <m:t>,</m:t>
+                    </m:r>
+                    <m:r>
+                      <a:rPr kumimoji="1" lang="en-US" altLang="ja-JP" b="0" i="1" smtClean="0">
+                        <a:latin typeface="Cambria Math" panose="02040503050406030204" pitchFamily="18" charset="0"/>
+                      </a:rPr>
+                      <m:t>𝐶</m:t>
+                    </m:r>
+                    <m:r>
+                      <a:rPr kumimoji="1" lang="en-US" altLang="ja-JP" b="0" i="1" smtClean="0">
+                        <a:latin typeface="Cambria Math" panose="02040503050406030204" pitchFamily="18" charset="0"/>
+                      </a:rPr>
+                      <m:t> :(</m:t>
+                    </m:r>
+                    <m:sSub>
+                      <m:sSubPr>
+                        <m:ctrlPr>
+                          <a:rPr kumimoji="1" lang="en-US" altLang="ja-JP" b="0" i="1" smtClean="0">
+                            <a:latin typeface="Cambria Math" panose="02040503050406030204" pitchFamily="18" charset="0"/>
+                          </a:rPr>
+                        </m:ctrlPr>
+                      </m:sSubPr>
+                      <m:e>
+                        <m:r>
+                          <a:rPr kumimoji="1" lang="en-US" altLang="ja-JP" b="0" i="1" smtClean="0">
+                            <a:latin typeface="Cambria Math" panose="02040503050406030204" pitchFamily="18" charset="0"/>
+                          </a:rPr>
+                          <m:t>𝑠</m:t>
+                        </m:r>
+                      </m:e>
+                      <m:sub>
+                        <m:r>
+                          <a:rPr kumimoji="1" lang="en-US" altLang="ja-JP" b="0" i="1" smtClean="0">
+                            <a:latin typeface="Cambria Math" panose="02040503050406030204" pitchFamily="18" charset="0"/>
+                          </a:rPr>
+                          <m:t>3</m:t>
+                        </m:r>
+                      </m:sub>
+                    </m:sSub>
+                    <m:r>
+                      <a:rPr kumimoji="1" lang="en-US" altLang="ja-JP" b="0" i="1" smtClean="0">
+                        <a:latin typeface="Cambria Math" panose="02040503050406030204" pitchFamily="18" charset="0"/>
+                      </a:rPr>
+                      <m:t>+</m:t>
+                    </m:r>
+                    <m:sSub>
+                      <m:sSubPr>
+                        <m:ctrlPr>
+                          <a:rPr kumimoji="1" lang="en-US" altLang="ja-JP" b="0" i="1" smtClean="0">
+                            <a:latin typeface="Cambria Math" panose="02040503050406030204" pitchFamily="18" charset="0"/>
+                          </a:rPr>
+                        </m:ctrlPr>
+                      </m:sSubPr>
+                      <m:e>
+                        <m:r>
+                          <a:rPr kumimoji="1" lang="en-US" altLang="ja-JP" b="0" i="1" smtClean="0">
+                            <a:latin typeface="Cambria Math" panose="02040503050406030204" pitchFamily="18" charset="0"/>
+                          </a:rPr>
+                          <m:t>𝑡</m:t>
+                        </m:r>
+                      </m:e>
+                      <m:sub>
+                        <m:r>
+                          <a:rPr kumimoji="1" lang="en-US" altLang="ja-JP" b="0" i="1" smtClean="0">
+                            <a:latin typeface="Cambria Math" panose="02040503050406030204" pitchFamily="18" charset="0"/>
+                          </a:rPr>
+                          <m:t>3</m:t>
+                        </m:r>
+                      </m:sub>
+                    </m:sSub>
+                    <m:r>
+                      <a:rPr kumimoji="1" lang="en-US" altLang="ja-JP" b="0" i="1" smtClean="0">
+                        <a:latin typeface="Cambria Math" panose="02040503050406030204" pitchFamily="18" charset="0"/>
+                      </a:rPr>
+                      <m:t>,</m:t>
+                    </m:r>
+                    <m:sSub>
+                      <m:sSubPr>
+                        <m:ctrlPr>
+                          <a:rPr kumimoji="1" lang="en-US" altLang="ja-JP" b="0" i="1" smtClean="0">
+                            <a:latin typeface="Cambria Math" panose="02040503050406030204" pitchFamily="18" charset="0"/>
+                          </a:rPr>
+                        </m:ctrlPr>
+                      </m:sSubPr>
+                      <m:e>
+                        <m:r>
+                          <a:rPr kumimoji="1" lang="en-US" altLang="ja-JP" b="0" i="1" smtClean="0">
+                            <a:latin typeface="Cambria Math" panose="02040503050406030204" pitchFamily="18" charset="0"/>
+                          </a:rPr>
+                          <m:t>𝑠</m:t>
+                        </m:r>
+                      </m:e>
+                      <m:sub>
+                        <m:r>
+                          <a:rPr kumimoji="1" lang="en-US" altLang="ja-JP" b="0" i="1" smtClean="0">
+                            <a:latin typeface="Cambria Math" panose="02040503050406030204" pitchFamily="18" charset="0"/>
+                          </a:rPr>
+                          <m:t>1</m:t>
+                        </m:r>
+                      </m:sub>
+                    </m:sSub>
+                    <m:r>
+                      <a:rPr kumimoji="1" lang="en-US" altLang="ja-JP" b="0" i="1" smtClean="0">
+                        <a:latin typeface="Cambria Math" panose="02040503050406030204" pitchFamily="18" charset="0"/>
+                      </a:rPr>
+                      <m:t>+</m:t>
+                    </m:r>
+                    <m:sSub>
+                      <m:sSubPr>
+                        <m:ctrlPr>
+                          <a:rPr kumimoji="1" lang="en-US" altLang="ja-JP" b="0" i="1" smtClean="0">
+                            <a:latin typeface="Cambria Math" panose="02040503050406030204" pitchFamily="18" charset="0"/>
+                          </a:rPr>
+                        </m:ctrlPr>
+                      </m:sSubPr>
+                      <m:e>
+                        <m:r>
+                          <a:rPr kumimoji="1" lang="en-US" altLang="ja-JP" b="0" i="1" smtClean="0">
+                            <a:latin typeface="Cambria Math" panose="02040503050406030204" pitchFamily="18" charset="0"/>
+                          </a:rPr>
+                          <m:t>𝑡</m:t>
+                        </m:r>
+                      </m:e>
+                      <m:sub>
+                        <m:r>
+                          <a:rPr kumimoji="1" lang="en-US" altLang="ja-JP" b="0" i="1" smtClean="0">
+                            <a:latin typeface="Cambria Math" panose="02040503050406030204" pitchFamily="18" charset="0"/>
+                          </a:rPr>
+                          <m:t>1</m:t>
+                        </m:r>
+                      </m:sub>
+                    </m:sSub>
+                    <m:r>
+                      <a:rPr kumimoji="1" lang="en-US" altLang="ja-JP" b="0" i="1" smtClean="0">
+                        <a:latin typeface="Cambria Math" panose="02040503050406030204" pitchFamily="18" charset="0"/>
+                      </a:rPr>
+                      <m:t>)</m:t>
+                    </m:r>
+                  </m:oMath>
+                </a14:m>
+                <a:endParaRPr kumimoji="1" lang="en-US" altLang="ja-JP"/>
+              </a:p>
+              <a:p>
+                <a:pPr lvl="2"/>
+                <a:r>
+                  <a:rPr kumimoji="1" lang="ja-JP" altLang="en-US"/>
+                  <a:t>これらは</a:t>
+                </a:r>
+                <a:r>
+                  <a:rPr lang="ja-JP" altLang="en-US"/>
+                  <a:t>「</a:t>
+                </a:r>
+                <a14:m>
+                  <m:oMath xmlns:m="http://schemas.openxmlformats.org/officeDocument/2006/math">
+                    <m:r>
+                      <a:rPr kumimoji="1" lang="en-US" altLang="ja-JP" b="0" i="1" smtClean="0">
+                        <a:latin typeface="Cambria Math" panose="02040503050406030204" pitchFamily="18" charset="0"/>
+                      </a:rPr>
+                      <m:t>𝑠</m:t>
+                    </m:r>
+                    <m:r>
+                      <a:rPr kumimoji="1" lang="en-US" altLang="ja-JP" b="0" i="1" smtClean="0">
+                        <a:latin typeface="Cambria Math" panose="02040503050406030204" pitchFamily="18" charset="0"/>
+                      </a:rPr>
+                      <m:t>+</m:t>
+                    </m:r>
+                    <m:r>
+                      <a:rPr kumimoji="1" lang="en-US" altLang="ja-JP" b="0" i="1" smtClean="0">
+                        <a:latin typeface="Cambria Math" panose="02040503050406030204" pitchFamily="18" charset="0"/>
+                      </a:rPr>
+                      <m:t>𝑡</m:t>
+                    </m:r>
+                  </m:oMath>
+                </a14:m>
+                <a:r>
+                  <a:rPr kumimoji="1" lang="ja-JP" altLang="en-US"/>
+                  <a:t>」の秘密分散となっている</a:t>
+                </a:r>
+              </a:p>
+            </p:txBody>
+          </p:sp>
+        </mc:Choice>
+        <mc:Fallback>
+          <p:sp>
+            <p:nvSpPr>
+              <p:cNvPr id="2" name="コンテンツ プレースホルダー 1">
+                <a:extLst>
+                  <a:ext uri="{FF2B5EF4-FFF2-40B4-BE49-F238E27FC236}">
+                    <a16:creationId xmlns:a16="http://schemas.microsoft.com/office/drawing/2014/main" id="{1EE3FA00-F4A4-455B-A72D-837B4F501061}"/>
+                  </a:ext>
+                </a:extLst>
+              </p:cNvPr>
+              <p:cNvSpPr>
+                <a:spLocks noGrp="1" noRot="1" noChangeAspect="1" noMove="1" noResize="1" noEditPoints="1" noAdjustHandles="1" noChangeArrowheads="1" noChangeShapeType="1" noTextEdit="1"/>
+              </p:cNvSpPr>
+              <p:nvPr>
+                <p:ph idx="1"/>
+              </p:nvPr>
+            </p:nvSpPr>
+            <p:spPr>
+              <a:blipFill>
+                <a:blip r:embed="rId2"/>
+                <a:stretch>
+                  <a:fillRect l="-1200" t="-1454" b="-4673"/>
+                </a:stretch>
+              </a:blipFill>
+            </p:spPr>
+            <p:txBody>
+              <a:bodyPr/>
+              <a:lstStyle/>
+              <a:p>
+                <a:r>
+                  <a:rPr lang="ja-JP" altLang="en-US">
+                    <a:noFill/>
+                  </a:rPr>
+                  <a:t> </a:t>
+                </a:r>
+              </a:p>
+            </p:txBody>
+          </p:sp>
+        </mc:Fallback>
+      </mc:AlternateContent>
+      <p:sp>
+        <p:nvSpPr>
+          <p:cNvPr id="3" name="スライド番号プレースホルダー 2">
+            <a:extLst>
+              <a:ext uri="{FF2B5EF4-FFF2-40B4-BE49-F238E27FC236}">
+                <a16:creationId xmlns:a16="http://schemas.microsoft.com/office/drawing/2014/main" id="{83858770-CE67-4742-9CD3-E06DEEABFF37}"/>
+              </a:ext>
+            </a:extLst>
+          </p:cNvPr>
+          <p:cNvSpPr>
+            <a:spLocks noGrp="1"/>
+          </p:cNvSpPr>
+          <p:nvPr>
+            <p:ph type="sldNum" sz="quarter" idx="12"/>
+          </p:nvPr>
+        </p:nvSpPr>
+        <p:spPr/>
+        <p:txBody>
+          <a:bodyPr/>
+          <a:lstStyle/>
+          <a:p>
+            <a:pPr>
+              <a:defRPr/>
+            </a:pPr>
+            <a:r>
+              <a:rPr lang="en-US" altLang="ja-JP"/>
+              <a:t>    </a:t>
+            </a:r>
+            <a:fld id="{B2782DEB-472A-4FE5-AC34-C17109CF5A91}" type="slidenum">
+              <a:rPr lang="en-US" altLang="ja-JP" smtClean="0"/>
+              <a:pPr>
+                <a:defRPr/>
+              </a:pPr>
+              <a:t>17</a:t>
+            </a:fld>
+            <a:r>
+              <a:rPr lang="en-US" altLang="ja-JP"/>
+              <a:t> / 24</a:t>
+            </a:r>
+          </a:p>
+        </p:txBody>
+      </p:sp>
+      <p:sp>
+        <p:nvSpPr>
+          <p:cNvPr id="4" name="タイトル 3">
+            <a:extLst>
+              <a:ext uri="{FF2B5EF4-FFF2-40B4-BE49-F238E27FC236}">
+                <a16:creationId xmlns:a16="http://schemas.microsoft.com/office/drawing/2014/main" id="{46BBA852-BAC0-4495-B339-B83ECD154685}"/>
+              </a:ext>
+            </a:extLst>
+          </p:cNvPr>
+          <p:cNvSpPr>
+            <a:spLocks noGrp="1"/>
+          </p:cNvSpPr>
+          <p:nvPr>
+            <p:ph type="title"/>
+          </p:nvPr>
+        </p:nvSpPr>
+        <p:spPr/>
+        <p:txBody>
+          <a:bodyPr/>
+          <a:lstStyle/>
+          <a:p>
+            <a:r>
+              <a:rPr kumimoji="1" lang="en-US" altLang="ja-JP"/>
+              <a:t>3PC</a:t>
+            </a:r>
+            <a:r>
+              <a:rPr kumimoji="1" lang="ja-JP" altLang="en-US"/>
+              <a:t>の例</a:t>
+            </a:r>
+          </a:p>
+        </p:txBody>
+      </p:sp>
+    </p:spTree>
+    <p:extLst>
+      <p:ext uri="{BB962C8B-B14F-4D97-AF65-F5344CB8AC3E}">
+        <p14:creationId xmlns:p14="http://schemas.microsoft.com/office/powerpoint/2010/main" val="3740934345"/>
+      </p:ext>
+    </p:extLst>
+  </p:cSld>
+  <p:clrMapOvr>
+    <a:masterClrMapping/>
+  </p:clrMapOvr>
+</p:sld>
+</file>
+
+<file path=ppt/slides/slide18.xml><?xml version="1.0" encoding="utf-8"?>
+<p:sld xmlns:a="http://schemas.openxmlformats.org/drawingml/2006/main" xmlns:r="http://schemas.openxmlformats.org/officeDocument/2006/relationships" xmlns:p="http://schemas.openxmlformats.org/presentationml/2006/main">
+  <p:cSld>
+    <p:spTree>
+      <p:nvGrpSpPr>
+        <p:cNvPr id="1" name=""/>
+        <p:cNvGrpSpPr/>
+        <p:nvPr/>
+      </p:nvGrpSpPr>
+      <p:grpSpPr>
+        <a:xfrm>
+          <a:off x="0" y="0"/>
+          <a:ext cx="0" cy="0"/>
+          <a:chOff x="0" y="0"/>
+          <a:chExt cx="0" cy="0"/>
+        </a:xfrm>
+      </p:grpSpPr>
+      <p:sp>
+        <p:nvSpPr>
+          <p:cNvPr id="2" name="コンテンツ プレースホルダー 1">
+            <a:extLst>
+              <a:ext uri="{FF2B5EF4-FFF2-40B4-BE49-F238E27FC236}">
+                <a16:creationId xmlns:a16="http://schemas.microsoft.com/office/drawing/2014/main" id="{4ED00240-FF02-48E0-BBDF-FD5D7078CDFA}"/>
+              </a:ext>
+            </a:extLst>
+          </p:cNvPr>
+          <p:cNvSpPr>
+            <a:spLocks noGrp="1"/>
+          </p:cNvSpPr>
+          <p:nvPr>
+            <p:ph idx="1"/>
+          </p:nvPr>
+        </p:nvSpPr>
+        <p:spPr/>
+        <p:txBody>
+          <a:bodyPr/>
+          <a:lstStyle/>
+          <a:p>
+            <a:r>
+              <a:rPr kumimoji="1" lang="ja-JP" altLang="en-US"/>
+              <a:t>暗認本</a:t>
+            </a:r>
+            <a:r>
+              <a:rPr kumimoji="1" lang="en-US" altLang="ja-JP"/>
+              <a:t>p.279</a:t>
+            </a:r>
+            <a:r>
+              <a:rPr kumimoji="1" lang="ja-JP" altLang="en-US"/>
+              <a:t>の図</a:t>
+            </a:r>
+          </a:p>
+        </p:txBody>
+      </p:sp>
+      <p:sp>
+        <p:nvSpPr>
+          <p:cNvPr id="3" name="スライド番号プレースホルダー 2">
+            <a:extLst>
+              <a:ext uri="{FF2B5EF4-FFF2-40B4-BE49-F238E27FC236}">
+                <a16:creationId xmlns:a16="http://schemas.microsoft.com/office/drawing/2014/main" id="{7C0E0EDA-9E72-4E5A-B49E-2FCD091494B2}"/>
+              </a:ext>
+            </a:extLst>
+          </p:cNvPr>
+          <p:cNvSpPr>
+            <a:spLocks noGrp="1"/>
+          </p:cNvSpPr>
+          <p:nvPr>
+            <p:ph type="sldNum" sz="quarter" idx="12"/>
+          </p:nvPr>
+        </p:nvSpPr>
+        <p:spPr/>
+        <p:txBody>
+          <a:bodyPr/>
+          <a:lstStyle/>
+          <a:p>
+            <a:pPr>
+              <a:defRPr/>
+            </a:pPr>
+            <a:r>
+              <a:rPr lang="en-US" altLang="ja-JP"/>
+              <a:t>    </a:t>
+            </a:r>
+            <a:fld id="{B2782DEB-472A-4FE5-AC34-C17109CF5A91}" type="slidenum">
+              <a:rPr lang="en-US" altLang="ja-JP" smtClean="0"/>
+              <a:pPr>
+                <a:defRPr/>
+              </a:pPr>
+              <a:t>18</a:t>
+            </a:fld>
+            <a:r>
+              <a:rPr lang="en-US" altLang="ja-JP"/>
+              <a:t> / 24</a:t>
+            </a:r>
+          </a:p>
+        </p:txBody>
+      </p:sp>
+      <p:sp>
+        <p:nvSpPr>
+          <p:cNvPr id="4" name="タイトル 3">
+            <a:extLst>
+              <a:ext uri="{FF2B5EF4-FFF2-40B4-BE49-F238E27FC236}">
+                <a16:creationId xmlns:a16="http://schemas.microsoft.com/office/drawing/2014/main" id="{464F0364-72AD-4DA1-973B-70D24A45788C}"/>
+              </a:ext>
+            </a:extLst>
+          </p:cNvPr>
+          <p:cNvSpPr>
+            <a:spLocks noGrp="1"/>
+          </p:cNvSpPr>
+          <p:nvPr>
+            <p:ph type="title"/>
+          </p:nvPr>
+        </p:nvSpPr>
+        <p:spPr/>
+        <p:txBody>
+          <a:bodyPr/>
+          <a:lstStyle/>
+          <a:p>
+            <a:r>
+              <a:rPr kumimoji="1" lang="ja-JP" altLang="en-US"/>
+              <a:t>秘密分散のまま乗算</a:t>
+            </a:r>
+          </a:p>
+        </p:txBody>
+      </p:sp>
+      <p:pic>
+        <p:nvPicPr>
+          <p:cNvPr id="6" name="図 5">
+            <a:extLst>
+              <a:ext uri="{FF2B5EF4-FFF2-40B4-BE49-F238E27FC236}">
+                <a16:creationId xmlns:a16="http://schemas.microsoft.com/office/drawing/2014/main" id="{ECA44864-1EDD-4B07-8738-A04AF492B37A}"/>
+              </a:ext>
+            </a:extLst>
+          </p:cNvPr>
+          <p:cNvPicPr>
+            <a:picLocks noChangeAspect="1"/>
+          </p:cNvPicPr>
+          <p:nvPr/>
+        </p:nvPicPr>
+        <p:blipFill>
+          <a:blip r:embed="rId2"/>
+          <a:stretch>
+            <a:fillRect/>
+          </a:stretch>
+        </p:blipFill>
+        <p:spPr>
+          <a:xfrm>
+            <a:off x="269776" y="1412776"/>
+            <a:ext cx="8604448" cy="4880266"/>
+          </a:xfrm>
+          <a:prstGeom prst="rect">
+            <a:avLst/>
+          </a:prstGeom>
+        </p:spPr>
+      </p:pic>
+    </p:spTree>
+    <p:extLst>
+      <p:ext uri="{BB962C8B-B14F-4D97-AF65-F5344CB8AC3E}">
+        <p14:creationId xmlns:p14="http://schemas.microsoft.com/office/powerpoint/2010/main" val="598562719"/>
       </p:ext>
     </p:extLst>
   </p:cSld>
@@ -4778,8 +9978,8 @@
           <a:chExt cx="0" cy="0"/>
         </a:xfrm>
       </p:grpSpPr>
-      <mc:AlternateContent xmlns:mc="http://schemas.openxmlformats.org/markup-compatibility/2006">
-        <mc:Choice xmlns:a14="http://schemas.microsoft.com/office/drawing/2010/main" Requires="a14">
+      <mc:AlternateContent xmlns:mc="http://schemas.openxmlformats.org/markup-compatibility/2006" xmlns:a14="http://schemas.microsoft.com/office/drawing/2010/main">
+        <mc:Choice Requires="a14">
           <p:sp>
             <p:nvSpPr>
               <p:cNvPr id="2" name="コンテンツ プレースホルダー 1">
@@ -5100,7 +10300,7 @@
             </p:txBody>
           </p:sp>
         </mc:Choice>
-        <mc:Fallback>
+        <mc:Fallback xmlns="">
           <p:sp>
             <p:nvSpPr>
               <p:cNvPr id="2" name="コンテンツ プレースホルダー 1">
@@ -8265,6 +13465,32 @@
         </a:fontRef>
       </a:style>
     </a:spDef>
+    <a:lnDef>
+      <a:spPr>
+        <a:ln w="12700">
+          <a:solidFill>
+            <a:schemeClr val="tx1"/>
+          </a:solidFill>
+          <a:tailEnd type="none"/>
+        </a:ln>
+      </a:spPr>
+      <a:bodyPr/>
+      <a:lstStyle/>
+      <a:style>
+        <a:lnRef idx="1">
+          <a:schemeClr val="accent1"/>
+        </a:lnRef>
+        <a:fillRef idx="0">
+          <a:schemeClr val="accent1"/>
+        </a:fillRef>
+        <a:effectRef idx="0">
+          <a:schemeClr val="accent1"/>
+        </a:effectRef>
+        <a:fontRef idx="minor">
+          <a:schemeClr val="tx1"/>
+        </a:fontRef>
+      </a:style>
+    </a:lnDef>
     <a:txDef>
       <a:spPr>
         <a:solidFill>

--- a/lec/anninbon11.pptx
+++ b/lec/anninbon11.pptx
@@ -5,10 +5,10 @@
     <p:sldMasterId id="2147483706" r:id="rId1"/>
   </p:sldMasterIdLst>
   <p:notesMasterIdLst>
-    <p:notesMasterId r:id="rId20"/>
+    <p:notesMasterId r:id="rId25"/>
   </p:notesMasterIdLst>
   <p:handoutMasterIdLst>
-    <p:handoutMasterId r:id="rId21"/>
+    <p:handoutMasterId r:id="rId26"/>
   </p:handoutMasterIdLst>
   <p:sldIdLst>
     <p:sldId id="552" r:id="rId2"/>
@@ -29,6 +29,11 @@
     <p:sldId id="665" r:id="rId17"/>
     <p:sldId id="666" r:id="rId18"/>
     <p:sldId id="667" r:id="rId19"/>
+    <p:sldId id="668" r:id="rId20"/>
+    <p:sldId id="669" r:id="rId21"/>
+    <p:sldId id="670" r:id="rId22"/>
+    <p:sldId id="671" r:id="rId23"/>
+    <p:sldId id="672" r:id="rId24"/>
   </p:sldIdLst>
   <p:sldSz cx="9144000" cy="6858000" type="screen4x3"/>
   <p:notesSz cx="7099300" cy="10234613"/>
@@ -180,6 +185,11 @@
             <p14:sldId id="665"/>
             <p14:sldId id="666"/>
             <p14:sldId id="667"/>
+            <p14:sldId id="668"/>
+            <p14:sldId id="669"/>
+            <p14:sldId id="670"/>
+            <p14:sldId id="671"/>
+            <p14:sldId id="672"/>
           </p14:sldIdLst>
         </p14:section>
       </p14:sectionLst>
@@ -2949,8 +2959,8 @@
           <a:chExt cx="0" cy="0"/>
         </a:xfrm>
       </p:grpSpPr>
-      <mc:AlternateContent xmlns:mc="http://schemas.openxmlformats.org/markup-compatibility/2006">
-        <mc:Choice xmlns:a14="http://schemas.microsoft.com/office/drawing/2010/main" Requires="a14">
+      <mc:AlternateContent xmlns:mc="http://schemas.openxmlformats.org/markup-compatibility/2006" xmlns:a14="http://schemas.microsoft.com/office/drawing/2010/main">
+        <mc:Choice Requires="a14">
           <p:sp>
             <p:nvSpPr>
               <p:cNvPr id="2" name="コンテンツ プレースホルダー 1">
@@ -3475,7 +3485,7 @@
             </p:txBody>
           </p:sp>
         </mc:Choice>
-        <mc:Fallback>
+        <mc:Fallback xmlns="">
           <p:sp>
             <p:nvSpPr>
               <p:cNvPr id="2" name="コンテンツ プレースホルダー 1">
@@ -3929,8 +3939,8 @@
           <a:chExt cx="0" cy="0"/>
         </a:xfrm>
       </p:grpSpPr>
-      <mc:AlternateContent xmlns:mc="http://schemas.openxmlformats.org/markup-compatibility/2006">
-        <mc:Choice xmlns:a14="http://schemas.microsoft.com/office/drawing/2010/main" Requires="a14">
+      <mc:AlternateContent xmlns:mc="http://schemas.openxmlformats.org/markup-compatibility/2006" xmlns:a14="http://schemas.microsoft.com/office/drawing/2010/main">
+        <mc:Choice Requires="a14">
           <p:sp>
             <p:nvSpPr>
               <p:cNvPr id="2" name="コンテンツ プレースホルダー 1">
@@ -4583,7 +4593,7 @@
             </p:txBody>
           </p:sp>
         </mc:Choice>
-        <mc:Fallback>
+        <mc:Fallback xmlns="">
           <p:sp>
             <p:nvSpPr>
               <p:cNvPr id="2" name="コンテンツ プレースホルダー 1">
@@ -4781,8 +4791,8 @@
           </a:fontRef>
         </p:style>
       </p:cxnSp>
-      <mc:AlternateContent xmlns:mc="http://schemas.openxmlformats.org/markup-compatibility/2006">
-        <mc:Choice xmlns:a14="http://schemas.microsoft.com/office/drawing/2010/main" Requires="a14">
+      <mc:AlternateContent xmlns:mc="http://schemas.openxmlformats.org/markup-compatibility/2006" xmlns:a14="http://schemas.microsoft.com/office/drawing/2010/main">
+        <mc:Choice Requires="a14">
           <p:sp>
             <p:nvSpPr>
               <p:cNvPr id="10" name="テキスト ボックス 9">
@@ -4814,6 +4824,7 @@
               </a:bodyPr>
               <a:lstStyle/>
               <a:p>
+                <a:pPr/>
                 <a14:m>
                   <m:oMathPara xmlns:m="http://schemas.openxmlformats.org/officeDocument/2006/math">
                     <m:oMathParaPr>
@@ -4880,7 +4891,7 @@
             </p:txBody>
           </p:sp>
         </mc:Choice>
-        <mc:Fallback>
+        <mc:Fallback xmlns="">
           <p:sp>
             <p:nvSpPr>
               <p:cNvPr id="10" name="テキスト ボックス 9">
@@ -4928,8 +4939,8 @@
           </p:sp>
         </mc:Fallback>
       </mc:AlternateContent>
-      <mc:AlternateContent xmlns:mc="http://schemas.openxmlformats.org/markup-compatibility/2006">
-        <mc:Choice xmlns:a14="http://schemas.microsoft.com/office/drawing/2010/main" Requires="a14">
+      <mc:AlternateContent xmlns:mc="http://schemas.openxmlformats.org/markup-compatibility/2006" xmlns:a14="http://schemas.microsoft.com/office/drawing/2010/main">
+        <mc:Choice Requires="a14">
           <p:sp>
             <p:nvSpPr>
               <p:cNvPr id="11" name="テキスト ボックス 10">
@@ -4961,6 +4972,7 @@
               </a:bodyPr>
               <a:lstStyle/>
               <a:p>
+                <a:pPr/>
                 <a14:m>
                   <m:oMathPara xmlns:m="http://schemas.openxmlformats.org/officeDocument/2006/math">
                     <m:oMathParaPr>
@@ -5027,7 +5039,7 @@
             </p:txBody>
           </p:sp>
         </mc:Choice>
-        <mc:Fallback>
+        <mc:Fallback xmlns="">
           <p:sp>
             <p:nvSpPr>
               <p:cNvPr id="11" name="テキスト ボックス 10">
@@ -5119,8 +5131,8 @@
           </a:fontRef>
         </p:style>
       </p:cxnSp>
-      <mc:AlternateContent xmlns:mc="http://schemas.openxmlformats.org/markup-compatibility/2006">
-        <mc:Choice xmlns:a14="http://schemas.microsoft.com/office/drawing/2010/main" Requires="a14">
+      <mc:AlternateContent xmlns:mc="http://schemas.openxmlformats.org/markup-compatibility/2006" xmlns:a14="http://schemas.microsoft.com/office/drawing/2010/main">
+        <mc:Choice Requires="a14">
           <p:sp>
             <p:nvSpPr>
               <p:cNvPr id="14" name="テキスト ボックス 13">
@@ -5152,6 +5164,7 @@
               </a:bodyPr>
               <a:lstStyle/>
               <a:p>
+                <a:pPr/>
                 <a14:m>
                   <m:oMathPara xmlns:m="http://schemas.openxmlformats.org/officeDocument/2006/math">
                     <m:oMathParaPr>
@@ -5194,7 +5207,7 @@
             </p:txBody>
           </p:sp>
         </mc:Choice>
-        <mc:Fallback>
+        <mc:Fallback xmlns="">
           <p:sp>
             <p:nvSpPr>
               <p:cNvPr id="14" name="テキスト ボックス 13">
@@ -5379,8 +5392,8 @@
           </a:p>
         </p:txBody>
       </p:sp>
-      <mc:AlternateContent xmlns:mc="http://schemas.openxmlformats.org/markup-compatibility/2006">
-        <mc:Choice xmlns:a14="http://schemas.microsoft.com/office/drawing/2010/main" Requires="a14">
+      <mc:AlternateContent xmlns:mc="http://schemas.openxmlformats.org/markup-compatibility/2006" xmlns:a14="http://schemas.microsoft.com/office/drawing/2010/main">
+        <mc:Choice Requires="a14">
           <p:sp>
             <p:nvSpPr>
               <p:cNvPr id="37" name="テキスト ボックス 36">
@@ -5412,6 +5425,7 @@
               </a:bodyPr>
               <a:lstStyle/>
               <a:p>
+                <a:pPr/>
                 <a14:m>
                   <m:oMathPara xmlns:m="http://schemas.openxmlformats.org/officeDocument/2006/math">
                     <m:oMathParaPr>
@@ -5470,7 +5484,7 @@
             </p:txBody>
           </p:sp>
         </mc:Choice>
-        <mc:Fallback>
+        <mc:Fallback xmlns="">
           <p:sp>
             <p:nvSpPr>
               <p:cNvPr id="37" name="テキスト ボックス 36">
@@ -5518,8 +5532,8 @@
           </p:sp>
         </mc:Fallback>
       </mc:AlternateContent>
-      <mc:AlternateContent xmlns:mc="http://schemas.openxmlformats.org/markup-compatibility/2006">
-        <mc:Choice xmlns:a14="http://schemas.microsoft.com/office/drawing/2010/main" Requires="a14">
+      <mc:AlternateContent xmlns:mc="http://schemas.openxmlformats.org/markup-compatibility/2006" xmlns:a14="http://schemas.microsoft.com/office/drawing/2010/main">
+        <mc:Choice Requires="a14">
           <p:sp>
             <p:nvSpPr>
               <p:cNvPr id="38" name="テキスト ボックス 37">
@@ -5551,6 +5565,7 @@
               </a:bodyPr>
               <a:lstStyle/>
               <a:p>
+                <a:pPr/>
                 <a14:m>
                   <m:oMathPara xmlns:m="http://schemas.openxmlformats.org/officeDocument/2006/math">
                     <m:oMathParaPr>
@@ -5609,7 +5624,7 @@
             </p:txBody>
           </p:sp>
         </mc:Choice>
-        <mc:Fallback>
+        <mc:Fallback xmlns="">
           <p:sp>
             <p:nvSpPr>
               <p:cNvPr id="38" name="テキスト ボックス 37">
@@ -5775,8 +5790,8 @@
           <a:chExt cx="0" cy="0"/>
         </a:xfrm>
       </p:grpSpPr>
-      <mc:AlternateContent xmlns:mc="http://schemas.openxmlformats.org/markup-compatibility/2006">
-        <mc:Choice xmlns:a14="http://schemas.microsoft.com/office/drawing/2010/main" Requires="a14">
+      <mc:AlternateContent xmlns:mc="http://schemas.openxmlformats.org/markup-compatibility/2006" xmlns:a14="http://schemas.microsoft.com/office/drawing/2010/main">
+        <mc:Choice Requires="a14">
           <p:sp>
             <p:nvSpPr>
               <p:cNvPr id="2" name="コンテンツ プレースホルダー 1">
@@ -6305,7 +6320,7 @@
             </p:txBody>
           </p:sp>
         </mc:Choice>
-        <mc:Fallback>
+        <mc:Fallback xmlns="">
           <p:sp>
             <p:nvSpPr>
               <p:cNvPr id="2" name="コンテンツ プレースホルダー 1">
@@ -6449,8 +6464,8 @@
           <a:chExt cx="0" cy="0"/>
         </a:xfrm>
       </p:grpSpPr>
-      <mc:AlternateContent xmlns:mc="http://schemas.openxmlformats.org/markup-compatibility/2006">
-        <mc:Choice xmlns:a14="http://schemas.microsoft.com/office/drawing/2010/main" Requires="a14">
+      <mc:AlternateContent xmlns:mc="http://schemas.openxmlformats.org/markup-compatibility/2006" xmlns:a14="http://schemas.microsoft.com/office/drawing/2010/main">
+        <mc:Choice Requires="a14">
           <p:sp>
             <p:nvSpPr>
               <p:cNvPr id="2" name="コンテンツ プレースホルダー 1">
@@ -6621,7 +6636,7 @@
             </p:txBody>
           </p:sp>
         </mc:Choice>
-        <mc:Fallback>
+        <mc:Fallback xmlns="">
           <p:sp>
             <p:nvSpPr>
               <p:cNvPr id="2" name="コンテンツ プレースホルダー 1">
@@ -7004,8 +7019,8 @@
           <a:chExt cx="0" cy="0"/>
         </a:xfrm>
       </p:grpSpPr>
-      <mc:AlternateContent xmlns:mc="http://schemas.openxmlformats.org/markup-compatibility/2006">
-        <mc:Choice xmlns:a14="http://schemas.microsoft.com/office/drawing/2010/main" Requires="a14">
+      <mc:AlternateContent xmlns:mc="http://schemas.openxmlformats.org/markup-compatibility/2006" xmlns:a14="http://schemas.microsoft.com/office/drawing/2010/main">
+        <mc:Choice Requires="a14">
           <p:sp>
             <p:nvSpPr>
               <p:cNvPr id="2" name="コンテンツ プレースホルダー 1">
@@ -8693,7 +8708,7 @@
             </p:txBody>
           </p:sp>
         </mc:Choice>
-        <mc:Fallback>
+        <mc:Fallback xmlns="">
           <p:sp>
             <p:nvSpPr>
               <p:cNvPr id="2" name="コンテンツ プレースホルダー 1">
@@ -8986,6 +9001,417 @@
 </p:sld>
 </file>
 
+<file path=ppt/slides/slide19.xml><?xml version="1.0" encoding="utf-8"?>
+<p:sld xmlns:a="http://schemas.openxmlformats.org/drawingml/2006/main" xmlns:r="http://schemas.openxmlformats.org/officeDocument/2006/relationships" xmlns:p="http://schemas.openxmlformats.org/presentationml/2006/main">
+  <p:cSld>
+    <p:spTree>
+      <p:nvGrpSpPr>
+        <p:cNvPr id="1" name=""/>
+        <p:cNvGrpSpPr/>
+        <p:nvPr/>
+      </p:nvGrpSpPr>
+      <p:grpSpPr>
+        <a:xfrm>
+          <a:off x="0" y="0"/>
+          <a:ext cx="0" cy="0"/>
+          <a:chOff x="0" y="0"/>
+          <a:chExt cx="0" cy="0"/>
+        </a:xfrm>
+      </p:grpSpPr>
+      <mc:AlternateContent xmlns:mc="http://schemas.openxmlformats.org/markup-compatibility/2006">
+        <mc:Choice xmlns:a14="http://schemas.microsoft.com/office/drawing/2010/main" Requires="a14">
+          <p:sp>
+            <p:nvSpPr>
+              <p:cNvPr id="2" name="コンテンツ プレースホルダー 1">
+                <a:extLst>
+                  <a:ext uri="{FF2B5EF4-FFF2-40B4-BE49-F238E27FC236}">
+                    <a16:creationId xmlns:a16="http://schemas.microsoft.com/office/drawing/2014/main" id="{ACA52B67-3F21-482C-8D69-7AA975430C6B}"/>
+                  </a:ext>
+                </a:extLst>
+              </p:cNvPr>
+              <p:cNvSpPr>
+                <a:spLocks noGrp="1"/>
+              </p:cNvSpPr>
+              <p:nvPr>
+                <p:ph idx="1"/>
+              </p:nvPr>
+            </p:nvSpPr>
+            <p:spPr/>
+            <p:txBody>
+              <a:bodyPr/>
+              <a:lstStyle/>
+              <a:p>
+                <a:r>
+                  <a:rPr kumimoji="1" lang="ja-JP" altLang="en-US"/>
+                  <a:t>準同型暗号で投票しよう</a:t>
+                </a:r>
+                <a:endParaRPr kumimoji="1" lang="en-US" altLang="ja-JP"/>
+              </a:p>
+              <a:p>
+                <a:pPr lvl="1"/>
+                <a:r>
+                  <a:rPr kumimoji="1" lang="ja-JP" altLang="en-US"/>
+                  <a:t>賛成</a:t>
+                </a:r>
+                <a:r>
+                  <a:rPr kumimoji="1" lang="en-US" altLang="ja-JP"/>
+                  <a:t>(1)</a:t>
+                </a:r>
+                <a:r>
+                  <a:rPr kumimoji="1" lang="ja-JP" altLang="en-US"/>
+                  <a:t>か反対</a:t>
+                </a:r>
+                <a:r>
+                  <a:rPr kumimoji="1" lang="en-US" altLang="ja-JP"/>
+                  <a:t>(0)</a:t>
+                </a:r>
+                <a:r>
+                  <a:rPr kumimoji="1" lang="ja-JP" altLang="en-US"/>
+                  <a:t>の暗号文を集計サーバに送る</a:t>
+                </a:r>
+                <a:endParaRPr kumimoji="1" lang="en-US" altLang="ja-JP"/>
+              </a:p>
+              <a:p>
+                <a:pPr lvl="1"/>
+                <a:r>
+                  <a:rPr kumimoji="1" lang="ja-JP" altLang="en-US"/>
+                  <a:t>集計してから復号</a:t>
+                </a:r>
+                <a:endParaRPr kumimoji="1" lang="en-US" altLang="ja-JP"/>
+              </a:p>
+              <a:p>
+                <a:pPr lvl="1"/>
+                <a:r>
+                  <a:rPr lang="ja-JP" altLang="en-US"/>
+                  <a:t>攻撃者が</a:t>
+                </a:r>
+                <a14:m>
+                  <m:oMath xmlns:m="http://schemas.openxmlformats.org/officeDocument/2006/math">
+                    <m:r>
+                      <a:rPr lang="en-US" altLang="ja-JP" b="0" i="1" smtClean="0">
+                        <a:latin typeface="Cambria Math" panose="02040503050406030204" pitchFamily="18" charset="0"/>
+                      </a:rPr>
+                      <m:t>𝐸𝑛𝑐</m:t>
+                    </m:r>
+                    <m:r>
+                      <a:rPr lang="en-US" altLang="ja-JP" b="0" i="1" smtClean="0">
+                        <a:latin typeface="Cambria Math" panose="02040503050406030204" pitchFamily="18" charset="0"/>
+                      </a:rPr>
+                      <m:t>(10)</m:t>
+                    </m:r>
+                  </m:oMath>
+                </a14:m>
+                <a:r>
+                  <a:rPr lang="ja-JP" altLang="en-US"/>
+                  <a:t>を</a:t>
+                </a:r>
+                <a:br>
+                  <a:rPr lang="en-US" altLang="ja-JP"/>
+                </a:br>
+                <a:r>
+                  <a:rPr lang="ja-JP" altLang="en-US"/>
+                  <a:t>送ったら</a:t>
+                </a:r>
+                <a:r>
+                  <a:rPr lang="en-US" altLang="ja-JP"/>
+                  <a:t>?</a:t>
+                </a:r>
+              </a:p>
+              <a:p>
+                <a:pPr lvl="1"/>
+                <a:endParaRPr lang="en-US" altLang="ja-JP"/>
+              </a:p>
+              <a:p>
+                <a:pPr lvl="1"/>
+                <a:endParaRPr lang="en-US" altLang="ja-JP"/>
+              </a:p>
+              <a:p>
+                <a:pPr lvl="1"/>
+                <a:endParaRPr lang="en-US" altLang="ja-JP"/>
+              </a:p>
+              <a:p>
+                <a:pPr lvl="1"/>
+                <a:endParaRPr lang="en-US" altLang="ja-JP"/>
+              </a:p>
+              <a:p>
+                <a:pPr lvl="1"/>
+                <a:r>
+                  <a:rPr lang="ja-JP" altLang="en-US"/>
+                  <a:t>暗号文</a:t>
+                </a:r>
+                <a14:m>
+                  <m:oMath xmlns:m="http://schemas.openxmlformats.org/officeDocument/2006/math">
+                    <m:r>
+                      <a:rPr lang="en-US" altLang="ja-JP" b="0" i="1" smtClean="0">
+                        <a:latin typeface="Cambria Math" panose="02040503050406030204" pitchFamily="18" charset="0"/>
+                      </a:rPr>
+                      <m:t>𝑐</m:t>
+                    </m:r>
+                  </m:oMath>
+                </a14:m>
+                <a:r>
+                  <a:rPr lang="ja-JP" altLang="en-US"/>
+                  <a:t>が</a:t>
+                </a:r>
+                <a14:m>
+                  <m:oMath xmlns:m="http://schemas.openxmlformats.org/officeDocument/2006/math">
+                    <m:r>
+                      <a:rPr lang="en-US" altLang="ja-JP" b="0" i="1" smtClean="0">
+                        <a:latin typeface="Cambria Math" panose="02040503050406030204" pitchFamily="18" charset="0"/>
+                      </a:rPr>
+                      <m:t>𝐷𝑒𝑐</m:t>
+                    </m:r>
+                    <m:d>
+                      <m:dPr>
+                        <m:ctrlPr>
+                          <a:rPr lang="en-US" altLang="ja-JP" b="0" i="1" smtClean="0">
+                            <a:latin typeface="Cambria Math" panose="02040503050406030204" pitchFamily="18" charset="0"/>
+                          </a:rPr>
+                        </m:ctrlPr>
+                      </m:dPr>
+                      <m:e>
+                        <m:r>
+                          <a:rPr lang="en-US" altLang="ja-JP" b="0" i="1" smtClean="0">
+                            <a:latin typeface="Cambria Math" panose="02040503050406030204" pitchFamily="18" charset="0"/>
+                          </a:rPr>
+                          <m:t>𝑐</m:t>
+                        </m:r>
+                      </m:e>
+                    </m:d>
+                    <m:r>
+                      <a:rPr lang="en-US" altLang="ja-JP" b="0" i="1" smtClean="0">
+                        <a:latin typeface="Cambria Math" panose="02040503050406030204" pitchFamily="18" charset="0"/>
+                      </a:rPr>
+                      <m:t>∈{0,1}</m:t>
+                    </m:r>
+                  </m:oMath>
+                </a14:m>
+                <a:r>
+                  <a:rPr lang="ja-JP" altLang="en-US"/>
+                  <a:t>であることは知りたい</a:t>
+                </a:r>
+                <a:endParaRPr lang="en-US" altLang="ja-JP"/>
+              </a:p>
+              <a:p>
+                <a:pPr lvl="1"/>
+                <a:r>
+                  <a:rPr lang="ja-JP" altLang="en-US"/>
+                  <a:t>でも、どちらかは知りたくない</a:t>
+                </a:r>
+                <a:r>
+                  <a:rPr lang="en-US" altLang="ja-JP"/>
+                  <a:t>/</a:t>
+                </a:r>
+                <a:r>
+                  <a:rPr lang="ja-JP" altLang="en-US"/>
+                  <a:t>知られないようにしたい</a:t>
+                </a:r>
+                <a:endParaRPr lang="en-US" altLang="ja-JP"/>
+              </a:p>
+              <a:p>
+                <a:pPr lvl="1"/>
+                <a:endParaRPr kumimoji="1" lang="en-US" altLang="ja-JP"/>
+              </a:p>
+              <a:p>
+                <a:pPr lvl="1"/>
+                <a:endParaRPr kumimoji="1" lang="en-US" altLang="ja-JP"/>
+              </a:p>
+              <a:p>
+                <a:pPr lvl="2"/>
+                <a:endParaRPr lang="en-US" altLang="ja-JP"/>
+              </a:p>
+              <a:p>
+                <a:pPr lvl="2"/>
+                <a:endParaRPr kumimoji="1" lang="en-US" altLang="ja-JP"/>
+              </a:p>
+              <a:p>
+                <a:pPr lvl="2"/>
+                <a:endParaRPr lang="en-US" altLang="ja-JP"/>
+              </a:p>
+              <a:p>
+                <a:pPr lvl="2"/>
+                <a:endParaRPr kumimoji="1" lang="en-US" altLang="ja-JP"/>
+              </a:p>
+              <a:p>
+                <a:pPr lvl="2"/>
+                <a:endParaRPr lang="en-US" altLang="ja-JP"/>
+              </a:p>
+              <a:p>
+                <a:pPr lvl="2"/>
+                <a:endParaRPr kumimoji="1" lang="en-US" altLang="ja-JP"/>
+              </a:p>
+              <a:p>
+                <a:pPr lvl="2"/>
+                <a:endParaRPr kumimoji="1" lang="en-US" altLang="ja-JP"/>
+              </a:p>
+              <a:p>
+                <a:pPr marL="218250" lvl="1" indent="0">
+                  <a:buNone/>
+                </a:pPr>
+                <a:endParaRPr kumimoji="1" lang="ja-JP" altLang="en-US"/>
+              </a:p>
+            </p:txBody>
+          </p:sp>
+        </mc:Choice>
+        <mc:Fallback>
+          <p:sp>
+            <p:nvSpPr>
+              <p:cNvPr id="2" name="コンテンツ プレースホルダー 1">
+                <a:extLst>
+                  <a:ext uri="{FF2B5EF4-FFF2-40B4-BE49-F238E27FC236}">
+                    <a16:creationId xmlns:a16="http://schemas.microsoft.com/office/drawing/2014/main" id="{ACA52B67-3F21-482C-8D69-7AA975430C6B}"/>
+                  </a:ext>
+                </a:extLst>
+              </p:cNvPr>
+              <p:cNvSpPr>
+                <a:spLocks noGrp="1" noRot="1" noChangeAspect="1" noMove="1" noResize="1" noEditPoints="1" noAdjustHandles="1" noChangeArrowheads="1" noChangeShapeType="1" noTextEdit="1"/>
+              </p:cNvSpPr>
+              <p:nvPr>
+                <p:ph idx="1"/>
+              </p:nvPr>
+            </p:nvSpPr>
+            <p:spPr>
+              <a:blipFill>
+                <a:blip r:embed="rId2"/>
+                <a:stretch>
+                  <a:fillRect l="-1200" t="-1038"/>
+                </a:stretch>
+              </a:blipFill>
+            </p:spPr>
+            <p:txBody>
+              <a:bodyPr/>
+              <a:lstStyle/>
+              <a:p>
+                <a:r>
+                  <a:rPr lang="ja-JP" altLang="en-US">
+                    <a:noFill/>
+                  </a:rPr>
+                  <a:t> </a:t>
+                </a:r>
+              </a:p>
+            </p:txBody>
+          </p:sp>
+        </mc:Fallback>
+      </mc:AlternateContent>
+      <p:sp>
+        <p:nvSpPr>
+          <p:cNvPr id="3" name="スライド番号プレースホルダー 2">
+            <a:extLst>
+              <a:ext uri="{FF2B5EF4-FFF2-40B4-BE49-F238E27FC236}">
+                <a16:creationId xmlns:a16="http://schemas.microsoft.com/office/drawing/2014/main" id="{A124B98B-5AE4-47B8-AAF0-F31B8A372626}"/>
+              </a:ext>
+            </a:extLst>
+          </p:cNvPr>
+          <p:cNvSpPr>
+            <a:spLocks noGrp="1"/>
+          </p:cNvSpPr>
+          <p:nvPr>
+            <p:ph type="sldNum" sz="quarter" idx="12"/>
+          </p:nvPr>
+        </p:nvSpPr>
+        <p:spPr/>
+        <p:txBody>
+          <a:bodyPr/>
+          <a:lstStyle/>
+          <a:p>
+            <a:pPr>
+              <a:defRPr/>
+            </a:pPr>
+            <a:r>
+              <a:rPr lang="en-US" altLang="ja-JP"/>
+              <a:t>    </a:t>
+            </a:r>
+            <a:fld id="{B2782DEB-472A-4FE5-AC34-C17109CF5A91}" type="slidenum">
+              <a:rPr lang="en-US" altLang="ja-JP" smtClean="0"/>
+              <a:pPr>
+                <a:defRPr/>
+              </a:pPr>
+              <a:t>19</a:t>
+            </a:fld>
+            <a:r>
+              <a:rPr lang="en-US" altLang="ja-JP"/>
+              <a:t> / 24</a:t>
+            </a:r>
+          </a:p>
+        </p:txBody>
+      </p:sp>
+      <p:sp>
+        <p:nvSpPr>
+          <p:cNvPr id="4" name="タイトル 3">
+            <a:extLst>
+              <a:ext uri="{FF2B5EF4-FFF2-40B4-BE49-F238E27FC236}">
+                <a16:creationId xmlns:a16="http://schemas.microsoft.com/office/drawing/2014/main" id="{3E68C144-B468-45FA-A93B-FF6D1BBDE1CF}"/>
+              </a:ext>
+            </a:extLst>
+          </p:cNvPr>
+          <p:cNvSpPr>
+            <a:spLocks noGrp="1"/>
+          </p:cNvSpPr>
+          <p:nvPr>
+            <p:ph type="title"/>
+          </p:nvPr>
+        </p:nvSpPr>
+        <p:spPr/>
+        <p:txBody>
+          <a:bodyPr/>
+          <a:lstStyle/>
+          <a:p>
+            <a:r>
+              <a:rPr kumimoji="1" lang="ja-JP" altLang="en-US"/>
+              <a:t>ゼロ知識証明</a:t>
+            </a:r>
+          </a:p>
+        </p:txBody>
+      </p:sp>
+      <p:pic>
+        <p:nvPicPr>
+          <p:cNvPr id="6" name="図 5">
+            <a:extLst>
+              <a:ext uri="{FF2B5EF4-FFF2-40B4-BE49-F238E27FC236}">
+                <a16:creationId xmlns:a16="http://schemas.microsoft.com/office/drawing/2014/main" id="{FEC2D228-1AFD-4660-8DC8-57C7B26BB948}"/>
+              </a:ext>
+            </a:extLst>
+          </p:cNvPr>
+          <p:cNvPicPr>
+            <a:picLocks noChangeAspect="1"/>
+          </p:cNvPicPr>
+          <p:nvPr/>
+        </p:nvPicPr>
+        <p:blipFill>
+          <a:blip r:embed="rId3">
+            <a:extLst>
+              <a:ext uri="{28A0092B-C50C-407E-A947-70E740481C1C}">
+                <a14:useLocalDpi xmlns:a14="http://schemas.microsoft.com/office/drawing/2010/main" val="0"/>
+              </a:ext>
+            </a:extLst>
+          </a:blip>
+          <a:stretch>
+            <a:fillRect/>
+          </a:stretch>
+        </p:blipFill>
+        <p:spPr>
+          <a:xfrm>
+            <a:off x="3203847" y="1844824"/>
+            <a:ext cx="5661563" cy="2880320"/>
+          </a:xfrm>
+          <a:prstGeom prst="rect">
+            <a:avLst/>
+          </a:prstGeom>
+        </p:spPr>
+      </p:pic>
+    </p:spTree>
+    <p:extLst>
+      <p:ext uri="{BB962C8B-B14F-4D97-AF65-F5344CB8AC3E}">
+        <p14:creationId xmlns:p14="http://schemas.microsoft.com/office/powerpoint/2010/main" val="3699425750"/>
+      </p:ext>
+    </p:extLst>
+  </p:cSld>
+  <p:clrMapOvr>
+    <a:masterClrMapping/>
+  </p:clrMapOvr>
+</p:sld>
+</file>
+
 <file path=ppt/slides/slide2.xml><?xml version="1.0" encoding="utf-8"?>
 <p:sld xmlns:a="http://schemas.openxmlformats.org/drawingml/2006/main" xmlns:r="http://schemas.openxmlformats.org/officeDocument/2006/relationships" xmlns:p="http://schemas.openxmlformats.org/presentationml/2006/main">
   <p:cSld>
@@ -9715,6 +10141,1597 @@
     <p:extLst>
       <p:ext uri="{BB962C8B-B14F-4D97-AF65-F5344CB8AC3E}">
         <p14:creationId xmlns:p14="http://schemas.microsoft.com/office/powerpoint/2010/main" val="1190200173"/>
+      </p:ext>
+    </p:extLst>
+  </p:cSld>
+  <p:clrMapOvr>
+    <a:masterClrMapping/>
+  </p:clrMapOvr>
+</p:sld>
+</file>
+
+<file path=ppt/slides/slide20.xml><?xml version="1.0" encoding="utf-8"?>
+<p:sld xmlns:a="http://schemas.openxmlformats.org/drawingml/2006/main" xmlns:r="http://schemas.openxmlformats.org/officeDocument/2006/relationships" xmlns:p="http://schemas.openxmlformats.org/presentationml/2006/main">
+  <p:cSld>
+    <p:spTree>
+      <p:nvGrpSpPr>
+        <p:cNvPr id="1" name=""/>
+        <p:cNvGrpSpPr/>
+        <p:nvPr/>
+      </p:nvGrpSpPr>
+      <p:grpSpPr>
+        <a:xfrm>
+          <a:off x="0" y="0"/>
+          <a:ext cx="0" cy="0"/>
+          <a:chOff x="0" y="0"/>
+          <a:chExt cx="0" cy="0"/>
+        </a:xfrm>
+      </p:grpSpPr>
+      <mc:AlternateContent xmlns:mc="http://schemas.openxmlformats.org/markup-compatibility/2006">
+        <mc:Choice xmlns:a14="http://schemas.microsoft.com/office/drawing/2010/main" Requires="a14">
+          <p:sp>
+            <p:nvSpPr>
+              <p:cNvPr id="2" name="コンテンツ プレースホルダー 1">
+                <a:extLst>
+                  <a:ext uri="{FF2B5EF4-FFF2-40B4-BE49-F238E27FC236}">
+                    <a16:creationId xmlns:a16="http://schemas.microsoft.com/office/drawing/2014/main" id="{73830C11-8931-4324-A829-A7A3C37E2AC8}"/>
+                  </a:ext>
+                </a:extLst>
+              </p:cNvPr>
+              <p:cNvSpPr>
+                <a:spLocks noGrp="1"/>
+              </p:cNvSpPr>
+              <p:nvPr>
+                <p:ph idx="1"/>
+              </p:nvPr>
+            </p:nvSpPr>
+            <p:spPr/>
+            <p:txBody>
+              <a:bodyPr/>
+              <a:lstStyle/>
+              <a:p>
+                <a:r>
+                  <a:rPr kumimoji="1" lang="ja-JP" altLang="en-US"/>
+                  <a:t>証明</a:t>
+                </a:r>
+                <a:endParaRPr kumimoji="1" lang="en-US" altLang="ja-JP"/>
+              </a:p>
+              <a:p>
+                <a:pPr lvl="1"/>
+                <a:r>
+                  <a:rPr lang="ja-JP" altLang="en-US"/>
+                  <a:t>ある命題が成り立つことを相手に納得してもらう手続き</a:t>
+                </a:r>
+                <a:endParaRPr lang="en-US" altLang="ja-JP"/>
+              </a:p>
+              <a:p>
+                <a:r>
+                  <a:rPr kumimoji="1" lang="en-US" altLang="ja-JP"/>
+                  <a:t>ZKP</a:t>
+                </a:r>
+              </a:p>
+              <a:p>
+                <a:pPr lvl="1"/>
+                <a:r>
+                  <a:rPr kumimoji="1" lang="ja-JP" altLang="en-US"/>
+                  <a:t>ある命題が成り立つことや、あることを知っていることを</a:t>
+                </a:r>
+                <a:br>
+                  <a:rPr kumimoji="1" lang="en-US" altLang="ja-JP"/>
+                </a:br>
+                <a:r>
+                  <a:rPr kumimoji="1" lang="ja-JP" altLang="en-US"/>
+                  <a:t>その情報を相手に伝えずに納得してもらう手法</a:t>
+                </a:r>
+                <a:endParaRPr kumimoji="1" lang="en-US" altLang="ja-JP"/>
+              </a:p>
+              <a:p>
+                <a:r>
+                  <a:rPr kumimoji="1" lang="ja-JP" altLang="en-US"/>
+                  <a:t>納得してもらいたい例</a:t>
+                </a:r>
+                <a:endParaRPr kumimoji="1" lang="en-US" altLang="ja-JP"/>
+              </a:p>
+              <a:p>
+                <a:pPr lvl="1"/>
+                <a14:m>
+                  <m:oMath xmlns:m="http://schemas.openxmlformats.org/officeDocument/2006/math">
+                    <m:r>
+                      <a:rPr kumimoji="1" lang="en-US" altLang="ja-JP" b="0" i="1" smtClean="0">
+                        <a:latin typeface="Cambria Math" panose="02040503050406030204" pitchFamily="18" charset="0"/>
+                      </a:rPr>
+                      <m:t>𝑛</m:t>
+                    </m:r>
+                    <m:r>
+                      <a:rPr kumimoji="1" lang="en-US" altLang="ja-JP" b="0" i="1" smtClean="0">
+                        <a:latin typeface="Cambria Math" panose="02040503050406030204" pitchFamily="18" charset="0"/>
+                      </a:rPr>
+                      <m:t>=</m:t>
+                    </m:r>
+                    <m:r>
+                      <a:rPr kumimoji="1" lang="en-US" altLang="ja-JP" b="0" i="1" smtClean="0">
+                        <a:latin typeface="Cambria Math" panose="02040503050406030204" pitchFamily="18" charset="0"/>
+                      </a:rPr>
+                      <m:t>𝑝𝑞</m:t>
+                    </m:r>
+                  </m:oMath>
+                </a14:m>
+                <a:r>
+                  <a:rPr kumimoji="1" lang="en-US" altLang="ja-JP"/>
+                  <a:t> (</a:t>
+                </a:r>
+                <a14:m>
+                  <m:oMath xmlns:m="http://schemas.openxmlformats.org/officeDocument/2006/math">
+                    <m:r>
+                      <a:rPr kumimoji="1" lang="en-US" altLang="ja-JP" b="0" i="1" smtClean="0">
+                        <a:latin typeface="Cambria Math" panose="02040503050406030204" pitchFamily="18" charset="0"/>
+                      </a:rPr>
+                      <m:t>𝑝</m:t>
+                    </m:r>
+                    <m:r>
+                      <a:rPr kumimoji="1" lang="en-US" altLang="ja-JP" b="0" i="1" smtClean="0">
+                        <a:latin typeface="Cambria Math" panose="02040503050406030204" pitchFamily="18" charset="0"/>
+                      </a:rPr>
+                      <m:t>,</m:t>
+                    </m:r>
+                    <m:r>
+                      <a:rPr kumimoji="1" lang="en-US" altLang="ja-JP" b="0" i="1" smtClean="0">
+                        <a:latin typeface="Cambria Math" panose="02040503050406030204" pitchFamily="18" charset="0"/>
+                      </a:rPr>
+                      <m:t>𝑞</m:t>
+                    </m:r>
+                  </m:oMath>
+                </a14:m>
+                <a:r>
+                  <a:rPr kumimoji="1" lang="ja-JP" altLang="en-US"/>
+                  <a:t>は素数</a:t>
+                </a:r>
+                <a:r>
+                  <a:rPr kumimoji="1" lang="en-US" altLang="ja-JP"/>
+                  <a:t>)</a:t>
+                </a:r>
+                <a:r>
+                  <a:rPr kumimoji="1" lang="ja-JP" altLang="en-US"/>
+                  <a:t>の</a:t>
+                </a:r>
+                <a14:m>
+                  <m:oMath xmlns:m="http://schemas.openxmlformats.org/officeDocument/2006/math">
+                    <m:r>
+                      <a:rPr kumimoji="1" lang="en-US" altLang="ja-JP" b="0" i="1" smtClean="0">
+                        <a:latin typeface="Cambria Math" panose="02040503050406030204" pitchFamily="18" charset="0"/>
+                      </a:rPr>
+                      <m:t>𝑝</m:t>
+                    </m:r>
+                  </m:oMath>
+                </a14:m>
+                <a:r>
+                  <a:rPr kumimoji="1" lang="ja-JP" altLang="en-US"/>
+                  <a:t>や</a:t>
+                </a:r>
+                <a14:m>
+                  <m:oMath xmlns:m="http://schemas.openxmlformats.org/officeDocument/2006/math">
+                    <m:r>
+                      <a:rPr kumimoji="1" lang="en-US" altLang="ja-JP" b="0" i="1" smtClean="0">
+                        <a:latin typeface="Cambria Math" panose="02040503050406030204" pitchFamily="18" charset="0"/>
+                      </a:rPr>
+                      <m:t>𝑞</m:t>
+                    </m:r>
+                  </m:oMath>
+                </a14:m>
+                <a:r>
+                  <a:rPr kumimoji="1" lang="ja-JP" altLang="en-US"/>
+                  <a:t>を教えずにそれを知っていること</a:t>
+                </a:r>
+                <a:endParaRPr kumimoji="1" lang="en-US" altLang="ja-JP"/>
+              </a:p>
+              <a:p>
+                <a:pPr lvl="1"/>
+                <a14:m>
+                  <m:oMath xmlns:m="http://schemas.openxmlformats.org/officeDocument/2006/math">
+                    <m:r>
+                      <a:rPr kumimoji="1" lang="en-US" altLang="ja-JP" b="0" i="1" smtClean="0">
+                        <a:latin typeface="Cambria Math" panose="02040503050406030204" pitchFamily="18" charset="0"/>
+                      </a:rPr>
+                      <m:t>𝑄</m:t>
+                    </m:r>
+                    <m:r>
+                      <a:rPr kumimoji="1" lang="en-US" altLang="ja-JP" b="0" i="1" smtClean="0">
+                        <a:latin typeface="Cambria Math" panose="02040503050406030204" pitchFamily="18" charset="0"/>
+                      </a:rPr>
+                      <m:t>=</m:t>
+                    </m:r>
+                    <m:r>
+                      <a:rPr kumimoji="1" lang="en-US" altLang="ja-JP" b="0" i="1" smtClean="0">
+                        <a:latin typeface="Cambria Math" panose="02040503050406030204" pitchFamily="18" charset="0"/>
+                      </a:rPr>
+                      <m:t>𝑠𝑃</m:t>
+                    </m:r>
+                  </m:oMath>
+                </a14:m>
+                <a:r>
+                  <a:rPr kumimoji="1" lang="ja-JP" altLang="en-US"/>
+                  <a:t>の</a:t>
+                </a:r>
+                <a14:m>
+                  <m:oMath xmlns:m="http://schemas.openxmlformats.org/officeDocument/2006/math">
+                    <m:r>
+                      <a:rPr kumimoji="1" lang="en-US" altLang="ja-JP" b="0" i="1" smtClean="0">
+                        <a:latin typeface="Cambria Math" panose="02040503050406030204" pitchFamily="18" charset="0"/>
+                      </a:rPr>
+                      <m:t>𝑠</m:t>
+                    </m:r>
+                  </m:oMath>
+                </a14:m>
+                <a:r>
+                  <a:rPr kumimoji="1" lang="ja-JP" altLang="en-US"/>
+                  <a:t>を教えずにそれを知っていること</a:t>
+                </a:r>
+                <a:endParaRPr kumimoji="1" lang="en-US" altLang="ja-JP"/>
+              </a:p>
+              <a:p>
+                <a:pPr lvl="1"/>
+                <a:r>
+                  <a:rPr kumimoji="1" lang="ja-JP" altLang="en-US"/>
+                  <a:t>暗号文</a:t>
+                </a:r>
+                <a14:m>
+                  <m:oMath xmlns:m="http://schemas.openxmlformats.org/officeDocument/2006/math">
+                    <m:r>
+                      <a:rPr kumimoji="1" lang="en-US" altLang="ja-JP" b="0" i="1" smtClean="0">
+                        <a:latin typeface="Cambria Math" panose="02040503050406030204" pitchFamily="18" charset="0"/>
+                      </a:rPr>
+                      <m:t>𝑐</m:t>
+                    </m:r>
+                  </m:oMath>
+                </a14:m>
+                <a:r>
+                  <a:rPr kumimoji="1" lang="ja-JP" altLang="en-US"/>
+                  <a:t>が</a:t>
+                </a:r>
+                <a:r>
+                  <a:rPr kumimoji="1" lang="en-US" altLang="ja-JP"/>
+                  <a:t>0</a:t>
+                </a:r>
+                <a:r>
+                  <a:rPr kumimoji="1" lang="ja-JP" altLang="en-US"/>
+                  <a:t>か</a:t>
+                </a:r>
+                <a:r>
+                  <a:rPr kumimoji="1" lang="en-US" altLang="ja-JP"/>
+                  <a:t>1</a:t>
+                </a:r>
+                <a:r>
+                  <a:rPr kumimoji="1" lang="ja-JP" altLang="en-US"/>
+                  <a:t>のどちらかの暗号文であること</a:t>
+                </a:r>
+                <a:endParaRPr kumimoji="1" lang="en-US" altLang="ja-JP"/>
+              </a:p>
+              <a:p>
+                <a:endParaRPr lang="en-US" altLang="ja-JP"/>
+              </a:p>
+              <a:p>
+                <a:r>
+                  <a:rPr kumimoji="1" lang="ja-JP" altLang="en-US"/>
+                  <a:t>何かの知識</a:t>
+                </a:r>
+                <a:r>
+                  <a:rPr kumimoji="1" lang="en-US" altLang="ja-JP"/>
+                  <a:t>w (witness)</a:t>
+                </a:r>
+                <a:r>
+                  <a:rPr kumimoji="1" lang="ja-JP" altLang="en-US"/>
+                  <a:t>を知っていることを納得させる</a:t>
+                </a:r>
+                <a:endParaRPr kumimoji="1" lang="en-US" altLang="ja-JP"/>
+              </a:p>
+              <a:p>
+                <a:pPr lvl="1"/>
+                <a:r>
+                  <a:rPr kumimoji="1" lang="ja-JP" altLang="en-US"/>
+                  <a:t>知識の証明</a:t>
+                </a:r>
+                <a:endParaRPr kumimoji="1" lang="en-US" altLang="ja-JP"/>
+              </a:p>
+            </p:txBody>
+          </p:sp>
+        </mc:Choice>
+        <mc:Fallback>
+          <p:sp>
+            <p:nvSpPr>
+              <p:cNvPr id="2" name="コンテンツ プレースホルダー 1">
+                <a:extLst>
+                  <a:ext uri="{FF2B5EF4-FFF2-40B4-BE49-F238E27FC236}">
+                    <a16:creationId xmlns:a16="http://schemas.microsoft.com/office/drawing/2014/main" id="{73830C11-8931-4324-A829-A7A3C37E2AC8}"/>
+                  </a:ext>
+                </a:extLst>
+              </p:cNvPr>
+              <p:cNvSpPr>
+                <a:spLocks noGrp="1" noRot="1" noChangeAspect="1" noMove="1" noResize="1" noEditPoints="1" noAdjustHandles="1" noChangeArrowheads="1" noChangeShapeType="1" noTextEdit="1"/>
+              </p:cNvSpPr>
+              <p:nvPr>
+                <p:ph idx="1"/>
+              </p:nvPr>
+            </p:nvSpPr>
+            <p:spPr>
+              <a:blipFill>
+                <a:blip r:embed="rId2"/>
+                <a:stretch>
+                  <a:fillRect l="-1200" t="-1038" b="-3115"/>
+                </a:stretch>
+              </a:blipFill>
+            </p:spPr>
+            <p:txBody>
+              <a:bodyPr/>
+              <a:lstStyle/>
+              <a:p>
+                <a:r>
+                  <a:rPr lang="ja-JP" altLang="en-US">
+                    <a:noFill/>
+                  </a:rPr>
+                  <a:t> </a:t>
+                </a:r>
+              </a:p>
+            </p:txBody>
+          </p:sp>
+        </mc:Fallback>
+      </mc:AlternateContent>
+      <p:sp>
+        <p:nvSpPr>
+          <p:cNvPr id="3" name="スライド番号プレースホルダー 2">
+            <a:extLst>
+              <a:ext uri="{FF2B5EF4-FFF2-40B4-BE49-F238E27FC236}">
+                <a16:creationId xmlns:a16="http://schemas.microsoft.com/office/drawing/2014/main" id="{BCCEF069-188B-4160-93DC-81F68A85A9B1}"/>
+              </a:ext>
+            </a:extLst>
+          </p:cNvPr>
+          <p:cNvSpPr>
+            <a:spLocks noGrp="1"/>
+          </p:cNvSpPr>
+          <p:nvPr>
+            <p:ph type="sldNum" sz="quarter" idx="12"/>
+          </p:nvPr>
+        </p:nvSpPr>
+        <p:spPr/>
+        <p:txBody>
+          <a:bodyPr/>
+          <a:lstStyle/>
+          <a:p>
+            <a:pPr>
+              <a:defRPr/>
+            </a:pPr>
+            <a:r>
+              <a:rPr lang="en-US" altLang="ja-JP"/>
+              <a:t>    </a:t>
+            </a:r>
+            <a:fld id="{B2782DEB-472A-4FE5-AC34-C17109CF5A91}" type="slidenum">
+              <a:rPr lang="en-US" altLang="ja-JP" smtClean="0"/>
+              <a:pPr>
+                <a:defRPr/>
+              </a:pPr>
+              <a:t>20</a:t>
+            </a:fld>
+            <a:r>
+              <a:rPr lang="en-US" altLang="ja-JP"/>
+              <a:t> / 24</a:t>
+            </a:r>
+          </a:p>
+        </p:txBody>
+      </p:sp>
+      <p:sp>
+        <p:nvSpPr>
+          <p:cNvPr id="4" name="タイトル 3">
+            <a:extLst>
+              <a:ext uri="{FF2B5EF4-FFF2-40B4-BE49-F238E27FC236}">
+                <a16:creationId xmlns:a16="http://schemas.microsoft.com/office/drawing/2014/main" id="{247972B4-2338-451D-AAC0-44EC62FF16B6}"/>
+              </a:ext>
+            </a:extLst>
+          </p:cNvPr>
+          <p:cNvSpPr>
+            <a:spLocks noGrp="1"/>
+          </p:cNvSpPr>
+          <p:nvPr>
+            <p:ph type="title"/>
+          </p:nvPr>
+        </p:nvSpPr>
+        <p:spPr/>
+        <p:txBody>
+          <a:bodyPr/>
+          <a:lstStyle/>
+          <a:p>
+            <a:r>
+              <a:rPr kumimoji="1" lang="en-US" altLang="ja-JP"/>
+              <a:t>ZKP(Zero Knowledge Proof)</a:t>
+            </a:r>
+            <a:endParaRPr kumimoji="1" lang="ja-JP" altLang="en-US"/>
+          </a:p>
+        </p:txBody>
+      </p:sp>
+    </p:spTree>
+    <p:extLst>
+      <p:ext uri="{BB962C8B-B14F-4D97-AF65-F5344CB8AC3E}">
+        <p14:creationId xmlns:p14="http://schemas.microsoft.com/office/powerpoint/2010/main" val="1191943625"/>
+      </p:ext>
+    </p:extLst>
+  </p:cSld>
+  <p:clrMapOvr>
+    <a:masterClrMapping/>
+  </p:clrMapOvr>
+</p:sld>
+</file>
+
+<file path=ppt/slides/slide21.xml><?xml version="1.0" encoding="utf-8"?>
+<p:sld xmlns:a="http://schemas.openxmlformats.org/drawingml/2006/main" xmlns:r="http://schemas.openxmlformats.org/officeDocument/2006/relationships" xmlns:p="http://schemas.openxmlformats.org/presentationml/2006/main">
+  <p:cSld>
+    <p:spTree>
+      <p:nvGrpSpPr>
+        <p:cNvPr id="1" name=""/>
+        <p:cNvGrpSpPr/>
+        <p:nvPr/>
+      </p:nvGrpSpPr>
+      <p:grpSpPr>
+        <a:xfrm>
+          <a:off x="0" y="0"/>
+          <a:ext cx="0" cy="0"/>
+          <a:chOff x="0" y="0"/>
+          <a:chExt cx="0" cy="0"/>
+        </a:xfrm>
+      </p:grpSpPr>
+      <mc:AlternateContent xmlns:mc="http://schemas.openxmlformats.org/markup-compatibility/2006">
+        <mc:Choice xmlns:a14="http://schemas.microsoft.com/office/drawing/2010/main" Requires="a14">
+          <p:sp>
+            <p:nvSpPr>
+              <p:cNvPr id="2" name="コンテンツ プレースホルダー 1">
+                <a:extLst>
+                  <a:ext uri="{FF2B5EF4-FFF2-40B4-BE49-F238E27FC236}">
+                    <a16:creationId xmlns:a16="http://schemas.microsoft.com/office/drawing/2014/main" id="{9E315F43-CDAE-494F-9BFD-460D8C49AF8F}"/>
+                  </a:ext>
+                </a:extLst>
+              </p:cNvPr>
+              <p:cNvSpPr>
+                <a:spLocks noGrp="1"/>
+              </p:cNvSpPr>
+              <p:nvPr>
+                <p:ph idx="1"/>
+              </p:nvPr>
+            </p:nvSpPr>
+            <p:spPr/>
+            <p:txBody>
+              <a:bodyPr/>
+              <a:lstStyle/>
+              <a:p>
+                <a:pPr>
+                  <a:buFont typeface="Arial" panose="020B0604020202020204" pitchFamily="34" charset="0"/>
+                  <a:buChar char="•"/>
+                </a:pPr>
+                <a:r>
+                  <a:rPr lang="ja-JP" altLang="en-US"/>
+                  <a:t>完全性</a:t>
+                </a:r>
+                <a:endParaRPr lang="en-US" altLang="ja-JP"/>
+              </a:p>
+              <a:p>
+                <a:pPr lvl="1"/>
+                <a:r>
+                  <a:rPr lang="ja-JP" altLang="en-US"/>
+                  <a:t>命題が正しい</a:t>
+                </a:r>
+                <a:r>
+                  <a:rPr lang="en-US" altLang="ja-JP"/>
+                  <a:t>(or </a:t>
+                </a:r>
+                <a14:m>
+                  <m:oMath xmlns:m="http://schemas.openxmlformats.org/officeDocument/2006/math">
+                    <m:r>
+                      <a:rPr lang="en-US" altLang="ja-JP" b="0" i="1" smtClean="0">
+                        <a:latin typeface="Cambria Math" panose="02040503050406030204" pitchFamily="18" charset="0"/>
+                      </a:rPr>
+                      <m:t>𝑃</m:t>
+                    </m:r>
+                  </m:oMath>
+                </a14:m>
+                <a:r>
+                  <a:rPr lang="ja-JP" altLang="en-US"/>
+                  <a:t>が証拠</a:t>
+                </a:r>
+                <a:r>
+                  <a:rPr lang="en-US" altLang="ja-JP"/>
+                  <a:t>w</a:t>
+                </a:r>
+                <a:r>
+                  <a:rPr lang="ja-JP" altLang="en-US"/>
+                  <a:t>を持つ</a:t>
+                </a:r>
+                <a:r>
+                  <a:rPr lang="en-US" altLang="ja-JP"/>
+                  <a:t>)</a:t>
+                </a:r>
+                <a:r>
+                  <a:rPr lang="ja-JP" altLang="en-US"/>
+                  <a:t>なら</a:t>
+                </a:r>
+                <a14:m>
+                  <m:oMath xmlns:m="http://schemas.openxmlformats.org/officeDocument/2006/math">
+                    <m:r>
+                      <a:rPr lang="en-US" altLang="ja-JP" b="0" i="1" smtClean="0">
+                        <a:latin typeface="Cambria Math" panose="02040503050406030204" pitchFamily="18" charset="0"/>
+                      </a:rPr>
+                      <m:t>𝑉</m:t>
+                    </m:r>
+                  </m:oMath>
+                </a14:m>
+                <a:r>
+                  <a:rPr lang="ja-JP" altLang="en-US"/>
+                  <a:t>は必ず納得する</a:t>
+                </a:r>
+              </a:p>
+              <a:p>
+                <a:pPr>
+                  <a:buFont typeface="Arial" panose="020B0604020202020204" pitchFamily="34" charset="0"/>
+                  <a:buChar char="•"/>
+                </a:pPr>
+                <a:endParaRPr lang="en-US" altLang="ja-JP"/>
+              </a:p>
+              <a:p>
+                <a:pPr>
+                  <a:buFont typeface="Arial" panose="020B0604020202020204" pitchFamily="34" charset="0"/>
+                  <a:buChar char="•"/>
+                </a:pPr>
+                <a:endParaRPr lang="en-US" altLang="ja-JP"/>
+              </a:p>
+              <a:p>
+                <a:pPr>
+                  <a:buFont typeface="Arial" panose="020B0604020202020204" pitchFamily="34" charset="0"/>
+                  <a:buChar char="•"/>
+                </a:pPr>
+                <a:endParaRPr lang="en-US" altLang="ja-JP"/>
+              </a:p>
+              <a:p>
+                <a:pPr>
+                  <a:buFont typeface="Arial" panose="020B0604020202020204" pitchFamily="34" charset="0"/>
+                  <a:buChar char="•"/>
+                </a:pPr>
+                <a:r>
+                  <a:rPr lang="ja-JP" altLang="en-US"/>
+                  <a:t>健全性</a:t>
+                </a:r>
+                <a:endParaRPr lang="en-US" altLang="ja-JP"/>
+              </a:p>
+              <a:p>
+                <a:pPr lvl="1"/>
+                <a14:m>
+                  <m:oMath xmlns:m="http://schemas.openxmlformats.org/officeDocument/2006/math">
+                    <m:r>
+                      <a:rPr lang="en-US" altLang="ja-JP" b="0" i="1" smtClean="0">
+                        <a:latin typeface="Cambria Math" panose="02040503050406030204" pitchFamily="18" charset="0"/>
+                      </a:rPr>
+                      <m:t>𝑉</m:t>
+                    </m:r>
+                  </m:oMath>
+                </a14:m>
+                <a:r>
+                  <a:rPr lang="ja-JP" altLang="en-US"/>
+                  <a:t>が納得したなら、ほぼ</a:t>
+                </a:r>
+                <a:r>
+                  <a:rPr lang="en-US" altLang="ja-JP"/>
+                  <a:t>100%</a:t>
+                </a:r>
+                <a:r>
+                  <a:rPr lang="ja-JP" altLang="en-US"/>
+                  <a:t>の確率でその命題は正しい</a:t>
+                </a:r>
+                <a:endParaRPr lang="en-US" altLang="ja-JP"/>
+              </a:p>
+              <a:p>
+                <a:pPr lvl="2"/>
+                <a14:m>
+                  <m:oMath xmlns:m="http://schemas.openxmlformats.org/officeDocument/2006/math">
+                    <m:r>
+                      <a:rPr lang="en-US" altLang="ja-JP" b="0" i="1" smtClean="0">
+                        <a:latin typeface="Cambria Math" panose="02040503050406030204" pitchFamily="18" charset="0"/>
+                      </a:rPr>
+                      <m:t>𝑃</m:t>
+                    </m:r>
+                  </m:oMath>
+                </a14:m>
+                <a:r>
+                  <a:rPr lang="ja-JP" altLang="en-US"/>
+                  <a:t>が嘘をついていたら検証者は納得しない</a:t>
+                </a:r>
+              </a:p>
+              <a:p>
+                <a:pPr>
+                  <a:buFont typeface="Arial" panose="020B0604020202020204" pitchFamily="34" charset="0"/>
+                  <a:buChar char="•"/>
+                </a:pPr>
+                <a:endParaRPr lang="ja-JP" altLang="en-US"/>
+              </a:p>
+              <a:p>
+                <a:endParaRPr kumimoji="1" lang="ja-JP" altLang="en-US"/>
+              </a:p>
+            </p:txBody>
+          </p:sp>
+        </mc:Choice>
+        <mc:Fallback>
+          <p:sp>
+            <p:nvSpPr>
+              <p:cNvPr id="2" name="コンテンツ プレースホルダー 1">
+                <a:extLst>
+                  <a:ext uri="{FF2B5EF4-FFF2-40B4-BE49-F238E27FC236}">
+                    <a16:creationId xmlns:a16="http://schemas.microsoft.com/office/drawing/2014/main" id="{9E315F43-CDAE-494F-9BFD-460D8C49AF8F}"/>
+                  </a:ext>
+                </a:extLst>
+              </p:cNvPr>
+              <p:cNvSpPr>
+                <a:spLocks noGrp="1" noRot="1" noChangeAspect="1" noMove="1" noResize="1" noEditPoints="1" noAdjustHandles="1" noChangeArrowheads="1" noChangeShapeType="1" noTextEdit="1"/>
+              </p:cNvSpPr>
+              <p:nvPr>
+                <p:ph idx="1"/>
+              </p:nvPr>
+            </p:nvSpPr>
+            <p:spPr>
+              <a:blipFill>
+                <a:blip r:embed="rId2"/>
+                <a:stretch>
+                  <a:fillRect l="-1200" t="-1038"/>
+                </a:stretch>
+              </a:blipFill>
+            </p:spPr>
+            <p:txBody>
+              <a:bodyPr/>
+              <a:lstStyle/>
+              <a:p>
+                <a:r>
+                  <a:rPr lang="ja-JP" altLang="en-US">
+                    <a:noFill/>
+                  </a:rPr>
+                  <a:t> </a:t>
+                </a:r>
+              </a:p>
+            </p:txBody>
+          </p:sp>
+        </mc:Fallback>
+      </mc:AlternateContent>
+      <p:sp>
+        <p:nvSpPr>
+          <p:cNvPr id="3" name="スライド番号プレースホルダー 2">
+            <a:extLst>
+              <a:ext uri="{FF2B5EF4-FFF2-40B4-BE49-F238E27FC236}">
+                <a16:creationId xmlns:a16="http://schemas.microsoft.com/office/drawing/2014/main" id="{475C68C4-D389-4B74-AC18-335B8E030CEE}"/>
+              </a:ext>
+            </a:extLst>
+          </p:cNvPr>
+          <p:cNvSpPr>
+            <a:spLocks noGrp="1"/>
+          </p:cNvSpPr>
+          <p:nvPr>
+            <p:ph type="sldNum" sz="quarter" idx="12"/>
+          </p:nvPr>
+        </p:nvSpPr>
+        <p:spPr/>
+        <p:txBody>
+          <a:bodyPr/>
+          <a:lstStyle/>
+          <a:p>
+            <a:pPr>
+              <a:defRPr/>
+            </a:pPr>
+            <a:r>
+              <a:rPr lang="en-US" altLang="ja-JP"/>
+              <a:t>    </a:t>
+            </a:r>
+            <a:fld id="{B2782DEB-472A-4FE5-AC34-C17109CF5A91}" type="slidenum">
+              <a:rPr lang="en-US" altLang="ja-JP" smtClean="0"/>
+              <a:pPr>
+                <a:defRPr/>
+              </a:pPr>
+              <a:t>21</a:t>
+            </a:fld>
+            <a:r>
+              <a:rPr lang="en-US" altLang="ja-JP"/>
+              <a:t> / 24</a:t>
+            </a:r>
+          </a:p>
+        </p:txBody>
+      </p:sp>
+      <p:sp>
+        <p:nvSpPr>
+          <p:cNvPr id="4" name="タイトル 3">
+            <a:extLst>
+              <a:ext uri="{FF2B5EF4-FFF2-40B4-BE49-F238E27FC236}">
+                <a16:creationId xmlns:a16="http://schemas.microsoft.com/office/drawing/2014/main" id="{72CB8134-159F-4FE2-9A3E-3C9B45735458}"/>
+              </a:ext>
+            </a:extLst>
+          </p:cNvPr>
+          <p:cNvSpPr>
+            <a:spLocks noGrp="1"/>
+          </p:cNvSpPr>
+          <p:nvPr>
+            <p:ph type="title"/>
+          </p:nvPr>
+        </p:nvSpPr>
+        <p:spPr/>
+        <p:txBody>
+          <a:bodyPr/>
+          <a:lstStyle/>
+          <a:p>
+            <a:r>
+              <a:rPr kumimoji="1" lang="en-US" altLang="ja-JP"/>
+              <a:t>ZKP</a:t>
+            </a:r>
+            <a:r>
+              <a:rPr kumimoji="1" lang="ja-JP" altLang="en-US"/>
+              <a:t>に求められる性質</a:t>
+            </a:r>
+          </a:p>
+        </p:txBody>
+      </p:sp>
+      <p:pic>
+        <p:nvPicPr>
+          <p:cNvPr id="6" name="図 5">
+            <a:extLst>
+              <a:ext uri="{FF2B5EF4-FFF2-40B4-BE49-F238E27FC236}">
+                <a16:creationId xmlns:a16="http://schemas.microsoft.com/office/drawing/2014/main" id="{C37DF8BC-0A06-4820-AC69-A6E9CB42EAE9}"/>
+              </a:ext>
+            </a:extLst>
+          </p:cNvPr>
+          <p:cNvPicPr>
+            <a:picLocks noChangeAspect="1"/>
+          </p:cNvPicPr>
+          <p:nvPr/>
+        </p:nvPicPr>
+        <p:blipFill>
+          <a:blip r:embed="rId3"/>
+          <a:stretch>
+            <a:fillRect/>
+          </a:stretch>
+        </p:blipFill>
+        <p:spPr>
+          <a:xfrm>
+            <a:off x="2051720" y="1844824"/>
+            <a:ext cx="5328592" cy="1802065"/>
+          </a:xfrm>
+          <a:prstGeom prst="rect">
+            <a:avLst/>
+          </a:prstGeom>
+        </p:spPr>
+      </p:pic>
+      <p:pic>
+        <p:nvPicPr>
+          <p:cNvPr id="8" name="図 7">
+            <a:extLst>
+              <a:ext uri="{FF2B5EF4-FFF2-40B4-BE49-F238E27FC236}">
+                <a16:creationId xmlns:a16="http://schemas.microsoft.com/office/drawing/2014/main" id="{F9B80389-C84F-407A-8D91-76C37D30C06D}"/>
+              </a:ext>
+            </a:extLst>
+          </p:cNvPr>
+          <p:cNvPicPr>
+            <a:picLocks noChangeAspect="1"/>
+          </p:cNvPicPr>
+          <p:nvPr/>
+        </p:nvPicPr>
+        <p:blipFill>
+          <a:blip r:embed="rId4"/>
+          <a:stretch>
+            <a:fillRect/>
+          </a:stretch>
+        </p:blipFill>
+        <p:spPr>
+          <a:xfrm>
+            <a:off x="2051720" y="5133122"/>
+            <a:ext cx="5616624" cy="1616491"/>
+          </a:xfrm>
+          <a:prstGeom prst="rect">
+            <a:avLst/>
+          </a:prstGeom>
+        </p:spPr>
+      </p:pic>
+      <mc:AlternateContent xmlns:mc="http://schemas.openxmlformats.org/markup-compatibility/2006">
+        <mc:Choice xmlns:a14="http://schemas.microsoft.com/office/drawing/2010/main" Requires="a14">
+          <p:sp>
+            <p:nvSpPr>
+              <p:cNvPr id="9" name="テキスト ボックス 8">
+                <a:extLst>
+                  <a:ext uri="{FF2B5EF4-FFF2-40B4-BE49-F238E27FC236}">
+                    <a16:creationId xmlns:a16="http://schemas.microsoft.com/office/drawing/2014/main" id="{36FDD112-DCD2-440F-9583-E671C4517BC7}"/>
+                  </a:ext>
+                </a:extLst>
+              </p:cNvPr>
+              <p:cNvSpPr txBox="1"/>
+              <p:nvPr/>
+            </p:nvSpPr>
+            <p:spPr>
+              <a:xfrm>
+                <a:off x="1110560" y="2034914"/>
+                <a:ext cx="1306255" cy="461665"/>
+              </a:xfrm>
+              <a:prstGeom prst="rect">
+                <a:avLst/>
+              </a:prstGeom>
+              <a:noFill/>
+              <a:ln w="19050" cap="rnd">
+                <a:noFill/>
+              </a:ln>
+            </p:spPr>
+            <p:txBody>
+              <a:bodyPr wrap="none" rtlCol="0">
+                <a:spAutoFit/>
+              </a:bodyPr>
+              <a:lstStyle/>
+              <a:p>
+                <a:pPr/>
+                <a:r>
+                  <a:rPr lang="ja-JP" altLang="en-US" sz="2400">
+                    <a:latin typeface="游ゴシック" panose="020B0400000000000000" pitchFamily="50" charset="-128"/>
+                    <a:ea typeface="游ゴシック" panose="020B0400000000000000" pitchFamily="50" charset="-128"/>
+                    <a:cs typeface="Courier New" pitchFamily="49" charset="0"/>
+                  </a:rPr>
+                  <a:t>証明者</a:t>
+                </a:r>
+                <a14:m>
+                  <m:oMath xmlns:m="http://schemas.openxmlformats.org/officeDocument/2006/math">
+                    <m:r>
+                      <a:rPr lang="en-US" altLang="ja-JP" sz="2400" b="0" i="1" smtClean="0">
+                        <a:latin typeface="Cambria Math" panose="02040503050406030204" pitchFamily="18" charset="0"/>
+                        <a:ea typeface="游ゴシック" panose="020B0400000000000000" pitchFamily="50" charset="-128"/>
+                        <a:cs typeface="Courier New" pitchFamily="49" charset="0"/>
+                      </a:rPr>
+                      <m:t>𝑃</m:t>
+                    </m:r>
+                  </m:oMath>
+                </a14:m>
+                <a:endParaRPr lang="ja-JP" altLang="en-US" sz="2400">
+                  <a:latin typeface="游ゴシック" panose="020B0400000000000000" pitchFamily="50" charset="-128"/>
+                  <a:ea typeface="游ゴシック" panose="020B0400000000000000" pitchFamily="50" charset="-128"/>
+                  <a:cs typeface="Courier New" pitchFamily="49" charset="0"/>
+                </a:endParaRPr>
+              </a:p>
+            </p:txBody>
+          </p:sp>
+        </mc:Choice>
+        <mc:Fallback>
+          <p:sp>
+            <p:nvSpPr>
+              <p:cNvPr id="9" name="テキスト ボックス 8">
+                <a:extLst>
+                  <a:ext uri="{FF2B5EF4-FFF2-40B4-BE49-F238E27FC236}">
+                    <a16:creationId xmlns:a16="http://schemas.microsoft.com/office/drawing/2014/main" id="{36FDD112-DCD2-440F-9583-E671C4517BC7}"/>
+                  </a:ext>
+                </a:extLst>
+              </p:cNvPr>
+              <p:cNvSpPr txBox="1">
+                <a:spLocks noRot="1" noChangeAspect="1" noMove="1" noResize="1" noEditPoints="1" noAdjustHandles="1" noChangeArrowheads="1" noChangeShapeType="1" noTextEdit="1"/>
+              </p:cNvSpPr>
+              <p:nvPr/>
+            </p:nvSpPr>
+            <p:spPr>
+              <a:xfrm>
+                <a:off x="1110560" y="2034914"/>
+                <a:ext cx="1306255" cy="461665"/>
+              </a:xfrm>
+              <a:prstGeom prst="rect">
+                <a:avLst/>
+              </a:prstGeom>
+              <a:blipFill>
+                <a:blip r:embed="rId5"/>
+                <a:stretch>
+                  <a:fillRect l="-7009" t="-10526" b="-28947"/>
+                </a:stretch>
+              </a:blipFill>
+              <a:ln w="19050" cap="rnd">
+                <a:noFill/>
+              </a:ln>
+            </p:spPr>
+            <p:txBody>
+              <a:bodyPr/>
+              <a:lstStyle/>
+              <a:p>
+                <a:r>
+                  <a:rPr lang="ja-JP" altLang="en-US">
+                    <a:noFill/>
+                  </a:rPr>
+                  <a:t> </a:t>
+                </a:r>
+              </a:p>
+            </p:txBody>
+          </p:sp>
+        </mc:Fallback>
+      </mc:AlternateContent>
+      <mc:AlternateContent xmlns:mc="http://schemas.openxmlformats.org/markup-compatibility/2006">
+        <mc:Choice xmlns:a14="http://schemas.microsoft.com/office/drawing/2010/main" Requires="a14">
+          <p:sp>
+            <p:nvSpPr>
+              <p:cNvPr id="10" name="テキスト ボックス 9">
+                <a:extLst>
+                  <a:ext uri="{FF2B5EF4-FFF2-40B4-BE49-F238E27FC236}">
+                    <a16:creationId xmlns:a16="http://schemas.microsoft.com/office/drawing/2014/main" id="{68EF63D4-753F-4AAC-BDF5-7C4BC3F4C30F}"/>
+                  </a:ext>
+                </a:extLst>
+              </p:cNvPr>
+              <p:cNvSpPr txBox="1"/>
+              <p:nvPr/>
+            </p:nvSpPr>
+            <p:spPr>
+              <a:xfrm>
+                <a:off x="6876256" y="2034913"/>
+                <a:ext cx="1310102" cy="461665"/>
+              </a:xfrm>
+              <a:prstGeom prst="rect">
+                <a:avLst/>
+              </a:prstGeom>
+              <a:noFill/>
+              <a:ln w="19050" cap="rnd">
+                <a:noFill/>
+              </a:ln>
+            </p:spPr>
+            <p:txBody>
+              <a:bodyPr wrap="none" rtlCol="0">
+                <a:spAutoFit/>
+              </a:bodyPr>
+              <a:lstStyle/>
+              <a:p>
+                <a:pPr/>
+                <a:r>
+                  <a:rPr lang="ja-JP" altLang="en-US" sz="2400">
+                    <a:latin typeface="游ゴシック" panose="020B0400000000000000" pitchFamily="50" charset="-128"/>
+                    <a:ea typeface="游ゴシック" panose="020B0400000000000000" pitchFamily="50" charset="-128"/>
+                    <a:cs typeface="Courier New" pitchFamily="49" charset="0"/>
+                  </a:rPr>
+                  <a:t>検証者</a:t>
+                </a:r>
+                <a14:m>
+                  <m:oMath xmlns:m="http://schemas.openxmlformats.org/officeDocument/2006/math">
+                    <m:r>
+                      <a:rPr lang="en-US" altLang="ja-JP" sz="2400" b="0" i="1" smtClean="0">
+                        <a:latin typeface="Cambria Math" panose="02040503050406030204" pitchFamily="18" charset="0"/>
+                        <a:ea typeface="游ゴシック" panose="020B0400000000000000" pitchFamily="50" charset="-128"/>
+                        <a:cs typeface="Courier New" pitchFamily="49" charset="0"/>
+                      </a:rPr>
+                      <m:t>𝑉</m:t>
+                    </m:r>
+                  </m:oMath>
+                </a14:m>
+                <a:endParaRPr lang="ja-JP" altLang="en-US" sz="2400">
+                  <a:latin typeface="游ゴシック" panose="020B0400000000000000" pitchFamily="50" charset="-128"/>
+                  <a:ea typeface="游ゴシック" panose="020B0400000000000000" pitchFamily="50" charset="-128"/>
+                  <a:cs typeface="Courier New" pitchFamily="49" charset="0"/>
+                </a:endParaRPr>
+              </a:p>
+            </p:txBody>
+          </p:sp>
+        </mc:Choice>
+        <mc:Fallback>
+          <p:sp>
+            <p:nvSpPr>
+              <p:cNvPr id="10" name="テキスト ボックス 9">
+                <a:extLst>
+                  <a:ext uri="{FF2B5EF4-FFF2-40B4-BE49-F238E27FC236}">
+                    <a16:creationId xmlns:a16="http://schemas.microsoft.com/office/drawing/2014/main" id="{68EF63D4-753F-4AAC-BDF5-7C4BC3F4C30F}"/>
+                  </a:ext>
+                </a:extLst>
+              </p:cNvPr>
+              <p:cNvSpPr txBox="1">
+                <a:spLocks noRot="1" noChangeAspect="1" noMove="1" noResize="1" noEditPoints="1" noAdjustHandles="1" noChangeArrowheads="1" noChangeShapeType="1" noTextEdit="1"/>
+              </p:cNvSpPr>
+              <p:nvPr/>
+            </p:nvSpPr>
+            <p:spPr>
+              <a:xfrm>
+                <a:off x="6876256" y="2034913"/>
+                <a:ext cx="1310102" cy="461665"/>
+              </a:xfrm>
+              <a:prstGeom prst="rect">
+                <a:avLst/>
+              </a:prstGeom>
+              <a:blipFill>
+                <a:blip r:embed="rId6"/>
+                <a:stretch>
+                  <a:fillRect l="-7442" t="-10526" b="-28947"/>
+                </a:stretch>
+              </a:blipFill>
+              <a:ln w="19050" cap="rnd">
+                <a:noFill/>
+              </a:ln>
+            </p:spPr>
+            <p:txBody>
+              <a:bodyPr/>
+              <a:lstStyle/>
+              <a:p>
+                <a:r>
+                  <a:rPr lang="ja-JP" altLang="en-US">
+                    <a:noFill/>
+                  </a:rPr>
+                  <a:t> </a:t>
+                </a:r>
+              </a:p>
+            </p:txBody>
+          </p:sp>
+        </mc:Fallback>
+      </mc:AlternateContent>
+      <mc:AlternateContent xmlns:mc="http://schemas.openxmlformats.org/markup-compatibility/2006">
+        <mc:Choice xmlns:a14="http://schemas.microsoft.com/office/drawing/2010/main" Requires="a14">
+          <p:sp>
+            <p:nvSpPr>
+              <p:cNvPr id="11" name="テキスト ボックス 10">
+                <a:extLst>
+                  <a:ext uri="{FF2B5EF4-FFF2-40B4-BE49-F238E27FC236}">
+                    <a16:creationId xmlns:a16="http://schemas.microsoft.com/office/drawing/2014/main" id="{ED4DBCA3-D801-4188-B4EC-EACEDC6FC5E0}"/>
+                  </a:ext>
+                </a:extLst>
+              </p:cNvPr>
+              <p:cNvSpPr txBox="1"/>
+              <p:nvPr/>
+            </p:nvSpPr>
+            <p:spPr>
+              <a:xfrm>
+                <a:off x="6841742" y="5203178"/>
+                <a:ext cx="1310102" cy="461665"/>
+              </a:xfrm>
+              <a:prstGeom prst="rect">
+                <a:avLst/>
+              </a:prstGeom>
+              <a:noFill/>
+              <a:ln w="19050" cap="rnd">
+                <a:noFill/>
+              </a:ln>
+            </p:spPr>
+            <p:txBody>
+              <a:bodyPr wrap="none" rtlCol="0">
+                <a:spAutoFit/>
+              </a:bodyPr>
+              <a:lstStyle/>
+              <a:p>
+                <a:pPr/>
+                <a:r>
+                  <a:rPr lang="ja-JP" altLang="en-US" sz="2400">
+                    <a:latin typeface="游ゴシック" panose="020B0400000000000000" pitchFamily="50" charset="-128"/>
+                    <a:ea typeface="游ゴシック" panose="020B0400000000000000" pitchFamily="50" charset="-128"/>
+                    <a:cs typeface="Courier New" pitchFamily="49" charset="0"/>
+                  </a:rPr>
+                  <a:t>検証者</a:t>
+                </a:r>
+                <a14:m>
+                  <m:oMath xmlns:m="http://schemas.openxmlformats.org/officeDocument/2006/math">
+                    <m:r>
+                      <a:rPr lang="en-US" altLang="ja-JP" sz="2400" b="0" i="1" smtClean="0">
+                        <a:latin typeface="Cambria Math" panose="02040503050406030204" pitchFamily="18" charset="0"/>
+                        <a:ea typeface="游ゴシック" panose="020B0400000000000000" pitchFamily="50" charset="-128"/>
+                        <a:cs typeface="Courier New" pitchFamily="49" charset="0"/>
+                      </a:rPr>
+                      <m:t>𝑉</m:t>
+                    </m:r>
+                  </m:oMath>
+                </a14:m>
+                <a:endParaRPr lang="ja-JP" altLang="en-US" sz="2400">
+                  <a:latin typeface="游ゴシック" panose="020B0400000000000000" pitchFamily="50" charset="-128"/>
+                  <a:ea typeface="游ゴシック" panose="020B0400000000000000" pitchFamily="50" charset="-128"/>
+                  <a:cs typeface="Courier New" pitchFamily="49" charset="0"/>
+                </a:endParaRPr>
+              </a:p>
+            </p:txBody>
+          </p:sp>
+        </mc:Choice>
+        <mc:Fallback>
+          <p:sp>
+            <p:nvSpPr>
+              <p:cNvPr id="11" name="テキスト ボックス 10">
+                <a:extLst>
+                  <a:ext uri="{FF2B5EF4-FFF2-40B4-BE49-F238E27FC236}">
+                    <a16:creationId xmlns:a16="http://schemas.microsoft.com/office/drawing/2014/main" id="{ED4DBCA3-D801-4188-B4EC-EACEDC6FC5E0}"/>
+                  </a:ext>
+                </a:extLst>
+              </p:cNvPr>
+              <p:cNvSpPr txBox="1">
+                <a:spLocks noRot="1" noChangeAspect="1" noMove="1" noResize="1" noEditPoints="1" noAdjustHandles="1" noChangeArrowheads="1" noChangeShapeType="1" noTextEdit="1"/>
+              </p:cNvSpPr>
+              <p:nvPr/>
+            </p:nvSpPr>
+            <p:spPr>
+              <a:xfrm>
+                <a:off x="6841742" y="5203178"/>
+                <a:ext cx="1310102" cy="461665"/>
+              </a:xfrm>
+              <a:prstGeom prst="rect">
+                <a:avLst/>
+              </a:prstGeom>
+              <a:blipFill>
+                <a:blip r:embed="rId7"/>
+                <a:stretch>
+                  <a:fillRect l="-6977" t="-10667" b="-30667"/>
+                </a:stretch>
+              </a:blipFill>
+              <a:ln w="19050" cap="rnd">
+                <a:noFill/>
+              </a:ln>
+            </p:spPr>
+            <p:txBody>
+              <a:bodyPr/>
+              <a:lstStyle/>
+              <a:p>
+                <a:r>
+                  <a:rPr lang="ja-JP" altLang="en-US">
+                    <a:noFill/>
+                  </a:rPr>
+                  <a:t> </a:t>
+                </a:r>
+              </a:p>
+            </p:txBody>
+          </p:sp>
+        </mc:Fallback>
+      </mc:AlternateContent>
+    </p:spTree>
+    <p:extLst>
+      <p:ext uri="{BB962C8B-B14F-4D97-AF65-F5344CB8AC3E}">
+        <p14:creationId xmlns:p14="http://schemas.microsoft.com/office/powerpoint/2010/main" val="424816640"/>
+      </p:ext>
+    </p:extLst>
+  </p:cSld>
+  <p:clrMapOvr>
+    <a:masterClrMapping/>
+  </p:clrMapOvr>
+</p:sld>
+</file>
+
+<file path=ppt/slides/slide22.xml><?xml version="1.0" encoding="utf-8"?>
+<p:sld xmlns:a="http://schemas.openxmlformats.org/drawingml/2006/main" xmlns:r="http://schemas.openxmlformats.org/officeDocument/2006/relationships" xmlns:p="http://schemas.openxmlformats.org/presentationml/2006/main">
+  <p:cSld>
+    <p:spTree>
+      <p:nvGrpSpPr>
+        <p:cNvPr id="1" name=""/>
+        <p:cNvGrpSpPr/>
+        <p:nvPr/>
+      </p:nvGrpSpPr>
+      <p:grpSpPr>
+        <a:xfrm>
+          <a:off x="0" y="0"/>
+          <a:ext cx="0" cy="0"/>
+          <a:chOff x="0" y="0"/>
+          <a:chExt cx="0" cy="0"/>
+        </a:xfrm>
+      </p:grpSpPr>
+      <p:grpSp>
+        <p:nvGrpSpPr>
+          <p:cNvPr id="8" name="グループ化 7">
+            <a:extLst>
+              <a:ext uri="{FF2B5EF4-FFF2-40B4-BE49-F238E27FC236}">
+                <a16:creationId xmlns:a16="http://schemas.microsoft.com/office/drawing/2014/main" id="{E5C83DAF-F335-4C06-823B-82860DA341AF}"/>
+              </a:ext>
+            </a:extLst>
+          </p:cNvPr>
+          <p:cNvGrpSpPr/>
+          <p:nvPr/>
+        </p:nvGrpSpPr>
+        <p:grpSpPr>
+          <a:xfrm>
+            <a:off x="107504" y="1268760"/>
+            <a:ext cx="8838728" cy="2050511"/>
+            <a:chOff x="107504" y="2060848"/>
+            <a:chExt cx="8838728" cy="2050511"/>
+          </a:xfrm>
+        </p:grpSpPr>
+        <p:pic>
+          <p:nvPicPr>
+            <p:cNvPr id="6" name="図 5">
+              <a:extLst>
+                <a:ext uri="{FF2B5EF4-FFF2-40B4-BE49-F238E27FC236}">
+                  <a16:creationId xmlns:a16="http://schemas.microsoft.com/office/drawing/2014/main" id="{464B008F-422C-4691-981B-291EF39C5273}"/>
+                </a:ext>
+              </a:extLst>
+            </p:cNvPr>
+            <p:cNvPicPr>
+              <a:picLocks noChangeAspect="1"/>
+            </p:cNvPicPr>
+            <p:nvPr/>
+          </p:nvPicPr>
+          <p:blipFill>
+            <a:blip r:embed="rId2"/>
+            <a:stretch>
+              <a:fillRect/>
+            </a:stretch>
+          </p:blipFill>
+          <p:spPr>
+            <a:xfrm>
+              <a:off x="197768" y="2276872"/>
+              <a:ext cx="8748464" cy="1834487"/>
+            </a:xfrm>
+            <a:prstGeom prst="rect">
+              <a:avLst/>
+            </a:prstGeom>
+          </p:spPr>
+        </p:pic>
+        <p:sp>
+          <p:nvSpPr>
+            <p:cNvPr id="7" name="正方形/長方形 6">
+              <a:extLst>
+                <a:ext uri="{FF2B5EF4-FFF2-40B4-BE49-F238E27FC236}">
+                  <a16:creationId xmlns:a16="http://schemas.microsoft.com/office/drawing/2014/main" id="{46CC20A4-BF25-457B-92F7-5178D2C18F9E}"/>
+                </a:ext>
+              </a:extLst>
+            </p:cNvPr>
+            <p:cNvSpPr/>
+            <p:nvPr/>
+          </p:nvSpPr>
+          <p:spPr>
+            <a:xfrm>
+              <a:off x="107504" y="2060848"/>
+              <a:ext cx="5137712" cy="432048"/>
+            </a:xfrm>
+            <a:prstGeom prst="rect">
+              <a:avLst/>
+            </a:prstGeom>
+            <a:solidFill>
+              <a:schemeClr val="bg1"/>
+            </a:solidFill>
+            <a:ln>
+              <a:noFill/>
+            </a:ln>
+          </p:spPr>
+          <p:style>
+            <a:lnRef idx="1">
+              <a:schemeClr val="accent1"/>
+            </a:lnRef>
+            <a:fillRef idx="0">
+              <a:schemeClr val="accent1"/>
+            </a:fillRef>
+            <a:effectRef idx="0">
+              <a:schemeClr val="accent1"/>
+            </a:effectRef>
+            <a:fontRef idx="minor">
+              <a:schemeClr val="tx1"/>
+            </a:fontRef>
+          </p:style>
+          <p:txBody>
+            <a:bodyPr rtlCol="0" anchor="ctr"/>
+            <a:lstStyle/>
+            <a:p>
+              <a:pPr algn="ctr"/>
+              <a:endParaRPr kumimoji="1" lang="ja-JP" altLang="en-US" sz="2400"/>
+            </a:p>
+          </p:txBody>
+        </p:sp>
+      </p:grpSp>
+      <p:sp>
+        <p:nvSpPr>
+          <p:cNvPr id="2" name="コンテンツ プレースホルダー 1">
+            <a:extLst>
+              <a:ext uri="{FF2B5EF4-FFF2-40B4-BE49-F238E27FC236}">
+                <a16:creationId xmlns:a16="http://schemas.microsoft.com/office/drawing/2014/main" id="{18606752-68AF-42F8-B09B-C981BA620B06}"/>
+              </a:ext>
+            </a:extLst>
+          </p:cNvPr>
+          <p:cNvSpPr>
+            <a:spLocks noGrp="1"/>
+          </p:cNvSpPr>
+          <p:nvPr>
+            <p:ph idx="1"/>
+          </p:nvPr>
+        </p:nvSpPr>
+        <p:spPr/>
+        <p:txBody>
+          <a:bodyPr/>
+          <a:lstStyle/>
+          <a:p>
+            <a:r>
+              <a:rPr lang="ja-JP" altLang="en-US"/>
+              <a:t>検証者は命題が正しい</a:t>
+            </a:r>
+            <a:r>
+              <a:rPr lang="en-US" altLang="ja-JP"/>
+              <a:t>(or  </a:t>
+            </a:r>
+            <a:r>
+              <a:rPr lang="ja-JP" altLang="en-US"/>
+              <a:t>証拠</a:t>
+            </a:r>
+            <a:r>
+              <a:rPr lang="en-US" altLang="ja-JP"/>
+              <a:t>w</a:t>
+            </a:r>
+            <a:r>
+              <a:rPr lang="ja-JP" altLang="en-US"/>
+              <a:t>を持つ</a:t>
+            </a:r>
+            <a:r>
+              <a:rPr lang="en-US" altLang="ja-JP"/>
+              <a:t>)</a:t>
+            </a:r>
+            <a:r>
+              <a:rPr lang="ja-JP" altLang="en-US"/>
+              <a:t>こと以外の</a:t>
+            </a:r>
+            <a:br>
+              <a:rPr lang="en-US" altLang="ja-JP"/>
+            </a:br>
+            <a:r>
+              <a:rPr lang="ja-JP" altLang="en-US"/>
+              <a:t>情報を得られない</a:t>
+            </a:r>
+            <a:endParaRPr lang="en-US" altLang="ja-JP"/>
+          </a:p>
+          <a:p>
+            <a:endParaRPr kumimoji="1" lang="en-US" altLang="ja-JP"/>
+          </a:p>
+          <a:p>
+            <a:endParaRPr lang="en-US" altLang="ja-JP"/>
+          </a:p>
+          <a:p>
+            <a:endParaRPr kumimoji="1" lang="en-US" altLang="ja-JP"/>
+          </a:p>
+          <a:p>
+            <a:r>
+              <a:rPr kumimoji="1" lang="ja-JP" altLang="en-US"/>
+              <a:t>普通の証明との違い</a:t>
+            </a:r>
+            <a:endParaRPr kumimoji="1" lang="en-US" altLang="ja-JP"/>
+          </a:p>
+          <a:p>
+            <a:pPr lvl="1"/>
+            <a:r>
+              <a:rPr kumimoji="1" lang="ja-JP" altLang="en-US"/>
+              <a:t>証明の過程が対話的</a:t>
+            </a:r>
+            <a:endParaRPr kumimoji="1" lang="en-US" altLang="ja-JP"/>
+          </a:p>
+          <a:p>
+            <a:pPr lvl="1"/>
+            <a:r>
+              <a:rPr kumimoji="1" lang="ja-JP" altLang="en-US"/>
+              <a:t>普通の数学の証明は証明されれば</a:t>
+            </a:r>
+            <a:r>
+              <a:rPr kumimoji="1" lang="en-US" altLang="ja-JP"/>
+              <a:t>100%</a:t>
+            </a:r>
+            <a:r>
+              <a:rPr kumimoji="1" lang="ja-JP" altLang="en-US"/>
+              <a:t>正しい</a:t>
+            </a:r>
+            <a:endParaRPr kumimoji="1" lang="en-US" altLang="ja-JP"/>
+          </a:p>
+          <a:p>
+            <a:pPr lvl="1"/>
+            <a:endParaRPr kumimoji="1" lang="ja-JP" altLang="en-US"/>
+          </a:p>
+        </p:txBody>
+      </p:sp>
+      <p:sp>
+        <p:nvSpPr>
+          <p:cNvPr id="3" name="スライド番号プレースホルダー 2">
+            <a:extLst>
+              <a:ext uri="{FF2B5EF4-FFF2-40B4-BE49-F238E27FC236}">
+                <a16:creationId xmlns:a16="http://schemas.microsoft.com/office/drawing/2014/main" id="{0FEF72C4-937B-4BDE-B1C7-227DA710D58F}"/>
+              </a:ext>
+            </a:extLst>
+          </p:cNvPr>
+          <p:cNvSpPr>
+            <a:spLocks noGrp="1"/>
+          </p:cNvSpPr>
+          <p:nvPr>
+            <p:ph type="sldNum" sz="quarter" idx="12"/>
+          </p:nvPr>
+        </p:nvSpPr>
+        <p:spPr/>
+        <p:txBody>
+          <a:bodyPr/>
+          <a:lstStyle/>
+          <a:p>
+            <a:pPr>
+              <a:defRPr/>
+            </a:pPr>
+            <a:r>
+              <a:rPr lang="en-US" altLang="ja-JP"/>
+              <a:t>    </a:t>
+            </a:r>
+            <a:fld id="{B2782DEB-472A-4FE5-AC34-C17109CF5A91}" type="slidenum">
+              <a:rPr lang="en-US" altLang="ja-JP" smtClean="0"/>
+              <a:pPr>
+                <a:defRPr/>
+              </a:pPr>
+              <a:t>22</a:t>
+            </a:fld>
+            <a:r>
+              <a:rPr lang="en-US" altLang="ja-JP"/>
+              <a:t> / 24</a:t>
+            </a:r>
+          </a:p>
+        </p:txBody>
+      </p:sp>
+      <p:sp>
+        <p:nvSpPr>
+          <p:cNvPr id="4" name="タイトル 3">
+            <a:extLst>
+              <a:ext uri="{FF2B5EF4-FFF2-40B4-BE49-F238E27FC236}">
+                <a16:creationId xmlns:a16="http://schemas.microsoft.com/office/drawing/2014/main" id="{FE2A4B7E-9921-4084-83C1-933CEBE05F2F}"/>
+              </a:ext>
+            </a:extLst>
+          </p:cNvPr>
+          <p:cNvSpPr>
+            <a:spLocks noGrp="1"/>
+          </p:cNvSpPr>
+          <p:nvPr>
+            <p:ph type="title"/>
+          </p:nvPr>
+        </p:nvSpPr>
+        <p:spPr/>
+        <p:txBody>
+          <a:bodyPr/>
+          <a:lstStyle/>
+          <a:p>
+            <a:r>
+              <a:rPr kumimoji="1" lang="ja-JP" altLang="en-US"/>
+              <a:t>ゼロ知識性</a:t>
+            </a:r>
+          </a:p>
+        </p:txBody>
+      </p:sp>
+    </p:spTree>
+    <p:extLst>
+      <p:ext uri="{BB962C8B-B14F-4D97-AF65-F5344CB8AC3E}">
+        <p14:creationId xmlns:p14="http://schemas.microsoft.com/office/powerpoint/2010/main" val="2688031341"/>
+      </p:ext>
+    </p:extLst>
+  </p:cSld>
+  <p:clrMapOvr>
+    <a:masterClrMapping/>
+  </p:clrMapOvr>
+</p:sld>
+</file>
+
+<file path=ppt/slides/slide23.xml><?xml version="1.0" encoding="utf-8"?>
+<p:sld xmlns:a="http://schemas.openxmlformats.org/drawingml/2006/main" xmlns:r="http://schemas.openxmlformats.org/officeDocument/2006/relationships" xmlns:p="http://schemas.openxmlformats.org/presentationml/2006/main">
+  <p:cSld>
+    <p:spTree>
+      <p:nvGrpSpPr>
+        <p:cNvPr id="1" name=""/>
+        <p:cNvGrpSpPr/>
+        <p:nvPr/>
+      </p:nvGrpSpPr>
+      <p:grpSpPr>
+        <a:xfrm>
+          <a:off x="0" y="0"/>
+          <a:ext cx="0" cy="0"/>
+          <a:chOff x="0" y="0"/>
+          <a:chExt cx="0" cy="0"/>
+        </a:xfrm>
+      </p:grpSpPr>
+      <p:sp>
+        <p:nvSpPr>
+          <p:cNvPr id="2" name="コンテンツ プレースホルダー 1">
+            <a:extLst>
+              <a:ext uri="{FF2B5EF4-FFF2-40B4-BE49-F238E27FC236}">
+                <a16:creationId xmlns:a16="http://schemas.microsoft.com/office/drawing/2014/main" id="{F8786297-23BB-44CC-BB23-481319771216}"/>
+              </a:ext>
+            </a:extLst>
+          </p:cNvPr>
+          <p:cNvSpPr>
+            <a:spLocks noGrp="1"/>
+          </p:cNvSpPr>
+          <p:nvPr>
+            <p:ph idx="1"/>
+          </p:nvPr>
+        </p:nvSpPr>
+        <p:spPr/>
+        <p:txBody>
+          <a:bodyPr/>
+          <a:lstStyle/>
+          <a:p>
+            <a:r>
+              <a:rPr kumimoji="1" lang="ja-JP" altLang="en-US"/>
+              <a:t>ビットコインの取引履歴は全て</a:t>
+            </a:r>
+            <a:r>
+              <a:rPr kumimoji="1" lang="en-US" altLang="ja-JP"/>
+              <a:t>open</a:t>
+            </a:r>
+          </a:p>
+          <a:p>
+            <a:pPr lvl="1"/>
+            <a:r>
+              <a:rPr lang="en-US" altLang="ja-JP"/>
+              <a:t>e.g., 10</a:t>
+            </a:r>
+            <a:r>
+              <a:rPr lang="ja-JP" altLang="en-US"/>
+              <a:t>万円所有するアリスがボブに</a:t>
+            </a:r>
+            <a:r>
+              <a:rPr lang="en-US" altLang="ja-JP"/>
+              <a:t>3</a:t>
+            </a:r>
+            <a:r>
+              <a:rPr lang="ja-JP" altLang="en-US"/>
+              <a:t>万円送金して残り</a:t>
+            </a:r>
+            <a:r>
+              <a:rPr lang="en-US" altLang="ja-JP"/>
+              <a:t>7</a:t>
+            </a:r>
+            <a:r>
+              <a:rPr lang="ja-JP" altLang="en-US"/>
+              <a:t>万円</a:t>
+            </a:r>
+            <a:endParaRPr lang="en-US" altLang="ja-JP"/>
+          </a:p>
+          <a:p>
+            <a:pPr lvl="1"/>
+            <a:endParaRPr kumimoji="1" lang="ja-JP" altLang="en-US"/>
+          </a:p>
+        </p:txBody>
+      </p:sp>
+      <p:sp>
+        <p:nvSpPr>
+          <p:cNvPr id="3" name="スライド番号プレースホルダー 2">
+            <a:extLst>
+              <a:ext uri="{FF2B5EF4-FFF2-40B4-BE49-F238E27FC236}">
+                <a16:creationId xmlns:a16="http://schemas.microsoft.com/office/drawing/2014/main" id="{FF9BE1AF-A5AB-4EF7-9E44-29B2EB83E24E}"/>
+              </a:ext>
+            </a:extLst>
+          </p:cNvPr>
+          <p:cNvSpPr>
+            <a:spLocks noGrp="1"/>
+          </p:cNvSpPr>
+          <p:nvPr>
+            <p:ph type="sldNum" sz="quarter" idx="12"/>
+          </p:nvPr>
+        </p:nvSpPr>
+        <p:spPr/>
+        <p:txBody>
+          <a:bodyPr/>
+          <a:lstStyle/>
+          <a:p>
+            <a:pPr>
+              <a:defRPr/>
+            </a:pPr>
+            <a:r>
+              <a:rPr lang="en-US" altLang="ja-JP"/>
+              <a:t>    </a:t>
+            </a:r>
+            <a:fld id="{B2782DEB-472A-4FE5-AC34-C17109CF5A91}" type="slidenum">
+              <a:rPr lang="en-US" altLang="ja-JP" smtClean="0"/>
+              <a:pPr>
+                <a:defRPr/>
+              </a:pPr>
+              <a:t>23</a:t>
+            </a:fld>
+            <a:r>
+              <a:rPr lang="en-US" altLang="ja-JP"/>
+              <a:t> / 24</a:t>
+            </a:r>
+          </a:p>
+        </p:txBody>
+      </p:sp>
+      <p:sp>
+        <p:nvSpPr>
+          <p:cNvPr id="4" name="タイトル 3">
+            <a:extLst>
+              <a:ext uri="{FF2B5EF4-FFF2-40B4-BE49-F238E27FC236}">
+                <a16:creationId xmlns:a16="http://schemas.microsoft.com/office/drawing/2014/main" id="{DE6E158C-6857-4599-B64D-28F83CE26F16}"/>
+              </a:ext>
+            </a:extLst>
+          </p:cNvPr>
+          <p:cNvSpPr>
+            <a:spLocks noGrp="1"/>
+          </p:cNvSpPr>
+          <p:nvPr>
+            <p:ph type="title"/>
+          </p:nvPr>
+        </p:nvSpPr>
+        <p:spPr/>
+        <p:txBody>
+          <a:bodyPr/>
+          <a:lstStyle/>
+          <a:p>
+            <a:r>
+              <a:rPr kumimoji="1" lang="ja-JP" altLang="en-US"/>
+              <a:t>暗号資産への応用</a:t>
+            </a:r>
+          </a:p>
+        </p:txBody>
+      </p:sp>
+    </p:spTree>
+    <p:extLst>
+      <p:ext uri="{BB962C8B-B14F-4D97-AF65-F5344CB8AC3E}">
+        <p14:creationId xmlns:p14="http://schemas.microsoft.com/office/powerpoint/2010/main" val="2025441325"/>
       </p:ext>
     </p:extLst>
   </p:cSld>

--- a/lec/anninbon11.pptx
+++ b/lec/anninbon11.pptx
@@ -5,10 +5,10 @@
     <p:sldMasterId id="2147483706" r:id="rId1"/>
   </p:sldMasterIdLst>
   <p:notesMasterIdLst>
-    <p:notesMasterId r:id="rId25"/>
+    <p:notesMasterId r:id="rId28"/>
   </p:notesMasterIdLst>
   <p:handoutMasterIdLst>
-    <p:handoutMasterId r:id="rId26"/>
+    <p:handoutMasterId r:id="rId29"/>
   </p:handoutMasterIdLst>
   <p:sldIdLst>
     <p:sldId id="552" r:id="rId2"/>
@@ -34,6 +34,9 @@
     <p:sldId id="670" r:id="rId22"/>
     <p:sldId id="671" r:id="rId23"/>
     <p:sldId id="672" r:id="rId24"/>
+    <p:sldId id="673" r:id="rId25"/>
+    <p:sldId id="674" r:id="rId26"/>
+    <p:sldId id="675" r:id="rId27"/>
   </p:sldIdLst>
   <p:sldSz cx="9144000" cy="6858000" type="screen4x3"/>
   <p:notesSz cx="7099300" cy="10234613"/>
@@ -190,6 +193,9 @@
             <p14:sldId id="670"/>
             <p14:sldId id="671"/>
             <p14:sldId id="672"/>
+            <p14:sldId id="673"/>
+            <p14:sldId id="674"/>
+            <p14:sldId id="675"/>
           </p14:sldIdLst>
         </p14:section>
       </p14:sectionLst>
@@ -9018,8 +9024,8 @@
           <a:chExt cx="0" cy="0"/>
         </a:xfrm>
       </p:grpSpPr>
-      <mc:AlternateContent xmlns:mc="http://schemas.openxmlformats.org/markup-compatibility/2006">
-        <mc:Choice xmlns:a14="http://schemas.microsoft.com/office/drawing/2010/main" Requires="a14">
+      <mc:AlternateContent xmlns:mc="http://schemas.openxmlformats.org/markup-compatibility/2006" xmlns:a14="http://schemas.microsoft.com/office/drawing/2010/main">
+        <mc:Choice Requires="a14">
           <p:sp>
             <p:nvSpPr>
               <p:cNvPr id="2" name="コンテンツ プレースホルダー 1">
@@ -9253,7 +9259,7 @@
             </p:txBody>
           </p:sp>
         </mc:Choice>
-        <mc:Fallback>
+        <mc:Fallback xmlns="">
           <p:sp>
             <p:nvSpPr>
               <p:cNvPr id="2" name="コンテンツ プレースホルダー 1">
@@ -10167,8 +10173,8 @@
           <a:chExt cx="0" cy="0"/>
         </a:xfrm>
       </p:grpSpPr>
-      <mc:AlternateContent xmlns:mc="http://schemas.openxmlformats.org/markup-compatibility/2006">
-        <mc:Choice xmlns:a14="http://schemas.microsoft.com/office/drawing/2010/main" Requires="a14">
+      <mc:AlternateContent xmlns:mc="http://schemas.openxmlformats.org/markup-compatibility/2006" xmlns:a14="http://schemas.microsoft.com/office/drawing/2010/main">
+        <mc:Choice Requires="a14">
           <p:sp>
             <p:nvSpPr>
               <p:cNvPr id="2" name="コンテンツ プレースホルダー 1">
@@ -10435,7 +10441,7 @@
             </p:txBody>
           </p:sp>
         </mc:Choice>
-        <mc:Fallback>
+        <mc:Fallback xmlns="">
           <p:sp>
             <p:nvSpPr>
               <p:cNvPr id="2" name="コンテンツ プレースホルダー 1">
@@ -10576,8 +10582,8 @@
           <a:chExt cx="0" cy="0"/>
         </a:xfrm>
       </p:grpSpPr>
-      <mc:AlternateContent xmlns:mc="http://schemas.openxmlformats.org/markup-compatibility/2006">
-        <mc:Choice xmlns:a14="http://schemas.microsoft.com/office/drawing/2010/main" Requires="a14">
+      <mc:AlternateContent xmlns:mc="http://schemas.openxmlformats.org/markup-compatibility/2006" xmlns:a14="http://schemas.microsoft.com/office/drawing/2010/main">
+        <mc:Choice Requires="a14">
           <p:sp>
             <p:nvSpPr>
               <p:cNvPr id="2" name="コンテンツ プレースホルダー 1">
@@ -10752,7 +10758,7 @@
             </p:txBody>
           </p:sp>
         </mc:Choice>
-        <mc:Fallback>
+        <mc:Fallback xmlns="">
           <p:sp>
             <p:nvSpPr>
               <p:cNvPr id="2" name="コンテンツ プレースホルダー 1">
@@ -10926,8 +10932,8 @@
           </a:prstGeom>
         </p:spPr>
       </p:pic>
-      <mc:AlternateContent xmlns:mc="http://schemas.openxmlformats.org/markup-compatibility/2006">
-        <mc:Choice xmlns:a14="http://schemas.microsoft.com/office/drawing/2010/main" Requires="a14">
+      <mc:AlternateContent xmlns:mc="http://schemas.openxmlformats.org/markup-compatibility/2006" xmlns:a14="http://schemas.microsoft.com/office/drawing/2010/main">
+        <mc:Choice Requires="a14">
           <p:sp>
             <p:nvSpPr>
               <p:cNvPr id="9" name="テキスト ボックス 8">
@@ -10959,7 +10965,6 @@
               </a:bodyPr>
               <a:lstStyle/>
               <a:p>
-                <a:pPr/>
                 <a:r>
                   <a:rPr lang="ja-JP" altLang="en-US" sz="2400">
                     <a:latin typeface="游ゴシック" panose="020B0400000000000000" pitchFamily="50" charset="-128"/>
@@ -10989,7 +10994,7 @@
             </p:txBody>
           </p:sp>
         </mc:Choice>
-        <mc:Fallback>
+        <mc:Fallback xmlns="">
           <p:sp>
             <p:nvSpPr>
               <p:cNvPr id="9" name="テキスト ボックス 8">
@@ -11037,8 +11042,8 @@
           </p:sp>
         </mc:Fallback>
       </mc:AlternateContent>
-      <mc:AlternateContent xmlns:mc="http://schemas.openxmlformats.org/markup-compatibility/2006">
-        <mc:Choice xmlns:a14="http://schemas.microsoft.com/office/drawing/2010/main" Requires="a14">
+      <mc:AlternateContent xmlns:mc="http://schemas.openxmlformats.org/markup-compatibility/2006" xmlns:a14="http://schemas.microsoft.com/office/drawing/2010/main">
+        <mc:Choice Requires="a14">
           <p:sp>
             <p:nvSpPr>
               <p:cNvPr id="10" name="テキスト ボックス 9">
@@ -11070,7 +11075,6 @@
               </a:bodyPr>
               <a:lstStyle/>
               <a:p>
-                <a:pPr/>
                 <a:r>
                   <a:rPr lang="ja-JP" altLang="en-US" sz="2400">
                     <a:latin typeface="游ゴシック" panose="020B0400000000000000" pitchFamily="50" charset="-128"/>
@@ -11100,7 +11104,7 @@
             </p:txBody>
           </p:sp>
         </mc:Choice>
-        <mc:Fallback>
+        <mc:Fallback xmlns="">
           <p:sp>
             <p:nvSpPr>
               <p:cNvPr id="10" name="テキスト ボックス 9">
@@ -11148,8 +11152,8 @@
           </p:sp>
         </mc:Fallback>
       </mc:AlternateContent>
-      <mc:AlternateContent xmlns:mc="http://schemas.openxmlformats.org/markup-compatibility/2006">
-        <mc:Choice xmlns:a14="http://schemas.microsoft.com/office/drawing/2010/main" Requires="a14">
+      <mc:AlternateContent xmlns:mc="http://schemas.openxmlformats.org/markup-compatibility/2006" xmlns:a14="http://schemas.microsoft.com/office/drawing/2010/main">
+        <mc:Choice Requires="a14">
           <p:sp>
             <p:nvSpPr>
               <p:cNvPr id="11" name="テキスト ボックス 10">
@@ -11181,7 +11185,6 @@
               </a:bodyPr>
               <a:lstStyle/>
               <a:p>
-                <a:pPr/>
                 <a:r>
                   <a:rPr lang="ja-JP" altLang="en-US" sz="2400">
                     <a:latin typeface="游ゴシック" panose="020B0400000000000000" pitchFamily="50" charset="-128"/>
@@ -11211,7 +11214,7 @@
             </p:txBody>
           </p:sp>
         </mc:Choice>
-        <mc:Fallback>
+        <mc:Fallback xmlns="">
           <p:sp>
             <p:nvSpPr>
               <p:cNvPr id="11" name="テキスト ボックス 10">
@@ -11594,70 +11597,306 @@
           <a:chExt cx="0" cy="0"/>
         </a:xfrm>
       </p:grpSpPr>
-      <p:sp>
-        <p:nvSpPr>
-          <p:cNvPr id="2" name="コンテンツ プレースホルダー 1">
-            <a:extLst>
-              <a:ext uri="{FF2B5EF4-FFF2-40B4-BE49-F238E27FC236}">
-                <a16:creationId xmlns:a16="http://schemas.microsoft.com/office/drawing/2014/main" id="{F8786297-23BB-44CC-BB23-481319771216}"/>
-              </a:ext>
-            </a:extLst>
-          </p:cNvPr>
-          <p:cNvSpPr>
-            <a:spLocks noGrp="1"/>
-          </p:cNvSpPr>
-          <p:nvPr>
-            <p:ph idx="1"/>
-          </p:nvPr>
-        </p:nvSpPr>
-        <p:spPr/>
-        <p:txBody>
-          <a:bodyPr/>
-          <a:lstStyle/>
-          <a:p>
-            <a:r>
-              <a:rPr kumimoji="1" lang="ja-JP" altLang="en-US"/>
-              <a:t>ビットコインの取引履歴は全て</a:t>
-            </a:r>
-            <a:r>
-              <a:rPr kumimoji="1" lang="en-US" altLang="ja-JP"/>
-              <a:t>open</a:t>
-            </a:r>
-          </a:p>
-          <a:p>
-            <a:pPr lvl="1"/>
-            <a:r>
-              <a:rPr lang="en-US" altLang="ja-JP"/>
-              <a:t>e.g., 10</a:t>
-            </a:r>
-            <a:r>
-              <a:rPr lang="ja-JP" altLang="en-US"/>
-              <a:t>万円所有するアリスがボブに</a:t>
-            </a:r>
-            <a:r>
-              <a:rPr lang="en-US" altLang="ja-JP"/>
-              <a:t>3</a:t>
-            </a:r>
-            <a:r>
-              <a:rPr lang="ja-JP" altLang="en-US"/>
-              <a:t>万円送金して残り</a:t>
-            </a:r>
-            <a:r>
-              <a:rPr lang="en-US" altLang="ja-JP"/>
-              <a:t>7</a:t>
-            </a:r>
-            <a:r>
-              <a:rPr lang="ja-JP" altLang="en-US"/>
-              <a:t>万円</a:t>
-            </a:r>
-            <a:endParaRPr lang="en-US" altLang="ja-JP"/>
-          </a:p>
-          <a:p>
-            <a:pPr lvl="1"/>
-            <a:endParaRPr kumimoji="1" lang="ja-JP" altLang="en-US"/>
-          </a:p>
-        </p:txBody>
-      </p:sp>
+      <mc:AlternateContent xmlns:mc="http://schemas.openxmlformats.org/markup-compatibility/2006">
+        <mc:Choice xmlns:a14="http://schemas.microsoft.com/office/drawing/2010/main" Requires="a14">
+          <p:sp>
+            <p:nvSpPr>
+              <p:cNvPr id="2" name="コンテンツ プレースホルダー 1">
+                <a:extLst>
+                  <a:ext uri="{FF2B5EF4-FFF2-40B4-BE49-F238E27FC236}">
+                    <a16:creationId xmlns:a16="http://schemas.microsoft.com/office/drawing/2014/main" id="{F8786297-23BB-44CC-BB23-481319771216}"/>
+                  </a:ext>
+                </a:extLst>
+              </p:cNvPr>
+              <p:cNvSpPr>
+                <a:spLocks noGrp="1"/>
+              </p:cNvSpPr>
+              <p:nvPr>
+                <p:ph idx="1"/>
+              </p:nvPr>
+            </p:nvSpPr>
+            <p:spPr/>
+            <p:txBody>
+              <a:bodyPr/>
+              <a:lstStyle/>
+              <a:p>
+                <a:r>
+                  <a:rPr kumimoji="1" lang="ja-JP" altLang="en-US"/>
+                  <a:t>ビットコインの取引履歴は全て</a:t>
+                </a:r>
+                <a:r>
+                  <a:rPr kumimoji="1" lang="en-US" altLang="ja-JP"/>
+                  <a:t>open</a:t>
+                </a:r>
+              </a:p>
+              <a:p>
+                <a:pPr lvl="1"/>
+                <a:r>
+                  <a:rPr lang="en-US" altLang="ja-JP"/>
+                  <a:t>e.g., 10</a:t>
+                </a:r>
+                <a:r>
+                  <a:rPr lang="ja-JP" altLang="en-US"/>
+                  <a:t>万円所有するアリスがボブに</a:t>
+                </a:r>
+                <a:r>
+                  <a:rPr lang="en-US" altLang="ja-JP"/>
+                  <a:t>3</a:t>
+                </a:r>
+                <a:r>
+                  <a:rPr lang="ja-JP" altLang="en-US"/>
+                  <a:t>万円送金して残り</a:t>
+                </a:r>
+                <a:r>
+                  <a:rPr lang="en-US" altLang="ja-JP"/>
+                  <a:t>7</a:t>
+                </a:r>
+                <a:r>
+                  <a:rPr lang="ja-JP" altLang="en-US"/>
+                  <a:t>万円</a:t>
+                </a:r>
+                <a:endParaRPr lang="en-US" altLang="ja-JP"/>
+              </a:p>
+              <a:p>
+                <a:pPr lvl="1"/>
+                <a:endParaRPr lang="en-US" altLang="ja-JP"/>
+              </a:p>
+              <a:p>
+                <a:pPr lvl="1"/>
+                <a:endParaRPr lang="en-US" altLang="ja-JP"/>
+              </a:p>
+              <a:p>
+                <a:pPr lvl="1"/>
+                <a:endParaRPr lang="en-US" altLang="ja-JP"/>
+              </a:p>
+              <a:p>
+                <a:pPr lvl="1"/>
+                <a:endParaRPr lang="en-US" altLang="ja-JP"/>
+              </a:p>
+              <a:p>
+                <a:pPr lvl="1"/>
+                <a:endParaRPr lang="en-US" altLang="ja-JP"/>
+              </a:p>
+              <a:p>
+                <a:pPr lvl="1"/>
+                <a:endParaRPr lang="en-US" altLang="ja-JP"/>
+              </a:p>
+              <a:p>
+                <a:pPr lvl="1"/>
+                <a:endParaRPr lang="en-US" altLang="ja-JP"/>
+              </a:p>
+              <a:p>
+                <a:pPr lvl="1"/>
+                <a:r>
+                  <a:rPr lang="ja-JP" altLang="en-US"/>
+                  <a:t>「</a:t>
+                </a:r>
+                <a:r>
+                  <a:rPr lang="en-US" altLang="ja-JP"/>
+                  <a:t>A=B+C</a:t>
+                </a:r>
+                <a:r>
+                  <a:rPr lang="ja-JP" altLang="en-US"/>
+                  <a:t>」であることは分かる</a:t>
+                </a:r>
+                <a:endParaRPr lang="en-US" altLang="ja-JP"/>
+              </a:p>
+              <a:p>
+                <a:pPr lvl="1"/>
+                <a:r>
+                  <a:rPr lang="ja-JP" altLang="en-US"/>
+                  <a:t>ただしこれだけでは不十分</a:t>
+                </a:r>
+                <a:r>
+                  <a:rPr lang="en-US" altLang="ja-JP"/>
+                  <a:t>(100=110+(-10)</a:t>
+                </a:r>
+                <a:r>
+                  <a:rPr lang="ja-JP" altLang="en-US"/>
+                  <a:t>だと困る</a:t>
+                </a:r>
+                <a:r>
+                  <a:rPr lang="en-US" altLang="ja-JP"/>
+                  <a:t>)</a:t>
+                </a:r>
+              </a:p>
+              <a:p>
+                <a:pPr lvl="1"/>
+                <a:r>
+                  <a:rPr lang="ja-JP" altLang="en-US"/>
+                  <a:t>「</a:t>
+                </a:r>
+                <a14:m>
+                  <m:oMath xmlns:m="http://schemas.openxmlformats.org/officeDocument/2006/math">
+                    <m:r>
+                      <a:rPr lang="en-US" altLang="ja-JP" b="0" i="1" smtClean="0">
+                        <a:latin typeface="Cambria Math" panose="02040503050406030204" pitchFamily="18" charset="0"/>
+                      </a:rPr>
+                      <m:t>0≤</m:t>
+                    </m:r>
+                    <m:r>
+                      <a:rPr lang="en-US" altLang="ja-JP" b="0" i="1" smtClean="0">
+                        <a:latin typeface="Cambria Math" panose="02040503050406030204" pitchFamily="18" charset="0"/>
+                      </a:rPr>
+                      <m:t>𝐴</m:t>
+                    </m:r>
+                    <m:r>
+                      <a:rPr lang="en-US" altLang="ja-JP" b="0" i="1" smtClean="0">
+                        <a:latin typeface="Cambria Math" panose="02040503050406030204" pitchFamily="18" charset="0"/>
+                      </a:rPr>
+                      <m:t>≤</m:t>
+                    </m:r>
+                    <m:r>
+                      <a:rPr lang="en-US" altLang="ja-JP" b="0" i="1" smtClean="0">
+                        <a:latin typeface="Cambria Math" panose="02040503050406030204" pitchFamily="18" charset="0"/>
+                      </a:rPr>
+                      <m:t>𝑀</m:t>
+                    </m:r>
+                    <m:r>
+                      <a:rPr lang="en-US" altLang="ja-JP" b="0" i="1" smtClean="0">
+                        <a:latin typeface="Cambria Math" panose="02040503050406030204" pitchFamily="18" charset="0"/>
+                      </a:rPr>
+                      <m:t>, 0≤</m:t>
+                    </m:r>
+                    <m:r>
+                      <a:rPr lang="en-US" altLang="ja-JP" b="0" i="1" smtClean="0">
+                        <a:latin typeface="Cambria Math" panose="02040503050406030204" pitchFamily="18" charset="0"/>
+                      </a:rPr>
+                      <m:t>𝐵</m:t>
+                    </m:r>
+                    <m:r>
+                      <a:rPr lang="en-US" altLang="ja-JP" b="0" i="1" smtClean="0">
+                        <a:latin typeface="Cambria Math" panose="02040503050406030204" pitchFamily="18" charset="0"/>
+                      </a:rPr>
+                      <m:t>≤</m:t>
+                    </m:r>
+                    <m:r>
+                      <a:rPr lang="en-US" altLang="ja-JP" b="0" i="1" smtClean="0">
+                        <a:latin typeface="Cambria Math" panose="02040503050406030204" pitchFamily="18" charset="0"/>
+                      </a:rPr>
+                      <m:t>𝑀</m:t>
+                    </m:r>
+                    <m:r>
+                      <a:rPr lang="en-US" altLang="ja-JP" b="0" i="1" smtClean="0">
+                        <a:latin typeface="Cambria Math" panose="02040503050406030204" pitchFamily="18" charset="0"/>
+                      </a:rPr>
+                      <m:t>, 0≤</m:t>
+                    </m:r>
+                    <m:r>
+                      <a:rPr lang="en-US" altLang="ja-JP" b="0" i="1" smtClean="0">
+                        <a:latin typeface="Cambria Math" panose="02040503050406030204" pitchFamily="18" charset="0"/>
+                      </a:rPr>
+                      <m:t>𝐶</m:t>
+                    </m:r>
+                    <m:r>
+                      <a:rPr lang="en-US" altLang="ja-JP" b="0" i="1" smtClean="0">
+                        <a:latin typeface="Cambria Math" panose="02040503050406030204" pitchFamily="18" charset="0"/>
+                      </a:rPr>
+                      <m:t>≤</m:t>
+                    </m:r>
+                    <m:r>
+                      <a:rPr lang="en-US" altLang="ja-JP" b="0" i="1" smtClean="0">
+                        <a:latin typeface="Cambria Math" panose="02040503050406030204" pitchFamily="18" charset="0"/>
+                      </a:rPr>
+                      <m:t>𝑀</m:t>
+                    </m:r>
+                  </m:oMath>
+                </a14:m>
+                <a:r>
+                  <a:rPr lang="ja-JP" altLang="en-US"/>
+                  <a:t>」</a:t>
+                </a:r>
+                <a:r>
+                  <a:rPr lang="en-US" altLang="ja-JP"/>
+                  <a:t>(</a:t>
+                </a:r>
+                <a14:m>
+                  <m:oMath xmlns:m="http://schemas.openxmlformats.org/officeDocument/2006/math">
+                    <m:r>
+                      <a:rPr lang="en-US" altLang="ja-JP" b="0" i="1" smtClean="0">
+                        <a:latin typeface="Cambria Math" panose="02040503050406030204" pitchFamily="18" charset="0"/>
+                      </a:rPr>
+                      <m:t>𝑀</m:t>
+                    </m:r>
+                  </m:oMath>
+                </a14:m>
+                <a:r>
+                  <a:rPr lang="ja-JP" altLang="en-US"/>
+                  <a:t>は大きな定数</a:t>
+                </a:r>
+                <a:r>
+                  <a:rPr lang="en-US" altLang="ja-JP"/>
+                  <a:t>)</a:t>
+                </a:r>
+                <a:r>
+                  <a:rPr lang="ja-JP" altLang="en-US"/>
+                  <a:t>を確認</a:t>
+                </a:r>
+                <a:endParaRPr lang="en-US" altLang="ja-JP"/>
+              </a:p>
+              <a:p>
+                <a:pPr lvl="1"/>
+                <a:r>
+                  <a:rPr lang="ja-JP" altLang="en-US"/>
+                  <a:t>「ビットコインアドレス」も隠す→</a:t>
+                </a:r>
+                <a:r>
+                  <a:rPr lang="en-US" altLang="ja-JP"/>
+                  <a:t>Zcash</a:t>
+                </a:r>
+                <a:r>
+                  <a:rPr lang="ja-JP" altLang="en-US"/>
+                  <a:t>など</a:t>
+                </a:r>
+                <a:endParaRPr lang="en-US" altLang="ja-JP"/>
+              </a:p>
+              <a:p>
+                <a:pPr lvl="1"/>
+                <a:endParaRPr kumimoji="1" lang="ja-JP" altLang="en-US"/>
+              </a:p>
+            </p:txBody>
+          </p:sp>
+        </mc:Choice>
+        <mc:Fallback>
+          <p:sp>
+            <p:nvSpPr>
+              <p:cNvPr id="2" name="コンテンツ プレースホルダー 1">
+                <a:extLst>
+                  <a:ext uri="{FF2B5EF4-FFF2-40B4-BE49-F238E27FC236}">
+                    <a16:creationId xmlns:a16="http://schemas.microsoft.com/office/drawing/2014/main" id="{F8786297-23BB-44CC-BB23-481319771216}"/>
+                  </a:ext>
+                </a:extLst>
+              </p:cNvPr>
+              <p:cNvSpPr>
+                <a:spLocks noGrp="1" noRot="1" noChangeAspect="1" noMove="1" noResize="1" noEditPoints="1" noAdjustHandles="1" noChangeArrowheads="1" noChangeShapeType="1" noTextEdit="1"/>
+              </p:cNvSpPr>
+              <p:nvPr>
+                <p:ph idx="1"/>
+              </p:nvPr>
+            </p:nvSpPr>
+            <p:spPr>
+              <a:blipFill>
+                <a:blip r:embed="rId2"/>
+                <a:stretch>
+                  <a:fillRect l="-1200" t="-1454" b="-2285"/>
+                </a:stretch>
+              </a:blipFill>
+            </p:spPr>
+            <p:txBody>
+              <a:bodyPr/>
+              <a:lstStyle/>
+              <a:p>
+                <a:r>
+                  <a:rPr lang="ja-JP" altLang="en-US">
+                    <a:noFill/>
+                  </a:rPr>
+                  <a:t> </a:t>
+                </a:r>
+              </a:p>
+            </p:txBody>
+          </p:sp>
+        </mc:Fallback>
+      </mc:AlternateContent>
       <p:sp>
         <p:nvSpPr>
           <p:cNvPr id="3" name="スライド番号プレースホルダー 2">
@@ -11728,10 +11967,1119 @@
           </a:p>
         </p:txBody>
       </p:sp>
+      <p:pic>
+        <p:nvPicPr>
+          <p:cNvPr id="6" name="図 5">
+            <a:extLst>
+              <a:ext uri="{FF2B5EF4-FFF2-40B4-BE49-F238E27FC236}">
+                <a16:creationId xmlns:a16="http://schemas.microsoft.com/office/drawing/2014/main" id="{1445DEAC-7607-427D-BA55-E04FE715F7B0}"/>
+              </a:ext>
+            </a:extLst>
+          </p:cNvPr>
+          <p:cNvPicPr>
+            <a:picLocks noChangeAspect="1"/>
+          </p:cNvPicPr>
+          <p:nvPr/>
+        </p:nvPicPr>
+        <p:blipFill>
+          <a:blip r:embed="rId3">
+            <a:extLst>
+              <a:ext uri="{28A0092B-C50C-407E-A947-70E740481C1C}">
+                <a14:useLocalDpi xmlns:a14="http://schemas.microsoft.com/office/drawing/2010/main" val="0"/>
+              </a:ext>
+            </a:extLst>
+          </a:blip>
+          <a:stretch>
+            <a:fillRect/>
+          </a:stretch>
+        </p:blipFill>
+        <p:spPr>
+          <a:xfrm>
+            <a:off x="755576" y="1628800"/>
+            <a:ext cx="7183654" cy="3017136"/>
+          </a:xfrm>
+          <a:prstGeom prst="rect">
+            <a:avLst/>
+          </a:prstGeom>
+        </p:spPr>
+      </p:pic>
     </p:spTree>
     <p:extLst>
       <p:ext uri="{BB962C8B-B14F-4D97-AF65-F5344CB8AC3E}">
         <p14:creationId xmlns:p14="http://schemas.microsoft.com/office/powerpoint/2010/main" val="2025441325"/>
+      </p:ext>
+    </p:extLst>
+  </p:cSld>
+  <p:clrMapOvr>
+    <a:masterClrMapping/>
+  </p:clrMapOvr>
+</p:sld>
+</file>
+
+<file path=ppt/slides/slide24.xml><?xml version="1.0" encoding="utf-8"?>
+<p:sld xmlns:a="http://schemas.openxmlformats.org/drawingml/2006/main" xmlns:r="http://schemas.openxmlformats.org/officeDocument/2006/relationships" xmlns:p="http://schemas.openxmlformats.org/presentationml/2006/main">
+  <p:cSld>
+    <p:spTree>
+      <p:nvGrpSpPr>
+        <p:cNvPr id="1" name=""/>
+        <p:cNvGrpSpPr/>
+        <p:nvPr/>
+      </p:nvGrpSpPr>
+      <p:grpSpPr>
+        <a:xfrm>
+          <a:off x="0" y="0"/>
+          <a:ext cx="0" cy="0"/>
+          <a:chOff x="0" y="0"/>
+          <a:chExt cx="0" cy="0"/>
+        </a:xfrm>
+      </p:grpSpPr>
+      <p:sp>
+        <p:nvSpPr>
+          <p:cNvPr id="2" name="コンテンツ プレースホルダー 1">
+            <a:extLst>
+              <a:ext uri="{FF2B5EF4-FFF2-40B4-BE49-F238E27FC236}">
+                <a16:creationId xmlns:a16="http://schemas.microsoft.com/office/drawing/2014/main" id="{F8C54DDE-7E81-42C6-A0E8-DEDE4E67E6F0}"/>
+              </a:ext>
+            </a:extLst>
+          </p:cNvPr>
+          <p:cNvSpPr>
+            <a:spLocks noGrp="1"/>
+          </p:cNvSpPr>
+          <p:nvPr>
+            <p:ph idx="1"/>
+          </p:nvPr>
+        </p:nvSpPr>
+        <p:spPr/>
+        <p:txBody>
+          <a:bodyPr/>
+          <a:lstStyle/>
+          <a:p>
+            <a:r>
+              <a:rPr kumimoji="1" lang="ja-JP" altLang="en-US"/>
+              <a:t>対話証明と非対話証明</a:t>
+            </a:r>
+            <a:endParaRPr kumimoji="1" lang="en-US" altLang="ja-JP"/>
+          </a:p>
+          <a:p>
+            <a:pPr lvl="1"/>
+            <a:r>
+              <a:rPr kumimoji="1" lang="ja-JP" altLang="en-US"/>
+              <a:t>検証者</a:t>
+            </a:r>
+            <a:r>
+              <a:rPr kumimoji="1" lang="en-US" altLang="ja-JP"/>
+              <a:t>V</a:t>
+            </a:r>
+            <a:r>
+              <a:rPr kumimoji="1" lang="ja-JP" altLang="en-US"/>
+              <a:t>が乱数を送って証明者</a:t>
+            </a:r>
+            <a:r>
+              <a:rPr kumimoji="1" lang="en-US" altLang="ja-JP"/>
+              <a:t>P</a:t>
+            </a:r>
+            <a:r>
+              <a:rPr kumimoji="1" lang="ja-JP" altLang="en-US"/>
+              <a:t>に</a:t>
+            </a:r>
+            <a:br>
+              <a:rPr kumimoji="1" lang="en-US" altLang="ja-JP"/>
+            </a:br>
+            <a:r>
+              <a:rPr kumimoji="1" lang="ja-JP" altLang="en-US"/>
+              <a:t>答えてもらう→答えを確認</a:t>
+            </a:r>
+            <a:endParaRPr kumimoji="1" lang="en-US" altLang="ja-JP"/>
+          </a:p>
+          <a:p>
+            <a:pPr lvl="2"/>
+            <a:r>
+              <a:rPr lang="ja-JP" altLang="en-US"/>
+              <a:t>嘘でも</a:t>
+            </a:r>
+            <a:r>
+              <a:rPr lang="en-US" altLang="ja-JP"/>
+              <a:t>1</a:t>
+            </a:r>
+            <a:r>
+              <a:rPr lang="ja-JP" altLang="en-US"/>
+              <a:t>回でパスする確率</a:t>
+            </a:r>
+            <a:r>
+              <a:rPr lang="en-US" altLang="ja-JP"/>
+              <a:t>x%</a:t>
+            </a:r>
+          </a:p>
+          <a:p>
+            <a:pPr lvl="2"/>
+            <a:r>
+              <a:rPr kumimoji="1" lang="ja-JP" altLang="en-US"/>
+              <a:t>繰り返して嘘でもパスする確率を</a:t>
+            </a:r>
+            <a:br>
+              <a:rPr kumimoji="1" lang="en-US" altLang="ja-JP"/>
+            </a:br>
+            <a:r>
+              <a:rPr kumimoji="1" lang="ja-JP" altLang="en-US"/>
+              <a:t>減らしていく</a:t>
+            </a:r>
+            <a:endParaRPr kumimoji="1" lang="en-US" altLang="ja-JP"/>
+          </a:p>
+          <a:p>
+            <a:r>
+              <a:rPr kumimoji="1" lang="ja-JP" altLang="en-US"/>
+              <a:t>非対話</a:t>
+            </a:r>
+            <a:endParaRPr kumimoji="1" lang="en-US" altLang="ja-JP"/>
+          </a:p>
+          <a:p>
+            <a:pPr lvl="1"/>
+            <a:r>
+              <a:rPr kumimoji="1" lang="ja-JP" altLang="en-US"/>
+              <a:t>「証明」を送るだけ</a:t>
+            </a:r>
+            <a:endParaRPr kumimoji="1" lang="en-US" altLang="ja-JP"/>
+          </a:p>
+          <a:p>
+            <a:pPr lvl="1"/>
+            <a:r>
+              <a:rPr kumimoji="1" lang="ja-JP" altLang="en-US"/>
+              <a:t>対話証明より効率がよい</a:t>
+            </a:r>
+            <a:endParaRPr kumimoji="1" lang="en-US" altLang="ja-JP"/>
+          </a:p>
+          <a:p>
+            <a:r>
+              <a:rPr kumimoji="1" lang="ja-JP" altLang="en-US"/>
+              <a:t>対話証明の非対話化</a:t>
+            </a:r>
+            <a:endParaRPr kumimoji="1" lang="en-US" altLang="ja-JP"/>
+          </a:p>
+          <a:p>
+            <a:pPr lvl="1"/>
+            <a:r>
+              <a:rPr kumimoji="1" lang="ja-JP" altLang="en-US"/>
+              <a:t>まず対話証明でプロトコルを作成</a:t>
+            </a:r>
+            <a:endParaRPr kumimoji="1" lang="en-US" altLang="ja-JP"/>
+          </a:p>
+          <a:p>
+            <a:pPr lvl="1"/>
+            <a:r>
+              <a:rPr kumimoji="1" lang="ja-JP" altLang="en-US"/>
+              <a:t>ハッシュ関数と組み合わせて非対話化</a:t>
+            </a:r>
+            <a:r>
+              <a:rPr kumimoji="1" lang="en-US" altLang="ja-JP"/>
+              <a:t>(Fiat-Shamir</a:t>
+            </a:r>
+            <a:r>
+              <a:rPr kumimoji="1" lang="ja-JP" altLang="en-US"/>
+              <a:t>変換</a:t>
+            </a:r>
+            <a:r>
+              <a:rPr kumimoji="1" lang="en-US" altLang="ja-JP"/>
+              <a:t>)</a:t>
+            </a:r>
+          </a:p>
+          <a:p>
+            <a:pPr lvl="1"/>
+            <a:r>
+              <a:rPr kumimoji="1" lang="ja-JP" altLang="en-US"/>
+              <a:t>「離散対数の答えを知っている」</a:t>
+            </a:r>
+            <a:r>
+              <a:rPr lang="en-US" altLang="ja-JP"/>
+              <a:t>+FS</a:t>
+            </a:r>
+            <a:r>
+              <a:rPr lang="ja-JP" altLang="en-US"/>
+              <a:t>→</a:t>
+            </a:r>
+            <a:r>
+              <a:rPr lang="en-US" altLang="ja-JP"/>
+              <a:t>Schnorr</a:t>
+            </a:r>
+            <a:r>
+              <a:rPr lang="ja-JP" altLang="en-US"/>
+              <a:t>署名</a:t>
+            </a:r>
+            <a:endParaRPr kumimoji="1" lang="en-US" altLang="ja-JP"/>
+          </a:p>
+        </p:txBody>
+      </p:sp>
+      <p:sp>
+        <p:nvSpPr>
+          <p:cNvPr id="3" name="スライド番号プレースホルダー 2">
+            <a:extLst>
+              <a:ext uri="{FF2B5EF4-FFF2-40B4-BE49-F238E27FC236}">
+                <a16:creationId xmlns:a16="http://schemas.microsoft.com/office/drawing/2014/main" id="{7500F238-DD1E-4C5C-9EB4-83097B25F8A6}"/>
+              </a:ext>
+            </a:extLst>
+          </p:cNvPr>
+          <p:cNvSpPr>
+            <a:spLocks noGrp="1"/>
+          </p:cNvSpPr>
+          <p:nvPr>
+            <p:ph type="sldNum" sz="quarter" idx="12"/>
+          </p:nvPr>
+        </p:nvSpPr>
+        <p:spPr/>
+        <p:txBody>
+          <a:bodyPr/>
+          <a:lstStyle/>
+          <a:p>
+            <a:pPr>
+              <a:defRPr/>
+            </a:pPr>
+            <a:r>
+              <a:rPr lang="en-US" altLang="ja-JP"/>
+              <a:t>    </a:t>
+            </a:r>
+            <a:fld id="{B2782DEB-472A-4FE5-AC34-C17109CF5A91}" type="slidenum">
+              <a:rPr lang="en-US" altLang="ja-JP" smtClean="0"/>
+              <a:pPr>
+                <a:defRPr/>
+              </a:pPr>
+              <a:t>24</a:t>
+            </a:fld>
+            <a:r>
+              <a:rPr lang="en-US" altLang="ja-JP"/>
+              <a:t> / 24</a:t>
+            </a:r>
+          </a:p>
+        </p:txBody>
+      </p:sp>
+      <p:sp>
+        <p:nvSpPr>
+          <p:cNvPr id="4" name="タイトル 3">
+            <a:extLst>
+              <a:ext uri="{FF2B5EF4-FFF2-40B4-BE49-F238E27FC236}">
+                <a16:creationId xmlns:a16="http://schemas.microsoft.com/office/drawing/2014/main" id="{AF1EAC77-B4EB-4950-9A76-8F218A6FF3DF}"/>
+              </a:ext>
+            </a:extLst>
+          </p:cNvPr>
+          <p:cNvSpPr>
+            <a:spLocks noGrp="1"/>
+          </p:cNvSpPr>
+          <p:nvPr>
+            <p:ph type="title"/>
+          </p:nvPr>
+        </p:nvSpPr>
+        <p:spPr/>
+        <p:txBody>
+          <a:bodyPr/>
+          <a:lstStyle/>
+          <a:p>
+            <a:r>
+              <a:rPr kumimoji="1" lang="en-US" altLang="ja-JP"/>
+              <a:t>ZKP</a:t>
+            </a:r>
+            <a:r>
+              <a:rPr kumimoji="1" lang="ja-JP" altLang="en-US"/>
+              <a:t>の種類</a:t>
+            </a:r>
+          </a:p>
+        </p:txBody>
+      </p:sp>
+      <p:pic>
+        <p:nvPicPr>
+          <p:cNvPr id="6" name="図 5">
+            <a:extLst>
+              <a:ext uri="{FF2B5EF4-FFF2-40B4-BE49-F238E27FC236}">
+                <a16:creationId xmlns:a16="http://schemas.microsoft.com/office/drawing/2014/main" id="{195FC7CA-2AFF-497A-A29D-4486B9C914B8}"/>
+              </a:ext>
+            </a:extLst>
+          </p:cNvPr>
+          <p:cNvPicPr>
+            <a:picLocks noChangeAspect="1"/>
+          </p:cNvPicPr>
+          <p:nvPr/>
+        </p:nvPicPr>
+        <p:blipFill>
+          <a:blip r:embed="rId2">
+            <a:extLst>
+              <a:ext uri="{28A0092B-C50C-407E-A947-70E740481C1C}">
+                <a14:useLocalDpi xmlns:a14="http://schemas.microsoft.com/office/drawing/2010/main" val="0"/>
+              </a:ext>
+            </a:extLst>
+          </a:blip>
+          <a:stretch>
+            <a:fillRect/>
+          </a:stretch>
+        </p:blipFill>
+        <p:spPr>
+          <a:xfrm>
+            <a:off x="5364088" y="836712"/>
+            <a:ext cx="3384376" cy="3566954"/>
+          </a:xfrm>
+          <a:prstGeom prst="rect">
+            <a:avLst/>
+          </a:prstGeom>
+        </p:spPr>
+      </p:pic>
+    </p:spTree>
+    <p:extLst>
+      <p:ext uri="{BB962C8B-B14F-4D97-AF65-F5344CB8AC3E}">
+        <p14:creationId xmlns:p14="http://schemas.microsoft.com/office/powerpoint/2010/main" val="1722701606"/>
+      </p:ext>
+    </p:extLst>
+  </p:cSld>
+  <p:clrMapOvr>
+    <a:masterClrMapping/>
+  </p:clrMapOvr>
+</p:sld>
+</file>
+
+<file path=ppt/slides/slide25.xml><?xml version="1.0" encoding="utf-8"?>
+<p:sld xmlns:a="http://schemas.openxmlformats.org/drawingml/2006/main" xmlns:r="http://schemas.openxmlformats.org/officeDocument/2006/relationships" xmlns:p="http://schemas.openxmlformats.org/presentationml/2006/main">
+  <p:cSld>
+    <p:spTree>
+      <p:nvGrpSpPr>
+        <p:cNvPr id="1" name=""/>
+        <p:cNvGrpSpPr/>
+        <p:nvPr/>
+      </p:nvGrpSpPr>
+      <p:grpSpPr>
+        <a:xfrm>
+          <a:off x="0" y="0"/>
+          <a:ext cx="0" cy="0"/>
+          <a:chOff x="0" y="0"/>
+          <a:chExt cx="0" cy="0"/>
+        </a:xfrm>
+      </p:grpSpPr>
+      <p:sp>
+        <p:nvSpPr>
+          <p:cNvPr id="2" name="コンテンツ プレースホルダー 1">
+            <a:extLst>
+              <a:ext uri="{FF2B5EF4-FFF2-40B4-BE49-F238E27FC236}">
+                <a16:creationId xmlns:a16="http://schemas.microsoft.com/office/drawing/2014/main" id="{DBED9EA9-3F05-4B5E-85A0-21D365B5A524}"/>
+              </a:ext>
+            </a:extLst>
+          </p:cNvPr>
+          <p:cNvSpPr>
+            <a:spLocks noGrp="1"/>
+          </p:cNvSpPr>
+          <p:nvPr>
+            <p:ph idx="1"/>
+          </p:nvPr>
+        </p:nvSpPr>
+        <p:spPr/>
+        <p:txBody>
+          <a:bodyPr/>
+          <a:lstStyle/>
+          <a:p>
+            <a:r>
+              <a:rPr lang="en-US" altLang="ja-JP"/>
+              <a:t>zero-knowledge Succinct Non-interactive ARgument of Knowledge</a:t>
+            </a:r>
+            <a:r>
+              <a:rPr lang="ja-JP" altLang="en-US"/>
+              <a:t>の略</a:t>
+            </a:r>
+            <a:endParaRPr lang="en-US" altLang="ja-JP"/>
+          </a:p>
+          <a:p>
+            <a:pPr lvl="1"/>
+            <a:r>
+              <a:rPr lang="en-US" altLang="ja-JP"/>
+              <a:t>s</a:t>
+            </a:r>
+            <a:r>
+              <a:rPr kumimoji="1" lang="en-US" altLang="ja-JP"/>
+              <a:t>uccinct : </a:t>
+            </a:r>
+            <a:r>
+              <a:rPr kumimoji="1" lang="ja-JP" altLang="en-US"/>
+              <a:t>簡潔な </a:t>
+            </a:r>
+            <a:r>
+              <a:rPr kumimoji="1" lang="en-US" altLang="ja-JP"/>
+              <a:t>= </a:t>
+            </a:r>
+            <a:r>
+              <a:rPr kumimoji="1" lang="ja-JP" altLang="en-US"/>
+              <a:t>「証明」のサイズが小さい</a:t>
+            </a:r>
+            <a:endParaRPr kumimoji="1" lang="en-US" altLang="ja-JP"/>
+          </a:p>
+          <a:p>
+            <a:pPr lvl="1"/>
+            <a:r>
+              <a:rPr lang="en-US" altLang="ja-JP"/>
+              <a:t>non-interactive = </a:t>
+            </a:r>
+            <a:r>
+              <a:rPr lang="ja-JP" altLang="en-US"/>
+              <a:t>非対話</a:t>
+            </a:r>
+            <a:endParaRPr lang="en-US" altLang="ja-JP"/>
+          </a:p>
+          <a:p>
+            <a:pPr lvl="1"/>
+            <a:r>
+              <a:rPr kumimoji="1" lang="en-US" altLang="ja-JP"/>
+              <a:t>argument = </a:t>
+            </a:r>
+            <a:r>
+              <a:rPr kumimoji="1" lang="ja-JP" altLang="en-US"/>
+              <a:t>限定された証明</a:t>
+            </a:r>
+            <a:endParaRPr kumimoji="1" lang="en-US" altLang="ja-JP"/>
+          </a:p>
+          <a:p>
+            <a:r>
+              <a:rPr kumimoji="1" lang="ja-JP" altLang="en-US"/>
+              <a:t>証明</a:t>
+            </a:r>
+            <a:r>
+              <a:rPr kumimoji="1" lang="en-US" altLang="ja-JP"/>
+              <a:t>(proof)</a:t>
+            </a:r>
+          </a:p>
+          <a:p>
+            <a:pPr lvl="1"/>
+            <a:r>
+              <a:rPr kumimoji="1" lang="ja-JP" altLang="en-US"/>
+              <a:t>証明者が無限の計算能力を持っていても検証者をだませない</a:t>
+            </a:r>
+            <a:br>
+              <a:rPr kumimoji="1" lang="en-US" altLang="ja-JP"/>
+            </a:br>
+            <a:r>
+              <a:rPr kumimoji="1" lang="ja-JP" altLang="en-US"/>
+              <a:t>健全性を持つ</a:t>
+            </a:r>
+            <a:endParaRPr kumimoji="1" lang="en-US" altLang="ja-JP"/>
+          </a:p>
+          <a:p>
+            <a:r>
+              <a:rPr lang="en-US" altLang="ja-JP"/>
+              <a:t>argument</a:t>
+            </a:r>
+          </a:p>
+          <a:p>
+            <a:pPr lvl="1"/>
+            <a:r>
+              <a:rPr kumimoji="1" lang="ja-JP" altLang="en-US"/>
+              <a:t>証明者の計算能力を多項式時間に限定した健全性</a:t>
+            </a:r>
+            <a:endParaRPr kumimoji="1" lang="en-US" altLang="ja-JP"/>
+          </a:p>
+          <a:p>
+            <a:r>
+              <a:rPr kumimoji="1" lang="en-US" altLang="ja-JP"/>
+              <a:t>argument</a:t>
+            </a:r>
+            <a:r>
+              <a:rPr kumimoji="1" lang="ja-JP" altLang="en-US"/>
+              <a:t>の方が効率がよくなる</a:t>
+            </a:r>
+            <a:endParaRPr lang="en-US" altLang="ja-JP"/>
+          </a:p>
+          <a:p>
+            <a:pPr lvl="1"/>
+            <a:r>
+              <a:rPr kumimoji="1" lang="ja-JP" altLang="en-US"/>
+              <a:t>証明者の能力を低く見積もっているので</a:t>
+            </a:r>
+            <a:endParaRPr kumimoji="1" lang="en-US" altLang="ja-JP"/>
+          </a:p>
+          <a:p>
+            <a:endParaRPr kumimoji="1" lang="ja-JP" altLang="en-US"/>
+          </a:p>
+        </p:txBody>
+      </p:sp>
+      <p:sp>
+        <p:nvSpPr>
+          <p:cNvPr id="3" name="スライド番号プレースホルダー 2">
+            <a:extLst>
+              <a:ext uri="{FF2B5EF4-FFF2-40B4-BE49-F238E27FC236}">
+                <a16:creationId xmlns:a16="http://schemas.microsoft.com/office/drawing/2014/main" id="{F4580257-43EA-4B77-8E37-22928715A4D6}"/>
+              </a:ext>
+            </a:extLst>
+          </p:cNvPr>
+          <p:cNvSpPr>
+            <a:spLocks noGrp="1"/>
+          </p:cNvSpPr>
+          <p:nvPr>
+            <p:ph type="sldNum" sz="quarter" idx="12"/>
+          </p:nvPr>
+        </p:nvSpPr>
+        <p:spPr/>
+        <p:txBody>
+          <a:bodyPr/>
+          <a:lstStyle/>
+          <a:p>
+            <a:pPr>
+              <a:defRPr/>
+            </a:pPr>
+            <a:r>
+              <a:rPr lang="en-US" altLang="ja-JP"/>
+              <a:t>    </a:t>
+            </a:r>
+            <a:fld id="{B2782DEB-472A-4FE5-AC34-C17109CF5A91}" type="slidenum">
+              <a:rPr lang="en-US" altLang="ja-JP" smtClean="0"/>
+              <a:pPr>
+                <a:defRPr/>
+              </a:pPr>
+              <a:t>25</a:t>
+            </a:fld>
+            <a:r>
+              <a:rPr lang="en-US" altLang="ja-JP"/>
+              <a:t> / 24</a:t>
+            </a:r>
+          </a:p>
+        </p:txBody>
+      </p:sp>
+      <p:sp>
+        <p:nvSpPr>
+          <p:cNvPr id="4" name="タイトル 3">
+            <a:extLst>
+              <a:ext uri="{FF2B5EF4-FFF2-40B4-BE49-F238E27FC236}">
+                <a16:creationId xmlns:a16="http://schemas.microsoft.com/office/drawing/2014/main" id="{1D85F110-2816-4FED-9609-97070DEFBBC2}"/>
+              </a:ext>
+            </a:extLst>
+          </p:cNvPr>
+          <p:cNvSpPr>
+            <a:spLocks noGrp="1"/>
+          </p:cNvSpPr>
+          <p:nvPr>
+            <p:ph type="title"/>
+          </p:nvPr>
+        </p:nvSpPr>
+        <p:spPr/>
+        <p:txBody>
+          <a:bodyPr/>
+          <a:lstStyle/>
+          <a:p>
+            <a:r>
+              <a:rPr kumimoji="1" lang="en-US" altLang="ja-JP"/>
+              <a:t>zk-SNARK</a:t>
+            </a:r>
+            <a:endParaRPr kumimoji="1" lang="ja-JP" altLang="en-US"/>
+          </a:p>
+        </p:txBody>
+      </p:sp>
+    </p:spTree>
+    <p:extLst>
+      <p:ext uri="{BB962C8B-B14F-4D97-AF65-F5344CB8AC3E}">
+        <p14:creationId xmlns:p14="http://schemas.microsoft.com/office/powerpoint/2010/main" val="3494776495"/>
+      </p:ext>
+    </p:extLst>
+  </p:cSld>
+  <p:clrMapOvr>
+    <a:masterClrMapping/>
+  </p:clrMapOvr>
+</p:sld>
+</file>
+
+<file path=ppt/slides/slide26.xml><?xml version="1.0" encoding="utf-8"?>
+<p:sld xmlns:a="http://schemas.openxmlformats.org/drawingml/2006/main" xmlns:r="http://schemas.openxmlformats.org/officeDocument/2006/relationships" xmlns:p="http://schemas.openxmlformats.org/presentationml/2006/main">
+  <p:cSld>
+    <p:spTree>
+      <p:nvGrpSpPr>
+        <p:cNvPr id="1" name=""/>
+        <p:cNvGrpSpPr/>
+        <p:nvPr/>
+      </p:nvGrpSpPr>
+      <p:grpSpPr>
+        <a:xfrm>
+          <a:off x="0" y="0"/>
+          <a:ext cx="0" cy="0"/>
+          <a:chOff x="0" y="0"/>
+          <a:chExt cx="0" cy="0"/>
+        </a:xfrm>
+      </p:grpSpPr>
+      <p:sp>
+        <p:nvSpPr>
+          <p:cNvPr id="2" name="コンテンツ プレースホルダー 1">
+            <a:extLst>
+              <a:ext uri="{FF2B5EF4-FFF2-40B4-BE49-F238E27FC236}">
+                <a16:creationId xmlns:a16="http://schemas.microsoft.com/office/drawing/2014/main" id="{F53F89F3-785C-42E7-A03F-B74D440CE335}"/>
+              </a:ext>
+            </a:extLst>
+          </p:cNvPr>
+          <p:cNvSpPr>
+            <a:spLocks noGrp="1"/>
+          </p:cNvSpPr>
+          <p:nvPr>
+            <p:ph idx="1"/>
+          </p:nvPr>
+        </p:nvSpPr>
+        <p:spPr/>
+        <p:txBody>
+          <a:bodyPr/>
+          <a:lstStyle/>
+          <a:p>
+            <a:r>
+              <a:rPr kumimoji="1" lang="en-US" altLang="ja-JP"/>
+              <a:t>zk-SNARK</a:t>
+            </a:r>
+            <a:r>
+              <a:rPr kumimoji="1" lang="ja-JP" altLang="en-US"/>
+              <a:t>は証明の前に信頼の出来る機関が必要</a:t>
+            </a:r>
+            <a:endParaRPr kumimoji="1" lang="en-US" altLang="ja-JP"/>
+          </a:p>
+          <a:p>
+            <a:pPr lvl="1"/>
+            <a:r>
+              <a:rPr kumimoji="1" lang="ja-JP" altLang="en-US"/>
+              <a:t>改良されたものが登場</a:t>
+            </a:r>
+            <a:endParaRPr kumimoji="1" lang="en-US" altLang="ja-JP"/>
+          </a:p>
+        </p:txBody>
+      </p:sp>
+      <p:sp>
+        <p:nvSpPr>
+          <p:cNvPr id="3" name="スライド番号プレースホルダー 2">
+            <a:extLst>
+              <a:ext uri="{FF2B5EF4-FFF2-40B4-BE49-F238E27FC236}">
+                <a16:creationId xmlns:a16="http://schemas.microsoft.com/office/drawing/2014/main" id="{DF1AB58C-920D-44D0-B602-F75ACDCA3920}"/>
+              </a:ext>
+            </a:extLst>
+          </p:cNvPr>
+          <p:cNvSpPr>
+            <a:spLocks noGrp="1"/>
+          </p:cNvSpPr>
+          <p:nvPr>
+            <p:ph type="sldNum" sz="quarter" idx="12"/>
+          </p:nvPr>
+        </p:nvSpPr>
+        <p:spPr/>
+        <p:txBody>
+          <a:bodyPr/>
+          <a:lstStyle/>
+          <a:p>
+            <a:pPr>
+              <a:defRPr/>
+            </a:pPr>
+            <a:r>
+              <a:rPr lang="en-US" altLang="ja-JP"/>
+              <a:t>    </a:t>
+            </a:r>
+            <a:fld id="{B2782DEB-472A-4FE5-AC34-C17109CF5A91}" type="slidenum">
+              <a:rPr lang="en-US" altLang="ja-JP" smtClean="0"/>
+              <a:pPr>
+                <a:defRPr/>
+              </a:pPr>
+              <a:t>26</a:t>
+            </a:fld>
+            <a:r>
+              <a:rPr lang="en-US" altLang="ja-JP"/>
+              <a:t> / 24</a:t>
+            </a:r>
+          </a:p>
+        </p:txBody>
+      </p:sp>
+      <p:sp>
+        <p:nvSpPr>
+          <p:cNvPr id="4" name="タイトル 3">
+            <a:extLst>
+              <a:ext uri="{FF2B5EF4-FFF2-40B4-BE49-F238E27FC236}">
+                <a16:creationId xmlns:a16="http://schemas.microsoft.com/office/drawing/2014/main" id="{2888A9C0-288F-403D-A4ED-566D7CA2E853}"/>
+              </a:ext>
+            </a:extLst>
+          </p:cNvPr>
+          <p:cNvSpPr>
+            <a:spLocks noGrp="1"/>
+          </p:cNvSpPr>
+          <p:nvPr>
+            <p:ph type="title"/>
+          </p:nvPr>
+        </p:nvSpPr>
+        <p:spPr/>
+        <p:txBody>
+          <a:bodyPr/>
+          <a:lstStyle/>
+          <a:p>
+            <a:r>
+              <a:rPr kumimoji="1" lang="ja-JP" altLang="en-US"/>
+              <a:t>いくつかの</a:t>
+            </a:r>
+            <a:r>
+              <a:rPr kumimoji="1" lang="en-US" altLang="ja-JP"/>
+              <a:t>ZKP	</a:t>
+            </a:r>
+            <a:endParaRPr kumimoji="1" lang="ja-JP" altLang="en-US"/>
+          </a:p>
+        </p:txBody>
+      </p:sp>
+      <p:graphicFrame>
+        <p:nvGraphicFramePr>
+          <p:cNvPr id="5" name="表 5">
+            <a:extLst>
+              <a:ext uri="{FF2B5EF4-FFF2-40B4-BE49-F238E27FC236}">
+                <a16:creationId xmlns:a16="http://schemas.microsoft.com/office/drawing/2014/main" id="{7DD139CE-7887-460D-9C93-579DDB25982A}"/>
+              </a:ext>
+            </a:extLst>
+          </p:cNvPr>
+          <p:cNvGraphicFramePr>
+            <a:graphicFrameLocks noGrp="1"/>
+          </p:cNvGraphicFramePr>
+          <p:nvPr>
+            <p:extLst>
+              <p:ext uri="{D42A27DB-BD31-4B8C-83A1-F6EECF244321}">
+                <p14:modId xmlns:p14="http://schemas.microsoft.com/office/powerpoint/2010/main" val="2135852456"/>
+              </p:ext>
+            </p:extLst>
+          </p:nvPr>
+        </p:nvGraphicFramePr>
+        <p:xfrm>
+          <a:off x="940135" y="2060848"/>
+          <a:ext cx="6944233" cy="2286000"/>
+        </p:xfrm>
+        <a:graphic>
+          <a:graphicData uri="http://schemas.openxmlformats.org/drawingml/2006/table">
+            <a:tbl>
+              <a:tblPr firstRow="1" bandRow="1">
+                <a:tableStyleId>{5C22544A-7EE6-4342-B048-85BDC9FD1C3A}</a:tableStyleId>
+              </a:tblPr>
+              <a:tblGrid>
+                <a:gridCol w="2284730">
+                  <a:extLst>
+                    <a:ext uri="{9D8B030D-6E8A-4147-A177-3AD203B41FA5}">
+                      <a16:colId xmlns:a16="http://schemas.microsoft.com/office/drawing/2014/main" val="2911240867"/>
+                    </a:ext>
+                  </a:extLst>
+                </a:gridCol>
+                <a:gridCol w="1524000">
+                  <a:extLst>
+                    <a:ext uri="{9D8B030D-6E8A-4147-A177-3AD203B41FA5}">
+                      <a16:colId xmlns:a16="http://schemas.microsoft.com/office/drawing/2014/main" val="3097569029"/>
+                    </a:ext>
+                  </a:extLst>
+                </a:gridCol>
+                <a:gridCol w="1611503">
+                  <a:extLst>
+                    <a:ext uri="{9D8B030D-6E8A-4147-A177-3AD203B41FA5}">
+                      <a16:colId xmlns:a16="http://schemas.microsoft.com/office/drawing/2014/main" val="855079798"/>
+                    </a:ext>
+                  </a:extLst>
+                </a:gridCol>
+                <a:gridCol w="1524000">
+                  <a:extLst>
+                    <a:ext uri="{9D8B030D-6E8A-4147-A177-3AD203B41FA5}">
+                      <a16:colId xmlns:a16="http://schemas.microsoft.com/office/drawing/2014/main" val="3151272563"/>
+                    </a:ext>
+                  </a:extLst>
+                </a:gridCol>
+              </a:tblGrid>
+              <a:tr h="370840">
+                <a:tc>
+                  <a:txBody>
+                    <a:bodyPr/>
+                    <a:lstStyle/>
+                    <a:p>
+                      <a:r>
+                        <a:rPr kumimoji="1" lang="ja-JP" altLang="en-US" sz="2000"/>
+                        <a:t>性質</a:t>
+                      </a:r>
+                    </a:p>
+                  </a:txBody>
+                  <a:tcPr/>
+                </a:tc>
+                <a:tc>
+                  <a:txBody>
+                    <a:bodyPr/>
+                    <a:lstStyle/>
+                    <a:p>
+                      <a:r>
+                        <a:rPr kumimoji="1" lang="en-US" altLang="ja-JP" sz="2000"/>
+                        <a:t>zk-SNARK</a:t>
+                      </a:r>
+                      <a:endParaRPr kumimoji="1" lang="ja-JP" altLang="en-US" sz="2000"/>
+                    </a:p>
+                  </a:txBody>
+                  <a:tcPr/>
+                </a:tc>
+                <a:tc>
+                  <a:txBody>
+                    <a:bodyPr/>
+                    <a:lstStyle/>
+                    <a:p>
+                      <a:r>
+                        <a:rPr kumimoji="1" lang="en-US" altLang="ja-JP" sz="2000"/>
+                        <a:t>Bulletproof</a:t>
+                      </a:r>
+                      <a:endParaRPr kumimoji="1" lang="ja-JP" altLang="en-US" sz="2000"/>
+                    </a:p>
+                  </a:txBody>
+                  <a:tcPr/>
+                </a:tc>
+                <a:tc>
+                  <a:txBody>
+                    <a:bodyPr/>
+                    <a:lstStyle/>
+                    <a:p>
+                      <a:r>
+                        <a:rPr kumimoji="1" lang="en-US" altLang="ja-JP" sz="2000"/>
+                        <a:t>zk-STARK</a:t>
+                      </a:r>
+                      <a:endParaRPr kumimoji="1" lang="ja-JP" altLang="en-US" sz="2000"/>
+                    </a:p>
+                  </a:txBody>
+                  <a:tcPr/>
+                </a:tc>
+                <a:extLst>
+                  <a:ext uri="{0D108BD9-81ED-4DB2-BD59-A6C34878D82A}">
+                    <a16:rowId xmlns:a16="http://schemas.microsoft.com/office/drawing/2014/main" val="119620570"/>
+                  </a:ext>
+                </a:extLst>
+              </a:tr>
+              <a:tr h="370840">
+                <a:tc>
+                  <a:txBody>
+                    <a:bodyPr/>
+                    <a:lstStyle/>
+                    <a:p>
+                      <a:r>
+                        <a:rPr kumimoji="1" lang="ja-JP" altLang="en-US" sz="2000"/>
+                        <a:t>証明のサイズ</a:t>
+                      </a:r>
+                    </a:p>
+                  </a:txBody>
+                  <a:tcPr/>
+                </a:tc>
+                <a:tc>
+                  <a:txBody>
+                    <a:bodyPr/>
+                    <a:lstStyle/>
+                    <a:p>
+                      <a:r>
+                        <a:rPr kumimoji="1" lang="ja-JP" altLang="en-US" sz="2000"/>
+                        <a:t>定数</a:t>
+                      </a:r>
+                    </a:p>
+                  </a:txBody>
+                  <a:tcPr/>
+                </a:tc>
+                <a:tc>
+                  <a:txBody>
+                    <a:bodyPr/>
+                    <a:lstStyle/>
+                    <a:p>
+                      <a:r>
+                        <a:rPr kumimoji="1" lang="ja-JP" altLang="en-US" sz="2000"/>
+                        <a:t>やや小さい</a:t>
+                      </a:r>
+                    </a:p>
+                  </a:txBody>
+                  <a:tcPr/>
+                </a:tc>
+                <a:tc>
+                  <a:txBody>
+                    <a:bodyPr/>
+                    <a:lstStyle/>
+                    <a:p>
+                      <a:r>
+                        <a:rPr kumimoji="1" lang="ja-JP" altLang="en-US" sz="2000"/>
+                        <a:t>大きい</a:t>
+                      </a:r>
+                    </a:p>
+                  </a:txBody>
+                  <a:tcPr/>
+                </a:tc>
+                <a:extLst>
+                  <a:ext uri="{0D108BD9-81ED-4DB2-BD59-A6C34878D82A}">
+                    <a16:rowId xmlns:a16="http://schemas.microsoft.com/office/drawing/2014/main" val="2419358727"/>
+                  </a:ext>
+                </a:extLst>
+              </a:tr>
+              <a:tr h="370840">
+                <a:tc>
+                  <a:txBody>
+                    <a:bodyPr/>
+                    <a:lstStyle/>
+                    <a:p>
+                      <a:r>
+                        <a:rPr kumimoji="1" lang="ja-JP" altLang="en-US" sz="2000"/>
+                        <a:t>検証時間</a:t>
+                      </a:r>
+                    </a:p>
+                  </a:txBody>
+                  <a:tcPr/>
+                </a:tc>
+                <a:tc>
+                  <a:txBody>
+                    <a:bodyPr/>
+                    <a:lstStyle/>
+                    <a:p>
+                      <a:r>
+                        <a:rPr kumimoji="1" lang="ja-JP" altLang="en-US" sz="2000"/>
+                        <a:t>定数</a:t>
+                      </a:r>
+                    </a:p>
+                  </a:txBody>
+                  <a:tcPr/>
+                </a:tc>
+                <a:tc>
+                  <a:txBody>
+                    <a:bodyPr/>
+                    <a:lstStyle/>
+                    <a:p>
+                      <a:r>
+                        <a:rPr kumimoji="1" lang="ja-JP" altLang="en-US" sz="2000"/>
+                        <a:t>大きい</a:t>
+                      </a:r>
+                    </a:p>
+                  </a:txBody>
+                  <a:tcPr/>
+                </a:tc>
+                <a:tc>
+                  <a:txBody>
+                    <a:bodyPr/>
+                    <a:lstStyle/>
+                    <a:p>
+                      <a:r>
+                        <a:rPr kumimoji="1" lang="ja-JP" altLang="en-US" sz="2000"/>
+                        <a:t>やや小さい</a:t>
+                      </a:r>
+                    </a:p>
+                  </a:txBody>
+                  <a:tcPr/>
+                </a:tc>
+                <a:extLst>
+                  <a:ext uri="{0D108BD9-81ED-4DB2-BD59-A6C34878D82A}">
+                    <a16:rowId xmlns:a16="http://schemas.microsoft.com/office/drawing/2014/main" val="436971492"/>
+                  </a:ext>
+                </a:extLst>
+              </a:tr>
+              <a:tr h="370840">
+                <a:tc>
+                  <a:txBody>
+                    <a:bodyPr/>
+                    <a:lstStyle/>
+                    <a:p>
+                      <a:r>
+                        <a:rPr kumimoji="1" lang="ja-JP" altLang="en-US" sz="2000"/>
+                        <a:t>第三者機関</a:t>
+                      </a:r>
+                    </a:p>
+                  </a:txBody>
+                  <a:tcPr/>
+                </a:tc>
+                <a:tc>
+                  <a:txBody>
+                    <a:bodyPr/>
+                    <a:lstStyle/>
+                    <a:p>
+                      <a:r>
+                        <a:rPr kumimoji="1" lang="ja-JP" altLang="en-US" sz="2000"/>
+                        <a:t>必要</a:t>
+                      </a:r>
+                    </a:p>
+                  </a:txBody>
+                  <a:tcPr/>
+                </a:tc>
+                <a:tc>
+                  <a:txBody>
+                    <a:bodyPr/>
+                    <a:lstStyle/>
+                    <a:p>
+                      <a:r>
+                        <a:rPr kumimoji="1" lang="ja-JP" altLang="en-US" sz="2000"/>
+                        <a:t>不要</a:t>
+                      </a:r>
+                    </a:p>
+                  </a:txBody>
+                  <a:tcPr/>
+                </a:tc>
+                <a:tc>
+                  <a:txBody>
+                    <a:bodyPr/>
+                    <a:lstStyle/>
+                    <a:p>
+                      <a:r>
+                        <a:rPr kumimoji="1" lang="ja-JP" altLang="en-US" sz="2000"/>
+                        <a:t>不要</a:t>
+                      </a:r>
+                    </a:p>
+                  </a:txBody>
+                  <a:tcPr/>
+                </a:tc>
+                <a:extLst>
+                  <a:ext uri="{0D108BD9-81ED-4DB2-BD59-A6C34878D82A}">
+                    <a16:rowId xmlns:a16="http://schemas.microsoft.com/office/drawing/2014/main" val="2460957525"/>
+                  </a:ext>
+                </a:extLst>
+              </a:tr>
+              <a:tr h="370840">
+                <a:tc>
+                  <a:txBody>
+                    <a:bodyPr/>
+                    <a:lstStyle/>
+                    <a:p>
+                      <a:r>
+                        <a:rPr kumimoji="1" lang="ja-JP" altLang="en-US" sz="2000"/>
+                        <a:t>量子コンピュータ</a:t>
+                      </a:r>
+                      <a:br>
+                        <a:rPr kumimoji="1" lang="en-US" altLang="ja-JP" sz="2000"/>
+                      </a:br>
+                      <a:r>
+                        <a:rPr kumimoji="1" lang="ja-JP" altLang="en-US" sz="2000"/>
+                        <a:t>に対する耐性</a:t>
+                      </a:r>
+                    </a:p>
+                  </a:txBody>
+                  <a:tcPr/>
+                </a:tc>
+                <a:tc>
+                  <a:txBody>
+                    <a:bodyPr/>
+                    <a:lstStyle/>
+                    <a:p>
+                      <a:r>
+                        <a:rPr kumimoji="1" lang="ja-JP" altLang="en-US" sz="2000"/>
+                        <a:t>無い</a:t>
+                      </a:r>
+                    </a:p>
+                  </a:txBody>
+                  <a:tcPr/>
+                </a:tc>
+                <a:tc>
+                  <a:txBody>
+                    <a:bodyPr/>
+                    <a:lstStyle/>
+                    <a:p>
+                      <a:r>
+                        <a:rPr kumimoji="1" lang="ja-JP" altLang="en-US" sz="2000"/>
+                        <a:t>無い</a:t>
+                      </a:r>
+                    </a:p>
+                  </a:txBody>
+                  <a:tcPr/>
+                </a:tc>
+                <a:tc>
+                  <a:txBody>
+                    <a:bodyPr/>
+                    <a:lstStyle/>
+                    <a:p>
+                      <a:r>
+                        <a:rPr kumimoji="1" lang="ja-JP" altLang="en-US" sz="2000"/>
+                        <a:t>ある</a:t>
+                      </a:r>
+                    </a:p>
+                  </a:txBody>
+                  <a:tcPr/>
+                </a:tc>
+                <a:extLst>
+                  <a:ext uri="{0D108BD9-81ED-4DB2-BD59-A6C34878D82A}">
+                    <a16:rowId xmlns:a16="http://schemas.microsoft.com/office/drawing/2014/main" val="3317566481"/>
+                  </a:ext>
+                </a:extLst>
+              </a:tr>
+            </a:tbl>
+          </a:graphicData>
+        </a:graphic>
+      </p:graphicFrame>
+    </p:spTree>
+    <p:extLst>
+      <p:ext uri="{BB962C8B-B14F-4D97-AF65-F5344CB8AC3E}">
+        <p14:creationId xmlns:p14="http://schemas.microsoft.com/office/powerpoint/2010/main" val="2497536757"/>
       </p:ext>
     </p:extLst>
   </p:cSld>

--- a/lec/anninbon11.pptx
+++ b/lec/anninbon11.pptx
@@ -5,10 +5,10 @@
     <p:sldMasterId id="2147483706" r:id="rId1"/>
   </p:sldMasterIdLst>
   <p:notesMasterIdLst>
-    <p:notesMasterId r:id="rId28"/>
+    <p:notesMasterId r:id="rId39"/>
   </p:notesMasterIdLst>
   <p:handoutMasterIdLst>
-    <p:handoutMasterId r:id="rId29"/>
+    <p:handoutMasterId r:id="rId40"/>
   </p:handoutMasterIdLst>
   <p:sldIdLst>
     <p:sldId id="552" r:id="rId2"/>
@@ -37,6 +37,17 @@
     <p:sldId id="673" r:id="rId25"/>
     <p:sldId id="674" r:id="rId26"/>
     <p:sldId id="675" r:id="rId27"/>
+    <p:sldId id="677" r:id="rId28"/>
+    <p:sldId id="676" r:id="rId29"/>
+    <p:sldId id="678" r:id="rId30"/>
+    <p:sldId id="679" r:id="rId31"/>
+    <p:sldId id="680" r:id="rId32"/>
+    <p:sldId id="681" r:id="rId33"/>
+    <p:sldId id="682" r:id="rId34"/>
+    <p:sldId id="683" r:id="rId35"/>
+    <p:sldId id="684" r:id="rId36"/>
+    <p:sldId id="685" r:id="rId37"/>
+    <p:sldId id="686" r:id="rId38"/>
   </p:sldIdLst>
   <p:sldSz cx="9144000" cy="6858000" type="screen4x3"/>
   <p:notesSz cx="7099300" cy="10234613"/>
@@ -196,6 +207,17 @@
             <p14:sldId id="673"/>
             <p14:sldId id="674"/>
             <p14:sldId id="675"/>
+            <p14:sldId id="677"/>
+            <p14:sldId id="676"/>
+            <p14:sldId id="678"/>
+            <p14:sldId id="679"/>
+            <p14:sldId id="680"/>
+            <p14:sldId id="681"/>
+            <p14:sldId id="682"/>
+            <p14:sldId id="683"/>
+            <p14:sldId id="684"/>
+            <p14:sldId id="685"/>
+            <p14:sldId id="686"/>
           </p14:sldIdLst>
         </p14:section>
       </p14:sectionLst>
@@ -11597,8 +11619,8 @@
           <a:chExt cx="0" cy="0"/>
         </a:xfrm>
       </p:grpSpPr>
-      <mc:AlternateContent xmlns:mc="http://schemas.openxmlformats.org/markup-compatibility/2006">
-        <mc:Choice xmlns:a14="http://schemas.microsoft.com/office/drawing/2010/main" Requires="a14">
+      <mc:AlternateContent xmlns:mc="http://schemas.openxmlformats.org/markup-compatibility/2006" xmlns:a14="http://schemas.microsoft.com/office/drawing/2010/main">
+        <mc:Choice Requires="a14">
           <p:sp>
             <p:nvSpPr>
               <p:cNvPr id="2" name="コンテンツ プレースホルダー 1">
@@ -11857,7 +11879,7 @@
             </p:txBody>
           </p:sp>
         </mc:Choice>
-        <mc:Fallback>
+        <mc:Fallback xmlns="">
           <p:sp>
             <p:nvSpPr>
               <p:cNvPr id="2" name="コンテンツ プレースホルダー 1">
@@ -12175,11 +12197,11 @@
             </a:r>
             <a:r>
               <a:rPr kumimoji="1" lang="ja-JP" altLang="en-US"/>
-              <a:t>変換</a:t>
+              <a:t> </a:t>
             </a:r>
             <a:r>
               <a:rPr kumimoji="1" lang="en-US" altLang="ja-JP"/>
-              <a:t>)</a:t>
+              <a:t>heuristic)</a:t>
             </a:r>
           </a:p>
           <a:p>
@@ -12628,6 +12650,60 @@
               <a:rPr kumimoji="1" lang="ja-JP" altLang="en-US"/>
               <a:t>改良されたものが登場</a:t>
             </a:r>
+            <a:endParaRPr kumimoji="1" lang="en-US" altLang="ja-JP"/>
+          </a:p>
+          <a:p>
+            <a:pPr lvl="1"/>
+            <a:endParaRPr lang="en-US" altLang="ja-JP"/>
+          </a:p>
+          <a:p>
+            <a:pPr lvl="1"/>
+            <a:endParaRPr kumimoji="1" lang="en-US" altLang="ja-JP"/>
+          </a:p>
+          <a:p>
+            <a:pPr lvl="1"/>
+            <a:endParaRPr lang="en-US" altLang="ja-JP"/>
+          </a:p>
+          <a:p>
+            <a:pPr lvl="1"/>
+            <a:endParaRPr kumimoji="1" lang="en-US" altLang="ja-JP"/>
+          </a:p>
+          <a:p>
+            <a:pPr lvl="1"/>
+            <a:endParaRPr lang="en-US" altLang="ja-JP"/>
+          </a:p>
+          <a:p>
+            <a:pPr lvl="1"/>
+            <a:endParaRPr lang="en-US" altLang="ja-JP"/>
+          </a:p>
+          <a:p>
+            <a:r>
+              <a:rPr lang="ja-JP" altLang="en-US"/>
+              <a:t>実装</a:t>
+            </a:r>
+            <a:endParaRPr lang="en-US" altLang="ja-JP"/>
+          </a:p>
+          <a:p>
+            <a:pPr lvl="1"/>
+            <a:r>
+              <a:rPr kumimoji="1" lang="en-US" altLang="ja-JP">
+                <a:hlinkClick r:id="rId2"/>
+              </a:rPr>
+              <a:t>https://github.com/scipr-lab/libsnark</a:t>
+            </a:r>
+          </a:p>
+          <a:p>
+            <a:pPr lvl="1"/>
+            <a:r>
+              <a:rPr kumimoji="1" lang="en-US" altLang="ja-JP">
+                <a:hlinkClick r:id="rId2"/>
+              </a:rPr>
+              <a:t>https://github.com/dalek-cryptography/bulletproofs</a:t>
+            </a:r>
+            <a:endParaRPr lang="en-US" altLang="ja-JP"/>
+          </a:p>
+          <a:p>
+            <a:pPr lvl="1"/>
             <a:endParaRPr kumimoji="1" lang="en-US" altLang="ja-JP"/>
           </a:p>
         </p:txBody>
@@ -13089,6 +13165,1836 @@
 </p:sld>
 </file>
 
+<file path=ppt/slides/slide27.xml><?xml version="1.0" encoding="utf-8"?>
+<p:sld xmlns:a="http://schemas.openxmlformats.org/drawingml/2006/main" xmlns:r="http://schemas.openxmlformats.org/officeDocument/2006/relationships" xmlns:p="http://schemas.openxmlformats.org/presentationml/2006/main">
+  <p:cSld>
+    <p:spTree>
+      <p:nvGrpSpPr>
+        <p:cNvPr id="1" name=""/>
+        <p:cNvGrpSpPr/>
+        <p:nvPr/>
+      </p:nvGrpSpPr>
+      <p:grpSpPr>
+        <a:xfrm>
+          <a:off x="0" y="0"/>
+          <a:ext cx="0" cy="0"/>
+          <a:chOff x="0" y="0"/>
+          <a:chExt cx="0" cy="0"/>
+        </a:xfrm>
+      </p:grpSpPr>
+      <mc:AlternateContent xmlns:mc="http://schemas.openxmlformats.org/markup-compatibility/2006" xmlns:a14="http://schemas.microsoft.com/office/drawing/2010/main">
+        <mc:Choice Requires="a14">
+          <p:sp>
+            <p:nvSpPr>
+              <p:cNvPr id="2" name="コンテンツ プレースホルダー 1">
+                <a:extLst>
+                  <a:ext uri="{FF2B5EF4-FFF2-40B4-BE49-F238E27FC236}">
+                    <a16:creationId xmlns:a16="http://schemas.microsoft.com/office/drawing/2014/main" id="{04F54477-4AED-4C4C-BDE7-D3175CE1FCEE}"/>
+                  </a:ext>
+                </a:extLst>
+              </p:cNvPr>
+              <p:cNvSpPr>
+                <a:spLocks noGrp="1"/>
+              </p:cNvSpPr>
+              <p:nvPr>
+                <p:ph idx="1"/>
+              </p:nvPr>
+            </p:nvSpPr>
+            <p:spPr/>
+            <p:txBody>
+              <a:bodyPr/>
+              <a:lstStyle/>
+              <a:p>
+                <a:r>
+                  <a:rPr kumimoji="1" lang="ja-JP" altLang="en-US"/>
+                  <a:t>従来のコンピュータ</a:t>
+                </a:r>
+                <a:endParaRPr kumimoji="1" lang="en-US" altLang="ja-JP"/>
+              </a:p>
+              <a:p>
+                <a:pPr lvl="1"/>
+                <a:r>
+                  <a:rPr kumimoji="1" lang="en-US" altLang="ja-JP"/>
+                  <a:t>on/off</a:t>
+                </a:r>
+                <a:r>
+                  <a:rPr kumimoji="1" lang="ja-JP" altLang="en-US"/>
+                  <a:t>のスイッチを元に動作</a:t>
+                </a:r>
+                <a:endParaRPr kumimoji="1" lang="en-US" altLang="ja-JP"/>
+              </a:p>
+              <a:p>
+                <a:r>
+                  <a:rPr kumimoji="1" lang="ja-JP" altLang="en-US"/>
+                  <a:t>量子コンピュータ</a:t>
+                </a:r>
+                <a:endParaRPr kumimoji="1" lang="en-US" altLang="ja-JP"/>
+              </a:p>
+              <a:p>
+                <a:pPr lvl="1"/>
+                <a:r>
+                  <a:rPr kumimoji="1" lang="ja-JP" altLang="en-US"/>
+                  <a:t>量子の重ね合わせの性質を利用したコンピュータ</a:t>
+                </a:r>
+                <a:endParaRPr kumimoji="1" lang="en-US" altLang="ja-JP"/>
+              </a:p>
+              <a:p>
+                <a:pPr lvl="1"/>
+                <a:r>
+                  <a:rPr kumimoji="1" lang="ja-JP" altLang="en-US"/>
+                  <a:t>量子 </a:t>
+                </a:r>
+                <a:r>
+                  <a:rPr kumimoji="1" lang="en-US" altLang="ja-JP"/>
+                  <a:t>= </a:t>
+                </a:r>
+                <a:r>
+                  <a:rPr kumimoji="1" lang="ja-JP" altLang="en-US"/>
+                  <a:t>光</a:t>
+                </a:r>
+                <a:r>
+                  <a:rPr kumimoji="1" lang="en-US" altLang="ja-JP"/>
+                  <a:t>, </a:t>
+                </a:r>
+                <a:r>
+                  <a:rPr kumimoji="1" lang="ja-JP" altLang="en-US"/>
+                  <a:t>電磁波</a:t>
+                </a:r>
+                <a:r>
+                  <a:rPr kumimoji="1" lang="en-US" altLang="ja-JP"/>
+                  <a:t>, </a:t>
+                </a:r>
+                <a:r>
+                  <a:rPr kumimoji="1" lang="ja-JP" altLang="en-US"/>
+                  <a:t>電子など</a:t>
+                </a:r>
+                <a:endParaRPr kumimoji="1" lang="en-US" altLang="ja-JP"/>
+              </a:p>
+              <a:p>
+                <a:pPr lvl="2"/>
+                <a:r>
+                  <a:rPr kumimoji="1" lang="ja-JP" altLang="en-US"/>
+                  <a:t>粒子のように</a:t>
+                </a:r>
+                <a:r>
+                  <a:rPr kumimoji="1" lang="en-US" altLang="ja-JP"/>
+                  <a:t>1</a:t>
+                </a:r>
+                <a:r>
+                  <a:rPr kumimoji="1" lang="ja-JP" altLang="en-US"/>
+                  <a:t>個</a:t>
+                </a:r>
+                <a:r>
+                  <a:rPr kumimoji="1" lang="en-US" altLang="ja-JP"/>
+                  <a:t>, 2</a:t>
+                </a:r>
+                <a:r>
+                  <a:rPr kumimoji="1" lang="ja-JP" altLang="en-US"/>
+                  <a:t>個と数えられる</a:t>
+                </a:r>
+                <a:endParaRPr kumimoji="1" lang="en-US" altLang="ja-JP"/>
+              </a:p>
+              <a:p>
+                <a:pPr lvl="2"/>
+                <a:r>
+                  <a:rPr kumimoji="1" lang="ja-JP" altLang="en-US"/>
+                  <a:t>波のように複数の状態が重なり合って存在できる</a:t>
+                </a:r>
+                <a:endParaRPr kumimoji="1" lang="en-US" altLang="ja-JP"/>
+              </a:p>
+              <a:p>
+                <a:r>
+                  <a:rPr kumimoji="1" lang="en-US" altLang="ja-JP"/>
+                  <a:t>1</a:t>
+                </a:r>
+                <a:r>
+                  <a:rPr kumimoji="1" lang="ja-JP" altLang="en-US"/>
+                  <a:t>ビット</a:t>
+                </a:r>
+                <a:r>
+                  <a:rPr kumimoji="1" lang="en-US" altLang="ja-JP"/>
+                  <a:t>=0</a:t>
+                </a:r>
+                <a:r>
+                  <a:rPr kumimoji="1" lang="ja-JP" altLang="en-US"/>
+                  <a:t>か</a:t>
+                </a:r>
+                <a:r>
+                  <a:rPr kumimoji="1" lang="en-US" altLang="ja-JP"/>
+                  <a:t>1</a:t>
+                </a:r>
+                <a:r>
+                  <a:rPr kumimoji="1" lang="ja-JP" altLang="en-US"/>
+                  <a:t>のどちらかを表す情報の最小単位</a:t>
+                </a:r>
+                <a:endParaRPr kumimoji="1" lang="en-US" altLang="ja-JP"/>
+              </a:p>
+              <a:p>
+                <a:r>
+                  <a:rPr lang="en-US" altLang="ja-JP"/>
+                  <a:t>1</a:t>
+                </a:r>
+                <a:r>
+                  <a:rPr lang="ja-JP" altLang="en-US"/>
+                  <a:t>量子ビット</a:t>
+                </a:r>
+                <a:r>
+                  <a:rPr lang="en-US" altLang="ja-JP"/>
+                  <a:t>(qbit)</a:t>
+                </a:r>
+              </a:p>
+              <a:p>
+                <a:pPr lvl="1"/>
+                <a:r>
+                  <a:rPr lang="en-US" altLang="ja-JP"/>
+                  <a:t>0</a:t>
+                </a:r>
+                <a:r>
+                  <a:rPr lang="ja-JP" altLang="en-US"/>
+                  <a:t>の状態</a:t>
+                </a:r>
+                <a:r>
+                  <a:rPr lang="en-US" altLang="ja-JP"/>
+                  <a:t>(</a:t>
+                </a:r>
+                <a14:m>
+                  <m:oMath xmlns:m="http://schemas.openxmlformats.org/officeDocument/2006/math">
+                    <m:r>
+                      <a:rPr lang="en-US" altLang="ja-JP" b="0" i="1" smtClean="0">
+                        <a:latin typeface="Cambria Math" panose="02040503050406030204" pitchFamily="18" charset="0"/>
+                      </a:rPr>
+                      <m:t>|0⟩</m:t>
+                    </m:r>
+                  </m:oMath>
+                </a14:m>
+                <a:r>
+                  <a:rPr kumimoji="1" lang="en-US" altLang="ja-JP"/>
+                  <a:t>)</a:t>
+                </a:r>
+                <a:r>
+                  <a:rPr kumimoji="1" lang="ja-JP" altLang="en-US"/>
+                  <a:t>と</a:t>
+                </a:r>
+                <a:r>
+                  <a:rPr kumimoji="1" lang="en-US" altLang="ja-JP"/>
+                  <a:t>1</a:t>
+                </a:r>
+                <a:r>
+                  <a:rPr kumimoji="1" lang="ja-JP" altLang="en-US"/>
+                  <a:t>の状態</a:t>
+                </a:r>
+                <a:r>
+                  <a:rPr kumimoji="1" lang="en-US" altLang="ja-JP"/>
+                  <a:t>(</a:t>
+                </a:r>
+                <a14:m>
+                  <m:oMath xmlns:m="http://schemas.openxmlformats.org/officeDocument/2006/math">
+                    <m:r>
+                      <a:rPr lang="en-US" altLang="ja-JP" i="1">
+                        <a:latin typeface="Cambria Math" panose="02040503050406030204" pitchFamily="18" charset="0"/>
+                      </a:rPr>
+                      <m:t>|</m:t>
+                    </m:r>
+                    <m:r>
+                      <a:rPr lang="en-US" altLang="ja-JP" b="0" i="1" smtClean="0">
+                        <a:latin typeface="Cambria Math" panose="02040503050406030204" pitchFamily="18" charset="0"/>
+                      </a:rPr>
+                      <m:t>1</m:t>
+                    </m:r>
+                    <m:r>
+                      <a:rPr lang="en-US" altLang="ja-JP" i="1">
+                        <a:latin typeface="Cambria Math" panose="02040503050406030204" pitchFamily="18" charset="0"/>
+                      </a:rPr>
+                      <m:t>⟩</m:t>
+                    </m:r>
+                  </m:oMath>
+                </a14:m>
+                <a:r>
+                  <a:rPr kumimoji="1" lang="en-US" altLang="ja-JP"/>
+                  <a:t>)</a:t>
+                </a:r>
+                <a:r>
+                  <a:rPr kumimoji="1" lang="ja-JP" altLang="en-US"/>
+                  <a:t>の重ね合わせ</a:t>
+                </a:r>
+                <a:endParaRPr kumimoji="1" lang="en-US" altLang="ja-JP"/>
+              </a:p>
+              <a:p>
+                <a:pPr lvl="1"/>
+                <a:r>
+                  <a:rPr kumimoji="1" lang="ja-JP" altLang="en-US"/>
+                  <a:t>ここではその実現方法には触れない</a:t>
+                </a:r>
+                <a:endParaRPr kumimoji="1" lang="en-US" altLang="ja-JP"/>
+              </a:p>
+              <a:p>
+                <a:pPr lvl="2"/>
+                <a:r>
+                  <a:rPr kumimoji="1" lang="ja-JP" altLang="en-US"/>
+                  <a:t>超伝導</a:t>
+                </a:r>
+                <a:r>
+                  <a:rPr kumimoji="1" lang="en-US" altLang="ja-JP"/>
+                  <a:t>, </a:t>
+                </a:r>
+                <a:r>
+                  <a:rPr kumimoji="1" lang="ja-JP" altLang="en-US"/>
+                  <a:t>イオン</a:t>
+                </a:r>
+                <a:r>
+                  <a:rPr kumimoji="1" lang="en-US" altLang="ja-JP"/>
+                  <a:t>, </a:t>
+                </a:r>
+                <a:r>
+                  <a:rPr kumimoji="1" lang="ja-JP" altLang="en-US"/>
+                  <a:t>半導体</a:t>
+                </a:r>
+                <a:r>
+                  <a:rPr kumimoji="1" lang="en-US" altLang="ja-JP"/>
+                  <a:t>, </a:t>
+                </a:r>
+                <a:r>
+                  <a:rPr kumimoji="1" lang="ja-JP" altLang="en-US"/>
+                  <a:t>光など様々なものが研究されている</a:t>
+                </a:r>
+                <a:endParaRPr kumimoji="1" lang="en-US" altLang="ja-JP"/>
+              </a:p>
+            </p:txBody>
+          </p:sp>
+        </mc:Choice>
+        <mc:Fallback xmlns="">
+          <p:sp>
+            <p:nvSpPr>
+              <p:cNvPr id="2" name="コンテンツ プレースホルダー 1">
+                <a:extLst>
+                  <a:ext uri="{FF2B5EF4-FFF2-40B4-BE49-F238E27FC236}">
+                    <a16:creationId xmlns:a16="http://schemas.microsoft.com/office/drawing/2014/main" id="{04F54477-4AED-4C4C-BDE7-D3175CE1FCEE}"/>
+                  </a:ext>
+                </a:extLst>
+              </p:cNvPr>
+              <p:cNvSpPr>
+                <a:spLocks noGrp="1" noRot="1" noChangeAspect="1" noMove="1" noResize="1" noEditPoints="1" noAdjustHandles="1" noChangeArrowheads="1" noChangeShapeType="1" noTextEdit="1"/>
+              </p:cNvSpPr>
+              <p:nvPr>
+                <p:ph idx="1"/>
+              </p:nvPr>
+            </p:nvSpPr>
+            <p:spPr>
+              <a:blipFill>
+                <a:blip r:embed="rId2"/>
+                <a:stretch>
+                  <a:fillRect l="-1200" t="-1038" b="-1973"/>
+                </a:stretch>
+              </a:blipFill>
+            </p:spPr>
+            <p:txBody>
+              <a:bodyPr/>
+              <a:lstStyle/>
+              <a:p>
+                <a:r>
+                  <a:rPr lang="ja-JP" altLang="en-US">
+                    <a:noFill/>
+                  </a:rPr>
+                  <a:t> </a:t>
+                </a:r>
+              </a:p>
+            </p:txBody>
+          </p:sp>
+        </mc:Fallback>
+      </mc:AlternateContent>
+      <p:sp>
+        <p:nvSpPr>
+          <p:cNvPr id="3" name="スライド番号プレースホルダー 2">
+            <a:extLst>
+              <a:ext uri="{FF2B5EF4-FFF2-40B4-BE49-F238E27FC236}">
+                <a16:creationId xmlns:a16="http://schemas.microsoft.com/office/drawing/2014/main" id="{2E13DACC-C46F-40AF-9568-B0576CF88490}"/>
+              </a:ext>
+            </a:extLst>
+          </p:cNvPr>
+          <p:cNvSpPr>
+            <a:spLocks noGrp="1"/>
+          </p:cNvSpPr>
+          <p:nvPr>
+            <p:ph type="sldNum" sz="quarter" idx="12"/>
+          </p:nvPr>
+        </p:nvSpPr>
+        <p:spPr/>
+        <p:txBody>
+          <a:bodyPr/>
+          <a:lstStyle/>
+          <a:p>
+            <a:pPr>
+              <a:defRPr/>
+            </a:pPr>
+            <a:r>
+              <a:rPr lang="en-US" altLang="ja-JP"/>
+              <a:t>    </a:t>
+            </a:r>
+            <a:fld id="{B2782DEB-472A-4FE5-AC34-C17109CF5A91}" type="slidenum">
+              <a:rPr lang="en-US" altLang="ja-JP" smtClean="0"/>
+              <a:pPr>
+                <a:defRPr/>
+              </a:pPr>
+              <a:t>27</a:t>
+            </a:fld>
+            <a:r>
+              <a:rPr lang="en-US" altLang="ja-JP"/>
+              <a:t> / 24</a:t>
+            </a:r>
+          </a:p>
+        </p:txBody>
+      </p:sp>
+      <p:sp>
+        <p:nvSpPr>
+          <p:cNvPr id="4" name="タイトル 3">
+            <a:extLst>
+              <a:ext uri="{FF2B5EF4-FFF2-40B4-BE49-F238E27FC236}">
+                <a16:creationId xmlns:a16="http://schemas.microsoft.com/office/drawing/2014/main" id="{BBE00725-846E-4669-869F-62666975D1F2}"/>
+              </a:ext>
+            </a:extLst>
+          </p:cNvPr>
+          <p:cNvSpPr>
+            <a:spLocks noGrp="1"/>
+          </p:cNvSpPr>
+          <p:nvPr>
+            <p:ph type="title"/>
+          </p:nvPr>
+        </p:nvSpPr>
+        <p:spPr/>
+        <p:txBody>
+          <a:bodyPr/>
+          <a:lstStyle/>
+          <a:p>
+            <a:r>
+              <a:rPr kumimoji="1" lang="ja-JP" altLang="en-US"/>
+              <a:t>量子コンピュータ</a:t>
+            </a:r>
+          </a:p>
+        </p:txBody>
+      </p:sp>
+    </p:spTree>
+    <p:extLst>
+      <p:ext uri="{BB962C8B-B14F-4D97-AF65-F5344CB8AC3E}">
+        <p14:creationId xmlns:p14="http://schemas.microsoft.com/office/powerpoint/2010/main" val="4055309155"/>
+      </p:ext>
+    </p:extLst>
+  </p:cSld>
+  <p:clrMapOvr>
+    <a:masterClrMapping/>
+  </p:clrMapOvr>
+</p:sld>
+</file>
+
+<file path=ppt/slides/slide28.xml><?xml version="1.0" encoding="utf-8"?>
+<p:sld xmlns:a="http://schemas.openxmlformats.org/drawingml/2006/main" xmlns:r="http://schemas.openxmlformats.org/officeDocument/2006/relationships" xmlns:p="http://schemas.openxmlformats.org/presentationml/2006/main">
+  <p:cSld>
+    <p:spTree>
+      <p:nvGrpSpPr>
+        <p:cNvPr id="1" name=""/>
+        <p:cNvGrpSpPr/>
+        <p:nvPr/>
+      </p:nvGrpSpPr>
+      <p:grpSpPr>
+        <a:xfrm>
+          <a:off x="0" y="0"/>
+          <a:ext cx="0" cy="0"/>
+          <a:chOff x="0" y="0"/>
+          <a:chExt cx="0" cy="0"/>
+        </a:xfrm>
+      </p:grpSpPr>
+      <p:pic>
+        <p:nvPicPr>
+          <p:cNvPr id="6" name="図 5">
+            <a:extLst>
+              <a:ext uri="{FF2B5EF4-FFF2-40B4-BE49-F238E27FC236}">
+                <a16:creationId xmlns:a16="http://schemas.microsoft.com/office/drawing/2014/main" id="{573DC1E7-AC30-4624-B091-0253EEF7DE98}"/>
+              </a:ext>
+            </a:extLst>
+          </p:cNvPr>
+          <p:cNvPicPr>
+            <a:picLocks noChangeAspect="1"/>
+          </p:cNvPicPr>
+          <p:nvPr/>
+        </p:nvPicPr>
+        <p:blipFill>
+          <a:blip r:embed="rId2">
+            <a:extLst>
+              <a:ext uri="{28A0092B-C50C-407E-A947-70E740481C1C}">
+                <a14:useLocalDpi xmlns:a14="http://schemas.microsoft.com/office/drawing/2010/main" val="0"/>
+              </a:ext>
+            </a:extLst>
+          </a:blip>
+          <a:stretch>
+            <a:fillRect/>
+          </a:stretch>
+        </p:blipFill>
+        <p:spPr>
+          <a:xfrm>
+            <a:off x="3635896" y="2776010"/>
+            <a:ext cx="5085794" cy="3744416"/>
+          </a:xfrm>
+          <a:prstGeom prst="rect">
+            <a:avLst/>
+          </a:prstGeom>
+        </p:spPr>
+      </p:pic>
+      <mc:AlternateContent xmlns:mc="http://schemas.openxmlformats.org/markup-compatibility/2006" xmlns:a14="http://schemas.microsoft.com/office/drawing/2010/main">
+        <mc:Choice Requires="a14">
+          <p:sp>
+            <p:nvSpPr>
+              <p:cNvPr id="2" name="コンテンツ プレースホルダー 1">
+                <a:extLst>
+                  <a:ext uri="{FF2B5EF4-FFF2-40B4-BE49-F238E27FC236}">
+                    <a16:creationId xmlns:a16="http://schemas.microsoft.com/office/drawing/2014/main" id="{04F54477-4AED-4C4C-BDE7-D3175CE1FCEE}"/>
+                  </a:ext>
+                </a:extLst>
+              </p:cNvPr>
+              <p:cNvSpPr>
+                <a:spLocks noGrp="1"/>
+              </p:cNvSpPr>
+              <p:nvPr>
+                <p:ph idx="1"/>
+              </p:nvPr>
+            </p:nvSpPr>
+            <p:spPr/>
+            <p:txBody>
+              <a:bodyPr/>
+              <a:lstStyle/>
+              <a:p>
+                <a:r>
+                  <a:rPr kumimoji="1" lang="ja-JP" altLang="en-US"/>
+                  <a:t>表現方法</a:t>
+                </a:r>
+                <a:endParaRPr kumimoji="1" lang="en-US" altLang="ja-JP"/>
+              </a:p>
+              <a:p>
+                <a:pPr lvl="1"/>
+                <a14:m>
+                  <m:oMath xmlns:m="http://schemas.openxmlformats.org/officeDocument/2006/math">
+                    <m:d>
+                      <m:dPr>
+                        <m:begChr m:val="|"/>
+                        <m:endChr m:val="⟩"/>
+                        <m:ctrlPr>
+                          <a:rPr lang="en-US" altLang="ja-JP" b="0" i="1" smtClean="0">
+                            <a:latin typeface="Cambria Math" panose="02040503050406030204" pitchFamily="18" charset="0"/>
+                          </a:rPr>
+                        </m:ctrlPr>
+                      </m:dPr>
+                      <m:e>
+                        <m:r>
+                          <a:rPr lang="en-US" altLang="ja-JP" b="0" i="1" smtClean="0">
+                            <a:latin typeface="Cambria Math" panose="02040503050406030204" pitchFamily="18" charset="0"/>
+                          </a:rPr>
+                          <m:t>𝜑</m:t>
+                        </m:r>
+                      </m:e>
+                    </m:d>
+                    <m:r>
+                      <a:rPr lang="en-US" altLang="ja-JP" i="1">
+                        <a:latin typeface="Cambria Math" panose="02040503050406030204" pitchFamily="18" charset="0"/>
+                      </a:rPr>
+                      <m:t>=</m:t>
+                    </m:r>
+                    <m:r>
+                      <a:rPr lang="en-US" altLang="ja-JP" i="1">
+                        <a:latin typeface="Cambria Math" panose="02040503050406030204" pitchFamily="18" charset="0"/>
+                      </a:rPr>
+                      <m:t>𝑎</m:t>
+                    </m:r>
+                    <m:d>
+                      <m:dPr>
+                        <m:begChr m:val="|"/>
+                        <m:endChr m:val="⟩"/>
+                        <m:ctrlPr>
+                          <a:rPr lang="en-US" altLang="ja-JP" i="1">
+                            <a:latin typeface="Cambria Math" panose="02040503050406030204" pitchFamily="18" charset="0"/>
+                          </a:rPr>
+                        </m:ctrlPr>
+                      </m:dPr>
+                      <m:e>
+                        <m:r>
+                          <a:rPr lang="en-US" altLang="ja-JP" i="1">
+                            <a:latin typeface="Cambria Math" panose="02040503050406030204" pitchFamily="18" charset="0"/>
+                          </a:rPr>
+                          <m:t>0</m:t>
+                        </m:r>
+                      </m:e>
+                    </m:d>
+                    <m:r>
+                      <a:rPr lang="en-US" altLang="ja-JP" b="0" i="1" smtClean="0">
+                        <a:latin typeface="Cambria Math" panose="02040503050406030204" pitchFamily="18" charset="0"/>
+                      </a:rPr>
+                      <m:t>+</m:t>
+                    </m:r>
+                    <m:r>
+                      <a:rPr lang="en-US" altLang="ja-JP" b="0" i="1" smtClean="0">
+                        <a:latin typeface="Cambria Math" panose="02040503050406030204" pitchFamily="18" charset="0"/>
+                      </a:rPr>
+                      <m:t>𝑏</m:t>
+                    </m:r>
+                    <m:r>
+                      <a:rPr lang="en-US" altLang="ja-JP" i="1">
+                        <a:latin typeface="Cambria Math" panose="02040503050406030204" pitchFamily="18" charset="0"/>
+                      </a:rPr>
+                      <m:t>|</m:t>
+                    </m:r>
+                    <m:r>
+                      <a:rPr lang="en-US" altLang="ja-JP" b="0" i="1" smtClean="0">
+                        <a:latin typeface="Cambria Math" panose="02040503050406030204" pitchFamily="18" charset="0"/>
+                      </a:rPr>
+                      <m:t>1</m:t>
+                    </m:r>
+                    <m:r>
+                      <a:rPr lang="en-US" altLang="ja-JP" i="1">
+                        <a:latin typeface="Cambria Math" panose="02040503050406030204" pitchFamily="18" charset="0"/>
+                      </a:rPr>
+                      <m:t>⟩</m:t>
+                    </m:r>
+                  </m:oMath>
+                </a14:m>
+                <a:r>
+                  <a:rPr kumimoji="1" lang="ja-JP" altLang="en-US"/>
+                  <a:t>と表す</a:t>
+                </a:r>
+                <a:r>
+                  <a:rPr kumimoji="1" lang="en-US" altLang="ja-JP"/>
+                  <a:t>(</a:t>
+                </a:r>
+                <a14:m>
+                  <m:oMath xmlns:m="http://schemas.openxmlformats.org/officeDocument/2006/math">
+                    <m:r>
+                      <a:rPr lang="en-US" altLang="ja-JP" i="1">
+                        <a:latin typeface="Cambria Math" panose="02040503050406030204" pitchFamily="18" charset="0"/>
+                      </a:rPr>
+                      <m:t>|0⟩</m:t>
+                    </m:r>
+                  </m:oMath>
+                </a14:m>
+                <a:r>
+                  <a:rPr lang="ja-JP" altLang="en-US"/>
+                  <a:t>と</a:t>
+                </a:r>
+                <a14:m>
+                  <m:oMath xmlns:m="http://schemas.openxmlformats.org/officeDocument/2006/math">
+                    <m:r>
+                      <a:rPr lang="en-US" altLang="ja-JP" i="1">
+                        <a:latin typeface="Cambria Math" panose="02040503050406030204" pitchFamily="18" charset="0"/>
+                      </a:rPr>
+                      <m:t>|1⟩</m:t>
+                    </m:r>
+                  </m:oMath>
+                </a14:m>
+                <a:r>
+                  <a:rPr lang="ja-JP" altLang="en-US"/>
+                  <a:t>の重ね合わせ</a:t>
+                </a:r>
+                <a:r>
+                  <a:rPr lang="en-US" altLang="ja-JP"/>
+                  <a:t>)</a:t>
+                </a:r>
+                <a:endParaRPr kumimoji="1" lang="en-US" altLang="ja-JP" b="0" i="1">
+                  <a:latin typeface="Cambria Math" panose="02040503050406030204" pitchFamily="18" charset="0"/>
+                </a:endParaRPr>
+              </a:p>
+              <a:p>
+                <a:pPr lvl="2"/>
+                <a14:m>
+                  <m:oMath xmlns:m="http://schemas.openxmlformats.org/officeDocument/2006/math">
+                    <m:r>
+                      <a:rPr kumimoji="1" lang="en-US" altLang="ja-JP" b="0" i="1" smtClean="0">
+                        <a:latin typeface="Cambria Math" panose="02040503050406030204" pitchFamily="18" charset="0"/>
+                      </a:rPr>
+                      <m:t>𝑎</m:t>
+                    </m:r>
+                    <m:r>
+                      <a:rPr kumimoji="1" lang="en-US" altLang="ja-JP" b="0" i="1" smtClean="0">
+                        <a:latin typeface="Cambria Math" panose="02040503050406030204" pitchFamily="18" charset="0"/>
+                      </a:rPr>
+                      <m:t>,</m:t>
+                    </m:r>
+                    <m:r>
+                      <a:rPr kumimoji="1" lang="en-US" altLang="ja-JP" b="0" i="1" smtClean="0">
+                        <a:latin typeface="Cambria Math" panose="02040503050406030204" pitchFamily="18" charset="0"/>
+                      </a:rPr>
+                      <m:t>𝑏</m:t>
+                    </m:r>
+                  </m:oMath>
+                </a14:m>
+                <a:r>
+                  <a:rPr kumimoji="1" lang="ja-JP" altLang="en-US"/>
+                  <a:t>は複素数で</a:t>
+                </a:r>
+                <a14:m>
+                  <m:oMath xmlns:m="http://schemas.openxmlformats.org/officeDocument/2006/math">
+                    <m:sSup>
+                      <m:sSupPr>
+                        <m:ctrlPr>
+                          <a:rPr kumimoji="1" lang="en-US" altLang="ja-JP" b="0" i="1" smtClean="0">
+                            <a:latin typeface="Cambria Math" panose="02040503050406030204" pitchFamily="18" charset="0"/>
+                          </a:rPr>
+                        </m:ctrlPr>
+                      </m:sSupPr>
+                      <m:e>
+                        <m:d>
+                          <m:dPr>
+                            <m:begChr m:val="|"/>
+                            <m:endChr m:val="|"/>
+                            <m:ctrlPr>
+                              <a:rPr kumimoji="1" lang="en-US" altLang="ja-JP" b="0" i="1" smtClean="0">
+                                <a:latin typeface="Cambria Math" panose="02040503050406030204" pitchFamily="18" charset="0"/>
+                              </a:rPr>
+                            </m:ctrlPr>
+                          </m:dPr>
+                          <m:e>
+                            <m:r>
+                              <a:rPr kumimoji="1" lang="en-US" altLang="ja-JP" b="0" i="1" smtClean="0">
+                                <a:latin typeface="Cambria Math" panose="02040503050406030204" pitchFamily="18" charset="0"/>
+                              </a:rPr>
+                              <m:t>𝑎</m:t>
+                            </m:r>
+                          </m:e>
+                        </m:d>
+                      </m:e>
+                      <m:sup>
+                        <m:r>
+                          <a:rPr kumimoji="1" lang="en-US" altLang="ja-JP" b="0" i="1" smtClean="0">
+                            <a:latin typeface="Cambria Math" panose="02040503050406030204" pitchFamily="18" charset="0"/>
+                          </a:rPr>
+                          <m:t>2</m:t>
+                        </m:r>
+                      </m:sup>
+                    </m:sSup>
+                    <m:r>
+                      <a:rPr kumimoji="1" lang="en-US" altLang="ja-JP" b="0" i="1" smtClean="0">
+                        <a:latin typeface="Cambria Math" panose="02040503050406030204" pitchFamily="18" charset="0"/>
+                      </a:rPr>
+                      <m:t>+</m:t>
+                    </m:r>
+                    <m:sSup>
+                      <m:sSupPr>
+                        <m:ctrlPr>
+                          <a:rPr kumimoji="1" lang="en-US" altLang="ja-JP" b="0" i="1" smtClean="0">
+                            <a:latin typeface="Cambria Math" panose="02040503050406030204" pitchFamily="18" charset="0"/>
+                          </a:rPr>
+                        </m:ctrlPr>
+                      </m:sSupPr>
+                      <m:e>
+                        <m:d>
+                          <m:dPr>
+                            <m:begChr m:val="|"/>
+                            <m:endChr m:val="|"/>
+                            <m:ctrlPr>
+                              <a:rPr kumimoji="1" lang="en-US" altLang="ja-JP" b="0" i="1" smtClean="0">
+                                <a:latin typeface="Cambria Math" panose="02040503050406030204" pitchFamily="18" charset="0"/>
+                              </a:rPr>
+                            </m:ctrlPr>
+                          </m:dPr>
+                          <m:e>
+                            <m:r>
+                              <a:rPr kumimoji="1" lang="en-US" altLang="ja-JP" b="0" i="1" smtClean="0">
+                                <a:latin typeface="Cambria Math" panose="02040503050406030204" pitchFamily="18" charset="0"/>
+                              </a:rPr>
+                              <m:t>𝑏</m:t>
+                            </m:r>
+                          </m:e>
+                        </m:d>
+                      </m:e>
+                      <m:sup>
+                        <m:r>
+                          <a:rPr kumimoji="1" lang="en-US" altLang="ja-JP" b="0" i="1" smtClean="0">
+                            <a:latin typeface="Cambria Math" panose="02040503050406030204" pitchFamily="18" charset="0"/>
+                          </a:rPr>
+                          <m:t>2</m:t>
+                        </m:r>
+                      </m:sup>
+                    </m:sSup>
+                    <m:r>
+                      <a:rPr kumimoji="1" lang="en-US" altLang="ja-JP" b="0" i="1" smtClean="0">
+                        <a:latin typeface="Cambria Math" panose="02040503050406030204" pitchFamily="18" charset="0"/>
+                      </a:rPr>
+                      <m:t>=1</m:t>
+                    </m:r>
+                  </m:oMath>
+                </a14:m>
+                <a:r>
+                  <a:rPr kumimoji="1" lang="ja-JP" altLang="en-US"/>
+                  <a:t>とする</a:t>
+                </a:r>
+                <a:endParaRPr kumimoji="1" lang="en-US" altLang="ja-JP"/>
+              </a:p>
+              <a:p>
+                <a:pPr lvl="2"/>
+                <a14:m>
+                  <m:oMath xmlns:m="http://schemas.openxmlformats.org/officeDocument/2006/math">
+                    <m:r>
+                      <a:rPr kumimoji="1" lang="en-US" altLang="ja-JP" b="0" i="1" smtClean="0">
+                        <a:latin typeface="Cambria Math" panose="02040503050406030204" pitchFamily="18" charset="0"/>
+                      </a:rPr>
+                      <m:t>𝑎</m:t>
+                    </m:r>
+                    <m:r>
+                      <a:rPr kumimoji="1" lang="en-US" altLang="ja-JP" b="0" i="1" smtClean="0">
+                        <a:latin typeface="Cambria Math" panose="02040503050406030204" pitchFamily="18" charset="0"/>
+                      </a:rPr>
+                      <m:t>,</m:t>
+                    </m:r>
+                    <m:r>
+                      <a:rPr kumimoji="1" lang="en-US" altLang="ja-JP" b="0" i="1" smtClean="0">
+                        <a:latin typeface="Cambria Math" panose="02040503050406030204" pitchFamily="18" charset="0"/>
+                      </a:rPr>
+                      <m:t>𝑏</m:t>
+                    </m:r>
+                  </m:oMath>
+                </a14:m>
+                <a:r>
+                  <a:rPr kumimoji="1" lang="ja-JP" altLang="en-US"/>
+                  <a:t>を実数に制限すれば単位円の円周上</a:t>
+                </a:r>
+                <a:endParaRPr kumimoji="1" lang="en-US" altLang="ja-JP"/>
+              </a:p>
+              <a:p>
+                <a:pPr lvl="1"/>
+                <a:r>
+                  <a:rPr kumimoji="1" lang="ja-JP" altLang="en-US"/>
+                  <a:t>状態</a:t>
+                </a:r>
+                <a14:m>
+                  <m:oMath xmlns:m="http://schemas.openxmlformats.org/officeDocument/2006/math">
+                    <m:d>
+                      <m:dPr>
+                        <m:begChr m:val="|"/>
+                        <m:endChr m:val="⟩"/>
+                        <m:ctrlPr>
+                          <a:rPr lang="en-US" altLang="ja-JP" b="0" i="1" smtClean="0">
+                            <a:latin typeface="Cambria Math" panose="02040503050406030204" pitchFamily="18" charset="0"/>
+                          </a:rPr>
+                        </m:ctrlPr>
+                      </m:dPr>
+                      <m:e>
+                        <m:r>
+                          <a:rPr lang="en-US" altLang="ja-JP" b="0" i="1" smtClean="0">
+                            <a:latin typeface="Cambria Math" panose="02040503050406030204" pitchFamily="18" charset="0"/>
+                          </a:rPr>
+                          <m:t>𝜑</m:t>
+                        </m:r>
+                      </m:e>
+                    </m:d>
+                  </m:oMath>
+                </a14:m>
+                <a:r>
+                  <a:rPr kumimoji="1" lang="ja-JP" altLang="en-US"/>
+                  <a:t>を</a:t>
+                </a:r>
+                <a:r>
+                  <a:rPr kumimoji="1" lang="en-US" altLang="ja-JP"/>
+                  <a:t>(</a:t>
+                </a:r>
+                <a14:m>
+                  <m:oMath xmlns:m="http://schemas.openxmlformats.org/officeDocument/2006/math">
+                    <m:r>
+                      <a:rPr lang="en-US" altLang="ja-JP" i="1">
+                        <a:latin typeface="Cambria Math" panose="02040503050406030204" pitchFamily="18" charset="0"/>
+                      </a:rPr>
+                      <m:t>|0⟩</m:t>
+                    </m:r>
+                  </m:oMath>
+                </a14:m>
+                <a:r>
+                  <a:rPr lang="en-US" altLang="ja-JP"/>
+                  <a:t>,</a:t>
+                </a:r>
+                <a14:m>
+                  <m:oMath xmlns:m="http://schemas.openxmlformats.org/officeDocument/2006/math">
+                    <m:r>
+                      <a:rPr lang="en-US" altLang="ja-JP" i="1">
+                        <a:latin typeface="Cambria Math" panose="02040503050406030204" pitchFamily="18" charset="0"/>
+                      </a:rPr>
+                      <m:t>|1⟩</m:t>
+                    </m:r>
+                  </m:oMath>
+                </a14:m>
+                <a:r>
+                  <a:rPr kumimoji="1" lang="en-US" altLang="ja-JP"/>
+                  <a:t>)</a:t>
+                </a:r>
+                <a:r>
+                  <a:rPr kumimoji="1" lang="ja-JP" altLang="en-US"/>
+                  <a:t>に沿って</a:t>
+                </a:r>
+                <a:br>
+                  <a:rPr kumimoji="1" lang="en-US" altLang="ja-JP"/>
+                </a:br>
+                <a:r>
+                  <a:rPr kumimoji="1" lang="ja-JP" altLang="en-US"/>
+                  <a:t>観測すると</a:t>
+                </a:r>
+                <a:endParaRPr kumimoji="1" lang="en-US" altLang="ja-JP"/>
+              </a:p>
+              <a:p>
+                <a:pPr lvl="1"/>
+                <a:r>
+                  <a:rPr kumimoji="1" lang="ja-JP" altLang="en-US"/>
+                  <a:t>確率</a:t>
+                </a:r>
+                <a14:m>
+                  <m:oMath xmlns:m="http://schemas.openxmlformats.org/officeDocument/2006/math">
+                    <m:sSup>
+                      <m:sSupPr>
+                        <m:ctrlPr>
+                          <a:rPr kumimoji="1" lang="en-US" altLang="ja-JP" b="0" i="1" smtClean="0">
+                            <a:latin typeface="Cambria Math" panose="02040503050406030204" pitchFamily="18" charset="0"/>
+                          </a:rPr>
+                        </m:ctrlPr>
+                      </m:sSupPr>
+                      <m:e>
+                        <m:d>
+                          <m:dPr>
+                            <m:begChr m:val="|"/>
+                            <m:endChr m:val="|"/>
+                            <m:ctrlPr>
+                              <a:rPr kumimoji="1" lang="en-US" altLang="ja-JP" b="0" i="1" smtClean="0">
+                                <a:latin typeface="Cambria Math" panose="02040503050406030204" pitchFamily="18" charset="0"/>
+                              </a:rPr>
+                            </m:ctrlPr>
+                          </m:dPr>
+                          <m:e>
+                            <m:r>
+                              <a:rPr kumimoji="1" lang="en-US" altLang="ja-JP" b="0" i="1" smtClean="0">
+                                <a:latin typeface="Cambria Math" panose="02040503050406030204" pitchFamily="18" charset="0"/>
+                              </a:rPr>
+                              <m:t>𝑎</m:t>
+                            </m:r>
+                          </m:e>
+                        </m:d>
+                      </m:e>
+                      <m:sup>
+                        <m:r>
+                          <a:rPr kumimoji="1" lang="en-US" altLang="ja-JP" b="0" i="1" smtClean="0">
+                            <a:latin typeface="Cambria Math" panose="02040503050406030204" pitchFamily="18" charset="0"/>
+                          </a:rPr>
+                          <m:t>2</m:t>
+                        </m:r>
+                      </m:sup>
+                    </m:sSup>
+                  </m:oMath>
+                </a14:m>
+                <a:r>
+                  <a:rPr kumimoji="1" lang="ja-JP" altLang="en-US"/>
+                  <a:t>で</a:t>
+                </a:r>
+                <a14:m>
+                  <m:oMath xmlns:m="http://schemas.openxmlformats.org/officeDocument/2006/math">
+                    <m:d>
+                      <m:dPr>
+                        <m:begChr m:val="|"/>
+                        <m:endChr m:val="⟩"/>
+                        <m:ctrlPr>
+                          <a:rPr lang="en-US" altLang="ja-JP" i="1">
+                            <a:latin typeface="Cambria Math" panose="02040503050406030204" pitchFamily="18" charset="0"/>
+                          </a:rPr>
+                        </m:ctrlPr>
+                      </m:dPr>
+                      <m:e>
+                        <m:r>
+                          <a:rPr lang="en-US" altLang="ja-JP" i="1">
+                            <a:latin typeface="Cambria Math" panose="02040503050406030204" pitchFamily="18" charset="0"/>
+                          </a:rPr>
+                          <m:t>0</m:t>
+                        </m:r>
+                      </m:e>
+                    </m:d>
+                  </m:oMath>
+                </a14:m>
+                <a:br>
+                  <a:rPr kumimoji="1" lang="en-US" altLang="ja-JP"/>
+                </a:br>
+                <a:r>
+                  <a:rPr kumimoji="1" lang="ja-JP" altLang="en-US"/>
+                  <a:t>確率</a:t>
+                </a:r>
+                <a14:m>
+                  <m:oMath xmlns:m="http://schemas.openxmlformats.org/officeDocument/2006/math">
+                    <m:sSup>
+                      <m:sSupPr>
+                        <m:ctrlPr>
+                          <a:rPr kumimoji="1" lang="en-US" altLang="ja-JP" b="0" i="1" smtClean="0">
+                            <a:latin typeface="Cambria Math" panose="02040503050406030204" pitchFamily="18" charset="0"/>
+                          </a:rPr>
+                        </m:ctrlPr>
+                      </m:sSupPr>
+                      <m:e>
+                        <m:d>
+                          <m:dPr>
+                            <m:begChr m:val="|"/>
+                            <m:endChr m:val="|"/>
+                            <m:ctrlPr>
+                              <a:rPr kumimoji="1" lang="en-US" altLang="ja-JP" b="0" i="1" smtClean="0">
+                                <a:latin typeface="Cambria Math" panose="02040503050406030204" pitchFamily="18" charset="0"/>
+                              </a:rPr>
+                            </m:ctrlPr>
+                          </m:dPr>
+                          <m:e>
+                            <m:r>
+                              <a:rPr kumimoji="1" lang="en-US" altLang="ja-JP" b="0" i="1" smtClean="0">
+                                <a:latin typeface="Cambria Math" panose="02040503050406030204" pitchFamily="18" charset="0"/>
+                              </a:rPr>
+                              <m:t>𝑏</m:t>
+                            </m:r>
+                          </m:e>
+                        </m:d>
+                      </m:e>
+                      <m:sup>
+                        <m:r>
+                          <a:rPr kumimoji="1" lang="en-US" altLang="ja-JP" b="0" i="1" smtClean="0">
+                            <a:latin typeface="Cambria Math" panose="02040503050406030204" pitchFamily="18" charset="0"/>
+                          </a:rPr>
+                          <m:t>2</m:t>
+                        </m:r>
+                      </m:sup>
+                    </m:sSup>
+                  </m:oMath>
+                </a14:m>
+                <a:r>
+                  <a:rPr kumimoji="1" lang="ja-JP" altLang="en-US"/>
+                  <a:t>で</a:t>
+                </a:r>
+                <a14:m>
+                  <m:oMath xmlns:m="http://schemas.openxmlformats.org/officeDocument/2006/math">
+                    <m:d>
+                      <m:dPr>
+                        <m:begChr m:val="|"/>
+                        <m:endChr m:val="⟩"/>
+                        <m:ctrlPr>
+                          <a:rPr lang="en-US" altLang="ja-JP" i="1">
+                            <a:latin typeface="Cambria Math" panose="02040503050406030204" pitchFamily="18" charset="0"/>
+                          </a:rPr>
+                        </m:ctrlPr>
+                      </m:dPr>
+                      <m:e>
+                        <m:r>
+                          <a:rPr lang="en-US" altLang="ja-JP" b="0" i="1" smtClean="0">
+                            <a:latin typeface="Cambria Math" panose="02040503050406030204" pitchFamily="18" charset="0"/>
+                          </a:rPr>
+                          <m:t>1</m:t>
+                        </m:r>
+                      </m:e>
+                    </m:d>
+                  </m:oMath>
+                </a14:m>
+                <a:r>
+                  <a:rPr kumimoji="1" lang="ja-JP" altLang="en-US"/>
+                  <a:t>になる</a:t>
+                </a:r>
+              </a:p>
+            </p:txBody>
+          </p:sp>
+        </mc:Choice>
+        <mc:Fallback xmlns="">
+          <p:sp>
+            <p:nvSpPr>
+              <p:cNvPr id="2" name="コンテンツ プレースホルダー 1">
+                <a:extLst>
+                  <a:ext uri="{FF2B5EF4-FFF2-40B4-BE49-F238E27FC236}">
+                    <a16:creationId xmlns:a16="http://schemas.microsoft.com/office/drawing/2014/main" id="{04F54477-4AED-4C4C-BDE7-D3175CE1FCEE}"/>
+                  </a:ext>
+                </a:extLst>
+              </p:cNvPr>
+              <p:cNvSpPr>
+                <a:spLocks noGrp="1" noRot="1" noChangeAspect="1" noMove="1" noResize="1" noEditPoints="1" noAdjustHandles="1" noChangeArrowheads="1" noChangeShapeType="1" noTextEdit="1"/>
+              </p:cNvSpPr>
+              <p:nvPr>
+                <p:ph idx="1"/>
+              </p:nvPr>
+            </p:nvSpPr>
+            <p:spPr>
+              <a:blipFill>
+                <a:blip r:embed="rId3"/>
+                <a:stretch>
+                  <a:fillRect l="-1200" t="-1038"/>
+                </a:stretch>
+              </a:blipFill>
+            </p:spPr>
+            <p:txBody>
+              <a:bodyPr/>
+              <a:lstStyle/>
+              <a:p>
+                <a:r>
+                  <a:rPr lang="ja-JP" altLang="en-US">
+                    <a:noFill/>
+                  </a:rPr>
+                  <a:t> </a:t>
+                </a:r>
+              </a:p>
+            </p:txBody>
+          </p:sp>
+        </mc:Fallback>
+      </mc:AlternateContent>
+      <p:sp>
+        <p:nvSpPr>
+          <p:cNvPr id="3" name="スライド番号プレースホルダー 2">
+            <a:extLst>
+              <a:ext uri="{FF2B5EF4-FFF2-40B4-BE49-F238E27FC236}">
+                <a16:creationId xmlns:a16="http://schemas.microsoft.com/office/drawing/2014/main" id="{2E13DACC-C46F-40AF-9568-B0576CF88490}"/>
+              </a:ext>
+            </a:extLst>
+          </p:cNvPr>
+          <p:cNvSpPr>
+            <a:spLocks noGrp="1"/>
+          </p:cNvSpPr>
+          <p:nvPr>
+            <p:ph type="sldNum" sz="quarter" idx="12"/>
+          </p:nvPr>
+        </p:nvSpPr>
+        <p:spPr/>
+        <p:txBody>
+          <a:bodyPr/>
+          <a:lstStyle/>
+          <a:p>
+            <a:pPr>
+              <a:defRPr/>
+            </a:pPr>
+            <a:r>
+              <a:rPr lang="en-US" altLang="ja-JP"/>
+              <a:t>    </a:t>
+            </a:r>
+            <a:fld id="{B2782DEB-472A-4FE5-AC34-C17109CF5A91}" type="slidenum">
+              <a:rPr lang="en-US" altLang="ja-JP" smtClean="0"/>
+              <a:pPr>
+                <a:defRPr/>
+              </a:pPr>
+              <a:t>28</a:t>
+            </a:fld>
+            <a:r>
+              <a:rPr lang="en-US" altLang="ja-JP"/>
+              <a:t> / 24</a:t>
+            </a:r>
+          </a:p>
+        </p:txBody>
+      </p:sp>
+      <p:sp>
+        <p:nvSpPr>
+          <p:cNvPr id="4" name="タイトル 3">
+            <a:extLst>
+              <a:ext uri="{FF2B5EF4-FFF2-40B4-BE49-F238E27FC236}">
+                <a16:creationId xmlns:a16="http://schemas.microsoft.com/office/drawing/2014/main" id="{BBE00725-846E-4669-869F-62666975D1F2}"/>
+              </a:ext>
+            </a:extLst>
+          </p:cNvPr>
+          <p:cNvSpPr>
+            <a:spLocks noGrp="1"/>
+          </p:cNvSpPr>
+          <p:nvPr>
+            <p:ph type="title"/>
+          </p:nvPr>
+        </p:nvSpPr>
+        <p:spPr/>
+        <p:txBody>
+          <a:bodyPr/>
+          <a:lstStyle/>
+          <a:p>
+            <a:r>
+              <a:rPr kumimoji="1" lang="ja-JP" altLang="en-US"/>
+              <a:t>量子ビット</a:t>
+            </a:r>
+          </a:p>
+        </p:txBody>
+      </p:sp>
+    </p:spTree>
+    <p:extLst>
+      <p:ext uri="{BB962C8B-B14F-4D97-AF65-F5344CB8AC3E}">
+        <p14:creationId xmlns:p14="http://schemas.microsoft.com/office/powerpoint/2010/main" val="2595193684"/>
+      </p:ext>
+    </p:extLst>
+  </p:cSld>
+  <p:clrMapOvr>
+    <a:masterClrMapping/>
+  </p:clrMapOvr>
+</p:sld>
+</file>
+
+<file path=ppt/slides/slide29.xml><?xml version="1.0" encoding="utf-8"?>
+<p:sld xmlns:a="http://schemas.openxmlformats.org/drawingml/2006/main" xmlns:r="http://schemas.openxmlformats.org/officeDocument/2006/relationships" xmlns:p="http://schemas.openxmlformats.org/presentationml/2006/main">
+  <p:cSld>
+    <p:spTree>
+      <p:nvGrpSpPr>
+        <p:cNvPr id="1" name=""/>
+        <p:cNvGrpSpPr/>
+        <p:nvPr/>
+      </p:nvGrpSpPr>
+      <p:grpSpPr>
+        <a:xfrm>
+          <a:off x="0" y="0"/>
+          <a:ext cx="0" cy="0"/>
+          <a:chOff x="0" y="0"/>
+          <a:chExt cx="0" cy="0"/>
+        </a:xfrm>
+      </p:grpSpPr>
+      <p:pic>
+        <p:nvPicPr>
+          <p:cNvPr id="6" name="図 5">
+            <a:extLst>
+              <a:ext uri="{FF2B5EF4-FFF2-40B4-BE49-F238E27FC236}">
+                <a16:creationId xmlns:a16="http://schemas.microsoft.com/office/drawing/2014/main" id="{47C764E7-1FAA-4C42-B3AD-E434F7812F50}"/>
+              </a:ext>
+            </a:extLst>
+          </p:cNvPr>
+          <p:cNvPicPr>
+            <a:picLocks noChangeAspect="1"/>
+          </p:cNvPicPr>
+          <p:nvPr/>
+        </p:nvPicPr>
+        <p:blipFill>
+          <a:blip r:embed="rId2">
+            <a:extLst>
+              <a:ext uri="{28A0092B-C50C-407E-A947-70E740481C1C}">
+                <a14:useLocalDpi xmlns:a14="http://schemas.microsoft.com/office/drawing/2010/main" val="0"/>
+              </a:ext>
+            </a:extLst>
+          </a:blip>
+          <a:stretch>
+            <a:fillRect/>
+          </a:stretch>
+        </p:blipFill>
+        <p:spPr>
+          <a:xfrm>
+            <a:off x="2555776" y="3501728"/>
+            <a:ext cx="6408712" cy="3052149"/>
+          </a:xfrm>
+          <a:prstGeom prst="rect">
+            <a:avLst/>
+          </a:prstGeom>
+        </p:spPr>
+      </p:pic>
+      <mc:AlternateContent xmlns:mc="http://schemas.openxmlformats.org/markup-compatibility/2006" xmlns:a14="http://schemas.microsoft.com/office/drawing/2010/main">
+        <mc:Choice Requires="a14">
+          <p:sp>
+            <p:nvSpPr>
+              <p:cNvPr id="2" name="コンテンツ プレースホルダー 1">
+                <a:extLst>
+                  <a:ext uri="{FF2B5EF4-FFF2-40B4-BE49-F238E27FC236}">
+                    <a16:creationId xmlns:a16="http://schemas.microsoft.com/office/drawing/2014/main" id="{FAC03F3C-9DD7-446C-8145-47E4A622E60C}"/>
+                  </a:ext>
+                </a:extLst>
+              </p:cNvPr>
+              <p:cNvSpPr>
+                <a:spLocks noGrp="1"/>
+              </p:cNvSpPr>
+              <p:nvPr>
+                <p:ph idx="1"/>
+              </p:nvPr>
+            </p:nvSpPr>
+            <p:spPr/>
+            <p:txBody>
+              <a:bodyPr/>
+              <a:lstStyle/>
+              <a:p>
+                <a:r>
+                  <a:rPr kumimoji="1" lang="ja-JP" altLang="en-US"/>
+                  <a:t>従来のコンピュータのゲートに相当する演算部分</a:t>
+                </a:r>
+                <a:endParaRPr kumimoji="1" lang="en-US" altLang="ja-JP"/>
+              </a:p>
+              <a:p>
+                <a:r>
+                  <a:rPr kumimoji="1" lang="ja-JP" altLang="en-US"/>
+                  <a:t>ビット反転</a:t>
+                </a:r>
+                <a:r>
+                  <a:rPr kumimoji="1" lang="en-US" altLang="ja-JP"/>
+                  <a:t>(</a:t>
+                </a:r>
+                <a:r>
+                  <a:rPr kumimoji="1" lang="ja-JP" altLang="en-US"/>
+                  <a:t>ゲート</a:t>
+                </a:r>
+                <a:r>
+                  <a:rPr kumimoji="1" lang="en-US" altLang="ja-JP"/>
+                  <a:t>X : </a:t>
+                </a:r>
+                <a:r>
+                  <a:rPr kumimoji="1" lang="ja-JP" altLang="en-US"/>
+                  <a:t>従来の</a:t>
+                </a:r>
+                <a:r>
+                  <a:rPr kumimoji="1" lang="en-US" altLang="ja-JP"/>
+                  <a:t>1bit</a:t>
+                </a:r>
+                <a:r>
+                  <a:rPr kumimoji="1" lang="ja-JP" altLang="en-US"/>
+                  <a:t>反転に相当</a:t>
+                </a:r>
+                <a:r>
+                  <a:rPr kumimoji="1" lang="en-US" altLang="ja-JP"/>
+                  <a:t>)</a:t>
+                </a:r>
+              </a:p>
+              <a:p>
+                <a:pPr lvl="1"/>
+                <a14:m>
+                  <m:oMath xmlns:m="http://schemas.openxmlformats.org/officeDocument/2006/math">
+                    <m:d>
+                      <m:dPr>
+                        <m:begChr m:val="|"/>
+                        <m:endChr m:val="⟩"/>
+                        <m:ctrlPr>
+                          <a:rPr lang="en-US" altLang="ja-JP" b="0" i="1" smtClean="0">
+                            <a:latin typeface="Cambria Math" panose="02040503050406030204" pitchFamily="18" charset="0"/>
+                          </a:rPr>
+                        </m:ctrlPr>
+                      </m:dPr>
+                      <m:e>
+                        <m:r>
+                          <a:rPr lang="en-US" altLang="ja-JP" b="0" i="1" smtClean="0">
+                            <a:latin typeface="Cambria Math" panose="02040503050406030204" pitchFamily="18" charset="0"/>
+                          </a:rPr>
+                          <m:t>𝜑</m:t>
+                        </m:r>
+                      </m:e>
+                    </m:d>
+                    <m:r>
+                      <a:rPr lang="en-US" altLang="ja-JP" i="1">
+                        <a:latin typeface="Cambria Math" panose="02040503050406030204" pitchFamily="18" charset="0"/>
+                      </a:rPr>
+                      <m:t>=</m:t>
+                    </m:r>
+                    <m:r>
+                      <a:rPr lang="en-US" altLang="ja-JP" i="1">
+                        <a:latin typeface="Cambria Math" panose="02040503050406030204" pitchFamily="18" charset="0"/>
+                      </a:rPr>
+                      <m:t>𝑎</m:t>
+                    </m:r>
+                    <m:d>
+                      <m:dPr>
+                        <m:begChr m:val="|"/>
+                        <m:endChr m:val="⟩"/>
+                        <m:ctrlPr>
+                          <a:rPr lang="en-US" altLang="ja-JP" i="1">
+                            <a:latin typeface="Cambria Math" panose="02040503050406030204" pitchFamily="18" charset="0"/>
+                          </a:rPr>
+                        </m:ctrlPr>
+                      </m:dPr>
+                      <m:e>
+                        <m:r>
+                          <a:rPr lang="en-US" altLang="ja-JP" i="1">
+                            <a:latin typeface="Cambria Math" panose="02040503050406030204" pitchFamily="18" charset="0"/>
+                          </a:rPr>
+                          <m:t>0</m:t>
+                        </m:r>
+                      </m:e>
+                    </m:d>
+                    <m:r>
+                      <a:rPr lang="en-US" altLang="ja-JP" b="0" i="1" smtClean="0">
+                        <a:latin typeface="Cambria Math" panose="02040503050406030204" pitchFamily="18" charset="0"/>
+                      </a:rPr>
+                      <m:t>+</m:t>
+                    </m:r>
+                    <m:r>
+                      <a:rPr lang="en-US" altLang="ja-JP" b="0" i="1" smtClean="0">
+                        <a:latin typeface="Cambria Math" panose="02040503050406030204" pitchFamily="18" charset="0"/>
+                      </a:rPr>
+                      <m:t>𝑏</m:t>
+                    </m:r>
+                    <m:r>
+                      <a:rPr lang="en-US" altLang="ja-JP" i="1">
+                        <a:latin typeface="Cambria Math" panose="02040503050406030204" pitchFamily="18" charset="0"/>
+                      </a:rPr>
+                      <m:t>|</m:t>
+                    </m:r>
+                    <m:r>
+                      <a:rPr lang="en-US" altLang="ja-JP" b="0" i="1" smtClean="0">
+                        <a:latin typeface="Cambria Math" panose="02040503050406030204" pitchFamily="18" charset="0"/>
+                      </a:rPr>
+                      <m:t>1</m:t>
+                    </m:r>
+                    <m:r>
+                      <a:rPr lang="en-US" altLang="ja-JP" i="1">
+                        <a:latin typeface="Cambria Math" panose="02040503050406030204" pitchFamily="18" charset="0"/>
+                      </a:rPr>
+                      <m:t>⟩</m:t>
+                    </m:r>
+                  </m:oMath>
+                </a14:m>
+                <a:r>
+                  <a:rPr lang="en-US" altLang="ja-JP"/>
+                  <a:t> </a:t>
+                </a:r>
+                <a:r>
+                  <a:rPr lang="ja-JP" altLang="en-US"/>
+                  <a:t>→ </a:t>
+                </a:r>
+                <a14:m>
+                  <m:oMath xmlns:m="http://schemas.openxmlformats.org/officeDocument/2006/math">
+                    <m:d>
+                      <m:dPr>
+                        <m:begChr m:val="|"/>
+                        <m:endChr m:val="⟩"/>
+                        <m:ctrlPr>
+                          <a:rPr lang="en-US" altLang="ja-JP" i="1">
+                            <a:latin typeface="Cambria Math" panose="02040503050406030204" pitchFamily="18" charset="0"/>
+                          </a:rPr>
+                        </m:ctrlPr>
+                      </m:dPr>
+                      <m:e>
+                        <m:r>
+                          <a:rPr lang="en-US" altLang="ja-JP" i="1">
+                            <a:latin typeface="Cambria Math" panose="02040503050406030204" pitchFamily="18" charset="0"/>
+                          </a:rPr>
+                          <m:t>𝜑</m:t>
+                        </m:r>
+                        <m:r>
+                          <a:rPr lang="en-US" altLang="ja-JP" b="0" i="1" smtClean="0">
+                            <a:latin typeface="Cambria Math" panose="02040503050406030204" pitchFamily="18" charset="0"/>
+                          </a:rPr>
+                          <m:t>′</m:t>
+                        </m:r>
+                      </m:e>
+                    </m:d>
+                    <m:r>
+                      <a:rPr lang="en-US" altLang="ja-JP" i="1">
+                        <a:latin typeface="Cambria Math" panose="02040503050406030204" pitchFamily="18" charset="0"/>
+                      </a:rPr>
+                      <m:t>=</m:t>
+                    </m:r>
+                    <m:r>
+                      <a:rPr lang="en-US" altLang="ja-JP" b="0" i="1" smtClean="0">
+                        <a:latin typeface="Cambria Math" panose="02040503050406030204" pitchFamily="18" charset="0"/>
+                      </a:rPr>
+                      <m:t>𝑏</m:t>
+                    </m:r>
+                    <m:d>
+                      <m:dPr>
+                        <m:begChr m:val="|"/>
+                        <m:endChr m:val="⟩"/>
+                        <m:ctrlPr>
+                          <a:rPr lang="en-US" altLang="ja-JP" i="1">
+                            <a:latin typeface="Cambria Math" panose="02040503050406030204" pitchFamily="18" charset="0"/>
+                          </a:rPr>
+                        </m:ctrlPr>
+                      </m:dPr>
+                      <m:e>
+                        <m:r>
+                          <a:rPr lang="en-US" altLang="ja-JP" i="1">
+                            <a:latin typeface="Cambria Math" panose="02040503050406030204" pitchFamily="18" charset="0"/>
+                          </a:rPr>
+                          <m:t>0</m:t>
+                        </m:r>
+                      </m:e>
+                    </m:d>
+                    <m:r>
+                      <a:rPr lang="en-US" altLang="ja-JP" i="1">
+                        <a:latin typeface="Cambria Math" panose="02040503050406030204" pitchFamily="18" charset="0"/>
+                      </a:rPr>
+                      <m:t>+</m:t>
+                    </m:r>
+                    <m:r>
+                      <a:rPr lang="en-US" altLang="ja-JP" b="0" i="1" smtClean="0">
+                        <a:latin typeface="Cambria Math" panose="02040503050406030204" pitchFamily="18" charset="0"/>
+                      </a:rPr>
+                      <m:t>𝑎</m:t>
+                    </m:r>
+                    <m:d>
+                      <m:dPr>
+                        <m:begChr m:val="|"/>
+                        <m:endChr m:val="⟩"/>
+                        <m:ctrlPr>
+                          <a:rPr lang="en-US" altLang="ja-JP" i="1">
+                            <a:latin typeface="Cambria Math" panose="02040503050406030204" pitchFamily="18" charset="0"/>
+                          </a:rPr>
+                        </m:ctrlPr>
+                      </m:dPr>
+                      <m:e>
+                        <m:r>
+                          <a:rPr lang="en-US" altLang="ja-JP" i="1">
+                            <a:latin typeface="Cambria Math" panose="02040503050406030204" pitchFamily="18" charset="0"/>
+                          </a:rPr>
+                          <m:t>1</m:t>
+                        </m:r>
+                      </m:e>
+                    </m:d>
+                  </m:oMath>
+                </a14:m>
+                <a:endParaRPr lang="en-US" altLang="ja-JP"/>
+              </a:p>
+              <a:p>
+                <a14:m>
+                  <m:oMath xmlns:m="http://schemas.openxmlformats.org/officeDocument/2006/math">
+                    <m:r>
+                      <a:rPr lang="en-US" altLang="ja-JP" i="1" smtClean="0">
+                        <a:latin typeface="Cambria Math" panose="02040503050406030204" pitchFamily="18" charset="0"/>
+                      </a:rPr>
+                      <m:t>|</m:t>
+                    </m:r>
+                    <m:r>
+                      <a:rPr lang="en-US" altLang="ja-JP" b="0" i="1" smtClean="0">
+                        <a:latin typeface="Cambria Math" panose="02040503050406030204" pitchFamily="18" charset="0"/>
+                      </a:rPr>
+                      <m:t>1</m:t>
+                    </m:r>
+                    <m:r>
+                      <a:rPr lang="en-US" altLang="ja-JP" i="1">
+                        <a:latin typeface="Cambria Math" panose="02040503050406030204" pitchFamily="18" charset="0"/>
+                      </a:rPr>
+                      <m:t>⟩</m:t>
+                    </m:r>
+                  </m:oMath>
+                </a14:m>
+                <a:r>
+                  <a:rPr kumimoji="1" lang="ja-JP" altLang="en-US"/>
+                  <a:t>の符号だけを反転</a:t>
+                </a:r>
+                <a:r>
+                  <a:rPr kumimoji="1" lang="en-US" altLang="ja-JP"/>
+                  <a:t>(</a:t>
+                </a:r>
+                <a:r>
+                  <a:rPr kumimoji="1" lang="ja-JP" altLang="en-US"/>
+                  <a:t>ゲート</a:t>
+                </a:r>
+                <a:r>
+                  <a:rPr kumimoji="1" lang="en-US" altLang="ja-JP"/>
+                  <a:t>Z)</a:t>
+                </a:r>
+              </a:p>
+              <a:p>
+                <a:pPr lvl="1"/>
+                <a14:m>
+                  <m:oMath xmlns:m="http://schemas.openxmlformats.org/officeDocument/2006/math">
+                    <m:d>
+                      <m:dPr>
+                        <m:begChr m:val="|"/>
+                        <m:endChr m:val="⟩"/>
+                        <m:ctrlPr>
+                          <a:rPr lang="en-US" altLang="ja-JP" b="0" i="1" smtClean="0">
+                            <a:latin typeface="Cambria Math" panose="02040503050406030204" pitchFamily="18" charset="0"/>
+                          </a:rPr>
+                        </m:ctrlPr>
+                      </m:dPr>
+                      <m:e>
+                        <m:r>
+                          <a:rPr lang="en-US" altLang="ja-JP" b="0" i="1" smtClean="0">
+                            <a:latin typeface="Cambria Math" panose="02040503050406030204" pitchFamily="18" charset="0"/>
+                          </a:rPr>
+                          <m:t>𝜑</m:t>
+                        </m:r>
+                      </m:e>
+                    </m:d>
+                    <m:r>
+                      <a:rPr lang="en-US" altLang="ja-JP" i="1">
+                        <a:latin typeface="Cambria Math" panose="02040503050406030204" pitchFamily="18" charset="0"/>
+                      </a:rPr>
+                      <m:t>=</m:t>
+                    </m:r>
+                    <m:r>
+                      <a:rPr lang="en-US" altLang="ja-JP" i="1">
+                        <a:latin typeface="Cambria Math" panose="02040503050406030204" pitchFamily="18" charset="0"/>
+                      </a:rPr>
+                      <m:t>𝑎</m:t>
+                    </m:r>
+                    <m:d>
+                      <m:dPr>
+                        <m:begChr m:val="|"/>
+                        <m:endChr m:val="⟩"/>
+                        <m:ctrlPr>
+                          <a:rPr lang="en-US" altLang="ja-JP" i="1">
+                            <a:latin typeface="Cambria Math" panose="02040503050406030204" pitchFamily="18" charset="0"/>
+                          </a:rPr>
+                        </m:ctrlPr>
+                      </m:dPr>
+                      <m:e>
+                        <m:r>
+                          <a:rPr lang="en-US" altLang="ja-JP" i="1">
+                            <a:latin typeface="Cambria Math" panose="02040503050406030204" pitchFamily="18" charset="0"/>
+                          </a:rPr>
+                          <m:t>0</m:t>
+                        </m:r>
+                      </m:e>
+                    </m:d>
+                    <m:r>
+                      <a:rPr lang="en-US" altLang="ja-JP" b="0" i="1" smtClean="0">
+                        <a:latin typeface="Cambria Math" panose="02040503050406030204" pitchFamily="18" charset="0"/>
+                      </a:rPr>
+                      <m:t>+</m:t>
+                    </m:r>
+                    <m:r>
+                      <a:rPr lang="en-US" altLang="ja-JP" b="0" i="1" smtClean="0">
+                        <a:latin typeface="Cambria Math" panose="02040503050406030204" pitchFamily="18" charset="0"/>
+                      </a:rPr>
+                      <m:t>𝑏</m:t>
+                    </m:r>
+                    <m:r>
+                      <a:rPr lang="en-US" altLang="ja-JP" i="1">
+                        <a:latin typeface="Cambria Math" panose="02040503050406030204" pitchFamily="18" charset="0"/>
+                      </a:rPr>
+                      <m:t>|</m:t>
+                    </m:r>
+                    <m:r>
+                      <a:rPr lang="en-US" altLang="ja-JP" b="0" i="1" smtClean="0">
+                        <a:latin typeface="Cambria Math" panose="02040503050406030204" pitchFamily="18" charset="0"/>
+                      </a:rPr>
+                      <m:t>1</m:t>
+                    </m:r>
+                    <m:r>
+                      <a:rPr lang="en-US" altLang="ja-JP" i="1">
+                        <a:latin typeface="Cambria Math" panose="02040503050406030204" pitchFamily="18" charset="0"/>
+                      </a:rPr>
+                      <m:t>⟩</m:t>
+                    </m:r>
+                  </m:oMath>
+                </a14:m>
+                <a:r>
+                  <a:rPr lang="en-US" altLang="ja-JP"/>
+                  <a:t> </a:t>
+                </a:r>
+                <a:r>
+                  <a:rPr lang="ja-JP" altLang="en-US"/>
+                  <a:t>→ </a:t>
+                </a:r>
+                <a14:m>
+                  <m:oMath xmlns:m="http://schemas.openxmlformats.org/officeDocument/2006/math">
+                    <m:d>
+                      <m:dPr>
+                        <m:begChr m:val="|"/>
+                        <m:endChr m:val="⟩"/>
+                        <m:ctrlPr>
+                          <a:rPr lang="en-US" altLang="ja-JP" i="1">
+                            <a:latin typeface="Cambria Math" panose="02040503050406030204" pitchFamily="18" charset="0"/>
+                          </a:rPr>
+                        </m:ctrlPr>
+                      </m:dPr>
+                      <m:e>
+                        <m:r>
+                          <a:rPr lang="en-US" altLang="ja-JP" i="1">
+                            <a:latin typeface="Cambria Math" panose="02040503050406030204" pitchFamily="18" charset="0"/>
+                          </a:rPr>
+                          <m:t>𝜑</m:t>
+                        </m:r>
+                        <m:r>
+                          <a:rPr lang="en-US" altLang="ja-JP" b="0" i="1" smtClean="0">
+                            <a:latin typeface="Cambria Math" panose="02040503050406030204" pitchFamily="18" charset="0"/>
+                          </a:rPr>
+                          <m:t>′</m:t>
+                        </m:r>
+                      </m:e>
+                    </m:d>
+                    <m:r>
+                      <a:rPr lang="en-US" altLang="ja-JP" i="1">
+                        <a:latin typeface="Cambria Math" panose="02040503050406030204" pitchFamily="18" charset="0"/>
+                      </a:rPr>
+                      <m:t>=</m:t>
+                    </m:r>
+                    <m:r>
+                      <a:rPr lang="en-US" altLang="ja-JP" b="0" i="1" smtClean="0">
+                        <a:latin typeface="Cambria Math" panose="02040503050406030204" pitchFamily="18" charset="0"/>
+                      </a:rPr>
+                      <m:t>𝑎</m:t>
+                    </m:r>
+                    <m:d>
+                      <m:dPr>
+                        <m:begChr m:val="|"/>
+                        <m:endChr m:val="⟩"/>
+                        <m:ctrlPr>
+                          <a:rPr lang="en-US" altLang="ja-JP" i="1">
+                            <a:latin typeface="Cambria Math" panose="02040503050406030204" pitchFamily="18" charset="0"/>
+                          </a:rPr>
+                        </m:ctrlPr>
+                      </m:dPr>
+                      <m:e>
+                        <m:r>
+                          <a:rPr lang="en-US" altLang="ja-JP" i="1">
+                            <a:latin typeface="Cambria Math" panose="02040503050406030204" pitchFamily="18" charset="0"/>
+                          </a:rPr>
+                          <m:t>0</m:t>
+                        </m:r>
+                      </m:e>
+                    </m:d>
+                    <m:r>
+                      <a:rPr lang="en-US" altLang="ja-JP" b="0" i="1" smtClean="0">
+                        <a:latin typeface="Cambria Math" panose="02040503050406030204" pitchFamily="18" charset="0"/>
+                      </a:rPr>
+                      <m:t>−</m:t>
+                    </m:r>
+                    <m:r>
+                      <a:rPr lang="en-US" altLang="ja-JP" b="0" i="1" smtClean="0">
+                        <a:latin typeface="Cambria Math" panose="02040503050406030204" pitchFamily="18" charset="0"/>
+                      </a:rPr>
+                      <m:t>𝑏</m:t>
+                    </m:r>
+                    <m:d>
+                      <m:dPr>
+                        <m:begChr m:val="|"/>
+                        <m:endChr m:val="⟩"/>
+                        <m:ctrlPr>
+                          <a:rPr lang="en-US" altLang="ja-JP" i="1">
+                            <a:latin typeface="Cambria Math" panose="02040503050406030204" pitchFamily="18" charset="0"/>
+                          </a:rPr>
+                        </m:ctrlPr>
+                      </m:dPr>
+                      <m:e>
+                        <m:r>
+                          <a:rPr lang="en-US" altLang="ja-JP" i="1">
+                            <a:latin typeface="Cambria Math" panose="02040503050406030204" pitchFamily="18" charset="0"/>
+                          </a:rPr>
+                          <m:t>1</m:t>
+                        </m:r>
+                      </m:e>
+                    </m:d>
+                  </m:oMath>
+                </a14:m>
+                <a:endParaRPr kumimoji="1" lang="en-US" altLang="ja-JP"/>
+              </a:p>
+              <a:p>
+                <a:r>
+                  <a:rPr kumimoji="1" lang="en-US" altLang="ja-JP"/>
+                  <a:t>Hadamard</a:t>
+                </a:r>
+                <a:r>
+                  <a:rPr kumimoji="1" lang="ja-JP" altLang="en-US"/>
+                  <a:t>変換</a:t>
+                </a:r>
+                <a:endParaRPr kumimoji="1" lang="en-US" altLang="ja-JP"/>
+              </a:p>
+              <a:p>
+                <a:pPr lvl="1"/>
+                <a:r>
+                  <a:rPr kumimoji="1" lang="ja-JP" altLang="en-US"/>
+                  <a:t>斜め</a:t>
+                </a:r>
+                <a:r>
+                  <a:rPr kumimoji="1" lang="en-US" altLang="ja-JP"/>
+                  <a:t>45</a:t>
+                </a:r>
+                <a:r>
+                  <a:rPr kumimoji="1" lang="ja-JP" altLang="en-US"/>
+                  <a:t>度回転</a:t>
+                </a:r>
+              </a:p>
+            </p:txBody>
+          </p:sp>
+        </mc:Choice>
+        <mc:Fallback xmlns="">
+          <p:sp>
+            <p:nvSpPr>
+              <p:cNvPr id="2" name="コンテンツ プレースホルダー 1">
+                <a:extLst>
+                  <a:ext uri="{FF2B5EF4-FFF2-40B4-BE49-F238E27FC236}">
+                    <a16:creationId xmlns:a16="http://schemas.microsoft.com/office/drawing/2014/main" id="{FAC03F3C-9DD7-446C-8145-47E4A622E60C}"/>
+                  </a:ext>
+                </a:extLst>
+              </p:cNvPr>
+              <p:cNvSpPr>
+                <a:spLocks noGrp="1" noRot="1" noChangeAspect="1" noMove="1" noResize="1" noEditPoints="1" noAdjustHandles="1" noChangeArrowheads="1" noChangeShapeType="1" noTextEdit="1"/>
+              </p:cNvSpPr>
+              <p:nvPr>
+                <p:ph idx="1"/>
+              </p:nvPr>
+            </p:nvSpPr>
+            <p:spPr>
+              <a:blipFill>
+                <a:blip r:embed="rId3"/>
+                <a:stretch>
+                  <a:fillRect l="-1200" t="-1038"/>
+                </a:stretch>
+              </a:blipFill>
+            </p:spPr>
+            <p:txBody>
+              <a:bodyPr/>
+              <a:lstStyle/>
+              <a:p>
+                <a:r>
+                  <a:rPr lang="ja-JP" altLang="en-US">
+                    <a:noFill/>
+                  </a:rPr>
+                  <a:t> </a:t>
+                </a:r>
+              </a:p>
+            </p:txBody>
+          </p:sp>
+        </mc:Fallback>
+      </mc:AlternateContent>
+      <p:sp>
+        <p:nvSpPr>
+          <p:cNvPr id="3" name="スライド番号プレースホルダー 2">
+            <a:extLst>
+              <a:ext uri="{FF2B5EF4-FFF2-40B4-BE49-F238E27FC236}">
+                <a16:creationId xmlns:a16="http://schemas.microsoft.com/office/drawing/2014/main" id="{CB7ADA60-46F0-4958-8A4D-17E1EB14CEF7}"/>
+              </a:ext>
+            </a:extLst>
+          </p:cNvPr>
+          <p:cNvSpPr>
+            <a:spLocks noGrp="1"/>
+          </p:cNvSpPr>
+          <p:nvPr>
+            <p:ph type="sldNum" sz="quarter" idx="12"/>
+          </p:nvPr>
+        </p:nvSpPr>
+        <p:spPr/>
+        <p:txBody>
+          <a:bodyPr/>
+          <a:lstStyle/>
+          <a:p>
+            <a:pPr>
+              <a:defRPr/>
+            </a:pPr>
+            <a:r>
+              <a:rPr lang="en-US" altLang="ja-JP"/>
+              <a:t>    </a:t>
+            </a:r>
+            <a:fld id="{B2782DEB-472A-4FE5-AC34-C17109CF5A91}" type="slidenum">
+              <a:rPr lang="en-US" altLang="ja-JP" smtClean="0"/>
+              <a:pPr>
+                <a:defRPr/>
+              </a:pPr>
+              <a:t>29</a:t>
+            </a:fld>
+            <a:r>
+              <a:rPr lang="en-US" altLang="ja-JP"/>
+              <a:t> / 24</a:t>
+            </a:r>
+          </a:p>
+        </p:txBody>
+      </p:sp>
+      <p:sp>
+        <p:nvSpPr>
+          <p:cNvPr id="4" name="タイトル 3">
+            <a:extLst>
+              <a:ext uri="{FF2B5EF4-FFF2-40B4-BE49-F238E27FC236}">
+                <a16:creationId xmlns:a16="http://schemas.microsoft.com/office/drawing/2014/main" id="{F4F5337C-D1C8-4D50-8955-2763427981FB}"/>
+              </a:ext>
+            </a:extLst>
+          </p:cNvPr>
+          <p:cNvSpPr>
+            <a:spLocks noGrp="1"/>
+          </p:cNvSpPr>
+          <p:nvPr>
+            <p:ph type="title"/>
+          </p:nvPr>
+        </p:nvSpPr>
+        <p:spPr/>
+        <p:txBody>
+          <a:bodyPr/>
+          <a:lstStyle/>
+          <a:p>
+            <a:r>
+              <a:rPr kumimoji="1" lang="ja-JP" altLang="en-US"/>
+              <a:t>量子ゲート</a:t>
+            </a:r>
+          </a:p>
+        </p:txBody>
+      </p:sp>
+    </p:spTree>
+    <p:extLst>
+      <p:ext uri="{BB962C8B-B14F-4D97-AF65-F5344CB8AC3E}">
+        <p14:creationId xmlns:p14="http://schemas.microsoft.com/office/powerpoint/2010/main" val="45279652"/>
+      </p:ext>
+    </p:extLst>
+  </p:cSld>
+  <p:clrMapOvr>
+    <a:masterClrMapping/>
+  </p:clrMapOvr>
+</p:sld>
+</file>
+
 <file path=ppt/slides/slide3.xml><?xml version="1.0" encoding="utf-8"?>
 <p:sld xmlns:a="http://schemas.openxmlformats.org/drawingml/2006/main" xmlns:r="http://schemas.openxmlformats.org/officeDocument/2006/relationships" xmlns:p="http://schemas.openxmlformats.org/presentationml/2006/main">
   <p:cSld>
@@ -13317,6 +15223,6508 @@
     <p:extLst>
       <p:ext uri="{BB962C8B-B14F-4D97-AF65-F5344CB8AC3E}">
         <p14:creationId xmlns:p14="http://schemas.microsoft.com/office/powerpoint/2010/main" val="1193188017"/>
+      </p:ext>
+    </p:extLst>
+  </p:cSld>
+  <p:clrMapOvr>
+    <a:masterClrMapping/>
+  </p:clrMapOvr>
+</p:sld>
+</file>
+
+<file path=ppt/slides/slide30.xml><?xml version="1.0" encoding="utf-8"?>
+<p:sld xmlns:a="http://schemas.openxmlformats.org/drawingml/2006/main" xmlns:r="http://schemas.openxmlformats.org/officeDocument/2006/relationships" xmlns:p="http://schemas.openxmlformats.org/presentationml/2006/main">
+  <p:cSld>
+    <p:spTree>
+      <p:nvGrpSpPr>
+        <p:cNvPr id="1" name=""/>
+        <p:cNvGrpSpPr/>
+        <p:nvPr/>
+      </p:nvGrpSpPr>
+      <p:grpSpPr>
+        <a:xfrm>
+          <a:off x="0" y="0"/>
+          <a:ext cx="0" cy="0"/>
+          <a:chOff x="0" y="0"/>
+          <a:chExt cx="0" cy="0"/>
+        </a:xfrm>
+      </p:grpSpPr>
+      <mc:AlternateContent xmlns:mc="http://schemas.openxmlformats.org/markup-compatibility/2006" xmlns:a14="http://schemas.microsoft.com/office/drawing/2010/main">
+        <mc:Choice Requires="a14">
+          <p:sp>
+            <p:nvSpPr>
+              <p:cNvPr id="2" name="コンテンツ プレースホルダー 1">
+                <a:extLst>
+                  <a:ext uri="{FF2B5EF4-FFF2-40B4-BE49-F238E27FC236}">
+                    <a16:creationId xmlns:a16="http://schemas.microsoft.com/office/drawing/2014/main" id="{FE863C1C-085D-438C-9540-EB77478B2C74}"/>
+                  </a:ext>
+                </a:extLst>
+              </p:cNvPr>
+              <p:cNvSpPr>
+                <a:spLocks noGrp="1"/>
+              </p:cNvSpPr>
+              <p:nvPr>
+                <p:ph idx="1"/>
+              </p:nvPr>
+            </p:nvSpPr>
+            <p:spPr/>
+            <p:txBody>
+              <a:bodyPr/>
+              <a:lstStyle/>
+              <a:p>
+                <a:r>
+                  <a:rPr lang="en-US" altLang="ja-JP" b="0"/>
+                  <a:t>1qbit</a:t>
+                </a:r>
+                <a:r>
+                  <a:rPr lang="ja-JP" altLang="en-US" b="0"/>
+                  <a:t>が</a:t>
+                </a:r>
+                <a:r>
+                  <a:rPr lang="en-US" altLang="ja-JP" b="0"/>
+                  <a:t>2</a:t>
+                </a:r>
+                <a:r>
+                  <a:rPr lang="ja-JP" altLang="en-US" b="0"/>
+                  <a:t>個 </a:t>
+                </a:r>
+                <a14:m>
+                  <m:oMath xmlns:m="http://schemas.openxmlformats.org/officeDocument/2006/math">
+                    <m:r>
+                      <a:rPr lang="en-US" altLang="ja-JP" b="0" i="1" smtClean="0">
+                        <a:latin typeface="Cambria Math" panose="02040503050406030204" pitchFamily="18" charset="0"/>
+                      </a:rPr>
+                      <m:t>𝑥</m:t>
+                    </m:r>
+                    <m:r>
+                      <a:rPr lang="en-US" altLang="ja-JP" i="1">
+                        <a:latin typeface="Cambria Math" panose="02040503050406030204" pitchFamily="18" charset="0"/>
+                      </a:rPr>
+                      <m:t>=</m:t>
+                    </m:r>
+                    <m:r>
+                      <a:rPr lang="en-US" altLang="ja-JP" i="1">
+                        <a:latin typeface="Cambria Math" panose="02040503050406030204" pitchFamily="18" charset="0"/>
+                      </a:rPr>
+                      <m:t>𝑎</m:t>
+                    </m:r>
+                    <m:d>
+                      <m:dPr>
+                        <m:begChr m:val="|"/>
+                        <m:endChr m:val="⟩"/>
+                        <m:ctrlPr>
+                          <a:rPr lang="en-US" altLang="ja-JP" i="1">
+                            <a:latin typeface="Cambria Math" panose="02040503050406030204" pitchFamily="18" charset="0"/>
+                          </a:rPr>
+                        </m:ctrlPr>
+                      </m:dPr>
+                      <m:e>
+                        <m:r>
+                          <a:rPr lang="en-US" altLang="ja-JP" i="1">
+                            <a:latin typeface="Cambria Math" panose="02040503050406030204" pitchFamily="18" charset="0"/>
+                          </a:rPr>
+                          <m:t>0</m:t>
+                        </m:r>
+                      </m:e>
+                    </m:d>
+                    <m:r>
+                      <a:rPr lang="en-US" altLang="ja-JP" b="0" i="1" smtClean="0">
+                        <a:latin typeface="Cambria Math" panose="02040503050406030204" pitchFamily="18" charset="0"/>
+                      </a:rPr>
+                      <m:t>+</m:t>
+                    </m:r>
+                    <m:r>
+                      <a:rPr lang="en-US" altLang="ja-JP" b="0" i="1" smtClean="0">
+                        <a:latin typeface="Cambria Math" panose="02040503050406030204" pitchFamily="18" charset="0"/>
+                      </a:rPr>
+                      <m:t>𝑏</m:t>
+                    </m:r>
+                    <m:r>
+                      <a:rPr lang="en-US" altLang="ja-JP" i="1">
+                        <a:latin typeface="Cambria Math" panose="02040503050406030204" pitchFamily="18" charset="0"/>
+                      </a:rPr>
+                      <m:t>|</m:t>
+                    </m:r>
+                    <m:r>
+                      <a:rPr lang="en-US" altLang="ja-JP" b="0" i="1" smtClean="0">
+                        <a:latin typeface="Cambria Math" panose="02040503050406030204" pitchFamily="18" charset="0"/>
+                      </a:rPr>
+                      <m:t>1</m:t>
+                    </m:r>
+                    <m:r>
+                      <a:rPr lang="en-US" altLang="ja-JP" i="1">
+                        <a:latin typeface="Cambria Math" panose="02040503050406030204" pitchFamily="18" charset="0"/>
+                      </a:rPr>
+                      <m:t>⟩</m:t>
+                    </m:r>
+                  </m:oMath>
+                </a14:m>
+                <a:r>
+                  <a:rPr kumimoji="1" lang="en-US" altLang="ja-JP"/>
+                  <a:t>, </a:t>
+                </a:r>
+                <a14:m>
+                  <m:oMath xmlns:m="http://schemas.openxmlformats.org/officeDocument/2006/math">
+                    <m:r>
+                      <a:rPr lang="en-US" altLang="ja-JP" b="0" i="1" smtClean="0">
+                        <a:latin typeface="Cambria Math" panose="02040503050406030204" pitchFamily="18" charset="0"/>
+                      </a:rPr>
+                      <m:t>𝑦</m:t>
+                    </m:r>
+                    <m:r>
+                      <a:rPr lang="en-US" altLang="ja-JP" i="1">
+                        <a:latin typeface="Cambria Math" panose="02040503050406030204" pitchFamily="18" charset="0"/>
+                      </a:rPr>
+                      <m:t>=</m:t>
+                    </m:r>
+                    <m:r>
+                      <a:rPr lang="en-US" altLang="ja-JP" b="0" i="1" smtClean="0">
+                        <a:latin typeface="Cambria Math" panose="02040503050406030204" pitchFamily="18" charset="0"/>
+                      </a:rPr>
+                      <m:t>𝑐</m:t>
+                    </m:r>
+                    <m:d>
+                      <m:dPr>
+                        <m:begChr m:val="|"/>
+                        <m:endChr m:val="⟩"/>
+                        <m:ctrlPr>
+                          <a:rPr lang="en-US" altLang="ja-JP" i="1">
+                            <a:latin typeface="Cambria Math" panose="02040503050406030204" pitchFamily="18" charset="0"/>
+                          </a:rPr>
+                        </m:ctrlPr>
+                      </m:dPr>
+                      <m:e>
+                        <m:r>
+                          <a:rPr lang="en-US" altLang="ja-JP" i="1">
+                            <a:latin typeface="Cambria Math" panose="02040503050406030204" pitchFamily="18" charset="0"/>
+                          </a:rPr>
+                          <m:t>0</m:t>
+                        </m:r>
+                      </m:e>
+                    </m:d>
+                    <m:r>
+                      <a:rPr lang="en-US" altLang="ja-JP" i="1">
+                        <a:latin typeface="Cambria Math" panose="02040503050406030204" pitchFamily="18" charset="0"/>
+                      </a:rPr>
+                      <m:t>+</m:t>
+                    </m:r>
+                    <m:r>
+                      <a:rPr lang="en-US" altLang="ja-JP" b="0" i="1" smtClean="0">
+                        <a:latin typeface="Cambria Math" panose="02040503050406030204" pitchFamily="18" charset="0"/>
+                      </a:rPr>
+                      <m:t>𝑑</m:t>
+                    </m:r>
+                    <m:r>
+                      <a:rPr lang="en-US" altLang="ja-JP" i="1">
+                        <a:latin typeface="Cambria Math" panose="02040503050406030204" pitchFamily="18" charset="0"/>
+                      </a:rPr>
+                      <m:t>|1⟩</m:t>
+                    </m:r>
+                  </m:oMath>
+                </a14:m>
+                <a:endParaRPr kumimoji="1" lang="en-US" altLang="ja-JP"/>
+              </a:p>
+              <a:p>
+                <a:pPr lvl="1"/>
+                <a:r>
+                  <a:rPr kumimoji="1" lang="ja-JP" altLang="en-US"/>
+                  <a:t>形式的な積</a:t>
+                </a:r>
+                <a14:m>
+                  <m:oMath xmlns:m="http://schemas.openxmlformats.org/officeDocument/2006/math">
+                    <m:r>
+                      <a:rPr kumimoji="1" lang="en-US" altLang="ja-JP" b="0" i="1" smtClean="0">
+                        <a:latin typeface="Cambria Math" panose="02040503050406030204" pitchFamily="18" charset="0"/>
+                      </a:rPr>
+                      <m:t>⊗</m:t>
+                    </m:r>
+                  </m:oMath>
+                </a14:m>
+                <a:r>
+                  <a:rPr kumimoji="1" lang="ja-JP" altLang="en-US"/>
+                  <a:t>を使う</a:t>
+                </a:r>
+                <a:endParaRPr kumimoji="1" lang="en-US" altLang="ja-JP"/>
+              </a:p>
+              <a:p>
+                <a:pPr lvl="2"/>
+                <a14:m>
+                  <m:oMath xmlns:m="http://schemas.openxmlformats.org/officeDocument/2006/math">
+                    <m:r>
+                      <a:rPr kumimoji="1" lang="en-US" altLang="ja-JP" b="0" i="1" smtClean="0">
+                        <a:latin typeface="Cambria Math" panose="02040503050406030204" pitchFamily="18" charset="0"/>
+                      </a:rPr>
+                      <m:t>𝑥</m:t>
+                    </m:r>
+                  </m:oMath>
+                </a14:m>
+                <a:r>
+                  <a:rPr kumimoji="1" lang="ja-JP" altLang="en-US"/>
+                  <a:t>が状態</a:t>
+                </a:r>
+                <a14:m>
+                  <m:oMath xmlns:m="http://schemas.openxmlformats.org/officeDocument/2006/math">
+                    <m:d>
+                      <m:dPr>
+                        <m:begChr m:val="|"/>
+                        <m:endChr m:val="⟩"/>
+                        <m:ctrlPr>
+                          <a:rPr lang="en-US" altLang="ja-JP" i="1">
+                            <a:latin typeface="Cambria Math" panose="02040503050406030204" pitchFamily="18" charset="0"/>
+                          </a:rPr>
+                        </m:ctrlPr>
+                      </m:dPr>
+                      <m:e>
+                        <m:r>
+                          <a:rPr lang="en-US" altLang="ja-JP" i="1">
+                            <a:latin typeface="Cambria Math" panose="02040503050406030204" pitchFamily="18" charset="0"/>
+                          </a:rPr>
+                          <m:t>0</m:t>
+                        </m:r>
+                      </m:e>
+                    </m:d>
+                  </m:oMath>
+                </a14:m>
+                <a:r>
+                  <a:rPr kumimoji="1" lang="ja-JP" altLang="en-US"/>
+                  <a:t>で</a:t>
+                </a:r>
+                <a14:m>
+                  <m:oMath xmlns:m="http://schemas.openxmlformats.org/officeDocument/2006/math">
+                    <m:r>
+                      <a:rPr kumimoji="1" lang="en-US" altLang="ja-JP" b="0" i="1" smtClean="0">
+                        <a:latin typeface="Cambria Math" panose="02040503050406030204" pitchFamily="18" charset="0"/>
+                      </a:rPr>
+                      <m:t>𝑦</m:t>
+                    </m:r>
+                  </m:oMath>
+                </a14:m>
+                <a:r>
+                  <a:rPr kumimoji="1" lang="ja-JP" altLang="en-US"/>
+                  <a:t>が状態</a:t>
+                </a:r>
+                <a14:m>
+                  <m:oMath xmlns:m="http://schemas.openxmlformats.org/officeDocument/2006/math">
+                    <m:d>
+                      <m:dPr>
+                        <m:begChr m:val="|"/>
+                        <m:endChr m:val="⟩"/>
+                        <m:ctrlPr>
+                          <a:rPr lang="en-US" altLang="ja-JP" i="1">
+                            <a:latin typeface="Cambria Math" panose="02040503050406030204" pitchFamily="18" charset="0"/>
+                          </a:rPr>
+                        </m:ctrlPr>
+                      </m:dPr>
+                      <m:e>
+                        <m:r>
+                          <a:rPr lang="en-US" altLang="ja-JP" i="1">
+                            <a:latin typeface="Cambria Math" panose="02040503050406030204" pitchFamily="18" charset="0"/>
+                          </a:rPr>
+                          <m:t>0</m:t>
+                        </m:r>
+                      </m:e>
+                    </m:d>
+                  </m:oMath>
+                </a14:m>
+                <a:r>
+                  <a:rPr kumimoji="1" lang="ja-JP" altLang="en-US"/>
+                  <a:t>のときを</a:t>
+                </a:r>
+                <a14:m>
+                  <m:oMath xmlns:m="http://schemas.openxmlformats.org/officeDocument/2006/math">
+                    <m:d>
+                      <m:dPr>
+                        <m:begChr m:val="|"/>
+                        <m:endChr m:val="⟩"/>
+                        <m:ctrlPr>
+                          <a:rPr lang="en-US" altLang="ja-JP" i="1">
+                            <a:latin typeface="Cambria Math" panose="02040503050406030204" pitchFamily="18" charset="0"/>
+                          </a:rPr>
+                        </m:ctrlPr>
+                      </m:dPr>
+                      <m:e>
+                        <m:r>
+                          <a:rPr lang="en-US" altLang="ja-JP" i="1">
+                            <a:latin typeface="Cambria Math" panose="02040503050406030204" pitchFamily="18" charset="0"/>
+                          </a:rPr>
+                          <m:t>0</m:t>
+                        </m:r>
+                      </m:e>
+                    </m:d>
+                    <m:r>
+                      <a:rPr lang="en-US" altLang="ja-JP" b="0" i="1" smtClean="0">
+                        <a:latin typeface="Cambria Math" panose="02040503050406030204" pitchFamily="18" charset="0"/>
+                      </a:rPr>
+                      <m:t>⊗</m:t>
+                    </m:r>
+                    <m:d>
+                      <m:dPr>
+                        <m:begChr m:val="|"/>
+                        <m:endChr m:val="⟩"/>
+                        <m:ctrlPr>
+                          <a:rPr lang="en-US" altLang="ja-JP" i="1">
+                            <a:latin typeface="Cambria Math" panose="02040503050406030204" pitchFamily="18" charset="0"/>
+                          </a:rPr>
+                        </m:ctrlPr>
+                      </m:dPr>
+                      <m:e>
+                        <m:r>
+                          <a:rPr lang="en-US" altLang="ja-JP" i="1">
+                            <a:latin typeface="Cambria Math" panose="02040503050406030204" pitchFamily="18" charset="0"/>
+                          </a:rPr>
+                          <m:t>0</m:t>
+                        </m:r>
+                      </m:e>
+                    </m:d>
+                    <m:r>
+                      <a:rPr lang="en-US" altLang="ja-JP" b="0" i="1" smtClean="0">
+                        <a:latin typeface="Cambria Math" panose="02040503050406030204" pitchFamily="18" charset="0"/>
+                      </a:rPr>
+                      <m:t>=</m:t>
+                    </m:r>
+                    <m:d>
+                      <m:dPr>
+                        <m:begChr m:val="|"/>
+                        <m:endChr m:val="⟩"/>
+                        <m:ctrlPr>
+                          <a:rPr lang="en-US" altLang="ja-JP" i="1">
+                            <a:latin typeface="Cambria Math" panose="02040503050406030204" pitchFamily="18" charset="0"/>
+                          </a:rPr>
+                        </m:ctrlPr>
+                      </m:dPr>
+                      <m:e>
+                        <m:r>
+                          <a:rPr lang="en-US" altLang="ja-JP" i="1">
+                            <a:latin typeface="Cambria Math" panose="02040503050406030204" pitchFamily="18" charset="0"/>
+                          </a:rPr>
+                          <m:t>0</m:t>
+                        </m:r>
+                        <m:r>
+                          <a:rPr lang="en-US" altLang="ja-JP" b="0" i="1" smtClean="0">
+                            <a:latin typeface="Cambria Math" panose="02040503050406030204" pitchFamily="18" charset="0"/>
+                          </a:rPr>
+                          <m:t>0</m:t>
+                        </m:r>
+                      </m:e>
+                    </m:d>
+                  </m:oMath>
+                </a14:m>
+                <a:endParaRPr lang="en-US" altLang="ja-JP"/>
+              </a:p>
+              <a:p>
+                <a:pPr lvl="2"/>
+                <a14:m>
+                  <m:oMath xmlns:m="http://schemas.openxmlformats.org/officeDocument/2006/math">
+                    <m:r>
+                      <a:rPr kumimoji="1" lang="en-US" altLang="ja-JP" b="0" i="1" smtClean="0">
+                        <a:latin typeface="Cambria Math" panose="02040503050406030204" pitchFamily="18" charset="0"/>
+                      </a:rPr>
+                      <m:t>𝑥</m:t>
+                    </m:r>
+                  </m:oMath>
+                </a14:m>
+                <a:r>
+                  <a:rPr kumimoji="1" lang="ja-JP" altLang="en-US"/>
+                  <a:t>が状態</a:t>
+                </a:r>
+                <a14:m>
+                  <m:oMath xmlns:m="http://schemas.openxmlformats.org/officeDocument/2006/math">
+                    <m:d>
+                      <m:dPr>
+                        <m:begChr m:val="|"/>
+                        <m:endChr m:val="⟩"/>
+                        <m:ctrlPr>
+                          <a:rPr lang="en-US" altLang="ja-JP" i="1">
+                            <a:latin typeface="Cambria Math" panose="02040503050406030204" pitchFamily="18" charset="0"/>
+                          </a:rPr>
+                        </m:ctrlPr>
+                      </m:dPr>
+                      <m:e>
+                        <m:r>
+                          <a:rPr lang="en-US" altLang="ja-JP" i="1">
+                            <a:latin typeface="Cambria Math" panose="02040503050406030204" pitchFamily="18" charset="0"/>
+                          </a:rPr>
+                          <m:t>0</m:t>
+                        </m:r>
+                      </m:e>
+                    </m:d>
+                  </m:oMath>
+                </a14:m>
+                <a:r>
+                  <a:rPr kumimoji="1" lang="ja-JP" altLang="en-US"/>
+                  <a:t>で</a:t>
+                </a:r>
+                <a14:m>
+                  <m:oMath xmlns:m="http://schemas.openxmlformats.org/officeDocument/2006/math">
+                    <m:r>
+                      <a:rPr kumimoji="1" lang="en-US" altLang="ja-JP" b="0" i="1" smtClean="0">
+                        <a:latin typeface="Cambria Math" panose="02040503050406030204" pitchFamily="18" charset="0"/>
+                      </a:rPr>
+                      <m:t>𝑦</m:t>
+                    </m:r>
+                  </m:oMath>
+                </a14:m>
+                <a:r>
+                  <a:rPr kumimoji="1" lang="ja-JP" altLang="en-US"/>
+                  <a:t>が状態</a:t>
+                </a:r>
+                <a14:m>
+                  <m:oMath xmlns:m="http://schemas.openxmlformats.org/officeDocument/2006/math">
+                    <m:d>
+                      <m:dPr>
+                        <m:begChr m:val="|"/>
+                        <m:endChr m:val="⟩"/>
+                        <m:ctrlPr>
+                          <a:rPr lang="en-US" altLang="ja-JP" i="1">
+                            <a:latin typeface="Cambria Math" panose="02040503050406030204" pitchFamily="18" charset="0"/>
+                          </a:rPr>
+                        </m:ctrlPr>
+                      </m:dPr>
+                      <m:e>
+                        <m:r>
+                          <a:rPr lang="en-US" altLang="ja-JP" b="0" i="1" smtClean="0">
+                            <a:latin typeface="Cambria Math" panose="02040503050406030204" pitchFamily="18" charset="0"/>
+                          </a:rPr>
+                          <m:t>1</m:t>
+                        </m:r>
+                      </m:e>
+                    </m:d>
+                  </m:oMath>
+                </a14:m>
+                <a:r>
+                  <a:rPr kumimoji="1" lang="ja-JP" altLang="en-US"/>
+                  <a:t>のときを</a:t>
+                </a:r>
+                <a14:m>
+                  <m:oMath xmlns:m="http://schemas.openxmlformats.org/officeDocument/2006/math">
+                    <m:d>
+                      <m:dPr>
+                        <m:begChr m:val="|"/>
+                        <m:endChr m:val="⟩"/>
+                        <m:ctrlPr>
+                          <a:rPr lang="en-US" altLang="ja-JP" i="1">
+                            <a:latin typeface="Cambria Math" panose="02040503050406030204" pitchFamily="18" charset="0"/>
+                          </a:rPr>
+                        </m:ctrlPr>
+                      </m:dPr>
+                      <m:e>
+                        <m:r>
+                          <a:rPr lang="en-US" altLang="ja-JP" i="1">
+                            <a:latin typeface="Cambria Math" panose="02040503050406030204" pitchFamily="18" charset="0"/>
+                          </a:rPr>
+                          <m:t>0</m:t>
+                        </m:r>
+                      </m:e>
+                    </m:d>
+                    <m:r>
+                      <a:rPr lang="en-US" altLang="ja-JP" b="0" i="1" smtClean="0">
+                        <a:latin typeface="Cambria Math" panose="02040503050406030204" pitchFamily="18" charset="0"/>
+                      </a:rPr>
+                      <m:t>⊗</m:t>
+                    </m:r>
+                    <m:d>
+                      <m:dPr>
+                        <m:begChr m:val="|"/>
+                        <m:endChr m:val="⟩"/>
+                        <m:ctrlPr>
+                          <a:rPr lang="en-US" altLang="ja-JP" i="1">
+                            <a:latin typeface="Cambria Math" panose="02040503050406030204" pitchFamily="18" charset="0"/>
+                          </a:rPr>
+                        </m:ctrlPr>
+                      </m:dPr>
+                      <m:e>
+                        <m:r>
+                          <a:rPr lang="en-US" altLang="ja-JP" b="0" i="1" smtClean="0">
+                            <a:latin typeface="Cambria Math" panose="02040503050406030204" pitchFamily="18" charset="0"/>
+                          </a:rPr>
+                          <m:t>1</m:t>
+                        </m:r>
+                      </m:e>
+                    </m:d>
+                    <m:r>
+                      <a:rPr lang="en-US" altLang="ja-JP" b="0" i="1" smtClean="0">
+                        <a:latin typeface="Cambria Math" panose="02040503050406030204" pitchFamily="18" charset="0"/>
+                      </a:rPr>
+                      <m:t>=</m:t>
+                    </m:r>
+                    <m:d>
+                      <m:dPr>
+                        <m:begChr m:val="|"/>
+                        <m:endChr m:val="⟩"/>
+                        <m:ctrlPr>
+                          <a:rPr lang="en-US" altLang="ja-JP" i="1">
+                            <a:latin typeface="Cambria Math" panose="02040503050406030204" pitchFamily="18" charset="0"/>
+                          </a:rPr>
+                        </m:ctrlPr>
+                      </m:dPr>
+                      <m:e>
+                        <m:r>
+                          <a:rPr lang="en-US" altLang="ja-JP" i="1">
+                            <a:latin typeface="Cambria Math" panose="02040503050406030204" pitchFamily="18" charset="0"/>
+                          </a:rPr>
+                          <m:t>0</m:t>
+                        </m:r>
+                        <m:r>
+                          <a:rPr lang="en-US" altLang="ja-JP" b="0" i="1" smtClean="0">
+                            <a:latin typeface="Cambria Math" panose="02040503050406030204" pitchFamily="18" charset="0"/>
+                          </a:rPr>
+                          <m:t>1</m:t>
+                        </m:r>
+                      </m:e>
+                    </m:d>
+                  </m:oMath>
+                </a14:m>
+                <a:endParaRPr kumimoji="1" lang="en-US" altLang="ja-JP"/>
+              </a:p>
+              <a:p>
+                <a:pPr lvl="2"/>
+                <a14:m>
+                  <m:oMath xmlns:m="http://schemas.openxmlformats.org/officeDocument/2006/math">
+                    <m:r>
+                      <a:rPr kumimoji="1" lang="en-US" altLang="ja-JP" b="0" i="1" smtClean="0">
+                        <a:latin typeface="Cambria Math" panose="02040503050406030204" pitchFamily="18" charset="0"/>
+                      </a:rPr>
+                      <m:t>𝑥</m:t>
+                    </m:r>
+                  </m:oMath>
+                </a14:m>
+                <a:r>
+                  <a:rPr kumimoji="1" lang="ja-JP" altLang="en-US"/>
+                  <a:t>が状態</a:t>
+                </a:r>
+                <a14:m>
+                  <m:oMath xmlns:m="http://schemas.openxmlformats.org/officeDocument/2006/math">
+                    <m:d>
+                      <m:dPr>
+                        <m:begChr m:val="|"/>
+                        <m:endChr m:val="⟩"/>
+                        <m:ctrlPr>
+                          <a:rPr lang="en-US" altLang="ja-JP" i="1">
+                            <a:latin typeface="Cambria Math" panose="02040503050406030204" pitchFamily="18" charset="0"/>
+                          </a:rPr>
+                        </m:ctrlPr>
+                      </m:dPr>
+                      <m:e>
+                        <m:r>
+                          <a:rPr lang="en-US" altLang="ja-JP" b="0" i="1" smtClean="0">
+                            <a:latin typeface="Cambria Math" panose="02040503050406030204" pitchFamily="18" charset="0"/>
+                          </a:rPr>
+                          <m:t>1</m:t>
+                        </m:r>
+                      </m:e>
+                    </m:d>
+                  </m:oMath>
+                </a14:m>
+                <a:r>
+                  <a:rPr kumimoji="1" lang="ja-JP" altLang="en-US"/>
+                  <a:t>で</a:t>
+                </a:r>
+                <a14:m>
+                  <m:oMath xmlns:m="http://schemas.openxmlformats.org/officeDocument/2006/math">
+                    <m:r>
+                      <a:rPr kumimoji="1" lang="en-US" altLang="ja-JP" b="0" i="1" smtClean="0">
+                        <a:latin typeface="Cambria Math" panose="02040503050406030204" pitchFamily="18" charset="0"/>
+                      </a:rPr>
+                      <m:t>𝑦</m:t>
+                    </m:r>
+                  </m:oMath>
+                </a14:m>
+                <a:r>
+                  <a:rPr kumimoji="1" lang="ja-JP" altLang="en-US"/>
+                  <a:t>が状態</a:t>
+                </a:r>
+                <a14:m>
+                  <m:oMath xmlns:m="http://schemas.openxmlformats.org/officeDocument/2006/math">
+                    <m:d>
+                      <m:dPr>
+                        <m:begChr m:val="|"/>
+                        <m:endChr m:val="⟩"/>
+                        <m:ctrlPr>
+                          <a:rPr lang="en-US" altLang="ja-JP" i="1">
+                            <a:latin typeface="Cambria Math" panose="02040503050406030204" pitchFamily="18" charset="0"/>
+                          </a:rPr>
+                        </m:ctrlPr>
+                      </m:dPr>
+                      <m:e>
+                        <m:r>
+                          <a:rPr lang="en-US" altLang="ja-JP" i="1">
+                            <a:latin typeface="Cambria Math" panose="02040503050406030204" pitchFamily="18" charset="0"/>
+                          </a:rPr>
+                          <m:t>0</m:t>
+                        </m:r>
+                      </m:e>
+                    </m:d>
+                  </m:oMath>
+                </a14:m>
+                <a:r>
+                  <a:rPr kumimoji="1" lang="ja-JP" altLang="en-US"/>
+                  <a:t>のときを</a:t>
+                </a:r>
+                <a14:m>
+                  <m:oMath xmlns:m="http://schemas.openxmlformats.org/officeDocument/2006/math">
+                    <m:d>
+                      <m:dPr>
+                        <m:begChr m:val="|"/>
+                        <m:endChr m:val="⟩"/>
+                        <m:ctrlPr>
+                          <a:rPr lang="en-US" altLang="ja-JP" i="1">
+                            <a:latin typeface="Cambria Math" panose="02040503050406030204" pitchFamily="18" charset="0"/>
+                          </a:rPr>
+                        </m:ctrlPr>
+                      </m:dPr>
+                      <m:e>
+                        <m:r>
+                          <a:rPr lang="en-US" altLang="ja-JP" b="0" i="1" smtClean="0">
+                            <a:latin typeface="Cambria Math" panose="02040503050406030204" pitchFamily="18" charset="0"/>
+                          </a:rPr>
+                          <m:t>1</m:t>
+                        </m:r>
+                      </m:e>
+                    </m:d>
+                    <m:r>
+                      <a:rPr lang="en-US" altLang="ja-JP" b="0" i="1" smtClean="0">
+                        <a:latin typeface="Cambria Math" panose="02040503050406030204" pitchFamily="18" charset="0"/>
+                      </a:rPr>
+                      <m:t>⊗</m:t>
+                    </m:r>
+                    <m:d>
+                      <m:dPr>
+                        <m:begChr m:val="|"/>
+                        <m:endChr m:val="⟩"/>
+                        <m:ctrlPr>
+                          <a:rPr lang="en-US" altLang="ja-JP" i="1">
+                            <a:latin typeface="Cambria Math" panose="02040503050406030204" pitchFamily="18" charset="0"/>
+                          </a:rPr>
+                        </m:ctrlPr>
+                      </m:dPr>
+                      <m:e>
+                        <m:r>
+                          <a:rPr lang="en-US" altLang="ja-JP" i="1">
+                            <a:latin typeface="Cambria Math" panose="02040503050406030204" pitchFamily="18" charset="0"/>
+                          </a:rPr>
+                          <m:t>0</m:t>
+                        </m:r>
+                      </m:e>
+                    </m:d>
+                    <m:r>
+                      <a:rPr lang="en-US" altLang="ja-JP" b="0" i="1" smtClean="0">
+                        <a:latin typeface="Cambria Math" panose="02040503050406030204" pitchFamily="18" charset="0"/>
+                      </a:rPr>
+                      <m:t>=</m:t>
+                    </m:r>
+                    <m:d>
+                      <m:dPr>
+                        <m:begChr m:val="|"/>
+                        <m:endChr m:val="⟩"/>
+                        <m:ctrlPr>
+                          <a:rPr lang="en-US" altLang="ja-JP" i="1">
+                            <a:latin typeface="Cambria Math" panose="02040503050406030204" pitchFamily="18" charset="0"/>
+                          </a:rPr>
+                        </m:ctrlPr>
+                      </m:dPr>
+                      <m:e>
+                        <m:r>
+                          <a:rPr lang="en-US" altLang="ja-JP" b="0" i="1" smtClean="0">
+                            <a:latin typeface="Cambria Math" panose="02040503050406030204" pitchFamily="18" charset="0"/>
+                          </a:rPr>
+                          <m:t>10</m:t>
+                        </m:r>
+                      </m:e>
+                    </m:d>
+                  </m:oMath>
+                </a14:m>
+                <a:endParaRPr kumimoji="1" lang="en-US" altLang="ja-JP"/>
+              </a:p>
+              <a:p>
+                <a:pPr lvl="2"/>
+                <a14:m>
+                  <m:oMath xmlns:m="http://schemas.openxmlformats.org/officeDocument/2006/math">
+                    <m:r>
+                      <a:rPr kumimoji="1" lang="en-US" altLang="ja-JP" b="0" i="1" smtClean="0">
+                        <a:latin typeface="Cambria Math" panose="02040503050406030204" pitchFamily="18" charset="0"/>
+                      </a:rPr>
+                      <m:t>𝑥</m:t>
+                    </m:r>
+                  </m:oMath>
+                </a14:m>
+                <a:r>
+                  <a:rPr kumimoji="1" lang="ja-JP" altLang="en-US"/>
+                  <a:t>が状態</a:t>
+                </a:r>
+                <a14:m>
+                  <m:oMath xmlns:m="http://schemas.openxmlformats.org/officeDocument/2006/math">
+                    <m:d>
+                      <m:dPr>
+                        <m:begChr m:val="|"/>
+                        <m:endChr m:val="⟩"/>
+                        <m:ctrlPr>
+                          <a:rPr lang="en-US" altLang="ja-JP" i="1">
+                            <a:latin typeface="Cambria Math" panose="02040503050406030204" pitchFamily="18" charset="0"/>
+                          </a:rPr>
+                        </m:ctrlPr>
+                      </m:dPr>
+                      <m:e>
+                        <m:r>
+                          <a:rPr lang="en-US" altLang="ja-JP" b="0" i="1" smtClean="0">
+                            <a:latin typeface="Cambria Math" panose="02040503050406030204" pitchFamily="18" charset="0"/>
+                          </a:rPr>
+                          <m:t>1</m:t>
+                        </m:r>
+                      </m:e>
+                    </m:d>
+                  </m:oMath>
+                </a14:m>
+                <a:r>
+                  <a:rPr kumimoji="1" lang="ja-JP" altLang="en-US"/>
+                  <a:t>で</a:t>
+                </a:r>
+                <a14:m>
+                  <m:oMath xmlns:m="http://schemas.openxmlformats.org/officeDocument/2006/math">
+                    <m:r>
+                      <a:rPr kumimoji="1" lang="en-US" altLang="ja-JP" b="0" i="1" smtClean="0">
+                        <a:latin typeface="Cambria Math" panose="02040503050406030204" pitchFamily="18" charset="0"/>
+                      </a:rPr>
+                      <m:t>𝑦</m:t>
+                    </m:r>
+                  </m:oMath>
+                </a14:m>
+                <a:r>
+                  <a:rPr kumimoji="1" lang="ja-JP" altLang="en-US"/>
+                  <a:t>が状態</a:t>
+                </a:r>
+                <a14:m>
+                  <m:oMath xmlns:m="http://schemas.openxmlformats.org/officeDocument/2006/math">
+                    <m:d>
+                      <m:dPr>
+                        <m:begChr m:val="|"/>
+                        <m:endChr m:val="⟩"/>
+                        <m:ctrlPr>
+                          <a:rPr lang="en-US" altLang="ja-JP" i="1">
+                            <a:latin typeface="Cambria Math" panose="02040503050406030204" pitchFamily="18" charset="0"/>
+                          </a:rPr>
+                        </m:ctrlPr>
+                      </m:dPr>
+                      <m:e>
+                        <m:r>
+                          <a:rPr lang="en-US" altLang="ja-JP" b="0" i="1" smtClean="0">
+                            <a:latin typeface="Cambria Math" panose="02040503050406030204" pitchFamily="18" charset="0"/>
+                          </a:rPr>
+                          <m:t>1</m:t>
+                        </m:r>
+                      </m:e>
+                    </m:d>
+                  </m:oMath>
+                </a14:m>
+                <a:r>
+                  <a:rPr kumimoji="1" lang="ja-JP" altLang="en-US"/>
+                  <a:t>のときを</a:t>
+                </a:r>
+                <a14:m>
+                  <m:oMath xmlns:m="http://schemas.openxmlformats.org/officeDocument/2006/math">
+                    <m:d>
+                      <m:dPr>
+                        <m:begChr m:val="|"/>
+                        <m:endChr m:val="⟩"/>
+                        <m:ctrlPr>
+                          <a:rPr lang="en-US" altLang="ja-JP" i="1">
+                            <a:latin typeface="Cambria Math" panose="02040503050406030204" pitchFamily="18" charset="0"/>
+                          </a:rPr>
+                        </m:ctrlPr>
+                      </m:dPr>
+                      <m:e>
+                        <m:r>
+                          <a:rPr lang="en-US" altLang="ja-JP" b="0" i="1" smtClean="0">
+                            <a:latin typeface="Cambria Math" panose="02040503050406030204" pitchFamily="18" charset="0"/>
+                          </a:rPr>
+                          <m:t>1</m:t>
+                        </m:r>
+                      </m:e>
+                    </m:d>
+                    <m:r>
+                      <a:rPr lang="en-US" altLang="ja-JP" b="0" i="1" smtClean="0">
+                        <a:latin typeface="Cambria Math" panose="02040503050406030204" pitchFamily="18" charset="0"/>
+                      </a:rPr>
+                      <m:t>⊗</m:t>
+                    </m:r>
+                    <m:d>
+                      <m:dPr>
+                        <m:begChr m:val="|"/>
+                        <m:endChr m:val="⟩"/>
+                        <m:ctrlPr>
+                          <a:rPr lang="en-US" altLang="ja-JP" i="1">
+                            <a:latin typeface="Cambria Math" panose="02040503050406030204" pitchFamily="18" charset="0"/>
+                          </a:rPr>
+                        </m:ctrlPr>
+                      </m:dPr>
+                      <m:e>
+                        <m:r>
+                          <a:rPr lang="en-US" altLang="ja-JP" b="0" i="1" smtClean="0">
+                            <a:latin typeface="Cambria Math" panose="02040503050406030204" pitchFamily="18" charset="0"/>
+                          </a:rPr>
+                          <m:t>1</m:t>
+                        </m:r>
+                      </m:e>
+                    </m:d>
+                    <m:r>
+                      <a:rPr lang="en-US" altLang="ja-JP" b="0" i="1" smtClean="0">
+                        <a:latin typeface="Cambria Math" panose="02040503050406030204" pitchFamily="18" charset="0"/>
+                      </a:rPr>
+                      <m:t>=</m:t>
+                    </m:r>
+                    <m:d>
+                      <m:dPr>
+                        <m:begChr m:val="|"/>
+                        <m:endChr m:val="⟩"/>
+                        <m:ctrlPr>
+                          <a:rPr lang="en-US" altLang="ja-JP" i="1">
+                            <a:latin typeface="Cambria Math" panose="02040503050406030204" pitchFamily="18" charset="0"/>
+                          </a:rPr>
+                        </m:ctrlPr>
+                      </m:dPr>
+                      <m:e>
+                        <m:r>
+                          <a:rPr lang="en-US" altLang="ja-JP" b="0" i="1" smtClean="0">
+                            <a:latin typeface="Cambria Math" panose="02040503050406030204" pitchFamily="18" charset="0"/>
+                          </a:rPr>
+                          <m:t>11</m:t>
+                        </m:r>
+                      </m:e>
+                    </m:d>
+                  </m:oMath>
+                </a14:m>
+                <a:endParaRPr kumimoji="1" lang="ja-JP" altLang="en-US"/>
+              </a:p>
+              <a:p>
+                <a14:m>
+                  <m:oMath xmlns:m="http://schemas.openxmlformats.org/officeDocument/2006/math">
+                    <m:r>
+                      <a:rPr kumimoji="1" lang="en-US" altLang="ja-JP" b="0" i="1" smtClean="0">
+                        <a:latin typeface="Cambria Math" panose="02040503050406030204" pitchFamily="18" charset="0"/>
+                      </a:rPr>
+                      <m:t>𝑥</m:t>
+                    </m:r>
+                    <m:r>
+                      <a:rPr kumimoji="1" lang="en-US" altLang="ja-JP" b="0" i="1" smtClean="0">
+                        <a:latin typeface="Cambria Math" panose="02040503050406030204" pitchFamily="18" charset="0"/>
+                      </a:rPr>
+                      <m:t>,</m:t>
+                    </m:r>
+                    <m:r>
+                      <a:rPr kumimoji="1" lang="en-US" altLang="ja-JP" b="0" i="1" smtClean="0">
+                        <a:latin typeface="Cambria Math" panose="02040503050406030204" pitchFamily="18" charset="0"/>
+                      </a:rPr>
+                      <m:t>𝑦</m:t>
+                    </m:r>
+                  </m:oMath>
+                </a14:m>
+                <a:r>
+                  <a:rPr kumimoji="1" lang="ja-JP" altLang="en-US"/>
+                  <a:t>がそれぞれ混ざった状態のとき</a:t>
+                </a:r>
+                <a:endParaRPr kumimoji="1" lang="en-US" altLang="ja-JP"/>
+              </a:p>
+              <a:p>
+                <a:pPr lvl="1"/>
+                <a14:m>
+                  <m:oMath xmlns:m="http://schemas.openxmlformats.org/officeDocument/2006/math">
+                    <m:r>
+                      <a:rPr kumimoji="1" lang="en-US" altLang="ja-JP" b="0" i="1" smtClean="0">
+                        <a:latin typeface="Cambria Math" panose="02040503050406030204" pitchFamily="18" charset="0"/>
+                      </a:rPr>
+                      <m:t>𝑥</m:t>
+                    </m:r>
+                    <m:r>
+                      <a:rPr kumimoji="1" lang="en-US" altLang="ja-JP" b="0" i="1" smtClean="0">
+                        <a:latin typeface="Cambria Math" panose="02040503050406030204" pitchFamily="18" charset="0"/>
+                      </a:rPr>
+                      <m:t>⊗</m:t>
+                    </m:r>
+                    <m:r>
+                      <a:rPr kumimoji="1" lang="en-US" altLang="ja-JP" b="0" i="1" smtClean="0">
+                        <a:latin typeface="Cambria Math" panose="02040503050406030204" pitchFamily="18" charset="0"/>
+                      </a:rPr>
+                      <m:t>𝑦</m:t>
+                    </m:r>
+                    <m:r>
+                      <a:rPr kumimoji="1" lang="en-US" altLang="ja-JP" b="0" i="1" smtClean="0">
+                        <a:latin typeface="Cambria Math" panose="02040503050406030204" pitchFamily="18" charset="0"/>
+                      </a:rPr>
+                      <m:t>=</m:t>
+                    </m:r>
+                    <m:d>
+                      <m:dPr>
+                        <m:ctrlPr>
+                          <a:rPr kumimoji="1" lang="en-US" altLang="ja-JP" b="0" i="1" smtClean="0">
+                            <a:latin typeface="Cambria Math" panose="02040503050406030204" pitchFamily="18" charset="0"/>
+                          </a:rPr>
+                        </m:ctrlPr>
+                      </m:dPr>
+                      <m:e>
+                        <m:r>
+                          <a:rPr lang="en-US" altLang="ja-JP" i="1">
+                            <a:latin typeface="Cambria Math" panose="02040503050406030204" pitchFamily="18" charset="0"/>
+                          </a:rPr>
+                          <m:t>𝑎</m:t>
+                        </m:r>
+                        <m:d>
+                          <m:dPr>
+                            <m:begChr m:val="|"/>
+                            <m:endChr m:val="⟩"/>
+                            <m:ctrlPr>
+                              <a:rPr lang="en-US" altLang="ja-JP" i="1">
+                                <a:latin typeface="Cambria Math" panose="02040503050406030204" pitchFamily="18" charset="0"/>
+                              </a:rPr>
+                            </m:ctrlPr>
+                          </m:dPr>
+                          <m:e>
+                            <m:r>
+                              <a:rPr lang="en-US" altLang="ja-JP" i="1">
+                                <a:latin typeface="Cambria Math" panose="02040503050406030204" pitchFamily="18" charset="0"/>
+                              </a:rPr>
+                              <m:t>0</m:t>
+                            </m:r>
+                          </m:e>
+                        </m:d>
+                        <m:r>
+                          <a:rPr lang="en-US" altLang="ja-JP" i="1">
+                            <a:latin typeface="Cambria Math" panose="02040503050406030204" pitchFamily="18" charset="0"/>
+                          </a:rPr>
+                          <m:t>+</m:t>
+                        </m:r>
+                        <m:r>
+                          <a:rPr lang="en-US" altLang="ja-JP" i="1">
+                            <a:latin typeface="Cambria Math" panose="02040503050406030204" pitchFamily="18" charset="0"/>
+                          </a:rPr>
+                          <m:t>𝑏</m:t>
+                        </m:r>
+                        <m:d>
+                          <m:dPr>
+                            <m:begChr m:val="|"/>
+                            <m:endChr m:val="⟩"/>
+                            <m:ctrlPr>
+                              <a:rPr lang="en-US" altLang="ja-JP" i="1">
+                                <a:latin typeface="Cambria Math" panose="02040503050406030204" pitchFamily="18" charset="0"/>
+                              </a:rPr>
+                            </m:ctrlPr>
+                          </m:dPr>
+                          <m:e>
+                            <m:r>
+                              <a:rPr lang="en-US" altLang="ja-JP" i="1">
+                                <a:latin typeface="Cambria Math" panose="02040503050406030204" pitchFamily="18" charset="0"/>
+                              </a:rPr>
+                              <m:t>1</m:t>
+                            </m:r>
+                          </m:e>
+                        </m:d>
+                      </m:e>
+                    </m:d>
+                    <m:r>
+                      <a:rPr kumimoji="1" lang="en-US" altLang="ja-JP" b="0" i="1" smtClean="0">
+                        <a:latin typeface="Cambria Math" panose="02040503050406030204" pitchFamily="18" charset="0"/>
+                      </a:rPr>
+                      <m:t>⊗(</m:t>
+                    </m:r>
+                    <m:r>
+                      <a:rPr lang="en-US" altLang="ja-JP" i="1">
+                        <a:latin typeface="Cambria Math" panose="02040503050406030204" pitchFamily="18" charset="0"/>
+                      </a:rPr>
+                      <m:t>𝑐</m:t>
+                    </m:r>
+                    <m:d>
+                      <m:dPr>
+                        <m:begChr m:val="|"/>
+                        <m:endChr m:val="⟩"/>
+                        <m:ctrlPr>
+                          <a:rPr lang="en-US" altLang="ja-JP" i="1">
+                            <a:latin typeface="Cambria Math" panose="02040503050406030204" pitchFamily="18" charset="0"/>
+                          </a:rPr>
+                        </m:ctrlPr>
+                      </m:dPr>
+                      <m:e>
+                        <m:r>
+                          <a:rPr lang="en-US" altLang="ja-JP" i="1">
+                            <a:latin typeface="Cambria Math" panose="02040503050406030204" pitchFamily="18" charset="0"/>
+                          </a:rPr>
+                          <m:t>0</m:t>
+                        </m:r>
+                      </m:e>
+                    </m:d>
+                    <m:r>
+                      <a:rPr lang="en-US" altLang="ja-JP" i="1">
+                        <a:latin typeface="Cambria Math" panose="02040503050406030204" pitchFamily="18" charset="0"/>
+                      </a:rPr>
+                      <m:t>+</m:t>
+                    </m:r>
+                    <m:r>
+                      <a:rPr lang="en-US" altLang="ja-JP" i="1">
+                        <a:latin typeface="Cambria Math" panose="02040503050406030204" pitchFamily="18" charset="0"/>
+                      </a:rPr>
+                      <m:t>𝑑</m:t>
+                    </m:r>
+                    <m:r>
+                      <a:rPr lang="en-US" altLang="ja-JP" i="1">
+                        <a:latin typeface="Cambria Math" panose="02040503050406030204" pitchFamily="18" charset="0"/>
+                      </a:rPr>
+                      <m:t>|1⟩)</m:t>
+                    </m:r>
+                  </m:oMath>
+                </a14:m>
+                <a:r>
+                  <a:rPr lang="ja-JP" altLang="en-US"/>
+                  <a:t> </a:t>
+                </a:r>
+                <a:r>
+                  <a:rPr lang="en-US" altLang="ja-JP"/>
+                  <a:t>; </a:t>
+                </a:r>
+                <a:r>
+                  <a:rPr lang="ja-JP" altLang="en-US"/>
+                  <a:t>形式的に展開</a:t>
+                </a:r>
+                <a:br>
+                  <a:rPr lang="en-US" altLang="ja-JP"/>
+                </a:br>
+                <a14:m>
+                  <m:oMath xmlns:m="http://schemas.openxmlformats.org/officeDocument/2006/math">
+                    <m:r>
+                      <a:rPr lang="en-US" altLang="ja-JP" b="0" i="1" smtClean="0">
+                        <a:latin typeface="Cambria Math" panose="02040503050406030204" pitchFamily="18" charset="0"/>
+                      </a:rPr>
+                      <m:t>=</m:t>
+                    </m:r>
+                    <m:r>
+                      <a:rPr lang="en-US" altLang="ja-JP" b="0" i="1" smtClean="0">
+                        <a:latin typeface="Cambria Math" panose="02040503050406030204" pitchFamily="18" charset="0"/>
+                      </a:rPr>
+                      <m:t>𝑎𝑐</m:t>
+                    </m:r>
+                    <m:d>
+                      <m:dPr>
+                        <m:begChr m:val="|"/>
+                        <m:endChr m:val="⟩"/>
+                        <m:ctrlPr>
+                          <a:rPr lang="en-US" altLang="ja-JP" i="1">
+                            <a:latin typeface="Cambria Math" panose="02040503050406030204" pitchFamily="18" charset="0"/>
+                          </a:rPr>
+                        </m:ctrlPr>
+                      </m:dPr>
+                      <m:e>
+                        <m:r>
+                          <a:rPr lang="en-US" altLang="ja-JP" i="1">
+                            <a:latin typeface="Cambria Math" panose="02040503050406030204" pitchFamily="18" charset="0"/>
+                          </a:rPr>
+                          <m:t>0</m:t>
+                        </m:r>
+                        <m:r>
+                          <a:rPr lang="en-US" altLang="ja-JP" b="0" i="1" smtClean="0">
+                            <a:latin typeface="Cambria Math" panose="02040503050406030204" pitchFamily="18" charset="0"/>
+                          </a:rPr>
+                          <m:t>0</m:t>
+                        </m:r>
+                      </m:e>
+                    </m:d>
+                    <m:r>
+                      <a:rPr lang="en-US" altLang="ja-JP" b="0" i="1" smtClean="0">
+                        <a:latin typeface="Cambria Math" panose="02040503050406030204" pitchFamily="18" charset="0"/>
+                      </a:rPr>
+                      <m:t>+</m:t>
+                    </m:r>
+                    <m:r>
+                      <a:rPr lang="en-US" altLang="ja-JP" b="0" i="1" smtClean="0">
+                        <a:latin typeface="Cambria Math" panose="02040503050406030204" pitchFamily="18" charset="0"/>
+                      </a:rPr>
+                      <m:t>𝑎𝑑</m:t>
+                    </m:r>
+                    <m:d>
+                      <m:dPr>
+                        <m:begChr m:val="|"/>
+                        <m:endChr m:val="⟩"/>
+                        <m:ctrlPr>
+                          <a:rPr lang="en-US" altLang="ja-JP" i="1">
+                            <a:latin typeface="Cambria Math" panose="02040503050406030204" pitchFamily="18" charset="0"/>
+                          </a:rPr>
+                        </m:ctrlPr>
+                      </m:dPr>
+                      <m:e>
+                        <m:r>
+                          <a:rPr lang="en-US" altLang="ja-JP" i="1">
+                            <a:latin typeface="Cambria Math" panose="02040503050406030204" pitchFamily="18" charset="0"/>
+                          </a:rPr>
+                          <m:t>0</m:t>
+                        </m:r>
+                        <m:r>
+                          <a:rPr lang="en-US" altLang="ja-JP" b="0" i="1" smtClean="0">
+                            <a:latin typeface="Cambria Math" panose="02040503050406030204" pitchFamily="18" charset="0"/>
+                          </a:rPr>
+                          <m:t>1</m:t>
+                        </m:r>
+                      </m:e>
+                    </m:d>
+                    <m:r>
+                      <a:rPr lang="en-US" altLang="ja-JP" b="0" i="1" smtClean="0">
+                        <a:latin typeface="Cambria Math" panose="02040503050406030204" pitchFamily="18" charset="0"/>
+                      </a:rPr>
+                      <m:t>+</m:t>
+                    </m:r>
+                    <m:r>
+                      <a:rPr lang="en-US" altLang="ja-JP" b="0" i="1" smtClean="0">
+                        <a:latin typeface="Cambria Math" panose="02040503050406030204" pitchFamily="18" charset="0"/>
+                      </a:rPr>
+                      <m:t>𝑏𝑐</m:t>
+                    </m:r>
+                    <m:d>
+                      <m:dPr>
+                        <m:begChr m:val="|"/>
+                        <m:endChr m:val="⟩"/>
+                        <m:ctrlPr>
+                          <a:rPr lang="en-US" altLang="ja-JP" i="1">
+                            <a:latin typeface="Cambria Math" panose="02040503050406030204" pitchFamily="18" charset="0"/>
+                          </a:rPr>
+                        </m:ctrlPr>
+                      </m:dPr>
+                      <m:e>
+                        <m:r>
+                          <a:rPr lang="en-US" altLang="ja-JP" b="0" i="1" smtClean="0">
+                            <a:latin typeface="Cambria Math" panose="02040503050406030204" pitchFamily="18" charset="0"/>
+                          </a:rPr>
+                          <m:t>1</m:t>
+                        </m:r>
+                        <m:r>
+                          <a:rPr lang="en-US" altLang="ja-JP" i="1">
+                            <a:latin typeface="Cambria Math" panose="02040503050406030204" pitchFamily="18" charset="0"/>
+                          </a:rPr>
+                          <m:t>0</m:t>
+                        </m:r>
+                      </m:e>
+                    </m:d>
+                    <m:r>
+                      <a:rPr lang="en-US" altLang="ja-JP" b="0" i="1" smtClean="0">
+                        <a:latin typeface="Cambria Math" panose="02040503050406030204" pitchFamily="18" charset="0"/>
+                      </a:rPr>
+                      <m:t>+</m:t>
+                    </m:r>
+                    <m:r>
+                      <a:rPr lang="en-US" altLang="ja-JP" b="0" i="1" smtClean="0">
+                        <a:latin typeface="Cambria Math" panose="02040503050406030204" pitchFamily="18" charset="0"/>
+                      </a:rPr>
+                      <m:t>𝑏𝑑</m:t>
+                    </m:r>
+                    <m:d>
+                      <m:dPr>
+                        <m:begChr m:val="|"/>
+                        <m:endChr m:val="⟩"/>
+                        <m:ctrlPr>
+                          <a:rPr lang="en-US" altLang="ja-JP" i="1">
+                            <a:latin typeface="Cambria Math" panose="02040503050406030204" pitchFamily="18" charset="0"/>
+                          </a:rPr>
+                        </m:ctrlPr>
+                      </m:dPr>
+                      <m:e>
+                        <m:r>
+                          <a:rPr lang="en-US" altLang="ja-JP" b="0" i="1" smtClean="0">
+                            <a:latin typeface="Cambria Math" panose="02040503050406030204" pitchFamily="18" charset="0"/>
+                          </a:rPr>
+                          <m:t>11</m:t>
+                        </m:r>
+                      </m:e>
+                    </m:d>
+                  </m:oMath>
+                </a14:m>
+                <a:endParaRPr kumimoji="1" lang="ja-JP" altLang="en-US"/>
+              </a:p>
+              <a:p>
+                <a:pPr lvl="1"/>
+                <a:r>
+                  <a:rPr kumimoji="1" lang="ja-JP" altLang="en-US"/>
+                  <a:t>測定すると</a:t>
+                </a:r>
+                <a14:m>
+                  <m:oMath xmlns:m="http://schemas.openxmlformats.org/officeDocument/2006/math">
+                    <m:r>
+                      <a:rPr kumimoji="1" lang="en-US" altLang="ja-JP" b="0" i="1" smtClean="0">
+                        <a:latin typeface="Cambria Math" panose="02040503050406030204" pitchFamily="18" charset="0"/>
+                      </a:rPr>
+                      <m:t>(</m:t>
+                    </m:r>
+                    <m:r>
+                      <a:rPr kumimoji="1" lang="en-US" altLang="ja-JP" b="0" i="1" smtClean="0">
+                        <a:latin typeface="Cambria Math" panose="02040503050406030204" pitchFamily="18" charset="0"/>
+                      </a:rPr>
+                      <m:t>𝑥</m:t>
+                    </m:r>
+                    <m:r>
+                      <a:rPr kumimoji="1" lang="en-US" altLang="ja-JP" b="0" i="1" smtClean="0">
+                        <a:latin typeface="Cambria Math" panose="02040503050406030204" pitchFamily="18" charset="0"/>
+                      </a:rPr>
+                      <m:t>,</m:t>
+                    </m:r>
+                    <m:r>
+                      <a:rPr kumimoji="1" lang="en-US" altLang="ja-JP" b="0" i="1" smtClean="0">
+                        <a:latin typeface="Cambria Math" panose="02040503050406030204" pitchFamily="18" charset="0"/>
+                      </a:rPr>
+                      <m:t>𝑦</m:t>
+                    </m:r>
+                    <m:r>
+                      <a:rPr kumimoji="1" lang="en-US" altLang="ja-JP" b="0" i="1" smtClean="0">
+                        <a:latin typeface="Cambria Math" panose="02040503050406030204" pitchFamily="18" charset="0"/>
+                      </a:rPr>
+                      <m:t>)</m:t>
+                    </m:r>
+                  </m:oMath>
+                </a14:m>
+                <a:r>
+                  <a:rPr kumimoji="1" lang="ja-JP" altLang="en-US"/>
+                  <a:t>が</a:t>
+                </a:r>
+                <a:br>
+                  <a:rPr kumimoji="1" lang="en-US" altLang="ja-JP"/>
+                </a:br>
+                <a:r>
+                  <a:rPr kumimoji="1" lang="ja-JP" altLang="en-US"/>
+                  <a:t>確率</a:t>
+                </a:r>
+                <a14:m>
+                  <m:oMath xmlns:m="http://schemas.openxmlformats.org/officeDocument/2006/math">
+                    <m:sSup>
+                      <m:sSupPr>
+                        <m:ctrlPr>
+                          <a:rPr kumimoji="1" lang="en-US" altLang="ja-JP" b="0" i="1" smtClean="0">
+                            <a:latin typeface="Cambria Math" panose="02040503050406030204" pitchFamily="18" charset="0"/>
+                          </a:rPr>
+                        </m:ctrlPr>
+                      </m:sSupPr>
+                      <m:e>
+                        <m:d>
+                          <m:dPr>
+                            <m:begChr m:val="|"/>
+                            <m:endChr m:val="|"/>
+                            <m:ctrlPr>
+                              <a:rPr kumimoji="1" lang="en-US" altLang="ja-JP" b="0" i="1" smtClean="0">
+                                <a:latin typeface="Cambria Math" panose="02040503050406030204" pitchFamily="18" charset="0"/>
+                              </a:rPr>
+                            </m:ctrlPr>
+                          </m:dPr>
+                          <m:e>
+                            <m:r>
+                              <a:rPr kumimoji="1" lang="en-US" altLang="ja-JP" b="0" i="1" smtClean="0">
+                                <a:latin typeface="Cambria Math" panose="02040503050406030204" pitchFamily="18" charset="0"/>
+                              </a:rPr>
+                              <m:t>𝑎𝑐</m:t>
+                            </m:r>
+                          </m:e>
+                        </m:d>
+                      </m:e>
+                      <m:sup>
+                        <m:r>
+                          <a:rPr kumimoji="1" lang="en-US" altLang="ja-JP" b="0" i="1" smtClean="0">
+                            <a:latin typeface="Cambria Math" panose="02040503050406030204" pitchFamily="18" charset="0"/>
+                          </a:rPr>
+                          <m:t>2</m:t>
+                        </m:r>
+                      </m:sup>
+                    </m:sSup>
+                  </m:oMath>
+                </a14:m>
+                <a:r>
+                  <a:rPr kumimoji="1" lang="ja-JP" altLang="en-US"/>
+                  <a:t>で</a:t>
+                </a:r>
+                <a:r>
+                  <a:rPr lang="en-US" altLang="ja-JP"/>
+                  <a:t>(0,0), </a:t>
+                </a:r>
+                <a14:m>
+                  <m:oMath xmlns:m="http://schemas.openxmlformats.org/officeDocument/2006/math">
+                    <m:sSup>
+                      <m:sSupPr>
+                        <m:ctrlPr>
+                          <a:rPr lang="en-US" altLang="ja-JP" b="0" i="1" smtClean="0">
+                            <a:latin typeface="Cambria Math" panose="02040503050406030204" pitchFamily="18" charset="0"/>
+                          </a:rPr>
+                        </m:ctrlPr>
+                      </m:sSupPr>
+                      <m:e>
+                        <m:d>
+                          <m:dPr>
+                            <m:begChr m:val="|"/>
+                            <m:endChr m:val="|"/>
+                            <m:ctrlPr>
+                              <a:rPr lang="en-US" altLang="ja-JP" b="0" i="1" smtClean="0">
+                                <a:latin typeface="Cambria Math" panose="02040503050406030204" pitchFamily="18" charset="0"/>
+                              </a:rPr>
+                            </m:ctrlPr>
+                          </m:dPr>
+                          <m:e>
+                            <m:r>
+                              <a:rPr lang="en-US" altLang="ja-JP" b="0" i="1" smtClean="0">
+                                <a:latin typeface="Cambria Math" panose="02040503050406030204" pitchFamily="18" charset="0"/>
+                              </a:rPr>
+                              <m:t>𝑎𝑑</m:t>
+                            </m:r>
+                          </m:e>
+                        </m:d>
+                      </m:e>
+                      <m:sup>
+                        <m:r>
+                          <a:rPr lang="en-US" altLang="ja-JP" b="0" i="1" smtClean="0">
+                            <a:latin typeface="Cambria Math" panose="02040503050406030204" pitchFamily="18" charset="0"/>
+                          </a:rPr>
+                          <m:t>2</m:t>
+                        </m:r>
+                      </m:sup>
+                    </m:sSup>
+                  </m:oMath>
+                </a14:m>
+                <a:r>
+                  <a:rPr kumimoji="1" lang="ja-JP" altLang="en-US"/>
+                  <a:t>で</a:t>
+                </a:r>
+                <a14:m>
+                  <m:oMath xmlns:m="http://schemas.openxmlformats.org/officeDocument/2006/math">
+                    <m:r>
+                      <a:rPr kumimoji="1" lang="en-US" altLang="ja-JP" b="0" i="1" smtClean="0">
+                        <a:latin typeface="Cambria Math" panose="02040503050406030204" pitchFamily="18" charset="0"/>
+                      </a:rPr>
+                      <m:t>(0,1)</m:t>
+                    </m:r>
+                  </m:oMath>
+                </a14:m>
+                <a:r>
+                  <a:rPr kumimoji="1" lang="en-US" altLang="ja-JP"/>
+                  <a:t>, </a:t>
+                </a:r>
+                <a14:m>
+                  <m:oMath xmlns:m="http://schemas.openxmlformats.org/officeDocument/2006/math">
+                    <m:sSup>
+                      <m:sSupPr>
+                        <m:ctrlPr>
+                          <a:rPr kumimoji="1" lang="en-US" altLang="ja-JP" b="0" i="1" smtClean="0">
+                            <a:latin typeface="Cambria Math" panose="02040503050406030204" pitchFamily="18" charset="0"/>
+                          </a:rPr>
+                        </m:ctrlPr>
+                      </m:sSupPr>
+                      <m:e>
+                        <m:d>
+                          <m:dPr>
+                            <m:begChr m:val="|"/>
+                            <m:endChr m:val="|"/>
+                            <m:ctrlPr>
+                              <a:rPr kumimoji="1" lang="en-US" altLang="ja-JP" b="0" i="1" smtClean="0">
+                                <a:latin typeface="Cambria Math" panose="02040503050406030204" pitchFamily="18" charset="0"/>
+                              </a:rPr>
+                            </m:ctrlPr>
+                          </m:dPr>
+                          <m:e>
+                            <m:r>
+                              <a:rPr kumimoji="1" lang="en-US" altLang="ja-JP" b="0" i="1" smtClean="0">
+                                <a:latin typeface="Cambria Math" panose="02040503050406030204" pitchFamily="18" charset="0"/>
+                              </a:rPr>
+                              <m:t>𝑏𝑐</m:t>
+                            </m:r>
+                          </m:e>
+                        </m:d>
+                      </m:e>
+                      <m:sup>
+                        <m:r>
+                          <a:rPr kumimoji="1" lang="en-US" altLang="ja-JP" b="0" i="1" smtClean="0">
+                            <a:latin typeface="Cambria Math" panose="02040503050406030204" pitchFamily="18" charset="0"/>
+                          </a:rPr>
+                          <m:t>2</m:t>
+                        </m:r>
+                      </m:sup>
+                    </m:sSup>
+                  </m:oMath>
+                </a14:m>
+                <a:r>
+                  <a:rPr kumimoji="1" lang="ja-JP" altLang="en-US"/>
+                  <a:t>で</a:t>
+                </a:r>
+                <a14:m>
+                  <m:oMath xmlns:m="http://schemas.openxmlformats.org/officeDocument/2006/math">
+                    <m:r>
+                      <a:rPr kumimoji="1" lang="en-US" altLang="ja-JP" b="0" i="1" smtClean="0">
+                        <a:latin typeface="Cambria Math" panose="02040503050406030204" pitchFamily="18" charset="0"/>
+                      </a:rPr>
+                      <m:t>(1,0)</m:t>
+                    </m:r>
+                  </m:oMath>
+                </a14:m>
+                <a:r>
+                  <a:rPr kumimoji="1" lang="en-US" altLang="ja-JP"/>
+                  <a:t>, </a:t>
+                </a:r>
+                <a14:m>
+                  <m:oMath xmlns:m="http://schemas.openxmlformats.org/officeDocument/2006/math">
+                    <m:sSup>
+                      <m:sSupPr>
+                        <m:ctrlPr>
+                          <a:rPr kumimoji="1" lang="en-US" altLang="ja-JP" b="0" i="1" smtClean="0">
+                            <a:latin typeface="Cambria Math" panose="02040503050406030204" pitchFamily="18" charset="0"/>
+                          </a:rPr>
+                        </m:ctrlPr>
+                      </m:sSupPr>
+                      <m:e>
+                        <m:d>
+                          <m:dPr>
+                            <m:begChr m:val="|"/>
+                            <m:endChr m:val="|"/>
+                            <m:ctrlPr>
+                              <a:rPr kumimoji="1" lang="en-US" altLang="ja-JP" b="0" i="1" smtClean="0">
+                                <a:latin typeface="Cambria Math" panose="02040503050406030204" pitchFamily="18" charset="0"/>
+                              </a:rPr>
+                            </m:ctrlPr>
+                          </m:dPr>
+                          <m:e>
+                            <m:r>
+                              <a:rPr kumimoji="1" lang="en-US" altLang="ja-JP" b="0" i="1" smtClean="0">
+                                <a:latin typeface="Cambria Math" panose="02040503050406030204" pitchFamily="18" charset="0"/>
+                              </a:rPr>
+                              <m:t>𝑏𝑑</m:t>
+                            </m:r>
+                          </m:e>
+                        </m:d>
+                      </m:e>
+                      <m:sup>
+                        <m:r>
+                          <a:rPr kumimoji="1" lang="en-US" altLang="ja-JP" b="0" i="1" smtClean="0">
+                            <a:latin typeface="Cambria Math" panose="02040503050406030204" pitchFamily="18" charset="0"/>
+                          </a:rPr>
+                          <m:t>2</m:t>
+                        </m:r>
+                      </m:sup>
+                    </m:sSup>
+                  </m:oMath>
+                </a14:m>
+                <a:r>
+                  <a:rPr kumimoji="1" lang="ja-JP" altLang="en-US"/>
+                  <a:t>で</a:t>
+                </a:r>
+                <a14:m>
+                  <m:oMath xmlns:m="http://schemas.openxmlformats.org/officeDocument/2006/math">
+                    <m:r>
+                      <a:rPr kumimoji="1" lang="en-US" altLang="ja-JP" b="0" i="1" smtClean="0">
+                        <a:latin typeface="Cambria Math" panose="02040503050406030204" pitchFamily="18" charset="0"/>
+                      </a:rPr>
+                      <m:t>(1,1)</m:t>
+                    </m:r>
+                  </m:oMath>
+                </a14:m>
+                <a:r>
+                  <a:rPr kumimoji="1" lang="ja-JP" altLang="en-US"/>
+                  <a:t>になる</a:t>
+                </a:r>
+              </a:p>
+            </p:txBody>
+          </p:sp>
+        </mc:Choice>
+        <mc:Fallback xmlns="">
+          <p:sp>
+            <p:nvSpPr>
+              <p:cNvPr id="2" name="コンテンツ プレースホルダー 1">
+                <a:extLst>
+                  <a:ext uri="{FF2B5EF4-FFF2-40B4-BE49-F238E27FC236}">
+                    <a16:creationId xmlns:a16="http://schemas.microsoft.com/office/drawing/2014/main" id="{FE863C1C-085D-438C-9540-EB77478B2C74}"/>
+                  </a:ext>
+                </a:extLst>
+              </p:cNvPr>
+              <p:cNvSpPr>
+                <a:spLocks noGrp="1" noRot="1" noChangeAspect="1" noMove="1" noResize="1" noEditPoints="1" noAdjustHandles="1" noChangeArrowheads="1" noChangeShapeType="1" noTextEdit="1"/>
+              </p:cNvSpPr>
+              <p:nvPr>
+                <p:ph idx="1"/>
+              </p:nvPr>
+            </p:nvSpPr>
+            <p:spPr>
+              <a:blipFill>
+                <a:blip r:embed="rId2"/>
+                <a:stretch>
+                  <a:fillRect l="-1200" t="-1454" r="-467"/>
+                </a:stretch>
+              </a:blipFill>
+            </p:spPr>
+            <p:txBody>
+              <a:bodyPr/>
+              <a:lstStyle/>
+              <a:p>
+                <a:r>
+                  <a:rPr lang="ja-JP" altLang="en-US">
+                    <a:noFill/>
+                  </a:rPr>
+                  <a:t> </a:t>
+                </a:r>
+              </a:p>
+            </p:txBody>
+          </p:sp>
+        </mc:Fallback>
+      </mc:AlternateContent>
+      <p:sp>
+        <p:nvSpPr>
+          <p:cNvPr id="3" name="スライド番号プレースホルダー 2">
+            <a:extLst>
+              <a:ext uri="{FF2B5EF4-FFF2-40B4-BE49-F238E27FC236}">
+                <a16:creationId xmlns:a16="http://schemas.microsoft.com/office/drawing/2014/main" id="{BBB40285-C8AF-4F5D-8E3E-C50B58DEA79D}"/>
+              </a:ext>
+            </a:extLst>
+          </p:cNvPr>
+          <p:cNvSpPr>
+            <a:spLocks noGrp="1"/>
+          </p:cNvSpPr>
+          <p:nvPr>
+            <p:ph type="sldNum" sz="quarter" idx="12"/>
+          </p:nvPr>
+        </p:nvSpPr>
+        <p:spPr/>
+        <p:txBody>
+          <a:bodyPr/>
+          <a:lstStyle/>
+          <a:p>
+            <a:pPr>
+              <a:defRPr/>
+            </a:pPr>
+            <a:r>
+              <a:rPr lang="en-US" altLang="ja-JP"/>
+              <a:t>    </a:t>
+            </a:r>
+            <a:fld id="{B2782DEB-472A-4FE5-AC34-C17109CF5A91}" type="slidenum">
+              <a:rPr lang="en-US" altLang="ja-JP" smtClean="0"/>
+              <a:pPr>
+                <a:defRPr/>
+              </a:pPr>
+              <a:t>30</a:t>
+            </a:fld>
+            <a:r>
+              <a:rPr lang="en-US" altLang="ja-JP"/>
+              <a:t> / 24</a:t>
+            </a:r>
+          </a:p>
+        </p:txBody>
+      </p:sp>
+      <p:sp>
+        <p:nvSpPr>
+          <p:cNvPr id="4" name="タイトル 3">
+            <a:extLst>
+              <a:ext uri="{FF2B5EF4-FFF2-40B4-BE49-F238E27FC236}">
+                <a16:creationId xmlns:a16="http://schemas.microsoft.com/office/drawing/2014/main" id="{BE9B2D1C-AB8D-45F4-8229-56E4C962ACBC}"/>
+              </a:ext>
+            </a:extLst>
+          </p:cNvPr>
+          <p:cNvSpPr>
+            <a:spLocks noGrp="1"/>
+          </p:cNvSpPr>
+          <p:nvPr>
+            <p:ph type="title"/>
+          </p:nvPr>
+        </p:nvSpPr>
+        <p:spPr/>
+        <p:txBody>
+          <a:bodyPr/>
+          <a:lstStyle/>
+          <a:p>
+            <a:r>
+              <a:rPr lang="en-US" altLang="ja-JP"/>
+              <a:t>2qbit</a:t>
+            </a:r>
+            <a:r>
+              <a:rPr lang="ja-JP" altLang="en-US"/>
+              <a:t>の表記法</a:t>
+            </a:r>
+            <a:endParaRPr kumimoji="1" lang="ja-JP" altLang="en-US"/>
+          </a:p>
+        </p:txBody>
+      </p:sp>
+    </p:spTree>
+    <p:extLst>
+      <p:ext uri="{BB962C8B-B14F-4D97-AF65-F5344CB8AC3E}">
+        <p14:creationId xmlns:p14="http://schemas.microsoft.com/office/powerpoint/2010/main" val="2704770123"/>
+      </p:ext>
+    </p:extLst>
+  </p:cSld>
+  <p:clrMapOvr>
+    <a:masterClrMapping/>
+  </p:clrMapOvr>
+</p:sld>
+</file>
+
+<file path=ppt/slides/slide31.xml><?xml version="1.0" encoding="utf-8"?>
+<p:sld xmlns:a="http://schemas.openxmlformats.org/drawingml/2006/main" xmlns:r="http://schemas.openxmlformats.org/officeDocument/2006/relationships" xmlns:p="http://schemas.openxmlformats.org/presentationml/2006/main">
+  <p:cSld>
+    <p:spTree>
+      <p:nvGrpSpPr>
+        <p:cNvPr id="1" name=""/>
+        <p:cNvGrpSpPr/>
+        <p:nvPr/>
+      </p:nvGrpSpPr>
+      <p:grpSpPr>
+        <a:xfrm>
+          <a:off x="0" y="0"/>
+          <a:ext cx="0" cy="0"/>
+          <a:chOff x="0" y="0"/>
+          <a:chExt cx="0" cy="0"/>
+        </a:xfrm>
+      </p:grpSpPr>
+      <mc:AlternateContent xmlns:mc="http://schemas.openxmlformats.org/markup-compatibility/2006" xmlns:a14="http://schemas.microsoft.com/office/drawing/2010/main">
+        <mc:Choice Requires="a14">
+          <p:sp>
+            <p:nvSpPr>
+              <p:cNvPr id="2" name="コンテンツ プレースホルダー 1">
+                <a:extLst>
+                  <a:ext uri="{FF2B5EF4-FFF2-40B4-BE49-F238E27FC236}">
+                    <a16:creationId xmlns:a16="http://schemas.microsoft.com/office/drawing/2014/main" id="{55BA7903-D6AE-4769-A344-3D779644C450}"/>
+                  </a:ext>
+                </a:extLst>
+              </p:cNvPr>
+              <p:cNvSpPr>
+                <a:spLocks noGrp="1"/>
+              </p:cNvSpPr>
+              <p:nvPr>
+                <p:ph idx="1"/>
+              </p:nvPr>
+            </p:nvSpPr>
+            <p:spPr/>
+            <p:txBody>
+              <a:bodyPr/>
+              <a:lstStyle/>
+              <a:p>
+                <a:r>
+                  <a:rPr lang="en-US" altLang="ja-JP"/>
+                  <a:t>2qbit</a:t>
+                </a:r>
+                <a:r>
+                  <a:rPr lang="ja-JP" altLang="en-US"/>
+                  <a:t>入出力</a:t>
+                </a:r>
+                <a:r>
+                  <a:rPr lang="en-US" altLang="ja-JP"/>
+                  <a:t>(</a:t>
+                </a:r>
+                <a:r>
+                  <a:rPr lang="ja-JP" altLang="en-US"/>
+                  <a:t>量子ゲートは入出力の</a:t>
+                </a:r>
+                <a:r>
+                  <a:rPr lang="en-US" altLang="ja-JP"/>
+                  <a:t>qbit</a:t>
+                </a:r>
+                <a:r>
+                  <a:rPr lang="ja-JP" altLang="en-US"/>
+                  <a:t>数は同じ</a:t>
+                </a:r>
+                <a:r>
+                  <a:rPr lang="en-US" altLang="ja-JP"/>
+                  <a:t>)</a:t>
+                </a:r>
+              </a:p>
+              <a:p>
+                <a14:m>
+                  <m:oMath xmlns:m="http://schemas.openxmlformats.org/officeDocument/2006/math">
+                    <m:d>
+                      <m:dPr>
+                        <m:begChr m:val="|"/>
+                        <m:endChr m:val="⟩"/>
+                        <m:ctrlPr>
+                          <a:rPr lang="en-US" altLang="ja-JP" i="1">
+                            <a:latin typeface="Cambria Math" panose="02040503050406030204" pitchFamily="18" charset="0"/>
+                          </a:rPr>
+                        </m:ctrlPr>
+                      </m:dPr>
+                      <m:e>
+                        <m:r>
+                          <a:rPr lang="en-US" altLang="ja-JP" b="0" i="1" smtClean="0">
+                            <a:latin typeface="Cambria Math" panose="02040503050406030204" pitchFamily="18" charset="0"/>
+                          </a:rPr>
+                          <m:t>0</m:t>
+                        </m:r>
+                        <m:r>
+                          <a:rPr lang="en-US" altLang="ja-JP" i="1">
+                            <a:latin typeface="Cambria Math" panose="02040503050406030204" pitchFamily="18" charset="0"/>
+                          </a:rPr>
+                          <m:t>0</m:t>
+                        </m:r>
+                      </m:e>
+                    </m:d>
+                  </m:oMath>
+                </a14:m>
+                <a:r>
+                  <a:rPr lang="ja-JP" altLang="en-US"/>
+                  <a:t>と</a:t>
+                </a:r>
+                <a14:m>
+                  <m:oMath xmlns:m="http://schemas.openxmlformats.org/officeDocument/2006/math">
+                    <m:d>
+                      <m:dPr>
+                        <m:begChr m:val="|"/>
+                        <m:endChr m:val="⟩"/>
+                        <m:ctrlPr>
+                          <a:rPr lang="en-US" altLang="ja-JP" i="1">
+                            <a:latin typeface="Cambria Math" panose="02040503050406030204" pitchFamily="18" charset="0"/>
+                          </a:rPr>
+                        </m:ctrlPr>
+                      </m:dPr>
+                      <m:e>
+                        <m:r>
+                          <a:rPr lang="en-US" altLang="ja-JP" b="0" i="1" smtClean="0">
+                            <a:latin typeface="Cambria Math" panose="02040503050406030204" pitchFamily="18" charset="0"/>
+                          </a:rPr>
+                          <m:t>01</m:t>
+                        </m:r>
+                      </m:e>
+                    </m:d>
+                  </m:oMath>
+                </a14:m>
+                <a:r>
+                  <a:rPr lang="ja-JP" altLang="en-US"/>
+                  <a:t>はそのままで</a:t>
+                </a:r>
+                <a14:m>
+                  <m:oMath xmlns:m="http://schemas.openxmlformats.org/officeDocument/2006/math">
+                    <m:d>
+                      <m:dPr>
+                        <m:begChr m:val="|"/>
+                        <m:endChr m:val="⟩"/>
+                        <m:ctrlPr>
+                          <a:rPr lang="en-US" altLang="ja-JP" i="1">
+                            <a:latin typeface="Cambria Math" panose="02040503050406030204" pitchFamily="18" charset="0"/>
+                          </a:rPr>
+                        </m:ctrlPr>
+                      </m:dPr>
+                      <m:e>
+                        <m:r>
+                          <a:rPr lang="en-US" altLang="ja-JP" i="1">
+                            <a:latin typeface="Cambria Math" panose="02040503050406030204" pitchFamily="18" charset="0"/>
+                          </a:rPr>
+                          <m:t>10</m:t>
+                        </m:r>
+                      </m:e>
+                    </m:d>
+                  </m:oMath>
+                </a14:m>
+                <a:r>
+                  <a:rPr kumimoji="1" lang="ja-JP" altLang="en-US"/>
+                  <a:t>と</a:t>
+                </a:r>
+                <a14:m>
+                  <m:oMath xmlns:m="http://schemas.openxmlformats.org/officeDocument/2006/math">
+                    <m:d>
+                      <m:dPr>
+                        <m:begChr m:val="|"/>
+                        <m:endChr m:val="⟩"/>
+                        <m:ctrlPr>
+                          <a:rPr lang="en-US" altLang="ja-JP" i="1">
+                            <a:latin typeface="Cambria Math" panose="02040503050406030204" pitchFamily="18" charset="0"/>
+                          </a:rPr>
+                        </m:ctrlPr>
+                      </m:dPr>
+                      <m:e>
+                        <m:r>
+                          <a:rPr lang="en-US" altLang="ja-JP" b="0" i="1" smtClean="0">
+                            <a:latin typeface="Cambria Math" panose="02040503050406030204" pitchFamily="18" charset="0"/>
+                          </a:rPr>
+                          <m:t>11</m:t>
+                        </m:r>
+                      </m:e>
+                    </m:d>
+                  </m:oMath>
+                </a14:m>
+                <a:r>
+                  <a:rPr kumimoji="1" lang="ja-JP" altLang="en-US"/>
+                  <a:t>を入れ換える</a:t>
+                </a:r>
+                <a:endParaRPr kumimoji="1" lang="en-US" altLang="ja-JP"/>
+              </a:p>
+              <a:p>
+                <a:endParaRPr lang="en-US" altLang="ja-JP"/>
+              </a:p>
+              <a:p>
+                <a:endParaRPr kumimoji="1" lang="en-US" altLang="ja-JP"/>
+              </a:p>
+              <a:p>
+                <a:endParaRPr lang="en-US" altLang="ja-JP"/>
+              </a:p>
+              <a:p>
+                <a:r>
+                  <a:rPr kumimoji="1" lang="ja-JP" altLang="en-US"/>
+                  <a:t>状態</a:t>
+                </a:r>
+                <a14:m>
+                  <m:oMath xmlns:m="http://schemas.openxmlformats.org/officeDocument/2006/math">
+                    <m:d>
+                      <m:dPr>
+                        <m:begChr m:val="|"/>
+                        <m:endChr m:val="⟩"/>
+                        <m:ctrlPr>
+                          <a:rPr lang="en-US" altLang="ja-JP" i="1">
+                            <a:latin typeface="Cambria Math" panose="02040503050406030204" pitchFamily="18" charset="0"/>
+                          </a:rPr>
+                        </m:ctrlPr>
+                      </m:dPr>
+                      <m:e>
+                        <m:r>
+                          <a:rPr lang="en-US" altLang="ja-JP" b="0" i="1" smtClean="0">
+                            <a:latin typeface="Cambria Math" panose="02040503050406030204" pitchFamily="18" charset="0"/>
+                          </a:rPr>
+                          <m:t>𝑠𝑡</m:t>
+                        </m:r>
+                      </m:e>
+                    </m:d>
+                  </m:oMath>
+                </a14:m>
+                <a:r>
+                  <a:rPr kumimoji="1" lang="ja-JP" altLang="en-US"/>
+                  <a:t>についての変換ルールの解釈</a:t>
+                </a:r>
+                <a:endParaRPr kumimoji="1" lang="en-US" altLang="ja-JP"/>
+              </a:p>
+              <a:p>
+                <a:pPr lvl="1"/>
+                <a14:m>
+                  <m:oMath xmlns:m="http://schemas.openxmlformats.org/officeDocument/2006/math">
+                    <m:r>
+                      <a:rPr kumimoji="1" lang="en-US" altLang="ja-JP" b="0" i="1" smtClean="0">
+                        <a:latin typeface="Cambria Math" panose="02040503050406030204" pitchFamily="18" charset="0"/>
+                      </a:rPr>
+                      <m:t>𝑠</m:t>
+                    </m:r>
+                    <m:r>
+                      <a:rPr kumimoji="1" lang="en-US" altLang="ja-JP" b="0" i="1" smtClean="0">
+                        <a:latin typeface="Cambria Math" panose="02040503050406030204" pitchFamily="18" charset="0"/>
+                      </a:rPr>
+                      <m:t>=0</m:t>
+                    </m:r>
+                  </m:oMath>
+                </a14:m>
+                <a:r>
+                  <a:rPr kumimoji="1" lang="ja-JP" altLang="en-US"/>
+                  <a:t>なら</a:t>
+                </a:r>
+                <a14:m>
+                  <m:oMath xmlns:m="http://schemas.openxmlformats.org/officeDocument/2006/math">
+                    <m:r>
+                      <a:rPr kumimoji="1" lang="en-US" altLang="ja-JP" b="0" i="1" smtClean="0">
+                        <a:latin typeface="Cambria Math" panose="02040503050406030204" pitchFamily="18" charset="0"/>
+                      </a:rPr>
+                      <m:t>𝑡</m:t>
+                    </m:r>
+                  </m:oMath>
+                </a14:m>
+                <a:r>
+                  <a:rPr kumimoji="1" lang="ja-JP" altLang="en-US"/>
+                  <a:t>はそのまま</a:t>
+                </a:r>
+                <a:r>
+                  <a:rPr kumimoji="1" lang="en-US" altLang="ja-JP"/>
+                  <a:t>, </a:t>
+                </a:r>
+                <a14:m>
+                  <m:oMath xmlns:m="http://schemas.openxmlformats.org/officeDocument/2006/math">
+                    <m:r>
+                      <a:rPr kumimoji="1" lang="en-US" altLang="ja-JP" b="0" i="1" smtClean="0">
+                        <a:latin typeface="Cambria Math" panose="02040503050406030204" pitchFamily="18" charset="0"/>
+                      </a:rPr>
+                      <m:t>𝑠</m:t>
+                    </m:r>
+                    <m:r>
+                      <a:rPr kumimoji="1" lang="en-US" altLang="ja-JP" b="0" i="1" smtClean="0">
+                        <a:latin typeface="Cambria Math" panose="02040503050406030204" pitchFamily="18" charset="0"/>
+                      </a:rPr>
+                      <m:t>=1</m:t>
+                    </m:r>
+                  </m:oMath>
+                </a14:m>
+                <a:r>
+                  <a:rPr kumimoji="1" lang="ja-JP" altLang="en-US"/>
+                  <a:t>なら</a:t>
+                </a:r>
+                <a14:m>
+                  <m:oMath xmlns:m="http://schemas.openxmlformats.org/officeDocument/2006/math">
+                    <m:r>
+                      <a:rPr kumimoji="1" lang="en-US" altLang="ja-JP" b="0" i="1" smtClean="0">
+                        <a:latin typeface="Cambria Math" panose="02040503050406030204" pitchFamily="18" charset="0"/>
+                      </a:rPr>
+                      <m:t>𝑡</m:t>
+                    </m:r>
+                  </m:oMath>
+                </a14:m>
+                <a:r>
+                  <a:rPr kumimoji="1" lang="ja-JP" altLang="en-US"/>
+                  <a:t>はビット反転</a:t>
+                </a:r>
+                <a:endParaRPr kumimoji="1" lang="en-US" altLang="ja-JP"/>
+              </a:p>
+              <a:p>
+                <a:pPr lvl="1"/>
+                <a:r>
+                  <a:rPr kumimoji="1" lang="ja-JP" altLang="en-US"/>
+                  <a:t>まとめると</a:t>
+                </a:r>
+                <a14:m>
+                  <m:oMath xmlns:m="http://schemas.openxmlformats.org/officeDocument/2006/math">
+                    <m:r>
+                      <a:rPr kumimoji="1" lang="en-US" altLang="ja-JP" b="0" i="1" smtClean="0">
+                        <a:latin typeface="Cambria Math" panose="02040503050406030204" pitchFamily="18" charset="0"/>
+                      </a:rPr>
+                      <m:t>(</m:t>
+                    </m:r>
+                    <m:r>
+                      <a:rPr kumimoji="1" lang="en-US" altLang="ja-JP" b="0" i="1" smtClean="0">
+                        <a:latin typeface="Cambria Math" panose="02040503050406030204" pitchFamily="18" charset="0"/>
+                      </a:rPr>
+                      <m:t>𝑠</m:t>
+                    </m:r>
+                    <m:r>
+                      <a:rPr kumimoji="1" lang="en-US" altLang="ja-JP" b="0" i="1" smtClean="0">
+                        <a:latin typeface="Cambria Math" panose="02040503050406030204" pitchFamily="18" charset="0"/>
+                      </a:rPr>
+                      <m:t>,</m:t>
+                    </m:r>
+                    <m:r>
+                      <a:rPr kumimoji="1" lang="en-US" altLang="ja-JP" b="0" i="1" smtClean="0">
+                        <a:latin typeface="Cambria Math" panose="02040503050406030204" pitchFamily="18" charset="0"/>
+                      </a:rPr>
+                      <m:t>𝑡</m:t>
+                    </m:r>
+                    <m:r>
+                      <a:rPr kumimoji="1" lang="en-US" altLang="ja-JP" b="0" i="1" smtClean="0">
+                        <a:latin typeface="Cambria Math" panose="02040503050406030204" pitchFamily="18" charset="0"/>
+                      </a:rPr>
+                      <m:t>)</m:t>
+                    </m:r>
+                  </m:oMath>
+                </a14:m>
+                <a:r>
+                  <a:rPr kumimoji="1" lang="ja-JP" altLang="en-US"/>
+                  <a:t>→</a:t>
+                </a:r>
+                <a14:m>
+                  <m:oMath xmlns:m="http://schemas.openxmlformats.org/officeDocument/2006/math">
+                    <m:r>
+                      <a:rPr kumimoji="1" lang="en-US" altLang="ja-JP" b="0" i="1" smtClean="0">
+                        <a:latin typeface="Cambria Math" panose="02040503050406030204" pitchFamily="18" charset="0"/>
+                      </a:rPr>
+                      <m:t>(</m:t>
+                    </m:r>
+                    <m:r>
+                      <a:rPr kumimoji="1" lang="en-US" altLang="ja-JP" b="0" i="1" smtClean="0">
+                        <a:latin typeface="Cambria Math" panose="02040503050406030204" pitchFamily="18" charset="0"/>
+                      </a:rPr>
+                      <m:t>𝑠</m:t>
+                    </m:r>
+                    <m:r>
+                      <a:rPr kumimoji="1" lang="en-US" altLang="ja-JP" b="0" i="1" smtClean="0">
+                        <a:latin typeface="Cambria Math" panose="02040503050406030204" pitchFamily="18" charset="0"/>
+                      </a:rPr>
+                      <m:t>,</m:t>
+                    </m:r>
+                    <m:r>
+                      <a:rPr kumimoji="1" lang="en-US" altLang="ja-JP" b="0" i="1" smtClean="0">
+                        <a:latin typeface="Cambria Math" panose="02040503050406030204" pitchFamily="18" charset="0"/>
+                      </a:rPr>
+                      <m:t>𝑠</m:t>
+                    </m:r>
+                    <m:r>
+                      <a:rPr kumimoji="1" lang="en-US" altLang="ja-JP" b="0" i="1" smtClean="0">
+                        <a:latin typeface="Cambria Math" panose="02040503050406030204" pitchFamily="18" charset="0"/>
+                      </a:rPr>
+                      <m:t>⊕</m:t>
+                    </m:r>
+                    <m:r>
+                      <a:rPr kumimoji="1" lang="en-US" altLang="ja-JP" b="0" i="1" smtClean="0">
+                        <a:latin typeface="Cambria Math" panose="02040503050406030204" pitchFamily="18" charset="0"/>
+                      </a:rPr>
+                      <m:t>𝑡</m:t>
+                    </m:r>
+                    <m:r>
+                      <a:rPr kumimoji="1" lang="en-US" altLang="ja-JP" b="0" i="1" smtClean="0">
+                        <a:latin typeface="Cambria Math" panose="02040503050406030204" pitchFamily="18" charset="0"/>
+                      </a:rPr>
+                      <m:t>)</m:t>
+                    </m:r>
+                  </m:oMath>
+                </a14:m>
+                <a:r>
+                  <a:rPr kumimoji="1" lang="ja-JP" altLang="en-US"/>
+                  <a:t> </a:t>
+                </a:r>
+                <a:r>
+                  <a:rPr kumimoji="1" lang="en-US" altLang="ja-JP"/>
+                  <a:t>; CNOT = Controlled NOT</a:t>
+                </a:r>
+              </a:p>
+              <a:p>
+                <a:pPr lvl="1"/>
+                <a:endParaRPr kumimoji="1" lang="ja-JP" altLang="en-US"/>
+              </a:p>
+            </p:txBody>
+          </p:sp>
+        </mc:Choice>
+        <mc:Fallback xmlns="">
+          <p:sp>
+            <p:nvSpPr>
+              <p:cNvPr id="2" name="コンテンツ プレースホルダー 1">
+                <a:extLst>
+                  <a:ext uri="{FF2B5EF4-FFF2-40B4-BE49-F238E27FC236}">
+                    <a16:creationId xmlns:a16="http://schemas.microsoft.com/office/drawing/2014/main" id="{55BA7903-D6AE-4769-A344-3D779644C450}"/>
+                  </a:ext>
+                </a:extLst>
+              </p:cNvPr>
+              <p:cNvSpPr>
+                <a:spLocks noGrp="1" noRot="1" noChangeAspect="1" noMove="1" noResize="1" noEditPoints="1" noAdjustHandles="1" noChangeArrowheads="1" noChangeShapeType="1" noTextEdit="1"/>
+              </p:cNvSpPr>
+              <p:nvPr>
+                <p:ph idx="1"/>
+              </p:nvPr>
+            </p:nvSpPr>
+            <p:spPr>
+              <a:blipFill>
+                <a:blip r:embed="rId2"/>
+                <a:stretch>
+                  <a:fillRect l="-1200" t="-1454"/>
+                </a:stretch>
+              </a:blipFill>
+            </p:spPr>
+            <p:txBody>
+              <a:bodyPr/>
+              <a:lstStyle/>
+              <a:p>
+                <a:r>
+                  <a:rPr lang="ja-JP" altLang="en-US">
+                    <a:noFill/>
+                  </a:rPr>
+                  <a:t> </a:t>
+                </a:r>
+              </a:p>
+            </p:txBody>
+          </p:sp>
+        </mc:Fallback>
+      </mc:AlternateContent>
+      <p:sp>
+        <p:nvSpPr>
+          <p:cNvPr id="3" name="スライド番号プレースホルダー 2">
+            <a:extLst>
+              <a:ext uri="{FF2B5EF4-FFF2-40B4-BE49-F238E27FC236}">
+                <a16:creationId xmlns:a16="http://schemas.microsoft.com/office/drawing/2014/main" id="{EA5183CC-DCEE-4B26-ADAE-EDA59BCE44E6}"/>
+              </a:ext>
+            </a:extLst>
+          </p:cNvPr>
+          <p:cNvSpPr>
+            <a:spLocks noGrp="1"/>
+          </p:cNvSpPr>
+          <p:nvPr>
+            <p:ph type="sldNum" sz="quarter" idx="12"/>
+          </p:nvPr>
+        </p:nvSpPr>
+        <p:spPr/>
+        <p:txBody>
+          <a:bodyPr/>
+          <a:lstStyle/>
+          <a:p>
+            <a:pPr>
+              <a:defRPr/>
+            </a:pPr>
+            <a:r>
+              <a:rPr lang="en-US" altLang="ja-JP"/>
+              <a:t>    </a:t>
+            </a:r>
+            <a:fld id="{B2782DEB-472A-4FE5-AC34-C17109CF5A91}" type="slidenum">
+              <a:rPr lang="en-US" altLang="ja-JP" smtClean="0"/>
+              <a:pPr>
+                <a:defRPr/>
+              </a:pPr>
+              <a:t>31</a:t>
+            </a:fld>
+            <a:r>
+              <a:rPr lang="en-US" altLang="ja-JP"/>
+              <a:t> / 24</a:t>
+            </a:r>
+          </a:p>
+        </p:txBody>
+      </p:sp>
+      <p:sp>
+        <p:nvSpPr>
+          <p:cNvPr id="4" name="タイトル 3">
+            <a:extLst>
+              <a:ext uri="{FF2B5EF4-FFF2-40B4-BE49-F238E27FC236}">
+                <a16:creationId xmlns:a16="http://schemas.microsoft.com/office/drawing/2014/main" id="{DF1DB0F2-F3F1-436F-A00F-B396942F1F6A}"/>
+              </a:ext>
+            </a:extLst>
+          </p:cNvPr>
+          <p:cNvSpPr>
+            <a:spLocks noGrp="1"/>
+          </p:cNvSpPr>
+          <p:nvPr>
+            <p:ph type="title"/>
+          </p:nvPr>
+        </p:nvSpPr>
+        <p:spPr/>
+        <p:txBody>
+          <a:bodyPr/>
+          <a:lstStyle/>
+          <a:p>
+            <a:r>
+              <a:rPr kumimoji="1" lang="en-US" altLang="ja-JP"/>
+              <a:t>CNOT</a:t>
+            </a:r>
+            <a:r>
+              <a:rPr kumimoji="1" lang="ja-JP" altLang="en-US"/>
+              <a:t>ゲート</a:t>
+            </a:r>
+          </a:p>
+        </p:txBody>
+      </p:sp>
+      <p:pic>
+        <p:nvPicPr>
+          <p:cNvPr id="6" name="図 5">
+            <a:extLst>
+              <a:ext uri="{FF2B5EF4-FFF2-40B4-BE49-F238E27FC236}">
+                <a16:creationId xmlns:a16="http://schemas.microsoft.com/office/drawing/2014/main" id="{70CEC371-07C9-4B8D-B814-C94E2B4C4D6E}"/>
+              </a:ext>
+            </a:extLst>
+          </p:cNvPr>
+          <p:cNvPicPr>
+            <a:picLocks noChangeAspect="1"/>
+          </p:cNvPicPr>
+          <p:nvPr/>
+        </p:nvPicPr>
+        <p:blipFill>
+          <a:blip r:embed="rId3">
+            <a:extLst>
+              <a:ext uri="{28A0092B-C50C-407E-A947-70E740481C1C}">
+                <a14:useLocalDpi xmlns:a14="http://schemas.microsoft.com/office/drawing/2010/main" val="0"/>
+              </a:ext>
+            </a:extLst>
+          </a:blip>
+          <a:stretch>
+            <a:fillRect/>
+          </a:stretch>
+        </p:blipFill>
+        <p:spPr>
+          <a:xfrm>
+            <a:off x="827584" y="1772816"/>
+            <a:ext cx="6696744" cy="1724413"/>
+          </a:xfrm>
+          <a:prstGeom prst="rect">
+            <a:avLst/>
+          </a:prstGeom>
+        </p:spPr>
+      </p:pic>
+      <p:pic>
+        <p:nvPicPr>
+          <p:cNvPr id="7" name="図 6">
+            <a:extLst>
+              <a:ext uri="{FF2B5EF4-FFF2-40B4-BE49-F238E27FC236}">
+                <a16:creationId xmlns:a16="http://schemas.microsoft.com/office/drawing/2014/main" id="{FDE4C851-A388-4922-A87E-397FDA5A264E}"/>
+              </a:ext>
+            </a:extLst>
+          </p:cNvPr>
+          <p:cNvPicPr>
+            <a:picLocks noChangeAspect="1"/>
+          </p:cNvPicPr>
+          <p:nvPr/>
+        </p:nvPicPr>
+        <p:blipFill>
+          <a:blip r:embed="rId4">
+            <a:extLst>
+              <a:ext uri="{28A0092B-C50C-407E-A947-70E740481C1C}">
+                <a14:useLocalDpi xmlns:a14="http://schemas.microsoft.com/office/drawing/2010/main" val="0"/>
+              </a:ext>
+            </a:extLst>
+          </a:blip>
+          <a:stretch>
+            <a:fillRect/>
+          </a:stretch>
+        </p:blipFill>
+        <p:spPr>
+          <a:xfrm>
+            <a:off x="2411760" y="5157192"/>
+            <a:ext cx="3816424" cy="1431159"/>
+          </a:xfrm>
+          <a:prstGeom prst="rect">
+            <a:avLst/>
+          </a:prstGeom>
+        </p:spPr>
+      </p:pic>
+    </p:spTree>
+    <p:extLst>
+      <p:ext uri="{BB962C8B-B14F-4D97-AF65-F5344CB8AC3E}">
+        <p14:creationId xmlns:p14="http://schemas.microsoft.com/office/powerpoint/2010/main" val="540362653"/>
+      </p:ext>
+    </p:extLst>
+  </p:cSld>
+  <p:clrMapOvr>
+    <a:masterClrMapping/>
+  </p:clrMapOvr>
+</p:sld>
+</file>
+
+<file path=ppt/slides/slide32.xml><?xml version="1.0" encoding="utf-8"?>
+<p:sld xmlns:a="http://schemas.openxmlformats.org/drawingml/2006/main" xmlns:r="http://schemas.openxmlformats.org/officeDocument/2006/relationships" xmlns:p="http://schemas.openxmlformats.org/presentationml/2006/main">
+  <p:cSld>
+    <p:spTree>
+      <p:nvGrpSpPr>
+        <p:cNvPr id="1" name=""/>
+        <p:cNvGrpSpPr/>
+        <p:nvPr/>
+      </p:nvGrpSpPr>
+      <p:grpSpPr>
+        <a:xfrm>
+          <a:off x="0" y="0"/>
+          <a:ext cx="0" cy="0"/>
+          <a:chOff x="0" y="0"/>
+          <a:chExt cx="0" cy="0"/>
+        </a:xfrm>
+      </p:grpSpPr>
+      <mc:AlternateContent xmlns:mc="http://schemas.openxmlformats.org/markup-compatibility/2006" xmlns:a14="http://schemas.microsoft.com/office/drawing/2010/main">
+        <mc:Choice Requires="a14">
+          <p:sp>
+            <p:nvSpPr>
+              <p:cNvPr id="2" name="コンテンツ プレースホルダー 1">
+                <a:extLst>
+                  <a:ext uri="{FF2B5EF4-FFF2-40B4-BE49-F238E27FC236}">
+                    <a16:creationId xmlns:a16="http://schemas.microsoft.com/office/drawing/2014/main" id="{E37F6274-34E9-4213-8F34-35F304186169}"/>
+                  </a:ext>
+                </a:extLst>
+              </p:cNvPr>
+              <p:cNvSpPr>
+                <a:spLocks noGrp="1"/>
+              </p:cNvSpPr>
+              <p:nvPr>
+                <p:ph idx="1"/>
+              </p:nvPr>
+            </p:nvSpPr>
+            <p:spPr/>
+            <p:txBody>
+              <a:bodyPr/>
+              <a:lstStyle/>
+              <a:p>
+                <a:r>
+                  <a:rPr kumimoji="1" lang="ja-JP" altLang="en-US"/>
+                  <a:t>例 </a:t>
+                </a:r>
+                <a:r>
+                  <a:rPr kumimoji="1" lang="en-US" altLang="ja-JP"/>
+                  <a:t>: </a:t>
+                </a:r>
+                <a14:m>
+                  <m:oMath xmlns:m="http://schemas.openxmlformats.org/officeDocument/2006/math">
+                    <m:r>
+                      <a:rPr lang="en-US" altLang="ja-JP" b="0" i="1" smtClean="0">
+                        <a:latin typeface="Cambria Math" panose="02040503050406030204" pitchFamily="18" charset="0"/>
+                      </a:rPr>
+                      <m:t>𝑥</m:t>
+                    </m:r>
+                    <m:r>
+                      <a:rPr lang="en-US" altLang="ja-JP" i="1">
+                        <a:latin typeface="Cambria Math" panose="02040503050406030204" pitchFamily="18" charset="0"/>
+                      </a:rPr>
+                      <m:t>=</m:t>
+                    </m:r>
+                    <m:f>
+                      <m:fPr>
+                        <m:type m:val="lin"/>
+                        <m:ctrlPr>
+                          <a:rPr lang="en-US" altLang="ja-JP" i="1" smtClean="0">
+                            <a:latin typeface="Cambria Math" panose="02040503050406030204" pitchFamily="18" charset="0"/>
+                          </a:rPr>
+                        </m:ctrlPr>
+                      </m:fPr>
+                      <m:num>
+                        <m:r>
+                          <a:rPr lang="en-US" altLang="ja-JP" b="0" i="1" smtClean="0">
+                            <a:latin typeface="Cambria Math" panose="02040503050406030204" pitchFamily="18" charset="0"/>
+                          </a:rPr>
+                          <m:t>1</m:t>
+                        </m:r>
+                      </m:num>
+                      <m:den>
+                        <m:rad>
+                          <m:radPr>
+                            <m:degHide m:val="on"/>
+                            <m:ctrlPr>
+                              <a:rPr lang="en-US" altLang="ja-JP" b="0" i="1" smtClean="0">
+                                <a:latin typeface="Cambria Math" panose="02040503050406030204" pitchFamily="18" charset="0"/>
+                              </a:rPr>
+                            </m:ctrlPr>
+                          </m:radPr>
+                          <m:deg/>
+                          <m:e>
+                            <m:r>
+                              <a:rPr lang="en-US" altLang="ja-JP" b="0" i="1" smtClean="0">
+                                <a:latin typeface="Cambria Math" panose="02040503050406030204" pitchFamily="18" charset="0"/>
+                              </a:rPr>
+                              <m:t>2</m:t>
+                            </m:r>
+                          </m:e>
+                        </m:rad>
+                      </m:den>
+                    </m:f>
+                    <m:d>
+                      <m:dPr>
+                        <m:begChr m:val="|"/>
+                        <m:endChr m:val="⟩"/>
+                        <m:ctrlPr>
+                          <a:rPr lang="en-US" altLang="ja-JP" i="1">
+                            <a:latin typeface="Cambria Math" panose="02040503050406030204" pitchFamily="18" charset="0"/>
+                          </a:rPr>
+                        </m:ctrlPr>
+                      </m:dPr>
+                      <m:e>
+                        <m:r>
+                          <a:rPr lang="en-US" altLang="ja-JP" i="1">
+                            <a:latin typeface="Cambria Math" panose="02040503050406030204" pitchFamily="18" charset="0"/>
+                          </a:rPr>
+                          <m:t>0</m:t>
+                        </m:r>
+                      </m:e>
+                    </m:d>
+                    <m:r>
+                      <a:rPr lang="en-US" altLang="ja-JP" b="0" i="1" smtClean="0">
+                        <a:latin typeface="Cambria Math" panose="02040503050406030204" pitchFamily="18" charset="0"/>
+                      </a:rPr>
+                      <m:t>+</m:t>
+                    </m:r>
+                    <m:f>
+                      <m:fPr>
+                        <m:type m:val="lin"/>
+                        <m:ctrlPr>
+                          <a:rPr lang="en-US" altLang="ja-JP" i="1">
+                            <a:latin typeface="Cambria Math" panose="02040503050406030204" pitchFamily="18" charset="0"/>
+                          </a:rPr>
+                        </m:ctrlPr>
+                      </m:fPr>
+                      <m:num>
+                        <m:r>
+                          <a:rPr lang="en-US" altLang="ja-JP" i="1">
+                            <a:latin typeface="Cambria Math" panose="02040503050406030204" pitchFamily="18" charset="0"/>
+                          </a:rPr>
+                          <m:t>1</m:t>
+                        </m:r>
+                      </m:num>
+                      <m:den>
+                        <m:rad>
+                          <m:radPr>
+                            <m:degHide m:val="on"/>
+                            <m:ctrlPr>
+                              <a:rPr lang="en-US" altLang="ja-JP" i="1">
+                                <a:latin typeface="Cambria Math" panose="02040503050406030204" pitchFamily="18" charset="0"/>
+                              </a:rPr>
+                            </m:ctrlPr>
+                          </m:radPr>
+                          <m:deg/>
+                          <m:e>
+                            <m:r>
+                              <a:rPr lang="en-US" altLang="ja-JP" i="1">
+                                <a:latin typeface="Cambria Math" panose="02040503050406030204" pitchFamily="18" charset="0"/>
+                              </a:rPr>
+                              <m:t>2</m:t>
+                            </m:r>
+                          </m:e>
+                        </m:rad>
+                      </m:den>
+                    </m:f>
+                    <m:r>
+                      <a:rPr lang="en-US" altLang="ja-JP" i="1">
+                        <a:latin typeface="Cambria Math" panose="02040503050406030204" pitchFamily="18" charset="0"/>
+                      </a:rPr>
+                      <m:t>|</m:t>
+                    </m:r>
+                    <m:r>
+                      <a:rPr lang="en-US" altLang="ja-JP" b="0" i="1" smtClean="0">
+                        <a:latin typeface="Cambria Math" panose="02040503050406030204" pitchFamily="18" charset="0"/>
+                      </a:rPr>
+                      <m:t>1</m:t>
+                    </m:r>
+                    <m:r>
+                      <a:rPr lang="en-US" altLang="ja-JP" i="1">
+                        <a:latin typeface="Cambria Math" panose="02040503050406030204" pitchFamily="18" charset="0"/>
+                      </a:rPr>
+                      <m:t>⟩</m:t>
+                    </m:r>
+                  </m:oMath>
+                </a14:m>
+                <a:r>
+                  <a:rPr kumimoji="1" lang="en-US" altLang="ja-JP"/>
+                  <a:t>, </a:t>
+                </a:r>
+                <a14:m>
+                  <m:oMath xmlns:m="http://schemas.openxmlformats.org/officeDocument/2006/math">
+                    <m:r>
+                      <a:rPr lang="en-US" altLang="ja-JP" b="0" i="1" smtClean="0">
+                        <a:latin typeface="Cambria Math" panose="02040503050406030204" pitchFamily="18" charset="0"/>
+                      </a:rPr>
+                      <m:t>𝑦</m:t>
+                    </m:r>
+                    <m:r>
+                      <a:rPr lang="en-US" altLang="ja-JP" i="1">
+                        <a:latin typeface="Cambria Math" panose="02040503050406030204" pitchFamily="18" charset="0"/>
+                      </a:rPr>
+                      <m:t>=</m:t>
+                    </m:r>
+                    <m:d>
+                      <m:dPr>
+                        <m:begChr m:val="|"/>
+                        <m:endChr m:val="⟩"/>
+                        <m:ctrlPr>
+                          <a:rPr lang="en-US" altLang="ja-JP" i="1">
+                            <a:latin typeface="Cambria Math" panose="02040503050406030204" pitchFamily="18" charset="0"/>
+                          </a:rPr>
+                        </m:ctrlPr>
+                      </m:dPr>
+                      <m:e>
+                        <m:r>
+                          <a:rPr lang="en-US" altLang="ja-JP" i="1">
+                            <a:latin typeface="Cambria Math" panose="02040503050406030204" pitchFamily="18" charset="0"/>
+                          </a:rPr>
+                          <m:t>0</m:t>
+                        </m:r>
+                      </m:e>
+                    </m:d>
+                  </m:oMath>
+                </a14:m>
+                <a:r>
+                  <a:rPr kumimoji="1" lang="ja-JP" altLang="en-US"/>
+                  <a:t>のとき</a:t>
+                </a:r>
+                <a:endParaRPr kumimoji="1" lang="en-US" altLang="ja-JP"/>
+              </a:p>
+              <a:p>
+                <a:pPr lvl="1"/>
+                <a14:m>
+                  <m:oMath xmlns:m="http://schemas.openxmlformats.org/officeDocument/2006/math">
+                    <m:r>
+                      <a:rPr kumimoji="1" lang="en-US" altLang="ja-JP" b="0" i="1" smtClean="0">
+                        <a:latin typeface="Cambria Math" panose="02040503050406030204" pitchFamily="18" charset="0"/>
+                      </a:rPr>
+                      <m:t>𝑥</m:t>
+                    </m:r>
+                    <m:r>
+                      <a:rPr kumimoji="1" lang="en-US" altLang="ja-JP" b="0" i="1" smtClean="0">
+                        <a:latin typeface="Cambria Math" panose="02040503050406030204" pitchFamily="18" charset="0"/>
+                      </a:rPr>
+                      <m:t>⊗</m:t>
+                    </m:r>
+                    <m:r>
+                      <a:rPr kumimoji="1" lang="en-US" altLang="ja-JP" b="0" i="1" smtClean="0">
+                        <a:latin typeface="Cambria Math" panose="02040503050406030204" pitchFamily="18" charset="0"/>
+                      </a:rPr>
+                      <m:t>𝑦</m:t>
+                    </m:r>
+                    <m:r>
+                      <a:rPr kumimoji="1" lang="en-US" altLang="ja-JP" b="0" i="1" smtClean="0">
+                        <a:latin typeface="Cambria Math" panose="02040503050406030204" pitchFamily="18" charset="0"/>
+                      </a:rPr>
+                      <m:t>=</m:t>
+                    </m:r>
+                    <m:f>
+                      <m:fPr>
+                        <m:type m:val="lin"/>
+                        <m:ctrlPr>
+                          <a:rPr lang="en-US" altLang="ja-JP" i="1">
+                            <a:latin typeface="Cambria Math" panose="02040503050406030204" pitchFamily="18" charset="0"/>
+                          </a:rPr>
+                        </m:ctrlPr>
+                      </m:fPr>
+                      <m:num>
+                        <m:r>
+                          <a:rPr lang="en-US" altLang="ja-JP" i="1">
+                            <a:latin typeface="Cambria Math" panose="02040503050406030204" pitchFamily="18" charset="0"/>
+                          </a:rPr>
+                          <m:t>1</m:t>
+                        </m:r>
+                      </m:num>
+                      <m:den>
+                        <m:rad>
+                          <m:radPr>
+                            <m:degHide m:val="on"/>
+                            <m:ctrlPr>
+                              <a:rPr lang="en-US" altLang="ja-JP" i="1">
+                                <a:latin typeface="Cambria Math" panose="02040503050406030204" pitchFamily="18" charset="0"/>
+                              </a:rPr>
+                            </m:ctrlPr>
+                          </m:radPr>
+                          <m:deg/>
+                          <m:e>
+                            <m:r>
+                              <a:rPr lang="en-US" altLang="ja-JP" i="1">
+                                <a:latin typeface="Cambria Math" panose="02040503050406030204" pitchFamily="18" charset="0"/>
+                              </a:rPr>
+                              <m:t>2</m:t>
+                            </m:r>
+                          </m:e>
+                        </m:rad>
+                      </m:den>
+                    </m:f>
+                    <m:d>
+                      <m:dPr>
+                        <m:begChr m:val="|"/>
+                        <m:endChr m:val="⟩"/>
+                        <m:ctrlPr>
+                          <a:rPr lang="en-US" altLang="ja-JP" i="1">
+                            <a:latin typeface="Cambria Math" panose="02040503050406030204" pitchFamily="18" charset="0"/>
+                          </a:rPr>
+                        </m:ctrlPr>
+                      </m:dPr>
+                      <m:e>
+                        <m:r>
+                          <a:rPr lang="en-US" altLang="ja-JP" i="1">
+                            <a:latin typeface="Cambria Math" panose="02040503050406030204" pitchFamily="18" charset="0"/>
+                          </a:rPr>
+                          <m:t>0</m:t>
+                        </m:r>
+                        <m:r>
+                          <a:rPr lang="en-US" altLang="ja-JP" b="0" i="1" smtClean="0">
+                            <a:latin typeface="Cambria Math" panose="02040503050406030204" pitchFamily="18" charset="0"/>
+                          </a:rPr>
+                          <m:t>0</m:t>
+                        </m:r>
+                      </m:e>
+                    </m:d>
+                    <m:r>
+                      <a:rPr lang="en-US" altLang="ja-JP" b="0" i="1" smtClean="0">
+                        <a:latin typeface="Cambria Math" panose="02040503050406030204" pitchFamily="18" charset="0"/>
+                      </a:rPr>
+                      <m:t>+</m:t>
+                    </m:r>
+                    <m:f>
+                      <m:fPr>
+                        <m:type m:val="lin"/>
+                        <m:ctrlPr>
+                          <a:rPr lang="en-US" altLang="ja-JP" i="1">
+                            <a:latin typeface="Cambria Math" panose="02040503050406030204" pitchFamily="18" charset="0"/>
+                          </a:rPr>
+                        </m:ctrlPr>
+                      </m:fPr>
+                      <m:num>
+                        <m:r>
+                          <a:rPr lang="en-US" altLang="ja-JP" i="1">
+                            <a:latin typeface="Cambria Math" panose="02040503050406030204" pitchFamily="18" charset="0"/>
+                          </a:rPr>
+                          <m:t>1</m:t>
+                        </m:r>
+                      </m:num>
+                      <m:den>
+                        <m:rad>
+                          <m:radPr>
+                            <m:degHide m:val="on"/>
+                            <m:ctrlPr>
+                              <a:rPr lang="en-US" altLang="ja-JP" i="1">
+                                <a:latin typeface="Cambria Math" panose="02040503050406030204" pitchFamily="18" charset="0"/>
+                              </a:rPr>
+                            </m:ctrlPr>
+                          </m:radPr>
+                          <m:deg/>
+                          <m:e>
+                            <m:r>
+                              <a:rPr lang="en-US" altLang="ja-JP" i="1">
+                                <a:latin typeface="Cambria Math" panose="02040503050406030204" pitchFamily="18" charset="0"/>
+                              </a:rPr>
+                              <m:t>2</m:t>
+                            </m:r>
+                          </m:e>
+                        </m:rad>
+                      </m:den>
+                    </m:f>
+                    <m:d>
+                      <m:dPr>
+                        <m:begChr m:val="|"/>
+                        <m:endChr m:val="⟩"/>
+                        <m:ctrlPr>
+                          <a:rPr lang="en-US" altLang="ja-JP" i="1">
+                            <a:latin typeface="Cambria Math" panose="02040503050406030204" pitchFamily="18" charset="0"/>
+                          </a:rPr>
+                        </m:ctrlPr>
+                      </m:dPr>
+                      <m:e>
+                        <m:r>
+                          <a:rPr lang="en-US" altLang="ja-JP" b="0" i="1" smtClean="0">
+                            <a:latin typeface="Cambria Math" panose="02040503050406030204" pitchFamily="18" charset="0"/>
+                          </a:rPr>
+                          <m:t>1</m:t>
+                        </m:r>
+                        <m:r>
+                          <a:rPr lang="en-US" altLang="ja-JP" i="1">
+                            <a:latin typeface="Cambria Math" panose="02040503050406030204" pitchFamily="18" charset="0"/>
+                          </a:rPr>
+                          <m:t>0</m:t>
+                        </m:r>
+                      </m:e>
+                    </m:d>
+                  </m:oMath>
+                </a14:m>
+                <a:endParaRPr kumimoji="1" lang="en-US" altLang="ja-JP"/>
+              </a:p>
+              <a:p>
+                <a:pPr lvl="1"/>
+                <a:r>
+                  <a:rPr kumimoji="1" lang="ja-JP" altLang="en-US"/>
+                  <a:t>観測したとき</a:t>
+                </a:r>
+                <a14:m>
+                  <m:oMath xmlns:m="http://schemas.openxmlformats.org/officeDocument/2006/math">
+                    <m:r>
+                      <a:rPr kumimoji="1" lang="en-US" altLang="ja-JP" b="0" i="1" smtClean="0">
+                        <a:latin typeface="Cambria Math" panose="02040503050406030204" pitchFamily="18" charset="0"/>
+                      </a:rPr>
+                      <m:t>𝑥</m:t>
+                    </m:r>
+                  </m:oMath>
+                </a14:m>
+                <a:r>
+                  <a:rPr kumimoji="1" lang="ja-JP" altLang="en-US"/>
+                  <a:t>が</a:t>
+                </a:r>
+                <a:r>
+                  <a:rPr kumimoji="1" lang="en-US" altLang="ja-JP"/>
+                  <a:t>0</a:t>
+                </a:r>
+                <a:r>
+                  <a:rPr kumimoji="1" lang="ja-JP" altLang="en-US"/>
+                  <a:t>か</a:t>
+                </a:r>
+                <a:r>
+                  <a:rPr kumimoji="1" lang="en-US" altLang="ja-JP"/>
+                  <a:t>1</a:t>
+                </a:r>
+                <a:r>
+                  <a:rPr kumimoji="1" lang="ja-JP" altLang="en-US"/>
+                  <a:t>になる確率は</a:t>
+                </a:r>
+                <a14:m>
+                  <m:oMath xmlns:m="http://schemas.openxmlformats.org/officeDocument/2006/math">
+                    <m:r>
+                      <a:rPr kumimoji="1" lang="en-US" altLang="ja-JP" b="0" i="1" smtClean="0">
+                        <a:latin typeface="Cambria Math" panose="02040503050406030204" pitchFamily="18" charset="0"/>
+                      </a:rPr>
+                      <m:t>1/2</m:t>
+                    </m:r>
+                  </m:oMath>
+                </a14:m>
+                <a:r>
+                  <a:rPr kumimoji="1" lang="en-US" altLang="ja-JP"/>
+                  <a:t>, </a:t>
+                </a:r>
+                <a14:m>
+                  <m:oMath xmlns:m="http://schemas.openxmlformats.org/officeDocument/2006/math">
+                    <m:r>
+                      <a:rPr kumimoji="1" lang="en-US" altLang="ja-JP" b="0" i="1" smtClean="0">
+                        <a:latin typeface="Cambria Math" panose="02040503050406030204" pitchFamily="18" charset="0"/>
+                      </a:rPr>
+                      <m:t>𝑦</m:t>
+                    </m:r>
+                  </m:oMath>
+                </a14:m>
+                <a:r>
+                  <a:rPr kumimoji="1" lang="ja-JP" altLang="en-US"/>
+                  <a:t>は常に</a:t>
+                </a:r>
+                <a:r>
+                  <a:rPr kumimoji="1" lang="en-US" altLang="ja-JP"/>
+                  <a:t>0</a:t>
+                </a:r>
+              </a:p>
+              <a:p>
+                <a:r>
+                  <a:rPr lang="en-US" altLang="ja-JP"/>
+                  <a:t>CNOT</a:t>
+                </a:r>
+                <a14:m>
+                  <m:oMath xmlns:m="http://schemas.openxmlformats.org/officeDocument/2006/math">
+                    <m:d>
+                      <m:dPr>
+                        <m:ctrlPr>
+                          <a:rPr lang="en-US" altLang="ja-JP" b="0" i="1" smtClean="0">
+                            <a:latin typeface="Cambria Math" panose="02040503050406030204" pitchFamily="18" charset="0"/>
+                          </a:rPr>
+                        </m:ctrlPr>
+                      </m:dPr>
+                      <m:e>
+                        <m:r>
+                          <a:rPr lang="en-US" altLang="ja-JP" i="1">
+                            <a:latin typeface="Cambria Math" panose="02040503050406030204" pitchFamily="18" charset="0"/>
+                          </a:rPr>
+                          <m:t>𝑥</m:t>
+                        </m:r>
+                        <m:r>
+                          <a:rPr lang="en-US" altLang="ja-JP" i="1">
+                            <a:latin typeface="Cambria Math" panose="02040503050406030204" pitchFamily="18" charset="0"/>
+                          </a:rPr>
+                          <m:t>⊗</m:t>
+                        </m:r>
+                        <m:r>
+                          <a:rPr lang="en-US" altLang="ja-JP" i="1">
+                            <a:latin typeface="Cambria Math" panose="02040503050406030204" pitchFamily="18" charset="0"/>
+                          </a:rPr>
+                          <m:t>𝑦</m:t>
+                        </m:r>
+                      </m:e>
+                    </m:d>
+                    <m:r>
+                      <a:rPr lang="en-US" altLang="ja-JP" b="0" i="0" smtClean="0">
+                        <a:latin typeface="Cambria Math" panose="02040503050406030204" pitchFamily="18" charset="0"/>
+                      </a:rPr>
+                      <m:t>=</m:t>
+                    </m:r>
+                    <m:f>
+                      <m:fPr>
+                        <m:type m:val="lin"/>
+                        <m:ctrlPr>
+                          <a:rPr lang="en-US" altLang="ja-JP" i="1">
+                            <a:latin typeface="Cambria Math" panose="02040503050406030204" pitchFamily="18" charset="0"/>
+                          </a:rPr>
+                        </m:ctrlPr>
+                      </m:fPr>
+                      <m:num>
+                        <m:r>
+                          <a:rPr lang="en-US" altLang="ja-JP" i="1">
+                            <a:latin typeface="Cambria Math" panose="02040503050406030204" pitchFamily="18" charset="0"/>
+                          </a:rPr>
+                          <m:t>1</m:t>
+                        </m:r>
+                      </m:num>
+                      <m:den>
+                        <m:rad>
+                          <m:radPr>
+                            <m:degHide m:val="on"/>
+                            <m:ctrlPr>
+                              <a:rPr lang="en-US" altLang="ja-JP" i="1">
+                                <a:latin typeface="Cambria Math" panose="02040503050406030204" pitchFamily="18" charset="0"/>
+                              </a:rPr>
+                            </m:ctrlPr>
+                          </m:radPr>
+                          <m:deg/>
+                          <m:e>
+                            <m:r>
+                              <a:rPr lang="en-US" altLang="ja-JP" i="1">
+                                <a:latin typeface="Cambria Math" panose="02040503050406030204" pitchFamily="18" charset="0"/>
+                              </a:rPr>
+                              <m:t>2</m:t>
+                            </m:r>
+                          </m:e>
+                        </m:rad>
+                      </m:den>
+                    </m:f>
+                    <m:d>
+                      <m:dPr>
+                        <m:begChr m:val="|"/>
+                        <m:endChr m:val="⟩"/>
+                        <m:ctrlPr>
+                          <a:rPr lang="en-US" altLang="ja-JP" i="1">
+                            <a:latin typeface="Cambria Math" panose="02040503050406030204" pitchFamily="18" charset="0"/>
+                          </a:rPr>
+                        </m:ctrlPr>
+                      </m:dPr>
+                      <m:e>
+                        <m:r>
+                          <a:rPr lang="en-US" altLang="ja-JP" i="1">
+                            <a:latin typeface="Cambria Math" panose="02040503050406030204" pitchFamily="18" charset="0"/>
+                          </a:rPr>
+                          <m:t>00</m:t>
+                        </m:r>
+                      </m:e>
+                    </m:d>
+                    <m:r>
+                      <a:rPr lang="en-US" altLang="ja-JP" i="1">
+                        <a:latin typeface="Cambria Math" panose="02040503050406030204" pitchFamily="18" charset="0"/>
+                      </a:rPr>
+                      <m:t>+</m:t>
+                    </m:r>
+                    <m:f>
+                      <m:fPr>
+                        <m:type m:val="lin"/>
+                        <m:ctrlPr>
+                          <a:rPr lang="en-US" altLang="ja-JP" i="1">
+                            <a:latin typeface="Cambria Math" panose="02040503050406030204" pitchFamily="18" charset="0"/>
+                          </a:rPr>
+                        </m:ctrlPr>
+                      </m:fPr>
+                      <m:num>
+                        <m:r>
+                          <a:rPr lang="en-US" altLang="ja-JP" i="1">
+                            <a:latin typeface="Cambria Math" panose="02040503050406030204" pitchFamily="18" charset="0"/>
+                          </a:rPr>
+                          <m:t>1</m:t>
+                        </m:r>
+                      </m:num>
+                      <m:den>
+                        <m:rad>
+                          <m:radPr>
+                            <m:degHide m:val="on"/>
+                            <m:ctrlPr>
+                              <a:rPr lang="en-US" altLang="ja-JP" i="1">
+                                <a:latin typeface="Cambria Math" panose="02040503050406030204" pitchFamily="18" charset="0"/>
+                              </a:rPr>
+                            </m:ctrlPr>
+                          </m:radPr>
+                          <m:deg/>
+                          <m:e>
+                            <m:r>
+                              <a:rPr lang="en-US" altLang="ja-JP" i="1">
+                                <a:latin typeface="Cambria Math" panose="02040503050406030204" pitchFamily="18" charset="0"/>
+                              </a:rPr>
+                              <m:t>2</m:t>
+                            </m:r>
+                          </m:e>
+                        </m:rad>
+                      </m:den>
+                    </m:f>
+                    <m:d>
+                      <m:dPr>
+                        <m:begChr m:val="|"/>
+                        <m:endChr m:val="⟩"/>
+                        <m:ctrlPr>
+                          <a:rPr lang="en-US" altLang="ja-JP" i="1">
+                            <a:latin typeface="Cambria Math" panose="02040503050406030204" pitchFamily="18" charset="0"/>
+                          </a:rPr>
+                        </m:ctrlPr>
+                      </m:dPr>
+                      <m:e>
+                        <m:r>
+                          <a:rPr lang="en-US" altLang="ja-JP" b="0" i="1" smtClean="0">
+                            <a:latin typeface="Cambria Math" panose="02040503050406030204" pitchFamily="18" charset="0"/>
+                          </a:rPr>
+                          <m:t>11</m:t>
+                        </m:r>
+                      </m:e>
+                    </m:d>
+                  </m:oMath>
+                </a14:m>
+                <a:endParaRPr kumimoji="1" lang="en-US" altLang="ja-JP"/>
+              </a:p>
+              <a:p>
+                <a:pPr lvl="1"/>
+                <a:r>
+                  <a:rPr kumimoji="1" lang="ja-JP" altLang="en-US"/>
+                  <a:t>観測したとき</a:t>
+                </a:r>
+                <a14:m>
+                  <m:oMath xmlns:m="http://schemas.openxmlformats.org/officeDocument/2006/math">
+                    <m:d>
+                      <m:dPr>
+                        <m:ctrlPr>
+                          <a:rPr kumimoji="1" lang="en-US" altLang="ja-JP" b="0" i="1" smtClean="0">
+                            <a:latin typeface="Cambria Math" panose="02040503050406030204" pitchFamily="18" charset="0"/>
+                          </a:rPr>
+                        </m:ctrlPr>
+                      </m:dPr>
+                      <m:e>
+                        <m:r>
+                          <a:rPr kumimoji="1" lang="en-US" altLang="ja-JP" b="0" i="1" smtClean="0">
+                            <a:latin typeface="Cambria Math" panose="02040503050406030204" pitchFamily="18" charset="0"/>
+                          </a:rPr>
+                          <m:t>𝑥</m:t>
+                        </m:r>
+                        <m:r>
+                          <a:rPr kumimoji="1" lang="en-US" altLang="ja-JP" b="0" i="1" smtClean="0">
+                            <a:latin typeface="Cambria Math" panose="02040503050406030204" pitchFamily="18" charset="0"/>
+                          </a:rPr>
+                          <m:t>,</m:t>
+                        </m:r>
+                        <m:r>
+                          <a:rPr kumimoji="1" lang="en-US" altLang="ja-JP" b="0" i="1" smtClean="0">
+                            <a:latin typeface="Cambria Math" panose="02040503050406030204" pitchFamily="18" charset="0"/>
+                          </a:rPr>
+                          <m:t>𝑦</m:t>
+                        </m:r>
+                      </m:e>
+                    </m:d>
+                    <m:r>
+                      <a:rPr kumimoji="1" lang="en-US" altLang="ja-JP" b="0" i="1" smtClean="0">
+                        <a:latin typeface="Cambria Math" panose="02040503050406030204" pitchFamily="18" charset="0"/>
+                      </a:rPr>
+                      <m:t>=(0,0)</m:t>
+                    </m:r>
+                  </m:oMath>
+                </a14:m>
+                <a:r>
+                  <a:rPr kumimoji="1" lang="ja-JP" altLang="en-US"/>
+                  <a:t>または</a:t>
+                </a:r>
+                <a14:m>
+                  <m:oMath xmlns:m="http://schemas.openxmlformats.org/officeDocument/2006/math">
+                    <m:r>
+                      <a:rPr kumimoji="1" lang="en-US" altLang="ja-JP" b="0" i="1" smtClean="0">
+                        <a:latin typeface="Cambria Math" panose="02040503050406030204" pitchFamily="18" charset="0"/>
+                      </a:rPr>
+                      <m:t>(1,1)</m:t>
+                    </m:r>
+                  </m:oMath>
+                </a14:m>
+                <a:r>
+                  <a:rPr kumimoji="1" lang="ja-JP" altLang="en-US"/>
+                  <a:t>が</a:t>
+                </a:r>
+                <a:r>
+                  <a:rPr kumimoji="1" lang="en-US" altLang="ja-JP"/>
+                  <a:t>1/2</a:t>
+                </a:r>
+                <a:r>
+                  <a:rPr kumimoji="1" lang="ja-JP" altLang="en-US"/>
+                  <a:t>ずつ</a:t>
+                </a:r>
+                <a:endParaRPr kumimoji="1" lang="en-US" altLang="ja-JP"/>
+              </a:p>
+              <a:p>
+                <a:pPr lvl="2"/>
+                <a14:m>
+                  <m:oMath xmlns:m="http://schemas.openxmlformats.org/officeDocument/2006/math">
+                    <m:r>
+                      <a:rPr kumimoji="1" lang="en-US" altLang="ja-JP" b="0" i="1" smtClean="0">
+                        <a:latin typeface="Cambria Math" panose="02040503050406030204" pitchFamily="18" charset="0"/>
+                      </a:rPr>
+                      <m:t>𝑥</m:t>
+                    </m:r>
+                    <m:r>
+                      <a:rPr kumimoji="1" lang="en-US" altLang="ja-JP" b="0" i="1" smtClean="0">
+                        <a:latin typeface="Cambria Math" panose="02040503050406030204" pitchFamily="18" charset="0"/>
+                      </a:rPr>
+                      <m:t>=0</m:t>
+                    </m:r>
+                  </m:oMath>
+                </a14:m>
+                <a:r>
+                  <a:rPr kumimoji="1" lang="ja-JP" altLang="en-US"/>
+                  <a:t>なら</a:t>
+                </a:r>
+                <a14:m>
+                  <m:oMath xmlns:m="http://schemas.openxmlformats.org/officeDocument/2006/math">
+                    <m:r>
+                      <a:rPr kumimoji="1" lang="en-US" altLang="ja-JP" b="0" i="1" smtClean="0">
+                        <a:latin typeface="Cambria Math" panose="02040503050406030204" pitchFamily="18" charset="0"/>
+                      </a:rPr>
+                      <m:t>𝑦</m:t>
+                    </m:r>
+                    <m:r>
+                      <a:rPr kumimoji="1" lang="en-US" altLang="ja-JP" b="0" i="1" smtClean="0">
+                        <a:latin typeface="Cambria Math" panose="02040503050406030204" pitchFamily="18" charset="0"/>
+                      </a:rPr>
+                      <m:t>=0</m:t>
+                    </m:r>
+                  </m:oMath>
+                </a14:m>
+                <a:r>
+                  <a:rPr kumimoji="1" lang="en-US" altLang="ja-JP"/>
+                  <a:t>, </a:t>
+                </a:r>
+                <a14:m>
+                  <m:oMath xmlns:m="http://schemas.openxmlformats.org/officeDocument/2006/math">
+                    <m:r>
+                      <a:rPr kumimoji="1" lang="en-US" altLang="ja-JP" b="0" i="1" smtClean="0">
+                        <a:latin typeface="Cambria Math" panose="02040503050406030204" pitchFamily="18" charset="0"/>
+                      </a:rPr>
+                      <m:t>𝑥</m:t>
+                    </m:r>
+                    <m:r>
+                      <a:rPr kumimoji="1" lang="en-US" altLang="ja-JP" b="0" i="1" smtClean="0">
+                        <a:latin typeface="Cambria Math" panose="02040503050406030204" pitchFamily="18" charset="0"/>
+                      </a:rPr>
+                      <m:t>=1</m:t>
+                    </m:r>
+                  </m:oMath>
+                </a14:m>
+                <a:r>
+                  <a:rPr kumimoji="1" lang="ja-JP" altLang="en-US"/>
+                  <a:t>なら</a:t>
+                </a:r>
+                <a14:m>
+                  <m:oMath xmlns:m="http://schemas.openxmlformats.org/officeDocument/2006/math">
+                    <m:r>
+                      <a:rPr kumimoji="1" lang="en-US" altLang="ja-JP" b="0" i="1" smtClean="0">
+                        <a:latin typeface="Cambria Math" panose="02040503050406030204" pitchFamily="18" charset="0"/>
+                      </a:rPr>
+                      <m:t>𝑦</m:t>
+                    </m:r>
+                    <m:r>
+                      <a:rPr kumimoji="1" lang="en-US" altLang="ja-JP" b="0" i="1" smtClean="0">
+                        <a:latin typeface="Cambria Math" panose="02040503050406030204" pitchFamily="18" charset="0"/>
+                      </a:rPr>
+                      <m:t>=1</m:t>
+                    </m:r>
+                  </m:oMath>
+                </a14:m>
+                <a:endParaRPr kumimoji="1" lang="en-US" altLang="ja-JP"/>
+              </a:p>
+              <a:p>
+                <a:pPr lvl="1"/>
+                <a14:m>
+                  <m:oMath xmlns:m="http://schemas.openxmlformats.org/officeDocument/2006/math">
+                    <m:r>
+                      <a:rPr kumimoji="1" lang="en-US" altLang="ja-JP" b="0" i="1" smtClean="0">
+                        <a:latin typeface="Cambria Math" panose="02040503050406030204" pitchFamily="18" charset="0"/>
+                      </a:rPr>
+                      <m:t>𝑥</m:t>
+                    </m:r>
+                    <m:r>
+                      <a:rPr kumimoji="1" lang="en-US" altLang="ja-JP" b="0" i="1" smtClean="0">
+                        <a:latin typeface="Cambria Math" panose="02040503050406030204" pitchFamily="18" charset="0"/>
+                      </a:rPr>
+                      <m:t>⊗</m:t>
+                    </m:r>
+                    <m:r>
+                      <a:rPr kumimoji="1" lang="en-US" altLang="ja-JP" b="0" i="1" smtClean="0">
+                        <a:latin typeface="Cambria Math" panose="02040503050406030204" pitchFamily="18" charset="0"/>
+                      </a:rPr>
+                      <m:t>𝑦</m:t>
+                    </m:r>
+                  </m:oMath>
+                </a14:m>
+                <a:r>
+                  <a:rPr kumimoji="1" lang="ja-JP" altLang="en-US"/>
+                  <a:t>は</a:t>
+                </a:r>
+                <a14:m>
+                  <m:oMath xmlns:m="http://schemas.openxmlformats.org/officeDocument/2006/math">
+                    <m:r>
+                      <a:rPr kumimoji="1" lang="en-US" altLang="ja-JP" b="0" i="1" smtClean="0">
+                        <a:latin typeface="Cambria Math" panose="02040503050406030204" pitchFamily="18" charset="0"/>
+                      </a:rPr>
+                      <m:t>𝑥</m:t>
+                    </m:r>
+                  </m:oMath>
+                </a14:m>
+                <a:r>
+                  <a:rPr kumimoji="1" lang="ja-JP" altLang="en-US"/>
+                  <a:t>と</a:t>
+                </a:r>
+                <a14:m>
+                  <m:oMath xmlns:m="http://schemas.openxmlformats.org/officeDocument/2006/math">
+                    <m:r>
+                      <a:rPr kumimoji="1" lang="en-US" altLang="ja-JP" b="0" i="1" smtClean="0">
+                        <a:latin typeface="Cambria Math" panose="02040503050406030204" pitchFamily="18" charset="0"/>
+                      </a:rPr>
+                      <m:t>𝑦</m:t>
+                    </m:r>
+                  </m:oMath>
+                </a14:m>
+                <a:r>
+                  <a:rPr kumimoji="1" lang="ja-JP" altLang="en-US"/>
+                  <a:t>の観測結果は独立</a:t>
+                </a:r>
+                <a:r>
+                  <a:rPr kumimoji="1" lang="en-US" altLang="ja-JP"/>
+                  <a:t>(</a:t>
+                </a:r>
+                <a14:m>
+                  <m:oMath xmlns:m="http://schemas.openxmlformats.org/officeDocument/2006/math">
+                    <m:r>
+                      <a:rPr kumimoji="1" lang="en-US" altLang="ja-JP" b="0" i="1" smtClean="0">
+                        <a:latin typeface="Cambria Math" panose="02040503050406030204" pitchFamily="18" charset="0"/>
+                      </a:rPr>
+                      <m:t>𝑥</m:t>
+                    </m:r>
+                  </m:oMath>
+                </a14:m>
+                <a:r>
+                  <a:rPr kumimoji="1" lang="ja-JP" altLang="en-US"/>
+                  <a:t>の結果が</a:t>
+                </a:r>
+                <a14:m>
+                  <m:oMath xmlns:m="http://schemas.openxmlformats.org/officeDocument/2006/math">
+                    <m:r>
+                      <a:rPr kumimoji="1" lang="en-US" altLang="ja-JP" b="0" i="1" smtClean="0">
+                        <a:latin typeface="Cambria Math" panose="02040503050406030204" pitchFamily="18" charset="0"/>
+                      </a:rPr>
+                      <m:t>𝑦</m:t>
+                    </m:r>
+                  </m:oMath>
+                </a14:m>
+                <a:r>
+                  <a:rPr kumimoji="1" lang="ja-JP" altLang="en-US"/>
+                  <a:t>に影響しない</a:t>
+                </a:r>
+                <a:r>
+                  <a:rPr kumimoji="1" lang="en-US" altLang="ja-JP"/>
+                  <a:t>)</a:t>
+                </a:r>
+              </a:p>
+              <a:p>
+                <a:pPr lvl="1"/>
+                <a:r>
+                  <a:rPr lang="en-US" altLang="ja-JP"/>
+                  <a:t>CNOT</a:t>
+                </a:r>
+                <a14:m>
+                  <m:oMath xmlns:m="http://schemas.openxmlformats.org/officeDocument/2006/math">
+                    <m:d>
+                      <m:dPr>
+                        <m:ctrlPr>
+                          <a:rPr lang="en-US" altLang="ja-JP" b="0" i="1" smtClean="0">
+                            <a:latin typeface="Cambria Math" panose="02040503050406030204" pitchFamily="18" charset="0"/>
+                          </a:rPr>
+                        </m:ctrlPr>
+                      </m:dPr>
+                      <m:e>
+                        <m:r>
+                          <a:rPr lang="en-US" altLang="ja-JP" i="1">
+                            <a:latin typeface="Cambria Math" panose="02040503050406030204" pitchFamily="18" charset="0"/>
+                          </a:rPr>
+                          <m:t>𝑥</m:t>
+                        </m:r>
+                        <m:r>
+                          <a:rPr lang="en-US" altLang="ja-JP" i="1">
+                            <a:latin typeface="Cambria Math" panose="02040503050406030204" pitchFamily="18" charset="0"/>
+                          </a:rPr>
+                          <m:t>⊗</m:t>
+                        </m:r>
+                        <m:r>
+                          <a:rPr lang="en-US" altLang="ja-JP" i="1">
+                            <a:latin typeface="Cambria Math" panose="02040503050406030204" pitchFamily="18" charset="0"/>
+                          </a:rPr>
+                          <m:t>𝑦</m:t>
+                        </m:r>
+                      </m:e>
+                    </m:d>
+                  </m:oMath>
+                </a14:m>
+                <a:r>
+                  <a:rPr kumimoji="1" lang="ja-JP" altLang="en-US"/>
+                  <a:t>は</a:t>
+                </a:r>
+                <a14:m>
+                  <m:oMath xmlns:m="http://schemas.openxmlformats.org/officeDocument/2006/math">
+                    <m:r>
+                      <a:rPr kumimoji="1" lang="en-US" altLang="ja-JP" b="0" i="1" smtClean="0">
+                        <a:latin typeface="Cambria Math" panose="02040503050406030204" pitchFamily="18" charset="0"/>
+                      </a:rPr>
+                      <m:t>𝑥</m:t>
+                    </m:r>
+                  </m:oMath>
+                </a14:m>
+                <a:r>
+                  <a:rPr kumimoji="1" lang="ja-JP" altLang="en-US"/>
+                  <a:t>の観測結果に</a:t>
+                </a:r>
+                <a14:m>
+                  <m:oMath xmlns:m="http://schemas.openxmlformats.org/officeDocument/2006/math">
+                    <m:r>
+                      <a:rPr kumimoji="1" lang="en-US" altLang="ja-JP" b="0" i="1" smtClean="0">
+                        <a:latin typeface="Cambria Math" panose="02040503050406030204" pitchFamily="18" charset="0"/>
+                      </a:rPr>
+                      <m:t>𝑦</m:t>
+                    </m:r>
+                  </m:oMath>
+                </a14:m>
+                <a:r>
+                  <a:rPr kumimoji="1" lang="ja-JP" altLang="en-US"/>
+                  <a:t>が引きずられる</a:t>
+                </a:r>
+                <a:r>
+                  <a:rPr kumimoji="1" lang="en-US" altLang="ja-JP"/>
+                  <a:t>(</a:t>
+                </a:r>
+                <a:r>
+                  <a:rPr kumimoji="1" lang="ja-JP" altLang="en-US"/>
+                  <a:t>量子もつれ</a:t>
+                </a:r>
+                <a:r>
+                  <a:rPr kumimoji="1" lang="en-US" altLang="ja-JP"/>
+                  <a:t>)</a:t>
+                </a:r>
+              </a:p>
+              <a:p>
+                <a:pPr lvl="2"/>
+                <a:r>
+                  <a:rPr kumimoji="1" lang="ja-JP" altLang="en-US"/>
+                  <a:t>量子力学特有の現象 </a:t>
+                </a:r>
+                <a:r>
+                  <a:rPr kumimoji="1" lang="en-US" altLang="ja-JP"/>
+                  <a:t>: e.g., </a:t>
+                </a:r>
+                <a:r>
+                  <a:rPr kumimoji="1" lang="ja-JP" altLang="en-US"/>
+                  <a:t>量子テレポーテーション</a:t>
+                </a:r>
+                <a:endParaRPr kumimoji="1" lang="en-US" altLang="ja-JP"/>
+              </a:p>
+              <a:p>
+                <a:r>
+                  <a:rPr kumimoji="1" lang="ja-JP" altLang="en-US"/>
+                  <a:t>従来のコンピュータは</a:t>
+                </a:r>
+                <a:r>
+                  <a:rPr kumimoji="1" lang="en-US" altLang="ja-JP"/>
+                  <a:t>and</a:t>
+                </a:r>
+                <a:r>
+                  <a:rPr kumimoji="1" lang="ja-JP" altLang="en-US"/>
+                  <a:t>と</a:t>
+                </a:r>
+                <a:r>
+                  <a:rPr kumimoji="1" lang="en-US" altLang="ja-JP"/>
+                  <a:t>xor</a:t>
+                </a:r>
+                <a:r>
+                  <a:rPr kumimoji="1" lang="ja-JP" altLang="en-US"/>
+                  <a:t>で任意の回路</a:t>
+                </a:r>
+                <a:endParaRPr kumimoji="1" lang="en-US" altLang="ja-JP"/>
+              </a:p>
+              <a:p>
+                <a:r>
+                  <a:rPr kumimoji="1" lang="ja-JP" altLang="en-US"/>
+                  <a:t>量子コンピュータ</a:t>
+                </a:r>
+                <a:endParaRPr lang="en-US" altLang="ja-JP"/>
+              </a:p>
+              <a:p>
+                <a:pPr lvl="1"/>
+                <a:r>
+                  <a:rPr kumimoji="1" lang="en-US" altLang="ja-JP"/>
+                  <a:t>1qbit</a:t>
+                </a:r>
+                <a:r>
+                  <a:rPr kumimoji="1" lang="ja-JP" altLang="en-US"/>
+                  <a:t>の量子ゲートと</a:t>
+                </a:r>
+                <a:r>
+                  <a:rPr kumimoji="1" lang="en-US" altLang="ja-JP"/>
+                  <a:t>CNOT</a:t>
+                </a:r>
+                <a:r>
+                  <a:rPr kumimoji="1" lang="ja-JP" altLang="en-US"/>
+                  <a:t>で任意の回路</a:t>
+                </a:r>
+                <a:endParaRPr kumimoji="1" lang="en-US" altLang="ja-JP"/>
+              </a:p>
+            </p:txBody>
+          </p:sp>
+        </mc:Choice>
+        <mc:Fallback xmlns="">
+          <p:sp>
+            <p:nvSpPr>
+              <p:cNvPr id="2" name="コンテンツ プレースホルダー 1">
+                <a:extLst>
+                  <a:ext uri="{FF2B5EF4-FFF2-40B4-BE49-F238E27FC236}">
+                    <a16:creationId xmlns:a16="http://schemas.microsoft.com/office/drawing/2014/main" id="{E37F6274-34E9-4213-8F34-35F304186169}"/>
+                  </a:ext>
+                </a:extLst>
+              </p:cNvPr>
+              <p:cNvSpPr>
+                <a:spLocks noGrp="1" noRot="1" noChangeAspect="1" noMove="1" noResize="1" noEditPoints="1" noAdjustHandles="1" noChangeArrowheads="1" noChangeShapeType="1" noTextEdit="1"/>
+              </p:cNvSpPr>
+              <p:nvPr>
+                <p:ph idx="1"/>
+              </p:nvPr>
+            </p:nvSpPr>
+            <p:spPr>
+              <a:blipFill>
+                <a:blip r:embed="rId2"/>
+                <a:stretch>
+                  <a:fillRect l="-1200" t="-727" b="-4154"/>
+                </a:stretch>
+              </a:blipFill>
+            </p:spPr>
+            <p:txBody>
+              <a:bodyPr/>
+              <a:lstStyle/>
+              <a:p>
+                <a:r>
+                  <a:rPr lang="ja-JP" altLang="en-US">
+                    <a:noFill/>
+                  </a:rPr>
+                  <a:t> </a:t>
+                </a:r>
+              </a:p>
+            </p:txBody>
+          </p:sp>
+        </mc:Fallback>
+      </mc:AlternateContent>
+      <p:sp>
+        <p:nvSpPr>
+          <p:cNvPr id="3" name="スライド番号プレースホルダー 2">
+            <a:extLst>
+              <a:ext uri="{FF2B5EF4-FFF2-40B4-BE49-F238E27FC236}">
+                <a16:creationId xmlns:a16="http://schemas.microsoft.com/office/drawing/2014/main" id="{D2643DF7-39F2-44DC-B1E6-E98374A78966}"/>
+              </a:ext>
+            </a:extLst>
+          </p:cNvPr>
+          <p:cNvSpPr>
+            <a:spLocks noGrp="1"/>
+          </p:cNvSpPr>
+          <p:nvPr>
+            <p:ph type="sldNum" sz="quarter" idx="12"/>
+          </p:nvPr>
+        </p:nvSpPr>
+        <p:spPr/>
+        <p:txBody>
+          <a:bodyPr/>
+          <a:lstStyle/>
+          <a:p>
+            <a:pPr>
+              <a:defRPr/>
+            </a:pPr>
+            <a:r>
+              <a:rPr lang="en-US" altLang="ja-JP"/>
+              <a:t>    </a:t>
+            </a:r>
+            <a:fld id="{B2782DEB-472A-4FE5-AC34-C17109CF5A91}" type="slidenum">
+              <a:rPr lang="en-US" altLang="ja-JP" smtClean="0"/>
+              <a:pPr>
+                <a:defRPr/>
+              </a:pPr>
+              <a:t>32</a:t>
+            </a:fld>
+            <a:r>
+              <a:rPr lang="en-US" altLang="ja-JP"/>
+              <a:t> / 24</a:t>
+            </a:r>
+          </a:p>
+        </p:txBody>
+      </p:sp>
+      <p:sp>
+        <p:nvSpPr>
+          <p:cNvPr id="4" name="タイトル 3">
+            <a:extLst>
+              <a:ext uri="{FF2B5EF4-FFF2-40B4-BE49-F238E27FC236}">
+                <a16:creationId xmlns:a16="http://schemas.microsoft.com/office/drawing/2014/main" id="{E9B437EC-BC00-402F-B31D-FA2946A24D47}"/>
+              </a:ext>
+            </a:extLst>
+          </p:cNvPr>
+          <p:cNvSpPr>
+            <a:spLocks noGrp="1"/>
+          </p:cNvSpPr>
+          <p:nvPr>
+            <p:ph type="title"/>
+          </p:nvPr>
+        </p:nvSpPr>
+        <p:spPr/>
+        <p:txBody>
+          <a:bodyPr/>
+          <a:lstStyle/>
+          <a:p>
+            <a:r>
+              <a:rPr kumimoji="1" lang="ja-JP" altLang="en-US"/>
+              <a:t>量子もつれ</a:t>
+            </a:r>
+            <a:r>
+              <a:rPr kumimoji="1" lang="en-US" altLang="ja-JP"/>
+              <a:t>(entanglement)</a:t>
+            </a:r>
+            <a:endParaRPr kumimoji="1" lang="ja-JP" altLang="en-US"/>
+          </a:p>
+        </p:txBody>
+      </p:sp>
+    </p:spTree>
+    <p:extLst>
+      <p:ext uri="{BB962C8B-B14F-4D97-AF65-F5344CB8AC3E}">
+        <p14:creationId xmlns:p14="http://schemas.microsoft.com/office/powerpoint/2010/main" val="4010700676"/>
+      </p:ext>
+    </p:extLst>
+  </p:cSld>
+  <p:clrMapOvr>
+    <a:masterClrMapping/>
+  </p:clrMapOvr>
+</p:sld>
+</file>
+
+<file path=ppt/slides/slide33.xml><?xml version="1.0" encoding="utf-8"?>
+<p:sld xmlns:a="http://schemas.openxmlformats.org/drawingml/2006/main" xmlns:r="http://schemas.openxmlformats.org/officeDocument/2006/relationships" xmlns:p="http://schemas.openxmlformats.org/presentationml/2006/main">
+  <p:cSld>
+    <p:spTree>
+      <p:nvGrpSpPr>
+        <p:cNvPr id="1" name=""/>
+        <p:cNvGrpSpPr/>
+        <p:nvPr/>
+      </p:nvGrpSpPr>
+      <p:grpSpPr>
+        <a:xfrm>
+          <a:off x="0" y="0"/>
+          <a:ext cx="0" cy="0"/>
+          <a:chOff x="0" y="0"/>
+          <a:chExt cx="0" cy="0"/>
+        </a:xfrm>
+      </p:grpSpPr>
+      <mc:AlternateContent xmlns:mc="http://schemas.openxmlformats.org/markup-compatibility/2006" xmlns:a14="http://schemas.microsoft.com/office/drawing/2010/main">
+        <mc:Choice Requires="a14">
+          <p:sp>
+            <p:nvSpPr>
+              <p:cNvPr id="2" name="コンテンツ プレースホルダー 1">
+                <a:extLst>
+                  <a:ext uri="{FF2B5EF4-FFF2-40B4-BE49-F238E27FC236}">
+                    <a16:creationId xmlns:a16="http://schemas.microsoft.com/office/drawing/2014/main" id="{0F779A62-5473-426B-8605-8B554DE5117C}"/>
+                  </a:ext>
+                </a:extLst>
+              </p:cNvPr>
+              <p:cNvSpPr>
+                <a:spLocks noGrp="1"/>
+              </p:cNvSpPr>
+              <p:nvPr>
+                <p:ph idx="1"/>
+              </p:nvPr>
+            </p:nvSpPr>
+            <p:spPr/>
+            <p:txBody>
+              <a:bodyPr/>
+              <a:lstStyle/>
+              <a:p>
+                <a:r>
+                  <a:rPr kumimoji="1" lang="ja-JP" altLang="en-US"/>
+                  <a:t>古典的</a:t>
+                </a:r>
+                <a14:m>
+                  <m:oMath xmlns:m="http://schemas.openxmlformats.org/officeDocument/2006/math">
+                    <m:r>
+                      <a:rPr kumimoji="1" lang="en-US" altLang="ja-JP" b="0" i="1" smtClean="0">
+                        <a:latin typeface="Cambria Math" panose="02040503050406030204" pitchFamily="18" charset="0"/>
+                      </a:rPr>
+                      <m:t>𝑛</m:t>
+                    </m:r>
+                  </m:oMath>
+                </a14:m>
+                <a:r>
+                  <a:rPr kumimoji="1" lang="ja-JP" altLang="en-US"/>
+                  <a:t>ビットのデータは</a:t>
+                </a:r>
+                <a14:m>
+                  <m:oMath xmlns:m="http://schemas.openxmlformats.org/officeDocument/2006/math">
+                    <m:sSup>
+                      <m:sSupPr>
+                        <m:ctrlPr>
+                          <a:rPr kumimoji="1" lang="en-US" altLang="ja-JP" b="0" i="1" smtClean="0">
+                            <a:latin typeface="Cambria Math" panose="02040503050406030204" pitchFamily="18" charset="0"/>
+                          </a:rPr>
+                        </m:ctrlPr>
+                      </m:sSupPr>
+                      <m:e>
+                        <m:r>
+                          <a:rPr kumimoji="1" lang="en-US" altLang="ja-JP" b="0" i="1" smtClean="0">
+                            <a:latin typeface="Cambria Math" panose="02040503050406030204" pitchFamily="18" charset="0"/>
+                          </a:rPr>
+                          <m:t>2</m:t>
+                        </m:r>
+                      </m:e>
+                      <m:sup>
+                        <m:r>
+                          <a:rPr kumimoji="1" lang="en-US" altLang="ja-JP" b="0" i="1" smtClean="0">
+                            <a:latin typeface="Cambria Math" panose="02040503050406030204" pitchFamily="18" charset="0"/>
+                          </a:rPr>
+                          <m:t>𝑛</m:t>
+                        </m:r>
+                      </m:sup>
+                    </m:sSup>
+                  </m:oMath>
+                </a14:m>
+                <a:r>
+                  <a:rPr kumimoji="1" lang="ja-JP" altLang="en-US"/>
+                  <a:t>通りのどれか一つ</a:t>
+                </a:r>
+                <a:endParaRPr kumimoji="1" lang="en-US" altLang="ja-JP"/>
+              </a:p>
+              <a:p>
+                <a14:m>
+                  <m:oMath xmlns:m="http://schemas.openxmlformats.org/officeDocument/2006/math">
+                    <m:r>
+                      <a:rPr kumimoji="1" lang="en-US" altLang="ja-JP" b="0" i="1" smtClean="0">
+                        <a:latin typeface="Cambria Math" panose="02040503050406030204" pitchFamily="18" charset="0"/>
+                      </a:rPr>
+                      <m:t>𝑛</m:t>
+                    </m:r>
+                  </m:oMath>
+                </a14:m>
+                <a:r>
+                  <a:rPr kumimoji="1" lang="en-US" altLang="ja-JP"/>
+                  <a:t> qbit</a:t>
+                </a:r>
+                <a:r>
+                  <a:rPr kumimoji="1" lang="ja-JP" altLang="en-US"/>
+                  <a:t>は</a:t>
+                </a:r>
+                <a14:m>
+                  <m:oMath xmlns:m="http://schemas.openxmlformats.org/officeDocument/2006/math">
+                    <m:sSup>
+                      <m:sSupPr>
+                        <m:ctrlPr>
+                          <a:rPr kumimoji="1" lang="en-US" altLang="ja-JP" b="0" i="1" smtClean="0">
+                            <a:latin typeface="Cambria Math" panose="02040503050406030204" pitchFamily="18" charset="0"/>
+                          </a:rPr>
+                        </m:ctrlPr>
+                      </m:sSupPr>
+                      <m:e>
+                        <m:r>
+                          <a:rPr kumimoji="1" lang="en-US" altLang="ja-JP" b="0" i="1" smtClean="0">
+                            <a:latin typeface="Cambria Math" panose="02040503050406030204" pitchFamily="18" charset="0"/>
+                          </a:rPr>
+                          <m:t>2</m:t>
+                        </m:r>
+                      </m:e>
+                      <m:sup>
+                        <m:r>
+                          <a:rPr kumimoji="1" lang="en-US" altLang="ja-JP" b="0" i="1" smtClean="0">
+                            <a:latin typeface="Cambria Math" panose="02040503050406030204" pitchFamily="18" charset="0"/>
+                          </a:rPr>
+                          <m:t>𝑛</m:t>
+                        </m:r>
+                      </m:sup>
+                    </m:sSup>
+                  </m:oMath>
+                </a14:m>
+                <a:r>
+                  <a:rPr kumimoji="1" lang="ja-JP" altLang="en-US"/>
+                  <a:t>通りの重ね合わせ</a:t>
+                </a:r>
+                <a:endParaRPr kumimoji="1" lang="en-US" altLang="ja-JP"/>
+              </a:p>
+              <a:p>
+                <a:pPr lvl="1"/>
+                <a:r>
+                  <a:rPr kumimoji="1" lang="ja-JP" altLang="en-US"/>
+                  <a:t>もし</a:t>
+                </a:r>
+                <a14:m>
+                  <m:oMath xmlns:m="http://schemas.openxmlformats.org/officeDocument/2006/math">
+                    <m:r>
+                      <a:rPr kumimoji="1" lang="en-US" altLang="ja-JP" b="0" i="1" smtClean="0">
+                        <a:latin typeface="Cambria Math" panose="02040503050406030204" pitchFamily="18" charset="0"/>
+                      </a:rPr>
+                      <m:t>𝑛</m:t>
+                    </m:r>
+                  </m:oMath>
+                </a14:m>
+                <a:r>
+                  <a:rPr kumimoji="1" lang="ja-JP" altLang="en-US"/>
+                  <a:t> </a:t>
+                </a:r>
+                <a:r>
+                  <a:rPr kumimoji="1" lang="en-US" altLang="ja-JP"/>
+                  <a:t>qbit</a:t>
+                </a:r>
+                <a:r>
+                  <a:rPr kumimoji="1" lang="ja-JP" altLang="en-US"/>
+                  <a:t>のまま量子ゲートを用いれば</a:t>
+                </a:r>
+                <a14:m>
+                  <m:oMath xmlns:m="http://schemas.openxmlformats.org/officeDocument/2006/math">
+                    <m:sSup>
+                      <m:sSupPr>
+                        <m:ctrlPr>
+                          <a:rPr kumimoji="1" lang="en-US" altLang="ja-JP" b="0" i="1" smtClean="0">
+                            <a:latin typeface="Cambria Math" panose="02040503050406030204" pitchFamily="18" charset="0"/>
+                          </a:rPr>
+                        </m:ctrlPr>
+                      </m:sSupPr>
+                      <m:e>
+                        <m:r>
+                          <a:rPr kumimoji="1" lang="en-US" altLang="ja-JP" b="0" i="1" smtClean="0">
+                            <a:latin typeface="Cambria Math" panose="02040503050406030204" pitchFamily="18" charset="0"/>
+                          </a:rPr>
+                          <m:t>2</m:t>
+                        </m:r>
+                      </m:e>
+                      <m:sup>
+                        <m:r>
+                          <a:rPr kumimoji="1" lang="en-US" altLang="ja-JP" b="0" i="1" smtClean="0">
+                            <a:latin typeface="Cambria Math" panose="02040503050406030204" pitchFamily="18" charset="0"/>
+                          </a:rPr>
+                          <m:t>𝑛</m:t>
+                        </m:r>
+                      </m:sup>
+                    </m:sSup>
+                  </m:oMath>
+                </a14:m>
+                <a:r>
+                  <a:rPr kumimoji="1" lang="ja-JP" altLang="en-US"/>
+                  <a:t>通りの計算が可能</a:t>
+                </a:r>
+                <a:endParaRPr kumimoji="1" lang="en-US" altLang="ja-JP"/>
+              </a:p>
+              <a:p>
+                <a:r>
+                  <a:rPr kumimoji="1" lang="ja-JP" altLang="en-US"/>
+                  <a:t>注意</a:t>
+                </a:r>
+                <a:endParaRPr kumimoji="1" lang="en-US" altLang="ja-JP"/>
+              </a:p>
+              <a:p>
+                <a:pPr lvl="1"/>
+                <a:r>
+                  <a:rPr lang="en-US" altLang="ja-JP"/>
+                  <a:t>1</a:t>
+                </a:r>
+                <a:r>
+                  <a:rPr lang="ja-JP" altLang="en-US"/>
+                  <a:t>回分の量子ゲートの計算時間は不明</a:t>
+                </a:r>
+                <a:endParaRPr kumimoji="1" lang="en-US" altLang="ja-JP"/>
+              </a:p>
+              <a:p>
+                <a:pPr lvl="1"/>
+                <a14:m>
+                  <m:oMath xmlns:m="http://schemas.openxmlformats.org/officeDocument/2006/math">
+                    <m:sSup>
+                      <m:sSupPr>
+                        <m:ctrlPr>
+                          <a:rPr kumimoji="1" lang="en-US" altLang="ja-JP" b="0" i="1" smtClean="0">
+                            <a:latin typeface="Cambria Math" panose="02040503050406030204" pitchFamily="18" charset="0"/>
+                          </a:rPr>
+                        </m:ctrlPr>
+                      </m:sSupPr>
+                      <m:e>
+                        <m:r>
+                          <a:rPr kumimoji="1" lang="en-US" altLang="ja-JP" b="0" i="1" smtClean="0">
+                            <a:latin typeface="Cambria Math" panose="02040503050406030204" pitchFamily="18" charset="0"/>
+                          </a:rPr>
+                          <m:t>2</m:t>
+                        </m:r>
+                      </m:e>
+                      <m:sup>
+                        <m:r>
+                          <a:rPr kumimoji="1" lang="en-US" altLang="ja-JP" b="0" i="1" smtClean="0">
+                            <a:latin typeface="Cambria Math" panose="02040503050406030204" pitchFamily="18" charset="0"/>
+                          </a:rPr>
+                          <m:t>𝑛</m:t>
+                        </m:r>
+                      </m:sup>
+                    </m:sSup>
+                  </m:oMath>
+                </a14:m>
+                <a:r>
+                  <a:rPr kumimoji="1" lang="ja-JP" altLang="en-US"/>
+                  <a:t>倍速くなるとは言っていない</a:t>
+                </a:r>
+                <a:endParaRPr kumimoji="1" lang="en-US" altLang="ja-JP"/>
+              </a:p>
+              <a:p>
+                <a:r>
+                  <a:rPr kumimoji="1" lang="ja-JP" altLang="en-US"/>
+                  <a:t>最終的な結果は観測で、</a:t>
+                </a:r>
+                <a:r>
+                  <a:rPr kumimoji="1" lang="ja-JP" altLang="en-US">
+                    <a:solidFill>
+                      <a:srgbClr val="FF0000"/>
+                    </a:solidFill>
+                  </a:rPr>
+                  <a:t>どれか一つに確率的に決まる</a:t>
+                </a:r>
+                <a:endParaRPr kumimoji="1" lang="en-US" altLang="ja-JP">
+                  <a:solidFill>
+                    <a:srgbClr val="FF0000"/>
+                  </a:solidFill>
+                </a:endParaRPr>
+              </a:p>
+              <a:p>
+                <a:r>
+                  <a:rPr kumimoji="1" lang="ja-JP" altLang="en-US"/>
+                  <a:t>意味のない計算</a:t>
+                </a:r>
+              </a:p>
+            </p:txBody>
+          </p:sp>
+        </mc:Choice>
+        <mc:Fallback xmlns="">
+          <p:sp>
+            <p:nvSpPr>
+              <p:cNvPr id="2" name="コンテンツ プレースホルダー 1">
+                <a:extLst>
+                  <a:ext uri="{FF2B5EF4-FFF2-40B4-BE49-F238E27FC236}">
+                    <a16:creationId xmlns:a16="http://schemas.microsoft.com/office/drawing/2014/main" id="{0F779A62-5473-426B-8605-8B554DE5117C}"/>
+                  </a:ext>
+                </a:extLst>
+              </p:cNvPr>
+              <p:cNvSpPr>
+                <a:spLocks noGrp="1" noRot="1" noChangeAspect="1" noMove="1" noResize="1" noEditPoints="1" noAdjustHandles="1" noChangeArrowheads="1" noChangeShapeType="1" noTextEdit="1"/>
+              </p:cNvSpPr>
+              <p:nvPr>
+                <p:ph idx="1"/>
+              </p:nvPr>
+            </p:nvSpPr>
+            <p:spPr>
+              <a:blipFill>
+                <a:blip r:embed="rId2"/>
+                <a:stretch>
+                  <a:fillRect l="-1200" t="-1038"/>
+                </a:stretch>
+              </a:blipFill>
+            </p:spPr>
+            <p:txBody>
+              <a:bodyPr/>
+              <a:lstStyle/>
+              <a:p>
+                <a:r>
+                  <a:rPr lang="ja-JP" altLang="en-US">
+                    <a:noFill/>
+                  </a:rPr>
+                  <a:t> </a:t>
+                </a:r>
+              </a:p>
+            </p:txBody>
+          </p:sp>
+        </mc:Fallback>
+      </mc:AlternateContent>
+      <p:sp>
+        <p:nvSpPr>
+          <p:cNvPr id="3" name="スライド番号プレースホルダー 2">
+            <a:extLst>
+              <a:ext uri="{FF2B5EF4-FFF2-40B4-BE49-F238E27FC236}">
+                <a16:creationId xmlns:a16="http://schemas.microsoft.com/office/drawing/2014/main" id="{971756D2-19A4-4357-B0D4-8E42688CB916}"/>
+              </a:ext>
+            </a:extLst>
+          </p:cNvPr>
+          <p:cNvSpPr>
+            <a:spLocks noGrp="1"/>
+          </p:cNvSpPr>
+          <p:nvPr>
+            <p:ph type="sldNum" sz="quarter" idx="12"/>
+          </p:nvPr>
+        </p:nvSpPr>
+        <p:spPr/>
+        <p:txBody>
+          <a:bodyPr/>
+          <a:lstStyle/>
+          <a:p>
+            <a:pPr>
+              <a:defRPr/>
+            </a:pPr>
+            <a:r>
+              <a:rPr lang="en-US" altLang="ja-JP"/>
+              <a:t>    </a:t>
+            </a:r>
+            <a:fld id="{B2782DEB-472A-4FE5-AC34-C17109CF5A91}" type="slidenum">
+              <a:rPr lang="en-US" altLang="ja-JP" smtClean="0"/>
+              <a:pPr>
+                <a:defRPr/>
+              </a:pPr>
+              <a:t>33</a:t>
+            </a:fld>
+            <a:r>
+              <a:rPr lang="en-US" altLang="ja-JP"/>
+              <a:t> / 24</a:t>
+            </a:r>
+          </a:p>
+        </p:txBody>
+      </p:sp>
+      <p:sp>
+        <p:nvSpPr>
+          <p:cNvPr id="4" name="タイトル 3">
+            <a:extLst>
+              <a:ext uri="{FF2B5EF4-FFF2-40B4-BE49-F238E27FC236}">
+                <a16:creationId xmlns:a16="http://schemas.microsoft.com/office/drawing/2014/main" id="{26E2F2A0-473B-48D2-A435-7F9480F75D9F}"/>
+              </a:ext>
+            </a:extLst>
+          </p:cNvPr>
+          <p:cNvSpPr>
+            <a:spLocks noGrp="1"/>
+          </p:cNvSpPr>
+          <p:nvPr>
+            <p:ph type="title"/>
+          </p:nvPr>
+        </p:nvSpPr>
+        <p:spPr/>
+        <p:txBody>
+          <a:bodyPr/>
+          <a:lstStyle/>
+          <a:p>
+            <a:r>
+              <a:rPr kumimoji="1" lang="ja-JP" altLang="en-US"/>
+              <a:t>量子コンピュータの計算</a:t>
+            </a:r>
+          </a:p>
+        </p:txBody>
+      </p:sp>
+      <p:pic>
+        <p:nvPicPr>
+          <p:cNvPr id="6" name="図 5">
+            <a:extLst>
+              <a:ext uri="{FF2B5EF4-FFF2-40B4-BE49-F238E27FC236}">
+                <a16:creationId xmlns:a16="http://schemas.microsoft.com/office/drawing/2014/main" id="{296E2058-1028-400A-851D-E2D82DEC7108}"/>
+              </a:ext>
+            </a:extLst>
+          </p:cNvPr>
+          <p:cNvPicPr>
+            <a:picLocks noChangeAspect="1"/>
+          </p:cNvPicPr>
+          <p:nvPr/>
+        </p:nvPicPr>
+        <p:blipFill>
+          <a:blip r:embed="rId3">
+            <a:extLst>
+              <a:ext uri="{28A0092B-C50C-407E-A947-70E740481C1C}">
+                <a14:useLocalDpi xmlns:a14="http://schemas.microsoft.com/office/drawing/2010/main" val="0"/>
+              </a:ext>
+            </a:extLst>
+          </a:blip>
+          <a:stretch>
+            <a:fillRect/>
+          </a:stretch>
+        </p:blipFill>
+        <p:spPr>
+          <a:xfrm>
+            <a:off x="3059832" y="4437112"/>
+            <a:ext cx="6003702" cy="2016224"/>
+          </a:xfrm>
+          <a:prstGeom prst="rect">
+            <a:avLst/>
+          </a:prstGeom>
+        </p:spPr>
+      </p:pic>
+    </p:spTree>
+    <p:extLst>
+      <p:ext uri="{BB962C8B-B14F-4D97-AF65-F5344CB8AC3E}">
+        <p14:creationId xmlns:p14="http://schemas.microsoft.com/office/powerpoint/2010/main" val="1084707285"/>
+      </p:ext>
+    </p:extLst>
+  </p:cSld>
+  <p:clrMapOvr>
+    <a:masterClrMapping/>
+  </p:clrMapOvr>
+</p:sld>
+</file>
+
+<file path=ppt/slides/slide34.xml><?xml version="1.0" encoding="utf-8"?>
+<p:sld xmlns:a="http://schemas.openxmlformats.org/drawingml/2006/main" xmlns:r="http://schemas.openxmlformats.org/officeDocument/2006/relationships" xmlns:p="http://schemas.openxmlformats.org/presentationml/2006/main">
+  <p:cSld>
+    <p:spTree>
+      <p:nvGrpSpPr>
+        <p:cNvPr id="1" name=""/>
+        <p:cNvGrpSpPr/>
+        <p:nvPr/>
+      </p:nvGrpSpPr>
+      <p:grpSpPr>
+        <a:xfrm>
+          <a:off x="0" y="0"/>
+          <a:ext cx="0" cy="0"/>
+          <a:chOff x="0" y="0"/>
+          <a:chExt cx="0" cy="0"/>
+        </a:xfrm>
+      </p:grpSpPr>
+      <p:pic>
+        <p:nvPicPr>
+          <p:cNvPr id="6" name="図 5">
+            <a:extLst>
+              <a:ext uri="{FF2B5EF4-FFF2-40B4-BE49-F238E27FC236}">
+                <a16:creationId xmlns:a16="http://schemas.microsoft.com/office/drawing/2014/main" id="{2512B259-9C4D-4717-8C2A-DCF4A6C78D12}"/>
+              </a:ext>
+            </a:extLst>
+          </p:cNvPr>
+          <p:cNvPicPr>
+            <a:picLocks noChangeAspect="1"/>
+          </p:cNvPicPr>
+          <p:nvPr/>
+        </p:nvPicPr>
+        <p:blipFill>
+          <a:blip r:embed="rId2">
+            <a:extLst>
+              <a:ext uri="{28A0092B-C50C-407E-A947-70E740481C1C}">
+                <a14:useLocalDpi xmlns:a14="http://schemas.microsoft.com/office/drawing/2010/main" val="0"/>
+              </a:ext>
+            </a:extLst>
+          </a:blip>
+          <a:stretch>
+            <a:fillRect/>
+          </a:stretch>
+        </p:blipFill>
+        <p:spPr>
+          <a:xfrm>
+            <a:off x="3491880" y="4221087"/>
+            <a:ext cx="5184576" cy="2546923"/>
+          </a:xfrm>
+          <a:prstGeom prst="rect">
+            <a:avLst/>
+          </a:prstGeom>
+        </p:spPr>
+      </p:pic>
+      <mc:AlternateContent xmlns:mc="http://schemas.openxmlformats.org/markup-compatibility/2006" xmlns:a14="http://schemas.microsoft.com/office/drawing/2010/main">
+        <mc:Choice Requires="a14">
+          <p:sp>
+            <p:nvSpPr>
+              <p:cNvPr id="2" name="コンテンツ プレースホルダー 1">
+                <a:extLst>
+                  <a:ext uri="{FF2B5EF4-FFF2-40B4-BE49-F238E27FC236}">
+                    <a16:creationId xmlns:a16="http://schemas.microsoft.com/office/drawing/2014/main" id="{E606D0B6-A025-4C38-8211-E1DEF3C66721}"/>
+                  </a:ext>
+                </a:extLst>
+              </p:cNvPr>
+              <p:cNvSpPr>
+                <a:spLocks noGrp="1"/>
+              </p:cNvSpPr>
+              <p:nvPr>
+                <p:ph idx="1"/>
+              </p:nvPr>
+            </p:nvSpPr>
+            <p:spPr/>
+            <p:txBody>
+              <a:bodyPr/>
+              <a:lstStyle/>
+              <a:p>
+                <a14:m>
+                  <m:oMath xmlns:m="http://schemas.openxmlformats.org/officeDocument/2006/math">
+                    <m:r>
+                      <a:rPr kumimoji="1" lang="en-US" altLang="ja-JP" b="0" i="1" smtClean="0">
+                        <a:latin typeface="Cambria Math" panose="02040503050406030204" pitchFamily="18" charset="0"/>
+                      </a:rPr>
+                      <m:t>𝑁</m:t>
+                    </m:r>
+                    <m:r>
+                      <a:rPr kumimoji="1" lang="en-US" altLang="ja-JP" b="0" i="1" smtClean="0">
+                        <a:latin typeface="Cambria Math" panose="02040503050406030204" pitchFamily="18" charset="0"/>
+                      </a:rPr>
+                      <m:t>=</m:t>
+                    </m:r>
+                    <m:sSup>
+                      <m:sSupPr>
+                        <m:ctrlPr>
+                          <a:rPr kumimoji="1" lang="en-US" altLang="ja-JP" b="0" i="1" smtClean="0">
+                            <a:latin typeface="Cambria Math" panose="02040503050406030204" pitchFamily="18" charset="0"/>
+                          </a:rPr>
+                        </m:ctrlPr>
+                      </m:sSupPr>
+                      <m:e>
+                        <m:r>
+                          <a:rPr kumimoji="1" lang="en-US" altLang="ja-JP" b="0" i="1" smtClean="0">
+                            <a:latin typeface="Cambria Math" panose="02040503050406030204" pitchFamily="18" charset="0"/>
+                          </a:rPr>
+                          <m:t>2</m:t>
+                        </m:r>
+                      </m:e>
+                      <m:sup>
+                        <m:r>
+                          <a:rPr kumimoji="1" lang="en-US" altLang="ja-JP" b="0" i="1" smtClean="0">
+                            <a:latin typeface="Cambria Math" panose="02040503050406030204" pitchFamily="18" charset="0"/>
+                          </a:rPr>
+                          <m:t>𝑛</m:t>
+                        </m:r>
+                      </m:sup>
+                    </m:sSup>
+                  </m:oMath>
+                </a14:m>
+                <a:r>
+                  <a:rPr kumimoji="1" lang="ja-JP" altLang="en-US"/>
+                  <a:t>個のデータから望みのものを</a:t>
+                </a:r>
+                <a:r>
+                  <a:rPr kumimoji="1" lang="en-US" altLang="ja-JP"/>
+                  <a:t>1</a:t>
+                </a:r>
+                <a:r>
+                  <a:rPr kumimoji="1" lang="ja-JP" altLang="en-US"/>
+                  <a:t>個探したい</a:t>
+                </a:r>
+                <a:endParaRPr kumimoji="1" lang="en-US" altLang="ja-JP"/>
+              </a:p>
+              <a:p>
+                <a:pPr lvl="1"/>
+                <a14:m>
+                  <m:oMath xmlns:m="http://schemas.openxmlformats.org/officeDocument/2006/math">
+                    <m:r>
+                      <a:rPr kumimoji="1" lang="en-US" altLang="ja-JP" b="0" i="1" smtClean="0">
+                        <a:latin typeface="Cambria Math" panose="02040503050406030204" pitchFamily="18" charset="0"/>
+                      </a:rPr>
+                      <m:t>𝑓</m:t>
+                    </m:r>
+                    <m:r>
+                      <a:rPr kumimoji="1" lang="en-US" altLang="ja-JP" b="0" i="1" smtClean="0">
+                        <a:latin typeface="Cambria Math" panose="02040503050406030204" pitchFamily="18" charset="0"/>
+                      </a:rPr>
+                      <m:t>(</m:t>
+                    </m:r>
+                    <m:r>
+                      <a:rPr kumimoji="1" lang="en-US" altLang="ja-JP" b="0" i="1" smtClean="0">
+                        <a:latin typeface="Cambria Math" panose="02040503050406030204" pitchFamily="18" charset="0"/>
+                      </a:rPr>
+                      <m:t>𝑥</m:t>
+                    </m:r>
+                    <m:r>
+                      <a:rPr kumimoji="1" lang="en-US" altLang="ja-JP" b="0" i="1" smtClean="0">
+                        <a:latin typeface="Cambria Math" panose="02040503050406030204" pitchFamily="18" charset="0"/>
+                      </a:rPr>
+                      <m:t>)</m:t>
+                    </m:r>
+                  </m:oMath>
+                </a14:m>
+                <a:r>
+                  <a:rPr kumimoji="1" lang="ja-JP" altLang="en-US"/>
+                  <a:t>は「望みのもの」なら</a:t>
+                </a:r>
+                <a:r>
+                  <a:rPr kumimoji="1" lang="en-US" altLang="ja-JP"/>
+                  <a:t>1, </a:t>
+                </a:r>
+                <a:r>
+                  <a:rPr kumimoji="1" lang="ja-JP" altLang="en-US"/>
+                  <a:t>そうでなければ</a:t>
+                </a:r>
+                <a:r>
+                  <a:rPr kumimoji="1" lang="en-US" altLang="ja-JP"/>
+                  <a:t>0</a:t>
+                </a:r>
+                <a:r>
+                  <a:rPr kumimoji="1" lang="ja-JP" altLang="en-US"/>
+                  <a:t>を返す関数</a:t>
+                </a:r>
+                <a:endParaRPr kumimoji="1" lang="en-US" altLang="ja-JP"/>
+              </a:p>
+              <a:p>
+                <a:r>
+                  <a:rPr kumimoji="1" lang="ja-JP" altLang="en-US"/>
+                  <a:t>古典コンピュータ</a:t>
+                </a:r>
+                <a:endParaRPr kumimoji="1" lang="en-US" altLang="ja-JP"/>
+              </a:p>
+              <a:p>
+                <a:pPr lvl="1"/>
+                <a14:m>
+                  <m:oMath xmlns:m="http://schemas.openxmlformats.org/officeDocument/2006/math">
+                    <m:r>
+                      <a:rPr kumimoji="1" lang="en-US" altLang="ja-JP" b="0" i="1" smtClean="0">
+                        <a:latin typeface="Cambria Math" panose="02040503050406030204" pitchFamily="18" charset="0"/>
+                      </a:rPr>
+                      <m:t>𝑥</m:t>
+                    </m:r>
+                    <m:r>
+                      <a:rPr kumimoji="1" lang="en-US" altLang="ja-JP" b="0" i="1" smtClean="0">
+                        <a:latin typeface="Cambria Math" panose="02040503050406030204" pitchFamily="18" charset="0"/>
+                      </a:rPr>
+                      <m:t>=1,2,…,</m:t>
+                    </m:r>
+                    <m:r>
+                      <a:rPr kumimoji="1" lang="en-US" altLang="ja-JP" b="0" i="1" smtClean="0">
+                        <a:latin typeface="Cambria Math" panose="02040503050406030204" pitchFamily="18" charset="0"/>
+                      </a:rPr>
+                      <m:t>𝑁</m:t>
+                    </m:r>
+                  </m:oMath>
+                </a14:m>
+                <a:r>
+                  <a:rPr kumimoji="1" lang="ja-JP" altLang="en-US"/>
+                  <a:t>と順番に</a:t>
+                </a:r>
+                <a14:m>
+                  <m:oMath xmlns:m="http://schemas.openxmlformats.org/officeDocument/2006/math">
+                    <m:r>
+                      <a:rPr kumimoji="1" lang="en-US" altLang="ja-JP" b="0" i="1" smtClean="0">
+                        <a:latin typeface="Cambria Math" panose="02040503050406030204" pitchFamily="18" charset="0"/>
+                      </a:rPr>
+                      <m:t>𝑓</m:t>
+                    </m:r>
+                    <m:r>
+                      <a:rPr kumimoji="1" lang="en-US" altLang="ja-JP" b="0" i="1" smtClean="0">
+                        <a:latin typeface="Cambria Math" panose="02040503050406030204" pitchFamily="18" charset="0"/>
+                      </a:rPr>
+                      <m:t>(</m:t>
+                    </m:r>
+                    <m:r>
+                      <a:rPr kumimoji="1" lang="en-US" altLang="ja-JP" b="0" i="1" smtClean="0">
+                        <a:latin typeface="Cambria Math" panose="02040503050406030204" pitchFamily="18" charset="0"/>
+                      </a:rPr>
+                      <m:t>𝑥</m:t>
+                    </m:r>
+                    <m:r>
+                      <a:rPr kumimoji="1" lang="en-US" altLang="ja-JP" b="0" i="1" smtClean="0">
+                        <a:latin typeface="Cambria Math" panose="02040503050406030204" pitchFamily="18" charset="0"/>
+                      </a:rPr>
+                      <m:t>)</m:t>
+                    </m:r>
+                  </m:oMath>
+                </a14:m>
+                <a:r>
+                  <a:rPr kumimoji="1" lang="ja-JP" altLang="en-US"/>
+                  <a:t>を計算し</a:t>
+                </a:r>
+                <a:r>
+                  <a:rPr kumimoji="1" lang="en-US" altLang="ja-JP"/>
+                  <a:t>1</a:t>
+                </a:r>
+                <a:r>
+                  <a:rPr kumimoji="1" lang="ja-JP" altLang="en-US"/>
+                  <a:t>になる</a:t>
+                </a:r>
+                <a14:m>
+                  <m:oMath xmlns:m="http://schemas.openxmlformats.org/officeDocument/2006/math">
+                    <m:r>
+                      <a:rPr kumimoji="1" lang="en-US" altLang="ja-JP" b="0" i="1" smtClean="0">
+                        <a:latin typeface="Cambria Math" panose="02040503050406030204" pitchFamily="18" charset="0"/>
+                      </a:rPr>
+                      <m:t>𝑥</m:t>
+                    </m:r>
+                  </m:oMath>
+                </a14:m>
+                <a:r>
+                  <a:rPr kumimoji="1" lang="ja-JP" altLang="en-US"/>
+                  <a:t>を見つける</a:t>
+                </a:r>
+                <a:endParaRPr kumimoji="1" lang="en-US" altLang="ja-JP"/>
+              </a:p>
+              <a:p>
+                <a:pPr lvl="1"/>
+                <a14:m>
+                  <m:oMath xmlns:m="http://schemas.openxmlformats.org/officeDocument/2006/math">
+                    <m:r>
+                      <a:rPr kumimoji="1" lang="en-US" altLang="ja-JP" b="0" i="1" smtClean="0">
+                        <a:latin typeface="Cambria Math" panose="02040503050406030204" pitchFamily="18" charset="0"/>
+                      </a:rPr>
+                      <m:t>𝑓</m:t>
+                    </m:r>
+                    <m:r>
+                      <a:rPr kumimoji="1" lang="en-US" altLang="ja-JP" b="0" i="1" smtClean="0">
+                        <a:latin typeface="Cambria Math" panose="02040503050406030204" pitchFamily="18" charset="0"/>
+                      </a:rPr>
+                      <m:t>(</m:t>
+                    </m:r>
+                    <m:r>
+                      <a:rPr kumimoji="1" lang="en-US" altLang="ja-JP" b="0" i="1" smtClean="0">
+                        <a:latin typeface="Cambria Math" panose="02040503050406030204" pitchFamily="18" charset="0"/>
+                      </a:rPr>
+                      <m:t>𝑥</m:t>
+                    </m:r>
+                    <m:r>
+                      <a:rPr kumimoji="1" lang="en-US" altLang="ja-JP" b="0" i="1" smtClean="0">
+                        <a:latin typeface="Cambria Math" panose="02040503050406030204" pitchFamily="18" charset="0"/>
+                      </a:rPr>
+                      <m:t>)</m:t>
+                    </m:r>
+                  </m:oMath>
+                </a14:m>
+                <a:r>
+                  <a:rPr kumimoji="1" lang="ja-JP" altLang="en-US"/>
+                  <a:t>の計算回数は平均</a:t>
+                </a:r>
+                <a14:m>
+                  <m:oMath xmlns:m="http://schemas.openxmlformats.org/officeDocument/2006/math">
+                    <m:f>
+                      <m:fPr>
+                        <m:type m:val="skw"/>
+                        <m:ctrlPr>
+                          <a:rPr kumimoji="1" lang="ja-JP" altLang="en-US" i="1" smtClean="0">
+                            <a:latin typeface="Cambria Math" panose="02040503050406030204" pitchFamily="18" charset="0"/>
+                          </a:rPr>
+                        </m:ctrlPr>
+                      </m:fPr>
+                      <m:num>
+                        <m:r>
+                          <a:rPr kumimoji="1" lang="en-US" altLang="ja-JP" b="0" i="1" smtClean="0">
+                            <a:latin typeface="Cambria Math" panose="02040503050406030204" pitchFamily="18" charset="0"/>
+                          </a:rPr>
+                          <m:t>𝑁</m:t>
+                        </m:r>
+                      </m:num>
+                      <m:den>
+                        <m:r>
+                          <a:rPr kumimoji="1" lang="en-US" altLang="ja-JP" b="0" i="1" smtClean="0">
+                            <a:latin typeface="Cambria Math" panose="02040503050406030204" pitchFamily="18" charset="0"/>
+                          </a:rPr>
+                          <m:t>2</m:t>
+                        </m:r>
+                      </m:den>
+                    </m:f>
+                    <m:r>
+                      <a:rPr kumimoji="1" lang="en-US" altLang="ja-JP" b="0" i="1" smtClean="0">
+                        <a:latin typeface="Cambria Math" panose="02040503050406030204" pitchFamily="18" charset="0"/>
+                      </a:rPr>
+                      <m:t>=</m:t>
+                    </m:r>
+                    <m:r>
+                      <a:rPr kumimoji="1" lang="en-US" altLang="ja-JP" b="0" i="1" smtClean="0">
+                        <a:latin typeface="Cambria Math" panose="02040503050406030204" pitchFamily="18" charset="0"/>
+                      </a:rPr>
+                      <m:t>𝑂</m:t>
+                    </m:r>
+                    <m:r>
+                      <a:rPr kumimoji="1" lang="en-US" altLang="ja-JP" b="0" i="1" smtClean="0">
+                        <a:latin typeface="Cambria Math" panose="02040503050406030204" pitchFamily="18" charset="0"/>
+                      </a:rPr>
+                      <m:t>(</m:t>
+                    </m:r>
+                    <m:r>
+                      <a:rPr kumimoji="1" lang="en-US" altLang="ja-JP" b="0" i="1" smtClean="0">
+                        <a:latin typeface="Cambria Math" panose="02040503050406030204" pitchFamily="18" charset="0"/>
+                      </a:rPr>
+                      <m:t>𝑁</m:t>
+                    </m:r>
+                    <m:r>
+                      <a:rPr kumimoji="1" lang="en-US" altLang="ja-JP" b="0" i="1" smtClean="0">
+                        <a:latin typeface="Cambria Math" panose="02040503050406030204" pitchFamily="18" charset="0"/>
+                      </a:rPr>
+                      <m:t>)</m:t>
+                    </m:r>
+                  </m:oMath>
+                </a14:m>
+                <a:endParaRPr kumimoji="1" lang="en-US" altLang="ja-JP"/>
+              </a:p>
+              <a:p>
+                <a:r>
+                  <a:rPr kumimoji="1" lang="ja-JP" altLang="en-US"/>
+                  <a:t>量子コンピュータ</a:t>
+                </a:r>
+                <a:endParaRPr kumimoji="1" lang="en-US" altLang="ja-JP"/>
+              </a:p>
+              <a:p>
+                <a:pPr lvl="1"/>
+                <a14:m>
+                  <m:oMath xmlns:m="http://schemas.openxmlformats.org/officeDocument/2006/math">
+                    <m:r>
+                      <a:rPr kumimoji="1" lang="en-US" altLang="ja-JP" b="0" i="1" smtClean="0">
+                        <a:latin typeface="Cambria Math" panose="02040503050406030204" pitchFamily="18" charset="0"/>
+                      </a:rPr>
+                      <m:t>𝑛</m:t>
+                    </m:r>
+                  </m:oMath>
+                </a14:m>
+                <a:r>
+                  <a:rPr kumimoji="1" lang="ja-JP" altLang="en-US"/>
+                  <a:t> </a:t>
+                </a:r>
+                <a:r>
+                  <a:rPr kumimoji="1" lang="en-US" altLang="ja-JP"/>
+                  <a:t>qbit</a:t>
+                </a:r>
+                <a:r>
+                  <a:rPr kumimoji="1" lang="ja-JP" altLang="en-US"/>
+                  <a:t>を保持し</a:t>
+                </a:r>
+                <a:r>
+                  <a:rPr kumimoji="1" lang="en-US" altLang="ja-JP"/>
+                  <a:t>, </a:t>
+                </a:r>
+                <a:r>
+                  <a:rPr kumimoji="1" lang="ja-JP" altLang="en-US"/>
+                  <a:t>初期値は全てのパターンが同じ確率</a:t>
+                </a:r>
+                <a:endParaRPr lang="en-US" altLang="ja-JP"/>
+              </a:p>
+              <a:p>
+                <a:pPr lvl="1"/>
+                <a14:m>
+                  <m:oMath xmlns:m="http://schemas.openxmlformats.org/officeDocument/2006/math">
+                    <m:r>
+                      <a:rPr kumimoji="1" lang="en-US" altLang="ja-JP" b="0" i="1" smtClean="0">
+                        <a:latin typeface="Cambria Math" panose="02040503050406030204" pitchFamily="18" charset="0"/>
+                      </a:rPr>
+                      <m:t>𝑓</m:t>
+                    </m:r>
+                    <m:r>
+                      <a:rPr kumimoji="1" lang="en-US" altLang="ja-JP" b="0" i="1" smtClean="0">
+                        <a:latin typeface="Cambria Math" panose="02040503050406030204" pitchFamily="18" charset="0"/>
+                      </a:rPr>
+                      <m:t>(</m:t>
+                    </m:r>
+                    <m:r>
+                      <a:rPr kumimoji="1" lang="en-US" altLang="ja-JP" b="0" i="1" smtClean="0">
+                        <a:latin typeface="Cambria Math" panose="02040503050406030204" pitchFamily="18" charset="0"/>
+                      </a:rPr>
+                      <m:t>𝑥</m:t>
+                    </m:r>
+                    <m:r>
+                      <a:rPr kumimoji="1" lang="en-US" altLang="ja-JP" b="0" i="1" smtClean="0">
+                        <a:latin typeface="Cambria Math" panose="02040503050406030204" pitchFamily="18" charset="0"/>
+                      </a:rPr>
+                      <m:t>)</m:t>
+                    </m:r>
+                  </m:oMath>
+                </a14:m>
+                <a:r>
+                  <a:rPr kumimoji="1" lang="ja-JP" altLang="en-US"/>
+                  <a:t>を量子ゲートで</a:t>
+                </a:r>
+                <a:br>
+                  <a:rPr kumimoji="1" lang="en-US" altLang="ja-JP"/>
+                </a:br>
+                <a:r>
+                  <a:rPr kumimoji="1" lang="ja-JP" altLang="en-US"/>
+                  <a:t>計算できるとする</a:t>
+                </a:r>
+                <a:endParaRPr kumimoji="1" lang="en-US" altLang="ja-JP"/>
+              </a:p>
+              <a:p>
+                <a:pPr lvl="1"/>
+                <a:r>
+                  <a:rPr kumimoji="1" lang="ja-JP" altLang="en-US"/>
+                  <a:t>計算回数は</a:t>
+                </a:r>
+                <a14:m>
+                  <m:oMath xmlns:m="http://schemas.openxmlformats.org/officeDocument/2006/math">
+                    <m:r>
+                      <a:rPr kumimoji="1" lang="en-US" altLang="ja-JP" b="0" i="1" smtClean="0">
+                        <a:latin typeface="Cambria Math" panose="02040503050406030204" pitchFamily="18" charset="0"/>
+                      </a:rPr>
+                      <m:t>𝑂</m:t>
+                    </m:r>
+                    <m:r>
+                      <a:rPr kumimoji="1" lang="en-US" altLang="ja-JP" b="0" i="1" smtClean="0">
+                        <a:latin typeface="Cambria Math" panose="02040503050406030204" pitchFamily="18" charset="0"/>
+                      </a:rPr>
+                      <m:t>(</m:t>
+                    </m:r>
+                    <m:rad>
+                      <m:radPr>
+                        <m:degHide m:val="on"/>
+                        <m:ctrlPr>
+                          <a:rPr kumimoji="1" lang="en-US" altLang="ja-JP" b="0" i="1" smtClean="0">
+                            <a:latin typeface="Cambria Math" panose="02040503050406030204" pitchFamily="18" charset="0"/>
+                          </a:rPr>
+                        </m:ctrlPr>
+                      </m:radPr>
+                      <m:deg/>
+                      <m:e>
+                        <m:r>
+                          <a:rPr kumimoji="1" lang="en-US" altLang="ja-JP" b="0" i="1" smtClean="0">
+                            <a:latin typeface="Cambria Math" panose="02040503050406030204" pitchFamily="18" charset="0"/>
+                          </a:rPr>
+                          <m:t>𝑁</m:t>
+                        </m:r>
+                      </m:e>
+                    </m:rad>
+                    <m:r>
+                      <a:rPr kumimoji="1" lang="en-US" altLang="ja-JP" b="0" i="1" smtClean="0">
+                        <a:latin typeface="Cambria Math" panose="02040503050406030204" pitchFamily="18" charset="0"/>
+                      </a:rPr>
+                      <m:t>)</m:t>
+                    </m:r>
+                  </m:oMath>
+                </a14:m>
+                <a:endParaRPr kumimoji="1" lang="en-US" altLang="ja-JP"/>
+              </a:p>
+              <a:p>
+                <a:pPr lvl="1"/>
+                <a:endParaRPr kumimoji="1" lang="ja-JP" altLang="en-US"/>
+              </a:p>
+            </p:txBody>
+          </p:sp>
+        </mc:Choice>
+        <mc:Fallback xmlns="">
+          <p:sp>
+            <p:nvSpPr>
+              <p:cNvPr id="2" name="コンテンツ プレースホルダー 1">
+                <a:extLst>
+                  <a:ext uri="{FF2B5EF4-FFF2-40B4-BE49-F238E27FC236}">
+                    <a16:creationId xmlns:a16="http://schemas.microsoft.com/office/drawing/2014/main" id="{E606D0B6-A025-4C38-8211-E1DEF3C66721}"/>
+                  </a:ext>
+                </a:extLst>
+              </p:cNvPr>
+              <p:cNvSpPr>
+                <a:spLocks noGrp="1" noRot="1" noChangeAspect="1" noMove="1" noResize="1" noEditPoints="1" noAdjustHandles="1" noChangeArrowheads="1" noChangeShapeType="1" noTextEdit="1"/>
+              </p:cNvSpPr>
+              <p:nvPr>
+                <p:ph idx="1"/>
+              </p:nvPr>
+            </p:nvSpPr>
+            <p:spPr>
+              <a:blipFill>
+                <a:blip r:embed="rId3"/>
+                <a:stretch>
+                  <a:fillRect l="-1200" t="-1454"/>
+                </a:stretch>
+              </a:blipFill>
+            </p:spPr>
+            <p:txBody>
+              <a:bodyPr/>
+              <a:lstStyle/>
+              <a:p>
+                <a:r>
+                  <a:rPr lang="ja-JP" altLang="en-US">
+                    <a:noFill/>
+                  </a:rPr>
+                  <a:t> </a:t>
+                </a:r>
+              </a:p>
+            </p:txBody>
+          </p:sp>
+        </mc:Fallback>
+      </mc:AlternateContent>
+      <p:sp>
+        <p:nvSpPr>
+          <p:cNvPr id="3" name="スライド番号プレースホルダー 2">
+            <a:extLst>
+              <a:ext uri="{FF2B5EF4-FFF2-40B4-BE49-F238E27FC236}">
+                <a16:creationId xmlns:a16="http://schemas.microsoft.com/office/drawing/2014/main" id="{27F8B585-9630-4F0E-B5CB-3C1062CD5876}"/>
+              </a:ext>
+            </a:extLst>
+          </p:cNvPr>
+          <p:cNvSpPr>
+            <a:spLocks noGrp="1"/>
+          </p:cNvSpPr>
+          <p:nvPr>
+            <p:ph type="sldNum" sz="quarter" idx="12"/>
+          </p:nvPr>
+        </p:nvSpPr>
+        <p:spPr/>
+        <p:txBody>
+          <a:bodyPr/>
+          <a:lstStyle/>
+          <a:p>
+            <a:pPr>
+              <a:defRPr/>
+            </a:pPr>
+            <a:r>
+              <a:rPr lang="en-US" altLang="ja-JP"/>
+              <a:t>    </a:t>
+            </a:r>
+            <a:fld id="{B2782DEB-472A-4FE5-AC34-C17109CF5A91}" type="slidenum">
+              <a:rPr lang="en-US" altLang="ja-JP" smtClean="0"/>
+              <a:pPr>
+                <a:defRPr/>
+              </a:pPr>
+              <a:t>34</a:t>
+            </a:fld>
+            <a:r>
+              <a:rPr lang="en-US" altLang="ja-JP"/>
+              <a:t> / 24</a:t>
+            </a:r>
+          </a:p>
+        </p:txBody>
+      </p:sp>
+      <p:sp>
+        <p:nvSpPr>
+          <p:cNvPr id="4" name="タイトル 3">
+            <a:extLst>
+              <a:ext uri="{FF2B5EF4-FFF2-40B4-BE49-F238E27FC236}">
+                <a16:creationId xmlns:a16="http://schemas.microsoft.com/office/drawing/2014/main" id="{EBA78F4B-5CAC-452E-84CD-D12714CA9B12}"/>
+              </a:ext>
+            </a:extLst>
+          </p:cNvPr>
+          <p:cNvSpPr>
+            <a:spLocks noGrp="1"/>
+          </p:cNvSpPr>
+          <p:nvPr>
+            <p:ph type="title"/>
+          </p:nvPr>
+        </p:nvSpPr>
+        <p:spPr/>
+        <p:txBody>
+          <a:bodyPr/>
+          <a:lstStyle/>
+          <a:p>
+            <a:r>
+              <a:rPr kumimoji="1" lang="en-US" altLang="ja-JP"/>
+              <a:t>Grober</a:t>
+            </a:r>
+            <a:r>
+              <a:rPr kumimoji="1" lang="ja-JP" altLang="en-US"/>
+              <a:t>のアルゴリズム</a:t>
+            </a:r>
+          </a:p>
+        </p:txBody>
+      </p:sp>
+    </p:spTree>
+    <p:extLst>
+      <p:ext uri="{BB962C8B-B14F-4D97-AF65-F5344CB8AC3E}">
+        <p14:creationId xmlns:p14="http://schemas.microsoft.com/office/powerpoint/2010/main" val="666339894"/>
+      </p:ext>
+    </p:extLst>
+  </p:cSld>
+  <p:clrMapOvr>
+    <a:masterClrMapping/>
+  </p:clrMapOvr>
+</p:sld>
+</file>
+
+<file path=ppt/slides/slide35.xml><?xml version="1.0" encoding="utf-8"?>
+<p:sld xmlns:a="http://schemas.openxmlformats.org/drawingml/2006/main" xmlns:r="http://schemas.openxmlformats.org/officeDocument/2006/relationships" xmlns:p="http://schemas.openxmlformats.org/presentationml/2006/main">
+  <p:cSld>
+    <p:spTree>
+      <p:nvGrpSpPr>
+        <p:cNvPr id="1" name=""/>
+        <p:cNvGrpSpPr/>
+        <p:nvPr/>
+      </p:nvGrpSpPr>
+      <p:grpSpPr>
+        <a:xfrm>
+          <a:off x="0" y="0"/>
+          <a:ext cx="0" cy="0"/>
+          <a:chOff x="0" y="0"/>
+          <a:chExt cx="0" cy="0"/>
+        </a:xfrm>
+      </p:grpSpPr>
+      <p:sp>
+        <p:nvSpPr>
+          <p:cNvPr id="2" name="コンテンツ プレースホルダー 1">
+            <a:extLst>
+              <a:ext uri="{FF2B5EF4-FFF2-40B4-BE49-F238E27FC236}">
+                <a16:creationId xmlns:a16="http://schemas.microsoft.com/office/drawing/2014/main" id="{1AFCDCAF-D984-41A8-8019-8D76D76A167D}"/>
+              </a:ext>
+            </a:extLst>
+          </p:cNvPr>
+          <p:cNvSpPr>
+            <a:spLocks noGrp="1"/>
+          </p:cNvSpPr>
+          <p:nvPr>
+            <p:ph idx="1"/>
+          </p:nvPr>
+        </p:nvSpPr>
+        <p:spPr/>
+        <p:txBody>
+          <a:bodyPr/>
+          <a:lstStyle/>
+          <a:p>
+            <a:r>
+              <a:rPr lang="en-US" altLang="ja-JP"/>
+              <a:t>2019</a:t>
+            </a:r>
+            <a:r>
+              <a:rPr lang="ja-JP" altLang="en-US"/>
+              <a:t>年</a:t>
+            </a:r>
+            <a:r>
+              <a:rPr lang="en-US" altLang="ja-JP"/>
+              <a:t>Google</a:t>
+            </a:r>
+            <a:r>
+              <a:rPr lang="ja-JP" altLang="en-US"/>
+              <a:t>の量子超越性</a:t>
+            </a:r>
+            <a:endParaRPr kumimoji="1" lang="en-US" altLang="ja-JP"/>
+          </a:p>
+          <a:p>
+            <a:pPr lvl="1"/>
+            <a:r>
+              <a:rPr kumimoji="1" lang="en-US" altLang="ja-JP">
+                <a:hlinkClick r:id="rId2"/>
+              </a:rPr>
+              <a:t>https://www.nature.com/articles/s41586-019-1666-5</a:t>
+            </a:r>
+            <a:endParaRPr kumimoji="1" lang="en-US" altLang="ja-JP"/>
+          </a:p>
+          <a:p>
+            <a:pPr lvl="1"/>
+            <a:r>
+              <a:rPr kumimoji="1" lang="ja-JP" altLang="en-US"/>
+              <a:t>スーパーコンピュータ</a:t>
+            </a:r>
+            <a:r>
+              <a:rPr kumimoji="1" lang="en-US" altLang="ja-JP"/>
+              <a:t>1</a:t>
+            </a:r>
+            <a:r>
+              <a:rPr kumimoji="1" lang="ja-JP" altLang="en-US"/>
+              <a:t>万年かかる問題を</a:t>
+            </a:r>
+            <a:r>
+              <a:rPr kumimoji="1" lang="en-US" altLang="ja-JP"/>
+              <a:t>53qbit</a:t>
+            </a:r>
+            <a:r>
+              <a:rPr kumimoji="1" lang="ja-JP" altLang="en-US"/>
+              <a:t>で</a:t>
+            </a:r>
+            <a:r>
+              <a:rPr kumimoji="1" lang="en-US" altLang="ja-JP"/>
+              <a:t>200</a:t>
+            </a:r>
+            <a:r>
+              <a:rPr kumimoji="1" lang="ja-JP" altLang="en-US"/>
+              <a:t>秒</a:t>
+            </a:r>
+            <a:endParaRPr kumimoji="1" lang="en-US" altLang="ja-JP"/>
+          </a:p>
+          <a:p>
+            <a:pPr lvl="2"/>
+            <a:r>
+              <a:rPr lang="en-US" altLang="ja-JP"/>
+              <a:t>IBM</a:t>
+            </a:r>
+            <a:r>
+              <a:rPr lang="ja-JP" altLang="en-US"/>
+              <a:t>の反論</a:t>
+            </a:r>
+            <a:r>
+              <a:rPr lang="en-US" altLang="ja-JP"/>
+              <a:t> : 1</a:t>
+            </a:r>
+            <a:r>
+              <a:rPr lang="ja-JP" altLang="en-US"/>
+              <a:t>万年じゃなくて</a:t>
+            </a:r>
+            <a:r>
+              <a:rPr lang="en-US" altLang="ja-JP"/>
+              <a:t>2</a:t>
+            </a:r>
+            <a:r>
+              <a:rPr lang="ja-JP" altLang="en-US"/>
+              <a:t>日半</a:t>
+            </a:r>
+            <a:r>
+              <a:rPr lang="en-US" altLang="ja-JP"/>
+              <a:t>?</a:t>
+            </a:r>
+          </a:p>
+          <a:p>
+            <a:pPr lvl="1"/>
+            <a:r>
+              <a:rPr kumimoji="1" lang="ja-JP" altLang="en-US"/>
+              <a:t>ランダムな量子回路を使って乱数生成</a:t>
+            </a:r>
+            <a:endParaRPr kumimoji="1" lang="en-US" altLang="ja-JP"/>
+          </a:p>
+          <a:p>
+            <a:pPr lvl="2"/>
+            <a:r>
+              <a:rPr kumimoji="1" lang="ja-JP" altLang="en-US"/>
+              <a:t>古典コンピュータは量子回路をシミュレーションする必要</a:t>
+            </a:r>
+            <a:endParaRPr kumimoji="1" lang="en-US" altLang="ja-JP"/>
+          </a:p>
+          <a:p>
+            <a:pPr lvl="2"/>
+            <a:r>
+              <a:rPr kumimoji="1" lang="ja-JP" altLang="en-US"/>
+              <a:t>単なる乱数なら通常のコンピュータの方がずっと速い</a:t>
+            </a:r>
+            <a:endParaRPr kumimoji="1" lang="en-US" altLang="ja-JP"/>
+          </a:p>
+          <a:p>
+            <a:pPr lvl="2"/>
+            <a:r>
+              <a:rPr kumimoji="1" lang="ja-JP" altLang="en-US"/>
+              <a:t>量子コンピュータが本質的に古典コンピュータより「速い」</a:t>
+            </a:r>
+            <a:br>
+              <a:rPr kumimoji="1" lang="en-US" altLang="ja-JP"/>
+            </a:br>
+            <a:r>
+              <a:rPr kumimoji="1" lang="ja-JP" altLang="en-US"/>
+              <a:t>場合があることを示そうとした</a:t>
+            </a:r>
+          </a:p>
+        </p:txBody>
+      </p:sp>
+      <p:sp>
+        <p:nvSpPr>
+          <p:cNvPr id="3" name="スライド番号プレースホルダー 2">
+            <a:extLst>
+              <a:ext uri="{FF2B5EF4-FFF2-40B4-BE49-F238E27FC236}">
+                <a16:creationId xmlns:a16="http://schemas.microsoft.com/office/drawing/2014/main" id="{DCCA8181-C81D-48ED-8598-8756BCC3AE5A}"/>
+              </a:ext>
+            </a:extLst>
+          </p:cNvPr>
+          <p:cNvSpPr>
+            <a:spLocks noGrp="1"/>
+          </p:cNvSpPr>
+          <p:nvPr>
+            <p:ph type="sldNum" sz="quarter" idx="12"/>
+          </p:nvPr>
+        </p:nvSpPr>
+        <p:spPr/>
+        <p:txBody>
+          <a:bodyPr/>
+          <a:lstStyle/>
+          <a:p>
+            <a:pPr>
+              <a:defRPr/>
+            </a:pPr>
+            <a:r>
+              <a:rPr lang="en-US" altLang="ja-JP"/>
+              <a:t>    </a:t>
+            </a:r>
+            <a:fld id="{B2782DEB-472A-4FE5-AC34-C17109CF5A91}" type="slidenum">
+              <a:rPr lang="en-US" altLang="ja-JP" smtClean="0"/>
+              <a:pPr>
+                <a:defRPr/>
+              </a:pPr>
+              <a:t>35</a:t>
+            </a:fld>
+            <a:r>
+              <a:rPr lang="en-US" altLang="ja-JP"/>
+              <a:t> / 24</a:t>
+            </a:r>
+          </a:p>
+        </p:txBody>
+      </p:sp>
+      <p:sp>
+        <p:nvSpPr>
+          <p:cNvPr id="4" name="タイトル 3">
+            <a:extLst>
+              <a:ext uri="{FF2B5EF4-FFF2-40B4-BE49-F238E27FC236}">
+                <a16:creationId xmlns:a16="http://schemas.microsoft.com/office/drawing/2014/main" id="{C04B6FC3-34DB-4DDD-96FF-76D37070A5FF}"/>
+              </a:ext>
+            </a:extLst>
+          </p:cNvPr>
+          <p:cNvSpPr>
+            <a:spLocks noGrp="1"/>
+          </p:cNvSpPr>
+          <p:nvPr>
+            <p:ph type="title"/>
+          </p:nvPr>
+        </p:nvSpPr>
+        <p:spPr/>
+        <p:txBody>
+          <a:bodyPr/>
+          <a:lstStyle/>
+          <a:p>
+            <a:r>
+              <a:rPr kumimoji="1" lang="ja-JP" altLang="en-US"/>
+              <a:t>量子超越</a:t>
+            </a:r>
+          </a:p>
+        </p:txBody>
+      </p:sp>
+    </p:spTree>
+    <p:extLst>
+      <p:ext uri="{BB962C8B-B14F-4D97-AF65-F5344CB8AC3E}">
+        <p14:creationId xmlns:p14="http://schemas.microsoft.com/office/powerpoint/2010/main" val="3010328543"/>
+      </p:ext>
+    </p:extLst>
+  </p:cSld>
+  <p:clrMapOvr>
+    <a:masterClrMapping/>
+  </p:clrMapOvr>
+</p:sld>
+</file>
+
+<file path=ppt/slides/slide36.xml><?xml version="1.0" encoding="utf-8"?>
+<p:sld xmlns:a="http://schemas.openxmlformats.org/drawingml/2006/main" xmlns:r="http://schemas.openxmlformats.org/officeDocument/2006/relationships" xmlns:p="http://schemas.openxmlformats.org/presentationml/2006/main">
+  <p:cSld>
+    <p:spTree>
+      <p:nvGrpSpPr>
+        <p:cNvPr id="1" name=""/>
+        <p:cNvGrpSpPr/>
+        <p:nvPr/>
+      </p:nvGrpSpPr>
+      <p:grpSpPr>
+        <a:xfrm>
+          <a:off x="0" y="0"/>
+          <a:ext cx="0" cy="0"/>
+          <a:chOff x="0" y="0"/>
+          <a:chExt cx="0" cy="0"/>
+        </a:xfrm>
+      </p:grpSpPr>
+      <mc:AlternateContent xmlns:mc="http://schemas.openxmlformats.org/markup-compatibility/2006">
+        <mc:Choice xmlns:a14="http://schemas.microsoft.com/office/drawing/2010/main" Requires="a14">
+          <p:sp>
+            <p:nvSpPr>
+              <p:cNvPr id="2" name="コンテンツ プレースホルダー 1">
+                <a:extLst>
+                  <a:ext uri="{FF2B5EF4-FFF2-40B4-BE49-F238E27FC236}">
+                    <a16:creationId xmlns:a16="http://schemas.microsoft.com/office/drawing/2014/main" id="{1A4F5532-B211-49F1-AF79-277A20681340}"/>
+                  </a:ext>
+                </a:extLst>
+              </p:cNvPr>
+              <p:cNvSpPr>
+                <a:spLocks noGrp="1"/>
+              </p:cNvSpPr>
+              <p:nvPr>
+                <p:ph idx="1"/>
+              </p:nvPr>
+            </p:nvSpPr>
+            <p:spPr/>
+            <p:txBody>
+              <a:bodyPr/>
+              <a:lstStyle/>
+              <a:p>
+                <a:r>
+                  <a:rPr kumimoji="1" lang="ja-JP" altLang="en-US"/>
+                  <a:t>共通鍵暗号</a:t>
+                </a:r>
+                <a:r>
+                  <a:rPr lang="en-US" altLang="ja-JP"/>
+                  <a:t>(AES, ChaCha20</a:t>
+                </a:r>
+                <a:r>
+                  <a:rPr lang="ja-JP" altLang="en-US"/>
+                  <a:t>など</a:t>
+                </a:r>
+                <a:r>
+                  <a:rPr lang="en-US" altLang="ja-JP"/>
+                  <a:t>)</a:t>
+                </a:r>
+              </a:p>
+              <a:p>
+                <a:pPr lvl="1"/>
+                <a:r>
+                  <a:rPr kumimoji="1" lang="en-US" altLang="ja-JP"/>
+                  <a:t>Grober</a:t>
+                </a:r>
+                <a:r>
+                  <a:rPr kumimoji="1" lang="ja-JP" altLang="en-US"/>
+                  <a:t>のアルゴリズムよりブルートフォース攻撃は</a:t>
+                </a:r>
+                <a14:m>
+                  <m:oMath xmlns:m="http://schemas.openxmlformats.org/officeDocument/2006/math">
+                    <m:r>
+                      <a:rPr kumimoji="1" lang="en-US" altLang="ja-JP" b="0" i="1" smtClean="0">
+                        <a:latin typeface="Cambria Math" panose="02040503050406030204" pitchFamily="18" charset="0"/>
+                      </a:rPr>
+                      <m:t>𝑂</m:t>
+                    </m:r>
+                    <m:r>
+                      <a:rPr kumimoji="1" lang="en-US" altLang="ja-JP" b="0" i="1" smtClean="0">
+                        <a:latin typeface="Cambria Math" panose="02040503050406030204" pitchFamily="18" charset="0"/>
+                      </a:rPr>
+                      <m:t>(</m:t>
+                    </m:r>
+                    <m:rad>
+                      <m:radPr>
+                        <m:degHide m:val="on"/>
+                        <m:ctrlPr>
+                          <a:rPr kumimoji="1" lang="en-US" altLang="ja-JP" b="0" i="1" smtClean="0">
+                            <a:latin typeface="Cambria Math" panose="02040503050406030204" pitchFamily="18" charset="0"/>
+                          </a:rPr>
+                        </m:ctrlPr>
+                      </m:radPr>
+                      <m:deg/>
+                      <m:e>
+                        <m:r>
+                          <a:rPr kumimoji="1" lang="en-US" altLang="ja-JP" b="0" i="1" smtClean="0">
+                            <a:latin typeface="Cambria Math" panose="02040503050406030204" pitchFamily="18" charset="0"/>
+                          </a:rPr>
+                          <m:t>𝑛</m:t>
+                        </m:r>
+                      </m:e>
+                    </m:rad>
+                    <m:r>
+                      <a:rPr kumimoji="1" lang="en-US" altLang="ja-JP" b="0" i="1" smtClean="0">
+                        <a:latin typeface="Cambria Math" panose="02040503050406030204" pitchFamily="18" charset="0"/>
+                      </a:rPr>
+                      <m:t>)</m:t>
+                    </m:r>
+                  </m:oMath>
+                </a14:m>
+                <a:r>
+                  <a:rPr kumimoji="1" lang="ja-JP" altLang="en-US"/>
+                  <a:t>に</a:t>
+                </a:r>
+                <a:endParaRPr kumimoji="1" lang="en-US" altLang="ja-JP"/>
+              </a:p>
+              <a:p>
+                <a:pPr lvl="1"/>
+                <a:r>
+                  <a:rPr lang="en-US" altLang="ja-JP"/>
+                  <a:t>128bit</a:t>
+                </a:r>
+                <a:r>
+                  <a:rPr lang="ja-JP" altLang="en-US"/>
+                  <a:t>セキュリティ必要なら倍の</a:t>
+                </a:r>
+                <a:r>
+                  <a:rPr lang="en-US" altLang="ja-JP"/>
+                  <a:t>256bit</a:t>
+                </a:r>
+                <a:r>
+                  <a:rPr lang="ja-JP" altLang="en-US"/>
+                  <a:t>にすれば十分</a:t>
+                </a:r>
+                <a:endParaRPr lang="en-US" altLang="ja-JP"/>
+              </a:p>
+              <a:p>
+                <a:pPr lvl="2"/>
+                <a:r>
+                  <a:rPr kumimoji="1" lang="ja-JP" altLang="en-US"/>
+                  <a:t>量子コンピュータはそこまで速くないので</a:t>
+                </a:r>
+                <a:r>
+                  <a:rPr kumimoji="1" lang="en-US" altLang="ja-JP"/>
+                  <a:t>128bit</a:t>
+                </a:r>
+                <a:r>
+                  <a:rPr kumimoji="1" lang="ja-JP" altLang="en-US"/>
+                  <a:t>でも十分</a:t>
+                </a:r>
+                <a:r>
+                  <a:rPr kumimoji="1" lang="en-US" altLang="ja-JP"/>
+                  <a:t>?</a:t>
+                </a:r>
+              </a:p>
+              <a:p>
+                <a:r>
+                  <a:rPr kumimoji="1" lang="ja-JP" altLang="en-US"/>
+                  <a:t>ハッシュ関数</a:t>
+                </a:r>
+                <a:endParaRPr kumimoji="1" lang="en-US" altLang="ja-JP"/>
+              </a:p>
+              <a:p>
+                <a:pPr lvl="1"/>
+                <a:r>
+                  <a:rPr kumimoji="1" lang="ja-JP" altLang="en-US"/>
+                  <a:t>同様に</a:t>
+                </a:r>
+                <a:r>
+                  <a:rPr kumimoji="1" lang="en-US" altLang="ja-JP"/>
+                  <a:t>bit</a:t>
+                </a:r>
+                <a:r>
+                  <a:rPr kumimoji="1" lang="ja-JP" altLang="en-US"/>
+                  <a:t>長を倍にすれば十分</a:t>
+                </a:r>
+                <a:r>
+                  <a:rPr kumimoji="1" lang="en-US" altLang="ja-JP"/>
+                  <a:t>?</a:t>
+                </a:r>
+                <a:r>
+                  <a:rPr kumimoji="1" lang="ja-JP" altLang="en-US"/>
+                  <a:t> </a:t>
+                </a:r>
+                <a14:m>
+                  <m:oMath xmlns:m="http://schemas.openxmlformats.org/officeDocument/2006/math">
+                    <m:r>
+                      <a:rPr kumimoji="1" lang="en-US" altLang="ja-JP" b="0" i="1" smtClean="0">
+                        <a:latin typeface="Cambria Math" panose="02040503050406030204" pitchFamily="18" charset="0"/>
+                      </a:rPr>
+                      <m:t>𝑂</m:t>
+                    </m:r>
+                    <m:r>
+                      <a:rPr kumimoji="1" lang="en-US" altLang="ja-JP" b="0" i="1" smtClean="0">
+                        <a:latin typeface="Cambria Math" panose="02040503050406030204" pitchFamily="18" charset="0"/>
+                      </a:rPr>
+                      <m:t>(</m:t>
+                    </m:r>
+                    <m:rad>
+                      <m:radPr>
+                        <m:ctrlPr>
+                          <a:rPr kumimoji="1" lang="en-US" altLang="ja-JP" b="0" i="1" smtClean="0">
+                            <a:latin typeface="Cambria Math" panose="02040503050406030204" pitchFamily="18" charset="0"/>
+                          </a:rPr>
+                        </m:ctrlPr>
+                      </m:radPr>
+                      <m:deg>
+                        <m:r>
+                          <a:rPr kumimoji="1" lang="en-US" altLang="ja-JP" b="0" i="1" smtClean="0">
+                            <a:latin typeface="Cambria Math" panose="02040503050406030204" pitchFamily="18" charset="0"/>
+                          </a:rPr>
+                          <m:t>3</m:t>
+                        </m:r>
+                      </m:deg>
+                      <m:e>
+                        <m:r>
+                          <a:rPr kumimoji="1" lang="en-US" altLang="ja-JP" b="0" i="1" smtClean="0">
+                            <a:latin typeface="Cambria Math" panose="02040503050406030204" pitchFamily="18" charset="0"/>
+                          </a:rPr>
+                          <m:t>𝑛</m:t>
+                        </m:r>
+                      </m:e>
+                    </m:rad>
+                    <m:r>
+                      <a:rPr kumimoji="1" lang="en-US" altLang="ja-JP" b="0" i="1" smtClean="0">
+                        <a:latin typeface="Cambria Math" panose="02040503050406030204" pitchFamily="18" charset="0"/>
+                      </a:rPr>
+                      <m:t>)</m:t>
+                    </m:r>
+                  </m:oMath>
+                </a14:m>
+                <a:r>
+                  <a:rPr kumimoji="1" lang="ja-JP" altLang="en-US"/>
+                  <a:t>もある </a:t>
+                </a:r>
+                <a:r>
+                  <a:rPr kumimoji="1" lang="en-US" altLang="ja-JP"/>
+                  <a:t>-- </a:t>
+                </a:r>
+                <a:r>
+                  <a:rPr kumimoji="1" lang="ja-JP" altLang="en-US"/>
+                  <a:t>現実的でない</a:t>
+                </a:r>
+                <a:r>
+                  <a:rPr kumimoji="1" lang="en-US" altLang="ja-JP"/>
+                  <a:t>?</a:t>
+                </a:r>
+              </a:p>
+              <a:p>
+                <a:r>
+                  <a:rPr kumimoji="1" lang="ja-JP" altLang="en-US"/>
+                  <a:t>概ねそれほど影響は大きくないと考えられている</a:t>
+                </a:r>
+                <a:endParaRPr kumimoji="1" lang="en-US" altLang="ja-JP"/>
+              </a:p>
+              <a:p>
+                <a:r>
+                  <a:rPr kumimoji="1" lang="ja-JP" altLang="en-US"/>
+                  <a:t>公開鍵暗号</a:t>
+                </a:r>
+                <a:endParaRPr kumimoji="1" lang="en-US" altLang="ja-JP"/>
+              </a:p>
+              <a:p>
+                <a:pPr lvl="1"/>
+                <a:r>
+                  <a:rPr lang="en-US" altLang="ja-JP"/>
+                  <a:t>RSA, </a:t>
+                </a:r>
+                <a:r>
+                  <a:rPr lang="ja-JP" altLang="en-US"/>
+                  <a:t>離散対数問題どちらも</a:t>
+                </a:r>
+                <a14:m>
+                  <m:oMath xmlns:m="http://schemas.openxmlformats.org/officeDocument/2006/math">
+                    <m:r>
+                      <a:rPr lang="en-US" altLang="ja-JP" b="0" i="1" smtClean="0">
+                        <a:latin typeface="Cambria Math" panose="02040503050406030204" pitchFamily="18" charset="0"/>
+                      </a:rPr>
+                      <m:t>𝑂</m:t>
+                    </m:r>
+                    <m:r>
+                      <a:rPr lang="en-US" altLang="ja-JP" b="0" i="1" smtClean="0">
+                        <a:latin typeface="Cambria Math" panose="02040503050406030204" pitchFamily="18" charset="0"/>
+                      </a:rPr>
+                      <m:t>((</m:t>
+                    </m:r>
+                    <m:func>
+                      <m:funcPr>
+                        <m:ctrlPr>
+                          <a:rPr lang="en-US" altLang="ja-JP" b="0" i="1" smtClean="0">
+                            <a:latin typeface="Cambria Math" panose="02040503050406030204" pitchFamily="18" charset="0"/>
+                          </a:rPr>
+                        </m:ctrlPr>
+                      </m:funcPr>
+                      <m:fName>
+                        <m:r>
+                          <m:rPr>
+                            <m:sty m:val="p"/>
+                          </m:rPr>
+                          <a:rPr lang="en-US" altLang="ja-JP" b="0" i="0" smtClean="0">
+                            <a:latin typeface="Cambria Math" panose="02040503050406030204" pitchFamily="18" charset="0"/>
+                          </a:rPr>
+                          <m:t>log</m:t>
+                        </m:r>
+                      </m:fName>
+                      <m:e>
+                        <m:r>
+                          <a:rPr lang="en-US" altLang="ja-JP" b="0" i="1" smtClean="0">
+                            <a:latin typeface="Cambria Math" panose="02040503050406030204" pitchFamily="18" charset="0"/>
+                          </a:rPr>
+                          <m:t>𝑛</m:t>
+                        </m:r>
+                        <m:r>
+                          <a:rPr lang="en-US" altLang="ja-JP" b="0" i="1" smtClean="0">
+                            <a:latin typeface="Cambria Math" panose="02040503050406030204" pitchFamily="18" charset="0"/>
+                          </a:rPr>
+                          <m:t>)^3</m:t>
+                        </m:r>
+                      </m:e>
+                    </m:func>
+                    <m:r>
+                      <a:rPr lang="en-US" altLang="ja-JP" b="0" i="1" smtClean="0">
+                        <a:latin typeface="Cambria Math" panose="02040503050406030204" pitchFamily="18" charset="0"/>
+                      </a:rPr>
+                      <m:t>)</m:t>
+                    </m:r>
+                  </m:oMath>
+                </a14:m>
+                <a:r>
+                  <a:rPr kumimoji="1" lang="ja-JP" altLang="en-US"/>
+                  <a:t> </a:t>
+                </a:r>
+                <a:r>
+                  <a:rPr kumimoji="1" lang="en-US" altLang="ja-JP"/>
+                  <a:t>by Shor</a:t>
+                </a:r>
+              </a:p>
+              <a:p>
+                <a:pPr lvl="2"/>
+                <a:r>
+                  <a:rPr kumimoji="1" lang="ja-JP" altLang="en-US"/>
+                  <a:t>解読時間の見積もり</a:t>
+                </a:r>
+                <a:endParaRPr kumimoji="1" lang="en-US" altLang="ja-JP"/>
+              </a:p>
+            </p:txBody>
+          </p:sp>
+        </mc:Choice>
+        <mc:Fallback>
+          <p:sp>
+            <p:nvSpPr>
+              <p:cNvPr id="2" name="コンテンツ プレースホルダー 1">
+                <a:extLst>
+                  <a:ext uri="{FF2B5EF4-FFF2-40B4-BE49-F238E27FC236}">
+                    <a16:creationId xmlns:a16="http://schemas.microsoft.com/office/drawing/2014/main" id="{1A4F5532-B211-49F1-AF79-277A20681340}"/>
+                  </a:ext>
+                </a:extLst>
+              </p:cNvPr>
+              <p:cNvSpPr>
+                <a:spLocks noGrp="1" noRot="1" noChangeAspect="1" noMove="1" noResize="1" noEditPoints="1" noAdjustHandles="1" noChangeArrowheads="1" noChangeShapeType="1" noTextEdit="1"/>
+              </p:cNvSpPr>
+              <p:nvPr>
+                <p:ph idx="1"/>
+              </p:nvPr>
+            </p:nvSpPr>
+            <p:spPr>
+              <a:blipFill>
+                <a:blip r:embed="rId2"/>
+                <a:stretch>
+                  <a:fillRect l="-1200" t="-1454" r="-467"/>
+                </a:stretch>
+              </a:blipFill>
+            </p:spPr>
+            <p:txBody>
+              <a:bodyPr/>
+              <a:lstStyle/>
+              <a:p>
+                <a:r>
+                  <a:rPr lang="ja-JP" altLang="en-US">
+                    <a:noFill/>
+                  </a:rPr>
+                  <a:t> </a:t>
+                </a:r>
+              </a:p>
+            </p:txBody>
+          </p:sp>
+        </mc:Fallback>
+      </mc:AlternateContent>
+      <p:sp>
+        <p:nvSpPr>
+          <p:cNvPr id="3" name="スライド番号プレースホルダー 2">
+            <a:extLst>
+              <a:ext uri="{FF2B5EF4-FFF2-40B4-BE49-F238E27FC236}">
+                <a16:creationId xmlns:a16="http://schemas.microsoft.com/office/drawing/2014/main" id="{8B745344-6356-481B-8648-87A74E06D794}"/>
+              </a:ext>
+            </a:extLst>
+          </p:cNvPr>
+          <p:cNvSpPr>
+            <a:spLocks noGrp="1"/>
+          </p:cNvSpPr>
+          <p:nvPr>
+            <p:ph type="sldNum" sz="quarter" idx="12"/>
+          </p:nvPr>
+        </p:nvSpPr>
+        <p:spPr/>
+        <p:txBody>
+          <a:bodyPr/>
+          <a:lstStyle/>
+          <a:p>
+            <a:pPr>
+              <a:defRPr/>
+            </a:pPr>
+            <a:r>
+              <a:rPr lang="en-US" altLang="ja-JP"/>
+              <a:t>    </a:t>
+            </a:r>
+            <a:fld id="{B2782DEB-472A-4FE5-AC34-C17109CF5A91}" type="slidenum">
+              <a:rPr lang="en-US" altLang="ja-JP" smtClean="0"/>
+              <a:pPr>
+                <a:defRPr/>
+              </a:pPr>
+              <a:t>36</a:t>
+            </a:fld>
+            <a:r>
+              <a:rPr lang="en-US" altLang="ja-JP"/>
+              <a:t> / 24</a:t>
+            </a:r>
+          </a:p>
+        </p:txBody>
+      </p:sp>
+      <p:sp>
+        <p:nvSpPr>
+          <p:cNvPr id="4" name="タイトル 3">
+            <a:extLst>
+              <a:ext uri="{FF2B5EF4-FFF2-40B4-BE49-F238E27FC236}">
+                <a16:creationId xmlns:a16="http://schemas.microsoft.com/office/drawing/2014/main" id="{C6219DE1-20BE-4A82-8F4C-E1E320C813CB}"/>
+              </a:ext>
+            </a:extLst>
+          </p:cNvPr>
+          <p:cNvSpPr>
+            <a:spLocks noGrp="1"/>
+          </p:cNvSpPr>
+          <p:nvPr>
+            <p:ph type="title"/>
+          </p:nvPr>
+        </p:nvSpPr>
+        <p:spPr/>
+        <p:txBody>
+          <a:bodyPr/>
+          <a:lstStyle/>
+          <a:p>
+            <a:r>
+              <a:rPr kumimoji="1" lang="ja-JP" altLang="en-US"/>
+              <a:t>暗号技術に対する影響</a:t>
+            </a:r>
+          </a:p>
+        </p:txBody>
+      </p:sp>
+      <mc:AlternateContent xmlns:mc="http://schemas.openxmlformats.org/markup-compatibility/2006">
+        <mc:Choice xmlns:a14="http://schemas.microsoft.com/office/drawing/2010/main" Requires="a14">
+          <p:graphicFrame>
+            <p:nvGraphicFramePr>
+              <p:cNvPr id="5" name="表 5">
+                <a:extLst>
+                  <a:ext uri="{FF2B5EF4-FFF2-40B4-BE49-F238E27FC236}">
+                    <a16:creationId xmlns:a16="http://schemas.microsoft.com/office/drawing/2014/main" id="{44DF7E9A-2E29-4F99-BD83-992B5AC5932B}"/>
+                  </a:ext>
+                </a:extLst>
+              </p:cNvPr>
+              <p:cNvGraphicFramePr>
+                <a:graphicFrameLocks noGrp="1"/>
+              </p:cNvGraphicFramePr>
+              <p:nvPr>
+                <p:extLst>
+                  <p:ext uri="{D42A27DB-BD31-4B8C-83A1-F6EECF244321}">
+                    <p14:modId xmlns:p14="http://schemas.microsoft.com/office/powerpoint/2010/main" val="558840894"/>
+                  </p:ext>
+                </p:extLst>
+              </p:nvPr>
+            </p:nvGraphicFramePr>
+            <p:xfrm>
+              <a:off x="611560" y="5549155"/>
+              <a:ext cx="7161530" cy="1192213"/>
+            </p:xfrm>
+            <a:graphic>
+              <a:graphicData uri="http://schemas.openxmlformats.org/drawingml/2006/table">
+                <a:tbl>
+                  <a:tblPr firstRow="1" bandRow="1">
+                    <a:tableStyleId>{5C22544A-7EE6-4342-B048-85BDC9FD1C3A}</a:tableStyleId>
+                  </a:tblPr>
+                  <a:tblGrid>
+                    <a:gridCol w="2284730">
+                      <a:extLst>
+                        <a:ext uri="{9D8B030D-6E8A-4147-A177-3AD203B41FA5}">
+                          <a16:colId xmlns:a16="http://schemas.microsoft.com/office/drawing/2014/main" val="3743061062"/>
+                        </a:ext>
+                      </a:extLst>
+                    </a:gridCol>
+                    <a:gridCol w="1219200">
+                      <a:extLst>
+                        <a:ext uri="{9D8B030D-6E8A-4147-A177-3AD203B41FA5}">
+                          <a16:colId xmlns:a16="http://schemas.microsoft.com/office/drawing/2014/main" val="3682289690"/>
+                        </a:ext>
+                      </a:extLst>
+                    </a:gridCol>
+                    <a:gridCol w="1219200">
+                      <a:extLst>
+                        <a:ext uri="{9D8B030D-6E8A-4147-A177-3AD203B41FA5}">
+                          <a16:colId xmlns:a16="http://schemas.microsoft.com/office/drawing/2014/main" val="2081698161"/>
+                        </a:ext>
+                      </a:extLst>
+                    </a:gridCol>
+                    <a:gridCol w="1219200">
+                      <a:extLst>
+                        <a:ext uri="{9D8B030D-6E8A-4147-A177-3AD203B41FA5}">
+                          <a16:colId xmlns:a16="http://schemas.microsoft.com/office/drawing/2014/main" val="1303934971"/>
+                        </a:ext>
+                      </a:extLst>
+                    </a:gridCol>
+                    <a:gridCol w="1219200">
+                      <a:extLst>
+                        <a:ext uri="{9D8B030D-6E8A-4147-A177-3AD203B41FA5}">
+                          <a16:colId xmlns:a16="http://schemas.microsoft.com/office/drawing/2014/main" val="3040286986"/>
+                        </a:ext>
+                      </a:extLst>
+                    </a:gridCol>
+                  </a:tblGrid>
+                  <a:tr h="370840">
+                    <a:tc>
+                      <a:txBody>
+                        <a:bodyPr/>
+                        <a:lstStyle/>
+                        <a:p>
+                          <a:r>
+                            <a:rPr kumimoji="1" lang="ja-JP" altLang="en-US" sz="2000"/>
+                            <a:t>ビット</a:t>
+                          </a:r>
+                        </a:p>
+                      </a:txBody>
+                      <a:tcPr/>
+                    </a:tc>
+                    <a:tc>
+                      <a:txBody>
+                        <a:bodyPr/>
+                        <a:lstStyle/>
+                        <a:p>
+                          <a:r>
+                            <a:rPr kumimoji="1" lang="en-US" altLang="ja-JP" sz="2000"/>
+                            <a:t>1024</a:t>
+                          </a:r>
+                          <a:endParaRPr kumimoji="1" lang="ja-JP" altLang="en-US" sz="2000"/>
+                        </a:p>
+                      </a:txBody>
+                      <a:tcPr/>
+                    </a:tc>
+                    <a:tc>
+                      <a:txBody>
+                        <a:bodyPr/>
+                        <a:lstStyle/>
+                        <a:p>
+                          <a:r>
+                            <a:rPr kumimoji="1" lang="en-US" altLang="ja-JP" sz="2000"/>
+                            <a:t>2048</a:t>
+                          </a:r>
+                          <a:endParaRPr kumimoji="1" lang="ja-JP" altLang="en-US" sz="2000"/>
+                        </a:p>
+                      </a:txBody>
+                      <a:tcPr/>
+                    </a:tc>
+                    <a:tc>
+                      <a:txBody>
+                        <a:bodyPr/>
+                        <a:lstStyle/>
+                        <a:p>
+                          <a:r>
+                            <a:rPr kumimoji="1" lang="en-US" altLang="ja-JP" sz="2000"/>
+                            <a:t>3072</a:t>
+                          </a:r>
+                          <a:endParaRPr kumimoji="1" lang="ja-JP" altLang="en-US" sz="2000"/>
+                        </a:p>
+                      </a:txBody>
+                      <a:tcPr/>
+                    </a:tc>
+                    <a:tc>
+                      <a:txBody>
+                        <a:bodyPr/>
+                        <a:lstStyle/>
+                        <a:p>
+                          <a:r>
+                            <a:rPr kumimoji="1" lang="en-US" altLang="ja-JP" sz="2000"/>
+                            <a:t>4096</a:t>
+                          </a:r>
+                          <a:endParaRPr kumimoji="1" lang="ja-JP" altLang="en-US" sz="2000"/>
+                        </a:p>
+                      </a:txBody>
+                      <a:tcPr/>
+                    </a:tc>
+                    <a:extLst>
+                      <a:ext uri="{0D108BD9-81ED-4DB2-BD59-A6C34878D82A}">
+                        <a16:rowId xmlns:a16="http://schemas.microsoft.com/office/drawing/2014/main" val="333295871"/>
+                      </a:ext>
+                    </a:extLst>
+                  </a:tr>
+                  <a:tr h="370840">
+                    <a:tc>
+                      <a:txBody>
+                        <a:bodyPr/>
+                        <a:lstStyle/>
+                        <a:p>
+                          <a:r>
+                            <a:rPr kumimoji="1" lang="ja-JP" altLang="en-US" sz="2000"/>
+                            <a:t>古典コンピュータ</a:t>
+                          </a:r>
+                        </a:p>
+                      </a:txBody>
+                      <a:tcPr/>
+                    </a:tc>
+                    <a:tc>
+                      <a:txBody>
+                        <a:bodyPr/>
+                        <a:lstStyle/>
+                        <a:p>
+                          <a14:m>
+                            <m:oMathPara xmlns:m="http://schemas.openxmlformats.org/officeDocument/2006/math">
+                              <m:oMathParaPr>
+                                <m:jc m:val="centerGroup"/>
+                              </m:oMathParaPr>
+                              <m:oMath xmlns:m="http://schemas.openxmlformats.org/officeDocument/2006/math">
+                                <m:sSup>
+                                  <m:sSupPr>
+                                    <m:ctrlPr>
+                                      <a:rPr kumimoji="1" lang="en-US" altLang="ja-JP" sz="2000" b="0" i="1" smtClean="0">
+                                        <a:latin typeface="Cambria Math" panose="02040503050406030204" pitchFamily="18" charset="0"/>
+                                      </a:rPr>
+                                    </m:ctrlPr>
+                                  </m:sSupPr>
+                                  <m:e>
+                                    <m:r>
+                                      <a:rPr kumimoji="1" lang="en-US" altLang="ja-JP" sz="2000" b="0" i="1" smtClean="0">
+                                        <a:latin typeface="Cambria Math" panose="02040503050406030204" pitchFamily="18" charset="0"/>
+                                      </a:rPr>
+                                      <m:t>2</m:t>
+                                    </m:r>
+                                  </m:e>
+                                  <m:sup>
+                                    <m:r>
+                                      <a:rPr kumimoji="1" lang="en-US" altLang="ja-JP" sz="2000" b="0" i="1" smtClean="0">
+                                        <a:latin typeface="Cambria Math" panose="02040503050406030204" pitchFamily="18" charset="0"/>
+                                      </a:rPr>
+                                      <m:t>86</m:t>
+                                    </m:r>
+                                  </m:sup>
+                                </m:sSup>
+                              </m:oMath>
+                            </m:oMathPara>
+                          </a14:m>
+                          <a:endParaRPr kumimoji="1" lang="ja-JP" altLang="en-US" sz="2000"/>
+                        </a:p>
+                      </a:txBody>
+                      <a:tcPr/>
+                    </a:tc>
+                    <a:tc>
+                      <a:txBody>
+                        <a:bodyPr/>
+                        <a:lstStyle/>
+                        <a:p>
+                          <a14:m>
+                            <m:oMathPara xmlns:m="http://schemas.openxmlformats.org/officeDocument/2006/math">
+                              <m:oMathParaPr>
+                                <m:jc m:val="centerGroup"/>
+                              </m:oMathParaPr>
+                              <m:oMath xmlns:m="http://schemas.openxmlformats.org/officeDocument/2006/math">
+                                <m:sSup>
+                                  <m:sSupPr>
+                                    <m:ctrlPr>
+                                      <a:rPr kumimoji="1" lang="en-US" altLang="ja-JP" sz="2000" b="0" i="1" smtClean="0">
+                                        <a:latin typeface="Cambria Math" panose="02040503050406030204" pitchFamily="18" charset="0"/>
+                                      </a:rPr>
+                                    </m:ctrlPr>
+                                  </m:sSupPr>
+                                  <m:e>
+                                    <m:r>
+                                      <a:rPr kumimoji="1" lang="en-US" altLang="ja-JP" sz="2000" b="0" i="1" smtClean="0">
+                                        <a:latin typeface="Cambria Math" panose="02040503050406030204" pitchFamily="18" charset="0"/>
+                                      </a:rPr>
+                                      <m:t>2</m:t>
+                                    </m:r>
+                                  </m:e>
+                                  <m:sup>
+                                    <m:r>
+                                      <a:rPr kumimoji="1" lang="en-US" altLang="ja-JP" sz="2000" b="0" i="1" smtClean="0">
+                                        <a:latin typeface="Cambria Math" panose="02040503050406030204" pitchFamily="18" charset="0"/>
+                                      </a:rPr>
+                                      <m:t>116</m:t>
+                                    </m:r>
+                                  </m:sup>
+                                </m:sSup>
+                              </m:oMath>
+                            </m:oMathPara>
+                          </a14:m>
+                          <a:endParaRPr kumimoji="1" lang="ja-JP" altLang="en-US" sz="2000"/>
+                        </a:p>
+                      </a:txBody>
+                      <a:tcPr/>
+                    </a:tc>
+                    <a:tc>
+                      <a:txBody>
+                        <a:bodyPr/>
+                        <a:lstStyle/>
+                        <a:p>
+                          <a14:m>
+                            <m:oMathPara xmlns:m="http://schemas.openxmlformats.org/officeDocument/2006/math">
+                              <m:oMathParaPr>
+                                <m:jc m:val="centerGroup"/>
+                              </m:oMathParaPr>
+                              <m:oMath xmlns:m="http://schemas.openxmlformats.org/officeDocument/2006/math">
+                                <m:sSup>
+                                  <m:sSupPr>
+                                    <m:ctrlPr>
+                                      <a:rPr kumimoji="1" lang="en-US" altLang="ja-JP" sz="2000" b="0" i="1" smtClean="0">
+                                        <a:latin typeface="Cambria Math" panose="02040503050406030204" pitchFamily="18" charset="0"/>
+                                      </a:rPr>
+                                    </m:ctrlPr>
+                                  </m:sSupPr>
+                                  <m:e>
+                                    <m:r>
+                                      <a:rPr kumimoji="1" lang="en-US" altLang="ja-JP" sz="2000" b="0" i="1" smtClean="0">
+                                        <a:latin typeface="Cambria Math" panose="02040503050406030204" pitchFamily="18" charset="0"/>
+                                      </a:rPr>
+                                      <m:t>2</m:t>
+                                    </m:r>
+                                  </m:e>
+                                  <m:sup>
+                                    <m:r>
+                                      <a:rPr kumimoji="1" lang="en-US" altLang="ja-JP" sz="2000" b="0" i="1" smtClean="0">
+                                        <a:latin typeface="Cambria Math" panose="02040503050406030204" pitchFamily="18" charset="0"/>
+                                      </a:rPr>
+                                      <m:t>138</m:t>
+                                    </m:r>
+                                  </m:sup>
+                                </m:sSup>
+                              </m:oMath>
+                            </m:oMathPara>
+                          </a14:m>
+                          <a:endParaRPr kumimoji="1" lang="ja-JP" altLang="en-US" sz="2000"/>
+                        </a:p>
+                      </a:txBody>
+                      <a:tcPr/>
+                    </a:tc>
+                    <a:tc>
+                      <a:txBody>
+                        <a:bodyPr/>
+                        <a:lstStyle/>
+                        <a:p>
+                          <a14:m>
+                            <m:oMathPara xmlns:m="http://schemas.openxmlformats.org/officeDocument/2006/math">
+                              <m:oMathParaPr>
+                                <m:jc m:val="centerGroup"/>
+                              </m:oMathParaPr>
+                              <m:oMath xmlns:m="http://schemas.openxmlformats.org/officeDocument/2006/math">
+                                <m:sSup>
+                                  <m:sSupPr>
+                                    <m:ctrlPr>
+                                      <a:rPr kumimoji="1" lang="en-US" altLang="ja-JP" sz="2000" b="0" i="1" smtClean="0">
+                                        <a:latin typeface="Cambria Math" panose="02040503050406030204" pitchFamily="18" charset="0"/>
+                                      </a:rPr>
+                                    </m:ctrlPr>
+                                  </m:sSupPr>
+                                  <m:e>
+                                    <m:r>
+                                      <a:rPr kumimoji="1" lang="en-US" altLang="ja-JP" sz="2000" b="0" i="1" smtClean="0">
+                                        <a:latin typeface="Cambria Math" panose="02040503050406030204" pitchFamily="18" charset="0"/>
+                                      </a:rPr>
+                                      <m:t>2</m:t>
+                                    </m:r>
+                                  </m:e>
+                                  <m:sup>
+                                    <m:r>
+                                      <a:rPr kumimoji="1" lang="en-US" altLang="ja-JP" sz="2000" b="0" i="1" smtClean="0">
+                                        <a:latin typeface="Cambria Math" panose="02040503050406030204" pitchFamily="18" charset="0"/>
+                                      </a:rPr>
+                                      <m:t>156</m:t>
+                                    </m:r>
+                                  </m:sup>
+                                </m:sSup>
+                              </m:oMath>
+                            </m:oMathPara>
+                          </a14:m>
+                          <a:endParaRPr kumimoji="1" lang="ja-JP" altLang="en-US" sz="2000"/>
+                        </a:p>
+                      </a:txBody>
+                      <a:tcPr/>
+                    </a:tc>
+                    <a:extLst>
+                      <a:ext uri="{0D108BD9-81ED-4DB2-BD59-A6C34878D82A}">
+                        <a16:rowId xmlns:a16="http://schemas.microsoft.com/office/drawing/2014/main" val="4100913098"/>
+                      </a:ext>
+                    </a:extLst>
+                  </a:tr>
+                  <a:tr h="370840">
+                    <a:tc>
+                      <a:txBody>
+                        <a:bodyPr/>
+                        <a:lstStyle/>
+                        <a:p>
+                          <a:r>
+                            <a:rPr kumimoji="1" lang="ja-JP" altLang="en-US" sz="2000"/>
+                            <a:t>量子コンピュータ</a:t>
+                          </a:r>
+                        </a:p>
+                      </a:txBody>
+                      <a:tcPr/>
+                    </a:tc>
+                    <a:tc>
+                      <a:txBody>
+                        <a:bodyPr/>
+                        <a:lstStyle/>
+                        <a:p>
+                          <a14:m>
+                            <m:oMathPara xmlns:m="http://schemas.openxmlformats.org/officeDocument/2006/math">
+                              <m:oMathParaPr>
+                                <m:jc m:val="centerGroup"/>
+                              </m:oMathParaPr>
+                              <m:oMath xmlns:m="http://schemas.openxmlformats.org/officeDocument/2006/math">
+                                <m:sSup>
+                                  <m:sSupPr>
+                                    <m:ctrlPr>
+                                      <a:rPr kumimoji="1" lang="en-US" altLang="ja-JP" sz="2000" b="0" i="1" smtClean="0">
+                                        <a:latin typeface="Cambria Math" panose="02040503050406030204" pitchFamily="18" charset="0"/>
+                                      </a:rPr>
+                                    </m:ctrlPr>
+                                  </m:sSupPr>
+                                  <m:e>
+                                    <m:r>
+                                      <a:rPr kumimoji="1" lang="en-US" altLang="ja-JP" sz="2000" b="0" i="1" smtClean="0">
+                                        <a:latin typeface="Cambria Math" panose="02040503050406030204" pitchFamily="18" charset="0"/>
+                                      </a:rPr>
+                                      <m:t>2</m:t>
+                                    </m:r>
+                                  </m:e>
+                                  <m:sup>
+                                    <m:r>
+                                      <a:rPr kumimoji="1" lang="en-US" altLang="ja-JP" sz="2000" b="0" i="1" smtClean="0">
+                                        <a:latin typeface="Cambria Math" panose="02040503050406030204" pitchFamily="18" charset="0"/>
+                                      </a:rPr>
+                                      <m:t>30</m:t>
+                                    </m:r>
+                                  </m:sup>
+                                </m:sSup>
+                              </m:oMath>
+                            </m:oMathPara>
+                          </a14:m>
+                          <a:endParaRPr kumimoji="1" lang="ja-JP" altLang="en-US" sz="2000"/>
+                        </a:p>
+                      </a:txBody>
+                      <a:tcPr/>
+                    </a:tc>
+                    <a:tc>
+                      <a:txBody>
+                        <a:bodyPr/>
+                        <a:lstStyle/>
+                        <a:p>
+                          <a14:m>
+                            <m:oMathPara xmlns:m="http://schemas.openxmlformats.org/officeDocument/2006/math">
+                              <m:oMathParaPr>
+                                <m:jc m:val="centerGroup"/>
+                              </m:oMathParaPr>
+                              <m:oMath xmlns:m="http://schemas.openxmlformats.org/officeDocument/2006/math">
+                                <m:sSup>
+                                  <m:sSupPr>
+                                    <m:ctrlPr>
+                                      <a:rPr kumimoji="1" lang="en-US" altLang="ja-JP" sz="2000" b="0" i="1" smtClean="0">
+                                        <a:latin typeface="Cambria Math" panose="02040503050406030204" pitchFamily="18" charset="0"/>
+                                      </a:rPr>
+                                    </m:ctrlPr>
+                                  </m:sSupPr>
+                                  <m:e>
+                                    <m:r>
+                                      <a:rPr kumimoji="1" lang="en-US" altLang="ja-JP" sz="2000" b="0" i="1" smtClean="0">
+                                        <a:latin typeface="Cambria Math" panose="02040503050406030204" pitchFamily="18" charset="0"/>
+                                      </a:rPr>
+                                      <m:t>2</m:t>
+                                    </m:r>
+                                  </m:e>
+                                  <m:sup>
+                                    <m:r>
+                                      <a:rPr kumimoji="1" lang="en-US" altLang="ja-JP" sz="2000" b="0" i="1" smtClean="0">
+                                        <a:latin typeface="Cambria Math" panose="02040503050406030204" pitchFamily="18" charset="0"/>
+                                      </a:rPr>
+                                      <m:t>33</m:t>
+                                    </m:r>
+                                  </m:sup>
+                                </m:sSup>
+                              </m:oMath>
+                            </m:oMathPara>
+                          </a14:m>
+                          <a:endParaRPr kumimoji="1" lang="ja-JP" altLang="en-US" sz="2000"/>
+                        </a:p>
+                      </a:txBody>
+                      <a:tcPr/>
+                    </a:tc>
+                    <a:tc>
+                      <a:txBody>
+                        <a:bodyPr/>
+                        <a:lstStyle/>
+                        <a:p>
+                          <a14:m>
+                            <m:oMathPara xmlns:m="http://schemas.openxmlformats.org/officeDocument/2006/math">
+                              <m:oMathParaPr>
+                                <m:jc m:val="centerGroup"/>
+                              </m:oMathParaPr>
+                              <m:oMath xmlns:m="http://schemas.openxmlformats.org/officeDocument/2006/math">
+                                <m:sSup>
+                                  <m:sSupPr>
+                                    <m:ctrlPr>
+                                      <a:rPr kumimoji="1" lang="en-US" altLang="ja-JP" sz="2000" b="0" i="1" smtClean="0">
+                                        <a:latin typeface="Cambria Math" panose="02040503050406030204" pitchFamily="18" charset="0"/>
+                                      </a:rPr>
+                                    </m:ctrlPr>
+                                  </m:sSupPr>
+                                  <m:e>
+                                    <m:r>
+                                      <a:rPr kumimoji="1" lang="en-US" altLang="ja-JP" sz="2000" b="0" i="1" smtClean="0">
+                                        <a:latin typeface="Cambria Math" panose="02040503050406030204" pitchFamily="18" charset="0"/>
+                                      </a:rPr>
+                                      <m:t>2</m:t>
+                                    </m:r>
+                                  </m:e>
+                                  <m:sup>
+                                    <m:r>
+                                      <a:rPr kumimoji="1" lang="en-US" altLang="ja-JP" sz="2000" b="0" i="1" smtClean="0">
+                                        <a:latin typeface="Cambria Math" panose="02040503050406030204" pitchFamily="18" charset="0"/>
+                                      </a:rPr>
+                                      <m:t>34</m:t>
+                                    </m:r>
+                                  </m:sup>
+                                </m:sSup>
+                              </m:oMath>
+                            </m:oMathPara>
+                          </a14:m>
+                          <a:endParaRPr kumimoji="1" lang="ja-JP" altLang="en-US" sz="2000"/>
+                        </a:p>
+                      </a:txBody>
+                      <a:tcPr/>
+                    </a:tc>
+                    <a:tc>
+                      <a:txBody>
+                        <a:bodyPr/>
+                        <a:lstStyle/>
+                        <a:p>
+                          <a14:m>
+                            <m:oMathPara xmlns:m="http://schemas.openxmlformats.org/officeDocument/2006/math">
+                              <m:oMathParaPr>
+                                <m:jc m:val="centerGroup"/>
+                              </m:oMathParaPr>
+                              <m:oMath xmlns:m="http://schemas.openxmlformats.org/officeDocument/2006/math">
+                                <m:sSup>
+                                  <m:sSupPr>
+                                    <m:ctrlPr>
+                                      <a:rPr kumimoji="1" lang="en-US" altLang="ja-JP" sz="2000" b="0" i="1" smtClean="0">
+                                        <a:latin typeface="Cambria Math" panose="02040503050406030204" pitchFamily="18" charset="0"/>
+                                      </a:rPr>
+                                    </m:ctrlPr>
+                                  </m:sSupPr>
+                                  <m:e>
+                                    <m:r>
+                                      <a:rPr kumimoji="1" lang="en-US" altLang="ja-JP" sz="2000" b="0" i="1" smtClean="0">
+                                        <a:latin typeface="Cambria Math" panose="02040503050406030204" pitchFamily="18" charset="0"/>
+                                      </a:rPr>
+                                      <m:t>2</m:t>
+                                    </m:r>
+                                  </m:e>
+                                  <m:sup>
+                                    <m:r>
+                                      <a:rPr kumimoji="1" lang="en-US" altLang="ja-JP" sz="2000" b="0" i="1" smtClean="0">
+                                        <a:latin typeface="Cambria Math" panose="02040503050406030204" pitchFamily="18" charset="0"/>
+                                      </a:rPr>
+                                      <m:t>36</m:t>
+                                    </m:r>
+                                  </m:sup>
+                                </m:sSup>
+                              </m:oMath>
+                            </m:oMathPara>
+                          </a14:m>
+                          <a:endParaRPr kumimoji="1" lang="ja-JP" altLang="en-US" sz="2000"/>
+                        </a:p>
+                      </a:txBody>
+                      <a:tcPr/>
+                    </a:tc>
+                    <a:extLst>
+                      <a:ext uri="{0D108BD9-81ED-4DB2-BD59-A6C34878D82A}">
+                        <a16:rowId xmlns:a16="http://schemas.microsoft.com/office/drawing/2014/main" val="1303356333"/>
+                      </a:ext>
+                    </a:extLst>
+                  </a:tr>
+                </a:tbl>
+              </a:graphicData>
+            </a:graphic>
+          </p:graphicFrame>
+        </mc:Choice>
+        <mc:Fallback>
+          <p:graphicFrame>
+            <p:nvGraphicFramePr>
+              <p:cNvPr id="5" name="表 5">
+                <a:extLst>
+                  <a:ext uri="{FF2B5EF4-FFF2-40B4-BE49-F238E27FC236}">
+                    <a16:creationId xmlns:a16="http://schemas.microsoft.com/office/drawing/2014/main" id="{44DF7E9A-2E29-4F99-BD83-992B5AC5932B}"/>
+                  </a:ext>
+                </a:extLst>
+              </p:cNvPr>
+              <p:cNvGraphicFramePr>
+                <a:graphicFrameLocks noGrp="1"/>
+              </p:cNvGraphicFramePr>
+              <p:nvPr>
+                <p:extLst>
+                  <p:ext uri="{D42A27DB-BD31-4B8C-83A1-F6EECF244321}">
+                    <p14:modId xmlns:p14="http://schemas.microsoft.com/office/powerpoint/2010/main" val="558840894"/>
+                  </p:ext>
+                </p:extLst>
+              </p:nvPr>
+            </p:nvGraphicFramePr>
+            <p:xfrm>
+              <a:off x="611560" y="5549155"/>
+              <a:ext cx="7161530" cy="1192213"/>
+            </p:xfrm>
+            <a:graphic>
+              <a:graphicData uri="http://schemas.openxmlformats.org/drawingml/2006/table">
+                <a:tbl>
+                  <a:tblPr firstRow="1" bandRow="1">
+                    <a:tableStyleId>{5C22544A-7EE6-4342-B048-85BDC9FD1C3A}</a:tableStyleId>
+                  </a:tblPr>
+                  <a:tblGrid>
+                    <a:gridCol w="2284730">
+                      <a:extLst>
+                        <a:ext uri="{9D8B030D-6E8A-4147-A177-3AD203B41FA5}">
+                          <a16:colId xmlns:a16="http://schemas.microsoft.com/office/drawing/2014/main" val="3743061062"/>
+                        </a:ext>
+                      </a:extLst>
+                    </a:gridCol>
+                    <a:gridCol w="1219200">
+                      <a:extLst>
+                        <a:ext uri="{9D8B030D-6E8A-4147-A177-3AD203B41FA5}">
+                          <a16:colId xmlns:a16="http://schemas.microsoft.com/office/drawing/2014/main" val="3682289690"/>
+                        </a:ext>
+                      </a:extLst>
+                    </a:gridCol>
+                    <a:gridCol w="1219200">
+                      <a:extLst>
+                        <a:ext uri="{9D8B030D-6E8A-4147-A177-3AD203B41FA5}">
+                          <a16:colId xmlns:a16="http://schemas.microsoft.com/office/drawing/2014/main" val="2081698161"/>
+                        </a:ext>
+                      </a:extLst>
+                    </a:gridCol>
+                    <a:gridCol w="1219200">
+                      <a:extLst>
+                        <a:ext uri="{9D8B030D-6E8A-4147-A177-3AD203B41FA5}">
+                          <a16:colId xmlns:a16="http://schemas.microsoft.com/office/drawing/2014/main" val="1303934971"/>
+                        </a:ext>
+                      </a:extLst>
+                    </a:gridCol>
+                    <a:gridCol w="1219200">
+                      <a:extLst>
+                        <a:ext uri="{9D8B030D-6E8A-4147-A177-3AD203B41FA5}">
+                          <a16:colId xmlns:a16="http://schemas.microsoft.com/office/drawing/2014/main" val="3040286986"/>
+                        </a:ext>
+                      </a:extLst>
+                    </a:gridCol>
+                  </a:tblGrid>
+                  <a:tr h="396240">
+                    <a:tc>
+                      <a:txBody>
+                        <a:bodyPr/>
+                        <a:lstStyle/>
+                        <a:p>
+                          <a:r>
+                            <a:rPr kumimoji="1" lang="ja-JP" altLang="en-US" sz="2000"/>
+                            <a:t>ビット</a:t>
+                          </a:r>
+                        </a:p>
+                      </a:txBody>
+                      <a:tcPr/>
+                    </a:tc>
+                    <a:tc>
+                      <a:txBody>
+                        <a:bodyPr/>
+                        <a:lstStyle/>
+                        <a:p>
+                          <a:r>
+                            <a:rPr kumimoji="1" lang="en-US" altLang="ja-JP" sz="2000"/>
+                            <a:t>1024</a:t>
+                          </a:r>
+                          <a:endParaRPr kumimoji="1" lang="ja-JP" altLang="en-US" sz="2000"/>
+                        </a:p>
+                      </a:txBody>
+                      <a:tcPr/>
+                    </a:tc>
+                    <a:tc>
+                      <a:txBody>
+                        <a:bodyPr/>
+                        <a:lstStyle/>
+                        <a:p>
+                          <a:r>
+                            <a:rPr kumimoji="1" lang="en-US" altLang="ja-JP" sz="2000"/>
+                            <a:t>2048</a:t>
+                          </a:r>
+                          <a:endParaRPr kumimoji="1" lang="ja-JP" altLang="en-US" sz="2000"/>
+                        </a:p>
+                      </a:txBody>
+                      <a:tcPr/>
+                    </a:tc>
+                    <a:tc>
+                      <a:txBody>
+                        <a:bodyPr/>
+                        <a:lstStyle/>
+                        <a:p>
+                          <a:r>
+                            <a:rPr kumimoji="1" lang="en-US" altLang="ja-JP" sz="2000"/>
+                            <a:t>3072</a:t>
+                          </a:r>
+                          <a:endParaRPr kumimoji="1" lang="ja-JP" altLang="en-US" sz="2000"/>
+                        </a:p>
+                      </a:txBody>
+                      <a:tcPr/>
+                    </a:tc>
+                    <a:tc>
+                      <a:txBody>
+                        <a:bodyPr/>
+                        <a:lstStyle/>
+                        <a:p>
+                          <a:r>
+                            <a:rPr kumimoji="1" lang="en-US" altLang="ja-JP" sz="2000"/>
+                            <a:t>4096</a:t>
+                          </a:r>
+                          <a:endParaRPr kumimoji="1" lang="ja-JP" altLang="en-US" sz="2000"/>
+                        </a:p>
+                      </a:txBody>
+                      <a:tcPr/>
+                    </a:tc>
+                    <a:extLst>
+                      <a:ext uri="{0D108BD9-81ED-4DB2-BD59-A6C34878D82A}">
+                        <a16:rowId xmlns:a16="http://schemas.microsoft.com/office/drawing/2014/main" val="333295871"/>
+                      </a:ext>
+                    </a:extLst>
+                  </a:tr>
+                  <a:tr h="399733">
+                    <a:tc>
+                      <a:txBody>
+                        <a:bodyPr/>
+                        <a:lstStyle/>
+                        <a:p>
+                          <a:r>
+                            <a:rPr kumimoji="1" lang="ja-JP" altLang="en-US" sz="2000"/>
+                            <a:t>古典コンピュータ</a:t>
+                          </a:r>
+                        </a:p>
+                      </a:txBody>
+                      <a:tcPr/>
+                    </a:tc>
+                    <a:tc>
+                      <a:txBody>
+                        <a:bodyPr/>
+                        <a:lstStyle/>
+                        <a:p>
+                          <a:endParaRPr lang="ja-JP"/>
+                        </a:p>
+                      </a:txBody>
+                      <a:tcPr>
+                        <a:blipFill>
+                          <a:blip r:embed="rId3"/>
+                          <a:stretch>
+                            <a:fillRect l="-188000" t="-104545" r="-302500" b="-127273"/>
+                          </a:stretch>
+                        </a:blipFill>
+                      </a:tcPr>
+                    </a:tc>
+                    <a:tc>
+                      <a:txBody>
+                        <a:bodyPr/>
+                        <a:lstStyle/>
+                        <a:p>
+                          <a:endParaRPr lang="ja-JP"/>
+                        </a:p>
+                      </a:txBody>
+                      <a:tcPr>
+                        <a:blipFill>
+                          <a:blip r:embed="rId3"/>
+                          <a:stretch>
+                            <a:fillRect l="-286567" t="-104545" r="-200995" b="-127273"/>
+                          </a:stretch>
+                        </a:blipFill>
+                      </a:tcPr>
+                    </a:tc>
+                    <a:tc>
+                      <a:txBody>
+                        <a:bodyPr/>
+                        <a:lstStyle/>
+                        <a:p>
+                          <a:endParaRPr lang="ja-JP"/>
+                        </a:p>
+                      </a:txBody>
+                      <a:tcPr>
+                        <a:blipFill>
+                          <a:blip r:embed="rId3"/>
+                          <a:stretch>
+                            <a:fillRect l="-388500" t="-104545" r="-102000" b="-127273"/>
+                          </a:stretch>
+                        </a:blipFill>
+                      </a:tcPr>
+                    </a:tc>
+                    <a:tc>
+                      <a:txBody>
+                        <a:bodyPr/>
+                        <a:lstStyle/>
+                        <a:p>
+                          <a:endParaRPr lang="ja-JP"/>
+                        </a:p>
+                      </a:txBody>
+                      <a:tcPr>
+                        <a:blipFill>
+                          <a:blip r:embed="rId3"/>
+                          <a:stretch>
+                            <a:fillRect l="-488500" t="-104545" r="-2000" b="-127273"/>
+                          </a:stretch>
+                        </a:blipFill>
+                      </a:tcPr>
+                    </a:tc>
+                    <a:extLst>
+                      <a:ext uri="{0D108BD9-81ED-4DB2-BD59-A6C34878D82A}">
+                        <a16:rowId xmlns:a16="http://schemas.microsoft.com/office/drawing/2014/main" val="4100913098"/>
+                      </a:ext>
+                    </a:extLst>
+                  </a:tr>
+                  <a:tr h="396240">
+                    <a:tc>
+                      <a:txBody>
+                        <a:bodyPr/>
+                        <a:lstStyle/>
+                        <a:p>
+                          <a:r>
+                            <a:rPr kumimoji="1" lang="ja-JP" altLang="en-US" sz="2000"/>
+                            <a:t>量子コンピュータ</a:t>
+                          </a:r>
+                        </a:p>
+                      </a:txBody>
+                      <a:tcPr/>
+                    </a:tc>
+                    <a:tc>
+                      <a:txBody>
+                        <a:bodyPr/>
+                        <a:lstStyle/>
+                        <a:p>
+                          <a:endParaRPr lang="ja-JP"/>
+                        </a:p>
+                      </a:txBody>
+                      <a:tcPr>
+                        <a:blipFill>
+                          <a:blip r:embed="rId3"/>
+                          <a:stretch>
+                            <a:fillRect l="-188000" t="-207692" r="-302500" b="-29231"/>
+                          </a:stretch>
+                        </a:blipFill>
+                      </a:tcPr>
+                    </a:tc>
+                    <a:tc>
+                      <a:txBody>
+                        <a:bodyPr/>
+                        <a:lstStyle/>
+                        <a:p>
+                          <a:endParaRPr lang="ja-JP"/>
+                        </a:p>
+                      </a:txBody>
+                      <a:tcPr>
+                        <a:blipFill>
+                          <a:blip r:embed="rId3"/>
+                          <a:stretch>
+                            <a:fillRect l="-286567" t="-207692" r="-200995" b="-29231"/>
+                          </a:stretch>
+                        </a:blipFill>
+                      </a:tcPr>
+                    </a:tc>
+                    <a:tc>
+                      <a:txBody>
+                        <a:bodyPr/>
+                        <a:lstStyle/>
+                        <a:p>
+                          <a:endParaRPr lang="ja-JP"/>
+                        </a:p>
+                      </a:txBody>
+                      <a:tcPr>
+                        <a:blipFill>
+                          <a:blip r:embed="rId3"/>
+                          <a:stretch>
+                            <a:fillRect l="-388500" t="-207692" r="-102000" b="-29231"/>
+                          </a:stretch>
+                        </a:blipFill>
+                      </a:tcPr>
+                    </a:tc>
+                    <a:tc>
+                      <a:txBody>
+                        <a:bodyPr/>
+                        <a:lstStyle/>
+                        <a:p>
+                          <a:endParaRPr lang="ja-JP"/>
+                        </a:p>
+                      </a:txBody>
+                      <a:tcPr>
+                        <a:blipFill>
+                          <a:blip r:embed="rId3"/>
+                          <a:stretch>
+                            <a:fillRect l="-488500" t="-207692" r="-2000" b="-29231"/>
+                          </a:stretch>
+                        </a:blipFill>
+                      </a:tcPr>
+                    </a:tc>
+                    <a:extLst>
+                      <a:ext uri="{0D108BD9-81ED-4DB2-BD59-A6C34878D82A}">
+                        <a16:rowId xmlns:a16="http://schemas.microsoft.com/office/drawing/2014/main" val="1303356333"/>
+                      </a:ext>
+                    </a:extLst>
+                  </a:tr>
+                </a:tbl>
+              </a:graphicData>
+            </a:graphic>
+          </p:graphicFrame>
+        </mc:Fallback>
+      </mc:AlternateContent>
+    </p:spTree>
+    <p:extLst>
+      <p:ext uri="{BB962C8B-B14F-4D97-AF65-F5344CB8AC3E}">
+        <p14:creationId xmlns:p14="http://schemas.microsoft.com/office/powerpoint/2010/main" val="1864969149"/>
+      </p:ext>
+    </p:extLst>
+  </p:cSld>
+  <p:clrMapOvr>
+    <a:masterClrMapping/>
+  </p:clrMapOvr>
+</p:sld>
+</file>
+
+<file path=ppt/slides/slide37.xml><?xml version="1.0" encoding="utf-8"?>
+<p:sld xmlns:a="http://schemas.openxmlformats.org/drawingml/2006/main" xmlns:r="http://schemas.openxmlformats.org/officeDocument/2006/relationships" xmlns:p="http://schemas.openxmlformats.org/presentationml/2006/main">
+  <p:cSld>
+    <p:spTree>
+      <p:nvGrpSpPr>
+        <p:cNvPr id="1" name=""/>
+        <p:cNvGrpSpPr/>
+        <p:nvPr/>
+      </p:nvGrpSpPr>
+      <p:grpSpPr>
+        <a:xfrm>
+          <a:off x="0" y="0"/>
+          <a:ext cx="0" cy="0"/>
+          <a:chOff x="0" y="0"/>
+          <a:chExt cx="0" cy="0"/>
+        </a:xfrm>
+      </p:grpSpPr>
+      <mc:AlternateContent xmlns:mc="http://schemas.openxmlformats.org/markup-compatibility/2006">
+        <mc:Choice xmlns:a14="http://schemas.microsoft.com/office/drawing/2010/main" Requires="a14">
+          <p:sp>
+            <p:nvSpPr>
+              <p:cNvPr id="2" name="コンテンツ プレースホルダー 1">
+                <a:extLst>
+                  <a:ext uri="{FF2B5EF4-FFF2-40B4-BE49-F238E27FC236}">
+                    <a16:creationId xmlns:a16="http://schemas.microsoft.com/office/drawing/2014/main" id="{C1F9AB16-6876-43EE-B824-D92159FCDD1E}"/>
+                  </a:ext>
+                </a:extLst>
+              </p:cNvPr>
+              <p:cNvSpPr>
+                <a:spLocks noGrp="1"/>
+              </p:cNvSpPr>
+              <p:nvPr>
+                <p:ph idx="1"/>
+              </p:nvPr>
+            </p:nvSpPr>
+            <p:spPr/>
+            <p:txBody>
+              <a:bodyPr/>
+              <a:lstStyle/>
+              <a:p>
+                <a:r>
+                  <a:rPr kumimoji="1" lang="en-US" altLang="ja-JP"/>
+                  <a:t>2048bit</a:t>
+                </a:r>
+                <a:r>
+                  <a:rPr kumimoji="1" lang="ja-JP" altLang="en-US"/>
+                  <a:t>の</a:t>
+                </a:r>
+                <a:r>
+                  <a:rPr kumimoji="1" lang="en-US" altLang="ja-JP"/>
+                  <a:t>RSA</a:t>
+                </a:r>
+                <a:r>
+                  <a:rPr kumimoji="1" lang="ja-JP" altLang="en-US"/>
+                  <a:t>を破るには最低</a:t>
+                </a:r>
+                <a:r>
+                  <a:rPr kumimoji="1" lang="en-US" altLang="ja-JP"/>
+                  <a:t>4096 qbit</a:t>
+                </a:r>
+                <a:r>
+                  <a:rPr kumimoji="1" lang="ja-JP" altLang="en-US"/>
+                  <a:t>必要</a:t>
+                </a:r>
+                <a:endParaRPr kumimoji="1" lang="en-US" altLang="ja-JP"/>
+              </a:p>
+              <a:p>
+                <a:pPr lvl="1"/>
+                <a:r>
+                  <a:rPr kumimoji="1" lang="ja-JP" altLang="en-US"/>
+                  <a:t>たくさんの量子ゲートを長時間正しく動作させるのは困難</a:t>
+                </a:r>
+                <a:endParaRPr kumimoji="1" lang="en-US" altLang="ja-JP"/>
+              </a:p>
+              <a:p>
+                <a:pPr lvl="1"/>
+                <a:r>
+                  <a:rPr kumimoji="1" lang="ja-JP" altLang="en-US"/>
+                  <a:t>エラー訂正用に多くの量子ゲートが必要</a:t>
+                </a:r>
+                <a:endParaRPr kumimoji="1" lang="en-US" altLang="ja-JP"/>
+              </a:p>
+              <a:p>
+                <a:pPr lvl="1"/>
+                <a:r>
+                  <a:rPr kumimoji="1" lang="ja-JP" altLang="en-US"/>
+                  <a:t>数千万</a:t>
+                </a:r>
+                <a:r>
+                  <a:rPr kumimoji="1" lang="en-US" altLang="ja-JP"/>
+                  <a:t>qbit</a:t>
+                </a:r>
+                <a:r>
+                  <a:rPr kumimoji="1" lang="ja-JP" altLang="en-US"/>
+                  <a:t>必要という見積もり</a:t>
+                </a:r>
+                <a:endParaRPr kumimoji="1" lang="en-US" altLang="ja-JP"/>
+              </a:p>
+              <a:p>
+                <a:r>
+                  <a:rPr kumimoji="1" lang="en-US" altLang="ja-JP"/>
+                  <a:t>2020</a:t>
+                </a:r>
+                <a:r>
+                  <a:rPr kumimoji="1" lang="ja-JP" altLang="en-US"/>
+                  <a:t>年で</a:t>
+                </a:r>
+                <a:r>
+                  <a:rPr lang="en-US" altLang="ja-JP"/>
+                  <a:t>Honeywell</a:t>
+                </a:r>
+                <a:r>
+                  <a:rPr lang="ja-JP" altLang="en-US"/>
+                  <a:t> </a:t>
+                </a:r>
+                <a:r>
+                  <a:rPr lang="en-US" altLang="ja-JP"/>
+                  <a:t>128bit, 2021</a:t>
+                </a:r>
+                <a:r>
+                  <a:rPr lang="ja-JP" altLang="en-US"/>
+                  <a:t>年</a:t>
+                </a:r>
+                <a:r>
+                  <a:rPr lang="en-US" altLang="ja-JP"/>
+                  <a:t>IBM 127qbit</a:t>
+                </a:r>
+              </a:p>
+              <a:p>
+                <a:r>
+                  <a:rPr lang="en-US" altLang="ja-JP"/>
+                  <a:t>NICT</a:t>
+                </a:r>
+                <a:r>
+                  <a:rPr lang="ja-JP" altLang="en-US"/>
+                  <a:t>「量子コンピュータ実機を用いた離散対数問題の求解実験に成功」</a:t>
+                </a:r>
+                <a:r>
+                  <a:rPr lang="en-US" altLang="ja-JP"/>
+                  <a:t>(2020/12/9)</a:t>
+                </a:r>
+              </a:p>
+              <a:p>
+                <a:pPr lvl="1"/>
+                <a:r>
+                  <a:rPr kumimoji="1" lang="en-US" altLang="ja-JP">
+                    <a:hlinkClick r:id="rId2"/>
+                  </a:rPr>
+                  <a:t>https://www.nict.go.jp/press/2020/12/09-1.html</a:t>
+                </a:r>
+                <a:endParaRPr kumimoji="1" lang="en-US" altLang="ja-JP"/>
+              </a:p>
+              <a:p>
+                <a:pPr lvl="1"/>
+                <a:r>
+                  <a:rPr kumimoji="1" lang="ja-JP" altLang="en-US"/>
+                  <a:t>解いた問題は「</a:t>
+                </a:r>
+                <a14:m>
+                  <m:oMath xmlns:m="http://schemas.openxmlformats.org/officeDocument/2006/math">
+                    <m:sSup>
+                      <m:sSupPr>
+                        <m:ctrlPr>
+                          <a:rPr kumimoji="1" lang="en-US" altLang="ja-JP" b="0" i="1" smtClean="0">
+                            <a:latin typeface="Cambria Math" panose="02040503050406030204" pitchFamily="18" charset="0"/>
+                          </a:rPr>
+                        </m:ctrlPr>
+                      </m:sSupPr>
+                      <m:e>
+                        <m:r>
+                          <a:rPr kumimoji="1" lang="en-US" altLang="ja-JP" b="0" i="1" smtClean="0">
+                            <a:latin typeface="Cambria Math" panose="02040503050406030204" pitchFamily="18" charset="0"/>
+                          </a:rPr>
+                          <m:t>2</m:t>
+                        </m:r>
+                      </m:e>
+                      <m:sup>
+                        <m:r>
+                          <a:rPr kumimoji="1" lang="en-US" altLang="ja-JP" b="0" i="1" smtClean="0">
+                            <a:latin typeface="Cambria Math" panose="02040503050406030204" pitchFamily="18" charset="0"/>
+                          </a:rPr>
+                          <m:t>𝑥</m:t>
+                        </m:r>
+                      </m:sup>
+                    </m:sSup>
+                    <m:r>
+                      <a:rPr kumimoji="1" lang="en-US" altLang="ja-JP" b="0" i="1" smtClean="0">
+                        <a:latin typeface="Cambria Math" panose="02040503050406030204" pitchFamily="18" charset="0"/>
+                      </a:rPr>
+                      <m:t>≡1(</m:t>
+                    </m:r>
+                    <m:r>
+                      <a:rPr kumimoji="1" lang="en-US" altLang="ja-JP" b="0" i="1" smtClean="0">
+                        <a:latin typeface="Cambria Math" panose="02040503050406030204" pitchFamily="18" charset="0"/>
+                      </a:rPr>
+                      <m:t>𝑚𝑜𝑑</m:t>
+                    </m:r>
+                    <m:r>
+                      <a:rPr kumimoji="1" lang="en-US" altLang="ja-JP" b="0" i="1" smtClean="0">
+                        <a:latin typeface="Cambria Math" panose="02040503050406030204" pitchFamily="18" charset="0"/>
+                      </a:rPr>
+                      <m:t> 3)</m:t>
+                    </m:r>
+                  </m:oMath>
+                </a14:m>
+                <a:r>
+                  <a:rPr kumimoji="1" lang="ja-JP" altLang="en-US"/>
+                  <a:t>」</a:t>
+                </a:r>
+                <a:endParaRPr kumimoji="1" lang="en-US" altLang="ja-JP"/>
+              </a:p>
+              <a:p>
+                <a:pPr lvl="1"/>
+                <a:r>
+                  <a:rPr kumimoji="1" lang="ja-JP" altLang="en-US"/>
+                  <a:t>「</a:t>
+                </a:r>
+                <a14:m>
+                  <m:oMath xmlns:m="http://schemas.openxmlformats.org/officeDocument/2006/math">
+                    <m:sSup>
+                      <m:sSupPr>
+                        <m:ctrlPr>
+                          <a:rPr kumimoji="1" lang="en-US" altLang="ja-JP" b="0" i="1" smtClean="0">
+                            <a:latin typeface="Cambria Math" panose="02040503050406030204" pitchFamily="18" charset="0"/>
+                          </a:rPr>
+                        </m:ctrlPr>
+                      </m:sSupPr>
+                      <m:e>
+                        <m:r>
+                          <a:rPr kumimoji="1" lang="en-US" altLang="ja-JP" b="0" i="1" smtClean="0">
+                            <a:latin typeface="Cambria Math" panose="02040503050406030204" pitchFamily="18" charset="0"/>
+                          </a:rPr>
+                          <m:t>2</m:t>
+                        </m:r>
+                      </m:e>
+                      <m:sup>
+                        <m:r>
+                          <a:rPr kumimoji="1" lang="en-US" altLang="ja-JP" b="0" i="1" smtClean="0">
+                            <a:latin typeface="Cambria Math" panose="02040503050406030204" pitchFamily="18" charset="0"/>
+                          </a:rPr>
+                          <m:t>𝑥</m:t>
+                        </m:r>
+                      </m:sup>
+                    </m:sSup>
+                    <m:r>
+                      <a:rPr kumimoji="1" lang="en-US" altLang="ja-JP" b="0" i="1" smtClean="0">
+                        <a:latin typeface="Cambria Math" panose="02040503050406030204" pitchFamily="18" charset="0"/>
+                      </a:rPr>
+                      <m:t>≡2(</m:t>
+                    </m:r>
+                    <m:r>
+                      <a:rPr kumimoji="1" lang="en-US" altLang="ja-JP" b="0" i="1" smtClean="0">
+                        <a:latin typeface="Cambria Math" panose="02040503050406030204" pitchFamily="18" charset="0"/>
+                      </a:rPr>
+                      <m:t>𝑚𝑜𝑑</m:t>
+                    </m:r>
+                    <m:r>
+                      <a:rPr kumimoji="1" lang="en-US" altLang="ja-JP" b="0" i="1" smtClean="0">
+                        <a:latin typeface="Cambria Math" panose="02040503050406030204" pitchFamily="18" charset="0"/>
+                      </a:rPr>
+                      <m:t> 3)</m:t>
+                    </m:r>
+                  </m:oMath>
+                </a14:m>
+                <a:r>
+                  <a:rPr kumimoji="1" lang="ja-JP" altLang="en-US"/>
+                  <a:t>」は解けなかった</a:t>
+                </a:r>
+                <a:endParaRPr kumimoji="1" lang="en-US" altLang="ja-JP"/>
+              </a:p>
+              <a:p>
+                <a:pPr lvl="1"/>
+                <a:r>
+                  <a:rPr kumimoji="1" lang="ja-JP" altLang="en-US"/>
+                  <a:t>素因数分解は</a:t>
+                </a:r>
+                <a14:m>
+                  <m:oMath xmlns:m="http://schemas.openxmlformats.org/officeDocument/2006/math">
+                    <m:r>
+                      <a:rPr kumimoji="1" lang="en-US" altLang="ja-JP" b="0" i="1" smtClean="0">
+                        <a:latin typeface="Cambria Math" panose="02040503050406030204" pitchFamily="18" charset="0"/>
+                      </a:rPr>
+                      <m:t>15=3×5</m:t>
+                    </m:r>
+                  </m:oMath>
+                </a14:m>
+                <a:r>
+                  <a:rPr kumimoji="1" lang="ja-JP" altLang="en-US"/>
+                  <a:t>や</a:t>
+                </a:r>
+                <a:r>
+                  <a:rPr kumimoji="1" lang="en-US" altLang="ja-JP"/>
+                  <a:t>21</a:t>
+                </a:r>
+                <a14:m>
+                  <m:oMath xmlns:m="http://schemas.openxmlformats.org/officeDocument/2006/math">
+                    <m:r>
+                      <a:rPr kumimoji="1" lang="en-US" altLang="ja-JP" b="0" i="1" smtClean="0">
+                        <a:latin typeface="Cambria Math" panose="02040503050406030204" pitchFamily="18" charset="0"/>
+                      </a:rPr>
+                      <m:t>=3×7</m:t>
+                    </m:r>
+                  </m:oMath>
+                </a14:m>
+                <a:r>
+                  <a:rPr kumimoji="1" lang="ja-JP" altLang="en-US"/>
+                  <a:t>ぐらい</a:t>
+                </a:r>
+              </a:p>
+            </p:txBody>
+          </p:sp>
+        </mc:Choice>
+        <mc:Fallback>
+          <p:sp>
+            <p:nvSpPr>
+              <p:cNvPr id="2" name="コンテンツ プレースホルダー 1">
+                <a:extLst>
+                  <a:ext uri="{FF2B5EF4-FFF2-40B4-BE49-F238E27FC236}">
+                    <a16:creationId xmlns:a16="http://schemas.microsoft.com/office/drawing/2014/main" id="{C1F9AB16-6876-43EE-B824-D92159FCDD1E}"/>
+                  </a:ext>
+                </a:extLst>
+              </p:cNvPr>
+              <p:cNvSpPr>
+                <a:spLocks noGrp="1" noRot="1" noChangeAspect="1" noMove="1" noResize="1" noEditPoints="1" noAdjustHandles="1" noChangeArrowheads="1" noChangeShapeType="1" noTextEdit="1"/>
+              </p:cNvSpPr>
+              <p:nvPr>
+                <p:ph idx="1"/>
+              </p:nvPr>
+            </p:nvSpPr>
+            <p:spPr>
+              <a:blipFill>
+                <a:blip r:embed="rId3"/>
+                <a:stretch>
+                  <a:fillRect l="-1200" t="-1454" r="-67"/>
+                </a:stretch>
+              </a:blipFill>
+            </p:spPr>
+            <p:txBody>
+              <a:bodyPr/>
+              <a:lstStyle/>
+              <a:p>
+                <a:r>
+                  <a:rPr lang="ja-JP" altLang="en-US">
+                    <a:noFill/>
+                  </a:rPr>
+                  <a:t> </a:t>
+                </a:r>
+              </a:p>
+            </p:txBody>
+          </p:sp>
+        </mc:Fallback>
+      </mc:AlternateContent>
+      <p:sp>
+        <p:nvSpPr>
+          <p:cNvPr id="3" name="スライド番号プレースホルダー 2">
+            <a:extLst>
+              <a:ext uri="{FF2B5EF4-FFF2-40B4-BE49-F238E27FC236}">
+                <a16:creationId xmlns:a16="http://schemas.microsoft.com/office/drawing/2014/main" id="{17BA969E-4F6E-4DAD-84A2-985EFEF91C07}"/>
+              </a:ext>
+            </a:extLst>
+          </p:cNvPr>
+          <p:cNvSpPr>
+            <a:spLocks noGrp="1"/>
+          </p:cNvSpPr>
+          <p:nvPr>
+            <p:ph type="sldNum" sz="quarter" idx="12"/>
+          </p:nvPr>
+        </p:nvSpPr>
+        <p:spPr/>
+        <p:txBody>
+          <a:bodyPr/>
+          <a:lstStyle/>
+          <a:p>
+            <a:pPr>
+              <a:defRPr/>
+            </a:pPr>
+            <a:r>
+              <a:rPr lang="en-US" altLang="ja-JP"/>
+              <a:t>    </a:t>
+            </a:r>
+            <a:fld id="{B2782DEB-472A-4FE5-AC34-C17109CF5A91}" type="slidenum">
+              <a:rPr lang="en-US" altLang="ja-JP" smtClean="0"/>
+              <a:pPr>
+                <a:defRPr/>
+              </a:pPr>
+              <a:t>37</a:t>
+            </a:fld>
+            <a:r>
+              <a:rPr lang="en-US" altLang="ja-JP"/>
+              <a:t> / 24</a:t>
+            </a:r>
+          </a:p>
+        </p:txBody>
+      </p:sp>
+      <p:sp>
+        <p:nvSpPr>
+          <p:cNvPr id="4" name="タイトル 3">
+            <a:extLst>
+              <a:ext uri="{FF2B5EF4-FFF2-40B4-BE49-F238E27FC236}">
+                <a16:creationId xmlns:a16="http://schemas.microsoft.com/office/drawing/2014/main" id="{2698D8BE-65F3-418D-A556-C6EA402AD124}"/>
+              </a:ext>
+            </a:extLst>
+          </p:cNvPr>
+          <p:cNvSpPr>
+            <a:spLocks noGrp="1"/>
+          </p:cNvSpPr>
+          <p:nvPr>
+            <p:ph type="title"/>
+          </p:nvPr>
+        </p:nvSpPr>
+        <p:spPr/>
+        <p:txBody>
+          <a:bodyPr/>
+          <a:lstStyle/>
+          <a:p>
+            <a:r>
+              <a:rPr kumimoji="1" lang="ja-JP" altLang="en-US"/>
+              <a:t>実際には</a:t>
+            </a:r>
+            <a:r>
+              <a:rPr kumimoji="1" lang="en-US" altLang="ja-JP"/>
+              <a:t>?</a:t>
+            </a:r>
+            <a:endParaRPr kumimoji="1" lang="ja-JP" altLang="en-US"/>
+          </a:p>
+        </p:txBody>
+      </p:sp>
+    </p:spTree>
+    <p:extLst>
+      <p:ext uri="{BB962C8B-B14F-4D97-AF65-F5344CB8AC3E}">
+        <p14:creationId xmlns:p14="http://schemas.microsoft.com/office/powerpoint/2010/main" val="82943507"/>
       </p:ext>
     </p:extLst>
   </p:cSld>

--- a/lec/anninbon11.pptx
+++ b/lec/anninbon11.pptx
@@ -2452,7 +2452,7 @@
           <a:p>
             <a:r>
               <a:rPr lang="ja-JP" altLang="en-US"/>
-              <a:t>暗認本読書</a:t>
+              <a:t>暗認本読書会</a:t>
             </a:r>
             <a:r>
               <a:rPr lang="en-US" altLang="ja-JP"/>
